--- a/포트폴리오 기획서 - 지환.pptx
+++ b/포트폴리오 기획서 - 지환.pptx
@@ -12,9 +12,10 @@
     <p:sldId id="265" r:id="rId6"/>
     <p:sldId id="266" r:id="rId7"/>
     <p:sldId id="267" r:id="rId8"/>
-    <p:sldId id="268" r:id="rId9"/>
-    <p:sldId id="269" r:id="rId10"/>
-    <p:sldId id="259" r:id="rId11"/>
+    <p:sldId id="269" r:id="rId9"/>
+    <p:sldId id="270" r:id="rId10"/>
+    <p:sldId id="268" r:id="rId11"/>
+    <p:sldId id="259" r:id="rId12"/>
   </p:sldIdLst>
   <p:sldSz cx="12192000" cy="6858000"/>
   <p:notesSz cx="6858000" cy="9144000"/>
@@ -115,7 +116,7 @@
   </p:defaultTextStyle>
   <p:extLst>
     <p:ext uri="{EFAFB233-063F-42B5-8137-9DF3F51BA10A}">
-      <p15:sldGuideLst xmlns:p15="http://schemas.microsoft.com/office/powerpoint/2012/main">
+      <p15:sldGuideLst xmlns="" xmlns:p15="http://schemas.microsoft.com/office/powerpoint/2012/main">
         <p15:guide id="1" orient="horz" pos="2160">
           <p15:clr>
             <a:srgbClr val="A4A3A4"/>
@@ -332,7 +333,7 @@
           <a:p>
             <a:fld id="{EA1920B3-93D4-4ABB-A3FD-B5FA8E9A2E93}" type="datetimeFigureOut">
               <a:rPr lang="ko-KR" altLang="en-US" smtClean="0"/>
-              <a:t>2020-02-12</a:t>
+              <a:t>2020-02-14</a:t>
             </a:fld>
             <a:endParaRPr lang="ko-KR" altLang="en-US"/>
           </a:p>
@@ -497,7 +498,7 @@
           <a:p>
             <a:fld id="{EA1920B3-93D4-4ABB-A3FD-B5FA8E9A2E93}" type="datetimeFigureOut">
               <a:rPr lang="ko-KR" altLang="en-US" smtClean="0"/>
-              <a:t>2020-02-12</a:t>
+              <a:t>2020-02-14</a:t>
             </a:fld>
             <a:endParaRPr lang="ko-KR" altLang="en-US"/>
           </a:p>
@@ -672,7 +673,7 @@
           <a:p>
             <a:fld id="{EA1920B3-93D4-4ABB-A3FD-B5FA8E9A2E93}" type="datetimeFigureOut">
               <a:rPr lang="ko-KR" altLang="en-US" smtClean="0"/>
-              <a:t>2020-02-12</a:t>
+              <a:t>2020-02-14</a:t>
             </a:fld>
             <a:endParaRPr lang="ko-KR" altLang="en-US"/>
           </a:p>
@@ -855,7 +856,7 @@
           <a:p>
             <a:fld id="{EA1920B3-93D4-4ABB-A3FD-B5FA8E9A2E93}" type="datetimeFigureOut">
               <a:rPr lang="ko-KR" altLang="en-US" smtClean="0"/>
-              <a:t>2020-02-12</a:t>
+              <a:t>2020-02-14</a:t>
             </a:fld>
             <a:endParaRPr lang="ko-KR" altLang="en-US"/>
           </a:p>
@@ -1117,7 +1118,7 @@
           <a:p>
             <a:fld id="{EA1920B3-93D4-4ABB-A3FD-B5FA8E9A2E93}" type="datetimeFigureOut">
               <a:rPr lang="ko-KR" altLang="en-US" smtClean="0"/>
-              <a:t>2020-02-12</a:t>
+              <a:t>2020-02-14</a:t>
             </a:fld>
             <a:endParaRPr lang="ko-KR" altLang="en-US"/>
           </a:p>
@@ -1465,7 +1466,7 @@
           <a:p>
             <a:fld id="{EA1920B3-93D4-4ABB-A3FD-B5FA8E9A2E93}" type="datetimeFigureOut">
               <a:rPr lang="ko-KR" altLang="en-US" smtClean="0"/>
-              <a:t>2020-02-12</a:t>
+              <a:t>2020-02-14</a:t>
             </a:fld>
             <a:endParaRPr lang="ko-KR" altLang="en-US"/>
           </a:p>
@@ -1773,7 +1774,7 @@
           <a:p>
             <a:fld id="{EA1920B3-93D4-4ABB-A3FD-B5FA8E9A2E93}" type="datetimeFigureOut">
               <a:rPr lang="ko-KR" altLang="en-US" smtClean="0"/>
-              <a:t>2020-02-12</a:t>
+              <a:t>2020-02-14</a:t>
             </a:fld>
             <a:endParaRPr lang="ko-KR" altLang="en-US"/>
           </a:p>
@@ -2000,7 +2001,7 @@
           <a:p>
             <a:fld id="{EA1920B3-93D4-4ABB-A3FD-B5FA8E9A2E93}" type="datetimeFigureOut">
               <a:rPr lang="ko-KR" altLang="en-US" smtClean="0"/>
-              <a:t>2020-02-12</a:t>
+              <a:t>2020-02-14</a:t>
             </a:fld>
             <a:endParaRPr lang="ko-KR" altLang="en-US"/>
           </a:p>
@@ -2090,7 +2091,7 @@
           <a:p>
             <a:fld id="{EA1920B3-93D4-4ABB-A3FD-B5FA8E9A2E93}" type="datetimeFigureOut">
               <a:rPr lang="ko-KR" altLang="en-US" smtClean="0"/>
-              <a:t>2020-02-12</a:t>
+              <a:t>2020-02-14</a:t>
             </a:fld>
             <a:endParaRPr lang="ko-KR" altLang="en-US"/>
           </a:p>
@@ -2378,7 +2379,7 @@
           <a:p>
             <a:fld id="{EA1920B3-93D4-4ABB-A3FD-B5FA8E9A2E93}" type="datetimeFigureOut">
               <a:rPr lang="ko-KR" altLang="en-US" smtClean="0"/>
-              <a:t>2020-02-12</a:t>
+              <a:t>2020-02-14</a:t>
             </a:fld>
             <a:endParaRPr lang="ko-KR" altLang="en-US"/>
           </a:p>
@@ -2647,7 +2648,7 @@
           <a:p>
             <a:fld id="{EA1920B3-93D4-4ABB-A3FD-B5FA8E9A2E93}" type="datetimeFigureOut">
               <a:rPr lang="ko-KR" altLang="en-US" smtClean="0"/>
-              <a:t>2020-02-12</a:t>
+              <a:t>2020-02-14</a:t>
             </a:fld>
             <a:endParaRPr lang="ko-KR" altLang="en-US"/>
           </a:p>
@@ -2857,7 +2858,7 @@
           <a:p>
             <a:fld id="{EA1920B3-93D4-4ABB-A3FD-B5FA8E9A2E93}" type="datetimeFigureOut">
               <a:rPr lang="ko-KR" altLang="en-US" smtClean="0"/>
-              <a:t>2020-02-12</a:t>
+              <a:t>2020-02-14</a:t>
             </a:fld>
             <a:endParaRPr lang="ko-KR" altLang="en-US"/>
           </a:p>
@@ -3380,7 +3381,7 @@
           <p:cNvPr id="2" name="제목 1">
             <a:extLst>
               <a:ext uri="{FF2B5EF4-FFF2-40B4-BE49-F238E27FC236}">
-                <a16:creationId xmlns:a16="http://schemas.microsoft.com/office/drawing/2014/main" id="{67C687C3-A78E-477D-A57F-E7CA8E2CDECB}"/>
+                <a16:creationId xmlns="" xmlns:a16="http://schemas.microsoft.com/office/drawing/2014/main" id="{67C687C3-A78E-477D-A57F-E7CA8E2CDECB}"/>
               </a:ext>
             </a:extLst>
           </p:cNvPr>
@@ -3439,7 +3440,7 @@
           <p:cNvPr id="3" name="부제목 2">
             <a:extLst>
               <a:ext uri="{FF2B5EF4-FFF2-40B4-BE49-F238E27FC236}">
-                <a16:creationId xmlns:a16="http://schemas.microsoft.com/office/drawing/2014/main" id="{AC26165F-FDF1-4D05-A07A-71A6E90F228B}"/>
+                <a16:creationId xmlns="" xmlns:a16="http://schemas.microsoft.com/office/drawing/2014/main" id="{AC26165F-FDF1-4D05-A07A-71A6E90F228B}"/>
               </a:ext>
             </a:extLst>
           </p:cNvPr>
@@ -3538,6 +3539,3067 @@
       </p:grpSpPr>
       <p:sp>
         <p:nvSpPr>
+          <p:cNvPr id="66" name="직사각형 65"/>
+          <p:cNvSpPr/>
+          <p:nvPr/>
+        </p:nvSpPr>
+        <p:spPr>
+          <a:xfrm>
+            <a:off x="2261987" y="-489"/>
+            <a:ext cx="9633601" cy="6858000"/>
+          </a:xfrm>
+          <a:prstGeom prst="rect">
+            <a:avLst/>
+          </a:prstGeom>
+          <a:solidFill>
+            <a:schemeClr val="bg1">
+              <a:lumMod val="65000"/>
+              <a:alpha val="50000"/>
+            </a:schemeClr>
+          </a:solidFill>
+          <a:ln>
+            <a:solidFill>
+              <a:schemeClr val="accent1">
+                <a:shade val="50000"/>
+                <a:alpha val="50000"/>
+              </a:schemeClr>
+            </a:solidFill>
+          </a:ln>
+        </p:spPr>
+        <p:style>
+          <a:lnRef idx="2">
+            <a:schemeClr val="accent1">
+              <a:shade val="50000"/>
+            </a:schemeClr>
+          </a:lnRef>
+          <a:fillRef idx="1">
+            <a:schemeClr val="accent1"/>
+          </a:fillRef>
+          <a:effectRef idx="0">
+            <a:schemeClr val="accent1"/>
+          </a:effectRef>
+          <a:fontRef idx="minor">
+            <a:schemeClr val="lt1"/>
+          </a:fontRef>
+        </p:style>
+        <p:txBody>
+          <a:bodyPr rtlCol="0" anchor="ctr"/>
+          <a:lstStyle/>
+          <a:p>
+            <a:pPr algn="ctr"/>
+            <a:endParaRPr lang="ko-KR" altLang="en-US"/>
+          </a:p>
+        </p:txBody>
+      </p:sp>
+      <p:sp>
+        <p:nvSpPr>
+          <p:cNvPr id="2" name="직사각형 1"/>
+          <p:cNvSpPr/>
+          <p:nvPr/>
+        </p:nvSpPr>
+        <p:spPr>
+          <a:xfrm>
+            <a:off x="2485451" y="4693013"/>
+            <a:ext cx="7187056" cy="2003867"/>
+          </a:xfrm>
+          <a:prstGeom prst="rect">
+            <a:avLst/>
+          </a:prstGeom>
+          <a:solidFill>
+            <a:schemeClr val="accent5">
+              <a:lumMod val="40000"/>
+              <a:lumOff val="60000"/>
+              <a:alpha val="81000"/>
+            </a:schemeClr>
+          </a:solidFill>
+          <a:ln>
+            <a:solidFill>
+              <a:schemeClr val="accent5">
+                <a:lumMod val="75000"/>
+                <a:alpha val="52000"/>
+              </a:schemeClr>
+            </a:solidFill>
+          </a:ln>
+        </p:spPr>
+        <p:style>
+          <a:lnRef idx="2">
+            <a:schemeClr val="accent1">
+              <a:shade val="50000"/>
+            </a:schemeClr>
+          </a:lnRef>
+          <a:fillRef idx="1">
+            <a:schemeClr val="accent1"/>
+          </a:fillRef>
+          <a:effectRef idx="0">
+            <a:schemeClr val="accent1"/>
+          </a:effectRef>
+          <a:fontRef idx="minor">
+            <a:schemeClr val="lt1"/>
+          </a:fontRef>
+        </p:style>
+        <p:txBody>
+          <a:bodyPr rtlCol="0" anchor="ctr"/>
+          <a:lstStyle/>
+          <a:p>
+            <a:pPr algn="ctr"/>
+            <a:endParaRPr lang="ko-KR" altLang="en-US" dirty="0"/>
+          </a:p>
+        </p:txBody>
+      </p:sp>
+      <p:sp>
+        <p:nvSpPr>
+          <p:cNvPr id="6" name="직사각형 5">
+            <a:hlinkClick r:id="rId2" action="ppaction://hlinksldjump"/>
+          </p:cNvPr>
+          <p:cNvSpPr/>
+          <p:nvPr/>
+        </p:nvSpPr>
+        <p:spPr>
+          <a:xfrm>
+            <a:off x="238238" y="6083720"/>
+            <a:ext cx="1729945" cy="543698"/>
+          </a:xfrm>
+          <a:prstGeom prst="rect">
+            <a:avLst/>
+          </a:prstGeom>
+          <a:ln/>
+        </p:spPr>
+        <p:style>
+          <a:lnRef idx="1">
+            <a:schemeClr val="accent6"/>
+          </a:lnRef>
+          <a:fillRef idx="2">
+            <a:schemeClr val="accent6"/>
+          </a:fillRef>
+          <a:effectRef idx="1">
+            <a:schemeClr val="accent6"/>
+          </a:effectRef>
+          <a:fontRef idx="minor">
+            <a:schemeClr val="dk1"/>
+          </a:fontRef>
+        </p:style>
+        <p:txBody>
+          <a:bodyPr rtlCol="0" anchor="ctr"/>
+          <a:lstStyle/>
+          <a:p>
+            <a:pPr algn="ctr"/>
+            <a:r>
+              <a:rPr lang="ko-KR" altLang="en-US" dirty="0" smtClean="0"/>
+              <a:t>메인</a:t>
+            </a:r>
+            <a:endParaRPr lang="en-US" altLang="ko-KR" dirty="0" smtClean="0"/>
+          </a:p>
+        </p:txBody>
+      </p:sp>
+      <p:sp>
+        <p:nvSpPr>
+          <p:cNvPr id="8" name="TextBox 7"/>
+          <p:cNvSpPr txBox="1"/>
+          <p:nvPr/>
+        </p:nvSpPr>
+        <p:spPr>
+          <a:xfrm>
+            <a:off x="3333139" y="4718180"/>
+            <a:ext cx="530915" cy="369332"/>
+          </a:xfrm>
+          <a:prstGeom prst="rect">
+            <a:avLst/>
+          </a:prstGeom>
+          <a:noFill/>
+        </p:spPr>
+        <p:txBody>
+          <a:bodyPr wrap="none" rtlCol="0">
+            <a:spAutoFit/>
+          </a:bodyPr>
+          <a:lstStyle/>
+          <a:p>
+            <a:r>
+              <a:rPr lang="en-US" altLang="ko-KR" dirty="0" smtClean="0"/>
+              <a:t>1</a:t>
+            </a:r>
+            <a:r>
+              <a:rPr lang="ko-KR" altLang="en-US" dirty="0" smtClean="0"/>
+              <a:t>층</a:t>
+            </a:r>
+            <a:endParaRPr lang="en-US" altLang="ko-KR" dirty="0" smtClean="0"/>
+          </a:p>
+        </p:txBody>
+      </p:sp>
+      <p:cxnSp>
+        <p:nvCxnSpPr>
+          <p:cNvPr id="20" name="직선 연결선 19"/>
+          <p:cNvCxnSpPr/>
+          <p:nvPr/>
+        </p:nvCxnSpPr>
+        <p:spPr>
+          <a:xfrm>
+            <a:off x="4687159" y="4693013"/>
+            <a:ext cx="0" cy="2003867"/>
+          </a:xfrm>
+          <a:prstGeom prst="line">
+            <a:avLst/>
+          </a:prstGeom>
+          <a:ln w="28575">
+            <a:solidFill>
+              <a:schemeClr val="accent5">
+                <a:shade val="95000"/>
+                <a:satMod val="105000"/>
+                <a:alpha val="32000"/>
+              </a:schemeClr>
+            </a:solidFill>
+          </a:ln>
+        </p:spPr>
+        <p:style>
+          <a:lnRef idx="1">
+            <a:schemeClr val="accent5"/>
+          </a:lnRef>
+          <a:fillRef idx="0">
+            <a:schemeClr val="accent5"/>
+          </a:fillRef>
+          <a:effectRef idx="0">
+            <a:schemeClr val="accent5"/>
+          </a:effectRef>
+          <a:fontRef idx="minor">
+            <a:schemeClr val="tx1"/>
+          </a:fontRef>
+        </p:style>
+      </p:cxnSp>
+      <p:sp>
+        <p:nvSpPr>
+          <p:cNvPr id="23" name="직사각형 22"/>
+          <p:cNvSpPr/>
+          <p:nvPr/>
+        </p:nvSpPr>
+        <p:spPr>
+          <a:xfrm>
+            <a:off x="2995909" y="6223764"/>
+            <a:ext cx="1136822" cy="395416"/>
+          </a:xfrm>
+          <a:prstGeom prst="rect">
+            <a:avLst/>
+          </a:prstGeom>
+          <a:solidFill>
+            <a:schemeClr val="accent1">
+              <a:alpha val="53000"/>
+            </a:schemeClr>
+          </a:solidFill>
+          <a:ln>
+            <a:solidFill>
+              <a:schemeClr val="accent1">
+                <a:shade val="50000"/>
+                <a:alpha val="44000"/>
+              </a:schemeClr>
+            </a:solidFill>
+          </a:ln>
+        </p:spPr>
+        <p:style>
+          <a:lnRef idx="2">
+            <a:schemeClr val="accent1">
+              <a:shade val="50000"/>
+            </a:schemeClr>
+          </a:lnRef>
+          <a:fillRef idx="1">
+            <a:schemeClr val="accent1"/>
+          </a:fillRef>
+          <a:effectRef idx="0">
+            <a:schemeClr val="accent1"/>
+          </a:effectRef>
+          <a:fontRef idx="minor">
+            <a:schemeClr val="lt1"/>
+          </a:fontRef>
+        </p:style>
+        <p:txBody>
+          <a:bodyPr rtlCol="0" anchor="ctr"/>
+          <a:lstStyle/>
+          <a:p>
+            <a:pPr algn="ctr"/>
+            <a:r>
+              <a:rPr lang="en-US" altLang="ko-KR" dirty="0" smtClean="0"/>
+              <a:t>START</a:t>
+            </a:r>
+            <a:endParaRPr lang="ko-KR" altLang="en-US" dirty="0"/>
+          </a:p>
+        </p:txBody>
+      </p:sp>
+      <p:sp>
+        <p:nvSpPr>
+          <p:cNvPr id="25" name="직사각형 24"/>
+          <p:cNvSpPr/>
+          <p:nvPr/>
+        </p:nvSpPr>
+        <p:spPr>
+          <a:xfrm>
+            <a:off x="4827201" y="4828251"/>
+            <a:ext cx="741405" cy="741405"/>
+          </a:xfrm>
+          <a:prstGeom prst="rect">
+            <a:avLst/>
+          </a:prstGeom>
+          <a:solidFill>
+            <a:schemeClr val="bg1">
+              <a:lumMod val="85000"/>
+              <a:alpha val="45000"/>
+            </a:schemeClr>
+          </a:solidFill>
+          <a:ln>
+            <a:solidFill>
+              <a:schemeClr val="accent1">
+                <a:shade val="50000"/>
+                <a:alpha val="46000"/>
+              </a:schemeClr>
+            </a:solidFill>
+          </a:ln>
+        </p:spPr>
+        <p:style>
+          <a:lnRef idx="2">
+            <a:schemeClr val="accent1">
+              <a:shade val="50000"/>
+            </a:schemeClr>
+          </a:lnRef>
+          <a:fillRef idx="1">
+            <a:schemeClr val="accent1"/>
+          </a:fillRef>
+          <a:effectRef idx="0">
+            <a:schemeClr val="accent1"/>
+          </a:effectRef>
+          <a:fontRef idx="minor">
+            <a:schemeClr val="lt1"/>
+          </a:fontRef>
+        </p:style>
+        <p:txBody>
+          <a:bodyPr rtlCol="0" anchor="ctr"/>
+          <a:lstStyle/>
+          <a:p>
+            <a:pPr algn="ctr"/>
+            <a:r>
+              <a:rPr lang="en-US" altLang="ko-KR" sz="1500" dirty="0" smtClean="0"/>
+              <a:t>Image</a:t>
+            </a:r>
+            <a:endParaRPr lang="ko-KR" altLang="en-US" sz="1500" dirty="0"/>
+          </a:p>
+        </p:txBody>
+      </p:sp>
+      <p:cxnSp>
+        <p:nvCxnSpPr>
+          <p:cNvPr id="27" name="직선 연결선 26"/>
+          <p:cNvCxnSpPr>
+            <a:stCxn id="2" idx="3"/>
+          </p:cNvCxnSpPr>
+          <p:nvPr/>
+        </p:nvCxnSpPr>
+        <p:spPr>
+          <a:xfrm flipH="1">
+            <a:off x="4687159" y="5694947"/>
+            <a:ext cx="4985348" cy="0"/>
+          </a:xfrm>
+          <a:prstGeom prst="line">
+            <a:avLst/>
+          </a:prstGeom>
+          <a:ln w="28575">
+            <a:solidFill>
+              <a:schemeClr val="accent5">
+                <a:shade val="95000"/>
+                <a:satMod val="105000"/>
+                <a:alpha val="32000"/>
+              </a:schemeClr>
+            </a:solidFill>
+          </a:ln>
+        </p:spPr>
+        <p:style>
+          <a:lnRef idx="1">
+            <a:schemeClr val="accent5"/>
+          </a:lnRef>
+          <a:fillRef idx="0">
+            <a:schemeClr val="accent5"/>
+          </a:fillRef>
+          <a:effectRef idx="0">
+            <a:schemeClr val="accent5"/>
+          </a:effectRef>
+          <a:fontRef idx="minor">
+            <a:schemeClr val="tx1"/>
+          </a:fontRef>
+        </p:style>
+      </p:cxnSp>
+      <p:sp>
+        <p:nvSpPr>
+          <p:cNvPr id="32" name="직사각형 31"/>
+          <p:cNvSpPr/>
+          <p:nvPr/>
+        </p:nvSpPr>
+        <p:spPr>
+          <a:xfrm>
+            <a:off x="4827200" y="5840139"/>
+            <a:ext cx="741405" cy="741405"/>
+          </a:xfrm>
+          <a:prstGeom prst="rect">
+            <a:avLst/>
+          </a:prstGeom>
+          <a:solidFill>
+            <a:schemeClr val="bg1">
+              <a:lumMod val="85000"/>
+              <a:alpha val="45000"/>
+            </a:schemeClr>
+          </a:solidFill>
+          <a:ln>
+            <a:solidFill>
+              <a:schemeClr val="accent1">
+                <a:shade val="50000"/>
+                <a:alpha val="46000"/>
+              </a:schemeClr>
+            </a:solidFill>
+          </a:ln>
+        </p:spPr>
+        <p:style>
+          <a:lnRef idx="2">
+            <a:schemeClr val="accent1">
+              <a:shade val="50000"/>
+            </a:schemeClr>
+          </a:lnRef>
+          <a:fillRef idx="1">
+            <a:schemeClr val="accent1"/>
+          </a:fillRef>
+          <a:effectRef idx="0">
+            <a:schemeClr val="accent1"/>
+          </a:effectRef>
+          <a:fontRef idx="minor">
+            <a:schemeClr val="lt1"/>
+          </a:fontRef>
+        </p:style>
+        <p:txBody>
+          <a:bodyPr rtlCol="0" anchor="ctr"/>
+          <a:lstStyle/>
+          <a:p>
+            <a:pPr algn="ctr"/>
+            <a:r>
+              <a:rPr lang="en-US" altLang="ko-KR" sz="1500" dirty="0" smtClean="0"/>
+              <a:t>Image</a:t>
+            </a:r>
+            <a:endParaRPr lang="ko-KR" altLang="en-US" sz="1500" dirty="0"/>
+          </a:p>
+        </p:txBody>
+      </p:sp>
+      <p:sp>
+        <p:nvSpPr>
+          <p:cNvPr id="33" name="직사각형 32"/>
+          <p:cNvSpPr/>
+          <p:nvPr/>
+        </p:nvSpPr>
+        <p:spPr>
+          <a:xfrm>
+            <a:off x="5700411" y="4828250"/>
+            <a:ext cx="741405" cy="741405"/>
+          </a:xfrm>
+          <a:prstGeom prst="rect">
+            <a:avLst/>
+          </a:prstGeom>
+          <a:solidFill>
+            <a:schemeClr val="bg1">
+              <a:lumMod val="85000"/>
+              <a:alpha val="45000"/>
+            </a:schemeClr>
+          </a:solidFill>
+          <a:ln>
+            <a:solidFill>
+              <a:schemeClr val="accent1">
+                <a:shade val="50000"/>
+                <a:alpha val="46000"/>
+              </a:schemeClr>
+            </a:solidFill>
+          </a:ln>
+        </p:spPr>
+        <p:style>
+          <a:lnRef idx="2">
+            <a:schemeClr val="accent1">
+              <a:shade val="50000"/>
+            </a:schemeClr>
+          </a:lnRef>
+          <a:fillRef idx="1">
+            <a:schemeClr val="accent1"/>
+          </a:fillRef>
+          <a:effectRef idx="0">
+            <a:schemeClr val="accent1"/>
+          </a:effectRef>
+          <a:fontRef idx="minor">
+            <a:schemeClr val="lt1"/>
+          </a:fontRef>
+        </p:style>
+        <p:txBody>
+          <a:bodyPr rtlCol="0" anchor="ctr"/>
+          <a:lstStyle/>
+          <a:p>
+            <a:pPr algn="ctr"/>
+            <a:r>
+              <a:rPr lang="en-US" altLang="ko-KR" sz="1500" dirty="0" smtClean="0"/>
+              <a:t>Image</a:t>
+            </a:r>
+            <a:endParaRPr lang="ko-KR" altLang="en-US" sz="1500" dirty="0"/>
+          </a:p>
+        </p:txBody>
+      </p:sp>
+      <p:sp>
+        <p:nvSpPr>
+          <p:cNvPr id="34" name="직사각형 33"/>
+          <p:cNvSpPr/>
+          <p:nvPr/>
+        </p:nvSpPr>
+        <p:spPr>
+          <a:xfrm>
+            <a:off x="5700410" y="5840138"/>
+            <a:ext cx="741405" cy="741405"/>
+          </a:xfrm>
+          <a:prstGeom prst="rect">
+            <a:avLst/>
+          </a:prstGeom>
+          <a:solidFill>
+            <a:schemeClr val="bg1">
+              <a:lumMod val="85000"/>
+              <a:alpha val="45000"/>
+            </a:schemeClr>
+          </a:solidFill>
+          <a:ln>
+            <a:solidFill>
+              <a:schemeClr val="accent1">
+                <a:shade val="50000"/>
+                <a:alpha val="46000"/>
+              </a:schemeClr>
+            </a:solidFill>
+          </a:ln>
+        </p:spPr>
+        <p:style>
+          <a:lnRef idx="2">
+            <a:schemeClr val="accent1">
+              <a:shade val="50000"/>
+            </a:schemeClr>
+          </a:lnRef>
+          <a:fillRef idx="1">
+            <a:schemeClr val="accent1"/>
+          </a:fillRef>
+          <a:effectRef idx="0">
+            <a:schemeClr val="accent1"/>
+          </a:effectRef>
+          <a:fontRef idx="minor">
+            <a:schemeClr val="lt1"/>
+          </a:fontRef>
+        </p:style>
+        <p:txBody>
+          <a:bodyPr rtlCol="0" anchor="ctr"/>
+          <a:lstStyle/>
+          <a:p>
+            <a:pPr algn="ctr"/>
+            <a:r>
+              <a:rPr lang="en-US" altLang="ko-KR" sz="1500" dirty="0" smtClean="0"/>
+              <a:t>Image</a:t>
+            </a:r>
+            <a:endParaRPr lang="ko-KR" altLang="en-US" sz="1500" dirty="0"/>
+          </a:p>
+        </p:txBody>
+      </p:sp>
+      <p:sp>
+        <p:nvSpPr>
+          <p:cNvPr id="35" name="직사각형 34"/>
+          <p:cNvSpPr/>
+          <p:nvPr/>
+        </p:nvSpPr>
+        <p:spPr>
+          <a:xfrm>
+            <a:off x="6573623" y="4828252"/>
+            <a:ext cx="741405" cy="741405"/>
+          </a:xfrm>
+          <a:prstGeom prst="rect">
+            <a:avLst/>
+          </a:prstGeom>
+          <a:solidFill>
+            <a:schemeClr val="bg1">
+              <a:lumMod val="85000"/>
+              <a:alpha val="45000"/>
+            </a:schemeClr>
+          </a:solidFill>
+          <a:ln>
+            <a:solidFill>
+              <a:schemeClr val="accent1">
+                <a:shade val="50000"/>
+                <a:alpha val="46000"/>
+              </a:schemeClr>
+            </a:solidFill>
+          </a:ln>
+        </p:spPr>
+        <p:style>
+          <a:lnRef idx="2">
+            <a:schemeClr val="accent1">
+              <a:shade val="50000"/>
+            </a:schemeClr>
+          </a:lnRef>
+          <a:fillRef idx="1">
+            <a:schemeClr val="accent1"/>
+          </a:fillRef>
+          <a:effectRef idx="0">
+            <a:schemeClr val="accent1"/>
+          </a:effectRef>
+          <a:fontRef idx="minor">
+            <a:schemeClr val="lt1"/>
+          </a:fontRef>
+        </p:style>
+        <p:txBody>
+          <a:bodyPr rtlCol="0" anchor="ctr"/>
+          <a:lstStyle/>
+          <a:p>
+            <a:pPr algn="ctr"/>
+            <a:r>
+              <a:rPr lang="en-US" altLang="ko-KR" sz="1500" dirty="0" smtClean="0"/>
+              <a:t>Image</a:t>
+            </a:r>
+            <a:endParaRPr lang="ko-KR" altLang="en-US" sz="1500" dirty="0"/>
+          </a:p>
+        </p:txBody>
+      </p:sp>
+      <p:sp>
+        <p:nvSpPr>
+          <p:cNvPr id="36" name="직사각형 35"/>
+          <p:cNvSpPr/>
+          <p:nvPr/>
+        </p:nvSpPr>
+        <p:spPr>
+          <a:xfrm>
+            <a:off x="6573622" y="5840140"/>
+            <a:ext cx="741405" cy="741405"/>
+          </a:xfrm>
+          <a:prstGeom prst="rect">
+            <a:avLst/>
+          </a:prstGeom>
+          <a:solidFill>
+            <a:schemeClr val="bg1">
+              <a:lumMod val="85000"/>
+              <a:alpha val="45000"/>
+            </a:schemeClr>
+          </a:solidFill>
+          <a:ln>
+            <a:solidFill>
+              <a:schemeClr val="accent1">
+                <a:shade val="50000"/>
+                <a:alpha val="46000"/>
+              </a:schemeClr>
+            </a:solidFill>
+          </a:ln>
+        </p:spPr>
+        <p:style>
+          <a:lnRef idx="2">
+            <a:schemeClr val="accent1">
+              <a:shade val="50000"/>
+            </a:schemeClr>
+          </a:lnRef>
+          <a:fillRef idx="1">
+            <a:schemeClr val="accent1"/>
+          </a:fillRef>
+          <a:effectRef idx="0">
+            <a:schemeClr val="accent1"/>
+          </a:effectRef>
+          <a:fontRef idx="minor">
+            <a:schemeClr val="lt1"/>
+          </a:fontRef>
+        </p:style>
+        <p:txBody>
+          <a:bodyPr rtlCol="0" anchor="ctr"/>
+          <a:lstStyle/>
+          <a:p>
+            <a:pPr algn="ctr"/>
+            <a:r>
+              <a:rPr lang="en-US" altLang="ko-KR" sz="1500" dirty="0" smtClean="0"/>
+              <a:t>Image</a:t>
+            </a:r>
+            <a:endParaRPr lang="ko-KR" altLang="en-US" sz="1500" dirty="0"/>
+          </a:p>
+        </p:txBody>
+      </p:sp>
+      <p:sp>
+        <p:nvSpPr>
+          <p:cNvPr id="37" name="직사각형 36"/>
+          <p:cNvSpPr/>
+          <p:nvPr/>
+        </p:nvSpPr>
+        <p:spPr>
+          <a:xfrm>
+            <a:off x="7446833" y="4828251"/>
+            <a:ext cx="741405" cy="741405"/>
+          </a:xfrm>
+          <a:prstGeom prst="rect">
+            <a:avLst/>
+          </a:prstGeom>
+          <a:solidFill>
+            <a:schemeClr val="bg1">
+              <a:lumMod val="85000"/>
+              <a:alpha val="45000"/>
+            </a:schemeClr>
+          </a:solidFill>
+          <a:ln>
+            <a:solidFill>
+              <a:schemeClr val="accent1">
+                <a:shade val="50000"/>
+                <a:alpha val="46000"/>
+              </a:schemeClr>
+            </a:solidFill>
+          </a:ln>
+        </p:spPr>
+        <p:style>
+          <a:lnRef idx="2">
+            <a:schemeClr val="accent1">
+              <a:shade val="50000"/>
+            </a:schemeClr>
+          </a:lnRef>
+          <a:fillRef idx="1">
+            <a:schemeClr val="accent1"/>
+          </a:fillRef>
+          <a:effectRef idx="0">
+            <a:schemeClr val="accent1"/>
+          </a:effectRef>
+          <a:fontRef idx="minor">
+            <a:schemeClr val="lt1"/>
+          </a:fontRef>
+        </p:style>
+        <p:txBody>
+          <a:bodyPr rtlCol="0" anchor="ctr"/>
+          <a:lstStyle/>
+          <a:p>
+            <a:pPr algn="ctr"/>
+            <a:r>
+              <a:rPr lang="en-US" altLang="ko-KR" sz="1500" dirty="0" smtClean="0"/>
+              <a:t>Image</a:t>
+            </a:r>
+            <a:endParaRPr lang="ko-KR" altLang="en-US" sz="1500" dirty="0"/>
+          </a:p>
+        </p:txBody>
+      </p:sp>
+      <p:sp>
+        <p:nvSpPr>
+          <p:cNvPr id="38" name="직사각형 37"/>
+          <p:cNvSpPr/>
+          <p:nvPr/>
+        </p:nvSpPr>
+        <p:spPr>
+          <a:xfrm>
+            <a:off x="7446832" y="5840139"/>
+            <a:ext cx="741405" cy="741405"/>
+          </a:xfrm>
+          <a:prstGeom prst="rect">
+            <a:avLst/>
+          </a:prstGeom>
+          <a:solidFill>
+            <a:schemeClr val="bg1">
+              <a:lumMod val="85000"/>
+              <a:alpha val="45000"/>
+            </a:schemeClr>
+          </a:solidFill>
+          <a:ln>
+            <a:solidFill>
+              <a:schemeClr val="accent1">
+                <a:shade val="50000"/>
+                <a:alpha val="46000"/>
+              </a:schemeClr>
+            </a:solidFill>
+          </a:ln>
+        </p:spPr>
+        <p:style>
+          <a:lnRef idx="2">
+            <a:schemeClr val="accent1">
+              <a:shade val="50000"/>
+            </a:schemeClr>
+          </a:lnRef>
+          <a:fillRef idx="1">
+            <a:schemeClr val="accent1"/>
+          </a:fillRef>
+          <a:effectRef idx="0">
+            <a:schemeClr val="accent1"/>
+          </a:effectRef>
+          <a:fontRef idx="minor">
+            <a:schemeClr val="lt1"/>
+          </a:fontRef>
+        </p:style>
+        <p:txBody>
+          <a:bodyPr rtlCol="0" anchor="ctr"/>
+          <a:lstStyle/>
+          <a:p>
+            <a:pPr algn="ctr"/>
+            <a:r>
+              <a:rPr lang="en-US" altLang="ko-KR" sz="1500" dirty="0" smtClean="0"/>
+              <a:t>Image</a:t>
+            </a:r>
+            <a:endParaRPr lang="ko-KR" altLang="en-US" sz="1500" dirty="0"/>
+          </a:p>
+        </p:txBody>
+      </p:sp>
+      <p:sp>
+        <p:nvSpPr>
+          <p:cNvPr id="39" name="직사각형 38"/>
+          <p:cNvSpPr/>
+          <p:nvPr/>
+        </p:nvSpPr>
+        <p:spPr>
+          <a:xfrm>
+            <a:off x="2654000" y="5085443"/>
+            <a:ext cx="1048852" cy="1048852"/>
+          </a:xfrm>
+          <a:prstGeom prst="rect">
+            <a:avLst/>
+          </a:prstGeom>
+        </p:spPr>
+        <p:style>
+          <a:lnRef idx="2">
+            <a:schemeClr val="accent1">
+              <a:shade val="50000"/>
+            </a:schemeClr>
+          </a:lnRef>
+          <a:fillRef idx="1">
+            <a:schemeClr val="accent1"/>
+          </a:fillRef>
+          <a:effectRef idx="0">
+            <a:schemeClr val="accent1"/>
+          </a:effectRef>
+          <a:fontRef idx="minor">
+            <a:schemeClr val="lt1"/>
+          </a:fontRef>
+        </p:style>
+        <p:txBody>
+          <a:bodyPr rtlCol="0" anchor="ctr"/>
+          <a:lstStyle/>
+          <a:p>
+            <a:pPr algn="ctr"/>
+            <a:r>
+              <a:rPr lang="en-US" altLang="ko-KR" dirty="0" smtClean="0"/>
+              <a:t>Image</a:t>
+            </a:r>
+            <a:endParaRPr lang="ko-KR" altLang="en-US" dirty="0"/>
+          </a:p>
+        </p:txBody>
+      </p:sp>
+      <p:sp>
+        <p:nvSpPr>
+          <p:cNvPr id="40" name="직사각형 39"/>
+          <p:cNvSpPr/>
+          <p:nvPr/>
+        </p:nvSpPr>
+        <p:spPr>
+          <a:xfrm>
+            <a:off x="2485450" y="2632848"/>
+            <a:ext cx="7187056" cy="2003867"/>
+          </a:xfrm>
+          <a:prstGeom prst="rect">
+            <a:avLst/>
+          </a:prstGeom>
+          <a:solidFill>
+            <a:schemeClr val="accent5">
+              <a:lumMod val="60000"/>
+              <a:lumOff val="40000"/>
+              <a:alpha val="81000"/>
+            </a:schemeClr>
+          </a:solidFill>
+          <a:ln>
+            <a:solidFill>
+              <a:schemeClr val="accent1">
+                <a:alpha val="52000"/>
+              </a:schemeClr>
+            </a:solidFill>
+          </a:ln>
+        </p:spPr>
+        <p:style>
+          <a:lnRef idx="2">
+            <a:schemeClr val="accent1">
+              <a:shade val="50000"/>
+            </a:schemeClr>
+          </a:lnRef>
+          <a:fillRef idx="1">
+            <a:schemeClr val="accent1"/>
+          </a:fillRef>
+          <a:effectRef idx="0">
+            <a:schemeClr val="accent1"/>
+          </a:effectRef>
+          <a:fontRef idx="minor">
+            <a:schemeClr val="lt1"/>
+          </a:fontRef>
+        </p:style>
+        <p:txBody>
+          <a:bodyPr rtlCol="0" anchor="ctr"/>
+          <a:lstStyle/>
+          <a:p>
+            <a:pPr algn="ctr"/>
+            <a:endParaRPr lang="ko-KR" altLang="en-US"/>
+          </a:p>
+        </p:txBody>
+      </p:sp>
+      <p:cxnSp>
+        <p:nvCxnSpPr>
+          <p:cNvPr id="41" name="직선 연결선 40"/>
+          <p:cNvCxnSpPr/>
+          <p:nvPr/>
+        </p:nvCxnSpPr>
+        <p:spPr>
+          <a:xfrm>
+            <a:off x="4687158" y="2632848"/>
+            <a:ext cx="0" cy="2003867"/>
+          </a:xfrm>
+          <a:prstGeom prst="line">
+            <a:avLst/>
+          </a:prstGeom>
+          <a:ln w="28575">
+            <a:solidFill>
+              <a:schemeClr val="accent5">
+                <a:shade val="95000"/>
+                <a:satMod val="105000"/>
+                <a:alpha val="32000"/>
+              </a:schemeClr>
+            </a:solidFill>
+          </a:ln>
+        </p:spPr>
+        <p:style>
+          <a:lnRef idx="1">
+            <a:schemeClr val="accent5"/>
+          </a:lnRef>
+          <a:fillRef idx="0">
+            <a:schemeClr val="accent5"/>
+          </a:fillRef>
+          <a:effectRef idx="0">
+            <a:schemeClr val="accent5"/>
+          </a:effectRef>
+          <a:fontRef idx="minor">
+            <a:schemeClr val="tx1"/>
+          </a:fontRef>
+        </p:style>
+      </p:cxnSp>
+      <p:sp>
+        <p:nvSpPr>
+          <p:cNvPr id="43" name="직사각형 42"/>
+          <p:cNvSpPr/>
+          <p:nvPr/>
+        </p:nvSpPr>
+        <p:spPr>
+          <a:xfrm>
+            <a:off x="4827200" y="2768086"/>
+            <a:ext cx="741405" cy="741405"/>
+          </a:xfrm>
+          <a:prstGeom prst="rect">
+            <a:avLst/>
+          </a:prstGeom>
+          <a:solidFill>
+            <a:schemeClr val="bg1">
+              <a:lumMod val="85000"/>
+              <a:alpha val="45000"/>
+            </a:schemeClr>
+          </a:solidFill>
+          <a:ln>
+            <a:solidFill>
+              <a:schemeClr val="accent1">
+                <a:shade val="50000"/>
+                <a:alpha val="46000"/>
+              </a:schemeClr>
+            </a:solidFill>
+          </a:ln>
+        </p:spPr>
+        <p:style>
+          <a:lnRef idx="2">
+            <a:schemeClr val="accent1">
+              <a:shade val="50000"/>
+            </a:schemeClr>
+          </a:lnRef>
+          <a:fillRef idx="1">
+            <a:schemeClr val="accent1"/>
+          </a:fillRef>
+          <a:effectRef idx="0">
+            <a:schemeClr val="accent1"/>
+          </a:effectRef>
+          <a:fontRef idx="minor">
+            <a:schemeClr val="lt1"/>
+          </a:fontRef>
+        </p:style>
+        <p:txBody>
+          <a:bodyPr rtlCol="0" anchor="ctr"/>
+          <a:lstStyle/>
+          <a:p>
+            <a:pPr algn="ctr"/>
+            <a:r>
+              <a:rPr lang="en-US" altLang="ko-KR" sz="1500" dirty="0" smtClean="0"/>
+              <a:t>Image</a:t>
+            </a:r>
+            <a:endParaRPr lang="ko-KR" altLang="en-US" sz="1500" dirty="0"/>
+          </a:p>
+        </p:txBody>
+      </p:sp>
+      <p:cxnSp>
+        <p:nvCxnSpPr>
+          <p:cNvPr id="44" name="직선 연결선 43"/>
+          <p:cNvCxnSpPr>
+            <a:stCxn id="40" idx="3"/>
+          </p:cNvCxnSpPr>
+          <p:nvPr/>
+        </p:nvCxnSpPr>
+        <p:spPr>
+          <a:xfrm flipH="1">
+            <a:off x="4687158" y="3634782"/>
+            <a:ext cx="4985348" cy="0"/>
+          </a:xfrm>
+          <a:prstGeom prst="line">
+            <a:avLst/>
+          </a:prstGeom>
+          <a:ln w="28575">
+            <a:solidFill>
+              <a:schemeClr val="accent5">
+                <a:shade val="95000"/>
+                <a:satMod val="105000"/>
+                <a:alpha val="32000"/>
+              </a:schemeClr>
+            </a:solidFill>
+          </a:ln>
+        </p:spPr>
+        <p:style>
+          <a:lnRef idx="1">
+            <a:schemeClr val="accent5"/>
+          </a:lnRef>
+          <a:fillRef idx="0">
+            <a:schemeClr val="accent5"/>
+          </a:fillRef>
+          <a:effectRef idx="0">
+            <a:schemeClr val="accent5"/>
+          </a:effectRef>
+          <a:fontRef idx="minor">
+            <a:schemeClr val="tx1"/>
+          </a:fontRef>
+        </p:style>
+      </p:cxnSp>
+      <p:sp>
+        <p:nvSpPr>
+          <p:cNvPr id="45" name="직사각형 44"/>
+          <p:cNvSpPr/>
+          <p:nvPr/>
+        </p:nvSpPr>
+        <p:spPr>
+          <a:xfrm>
+            <a:off x="4827199" y="3779974"/>
+            <a:ext cx="741405" cy="741405"/>
+          </a:xfrm>
+          <a:prstGeom prst="rect">
+            <a:avLst/>
+          </a:prstGeom>
+          <a:solidFill>
+            <a:schemeClr val="bg1">
+              <a:lumMod val="85000"/>
+              <a:alpha val="45000"/>
+            </a:schemeClr>
+          </a:solidFill>
+          <a:ln>
+            <a:solidFill>
+              <a:schemeClr val="accent1">
+                <a:shade val="50000"/>
+                <a:alpha val="46000"/>
+              </a:schemeClr>
+            </a:solidFill>
+          </a:ln>
+        </p:spPr>
+        <p:style>
+          <a:lnRef idx="2">
+            <a:schemeClr val="accent1">
+              <a:shade val="50000"/>
+            </a:schemeClr>
+          </a:lnRef>
+          <a:fillRef idx="1">
+            <a:schemeClr val="accent1"/>
+          </a:fillRef>
+          <a:effectRef idx="0">
+            <a:schemeClr val="accent1"/>
+          </a:effectRef>
+          <a:fontRef idx="minor">
+            <a:schemeClr val="lt1"/>
+          </a:fontRef>
+        </p:style>
+        <p:txBody>
+          <a:bodyPr rtlCol="0" anchor="ctr"/>
+          <a:lstStyle/>
+          <a:p>
+            <a:pPr algn="ctr"/>
+            <a:r>
+              <a:rPr lang="en-US" altLang="ko-KR" sz="1500" dirty="0" smtClean="0"/>
+              <a:t>Image</a:t>
+            </a:r>
+            <a:endParaRPr lang="ko-KR" altLang="en-US" sz="1500" dirty="0"/>
+          </a:p>
+        </p:txBody>
+      </p:sp>
+      <p:sp>
+        <p:nvSpPr>
+          <p:cNvPr id="46" name="직사각형 45"/>
+          <p:cNvSpPr/>
+          <p:nvPr/>
+        </p:nvSpPr>
+        <p:spPr>
+          <a:xfrm>
+            <a:off x="5700410" y="2768085"/>
+            <a:ext cx="741405" cy="741405"/>
+          </a:xfrm>
+          <a:prstGeom prst="rect">
+            <a:avLst/>
+          </a:prstGeom>
+          <a:solidFill>
+            <a:schemeClr val="bg1">
+              <a:lumMod val="85000"/>
+              <a:alpha val="45000"/>
+            </a:schemeClr>
+          </a:solidFill>
+          <a:ln>
+            <a:solidFill>
+              <a:schemeClr val="accent1">
+                <a:shade val="50000"/>
+                <a:alpha val="46000"/>
+              </a:schemeClr>
+            </a:solidFill>
+          </a:ln>
+        </p:spPr>
+        <p:style>
+          <a:lnRef idx="2">
+            <a:schemeClr val="accent1">
+              <a:shade val="50000"/>
+            </a:schemeClr>
+          </a:lnRef>
+          <a:fillRef idx="1">
+            <a:schemeClr val="accent1"/>
+          </a:fillRef>
+          <a:effectRef idx="0">
+            <a:schemeClr val="accent1"/>
+          </a:effectRef>
+          <a:fontRef idx="minor">
+            <a:schemeClr val="lt1"/>
+          </a:fontRef>
+        </p:style>
+        <p:txBody>
+          <a:bodyPr rtlCol="0" anchor="ctr"/>
+          <a:lstStyle/>
+          <a:p>
+            <a:pPr algn="ctr"/>
+            <a:r>
+              <a:rPr lang="en-US" altLang="ko-KR" sz="1500" dirty="0" smtClean="0"/>
+              <a:t>Image</a:t>
+            </a:r>
+            <a:endParaRPr lang="ko-KR" altLang="en-US" sz="1500" dirty="0"/>
+          </a:p>
+        </p:txBody>
+      </p:sp>
+      <p:sp>
+        <p:nvSpPr>
+          <p:cNvPr id="47" name="직사각형 46"/>
+          <p:cNvSpPr/>
+          <p:nvPr/>
+        </p:nvSpPr>
+        <p:spPr>
+          <a:xfrm>
+            <a:off x="5700409" y="3779973"/>
+            <a:ext cx="741405" cy="741405"/>
+          </a:xfrm>
+          <a:prstGeom prst="rect">
+            <a:avLst/>
+          </a:prstGeom>
+          <a:solidFill>
+            <a:schemeClr val="bg1">
+              <a:lumMod val="85000"/>
+              <a:alpha val="45000"/>
+            </a:schemeClr>
+          </a:solidFill>
+          <a:ln>
+            <a:solidFill>
+              <a:schemeClr val="accent1">
+                <a:shade val="50000"/>
+                <a:alpha val="46000"/>
+              </a:schemeClr>
+            </a:solidFill>
+          </a:ln>
+        </p:spPr>
+        <p:style>
+          <a:lnRef idx="2">
+            <a:schemeClr val="accent1">
+              <a:shade val="50000"/>
+            </a:schemeClr>
+          </a:lnRef>
+          <a:fillRef idx="1">
+            <a:schemeClr val="accent1"/>
+          </a:fillRef>
+          <a:effectRef idx="0">
+            <a:schemeClr val="accent1"/>
+          </a:effectRef>
+          <a:fontRef idx="minor">
+            <a:schemeClr val="lt1"/>
+          </a:fontRef>
+        </p:style>
+        <p:txBody>
+          <a:bodyPr rtlCol="0" anchor="ctr"/>
+          <a:lstStyle/>
+          <a:p>
+            <a:pPr algn="ctr"/>
+            <a:r>
+              <a:rPr lang="en-US" altLang="ko-KR" sz="1500" dirty="0" smtClean="0"/>
+              <a:t>Image</a:t>
+            </a:r>
+            <a:endParaRPr lang="ko-KR" altLang="en-US" sz="1500" dirty="0"/>
+          </a:p>
+        </p:txBody>
+      </p:sp>
+      <p:sp>
+        <p:nvSpPr>
+          <p:cNvPr id="48" name="직사각형 47"/>
+          <p:cNvSpPr/>
+          <p:nvPr/>
+        </p:nvSpPr>
+        <p:spPr>
+          <a:xfrm>
+            <a:off x="6573622" y="2768087"/>
+            <a:ext cx="741405" cy="741405"/>
+          </a:xfrm>
+          <a:prstGeom prst="rect">
+            <a:avLst/>
+          </a:prstGeom>
+          <a:solidFill>
+            <a:schemeClr val="bg1">
+              <a:lumMod val="85000"/>
+              <a:alpha val="45000"/>
+            </a:schemeClr>
+          </a:solidFill>
+          <a:ln>
+            <a:solidFill>
+              <a:schemeClr val="accent1">
+                <a:shade val="50000"/>
+                <a:alpha val="46000"/>
+              </a:schemeClr>
+            </a:solidFill>
+          </a:ln>
+        </p:spPr>
+        <p:style>
+          <a:lnRef idx="2">
+            <a:schemeClr val="accent1">
+              <a:shade val="50000"/>
+            </a:schemeClr>
+          </a:lnRef>
+          <a:fillRef idx="1">
+            <a:schemeClr val="accent1"/>
+          </a:fillRef>
+          <a:effectRef idx="0">
+            <a:schemeClr val="accent1"/>
+          </a:effectRef>
+          <a:fontRef idx="minor">
+            <a:schemeClr val="lt1"/>
+          </a:fontRef>
+        </p:style>
+        <p:txBody>
+          <a:bodyPr rtlCol="0" anchor="ctr"/>
+          <a:lstStyle/>
+          <a:p>
+            <a:pPr algn="ctr"/>
+            <a:r>
+              <a:rPr lang="en-US" altLang="ko-KR" sz="1500" dirty="0" smtClean="0"/>
+              <a:t>Image</a:t>
+            </a:r>
+            <a:endParaRPr lang="ko-KR" altLang="en-US" sz="1500" dirty="0"/>
+          </a:p>
+        </p:txBody>
+      </p:sp>
+      <p:sp>
+        <p:nvSpPr>
+          <p:cNvPr id="49" name="직사각형 48"/>
+          <p:cNvSpPr/>
+          <p:nvPr/>
+        </p:nvSpPr>
+        <p:spPr>
+          <a:xfrm>
+            <a:off x="6573621" y="3779975"/>
+            <a:ext cx="741405" cy="741405"/>
+          </a:xfrm>
+          <a:prstGeom prst="rect">
+            <a:avLst/>
+          </a:prstGeom>
+          <a:solidFill>
+            <a:schemeClr val="bg1">
+              <a:lumMod val="85000"/>
+              <a:alpha val="45000"/>
+            </a:schemeClr>
+          </a:solidFill>
+          <a:ln>
+            <a:solidFill>
+              <a:schemeClr val="accent1">
+                <a:shade val="50000"/>
+                <a:alpha val="46000"/>
+              </a:schemeClr>
+            </a:solidFill>
+          </a:ln>
+        </p:spPr>
+        <p:style>
+          <a:lnRef idx="2">
+            <a:schemeClr val="accent1">
+              <a:shade val="50000"/>
+            </a:schemeClr>
+          </a:lnRef>
+          <a:fillRef idx="1">
+            <a:schemeClr val="accent1"/>
+          </a:fillRef>
+          <a:effectRef idx="0">
+            <a:schemeClr val="accent1"/>
+          </a:effectRef>
+          <a:fontRef idx="minor">
+            <a:schemeClr val="lt1"/>
+          </a:fontRef>
+        </p:style>
+        <p:txBody>
+          <a:bodyPr rtlCol="0" anchor="ctr"/>
+          <a:lstStyle/>
+          <a:p>
+            <a:pPr algn="ctr"/>
+            <a:r>
+              <a:rPr lang="en-US" altLang="ko-KR" sz="1500" dirty="0" smtClean="0"/>
+              <a:t>Image</a:t>
+            </a:r>
+            <a:endParaRPr lang="ko-KR" altLang="en-US" sz="1500" dirty="0"/>
+          </a:p>
+        </p:txBody>
+      </p:sp>
+      <p:sp>
+        <p:nvSpPr>
+          <p:cNvPr id="50" name="직사각형 49"/>
+          <p:cNvSpPr/>
+          <p:nvPr/>
+        </p:nvSpPr>
+        <p:spPr>
+          <a:xfrm>
+            <a:off x="7446832" y="2768086"/>
+            <a:ext cx="741405" cy="741405"/>
+          </a:xfrm>
+          <a:prstGeom prst="rect">
+            <a:avLst/>
+          </a:prstGeom>
+          <a:solidFill>
+            <a:schemeClr val="bg1">
+              <a:lumMod val="85000"/>
+              <a:alpha val="45000"/>
+            </a:schemeClr>
+          </a:solidFill>
+          <a:ln>
+            <a:solidFill>
+              <a:schemeClr val="accent1">
+                <a:shade val="50000"/>
+                <a:alpha val="46000"/>
+              </a:schemeClr>
+            </a:solidFill>
+          </a:ln>
+        </p:spPr>
+        <p:style>
+          <a:lnRef idx="2">
+            <a:schemeClr val="accent1">
+              <a:shade val="50000"/>
+            </a:schemeClr>
+          </a:lnRef>
+          <a:fillRef idx="1">
+            <a:schemeClr val="accent1"/>
+          </a:fillRef>
+          <a:effectRef idx="0">
+            <a:schemeClr val="accent1"/>
+          </a:effectRef>
+          <a:fontRef idx="minor">
+            <a:schemeClr val="lt1"/>
+          </a:fontRef>
+        </p:style>
+        <p:txBody>
+          <a:bodyPr rtlCol="0" anchor="ctr"/>
+          <a:lstStyle/>
+          <a:p>
+            <a:pPr algn="ctr"/>
+            <a:r>
+              <a:rPr lang="en-US" altLang="ko-KR" sz="1500" dirty="0" smtClean="0"/>
+              <a:t>Image</a:t>
+            </a:r>
+            <a:endParaRPr lang="ko-KR" altLang="en-US" sz="1500" dirty="0"/>
+          </a:p>
+        </p:txBody>
+      </p:sp>
+      <p:sp>
+        <p:nvSpPr>
+          <p:cNvPr id="51" name="직사각형 50"/>
+          <p:cNvSpPr/>
+          <p:nvPr/>
+        </p:nvSpPr>
+        <p:spPr>
+          <a:xfrm>
+            <a:off x="7446831" y="3779974"/>
+            <a:ext cx="741405" cy="741405"/>
+          </a:xfrm>
+          <a:prstGeom prst="rect">
+            <a:avLst/>
+          </a:prstGeom>
+          <a:solidFill>
+            <a:schemeClr val="bg1">
+              <a:lumMod val="85000"/>
+              <a:alpha val="45000"/>
+            </a:schemeClr>
+          </a:solidFill>
+          <a:ln>
+            <a:solidFill>
+              <a:schemeClr val="accent1">
+                <a:shade val="50000"/>
+                <a:alpha val="46000"/>
+              </a:schemeClr>
+            </a:solidFill>
+          </a:ln>
+        </p:spPr>
+        <p:style>
+          <a:lnRef idx="2">
+            <a:schemeClr val="accent1">
+              <a:shade val="50000"/>
+            </a:schemeClr>
+          </a:lnRef>
+          <a:fillRef idx="1">
+            <a:schemeClr val="accent1"/>
+          </a:fillRef>
+          <a:effectRef idx="0">
+            <a:schemeClr val="accent1"/>
+          </a:effectRef>
+          <a:fontRef idx="minor">
+            <a:schemeClr val="lt1"/>
+          </a:fontRef>
+        </p:style>
+        <p:txBody>
+          <a:bodyPr rtlCol="0" anchor="ctr"/>
+          <a:lstStyle/>
+          <a:p>
+            <a:pPr algn="ctr"/>
+            <a:r>
+              <a:rPr lang="en-US" altLang="ko-KR" sz="1500" dirty="0" smtClean="0"/>
+              <a:t>Image</a:t>
+            </a:r>
+            <a:endParaRPr lang="ko-KR" altLang="en-US" sz="1500" dirty="0"/>
+          </a:p>
+        </p:txBody>
+      </p:sp>
+      <p:sp>
+        <p:nvSpPr>
+          <p:cNvPr id="53" name="직사각형 52"/>
+          <p:cNvSpPr/>
+          <p:nvPr/>
+        </p:nvSpPr>
+        <p:spPr>
+          <a:xfrm>
+            <a:off x="2485451" y="579704"/>
+            <a:ext cx="7187056" cy="2003867"/>
+          </a:xfrm>
+          <a:prstGeom prst="rect">
+            <a:avLst/>
+          </a:prstGeom>
+          <a:solidFill>
+            <a:srgbClr val="92D050">
+              <a:alpha val="81000"/>
+            </a:srgbClr>
+          </a:solidFill>
+          <a:ln>
+            <a:solidFill>
+              <a:schemeClr val="accent5">
+                <a:lumMod val="75000"/>
+                <a:alpha val="52000"/>
+              </a:schemeClr>
+            </a:solidFill>
+          </a:ln>
+        </p:spPr>
+        <p:style>
+          <a:lnRef idx="2">
+            <a:schemeClr val="accent1">
+              <a:shade val="50000"/>
+            </a:schemeClr>
+          </a:lnRef>
+          <a:fillRef idx="1">
+            <a:schemeClr val="accent1"/>
+          </a:fillRef>
+          <a:effectRef idx="0">
+            <a:schemeClr val="accent1"/>
+          </a:effectRef>
+          <a:fontRef idx="minor">
+            <a:schemeClr val="lt1"/>
+          </a:fontRef>
+        </p:style>
+        <p:txBody>
+          <a:bodyPr rtlCol="0" anchor="ctr"/>
+          <a:lstStyle/>
+          <a:p>
+            <a:pPr algn="ctr"/>
+            <a:endParaRPr lang="ko-KR" altLang="en-US"/>
+          </a:p>
+        </p:txBody>
+      </p:sp>
+      <p:cxnSp>
+        <p:nvCxnSpPr>
+          <p:cNvPr id="54" name="직선 연결선 53"/>
+          <p:cNvCxnSpPr/>
+          <p:nvPr/>
+        </p:nvCxnSpPr>
+        <p:spPr>
+          <a:xfrm>
+            <a:off x="4687159" y="579704"/>
+            <a:ext cx="0" cy="2003867"/>
+          </a:xfrm>
+          <a:prstGeom prst="line">
+            <a:avLst/>
+          </a:prstGeom>
+          <a:ln w="28575">
+            <a:solidFill>
+              <a:schemeClr val="accent5">
+                <a:shade val="95000"/>
+                <a:satMod val="105000"/>
+                <a:alpha val="32000"/>
+              </a:schemeClr>
+            </a:solidFill>
+          </a:ln>
+        </p:spPr>
+        <p:style>
+          <a:lnRef idx="1">
+            <a:schemeClr val="accent5"/>
+          </a:lnRef>
+          <a:fillRef idx="0">
+            <a:schemeClr val="accent5"/>
+          </a:fillRef>
+          <a:effectRef idx="0">
+            <a:schemeClr val="accent5"/>
+          </a:effectRef>
+          <a:fontRef idx="minor">
+            <a:schemeClr val="tx1"/>
+          </a:fontRef>
+        </p:style>
+      </p:cxnSp>
+      <p:sp>
+        <p:nvSpPr>
+          <p:cNvPr id="56" name="직사각형 55"/>
+          <p:cNvSpPr/>
+          <p:nvPr/>
+        </p:nvSpPr>
+        <p:spPr>
+          <a:xfrm>
+            <a:off x="4827201" y="714942"/>
+            <a:ext cx="741405" cy="741405"/>
+          </a:xfrm>
+          <a:prstGeom prst="rect">
+            <a:avLst/>
+          </a:prstGeom>
+          <a:solidFill>
+            <a:schemeClr val="bg1">
+              <a:lumMod val="85000"/>
+              <a:alpha val="45000"/>
+            </a:schemeClr>
+          </a:solidFill>
+          <a:ln>
+            <a:solidFill>
+              <a:schemeClr val="accent1">
+                <a:shade val="50000"/>
+                <a:alpha val="46000"/>
+              </a:schemeClr>
+            </a:solidFill>
+          </a:ln>
+        </p:spPr>
+        <p:style>
+          <a:lnRef idx="2">
+            <a:schemeClr val="accent1">
+              <a:shade val="50000"/>
+            </a:schemeClr>
+          </a:lnRef>
+          <a:fillRef idx="1">
+            <a:schemeClr val="accent1"/>
+          </a:fillRef>
+          <a:effectRef idx="0">
+            <a:schemeClr val="accent1"/>
+          </a:effectRef>
+          <a:fontRef idx="minor">
+            <a:schemeClr val="lt1"/>
+          </a:fontRef>
+        </p:style>
+        <p:txBody>
+          <a:bodyPr rtlCol="0" anchor="ctr"/>
+          <a:lstStyle/>
+          <a:p>
+            <a:pPr algn="ctr"/>
+            <a:r>
+              <a:rPr lang="en-US" altLang="ko-KR" sz="1500" dirty="0" smtClean="0"/>
+              <a:t>Image</a:t>
+            </a:r>
+            <a:endParaRPr lang="ko-KR" altLang="en-US" sz="1500" dirty="0"/>
+          </a:p>
+        </p:txBody>
+      </p:sp>
+      <p:cxnSp>
+        <p:nvCxnSpPr>
+          <p:cNvPr id="57" name="직선 연결선 56"/>
+          <p:cNvCxnSpPr>
+            <a:stCxn id="53" idx="3"/>
+          </p:cNvCxnSpPr>
+          <p:nvPr/>
+        </p:nvCxnSpPr>
+        <p:spPr>
+          <a:xfrm flipH="1">
+            <a:off x="4687159" y="1581638"/>
+            <a:ext cx="4985348" cy="0"/>
+          </a:xfrm>
+          <a:prstGeom prst="line">
+            <a:avLst/>
+          </a:prstGeom>
+          <a:ln w="28575">
+            <a:solidFill>
+              <a:schemeClr val="accent5">
+                <a:shade val="95000"/>
+                <a:satMod val="105000"/>
+                <a:alpha val="32000"/>
+              </a:schemeClr>
+            </a:solidFill>
+          </a:ln>
+        </p:spPr>
+        <p:style>
+          <a:lnRef idx="1">
+            <a:schemeClr val="accent5"/>
+          </a:lnRef>
+          <a:fillRef idx="0">
+            <a:schemeClr val="accent5"/>
+          </a:fillRef>
+          <a:effectRef idx="0">
+            <a:schemeClr val="accent5"/>
+          </a:effectRef>
+          <a:fontRef idx="minor">
+            <a:schemeClr val="tx1"/>
+          </a:fontRef>
+        </p:style>
+      </p:cxnSp>
+      <p:sp>
+        <p:nvSpPr>
+          <p:cNvPr id="58" name="직사각형 57"/>
+          <p:cNvSpPr/>
+          <p:nvPr/>
+        </p:nvSpPr>
+        <p:spPr>
+          <a:xfrm>
+            <a:off x="4827200" y="1726830"/>
+            <a:ext cx="741405" cy="741405"/>
+          </a:xfrm>
+          <a:prstGeom prst="rect">
+            <a:avLst/>
+          </a:prstGeom>
+          <a:solidFill>
+            <a:schemeClr val="bg1">
+              <a:lumMod val="85000"/>
+              <a:alpha val="45000"/>
+            </a:schemeClr>
+          </a:solidFill>
+          <a:ln>
+            <a:solidFill>
+              <a:schemeClr val="accent1">
+                <a:shade val="50000"/>
+                <a:alpha val="46000"/>
+              </a:schemeClr>
+            </a:solidFill>
+          </a:ln>
+        </p:spPr>
+        <p:style>
+          <a:lnRef idx="2">
+            <a:schemeClr val="accent1">
+              <a:shade val="50000"/>
+            </a:schemeClr>
+          </a:lnRef>
+          <a:fillRef idx="1">
+            <a:schemeClr val="accent1"/>
+          </a:fillRef>
+          <a:effectRef idx="0">
+            <a:schemeClr val="accent1"/>
+          </a:effectRef>
+          <a:fontRef idx="minor">
+            <a:schemeClr val="lt1"/>
+          </a:fontRef>
+        </p:style>
+        <p:txBody>
+          <a:bodyPr rtlCol="0" anchor="ctr"/>
+          <a:lstStyle/>
+          <a:p>
+            <a:pPr algn="ctr"/>
+            <a:r>
+              <a:rPr lang="en-US" altLang="ko-KR" sz="1500" dirty="0" smtClean="0"/>
+              <a:t>Image</a:t>
+            </a:r>
+            <a:endParaRPr lang="ko-KR" altLang="en-US" sz="1500" dirty="0"/>
+          </a:p>
+        </p:txBody>
+      </p:sp>
+      <p:sp>
+        <p:nvSpPr>
+          <p:cNvPr id="59" name="직사각형 58"/>
+          <p:cNvSpPr/>
+          <p:nvPr/>
+        </p:nvSpPr>
+        <p:spPr>
+          <a:xfrm>
+            <a:off x="5700411" y="714941"/>
+            <a:ext cx="741405" cy="741405"/>
+          </a:xfrm>
+          <a:prstGeom prst="rect">
+            <a:avLst/>
+          </a:prstGeom>
+          <a:solidFill>
+            <a:schemeClr val="bg1">
+              <a:lumMod val="85000"/>
+              <a:alpha val="45000"/>
+            </a:schemeClr>
+          </a:solidFill>
+          <a:ln>
+            <a:solidFill>
+              <a:schemeClr val="accent1">
+                <a:shade val="50000"/>
+                <a:alpha val="46000"/>
+              </a:schemeClr>
+            </a:solidFill>
+          </a:ln>
+        </p:spPr>
+        <p:style>
+          <a:lnRef idx="2">
+            <a:schemeClr val="accent1">
+              <a:shade val="50000"/>
+            </a:schemeClr>
+          </a:lnRef>
+          <a:fillRef idx="1">
+            <a:schemeClr val="accent1"/>
+          </a:fillRef>
+          <a:effectRef idx="0">
+            <a:schemeClr val="accent1"/>
+          </a:effectRef>
+          <a:fontRef idx="minor">
+            <a:schemeClr val="lt1"/>
+          </a:fontRef>
+        </p:style>
+        <p:txBody>
+          <a:bodyPr rtlCol="0" anchor="ctr"/>
+          <a:lstStyle/>
+          <a:p>
+            <a:pPr algn="ctr"/>
+            <a:r>
+              <a:rPr lang="en-US" altLang="ko-KR" sz="1500" dirty="0" smtClean="0"/>
+              <a:t>Image</a:t>
+            </a:r>
+            <a:endParaRPr lang="ko-KR" altLang="en-US" sz="1500" dirty="0"/>
+          </a:p>
+        </p:txBody>
+      </p:sp>
+      <p:sp>
+        <p:nvSpPr>
+          <p:cNvPr id="60" name="직사각형 59"/>
+          <p:cNvSpPr/>
+          <p:nvPr/>
+        </p:nvSpPr>
+        <p:spPr>
+          <a:xfrm>
+            <a:off x="5700410" y="1726829"/>
+            <a:ext cx="741405" cy="741405"/>
+          </a:xfrm>
+          <a:prstGeom prst="rect">
+            <a:avLst/>
+          </a:prstGeom>
+          <a:solidFill>
+            <a:schemeClr val="bg1">
+              <a:lumMod val="85000"/>
+              <a:alpha val="45000"/>
+            </a:schemeClr>
+          </a:solidFill>
+          <a:ln>
+            <a:solidFill>
+              <a:schemeClr val="accent1">
+                <a:shade val="50000"/>
+                <a:alpha val="46000"/>
+              </a:schemeClr>
+            </a:solidFill>
+          </a:ln>
+        </p:spPr>
+        <p:style>
+          <a:lnRef idx="2">
+            <a:schemeClr val="accent1">
+              <a:shade val="50000"/>
+            </a:schemeClr>
+          </a:lnRef>
+          <a:fillRef idx="1">
+            <a:schemeClr val="accent1"/>
+          </a:fillRef>
+          <a:effectRef idx="0">
+            <a:schemeClr val="accent1"/>
+          </a:effectRef>
+          <a:fontRef idx="minor">
+            <a:schemeClr val="lt1"/>
+          </a:fontRef>
+        </p:style>
+        <p:txBody>
+          <a:bodyPr rtlCol="0" anchor="ctr"/>
+          <a:lstStyle/>
+          <a:p>
+            <a:pPr algn="ctr"/>
+            <a:r>
+              <a:rPr lang="en-US" altLang="ko-KR" sz="1500" dirty="0" smtClean="0"/>
+              <a:t>Image</a:t>
+            </a:r>
+            <a:endParaRPr lang="ko-KR" altLang="en-US" sz="1500" dirty="0"/>
+          </a:p>
+        </p:txBody>
+      </p:sp>
+      <p:sp>
+        <p:nvSpPr>
+          <p:cNvPr id="61" name="직사각형 60"/>
+          <p:cNvSpPr/>
+          <p:nvPr/>
+        </p:nvSpPr>
+        <p:spPr>
+          <a:xfrm>
+            <a:off x="6573623" y="714943"/>
+            <a:ext cx="741405" cy="741405"/>
+          </a:xfrm>
+          <a:prstGeom prst="rect">
+            <a:avLst/>
+          </a:prstGeom>
+          <a:solidFill>
+            <a:schemeClr val="bg1">
+              <a:lumMod val="85000"/>
+              <a:alpha val="45000"/>
+            </a:schemeClr>
+          </a:solidFill>
+          <a:ln>
+            <a:solidFill>
+              <a:schemeClr val="accent1">
+                <a:shade val="50000"/>
+                <a:alpha val="46000"/>
+              </a:schemeClr>
+            </a:solidFill>
+          </a:ln>
+        </p:spPr>
+        <p:style>
+          <a:lnRef idx="2">
+            <a:schemeClr val="accent1">
+              <a:shade val="50000"/>
+            </a:schemeClr>
+          </a:lnRef>
+          <a:fillRef idx="1">
+            <a:schemeClr val="accent1"/>
+          </a:fillRef>
+          <a:effectRef idx="0">
+            <a:schemeClr val="accent1"/>
+          </a:effectRef>
+          <a:fontRef idx="minor">
+            <a:schemeClr val="lt1"/>
+          </a:fontRef>
+        </p:style>
+        <p:txBody>
+          <a:bodyPr rtlCol="0" anchor="ctr"/>
+          <a:lstStyle/>
+          <a:p>
+            <a:pPr algn="ctr"/>
+            <a:r>
+              <a:rPr lang="en-US" altLang="ko-KR" sz="1500" dirty="0" smtClean="0"/>
+              <a:t>Image</a:t>
+            </a:r>
+            <a:endParaRPr lang="ko-KR" altLang="en-US" sz="1500" dirty="0"/>
+          </a:p>
+        </p:txBody>
+      </p:sp>
+      <p:sp>
+        <p:nvSpPr>
+          <p:cNvPr id="62" name="직사각형 61"/>
+          <p:cNvSpPr/>
+          <p:nvPr/>
+        </p:nvSpPr>
+        <p:spPr>
+          <a:xfrm>
+            <a:off x="6573622" y="1726831"/>
+            <a:ext cx="741405" cy="741405"/>
+          </a:xfrm>
+          <a:prstGeom prst="rect">
+            <a:avLst/>
+          </a:prstGeom>
+          <a:solidFill>
+            <a:schemeClr val="bg1">
+              <a:lumMod val="85000"/>
+              <a:alpha val="45000"/>
+            </a:schemeClr>
+          </a:solidFill>
+          <a:ln>
+            <a:solidFill>
+              <a:schemeClr val="accent1">
+                <a:shade val="50000"/>
+                <a:alpha val="46000"/>
+              </a:schemeClr>
+            </a:solidFill>
+          </a:ln>
+        </p:spPr>
+        <p:style>
+          <a:lnRef idx="2">
+            <a:schemeClr val="accent1">
+              <a:shade val="50000"/>
+            </a:schemeClr>
+          </a:lnRef>
+          <a:fillRef idx="1">
+            <a:schemeClr val="accent1"/>
+          </a:fillRef>
+          <a:effectRef idx="0">
+            <a:schemeClr val="accent1"/>
+          </a:effectRef>
+          <a:fontRef idx="minor">
+            <a:schemeClr val="lt1"/>
+          </a:fontRef>
+        </p:style>
+        <p:txBody>
+          <a:bodyPr rtlCol="0" anchor="ctr"/>
+          <a:lstStyle/>
+          <a:p>
+            <a:pPr algn="ctr"/>
+            <a:r>
+              <a:rPr lang="en-US" altLang="ko-KR" sz="1500" dirty="0" smtClean="0"/>
+              <a:t>Image</a:t>
+            </a:r>
+            <a:endParaRPr lang="ko-KR" altLang="en-US" sz="1500" dirty="0"/>
+          </a:p>
+        </p:txBody>
+      </p:sp>
+      <p:sp>
+        <p:nvSpPr>
+          <p:cNvPr id="63" name="직사각형 62"/>
+          <p:cNvSpPr/>
+          <p:nvPr/>
+        </p:nvSpPr>
+        <p:spPr>
+          <a:xfrm>
+            <a:off x="7446833" y="714942"/>
+            <a:ext cx="741405" cy="741405"/>
+          </a:xfrm>
+          <a:prstGeom prst="rect">
+            <a:avLst/>
+          </a:prstGeom>
+          <a:solidFill>
+            <a:schemeClr val="bg1">
+              <a:lumMod val="85000"/>
+              <a:alpha val="45000"/>
+            </a:schemeClr>
+          </a:solidFill>
+          <a:ln>
+            <a:solidFill>
+              <a:schemeClr val="accent1">
+                <a:shade val="50000"/>
+                <a:alpha val="46000"/>
+              </a:schemeClr>
+            </a:solidFill>
+          </a:ln>
+        </p:spPr>
+        <p:style>
+          <a:lnRef idx="2">
+            <a:schemeClr val="accent1">
+              <a:shade val="50000"/>
+            </a:schemeClr>
+          </a:lnRef>
+          <a:fillRef idx="1">
+            <a:schemeClr val="accent1"/>
+          </a:fillRef>
+          <a:effectRef idx="0">
+            <a:schemeClr val="accent1"/>
+          </a:effectRef>
+          <a:fontRef idx="minor">
+            <a:schemeClr val="lt1"/>
+          </a:fontRef>
+        </p:style>
+        <p:txBody>
+          <a:bodyPr rtlCol="0" anchor="ctr"/>
+          <a:lstStyle/>
+          <a:p>
+            <a:pPr algn="ctr"/>
+            <a:r>
+              <a:rPr lang="en-US" altLang="ko-KR" sz="1500" dirty="0" smtClean="0"/>
+              <a:t>Image</a:t>
+            </a:r>
+            <a:endParaRPr lang="ko-KR" altLang="en-US" sz="1500" dirty="0"/>
+          </a:p>
+        </p:txBody>
+      </p:sp>
+      <p:sp>
+        <p:nvSpPr>
+          <p:cNvPr id="64" name="직사각형 63"/>
+          <p:cNvSpPr/>
+          <p:nvPr/>
+        </p:nvSpPr>
+        <p:spPr>
+          <a:xfrm>
+            <a:off x="7446832" y="1726830"/>
+            <a:ext cx="741405" cy="741405"/>
+          </a:xfrm>
+          <a:prstGeom prst="rect">
+            <a:avLst/>
+          </a:prstGeom>
+          <a:solidFill>
+            <a:schemeClr val="bg1">
+              <a:lumMod val="85000"/>
+              <a:alpha val="45000"/>
+            </a:schemeClr>
+          </a:solidFill>
+          <a:ln>
+            <a:solidFill>
+              <a:schemeClr val="accent1">
+                <a:shade val="50000"/>
+                <a:alpha val="46000"/>
+              </a:schemeClr>
+            </a:solidFill>
+          </a:ln>
+        </p:spPr>
+        <p:style>
+          <a:lnRef idx="2">
+            <a:schemeClr val="accent1">
+              <a:shade val="50000"/>
+            </a:schemeClr>
+          </a:lnRef>
+          <a:fillRef idx="1">
+            <a:schemeClr val="accent1"/>
+          </a:fillRef>
+          <a:effectRef idx="0">
+            <a:schemeClr val="accent1"/>
+          </a:effectRef>
+          <a:fontRef idx="minor">
+            <a:schemeClr val="lt1"/>
+          </a:fontRef>
+        </p:style>
+        <p:txBody>
+          <a:bodyPr rtlCol="0" anchor="ctr"/>
+          <a:lstStyle/>
+          <a:p>
+            <a:pPr algn="ctr"/>
+            <a:r>
+              <a:rPr lang="en-US" altLang="ko-KR" sz="1500" dirty="0" smtClean="0"/>
+              <a:t>Image</a:t>
+            </a:r>
+            <a:endParaRPr lang="ko-KR" altLang="en-US" sz="1500" dirty="0"/>
+          </a:p>
+        </p:txBody>
+      </p:sp>
+      <p:sp>
+        <p:nvSpPr>
+          <p:cNvPr id="67" name="TextBox 66"/>
+          <p:cNvSpPr txBox="1"/>
+          <p:nvPr/>
+        </p:nvSpPr>
+        <p:spPr>
+          <a:xfrm>
+            <a:off x="6892093" y="97583"/>
+            <a:ext cx="415498" cy="369332"/>
+          </a:xfrm>
+          <a:prstGeom prst="rect">
+            <a:avLst/>
+          </a:prstGeom>
+          <a:noFill/>
+        </p:spPr>
+        <p:txBody>
+          <a:bodyPr wrap="none" rtlCol="0">
+            <a:spAutoFit/>
+          </a:bodyPr>
+          <a:lstStyle/>
+          <a:p>
+            <a:r>
+              <a:rPr lang="ko-KR" altLang="en-US" dirty="0" smtClean="0"/>
+              <a:t>탑</a:t>
+            </a:r>
+            <a:endParaRPr lang="en-US" altLang="ko-KR" dirty="0" smtClean="0"/>
+          </a:p>
+        </p:txBody>
+      </p:sp>
+      <p:sp>
+        <p:nvSpPr>
+          <p:cNvPr id="68" name="TextBox 67"/>
+          <p:cNvSpPr txBox="1"/>
+          <p:nvPr/>
+        </p:nvSpPr>
+        <p:spPr>
+          <a:xfrm>
+            <a:off x="4921445" y="4866416"/>
+            <a:ext cx="569387" cy="246221"/>
+          </a:xfrm>
+          <a:prstGeom prst="rect">
+            <a:avLst/>
+          </a:prstGeom>
+          <a:noFill/>
+        </p:spPr>
+        <p:txBody>
+          <a:bodyPr wrap="none" rtlCol="0">
+            <a:spAutoFit/>
+          </a:bodyPr>
+          <a:lstStyle/>
+          <a:p>
+            <a:r>
+              <a:rPr lang="ko-KR" altLang="en-US" sz="1000" dirty="0" err="1" smtClean="0"/>
+              <a:t>몬스터</a:t>
+            </a:r>
+            <a:endParaRPr lang="ko-KR" altLang="en-US" sz="1000" dirty="0"/>
+          </a:p>
+        </p:txBody>
+      </p:sp>
+      <p:sp>
+        <p:nvSpPr>
+          <p:cNvPr id="70" name="모서리가 둥근 직사각형 69"/>
+          <p:cNvSpPr/>
+          <p:nvPr/>
+        </p:nvSpPr>
+        <p:spPr>
+          <a:xfrm>
+            <a:off x="9888390" y="4793268"/>
+            <a:ext cx="1761689" cy="1807956"/>
+          </a:xfrm>
+          <a:prstGeom prst="roundRect">
+            <a:avLst/>
+          </a:prstGeom>
+          <a:solidFill>
+            <a:schemeClr val="bg1">
+              <a:lumMod val="85000"/>
+              <a:alpha val="54000"/>
+            </a:schemeClr>
+          </a:solidFill>
+          <a:ln>
+            <a:solidFill>
+              <a:schemeClr val="accent1">
+                <a:shade val="50000"/>
+                <a:alpha val="38000"/>
+              </a:schemeClr>
+            </a:solidFill>
+          </a:ln>
+        </p:spPr>
+        <p:style>
+          <a:lnRef idx="2">
+            <a:schemeClr val="accent1">
+              <a:shade val="50000"/>
+            </a:schemeClr>
+          </a:lnRef>
+          <a:fillRef idx="1">
+            <a:schemeClr val="accent1"/>
+          </a:fillRef>
+          <a:effectRef idx="0">
+            <a:schemeClr val="accent1"/>
+          </a:effectRef>
+          <a:fontRef idx="minor">
+            <a:schemeClr val="lt1"/>
+          </a:fontRef>
+        </p:style>
+        <p:txBody>
+          <a:bodyPr rtlCol="0" anchor="ctr"/>
+          <a:lstStyle/>
+          <a:p>
+            <a:pPr algn="ctr"/>
+            <a:endParaRPr lang="ko-KR" altLang="en-US"/>
+          </a:p>
+        </p:txBody>
+      </p:sp>
+      <p:sp>
+        <p:nvSpPr>
+          <p:cNvPr id="77" name="TextBox 76"/>
+          <p:cNvSpPr txBox="1"/>
+          <p:nvPr/>
+        </p:nvSpPr>
+        <p:spPr>
+          <a:xfrm>
+            <a:off x="3352677" y="2664118"/>
+            <a:ext cx="530915" cy="369332"/>
+          </a:xfrm>
+          <a:prstGeom prst="rect">
+            <a:avLst/>
+          </a:prstGeom>
+          <a:noFill/>
+        </p:spPr>
+        <p:txBody>
+          <a:bodyPr wrap="none" rtlCol="0">
+            <a:spAutoFit/>
+          </a:bodyPr>
+          <a:lstStyle/>
+          <a:p>
+            <a:r>
+              <a:rPr lang="en-US" altLang="ko-KR" dirty="0" smtClean="0"/>
+              <a:t>2</a:t>
+            </a:r>
+            <a:r>
+              <a:rPr lang="ko-KR" altLang="en-US" dirty="0" smtClean="0"/>
+              <a:t>층</a:t>
+            </a:r>
+            <a:endParaRPr lang="en-US" altLang="ko-KR" dirty="0" smtClean="0"/>
+          </a:p>
+        </p:txBody>
+      </p:sp>
+      <p:sp>
+        <p:nvSpPr>
+          <p:cNvPr id="78" name="직사각형 77"/>
+          <p:cNvSpPr/>
+          <p:nvPr/>
+        </p:nvSpPr>
+        <p:spPr>
+          <a:xfrm>
+            <a:off x="3015447" y="4169702"/>
+            <a:ext cx="1136822" cy="395416"/>
+          </a:xfrm>
+          <a:prstGeom prst="rect">
+            <a:avLst/>
+          </a:prstGeom>
+          <a:solidFill>
+            <a:schemeClr val="accent1">
+              <a:alpha val="53000"/>
+            </a:schemeClr>
+          </a:solidFill>
+          <a:ln>
+            <a:solidFill>
+              <a:schemeClr val="accent1">
+                <a:shade val="50000"/>
+                <a:alpha val="44000"/>
+              </a:schemeClr>
+            </a:solidFill>
+          </a:ln>
+        </p:spPr>
+        <p:style>
+          <a:lnRef idx="2">
+            <a:schemeClr val="accent1">
+              <a:shade val="50000"/>
+            </a:schemeClr>
+          </a:lnRef>
+          <a:fillRef idx="1">
+            <a:schemeClr val="accent1"/>
+          </a:fillRef>
+          <a:effectRef idx="0">
+            <a:schemeClr val="accent1"/>
+          </a:effectRef>
+          <a:fontRef idx="minor">
+            <a:schemeClr val="lt1"/>
+          </a:fontRef>
+        </p:style>
+        <p:txBody>
+          <a:bodyPr rtlCol="0" anchor="ctr"/>
+          <a:lstStyle/>
+          <a:p>
+            <a:pPr algn="ctr"/>
+            <a:r>
+              <a:rPr lang="en-US" altLang="ko-KR" dirty="0" smtClean="0"/>
+              <a:t>START</a:t>
+            </a:r>
+            <a:endParaRPr lang="ko-KR" altLang="en-US" dirty="0"/>
+          </a:p>
+        </p:txBody>
+      </p:sp>
+      <p:sp>
+        <p:nvSpPr>
+          <p:cNvPr id="80" name="TextBox 79"/>
+          <p:cNvSpPr txBox="1"/>
+          <p:nvPr/>
+        </p:nvSpPr>
+        <p:spPr>
+          <a:xfrm>
+            <a:off x="3352677" y="606940"/>
+            <a:ext cx="530915" cy="369332"/>
+          </a:xfrm>
+          <a:prstGeom prst="rect">
+            <a:avLst/>
+          </a:prstGeom>
+          <a:noFill/>
+        </p:spPr>
+        <p:txBody>
+          <a:bodyPr wrap="none" rtlCol="0">
+            <a:spAutoFit/>
+          </a:bodyPr>
+          <a:lstStyle/>
+          <a:p>
+            <a:r>
+              <a:rPr lang="en-US" altLang="ko-KR" dirty="0" smtClean="0"/>
+              <a:t>3</a:t>
+            </a:r>
+            <a:r>
+              <a:rPr lang="ko-KR" altLang="en-US" dirty="0" smtClean="0"/>
+              <a:t>층</a:t>
+            </a:r>
+            <a:endParaRPr lang="en-US" altLang="ko-KR" dirty="0" smtClean="0"/>
+          </a:p>
+        </p:txBody>
+      </p:sp>
+      <p:sp>
+        <p:nvSpPr>
+          <p:cNvPr id="81" name="직사각형 80"/>
+          <p:cNvSpPr/>
+          <p:nvPr/>
+        </p:nvSpPr>
+        <p:spPr>
+          <a:xfrm>
+            <a:off x="3015447" y="2112524"/>
+            <a:ext cx="1136822" cy="395416"/>
+          </a:xfrm>
+          <a:prstGeom prst="rect">
+            <a:avLst/>
+          </a:prstGeom>
+          <a:solidFill>
+            <a:schemeClr val="accent1">
+              <a:alpha val="53000"/>
+            </a:schemeClr>
+          </a:solidFill>
+          <a:ln>
+            <a:solidFill>
+              <a:schemeClr val="accent1">
+                <a:shade val="50000"/>
+                <a:alpha val="44000"/>
+              </a:schemeClr>
+            </a:solidFill>
+          </a:ln>
+        </p:spPr>
+        <p:style>
+          <a:lnRef idx="2">
+            <a:schemeClr val="accent1">
+              <a:shade val="50000"/>
+            </a:schemeClr>
+          </a:lnRef>
+          <a:fillRef idx="1">
+            <a:schemeClr val="accent1"/>
+          </a:fillRef>
+          <a:effectRef idx="0">
+            <a:schemeClr val="accent1"/>
+          </a:effectRef>
+          <a:fontRef idx="minor">
+            <a:schemeClr val="lt1"/>
+          </a:fontRef>
+        </p:style>
+        <p:txBody>
+          <a:bodyPr rtlCol="0" anchor="ctr"/>
+          <a:lstStyle/>
+          <a:p>
+            <a:pPr algn="ctr"/>
+            <a:r>
+              <a:rPr lang="en-US" altLang="ko-KR" dirty="0" smtClean="0"/>
+              <a:t>START</a:t>
+            </a:r>
+            <a:endParaRPr lang="ko-KR" altLang="en-US" dirty="0"/>
+          </a:p>
+        </p:txBody>
+      </p:sp>
+      <p:sp>
+        <p:nvSpPr>
+          <p:cNvPr id="84" name="TextBox 83"/>
+          <p:cNvSpPr txBox="1"/>
+          <p:nvPr/>
+        </p:nvSpPr>
+        <p:spPr>
+          <a:xfrm>
+            <a:off x="2774227" y="5116735"/>
+            <a:ext cx="809837" cy="323165"/>
+          </a:xfrm>
+          <a:prstGeom prst="rect">
+            <a:avLst/>
+          </a:prstGeom>
+          <a:noFill/>
+        </p:spPr>
+        <p:txBody>
+          <a:bodyPr wrap="none" rtlCol="0">
+            <a:spAutoFit/>
+          </a:bodyPr>
+          <a:lstStyle/>
+          <a:p>
+            <a:r>
+              <a:rPr lang="ko-KR" altLang="en-US" sz="1500" dirty="0" err="1" smtClean="0"/>
+              <a:t>맵</a:t>
+            </a:r>
+            <a:r>
+              <a:rPr lang="ko-KR" altLang="en-US" sz="1500" dirty="0" smtClean="0"/>
+              <a:t> 배경</a:t>
+            </a:r>
+            <a:endParaRPr lang="ko-KR" altLang="en-US" sz="1500" dirty="0"/>
+          </a:p>
+        </p:txBody>
+      </p:sp>
+      <p:sp>
+        <p:nvSpPr>
+          <p:cNvPr id="95" name="직사각형 94"/>
+          <p:cNvSpPr/>
+          <p:nvPr/>
+        </p:nvSpPr>
+        <p:spPr>
+          <a:xfrm>
+            <a:off x="10200823" y="6066035"/>
+            <a:ext cx="1136822" cy="395416"/>
+          </a:xfrm>
+          <a:prstGeom prst="rect">
+            <a:avLst/>
+          </a:prstGeom>
+          <a:solidFill>
+            <a:schemeClr val="accent1">
+              <a:alpha val="53000"/>
+            </a:schemeClr>
+          </a:solidFill>
+          <a:ln>
+            <a:solidFill>
+              <a:schemeClr val="accent1">
+                <a:shade val="50000"/>
+                <a:alpha val="44000"/>
+              </a:schemeClr>
+            </a:solidFill>
+          </a:ln>
+        </p:spPr>
+        <p:style>
+          <a:lnRef idx="2">
+            <a:schemeClr val="accent1">
+              <a:shade val="50000"/>
+            </a:schemeClr>
+          </a:lnRef>
+          <a:fillRef idx="1">
+            <a:schemeClr val="accent1"/>
+          </a:fillRef>
+          <a:effectRef idx="0">
+            <a:schemeClr val="accent1"/>
+          </a:effectRef>
+          <a:fontRef idx="minor">
+            <a:schemeClr val="lt1"/>
+          </a:fontRef>
+        </p:style>
+        <p:txBody>
+          <a:bodyPr rtlCol="0" anchor="ctr"/>
+          <a:lstStyle/>
+          <a:p>
+            <a:pPr algn="ctr"/>
+            <a:r>
+              <a:rPr lang="ko-KR" altLang="en-US" sz="1500" dirty="0" smtClean="0"/>
+              <a:t>들어가기</a:t>
+            </a:r>
+            <a:endParaRPr lang="ko-KR" altLang="en-US" sz="1500" dirty="0"/>
+          </a:p>
+        </p:txBody>
+      </p:sp>
+      <p:sp>
+        <p:nvSpPr>
+          <p:cNvPr id="96" name="직사각형 95"/>
+          <p:cNvSpPr/>
+          <p:nvPr/>
+        </p:nvSpPr>
+        <p:spPr>
+          <a:xfrm>
+            <a:off x="10244808" y="4898696"/>
+            <a:ext cx="1048852" cy="1048852"/>
+          </a:xfrm>
+          <a:prstGeom prst="rect">
+            <a:avLst/>
+          </a:prstGeom>
+        </p:spPr>
+        <p:style>
+          <a:lnRef idx="2">
+            <a:schemeClr val="accent1">
+              <a:shade val="50000"/>
+            </a:schemeClr>
+          </a:lnRef>
+          <a:fillRef idx="1">
+            <a:schemeClr val="accent1"/>
+          </a:fillRef>
+          <a:effectRef idx="0">
+            <a:schemeClr val="accent1"/>
+          </a:effectRef>
+          <a:fontRef idx="minor">
+            <a:schemeClr val="lt1"/>
+          </a:fontRef>
+        </p:style>
+        <p:txBody>
+          <a:bodyPr rtlCol="0" anchor="ctr"/>
+          <a:lstStyle/>
+          <a:p>
+            <a:pPr algn="ctr"/>
+            <a:r>
+              <a:rPr lang="en-US" altLang="ko-KR" dirty="0" smtClean="0"/>
+              <a:t>Image</a:t>
+            </a:r>
+            <a:endParaRPr lang="ko-KR" altLang="en-US" dirty="0"/>
+          </a:p>
+        </p:txBody>
+      </p:sp>
+      <p:sp>
+        <p:nvSpPr>
+          <p:cNvPr id="102" name="TextBox 101"/>
+          <p:cNvSpPr txBox="1"/>
+          <p:nvPr/>
+        </p:nvSpPr>
+        <p:spPr>
+          <a:xfrm>
+            <a:off x="3737111" y="5469073"/>
+            <a:ext cx="933269" cy="246221"/>
+          </a:xfrm>
+          <a:prstGeom prst="rect">
+            <a:avLst/>
+          </a:prstGeom>
+          <a:noFill/>
+        </p:spPr>
+        <p:txBody>
+          <a:bodyPr wrap="none" rtlCol="0">
+            <a:spAutoFit/>
+          </a:bodyPr>
+          <a:lstStyle/>
+          <a:p>
+            <a:r>
+              <a:rPr lang="ko-KR" altLang="en-US" sz="1000" dirty="0" smtClean="0"/>
+              <a:t>적정 </a:t>
+            </a:r>
+            <a:r>
+              <a:rPr lang="en-US" altLang="ko-KR" sz="1000" dirty="0" smtClean="0"/>
+              <a:t>LV : 1~2</a:t>
+            </a:r>
+            <a:endParaRPr lang="ko-KR" altLang="en-US" sz="1000" dirty="0"/>
+          </a:p>
+        </p:txBody>
+      </p:sp>
+      <p:sp>
+        <p:nvSpPr>
+          <p:cNvPr id="106" name="직사각형 105"/>
+          <p:cNvSpPr/>
+          <p:nvPr/>
+        </p:nvSpPr>
+        <p:spPr>
+          <a:xfrm>
+            <a:off x="2654000" y="3018074"/>
+            <a:ext cx="1048852" cy="1048852"/>
+          </a:xfrm>
+          <a:prstGeom prst="rect">
+            <a:avLst/>
+          </a:prstGeom>
+        </p:spPr>
+        <p:style>
+          <a:lnRef idx="2">
+            <a:schemeClr val="accent1">
+              <a:shade val="50000"/>
+            </a:schemeClr>
+          </a:lnRef>
+          <a:fillRef idx="1">
+            <a:schemeClr val="accent1"/>
+          </a:fillRef>
+          <a:effectRef idx="0">
+            <a:schemeClr val="accent1"/>
+          </a:effectRef>
+          <a:fontRef idx="minor">
+            <a:schemeClr val="lt1"/>
+          </a:fontRef>
+        </p:style>
+        <p:txBody>
+          <a:bodyPr rtlCol="0" anchor="ctr"/>
+          <a:lstStyle/>
+          <a:p>
+            <a:pPr algn="ctr"/>
+            <a:r>
+              <a:rPr lang="en-US" altLang="ko-KR" dirty="0" smtClean="0"/>
+              <a:t>Image</a:t>
+            </a:r>
+            <a:endParaRPr lang="ko-KR" altLang="en-US" dirty="0"/>
+          </a:p>
+        </p:txBody>
+      </p:sp>
+      <p:sp>
+        <p:nvSpPr>
+          <p:cNvPr id="107" name="TextBox 106"/>
+          <p:cNvSpPr txBox="1"/>
+          <p:nvPr/>
+        </p:nvSpPr>
+        <p:spPr>
+          <a:xfrm>
+            <a:off x="3737111" y="3401704"/>
+            <a:ext cx="933269" cy="246221"/>
+          </a:xfrm>
+          <a:prstGeom prst="rect">
+            <a:avLst/>
+          </a:prstGeom>
+          <a:noFill/>
+        </p:spPr>
+        <p:txBody>
+          <a:bodyPr wrap="none" rtlCol="0">
+            <a:spAutoFit/>
+          </a:bodyPr>
+          <a:lstStyle/>
+          <a:p>
+            <a:r>
+              <a:rPr lang="ko-KR" altLang="en-US" sz="1000" dirty="0" smtClean="0"/>
+              <a:t>적정 </a:t>
+            </a:r>
+            <a:r>
+              <a:rPr lang="en-US" altLang="ko-KR" sz="1000" dirty="0" smtClean="0"/>
+              <a:t>LV : 2~5</a:t>
+            </a:r>
+            <a:endParaRPr lang="ko-KR" altLang="en-US" sz="1000" dirty="0"/>
+          </a:p>
+        </p:txBody>
+      </p:sp>
+      <p:sp>
+        <p:nvSpPr>
+          <p:cNvPr id="108" name="직사각형 107"/>
+          <p:cNvSpPr/>
+          <p:nvPr/>
+        </p:nvSpPr>
+        <p:spPr>
+          <a:xfrm>
+            <a:off x="2654719" y="976272"/>
+            <a:ext cx="1048852" cy="1048852"/>
+          </a:xfrm>
+          <a:prstGeom prst="rect">
+            <a:avLst/>
+          </a:prstGeom>
+        </p:spPr>
+        <p:style>
+          <a:lnRef idx="2">
+            <a:schemeClr val="accent1">
+              <a:shade val="50000"/>
+            </a:schemeClr>
+          </a:lnRef>
+          <a:fillRef idx="1">
+            <a:schemeClr val="accent1"/>
+          </a:fillRef>
+          <a:effectRef idx="0">
+            <a:schemeClr val="accent1"/>
+          </a:effectRef>
+          <a:fontRef idx="minor">
+            <a:schemeClr val="lt1"/>
+          </a:fontRef>
+        </p:style>
+        <p:txBody>
+          <a:bodyPr rtlCol="0" anchor="ctr"/>
+          <a:lstStyle/>
+          <a:p>
+            <a:pPr algn="ctr"/>
+            <a:r>
+              <a:rPr lang="en-US" altLang="ko-KR" dirty="0" smtClean="0"/>
+              <a:t>Image</a:t>
+            </a:r>
+            <a:endParaRPr lang="ko-KR" altLang="en-US" dirty="0"/>
+          </a:p>
+        </p:txBody>
+      </p:sp>
+      <p:sp>
+        <p:nvSpPr>
+          <p:cNvPr id="109" name="TextBox 108"/>
+          <p:cNvSpPr txBox="1"/>
+          <p:nvPr/>
+        </p:nvSpPr>
+        <p:spPr>
+          <a:xfrm>
+            <a:off x="3737830" y="1359902"/>
+            <a:ext cx="869149" cy="246221"/>
+          </a:xfrm>
+          <a:prstGeom prst="rect">
+            <a:avLst/>
+          </a:prstGeom>
+          <a:noFill/>
+        </p:spPr>
+        <p:txBody>
+          <a:bodyPr wrap="none" rtlCol="0">
+            <a:spAutoFit/>
+          </a:bodyPr>
+          <a:lstStyle/>
+          <a:p>
+            <a:r>
+              <a:rPr lang="ko-KR" altLang="en-US" sz="1000" dirty="0" smtClean="0"/>
+              <a:t>적정 </a:t>
+            </a:r>
+            <a:r>
+              <a:rPr lang="en-US" altLang="ko-KR" sz="1000" dirty="0" smtClean="0"/>
+              <a:t>LV : 5~</a:t>
+            </a:r>
+            <a:endParaRPr lang="ko-KR" altLang="en-US" sz="1000" dirty="0"/>
+          </a:p>
+        </p:txBody>
+      </p:sp>
+      <p:sp>
+        <p:nvSpPr>
+          <p:cNvPr id="111" name="TextBox 110"/>
+          <p:cNvSpPr txBox="1"/>
+          <p:nvPr/>
+        </p:nvSpPr>
+        <p:spPr>
+          <a:xfrm>
+            <a:off x="10404390" y="4869124"/>
+            <a:ext cx="729687" cy="553998"/>
+          </a:xfrm>
+          <a:prstGeom prst="rect">
+            <a:avLst/>
+          </a:prstGeom>
+          <a:noFill/>
+        </p:spPr>
+        <p:txBody>
+          <a:bodyPr wrap="none" rtlCol="0">
+            <a:spAutoFit/>
+          </a:bodyPr>
+          <a:lstStyle/>
+          <a:p>
+            <a:pPr algn="ctr"/>
+            <a:r>
+              <a:rPr lang="ko-KR" altLang="en-US" sz="1000" b="1" dirty="0" smtClean="0"/>
+              <a:t>상점</a:t>
+            </a:r>
+            <a:r>
+              <a:rPr lang="en-US" altLang="ko-KR" sz="1000" dirty="0" smtClean="0"/>
+              <a:t/>
+            </a:r>
+            <a:br>
+              <a:rPr lang="en-US" altLang="ko-KR" sz="1000" dirty="0" smtClean="0"/>
+            </a:br>
+            <a:r>
+              <a:rPr lang="ko-KR" altLang="en-US" sz="1000" dirty="0" err="1" smtClean="0"/>
+              <a:t>클리어</a:t>
+            </a:r>
+            <a:r>
+              <a:rPr lang="ko-KR" altLang="en-US" sz="1000" dirty="0" smtClean="0"/>
+              <a:t> 시</a:t>
+            </a:r>
+            <a:endParaRPr lang="en-US" altLang="ko-KR" sz="1000" dirty="0" smtClean="0"/>
+          </a:p>
+          <a:p>
+            <a:pPr algn="ctr"/>
+            <a:r>
+              <a:rPr lang="ko-KR" altLang="en-US" sz="1000" dirty="0" smtClean="0"/>
+              <a:t>입장가</a:t>
+            </a:r>
+            <a:r>
+              <a:rPr lang="ko-KR" altLang="en-US" sz="1000" dirty="0"/>
+              <a:t>능</a:t>
+            </a:r>
+            <a:endParaRPr lang="en-US" altLang="ko-KR" sz="1000" dirty="0" smtClean="0"/>
+          </a:p>
+        </p:txBody>
+      </p:sp>
+      <p:sp>
+        <p:nvSpPr>
+          <p:cNvPr id="112" name="TextBox 111"/>
+          <p:cNvSpPr txBox="1"/>
+          <p:nvPr/>
+        </p:nvSpPr>
+        <p:spPr>
+          <a:xfrm>
+            <a:off x="4921445" y="5884602"/>
+            <a:ext cx="569387" cy="246221"/>
+          </a:xfrm>
+          <a:prstGeom prst="rect">
+            <a:avLst/>
+          </a:prstGeom>
+          <a:noFill/>
+        </p:spPr>
+        <p:txBody>
+          <a:bodyPr wrap="none" rtlCol="0">
+            <a:spAutoFit/>
+          </a:bodyPr>
+          <a:lstStyle/>
+          <a:p>
+            <a:r>
+              <a:rPr lang="ko-KR" altLang="en-US" sz="1000" dirty="0" smtClean="0"/>
+              <a:t>장애물</a:t>
+            </a:r>
+            <a:endParaRPr lang="ko-KR" altLang="en-US" sz="1000" dirty="0"/>
+          </a:p>
+        </p:txBody>
+      </p:sp>
+      <p:sp>
+        <p:nvSpPr>
+          <p:cNvPr id="113" name="모서리가 둥근 직사각형 112"/>
+          <p:cNvSpPr/>
+          <p:nvPr/>
+        </p:nvSpPr>
+        <p:spPr>
+          <a:xfrm>
+            <a:off x="9888388" y="2757162"/>
+            <a:ext cx="1761689" cy="1807956"/>
+          </a:xfrm>
+          <a:prstGeom prst="roundRect">
+            <a:avLst/>
+          </a:prstGeom>
+          <a:solidFill>
+            <a:schemeClr val="bg1">
+              <a:lumMod val="85000"/>
+              <a:alpha val="54000"/>
+            </a:schemeClr>
+          </a:solidFill>
+          <a:ln>
+            <a:solidFill>
+              <a:schemeClr val="accent1">
+                <a:shade val="50000"/>
+                <a:alpha val="38000"/>
+              </a:schemeClr>
+            </a:solidFill>
+          </a:ln>
+        </p:spPr>
+        <p:style>
+          <a:lnRef idx="2">
+            <a:schemeClr val="accent1">
+              <a:shade val="50000"/>
+            </a:schemeClr>
+          </a:lnRef>
+          <a:fillRef idx="1">
+            <a:schemeClr val="accent1"/>
+          </a:fillRef>
+          <a:effectRef idx="0">
+            <a:schemeClr val="accent1"/>
+          </a:effectRef>
+          <a:fontRef idx="minor">
+            <a:schemeClr val="lt1"/>
+          </a:fontRef>
+        </p:style>
+        <p:txBody>
+          <a:bodyPr rtlCol="0" anchor="ctr"/>
+          <a:lstStyle/>
+          <a:p>
+            <a:pPr algn="ctr"/>
+            <a:endParaRPr lang="ko-KR" altLang="en-US"/>
+          </a:p>
+        </p:txBody>
+      </p:sp>
+      <p:sp>
+        <p:nvSpPr>
+          <p:cNvPr id="114" name="직사각형 113"/>
+          <p:cNvSpPr/>
+          <p:nvPr/>
+        </p:nvSpPr>
+        <p:spPr>
+          <a:xfrm>
+            <a:off x="10200821" y="4029929"/>
+            <a:ext cx="1136822" cy="395416"/>
+          </a:xfrm>
+          <a:prstGeom prst="rect">
+            <a:avLst/>
+          </a:prstGeom>
+          <a:solidFill>
+            <a:schemeClr val="accent1">
+              <a:alpha val="53000"/>
+            </a:schemeClr>
+          </a:solidFill>
+          <a:ln>
+            <a:solidFill>
+              <a:schemeClr val="accent1">
+                <a:shade val="50000"/>
+                <a:alpha val="44000"/>
+              </a:schemeClr>
+            </a:solidFill>
+          </a:ln>
+        </p:spPr>
+        <p:style>
+          <a:lnRef idx="2">
+            <a:schemeClr val="accent1">
+              <a:shade val="50000"/>
+            </a:schemeClr>
+          </a:lnRef>
+          <a:fillRef idx="1">
+            <a:schemeClr val="accent1"/>
+          </a:fillRef>
+          <a:effectRef idx="0">
+            <a:schemeClr val="accent1"/>
+          </a:effectRef>
+          <a:fontRef idx="minor">
+            <a:schemeClr val="lt1"/>
+          </a:fontRef>
+        </p:style>
+        <p:txBody>
+          <a:bodyPr rtlCol="0" anchor="ctr"/>
+          <a:lstStyle/>
+          <a:p>
+            <a:pPr algn="ctr"/>
+            <a:r>
+              <a:rPr lang="ko-KR" altLang="en-US" sz="1500" dirty="0" smtClean="0"/>
+              <a:t>들어가기</a:t>
+            </a:r>
+            <a:endParaRPr lang="ko-KR" altLang="en-US" sz="1500" dirty="0"/>
+          </a:p>
+        </p:txBody>
+      </p:sp>
+      <p:sp>
+        <p:nvSpPr>
+          <p:cNvPr id="115" name="직사각형 114"/>
+          <p:cNvSpPr/>
+          <p:nvPr/>
+        </p:nvSpPr>
+        <p:spPr>
+          <a:xfrm>
+            <a:off x="10244806" y="2862590"/>
+            <a:ext cx="1048852" cy="1048852"/>
+          </a:xfrm>
+          <a:prstGeom prst="rect">
+            <a:avLst/>
+          </a:prstGeom>
+        </p:spPr>
+        <p:style>
+          <a:lnRef idx="2">
+            <a:schemeClr val="accent1">
+              <a:shade val="50000"/>
+            </a:schemeClr>
+          </a:lnRef>
+          <a:fillRef idx="1">
+            <a:schemeClr val="accent1"/>
+          </a:fillRef>
+          <a:effectRef idx="0">
+            <a:schemeClr val="accent1"/>
+          </a:effectRef>
+          <a:fontRef idx="minor">
+            <a:schemeClr val="lt1"/>
+          </a:fontRef>
+        </p:style>
+        <p:txBody>
+          <a:bodyPr rtlCol="0" anchor="ctr"/>
+          <a:lstStyle/>
+          <a:p>
+            <a:pPr algn="ctr"/>
+            <a:r>
+              <a:rPr lang="en-US" altLang="ko-KR" dirty="0" smtClean="0"/>
+              <a:t>Lock</a:t>
+            </a:r>
+            <a:endParaRPr lang="ko-KR" altLang="en-US" dirty="0"/>
+          </a:p>
+        </p:txBody>
+      </p:sp>
+      <p:sp>
+        <p:nvSpPr>
+          <p:cNvPr id="116" name="TextBox 115"/>
+          <p:cNvSpPr txBox="1"/>
+          <p:nvPr/>
+        </p:nvSpPr>
+        <p:spPr>
+          <a:xfrm>
+            <a:off x="10484541" y="2931874"/>
+            <a:ext cx="569387" cy="246221"/>
+          </a:xfrm>
+          <a:prstGeom prst="rect">
+            <a:avLst/>
+          </a:prstGeom>
+          <a:noFill/>
+        </p:spPr>
+        <p:txBody>
+          <a:bodyPr wrap="none" rtlCol="0">
+            <a:spAutoFit/>
+          </a:bodyPr>
+          <a:lstStyle/>
+          <a:p>
+            <a:pPr algn="ctr"/>
+            <a:r>
+              <a:rPr lang="ko-KR" altLang="en-US" sz="1000" b="1" dirty="0" smtClean="0"/>
+              <a:t>제련소</a:t>
+            </a:r>
+            <a:endParaRPr lang="en-US" altLang="ko-KR" sz="1000" dirty="0" smtClean="0"/>
+          </a:p>
+        </p:txBody>
+      </p:sp>
+      <p:sp>
+        <p:nvSpPr>
+          <p:cNvPr id="117" name="모서리가 둥근 직사각형 116"/>
+          <p:cNvSpPr/>
+          <p:nvPr/>
+        </p:nvSpPr>
+        <p:spPr>
+          <a:xfrm>
+            <a:off x="9888387" y="699984"/>
+            <a:ext cx="1761689" cy="1807956"/>
+          </a:xfrm>
+          <a:prstGeom prst="roundRect">
+            <a:avLst/>
+          </a:prstGeom>
+          <a:solidFill>
+            <a:schemeClr val="bg1">
+              <a:lumMod val="85000"/>
+              <a:alpha val="54000"/>
+            </a:schemeClr>
+          </a:solidFill>
+          <a:ln>
+            <a:solidFill>
+              <a:schemeClr val="accent1">
+                <a:shade val="50000"/>
+                <a:alpha val="38000"/>
+              </a:schemeClr>
+            </a:solidFill>
+          </a:ln>
+        </p:spPr>
+        <p:style>
+          <a:lnRef idx="2">
+            <a:schemeClr val="accent1">
+              <a:shade val="50000"/>
+            </a:schemeClr>
+          </a:lnRef>
+          <a:fillRef idx="1">
+            <a:schemeClr val="accent1"/>
+          </a:fillRef>
+          <a:effectRef idx="0">
+            <a:schemeClr val="accent1"/>
+          </a:effectRef>
+          <a:fontRef idx="minor">
+            <a:schemeClr val="lt1"/>
+          </a:fontRef>
+        </p:style>
+        <p:txBody>
+          <a:bodyPr rtlCol="0" anchor="ctr"/>
+          <a:lstStyle/>
+          <a:p>
+            <a:pPr algn="ctr"/>
+            <a:endParaRPr lang="ko-KR" altLang="en-US"/>
+          </a:p>
+        </p:txBody>
+      </p:sp>
+      <p:sp>
+        <p:nvSpPr>
+          <p:cNvPr id="119" name="직사각형 118"/>
+          <p:cNvSpPr/>
+          <p:nvPr/>
+        </p:nvSpPr>
+        <p:spPr>
+          <a:xfrm>
+            <a:off x="10244805" y="805412"/>
+            <a:ext cx="1048852" cy="1048852"/>
+          </a:xfrm>
+          <a:prstGeom prst="rect">
+            <a:avLst/>
+          </a:prstGeom>
+        </p:spPr>
+        <p:style>
+          <a:lnRef idx="2">
+            <a:schemeClr val="accent1">
+              <a:shade val="50000"/>
+            </a:schemeClr>
+          </a:lnRef>
+          <a:fillRef idx="1">
+            <a:schemeClr val="accent1"/>
+          </a:fillRef>
+          <a:effectRef idx="0">
+            <a:schemeClr val="accent1"/>
+          </a:effectRef>
+          <a:fontRef idx="minor">
+            <a:schemeClr val="lt1"/>
+          </a:fontRef>
+        </p:style>
+        <p:txBody>
+          <a:bodyPr rtlCol="0" anchor="ctr"/>
+          <a:lstStyle/>
+          <a:p>
+            <a:pPr algn="ctr"/>
+            <a:r>
+              <a:rPr lang="en-US" altLang="ko-KR" dirty="0" smtClean="0"/>
+              <a:t>Lock</a:t>
+            </a:r>
+            <a:endParaRPr lang="ko-KR" altLang="en-US" dirty="0"/>
+          </a:p>
+        </p:txBody>
+      </p:sp>
+    </p:spTree>
+    <p:extLst>
+      <p:ext uri="{BB962C8B-B14F-4D97-AF65-F5344CB8AC3E}">
+        <p14:creationId xmlns:p14="http://schemas.microsoft.com/office/powerpoint/2010/main" val="1203727411"/>
+      </p:ext>
+    </p:extLst>
+  </p:cSld>
+  <p:clrMapOvr>
+    <a:masterClrMapping/>
+  </p:clrMapOvr>
+  <p:transition spd="slow">
+    <p:push/>
+  </p:transition>
+  <p:timing>
+    <p:tnLst>
+      <p:par>
+        <p:cTn id="1" dur="indefinite" restart="never" nodeType="tmRoot"/>
+      </p:par>
+    </p:tnLst>
+  </p:timing>
+</p:sld>
+</file>
+
+<file path=ppt/slides/slide11.xml><?xml version="1.0" encoding="utf-8"?>
+<p:sld xmlns:a="http://schemas.openxmlformats.org/drawingml/2006/main" xmlns:r="http://schemas.openxmlformats.org/officeDocument/2006/relationships" xmlns:p="http://schemas.openxmlformats.org/presentationml/2006/main">
+  <p:cSld>
+    <p:spTree>
+      <p:nvGrpSpPr>
+        <p:cNvPr id="1" name=""/>
+        <p:cNvGrpSpPr/>
+        <p:nvPr/>
+      </p:nvGrpSpPr>
+      <p:grpSpPr>
+        <a:xfrm>
+          <a:off x="0" y="0"/>
+          <a:ext cx="0" cy="0"/>
+          <a:chOff x="0" y="0"/>
+          <a:chExt cx="0" cy="0"/>
+        </a:xfrm>
+      </p:grpSpPr>
+      <p:sp>
+        <p:nvSpPr>
           <p:cNvPr id="108" name="모서리가 둥근 직사각형 107"/>
           <p:cNvSpPr/>
           <p:nvPr/>
@@ -5471,7 +8533,7 @@
         </p:nvSpPr>
         <p:spPr>
           <a:xfrm>
-            <a:off x="5883506" y="6065082"/>
+            <a:off x="5867030" y="6065082"/>
             <a:ext cx="582211" cy="323165"/>
           </a:xfrm>
           <a:prstGeom prst="rect">
@@ -6979,40 +10041,6 @@
               <a:t>Image</a:t>
             </a:r>
             <a:endParaRPr lang="ko-KR" altLang="en-US" sz="800" dirty="0"/>
-          </a:p>
-        </p:txBody>
-      </p:sp>
-      <p:sp>
-        <p:nvSpPr>
-          <p:cNvPr id="118" name="TextBox 117"/>
-          <p:cNvSpPr txBox="1"/>
-          <p:nvPr/>
-        </p:nvSpPr>
-        <p:spPr>
-          <a:xfrm>
-            <a:off x="5368011" y="3056196"/>
-            <a:ext cx="1723549" cy="246221"/>
-          </a:xfrm>
-          <a:prstGeom prst="rect">
-            <a:avLst/>
-          </a:prstGeom>
-          <a:noFill/>
-        </p:spPr>
-        <p:txBody>
-          <a:bodyPr wrap="none" rtlCol="0">
-            <a:spAutoFit/>
-          </a:bodyPr>
-          <a:lstStyle/>
-          <a:p>
-            <a:r>
-              <a:rPr lang="ko-KR" altLang="en-US" sz="1000" dirty="0" err="1" smtClean="0"/>
-              <a:t>뒷</a:t>
-            </a:r>
-            <a:r>
-              <a:rPr lang="ko-KR" altLang="en-US" sz="1000" dirty="0" smtClean="0"/>
-              <a:t> 배경은 계속 밑으로 흐름</a:t>
-            </a:r>
-            <a:endParaRPr lang="ko-KR" altLang="en-US" sz="1000" dirty="0"/>
           </a:p>
         </p:txBody>
       </p:sp>
@@ -7058,7 +10086,7 @@
           <p:cNvPr id="2" name="제목 1">
             <a:extLst>
               <a:ext uri="{FF2B5EF4-FFF2-40B4-BE49-F238E27FC236}">
-                <a16:creationId xmlns:a16="http://schemas.microsoft.com/office/drawing/2014/main" id="{5A6E02E5-C3C5-4A6D-B34A-A8DCDE8E765A}"/>
+                <a16:creationId xmlns="" xmlns:a16="http://schemas.microsoft.com/office/drawing/2014/main" id="{5A6E02E5-C3C5-4A6D-B34A-A8DCDE8E765A}"/>
               </a:ext>
             </a:extLst>
           </p:cNvPr>
@@ -7094,7 +10122,7 @@
           <p:cNvPr id="3" name="내용 개체 틀 2">
             <a:extLst>
               <a:ext uri="{FF2B5EF4-FFF2-40B4-BE49-F238E27FC236}">
-                <a16:creationId xmlns:a16="http://schemas.microsoft.com/office/drawing/2014/main" id="{815BEA2D-0092-43B2-862E-B795ED1B2516}"/>
+                <a16:creationId xmlns="" xmlns:a16="http://schemas.microsoft.com/office/drawing/2014/main" id="{815BEA2D-0092-43B2-862E-B795ED1B2516}"/>
               </a:ext>
             </a:extLst>
           </p:cNvPr>
@@ -7273,7 +10301,7 @@
           <p:cNvPr id="2" name="제목 1">
             <a:extLst>
               <a:ext uri="{FF2B5EF4-FFF2-40B4-BE49-F238E27FC236}">
-                <a16:creationId xmlns:a16="http://schemas.microsoft.com/office/drawing/2014/main" id="{0F81927D-BEC0-4B15-8DFC-F1F5605BDA53}"/>
+                <a16:creationId xmlns="" xmlns:a16="http://schemas.microsoft.com/office/drawing/2014/main" id="{0F81927D-BEC0-4B15-8DFC-F1F5605BDA53}"/>
               </a:ext>
             </a:extLst>
           </p:cNvPr>
@@ -7318,7 +10346,7 @@
           <p:cNvPr id="3" name="내용 개체 틀 2">
             <a:extLst>
               <a:ext uri="{FF2B5EF4-FFF2-40B4-BE49-F238E27FC236}">
-                <a16:creationId xmlns:a16="http://schemas.microsoft.com/office/drawing/2014/main" id="{4BE0DE56-B302-442D-A66A-873AE46868D4}"/>
+                <a16:creationId xmlns="" xmlns:a16="http://schemas.microsoft.com/office/drawing/2014/main" id="{4BE0DE56-B302-442D-A66A-873AE46868D4}"/>
               </a:ext>
             </a:extLst>
           </p:cNvPr>
@@ -7732,7 +10760,7 @@
           <p:cNvPr id="2" name="제목 1">
             <a:extLst>
               <a:ext uri="{FF2B5EF4-FFF2-40B4-BE49-F238E27FC236}">
-                <a16:creationId xmlns:a16="http://schemas.microsoft.com/office/drawing/2014/main" id="{0F81927D-BEC0-4B15-8DFC-F1F5605BDA53}"/>
+                <a16:creationId xmlns="" xmlns:a16="http://schemas.microsoft.com/office/drawing/2014/main" id="{0F81927D-BEC0-4B15-8DFC-F1F5605BDA53}"/>
               </a:ext>
             </a:extLst>
           </p:cNvPr>
@@ -7794,7 +10822,7 @@
           <p:cNvPr id="3" name="내용 개체 틀 2">
             <a:extLst>
               <a:ext uri="{FF2B5EF4-FFF2-40B4-BE49-F238E27FC236}">
-                <a16:creationId xmlns:a16="http://schemas.microsoft.com/office/drawing/2014/main" id="{4BE0DE56-B302-442D-A66A-873AE46868D4}"/>
+                <a16:creationId xmlns="" xmlns:a16="http://schemas.microsoft.com/office/drawing/2014/main" id="{4BE0DE56-B302-442D-A66A-873AE46868D4}"/>
               </a:ext>
             </a:extLst>
           </p:cNvPr>
@@ -8300,7 +11328,7 @@
           <p:cNvPr id="2" name="제목 1">
             <a:extLst>
               <a:ext uri="{FF2B5EF4-FFF2-40B4-BE49-F238E27FC236}">
-                <a16:creationId xmlns:a16="http://schemas.microsoft.com/office/drawing/2014/main" id="{0F81927D-BEC0-4B15-8DFC-F1F5605BDA53}"/>
+                <a16:creationId xmlns="" xmlns:a16="http://schemas.microsoft.com/office/drawing/2014/main" id="{0F81927D-BEC0-4B15-8DFC-F1F5605BDA53}"/>
               </a:ext>
             </a:extLst>
           </p:cNvPr>
@@ -8340,7 +11368,7 @@
           <p:cNvPr id="3" name="내용 개체 틀 2">
             <a:extLst>
               <a:ext uri="{FF2B5EF4-FFF2-40B4-BE49-F238E27FC236}">
-                <a16:creationId xmlns:a16="http://schemas.microsoft.com/office/drawing/2014/main" id="{4BE0DE56-B302-442D-A66A-873AE46868D4}"/>
+                <a16:creationId xmlns="" xmlns:a16="http://schemas.microsoft.com/office/drawing/2014/main" id="{4BE0DE56-B302-442D-A66A-873AE46868D4}"/>
               </a:ext>
             </a:extLst>
           </p:cNvPr>
@@ -9678,7 +12706,7 @@
           <p:cNvPr id="94" name="사각형: 둥근 모서리 20">
             <a:extLst>
               <a:ext uri="{FF2B5EF4-FFF2-40B4-BE49-F238E27FC236}">
-                <a16:creationId xmlns:a16="http://schemas.microsoft.com/office/drawing/2014/main" id="{D470812C-B5EB-4EDC-A24D-C54DAFA8E2FC}"/>
+                <a16:creationId xmlns="" xmlns:a16="http://schemas.microsoft.com/office/drawing/2014/main" id="{D470812C-B5EB-4EDC-A24D-C54DAFA8E2FC}"/>
               </a:ext>
             </a:extLst>
           </p:cNvPr>
@@ -9730,7 +12758,7 @@
           <p:cNvPr id="186" name="사각형: 둥근 모서리 20">
             <a:extLst>
               <a:ext uri="{FF2B5EF4-FFF2-40B4-BE49-F238E27FC236}">
-                <a16:creationId xmlns:a16="http://schemas.microsoft.com/office/drawing/2014/main" id="{D470812C-B5EB-4EDC-A24D-C54DAFA8E2FC}"/>
+                <a16:creationId xmlns="" xmlns:a16="http://schemas.microsoft.com/office/drawing/2014/main" id="{D470812C-B5EB-4EDC-A24D-C54DAFA8E2FC}"/>
               </a:ext>
             </a:extLst>
           </p:cNvPr>
@@ -9782,7 +12810,7 @@
           <p:cNvPr id="182" name="사각형: 둥근 모서리 20">
             <a:extLst>
               <a:ext uri="{FF2B5EF4-FFF2-40B4-BE49-F238E27FC236}">
-                <a16:creationId xmlns:a16="http://schemas.microsoft.com/office/drawing/2014/main" id="{D470812C-B5EB-4EDC-A24D-C54DAFA8E2FC}"/>
+                <a16:creationId xmlns="" xmlns:a16="http://schemas.microsoft.com/office/drawing/2014/main" id="{D470812C-B5EB-4EDC-A24D-C54DAFA8E2FC}"/>
               </a:ext>
             </a:extLst>
           </p:cNvPr>
@@ -9834,7 +12862,7 @@
           <p:cNvPr id="2" name="제목 1">
             <a:extLst>
               <a:ext uri="{FF2B5EF4-FFF2-40B4-BE49-F238E27FC236}">
-                <a16:creationId xmlns:a16="http://schemas.microsoft.com/office/drawing/2014/main" id="{0F81927D-BEC0-4B15-8DFC-F1F5605BDA53}"/>
+                <a16:creationId xmlns="" xmlns:a16="http://schemas.microsoft.com/office/drawing/2014/main" id="{0F81927D-BEC0-4B15-8DFC-F1F5605BDA53}"/>
               </a:ext>
             </a:extLst>
           </p:cNvPr>
@@ -9909,7 +12937,7 @@
           <p:cNvPr id="6" name="직사각형 5">
             <a:extLst>
               <a:ext uri="{FF2B5EF4-FFF2-40B4-BE49-F238E27FC236}">
-                <a16:creationId xmlns:a16="http://schemas.microsoft.com/office/drawing/2014/main" id="{B5499C44-3746-46BB-B6A5-1B5C95B4E0F4}"/>
+                <a16:creationId xmlns="" xmlns:a16="http://schemas.microsoft.com/office/drawing/2014/main" id="{B5499C44-3746-46BB-B6A5-1B5C95B4E0F4}"/>
               </a:ext>
             </a:extLst>
           </p:cNvPr>
@@ -9963,7 +12991,7 @@
           <p:cNvPr id="17" name="직사각형 16">
             <a:extLst>
               <a:ext uri="{FF2B5EF4-FFF2-40B4-BE49-F238E27FC236}">
-                <a16:creationId xmlns:a16="http://schemas.microsoft.com/office/drawing/2014/main" id="{B69C21FE-9E25-495A-8E0A-CB589994EAC8}"/>
+                <a16:creationId xmlns="" xmlns:a16="http://schemas.microsoft.com/office/drawing/2014/main" id="{B69C21FE-9E25-495A-8E0A-CB589994EAC8}"/>
               </a:ext>
             </a:extLst>
           </p:cNvPr>
@@ -10024,7 +13052,7 @@
           <p:cNvPr id="38" name="연결선: 구부러짐 37">
             <a:extLst>
               <a:ext uri="{FF2B5EF4-FFF2-40B4-BE49-F238E27FC236}">
-                <a16:creationId xmlns:a16="http://schemas.microsoft.com/office/drawing/2014/main" id="{9FBAD8DE-1FC0-44E7-B9D1-2A08C0225614}"/>
+                <a16:creationId xmlns="" xmlns:a16="http://schemas.microsoft.com/office/drawing/2014/main" id="{9FBAD8DE-1FC0-44E7-B9D1-2A08C0225614}"/>
               </a:ext>
             </a:extLst>
           </p:cNvPr>
@@ -10069,7 +13097,7 @@
           <p:cNvPr id="54" name="직사각형 53">
             <a:extLst>
               <a:ext uri="{FF2B5EF4-FFF2-40B4-BE49-F238E27FC236}">
-                <a16:creationId xmlns:a16="http://schemas.microsoft.com/office/drawing/2014/main" id="{B5499C44-3746-46BB-B6A5-1B5C95B4E0F4}"/>
+                <a16:creationId xmlns="" xmlns:a16="http://schemas.microsoft.com/office/drawing/2014/main" id="{B5499C44-3746-46BB-B6A5-1B5C95B4E0F4}"/>
               </a:ext>
             </a:extLst>
           </p:cNvPr>
@@ -10123,7 +13151,7 @@
           <p:cNvPr id="55" name="연결선: 구부러짐 37">
             <a:extLst>
               <a:ext uri="{FF2B5EF4-FFF2-40B4-BE49-F238E27FC236}">
-                <a16:creationId xmlns:a16="http://schemas.microsoft.com/office/drawing/2014/main" id="{9FBAD8DE-1FC0-44E7-B9D1-2A08C0225614}"/>
+                <a16:creationId xmlns="" xmlns:a16="http://schemas.microsoft.com/office/drawing/2014/main" id="{9FBAD8DE-1FC0-44E7-B9D1-2A08C0225614}"/>
               </a:ext>
             </a:extLst>
           </p:cNvPr>
@@ -10169,7 +13197,7 @@
           <p:cNvPr id="70" name="직사각형 69">
             <a:extLst>
               <a:ext uri="{FF2B5EF4-FFF2-40B4-BE49-F238E27FC236}">
-                <a16:creationId xmlns:a16="http://schemas.microsoft.com/office/drawing/2014/main" id="{B5499C44-3746-46BB-B6A5-1B5C95B4E0F4}"/>
+                <a16:creationId xmlns="" xmlns:a16="http://schemas.microsoft.com/office/drawing/2014/main" id="{B5499C44-3746-46BB-B6A5-1B5C95B4E0F4}"/>
               </a:ext>
             </a:extLst>
           </p:cNvPr>
@@ -10223,7 +13251,7 @@
           <p:cNvPr id="71" name="연결선: 구부러짐 37">
             <a:extLst>
               <a:ext uri="{FF2B5EF4-FFF2-40B4-BE49-F238E27FC236}">
-                <a16:creationId xmlns:a16="http://schemas.microsoft.com/office/drawing/2014/main" id="{9FBAD8DE-1FC0-44E7-B9D1-2A08C0225614}"/>
+                <a16:creationId xmlns="" xmlns:a16="http://schemas.microsoft.com/office/drawing/2014/main" id="{9FBAD8DE-1FC0-44E7-B9D1-2A08C0225614}"/>
               </a:ext>
             </a:extLst>
           </p:cNvPr>
@@ -10269,7 +13297,7 @@
           <p:cNvPr id="76" name="연결선: 구부러짐 37">
             <a:extLst>
               <a:ext uri="{FF2B5EF4-FFF2-40B4-BE49-F238E27FC236}">
-                <a16:creationId xmlns:a16="http://schemas.microsoft.com/office/drawing/2014/main" id="{9FBAD8DE-1FC0-44E7-B9D1-2A08C0225614}"/>
+                <a16:creationId xmlns="" xmlns:a16="http://schemas.microsoft.com/office/drawing/2014/main" id="{9FBAD8DE-1FC0-44E7-B9D1-2A08C0225614}"/>
               </a:ext>
             </a:extLst>
           </p:cNvPr>
@@ -10315,7 +13343,7 @@
           <p:cNvPr id="101" name="직사각형 100">
             <a:extLst>
               <a:ext uri="{FF2B5EF4-FFF2-40B4-BE49-F238E27FC236}">
-                <a16:creationId xmlns:a16="http://schemas.microsoft.com/office/drawing/2014/main" id="{B5499C44-3746-46BB-B6A5-1B5C95B4E0F4}"/>
+                <a16:creationId xmlns="" xmlns:a16="http://schemas.microsoft.com/office/drawing/2014/main" id="{B5499C44-3746-46BB-B6A5-1B5C95B4E0F4}"/>
               </a:ext>
             </a:extLst>
           </p:cNvPr>
@@ -10369,7 +13397,7 @@
           <p:cNvPr id="102" name="연결선: 구부러짐 37">
             <a:extLst>
               <a:ext uri="{FF2B5EF4-FFF2-40B4-BE49-F238E27FC236}">
-                <a16:creationId xmlns:a16="http://schemas.microsoft.com/office/drawing/2014/main" id="{9FBAD8DE-1FC0-44E7-B9D1-2A08C0225614}"/>
+                <a16:creationId xmlns="" xmlns:a16="http://schemas.microsoft.com/office/drawing/2014/main" id="{9FBAD8DE-1FC0-44E7-B9D1-2A08C0225614}"/>
               </a:ext>
             </a:extLst>
           </p:cNvPr>
@@ -10415,7 +13443,7 @@
           <p:cNvPr id="103" name="연결선: 구부러짐 37">
             <a:extLst>
               <a:ext uri="{FF2B5EF4-FFF2-40B4-BE49-F238E27FC236}">
-                <a16:creationId xmlns:a16="http://schemas.microsoft.com/office/drawing/2014/main" id="{9FBAD8DE-1FC0-44E7-B9D1-2A08C0225614}"/>
+                <a16:creationId xmlns="" xmlns:a16="http://schemas.microsoft.com/office/drawing/2014/main" id="{9FBAD8DE-1FC0-44E7-B9D1-2A08C0225614}"/>
               </a:ext>
             </a:extLst>
           </p:cNvPr>
@@ -10461,7 +13489,7 @@
           <p:cNvPr id="116" name="직사각형 115">
             <a:extLst>
               <a:ext uri="{FF2B5EF4-FFF2-40B4-BE49-F238E27FC236}">
-                <a16:creationId xmlns:a16="http://schemas.microsoft.com/office/drawing/2014/main" id="{B5499C44-3746-46BB-B6A5-1B5C95B4E0F4}"/>
+                <a16:creationId xmlns="" xmlns:a16="http://schemas.microsoft.com/office/drawing/2014/main" id="{B5499C44-3746-46BB-B6A5-1B5C95B4E0F4}"/>
               </a:ext>
             </a:extLst>
           </p:cNvPr>
@@ -10515,7 +13543,7 @@
           <p:cNvPr id="120" name="연결선: 구부러짐 37">
             <a:extLst>
               <a:ext uri="{FF2B5EF4-FFF2-40B4-BE49-F238E27FC236}">
-                <a16:creationId xmlns:a16="http://schemas.microsoft.com/office/drawing/2014/main" id="{9FBAD8DE-1FC0-44E7-B9D1-2A08C0225614}"/>
+                <a16:creationId xmlns="" xmlns:a16="http://schemas.microsoft.com/office/drawing/2014/main" id="{9FBAD8DE-1FC0-44E7-B9D1-2A08C0225614}"/>
               </a:ext>
             </a:extLst>
           </p:cNvPr>
@@ -10560,7 +13588,7 @@
           <p:cNvPr id="132" name="연결선: 구부러짐 37">
             <a:extLst>
               <a:ext uri="{FF2B5EF4-FFF2-40B4-BE49-F238E27FC236}">
-                <a16:creationId xmlns:a16="http://schemas.microsoft.com/office/drawing/2014/main" id="{9FBAD8DE-1FC0-44E7-B9D1-2A08C0225614}"/>
+                <a16:creationId xmlns="" xmlns:a16="http://schemas.microsoft.com/office/drawing/2014/main" id="{9FBAD8DE-1FC0-44E7-B9D1-2A08C0225614}"/>
               </a:ext>
             </a:extLst>
           </p:cNvPr>
@@ -10606,7 +13634,7 @@
           <p:cNvPr id="146" name="직사각형 145">
             <a:extLst>
               <a:ext uri="{FF2B5EF4-FFF2-40B4-BE49-F238E27FC236}">
-                <a16:creationId xmlns:a16="http://schemas.microsoft.com/office/drawing/2014/main" id="{B5499C44-3746-46BB-B6A5-1B5C95B4E0F4}"/>
+                <a16:creationId xmlns="" xmlns:a16="http://schemas.microsoft.com/office/drawing/2014/main" id="{B5499C44-3746-46BB-B6A5-1B5C95B4E0F4}"/>
               </a:ext>
             </a:extLst>
           </p:cNvPr>
@@ -10660,7 +13688,7 @@
           <p:cNvPr id="148" name="직사각형 147">
             <a:extLst>
               <a:ext uri="{FF2B5EF4-FFF2-40B4-BE49-F238E27FC236}">
-                <a16:creationId xmlns:a16="http://schemas.microsoft.com/office/drawing/2014/main" id="{B5499C44-3746-46BB-B6A5-1B5C95B4E0F4}"/>
+                <a16:creationId xmlns="" xmlns:a16="http://schemas.microsoft.com/office/drawing/2014/main" id="{B5499C44-3746-46BB-B6A5-1B5C95B4E0F4}"/>
               </a:ext>
             </a:extLst>
           </p:cNvPr>
@@ -10714,7 +13742,7 @@
           <p:cNvPr id="157" name="직사각형 156">
             <a:extLst>
               <a:ext uri="{FF2B5EF4-FFF2-40B4-BE49-F238E27FC236}">
-                <a16:creationId xmlns:a16="http://schemas.microsoft.com/office/drawing/2014/main" id="{B5499C44-3746-46BB-B6A5-1B5C95B4E0F4}"/>
+                <a16:creationId xmlns="" xmlns:a16="http://schemas.microsoft.com/office/drawing/2014/main" id="{B5499C44-3746-46BB-B6A5-1B5C95B4E0F4}"/>
               </a:ext>
             </a:extLst>
           </p:cNvPr>
@@ -10768,7 +13796,7 @@
           <p:cNvPr id="158" name="연결선: 구부러짐 37">
             <a:extLst>
               <a:ext uri="{FF2B5EF4-FFF2-40B4-BE49-F238E27FC236}">
-                <a16:creationId xmlns:a16="http://schemas.microsoft.com/office/drawing/2014/main" id="{9FBAD8DE-1FC0-44E7-B9D1-2A08C0225614}"/>
+                <a16:creationId xmlns="" xmlns:a16="http://schemas.microsoft.com/office/drawing/2014/main" id="{9FBAD8DE-1FC0-44E7-B9D1-2A08C0225614}"/>
               </a:ext>
             </a:extLst>
           </p:cNvPr>
@@ -10884,7 +13912,7 @@
           <p:cNvPr id="184" name="직사각형 183">
             <a:extLst>
               <a:ext uri="{FF2B5EF4-FFF2-40B4-BE49-F238E27FC236}">
-                <a16:creationId xmlns:a16="http://schemas.microsoft.com/office/drawing/2014/main" id="{B5499C44-3746-46BB-B6A5-1B5C95B4E0F4}"/>
+                <a16:creationId xmlns="" xmlns:a16="http://schemas.microsoft.com/office/drawing/2014/main" id="{B5499C44-3746-46BB-B6A5-1B5C95B4E0F4}"/>
               </a:ext>
             </a:extLst>
           </p:cNvPr>
@@ -10938,7 +13966,7 @@
           <p:cNvPr id="185" name="직사각형 184">
             <a:extLst>
               <a:ext uri="{FF2B5EF4-FFF2-40B4-BE49-F238E27FC236}">
-                <a16:creationId xmlns:a16="http://schemas.microsoft.com/office/drawing/2014/main" id="{B5499C44-3746-46BB-B6A5-1B5C95B4E0F4}"/>
+                <a16:creationId xmlns="" xmlns:a16="http://schemas.microsoft.com/office/drawing/2014/main" id="{B5499C44-3746-46BB-B6A5-1B5C95B4E0F4}"/>
               </a:ext>
             </a:extLst>
           </p:cNvPr>
@@ -11029,7 +14057,7 @@
           <p:cNvPr id="2" name="제목 1">
             <a:extLst>
               <a:ext uri="{FF2B5EF4-FFF2-40B4-BE49-F238E27FC236}">
-                <a16:creationId xmlns:a16="http://schemas.microsoft.com/office/drawing/2014/main" id="{0F81927D-BEC0-4B15-8DFC-F1F5605BDA53}"/>
+                <a16:creationId xmlns="" xmlns:a16="http://schemas.microsoft.com/office/drawing/2014/main" id="{0F81927D-BEC0-4B15-8DFC-F1F5605BDA53}"/>
               </a:ext>
             </a:extLst>
           </p:cNvPr>
@@ -11091,7 +14119,7 @@
           <p:cNvPr id="27" name="표 13">
             <a:extLst>
               <a:ext uri="{FF2B5EF4-FFF2-40B4-BE49-F238E27FC236}">
-                <a16:creationId xmlns:a16="http://schemas.microsoft.com/office/drawing/2014/main" id="{11DA25FE-0D1F-4F3D-88F8-97D34B5D7B86}"/>
+                <a16:creationId xmlns="" xmlns:a16="http://schemas.microsoft.com/office/drawing/2014/main" id="{11DA25FE-0D1F-4F3D-88F8-97D34B5D7B86}"/>
               </a:ext>
             </a:extLst>
           </p:cNvPr>
@@ -11121,42 +14149,42 @@
                 <a:gridCol w="3178019">
                   <a:extLst>
                     <a:ext uri="{9D8B030D-6E8A-4147-A177-3AD203B41FA5}">
-                      <a16:colId xmlns:a16="http://schemas.microsoft.com/office/drawing/2014/main" val="2219697846"/>
+                      <a16:colId xmlns="" xmlns:a16="http://schemas.microsoft.com/office/drawing/2014/main" val="2219697846"/>
                     </a:ext>
                   </a:extLst>
                 </a:gridCol>
                 <a:gridCol w="1213440">
                   <a:extLst>
                     <a:ext uri="{9D8B030D-6E8A-4147-A177-3AD203B41FA5}">
-                      <a16:colId xmlns:a16="http://schemas.microsoft.com/office/drawing/2014/main" val="3097901954"/>
+                      <a16:colId xmlns="" xmlns:a16="http://schemas.microsoft.com/office/drawing/2014/main" val="3097901954"/>
                     </a:ext>
                   </a:extLst>
                 </a:gridCol>
                 <a:gridCol w="1213440">
                   <a:extLst>
                     <a:ext uri="{9D8B030D-6E8A-4147-A177-3AD203B41FA5}">
-                      <a16:colId xmlns:a16="http://schemas.microsoft.com/office/drawing/2014/main" val="2026100435"/>
+                      <a16:colId xmlns="" xmlns:a16="http://schemas.microsoft.com/office/drawing/2014/main" val="2026100435"/>
                     </a:ext>
                   </a:extLst>
                 </a:gridCol>
                 <a:gridCol w="1213440">
                   <a:extLst>
                     <a:ext uri="{9D8B030D-6E8A-4147-A177-3AD203B41FA5}">
-                      <a16:colId xmlns:a16="http://schemas.microsoft.com/office/drawing/2014/main" val="2835344623"/>
+                      <a16:colId xmlns="" xmlns:a16="http://schemas.microsoft.com/office/drawing/2014/main" val="2835344623"/>
                     </a:ext>
                   </a:extLst>
                 </a:gridCol>
                 <a:gridCol w="1213440">
                   <a:extLst>
                     <a:ext uri="{9D8B030D-6E8A-4147-A177-3AD203B41FA5}">
-                      <a16:colId xmlns:a16="http://schemas.microsoft.com/office/drawing/2014/main" val="2793878361"/>
+                      <a16:colId xmlns="" xmlns:a16="http://schemas.microsoft.com/office/drawing/2014/main" val="2793878361"/>
                     </a:ext>
                   </a:extLst>
                 </a:gridCol>
                 <a:gridCol w="1213440">
                   <a:extLst>
                     <a:ext uri="{9D8B030D-6E8A-4147-A177-3AD203B41FA5}">
-                      <a16:colId xmlns:a16="http://schemas.microsoft.com/office/drawing/2014/main" val="2981208658"/>
+                      <a16:colId xmlns="" xmlns:a16="http://schemas.microsoft.com/office/drawing/2014/main" val="2981208658"/>
                     </a:ext>
                   </a:extLst>
                 </a:gridCol>
@@ -11427,7 +14455,7 @@
                 </a:tc>
                 <a:extLst>
                   <a:ext uri="{0D108BD9-81ED-4DB2-BD59-A6C34878D82A}">
-                    <a16:rowId xmlns:a16="http://schemas.microsoft.com/office/drawing/2014/main" val="424042083"/>
+                    <a16:rowId xmlns="" xmlns:a16="http://schemas.microsoft.com/office/drawing/2014/main" val="424042083"/>
                   </a:ext>
                 </a:extLst>
               </a:tr>
@@ -11714,7 +14742,7 @@
                 </a:tc>
                 <a:extLst>
                   <a:ext uri="{0D108BD9-81ED-4DB2-BD59-A6C34878D82A}">
-                    <a16:rowId xmlns:a16="http://schemas.microsoft.com/office/drawing/2014/main" val="2553769619"/>
+                    <a16:rowId xmlns="" xmlns:a16="http://schemas.microsoft.com/office/drawing/2014/main" val="2553769619"/>
                   </a:ext>
                 </a:extLst>
               </a:tr>
@@ -11997,7 +15025,7 @@
                 </a:tc>
                 <a:extLst>
                   <a:ext uri="{0D108BD9-81ED-4DB2-BD59-A6C34878D82A}">
-                    <a16:rowId xmlns:a16="http://schemas.microsoft.com/office/drawing/2014/main" val="1697511207"/>
+                    <a16:rowId xmlns="" xmlns:a16="http://schemas.microsoft.com/office/drawing/2014/main" val="1697511207"/>
                   </a:ext>
                 </a:extLst>
               </a:tr>
@@ -12248,7 +15276,7 @@
                 </a:tc>
                 <a:extLst>
                   <a:ext uri="{0D108BD9-81ED-4DB2-BD59-A6C34878D82A}">
-                    <a16:rowId xmlns:a16="http://schemas.microsoft.com/office/drawing/2014/main" val="1758487240"/>
+                    <a16:rowId xmlns="" xmlns:a16="http://schemas.microsoft.com/office/drawing/2014/main" val="1758487240"/>
                   </a:ext>
                 </a:extLst>
               </a:tr>
@@ -12499,7 +15527,7 @@
                 </a:tc>
                 <a:extLst>
                   <a:ext uri="{0D108BD9-81ED-4DB2-BD59-A6C34878D82A}">
-                    <a16:rowId xmlns:a16="http://schemas.microsoft.com/office/drawing/2014/main" val="3495779394"/>
+                    <a16:rowId xmlns="" xmlns:a16="http://schemas.microsoft.com/office/drawing/2014/main" val="3495779394"/>
                   </a:ext>
                 </a:extLst>
               </a:tr>
@@ -12750,7 +15778,7 @@
                 </a:tc>
                 <a:extLst>
                   <a:ext uri="{0D108BD9-81ED-4DB2-BD59-A6C34878D82A}">
-                    <a16:rowId xmlns:a16="http://schemas.microsoft.com/office/drawing/2014/main" val="2587361067"/>
+                    <a16:rowId xmlns="" xmlns:a16="http://schemas.microsoft.com/office/drawing/2014/main" val="2587361067"/>
                   </a:ext>
                 </a:extLst>
               </a:tr>
@@ -13001,7 +16029,7 @@
                 </a:tc>
                 <a:extLst>
                   <a:ext uri="{0D108BD9-81ED-4DB2-BD59-A6C34878D82A}">
-                    <a16:rowId xmlns:a16="http://schemas.microsoft.com/office/drawing/2014/main" val="3752428578"/>
+                    <a16:rowId xmlns="" xmlns:a16="http://schemas.microsoft.com/office/drawing/2014/main" val="3752428578"/>
                   </a:ext>
                 </a:extLst>
               </a:tr>
@@ -13268,7 +16296,7 @@
                 </a:tc>
                 <a:extLst>
                   <a:ext uri="{0D108BD9-81ED-4DB2-BD59-A6C34878D82A}">
-                    <a16:rowId xmlns:a16="http://schemas.microsoft.com/office/drawing/2014/main" val="2019577717"/>
+                    <a16:rowId xmlns="" xmlns:a16="http://schemas.microsoft.com/office/drawing/2014/main" val="2019577717"/>
                   </a:ext>
                 </a:extLst>
               </a:tr>
@@ -13519,7 +16547,7 @@
                 </a:tc>
                 <a:extLst>
                   <a:ext uri="{0D108BD9-81ED-4DB2-BD59-A6C34878D82A}">
-                    <a16:rowId xmlns:a16="http://schemas.microsoft.com/office/drawing/2014/main" val="3125623415"/>
+                    <a16:rowId xmlns="" xmlns:a16="http://schemas.microsoft.com/office/drawing/2014/main" val="3125623415"/>
                   </a:ext>
                 </a:extLst>
               </a:tr>
@@ -13776,7 +16804,7 @@
                 </a:tc>
                 <a:extLst>
                   <a:ext uri="{0D108BD9-81ED-4DB2-BD59-A6C34878D82A}">
-                    <a16:rowId xmlns:a16="http://schemas.microsoft.com/office/drawing/2014/main" val="10009"/>
+                    <a16:rowId xmlns="" xmlns:a16="http://schemas.microsoft.com/office/drawing/2014/main" val="10009"/>
                   </a:ext>
                 </a:extLst>
               </a:tr>
@@ -14047,7 +17075,7 @@
                 </a:tc>
                 <a:extLst>
                   <a:ext uri="{0D108BD9-81ED-4DB2-BD59-A6C34878D82A}">
-                    <a16:rowId xmlns:a16="http://schemas.microsoft.com/office/drawing/2014/main" val="10010"/>
+                    <a16:rowId xmlns="" xmlns:a16="http://schemas.microsoft.com/office/drawing/2014/main" val="10010"/>
                   </a:ext>
                 </a:extLst>
               </a:tr>
@@ -14060,7 +17088,7 @@
           <p:cNvPr id="28" name="직선 화살표 연결선 27">
             <a:extLst>
               <a:ext uri="{FF2B5EF4-FFF2-40B4-BE49-F238E27FC236}">
-                <a16:creationId xmlns:a16="http://schemas.microsoft.com/office/drawing/2014/main" id="{0552A988-35CC-4A06-B6D5-79492365FF44}"/>
+                <a16:creationId xmlns="" xmlns:a16="http://schemas.microsoft.com/office/drawing/2014/main" id="{0552A988-35CC-4A06-B6D5-79492365FF44}"/>
               </a:ext>
             </a:extLst>
           </p:cNvPr>
@@ -14101,7 +17129,7 @@
           <p:cNvPr id="29" name="직선 화살표 연결선 28">
             <a:extLst>
               <a:ext uri="{FF2B5EF4-FFF2-40B4-BE49-F238E27FC236}">
-                <a16:creationId xmlns:a16="http://schemas.microsoft.com/office/drawing/2014/main" id="{C77E87E9-452D-47F8-AAB9-1109B5A866E7}"/>
+                <a16:creationId xmlns="" xmlns:a16="http://schemas.microsoft.com/office/drawing/2014/main" id="{C77E87E9-452D-47F8-AAB9-1109B5A866E7}"/>
               </a:ext>
             </a:extLst>
           </p:cNvPr>
@@ -14142,7 +17170,7 @@
           <p:cNvPr id="30" name="직선 화살표 연결선 29">
             <a:extLst>
               <a:ext uri="{FF2B5EF4-FFF2-40B4-BE49-F238E27FC236}">
-                <a16:creationId xmlns:a16="http://schemas.microsoft.com/office/drawing/2014/main" id="{C7B27442-36F5-489D-BE45-8031B4CAA73C}"/>
+                <a16:creationId xmlns="" xmlns:a16="http://schemas.microsoft.com/office/drawing/2014/main" id="{C7B27442-36F5-489D-BE45-8031B4CAA73C}"/>
               </a:ext>
             </a:extLst>
           </p:cNvPr>
@@ -14183,7 +17211,7 @@
           <p:cNvPr id="31" name="직선 화살표 연결선 30">
             <a:extLst>
               <a:ext uri="{FF2B5EF4-FFF2-40B4-BE49-F238E27FC236}">
-                <a16:creationId xmlns:a16="http://schemas.microsoft.com/office/drawing/2014/main" id="{F041FD15-1AA9-41A5-A73F-338580CF9E78}"/>
+                <a16:creationId xmlns="" xmlns:a16="http://schemas.microsoft.com/office/drawing/2014/main" id="{F041FD15-1AA9-41A5-A73F-338580CF9E78}"/>
               </a:ext>
             </a:extLst>
           </p:cNvPr>
@@ -14224,7 +17252,7 @@
           <p:cNvPr id="32" name="직선 화살표 연결선 31">
             <a:extLst>
               <a:ext uri="{FF2B5EF4-FFF2-40B4-BE49-F238E27FC236}">
-                <a16:creationId xmlns:a16="http://schemas.microsoft.com/office/drawing/2014/main" id="{5A22DD37-A18A-45C2-BA6F-C9B8E2E1C764}"/>
+                <a16:creationId xmlns="" xmlns:a16="http://schemas.microsoft.com/office/drawing/2014/main" id="{5A22DD37-A18A-45C2-BA6F-C9B8E2E1C764}"/>
               </a:ext>
             </a:extLst>
           </p:cNvPr>
@@ -14265,7 +17293,7 @@
           <p:cNvPr id="33" name="직선 화살표 연결선 32">
             <a:extLst>
               <a:ext uri="{FF2B5EF4-FFF2-40B4-BE49-F238E27FC236}">
-                <a16:creationId xmlns:a16="http://schemas.microsoft.com/office/drawing/2014/main" id="{06B8257D-CA8F-4027-BCA7-8387DB14319B}"/>
+                <a16:creationId xmlns="" xmlns:a16="http://schemas.microsoft.com/office/drawing/2014/main" id="{06B8257D-CA8F-4027-BCA7-8387DB14319B}"/>
               </a:ext>
             </a:extLst>
           </p:cNvPr>
@@ -14306,7 +17334,7 @@
           <p:cNvPr id="52" name="직선 화살표 연결선 51">
             <a:extLst>
               <a:ext uri="{FF2B5EF4-FFF2-40B4-BE49-F238E27FC236}">
-                <a16:creationId xmlns:a16="http://schemas.microsoft.com/office/drawing/2014/main" id="{7DC0757F-028E-49E0-92F1-00526849F99B}"/>
+                <a16:creationId xmlns="" xmlns:a16="http://schemas.microsoft.com/office/drawing/2014/main" id="{7DC0757F-028E-49E0-92F1-00526849F99B}"/>
               </a:ext>
             </a:extLst>
           </p:cNvPr>
@@ -14347,7 +17375,7 @@
           <p:cNvPr id="53" name="직선 화살표 연결선 52">
             <a:extLst>
               <a:ext uri="{FF2B5EF4-FFF2-40B4-BE49-F238E27FC236}">
-                <a16:creationId xmlns:a16="http://schemas.microsoft.com/office/drawing/2014/main" id="{3B58106D-C027-4186-8608-ED57BA07C869}"/>
+                <a16:creationId xmlns="" xmlns:a16="http://schemas.microsoft.com/office/drawing/2014/main" id="{3B58106D-C027-4186-8608-ED57BA07C869}"/>
               </a:ext>
             </a:extLst>
           </p:cNvPr>
@@ -14388,7 +17416,7 @@
           <p:cNvPr id="18" name="직선 화살표 연결선 17">
             <a:extLst>
               <a:ext uri="{FF2B5EF4-FFF2-40B4-BE49-F238E27FC236}">
-                <a16:creationId xmlns:a16="http://schemas.microsoft.com/office/drawing/2014/main" id="{7DC0757F-028E-49E0-92F1-00526849F99B}"/>
+                <a16:creationId xmlns="" xmlns:a16="http://schemas.microsoft.com/office/drawing/2014/main" id="{7DC0757F-028E-49E0-92F1-00526849F99B}"/>
               </a:ext>
             </a:extLst>
           </p:cNvPr>
@@ -14429,7 +17457,7 @@
           <p:cNvPr id="19" name="직선 화살표 연결선 18">
             <a:extLst>
               <a:ext uri="{FF2B5EF4-FFF2-40B4-BE49-F238E27FC236}">
-                <a16:creationId xmlns:a16="http://schemas.microsoft.com/office/drawing/2014/main" id="{3B58106D-C027-4186-8608-ED57BA07C869}"/>
+                <a16:creationId xmlns="" xmlns:a16="http://schemas.microsoft.com/office/drawing/2014/main" id="{3B58106D-C027-4186-8608-ED57BA07C869}"/>
               </a:ext>
             </a:extLst>
           </p:cNvPr>
@@ -14502,16 +17530,96 @@
           <a:chExt cx="0" cy="0"/>
         </a:xfrm>
       </p:grpSpPr>
+      <p:sp>
+        <p:nvSpPr>
+          <p:cNvPr id="2" name="제목 1"/>
+          <p:cNvSpPr>
+            <a:spLocks noGrp="1"/>
+          </p:cNvSpPr>
+          <p:nvPr>
+            <p:ph type="title"/>
+          </p:nvPr>
+        </p:nvSpPr>
+        <p:spPr/>
+        <p:txBody>
+          <a:bodyPr/>
+          <a:lstStyle/>
+          <a:p>
+            <a:r>
+              <a:rPr lang="ko-KR" altLang="en-US" smtClean="0"/>
+              <a:t>시나리오</a:t>
+            </a:r>
+            <a:endParaRPr lang="ko-KR" altLang="en-US"/>
+          </a:p>
+        </p:txBody>
+      </p:sp>
+      <p:sp>
+        <p:nvSpPr>
+          <p:cNvPr id="3" name="내용 개체 틀 2"/>
+          <p:cNvSpPr>
+            <a:spLocks noGrp="1"/>
+          </p:cNvSpPr>
+          <p:nvPr>
+            <p:ph idx="1"/>
+          </p:nvPr>
+        </p:nvSpPr>
+        <p:spPr/>
+        <p:txBody>
+          <a:bodyPr/>
+          <a:lstStyle/>
+          <a:p>
+            <a:r>
+              <a:rPr lang="ko-KR" altLang="en-US" dirty="0" smtClean="0"/>
+              <a:t>탑 탑 </a:t>
+            </a:r>
+            <a:r>
+              <a:rPr lang="ko-KR" altLang="en-US" dirty="0" smtClean="0"/>
+              <a:t>정상에 뭐가 있나</a:t>
+            </a:r>
+            <a:r>
+              <a:rPr lang="en-US" altLang="ko-KR" dirty="0"/>
+              <a:t>?</a:t>
+            </a:r>
+            <a:endParaRPr lang="en-US" altLang="ko-KR" dirty="0" smtClean="0"/>
+          </a:p>
+          <a:p>
+            <a:r>
+              <a:rPr lang="ko-KR" altLang="en-US" dirty="0" smtClean="0"/>
+              <a:t>탑 내부 </a:t>
+            </a:r>
+            <a:r>
+              <a:rPr lang="ko-KR" altLang="en-US" dirty="0" err="1" smtClean="0"/>
+              <a:t>몬스터가</a:t>
+            </a:r>
+            <a:r>
+              <a:rPr lang="ko-KR" altLang="en-US" dirty="0" smtClean="0"/>
+              <a:t> 등반을 방해하는 이유</a:t>
+            </a:r>
+            <a:r>
+              <a:rPr lang="en-US" altLang="ko-KR" dirty="0" smtClean="0"/>
+              <a:t>?</a:t>
+            </a:r>
+            <a:endParaRPr lang="en-US" altLang="ko-KR" dirty="0" smtClean="0"/>
+          </a:p>
+        </p:txBody>
+      </p:sp>
     </p:spTree>
     <p:extLst>
       <p:ext uri="{BB962C8B-B14F-4D97-AF65-F5344CB8AC3E}">
-        <p14:creationId xmlns:p14="http://schemas.microsoft.com/office/powerpoint/2010/main" val="1203727411"/>
+        <p14:creationId xmlns:p14="http://schemas.microsoft.com/office/powerpoint/2010/main" val="1416807585"/>
       </p:ext>
     </p:extLst>
   </p:cSld>
   <p:clrMapOvr>
     <a:masterClrMapping/>
   </p:clrMapOvr>
+  <p:timing>
+    <p:tnLst>
+      <p:par>
+        <p:cTn id="1" dur="indefinite" restart="never" nodeType="tmRoot"/>
+      </p:par>
+    </p:tnLst>
+  </p:timing>
 </p:sld>
 </file>
 
@@ -14534,56 +17642,2127 @@
       </p:grpSpPr>
       <p:sp>
         <p:nvSpPr>
-          <p:cNvPr id="2" name="제목 1"/>
-          <p:cNvSpPr>
-            <a:spLocks noGrp="1"/>
-          </p:cNvSpPr>
-          <p:nvPr>
-            <p:ph type="title"/>
-          </p:nvPr>
-        </p:nvSpPr>
-        <p:spPr/>
-        <p:txBody>
-          <a:bodyPr/>
-          <a:lstStyle/>
-          <a:p>
-            <a:r>
-              <a:rPr lang="ko-KR" altLang="en-US" smtClean="0"/>
-              <a:t>시나리오</a:t>
-            </a:r>
+          <p:cNvPr id="14" name="직사각형 13"/>
+          <p:cNvSpPr/>
+          <p:nvPr/>
+        </p:nvSpPr>
+        <p:spPr>
+          <a:xfrm>
+            <a:off x="281522" y="238898"/>
+            <a:ext cx="5056560" cy="6384326"/>
+          </a:xfrm>
+          <a:prstGeom prst="rect">
+            <a:avLst/>
+          </a:prstGeom>
+          <a:solidFill>
+            <a:schemeClr val="accent6">
+              <a:alpha val="19000"/>
+            </a:schemeClr>
+          </a:solidFill>
+          <a:ln>
+            <a:solidFill>
+              <a:schemeClr val="accent6">
+                <a:shade val="50000"/>
+                <a:alpha val="33000"/>
+              </a:schemeClr>
+            </a:solidFill>
+          </a:ln>
+        </p:spPr>
+        <p:style>
+          <a:lnRef idx="2">
+            <a:schemeClr val="accent6">
+              <a:shade val="50000"/>
+            </a:schemeClr>
+          </a:lnRef>
+          <a:fillRef idx="1">
+            <a:schemeClr val="accent6"/>
+          </a:fillRef>
+          <a:effectRef idx="0">
+            <a:schemeClr val="accent6"/>
+          </a:effectRef>
+          <a:fontRef idx="minor">
+            <a:schemeClr val="lt1"/>
+          </a:fontRef>
+        </p:style>
+        <p:txBody>
+          <a:bodyPr rtlCol="0" anchor="ctr"/>
+          <a:lstStyle/>
+          <a:p>
+            <a:pPr algn="ctr"/>
             <a:endParaRPr lang="ko-KR" altLang="en-US"/>
           </a:p>
         </p:txBody>
       </p:sp>
       <p:sp>
         <p:nvSpPr>
-          <p:cNvPr id="3" name="내용 개체 틀 2"/>
-          <p:cNvSpPr>
-            <a:spLocks noGrp="1"/>
-          </p:cNvSpPr>
-          <p:nvPr>
-            <p:ph idx="1"/>
-          </p:nvPr>
-        </p:nvSpPr>
-        <p:spPr/>
-        <p:txBody>
-          <a:bodyPr/>
-          <a:lstStyle/>
-          <a:p>
+          <p:cNvPr id="7" name="직사각형 6"/>
+          <p:cNvSpPr/>
+          <p:nvPr/>
+        </p:nvSpPr>
+        <p:spPr>
+          <a:xfrm>
+            <a:off x="462752" y="387180"/>
+            <a:ext cx="3021813" cy="2471348"/>
+          </a:xfrm>
+          <a:prstGeom prst="rect">
+            <a:avLst/>
+          </a:prstGeom>
+          <a:solidFill>
+            <a:schemeClr val="accent6">
+              <a:alpha val="19000"/>
+            </a:schemeClr>
+          </a:solidFill>
+          <a:ln>
+            <a:solidFill>
+              <a:schemeClr val="accent6">
+                <a:shade val="50000"/>
+                <a:alpha val="33000"/>
+              </a:schemeClr>
+            </a:solidFill>
+          </a:ln>
+        </p:spPr>
+        <p:style>
+          <a:lnRef idx="2">
+            <a:schemeClr val="accent6">
+              <a:shade val="50000"/>
+            </a:schemeClr>
+          </a:lnRef>
+          <a:fillRef idx="1">
+            <a:schemeClr val="accent6"/>
+          </a:fillRef>
+          <a:effectRef idx="0">
+            <a:schemeClr val="accent6"/>
+          </a:effectRef>
+          <a:fontRef idx="minor">
+            <a:schemeClr val="lt1"/>
+          </a:fontRef>
+        </p:style>
+        <p:txBody>
+          <a:bodyPr rtlCol="0" anchor="ctr"/>
+          <a:lstStyle/>
+          <a:p>
+            <a:pPr algn="ctr"/>
             <a:endParaRPr lang="ko-KR" altLang="en-US"/>
+          </a:p>
+        </p:txBody>
+      </p:sp>
+      <p:sp>
+        <p:nvSpPr>
+          <p:cNvPr id="6" name="타원 5"/>
+          <p:cNvSpPr/>
+          <p:nvPr/>
+        </p:nvSpPr>
+        <p:spPr>
+          <a:xfrm>
+            <a:off x="1973658" y="1490651"/>
+            <a:ext cx="982765" cy="846033"/>
+          </a:xfrm>
+          <a:prstGeom prst="ellipse">
+            <a:avLst/>
+          </a:prstGeom>
+          <a:solidFill>
+            <a:srgbClr val="FF0000"/>
+          </a:solidFill>
+          <a:ln>
+            <a:solidFill>
+              <a:srgbClr val="FF0000"/>
+            </a:solidFill>
+          </a:ln>
+        </p:spPr>
+        <p:style>
+          <a:lnRef idx="2">
+            <a:schemeClr val="accent1">
+              <a:shade val="50000"/>
+            </a:schemeClr>
+          </a:lnRef>
+          <a:fillRef idx="1">
+            <a:schemeClr val="accent1"/>
+          </a:fillRef>
+          <a:effectRef idx="0">
+            <a:schemeClr val="accent1"/>
+          </a:effectRef>
+          <a:fontRef idx="minor">
+            <a:schemeClr val="lt1"/>
+          </a:fontRef>
+        </p:style>
+        <p:txBody>
+          <a:bodyPr rtlCol="0" anchor="ctr"/>
+          <a:lstStyle/>
+          <a:p>
+            <a:pPr algn="ctr"/>
+            <a:r>
+              <a:rPr lang="ko-KR" altLang="en-US" sz="1000" dirty="0" smtClean="0"/>
+              <a:t>플레이어</a:t>
+            </a:r>
+            <a:endParaRPr lang="ko-KR" altLang="en-US" sz="1000" dirty="0"/>
+          </a:p>
+        </p:txBody>
+      </p:sp>
+      <p:sp>
+        <p:nvSpPr>
+          <p:cNvPr id="8" name="TextBox 7"/>
+          <p:cNvSpPr txBox="1"/>
+          <p:nvPr/>
+        </p:nvSpPr>
+        <p:spPr>
+          <a:xfrm>
+            <a:off x="3741665" y="751987"/>
+            <a:ext cx="1521570" cy="1477328"/>
+          </a:xfrm>
+          <a:prstGeom prst="rect">
+            <a:avLst/>
+          </a:prstGeom>
+          <a:noFill/>
+        </p:spPr>
+        <p:txBody>
+          <a:bodyPr wrap="none" rtlCol="0">
+            <a:spAutoFit/>
+          </a:bodyPr>
+          <a:lstStyle/>
+          <a:p>
+            <a:r>
+              <a:rPr lang="en-US" altLang="ko-KR" dirty="0" smtClean="0"/>
+              <a:t>Name : </a:t>
+            </a:r>
+            <a:r>
+              <a:rPr lang="en-US" altLang="ko-KR" dirty="0" err="1" smtClean="0"/>
+              <a:t>Cuey</a:t>
+            </a:r>
+            <a:endParaRPr lang="en-US" altLang="ko-KR" dirty="0" smtClean="0"/>
+          </a:p>
+          <a:p>
+            <a:r>
+              <a:rPr lang="en-US" altLang="ko-KR" dirty="0" err="1" smtClean="0"/>
+              <a:t>Lv</a:t>
+            </a:r>
+            <a:r>
+              <a:rPr lang="en-US" altLang="ko-KR" dirty="0" smtClean="0"/>
+              <a:t> : 99</a:t>
+            </a:r>
+          </a:p>
+          <a:p>
+            <a:r>
+              <a:rPr lang="en-US" altLang="ko-KR" dirty="0" err="1" smtClean="0"/>
+              <a:t>Atk</a:t>
+            </a:r>
+            <a:r>
+              <a:rPr lang="en-US" altLang="ko-KR" dirty="0" smtClean="0"/>
+              <a:t> : 30 </a:t>
+            </a:r>
+            <a:r>
+              <a:rPr lang="en-US" altLang="ko-KR" sz="1500" dirty="0" smtClean="0">
+                <a:solidFill>
+                  <a:srgbClr val="FF0000"/>
+                </a:solidFill>
+              </a:rPr>
+              <a:t>+ 50</a:t>
+            </a:r>
+          </a:p>
+          <a:p>
+            <a:r>
+              <a:rPr lang="en-US" altLang="ko-KR" dirty="0" smtClean="0"/>
+              <a:t>Life : 4 </a:t>
+            </a:r>
+            <a:r>
+              <a:rPr lang="en-US" altLang="ko-KR" sz="1500" dirty="0" smtClean="0">
+                <a:solidFill>
+                  <a:srgbClr val="FF0000"/>
+                </a:solidFill>
+              </a:rPr>
+              <a:t>+ 3</a:t>
+            </a:r>
+          </a:p>
+          <a:p>
+            <a:r>
+              <a:rPr lang="en-US" altLang="ko-KR" dirty="0" smtClean="0"/>
+              <a:t>Speed: 5 </a:t>
+            </a:r>
+            <a:r>
+              <a:rPr lang="en-US" altLang="ko-KR" sz="1500" dirty="0" smtClean="0">
+                <a:solidFill>
+                  <a:srgbClr val="FF0000"/>
+                </a:solidFill>
+              </a:rPr>
+              <a:t>+ 4</a:t>
+            </a:r>
+            <a:endParaRPr lang="ko-KR" altLang="en-US" sz="1500" dirty="0">
+              <a:solidFill>
+                <a:srgbClr val="FF0000"/>
+              </a:solidFill>
+            </a:endParaRPr>
+          </a:p>
+        </p:txBody>
+      </p:sp>
+      <p:sp>
+        <p:nvSpPr>
+          <p:cNvPr id="15" name="TextBox 14"/>
+          <p:cNvSpPr txBox="1"/>
+          <p:nvPr/>
+        </p:nvSpPr>
+        <p:spPr>
+          <a:xfrm>
+            <a:off x="2050252" y="3105168"/>
+            <a:ext cx="2562899" cy="538609"/>
+          </a:xfrm>
+          <a:prstGeom prst="rect">
+            <a:avLst/>
+          </a:prstGeom>
+          <a:noFill/>
+        </p:spPr>
+        <p:txBody>
+          <a:bodyPr wrap="square" rtlCol="0">
+            <a:spAutoFit/>
+          </a:bodyPr>
+          <a:lstStyle/>
+          <a:p>
+            <a:r>
+              <a:rPr lang="ko-KR" altLang="en-US" dirty="0" smtClean="0"/>
+              <a:t>초심자의 검</a:t>
+            </a:r>
+            <a:endParaRPr lang="en-US" altLang="ko-KR" dirty="0" smtClean="0"/>
+          </a:p>
+          <a:p>
+            <a:r>
+              <a:rPr lang="en-US" altLang="ko-KR" sz="1100" dirty="0" err="1" smtClean="0"/>
+              <a:t>Atk</a:t>
+            </a:r>
+            <a:r>
+              <a:rPr lang="en-US" altLang="ko-KR" sz="1100" dirty="0" smtClean="0"/>
+              <a:t> +50</a:t>
+            </a:r>
+          </a:p>
+        </p:txBody>
+      </p:sp>
+      <p:sp>
+        <p:nvSpPr>
+          <p:cNvPr id="16" name="직사각형 15"/>
+          <p:cNvSpPr/>
+          <p:nvPr/>
+        </p:nvSpPr>
+        <p:spPr>
+          <a:xfrm>
+            <a:off x="1392213" y="3171072"/>
+            <a:ext cx="579532" cy="562733"/>
+          </a:xfrm>
+          <a:prstGeom prst="rect">
+            <a:avLst/>
+          </a:prstGeom>
+          <a:solidFill>
+            <a:schemeClr val="accent1">
+              <a:alpha val="53000"/>
+            </a:schemeClr>
+          </a:solidFill>
+          <a:ln>
+            <a:solidFill>
+              <a:schemeClr val="accent1">
+                <a:shade val="50000"/>
+                <a:alpha val="44000"/>
+              </a:schemeClr>
+            </a:solidFill>
+          </a:ln>
+        </p:spPr>
+        <p:style>
+          <a:lnRef idx="2">
+            <a:schemeClr val="accent1">
+              <a:shade val="50000"/>
+            </a:schemeClr>
+          </a:lnRef>
+          <a:fillRef idx="1">
+            <a:schemeClr val="accent1"/>
+          </a:fillRef>
+          <a:effectRef idx="0">
+            <a:schemeClr val="accent1"/>
+          </a:effectRef>
+          <a:fontRef idx="minor">
+            <a:schemeClr val="lt1"/>
+          </a:fontRef>
+        </p:style>
+        <p:txBody>
+          <a:bodyPr rtlCol="0" anchor="ctr"/>
+          <a:lstStyle/>
+          <a:p>
+            <a:pPr algn="ctr"/>
+            <a:r>
+              <a:rPr lang="en-US" altLang="ko-KR" sz="1000" dirty="0" smtClean="0"/>
+              <a:t>Image</a:t>
+            </a:r>
+            <a:endParaRPr lang="ko-KR" altLang="en-US" sz="1000" dirty="0"/>
+          </a:p>
+        </p:txBody>
+      </p:sp>
+      <p:sp>
+        <p:nvSpPr>
+          <p:cNvPr id="17" name="직사각형 16"/>
+          <p:cNvSpPr/>
+          <p:nvPr/>
+        </p:nvSpPr>
+        <p:spPr>
+          <a:xfrm>
+            <a:off x="1392213" y="4075159"/>
+            <a:ext cx="579532" cy="562733"/>
+          </a:xfrm>
+          <a:prstGeom prst="rect">
+            <a:avLst/>
+          </a:prstGeom>
+          <a:solidFill>
+            <a:schemeClr val="accent1">
+              <a:alpha val="53000"/>
+            </a:schemeClr>
+          </a:solidFill>
+          <a:ln>
+            <a:solidFill>
+              <a:schemeClr val="accent1">
+                <a:shade val="50000"/>
+                <a:alpha val="44000"/>
+              </a:schemeClr>
+            </a:solidFill>
+          </a:ln>
+        </p:spPr>
+        <p:style>
+          <a:lnRef idx="2">
+            <a:schemeClr val="accent1">
+              <a:shade val="50000"/>
+            </a:schemeClr>
+          </a:lnRef>
+          <a:fillRef idx="1">
+            <a:schemeClr val="accent1"/>
+          </a:fillRef>
+          <a:effectRef idx="0">
+            <a:schemeClr val="accent1"/>
+          </a:effectRef>
+          <a:fontRef idx="minor">
+            <a:schemeClr val="lt1"/>
+          </a:fontRef>
+        </p:style>
+        <p:txBody>
+          <a:bodyPr rtlCol="0" anchor="ctr"/>
+          <a:lstStyle/>
+          <a:p>
+            <a:pPr algn="ctr"/>
+            <a:r>
+              <a:rPr lang="en-US" altLang="ko-KR" sz="1000" dirty="0" smtClean="0"/>
+              <a:t>Image</a:t>
+            </a:r>
+            <a:endParaRPr lang="ko-KR" altLang="en-US" sz="1000" dirty="0"/>
+          </a:p>
+        </p:txBody>
+      </p:sp>
+      <p:sp>
+        <p:nvSpPr>
+          <p:cNvPr id="18" name="직사각형 17"/>
+          <p:cNvSpPr/>
+          <p:nvPr/>
+        </p:nvSpPr>
+        <p:spPr>
+          <a:xfrm>
+            <a:off x="1392213" y="4989564"/>
+            <a:ext cx="579532" cy="562733"/>
+          </a:xfrm>
+          <a:prstGeom prst="rect">
+            <a:avLst/>
+          </a:prstGeom>
+          <a:solidFill>
+            <a:schemeClr val="accent1">
+              <a:alpha val="53000"/>
+            </a:schemeClr>
+          </a:solidFill>
+          <a:ln>
+            <a:solidFill>
+              <a:schemeClr val="accent1">
+                <a:shade val="50000"/>
+                <a:alpha val="44000"/>
+              </a:schemeClr>
+            </a:solidFill>
+          </a:ln>
+        </p:spPr>
+        <p:style>
+          <a:lnRef idx="2">
+            <a:schemeClr val="accent1">
+              <a:shade val="50000"/>
+            </a:schemeClr>
+          </a:lnRef>
+          <a:fillRef idx="1">
+            <a:schemeClr val="accent1"/>
+          </a:fillRef>
+          <a:effectRef idx="0">
+            <a:schemeClr val="accent1"/>
+          </a:effectRef>
+          <a:fontRef idx="minor">
+            <a:schemeClr val="lt1"/>
+          </a:fontRef>
+        </p:style>
+        <p:txBody>
+          <a:bodyPr rtlCol="0" anchor="ctr"/>
+          <a:lstStyle/>
+          <a:p>
+            <a:pPr algn="ctr"/>
+            <a:r>
+              <a:rPr lang="en-US" altLang="ko-KR" sz="1000" dirty="0" smtClean="0"/>
+              <a:t>Image</a:t>
+            </a:r>
+            <a:endParaRPr lang="ko-KR" altLang="en-US" sz="1000" dirty="0"/>
+          </a:p>
+        </p:txBody>
+      </p:sp>
+      <p:sp>
+        <p:nvSpPr>
+          <p:cNvPr id="20" name="직사각형 19"/>
+          <p:cNvSpPr/>
+          <p:nvPr/>
+        </p:nvSpPr>
+        <p:spPr>
+          <a:xfrm>
+            <a:off x="418934" y="3478116"/>
+            <a:ext cx="832036" cy="296562"/>
+          </a:xfrm>
+          <a:prstGeom prst="rect">
+            <a:avLst/>
+          </a:prstGeom>
+          <a:solidFill>
+            <a:schemeClr val="accent6">
+              <a:lumMod val="60000"/>
+              <a:lumOff val="40000"/>
+            </a:schemeClr>
+          </a:solidFill>
+          <a:ln>
+            <a:solidFill>
+              <a:schemeClr val="bg1">
+                <a:lumMod val="65000"/>
+              </a:schemeClr>
+            </a:solidFill>
+          </a:ln>
+        </p:spPr>
+        <p:style>
+          <a:lnRef idx="2">
+            <a:schemeClr val="accent4">
+              <a:shade val="50000"/>
+            </a:schemeClr>
+          </a:lnRef>
+          <a:fillRef idx="1">
+            <a:schemeClr val="accent4"/>
+          </a:fillRef>
+          <a:effectRef idx="0">
+            <a:schemeClr val="accent4"/>
+          </a:effectRef>
+          <a:fontRef idx="minor">
+            <a:schemeClr val="lt1"/>
+          </a:fontRef>
+        </p:style>
+        <p:txBody>
+          <a:bodyPr rtlCol="0" anchor="ctr"/>
+          <a:lstStyle/>
+          <a:p>
+            <a:pPr algn="ctr"/>
+            <a:r>
+              <a:rPr lang="ko-KR" altLang="en-US" sz="1000" dirty="0" smtClean="0">
+                <a:solidFill>
+                  <a:srgbClr val="002060"/>
+                </a:solidFill>
+              </a:rPr>
+              <a:t>장착해제</a:t>
+            </a:r>
+            <a:endParaRPr lang="ko-KR" altLang="en-US" sz="1000" dirty="0">
+              <a:solidFill>
+                <a:srgbClr val="002060"/>
+              </a:solidFill>
+            </a:endParaRPr>
+          </a:p>
+        </p:txBody>
+      </p:sp>
+      <p:sp>
+        <p:nvSpPr>
+          <p:cNvPr id="21" name="직사각형 20"/>
+          <p:cNvSpPr/>
+          <p:nvPr/>
+        </p:nvSpPr>
+        <p:spPr>
+          <a:xfrm>
+            <a:off x="2050253" y="4009255"/>
+            <a:ext cx="3448728" cy="538609"/>
+          </a:xfrm>
+          <a:prstGeom prst="rect">
+            <a:avLst/>
+          </a:prstGeom>
+        </p:spPr>
+        <p:txBody>
+          <a:bodyPr wrap="square">
+            <a:spAutoFit/>
+          </a:bodyPr>
+          <a:lstStyle/>
+          <a:p>
+            <a:r>
+              <a:rPr lang="ko-KR" altLang="en-US" dirty="0" smtClean="0"/>
+              <a:t>튼튼한 갑옷</a:t>
+            </a:r>
+            <a:endParaRPr lang="en-US" altLang="ko-KR" dirty="0"/>
+          </a:p>
+          <a:p>
+            <a:r>
+              <a:rPr lang="en-US" altLang="ko-KR" sz="1100" dirty="0" smtClean="0"/>
+              <a:t>Life +3</a:t>
+            </a:r>
+            <a:endParaRPr lang="en-US" altLang="ko-KR" sz="1100" dirty="0"/>
+          </a:p>
+        </p:txBody>
+      </p:sp>
+      <p:sp>
+        <p:nvSpPr>
+          <p:cNvPr id="22" name="직사각형 21"/>
+          <p:cNvSpPr/>
+          <p:nvPr/>
+        </p:nvSpPr>
+        <p:spPr>
+          <a:xfrm>
+            <a:off x="2050253" y="4923660"/>
+            <a:ext cx="3448728" cy="538609"/>
+          </a:xfrm>
+          <a:prstGeom prst="rect">
+            <a:avLst/>
+          </a:prstGeom>
+        </p:spPr>
+        <p:txBody>
+          <a:bodyPr wrap="square">
+            <a:spAutoFit/>
+          </a:bodyPr>
+          <a:lstStyle/>
+          <a:p>
+            <a:r>
+              <a:rPr lang="ko-KR" altLang="en-US" dirty="0" err="1" smtClean="0"/>
+              <a:t>헤르메스의</a:t>
+            </a:r>
+            <a:r>
+              <a:rPr lang="ko-KR" altLang="en-US" dirty="0" smtClean="0"/>
+              <a:t> 신발</a:t>
+            </a:r>
+            <a:endParaRPr lang="en-US" altLang="ko-KR" dirty="0"/>
+          </a:p>
+          <a:p>
+            <a:r>
+              <a:rPr lang="en-US" altLang="ko-KR" sz="1100" dirty="0" smtClean="0"/>
+              <a:t>Speed +4</a:t>
+            </a:r>
+            <a:endParaRPr lang="en-US" altLang="ko-KR" sz="1100" dirty="0"/>
+          </a:p>
+        </p:txBody>
+      </p:sp>
+      <p:sp>
+        <p:nvSpPr>
+          <p:cNvPr id="23" name="직사각형 22"/>
+          <p:cNvSpPr/>
+          <p:nvPr/>
+        </p:nvSpPr>
+        <p:spPr>
+          <a:xfrm>
+            <a:off x="418934" y="4392513"/>
+            <a:ext cx="832036" cy="296562"/>
+          </a:xfrm>
+          <a:prstGeom prst="rect">
+            <a:avLst/>
+          </a:prstGeom>
+          <a:solidFill>
+            <a:schemeClr val="accent6">
+              <a:lumMod val="60000"/>
+              <a:lumOff val="40000"/>
+            </a:schemeClr>
+          </a:solidFill>
+          <a:ln>
+            <a:solidFill>
+              <a:schemeClr val="bg1">
+                <a:lumMod val="65000"/>
+              </a:schemeClr>
+            </a:solidFill>
+          </a:ln>
+        </p:spPr>
+        <p:style>
+          <a:lnRef idx="2">
+            <a:schemeClr val="accent4">
+              <a:shade val="50000"/>
+            </a:schemeClr>
+          </a:lnRef>
+          <a:fillRef idx="1">
+            <a:schemeClr val="accent4"/>
+          </a:fillRef>
+          <a:effectRef idx="0">
+            <a:schemeClr val="accent4"/>
+          </a:effectRef>
+          <a:fontRef idx="minor">
+            <a:schemeClr val="lt1"/>
+          </a:fontRef>
+        </p:style>
+        <p:txBody>
+          <a:bodyPr rtlCol="0" anchor="ctr"/>
+          <a:lstStyle/>
+          <a:p>
+            <a:pPr algn="ctr"/>
+            <a:r>
+              <a:rPr lang="ko-KR" altLang="en-US" sz="1000" dirty="0" smtClean="0">
+                <a:solidFill>
+                  <a:srgbClr val="002060"/>
+                </a:solidFill>
+              </a:rPr>
+              <a:t>장착해제</a:t>
+            </a:r>
+            <a:endParaRPr lang="ko-KR" altLang="en-US" sz="1000" dirty="0">
+              <a:solidFill>
+                <a:srgbClr val="002060"/>
+              </a:solidFill>
+            </a:endParaRPr>
+          </a:p>
+        </p:txBody>
+      </p:sp>
+      <p:sp>
+        <p:nvSpPr>
+          <p:cNvPr id="24" name="직사각형 23"/>
+          <p:cNvSpPr/>
+          <p:nvPr/>
+        </p:nvSpPr>
+        <p:spPr>
+          <a:xfrm>
+            <a:off x="417432" y="5313394"/>
+            <a:ext cx="832036" cy="296562"/>
+          </a:xfrm>
+          <a:prstGeom prst="rect">
+            <a:avLst/>
+          </a:prstGeom>
+          <a:solidFill>
+            <a:schemeClr val="accent6">
+              <a:lumMod val="60000"/>
+              <a:lumOff val="40000"/>
+            </a:schemeClr>
+          </a:solidFill>
+          <a:ln>
+            <a:solidFill>
+              <a:schemeClr val="bg1">
+                <a:lumMod val="65000"/>
+              </a:schemeClr>
+            </a:solidFill>
+          </a:ln>
+        </p:spPr>
+        <p:style>
+          <a:lnRef idx="2">
+            <a:schemeClr val="accent4">
+              <a:shade val="50000"/>
+            </a:schemeClr>
+          </a:lnRef>
+          <a:fillRef idx="1">
+            <a:schemeClr val="accent4"/>
+          </a:fillRef>
+          <a:effectRef idx="0">
+            <a:schemeClr val="accent4"/>
+          </a:effectRef>
+          <a:fontRef idx="minor">
+            <a:schemeClr val="lt1"/>
+          </a:fontRef>
+        </p:style>
+        <p:txBody>
+          <a:bodyPr rtlCol="0" anchor="ctr"/>
+          <a:lstStyle/>
+          <a:p>
+            <a:pPr algn="ctr"/>
+            <a:r>
+              <a:rPr lang="ko-KR" altLang="en-US" sz="1000" dirty="0" smtClean="0">
+                <a:solidFill>
+                  <a:srgbClr val="002060"/>
+                </a:solidFill>
+              </a:rPr>
+              <a:t>장착해제</a:t>
+            </a:r>
+            <a:endParaRPr lang="ko-KR" altLang="en-US" sz="1000" dirty="0">
+              <a:solidFill>
+                <a:srgbClr val="002060"/>
+              </a:solidFill>
+            </a:endParaRPr>
+          </a:p>
+        </p:txBody>
+      </p:sp>
+      <p:cxnSp>
+        <p:nvCxnSpPr>
+          <p:cNvPr id="26" name="직선 연결선 25"/>
+          <p:cNvCxnSpPr/>
+          <p:nvPr/>
+        </p:nvCxnSpPr>
+        <p:spPr>
+          <a:xfrm>
+            <a:off x="358555" y="2990335"/>
+            <a:ext cx="4904680" cy="0"/>
+          </a:xfrm>
+          <a:prstGeom prst="line">
+            <a:avLst/>
+          </a:prstGeom>
+        </p:spPr>
+        <p:style>
+          <a:lnRef idx="1">
+            <a:schemeClr val="accent1"/>
+          </a:lnRef>
+          <a:fillRef idx="0">
+            <a:schemeClr val="accent1"/>
+          </a:fillRef>
+          <a:effectRef idx="0">
+            <a:schemeClr val="accent1"/>
+          </a:effectRef>
+          <a:fontRef idx="minor">
+            <a:schemeClr val="tx1"/>
+          </a:fontRef>
+        </p:style>
+      </p:cxnSp>
+      <p:sp>
+        <p:nvSpPr>
+          <p:cNvPr id="27" name="직사각형 26"/>
+          <p:cNvSpPr/>
+          <p:nvPr/>
+        </p:nvSpPr>
+        <p:spPr>
+          <a:xfrm>
+            <a:off x="506839" y="3075832"/>
+            <a:ext cx="646331" cy="369332"/>
+          </a:xfrm>
+          <a:prstGeom prst="rect">
+            <a:avLst/>
+          </a:prstGeom>
+        </p:spPr>
+        <p:txBody>
+          <a:bodyPr wrap="none">
+            <a:spAutoFit/>
+          </a:bodyPr>
+          <a:lstStyle/>
+          <a:p>
+            <a:r>
+              <a:rPr lang="ko-KR" altLang="en-US" dirty="0"/>
+              <a:t>무기</a:t>
+            </a:r>
+          </a:p>
+        </p:txBody>
+      </p:sp>
+      <p:sp>
+        <p:nvSpPr>
+          <p:cNvPr id="28" name="직사각형 27"/>
+          <p:cNvSpPr/>
+          <p:nvPr/>
+        </p:nvSpPr>
+        <p:spPr>
+          <a:xfrm>
+            <a:off x="623382" y="3990229"/>
+            <a:ext cx="415498" cy="369332"/>
+          </a:xfrm>
+          <a:prstGeom prst="rect">
+            <a:avLst/>
+          </a:prstGeom>
+        </p:spPr>
+        <p:txBody>
+          <a:bodyPr wrap="none">
+            <a:spAutoFit/>
+          </a:bodyPr>
+          <a:lstStyle/>
+          <a:p>
+            <a:r>
+              <a:rPr lang="ko-KR" altLang="en-US" dirty="0" smtClean="0"/>
+              <a:t>옷</a:t>
+            </a:r>
+            <a:endParaRPr lang="ko-KR" altLang="en-US" dirty="0"/>
+          </a:p>
+        </p:txBody>
+      </p:sp>
+      <p:sp>
+        <p:nvSpPr>
+          <p:cNvPr id="29" name="직사각형 28"/>
+          <p:cNvSpPr/>
+          <p:nvPr/>
+        </p:nvSpPr>
+        <p:spPr>
+          <a:xfrm>
+            <a:off x="490363" y="4906893"/>
+            <a:ext cx="646331" cy="369332"/>
+          </a:xfrm>
+          <a:prstGeom prst="rect">
+            <a:avLst/>
+          </a:prstGeom>
+        </p:spPr>
+        <p:txBody>
+          <a:bodyPr wrap="none">
+            <a:spAutoFit/>
+          </a:bodyPr>
+          <a:lstStyle/>
+          <a:p>
+            <a:r>
+              <a:rPr lang="ko-KR" altLang="en-US" dirty="0" smtClean="0"/>
+              <a:t>신발</a:t>
+            </a:r>
+            <a:endParaRPr lang="ko-KR" altLang="en-US" dirty="0"/>
+          </a:p>
+        </p:txBody>
+      </p:sp>
+      <p:cxnSp>
+        <p:nvCxnSpPr>
+          <p:cNvPr id="30" name="직선 연결선 29"/>
+          <p:cNvCxnSpPr/>
+          <p:nvPr/>
+        </p:nvCxnSpPr>
+        <p:spPr>
+          <a:xfrm>
+            <a:off x="358555" y="3904728"/>
+            <a:ext cx="4904680" cy="0"/>
+          </a:xfrm>
+          <a:prstGeom prst="line">
+            <a:avLst/>
+          </a:prstGeom>
+        </p:spPr>
+        <p:style>
+          <a:lnRef idx="1">
+            <a:schemeClr val="accent1"/>
+          </a:lnRef>
+          <a:fillRef idx="0">
+            <a:schemeClr val="accent1"/>
+          </a:fillRef>
+          <a:effectRef idx="0">
+            <a:schemeClr val="accent1"/>
+          </a:effectRef>
+          <a:fontRef idx="minor">
+            <a:schemeClr val="tx1"/>
+          </a:fontRef>
+        </p:style>
+      </p:cxnSp>
+      <p:cxnSp>
+        <p:nvCxnSpPr>
+          <p:cNvPr id="32" name="직선 연결선 31"/>
+          <p:cNvCxnSpPr/>
+          <p:nvPr/>
+        </p:nvCxnSpPr>
+        <p:spPr>
+          <a:xfrm>
+            <a:off x="342079" y="4808805"/>
+            <a:ext cx="4921156" cy="0"/>
+          </a:xfrm>
+          <a:prstGeom prst="line">
+            <a:avLst/>
+          </a:prstGeom>
+        </p:spPr>
+        <p:style>
+          <a:lnRef idx="1">
+            <a:schemeClr val="accent1"/>
+          </a:lnRef>
+          <a:fillRef idx="0">
+            <a:schemeClr val="accent1"/>
+          </a:fillRef>
+          <a:effectRef idx="0">
+            <a:schemeClr val="accent1"/>
+          </a:effectRef>
+          <a:fontRef idx="minor">
+            <a:schemeClr val="tx1"/>
+          </a:fontRef>
+        </p:style>
+      </p:cxnSp>
+      <p:sp>
+        <p:nvSpPr>
+          <p:cNvPr id="41" name="직사각형 40"/>
+          <p:cNvSpPr/>
+          <p:nvPr/>
+        </p:nvSpPr>
+        <p:spPr>
+          <a:xfrm>
+            <a:off x="1391002" y="5903964"/>
+            <a:ext cx="579532" cy="562733"/>
+          </a:xfrm>
+          <a:prstGeom prst="rect">
+            <a:avLst/>
+          </a:prstGeom>
+          <a:solidFill>
+            <a:schemeClr val="accent1">
+              <a:alpha val="53000"/>
+            </a:schemeClr>
+          </a:solidFill>
+          <a:ln>
+            <a:solidFill>
+              <a:schemeClr val="accent1">
+                <a:shade val="50000"/>
+                <a:alpha val="44000"/>
+              </a:schemeClr>
+            </a:solidFill>
+          </a:ln>
+        </p:spPr>
+        <p:style>
+          <a:lnRef idx="2">
+            <a:schemeClr val="accent1">
+              <a:shade val="50000"/>
+            </a:schemeClr>
+          </a:lnRef>
+          <a:fillRef idx="1">
+            <a:schemeClr val="accent1"/>
+          </a:fillRef>
+          <a:effectRef idx="0">
+            <a:schemeClr val="accent1"/>
+          </a:effectRef>
+          <a:fontRef idx="minor">
+            <a:schemeClr val="lt1"/>
+          </a:fontRef>
+        </p:style>
+        <p:txBody>
+          <a:bodyPr rtlCol="0" anchor="ctr"/>
+          <a:lstStyle/>
+          <a:p>
+            <a:pPr algn="ctr"/>
+            <a:r>
+              <a:rPr lang="en-US" altLang="ko-KR" sz="1000" dirty="0" smtClean="0"/>
+              <a:t>Image</a:t>
+            </a:r>
+            <a:endParaRPr lang="ko-KR" altLang="en-US" sz="1000" dirty="0"/>
+          </a:p>
+        </p:txBody>
+      </p:sp>
+      <p:sp>
+        <p:nvSpPr>
+          <p:cNvPr id="42" name="직사각형 41"/>
+          <p:cNvSpPr/>
+          <p:nvPr/>
+        </p:nvSpPr>
+        <p:spPr>
+          <a:xfrm>
+            <a:off x="2049042" y="5838060"/>
+            <a:ext cx="3448728" cy="538609"/>
+          </a:xfrm>
+          <a:prstGeom prst="rect">
+            <a:avLst/>
+          </a:prstGeom>
+        </p:spPr>
+        <p:txBody>
+          <a:bodyPr wrap="square">
+            <a:spAutoFit/>
+          </a:bodyPr>
+          <a:lstStyle/>
+          <a:p>
+            <a:r>
+              <a:rPr lang="ko-KR" altLang="en-US" dirty="0" smtClean="0"/>
+              <a:t>골</a:t>
+            </a:r>
+            <a:r>
+              <a:rPr lang="ko-KR" altLang="en-US" dirty="0"/>
+              <a:t>드</a:t>
+            </a:r>
+            <a:r>
+              <a:rPr lang="ko-KR" altLang="en-US" dirty="0" smtClean="0"/>
+              <a:t> </a:t>
+            </a:r>
+            <a:r>
+              <a:rPr lang="ko-KR" altLang="en-US" dirty="0" err="1" smtClean="0"/>
+              <a:t>슬라임</a:t>
+            </a:r>
+            <a:endParaRPr lang="en-US" altLang="ko-KR" dirty="0" smtClean="0"/>
+          </a:p>
+          <a:p>
+            <a:r>
+              <a:rPr lang="en-US" altLang="ko-KR" sz="1100" dirty="0" smtClean="0"/>
+              <a:t>60</a:t>
+            </a:r>
+            <a:r>
+              <a:rPr lang="ko-KR" altLang="en-US" sz="1100" dirty="0" smtClean="0"/>
+              <a:t>초마다 </a:t>
+            </a:r>
+            <a:r>
+              <a:rPr lang="en-US" altLang="ko-KR" sz="1100" dirty="0"/>
+              <a:t>5</a:t>
+            </a:r>
+            <a:r>
+              <a:rPr lang="en-US" altLang="ko-KR" sz="1100" dirty="0" smtClean="0"/>
+              <a:t>G </a:t>
+            </a:r>
+            <a:r>
+              <a:rPr lang="ko-KR" altLang="en-US" sz="1100" dirty="0" smtClean="0"/>
+              <a:t>획득</a:t>
+            </a:r>
+            <a:endParaRPr lang="en-US" altLang="ko-KR" sz="1100" dirty="0"/>
+          </a:p>
+        </p:txBody>
+      </p:sp>
+      <p:sp>
+        <p:nvSpPr>
+          <p:cNvPr id="43" name="직사각형 42"/>
+          <p:cNvSpPr/>
+          <p:nvPr/>
+        </p:nvSpPr>
+        <p:spPr>
+          <a:xfrm>
+            <a:off x="416221" y="6227794"/>
+            <a:ext cx="832036" cy="296562"/>
+          </a:xfrm>
+          <a:prstGeom prst="rect">
+            <a:avLst/>
+          </a:prstGeom>
+          <a:solidFill>
+            <a:schemeClr val="accent6">
+              <a:lumMod val="60000"/>
+              <a:lumOff val="40000"/>
+            </a:schemeClr>
+          </a:solidFill>
+          <a:ln>
+            <a:solidFill>
+              <a:schemeClr val="bg1">
+                <a:lumMod val="65000"/>
+              </a:schemeClr>
+            </a:solidFill>
+          </a:ln>
+        </p:spPr>
+        <p:style>
+          <a:lnRef idx="2">
+            <a:schemeClr val="accent4">
+              <a:shade val="50000"/>
+            </a:schemeClr>
+          </a:lnRef>
+          <a:fillRef idx="1">
+            <a:schemeClr val="accent4"/>
+          </a:fillRef>
+          <a:effectRef idx="0">
+            <a:schemeClr val="accent4"/>
+          </a:effectRef>
+          <a:fontRef idx="minor">
+            <a:schemeClr val="lt1"/>
+          </a:fontRef>
+        </p:style>
+        <p:txBody>
+          <a:bodyPr rtlCol="0" anchor="ctr"/>
+          <a:lstStyle/>
+          <a:p>
+            <a:pPr algn="ctr"/>
+            <a:r>
+              <a:rPr lang="ko-KR" altLang="en-US" sz="1000" dirty="0" smtClean="0">
+                <a:solidFill>
+                  <a:srgbClr val="002060"/>
+                </a:solidFill>
+              </a:rPr>
+              <a:t>장착해제</a:t>
+            </a:r>
+            <a:endParaRPr lang="ko-KR" altLang="en-US" sz="1000" dirty="0">
+              <a:solidFill>
+                <a:srgbClr val="002060"/>
+              </a:solidFill>
+            </a:endParaRPr>
+          </a:p>
+        </p:txBody>
+      </p:sp>
+      <p:sp>
+        <p:nvSpPr>
+          <p:cNvPr id="44" name="직사각형 43"/>
+          <p:cNvSpPr/>
+          <p:nvPr/>
+        </p:nvSpPr>
+        <p:spPr>
+          <a:xfrm>
+            <a:off x="620960" y="5821293"/>
+            <a:ext cx="415498" cy="369332"/>
+          </a:xfrm>
+          <a:prstGeom prst="rect">
+            <a:avLst/>
+          </a:prstGeom>
+        </p:spPr>
+        <p:txBody>
+          <a:bodyPr wrap="none">
+            <a:spAutoFit/>
+          </a:bodyPr>
+          <a:lstStyle/>
+          <a:p>
+            <a:r>
+              <a:rPr lang="ko-KR" altLang="en-US" dirty="0" err="1"/>
+              <a:t>펫</a:t>
+            </a:r>
+            <a:endParaRPr lang="ko-KR" altLang="en-US" dirty="0"/>
+          </a:p>
+        </p:txBody>
+      </p:sp>
+      <p:cxnSp>
+        <p:nvCxnSpPr>
+          <p:cNvPr id="45" name="직선 연결선 44"/>
+          <p:cNvCxnSpPr/>
+          <p:nvPr/>
+        </p:nvCxnSpPr>
+        <p:spPr>
+          <a:xfrm>
+            <a:off x="349106" y="5723205"/>
+            <a:ext cx="4914129" cy="0"/>
+          </a:xfrm>
+          <a:prstGeom prst="line">
+            <a:avLst/>
+          </a:prstGeom>
+        </p:spPr>
+        <p:style>
+          <a:lnRef idx="1">
+            <a:schemeClr val="accent1"/>
+          </a:lnRef>
+          <a:fillRef idx="0">
+            <a:schemeClr val="accent1"/>
+          </a:fillRef>
+          <a:effectRef idx="0">
+            <a:schemeClr val="accent1"/>
+          </a:effectRef>
+          <a:fontRef idx="minor">
+            <a:schemeClr val="tx1"/>
+          </a:fontRef>
+        </p:style>
+      </p:cxnSp>
+      <p:sp>
+        <p:nvSpPr>
+          <p:cNvPr id="46" name="타원 45"/>
+          <p:cNvSpPr/>
+          <p:nvPr/>
+        </p:nvSpPr>
+        <p:spPr>
+          <a:xfrm>
+            <a:off x="942046" y="1929657"/>
+            <a:ext cx="461473" cy="435835"/>
+          </a:xfrm>
+          <a:prstGeom prst="ellipse">
+            <a:avLst/>
+          </a:prstGeom>
+          <a:solidFill>
+            <a:srgbClr val="00B050"/>
+          </a:solidFill>
+        </p:spPr>
+        <p:style>
+          <a:lnRef idx="2">
+            <a:schemeClr val="accent1">
+              <a:shade val="50000"/>
+            </a:schemeClr>
+          </a:lnRef>
+          <a:fillRef idx="1">
+            <a:schemeClr val="accent1"/>
+          </a:fillRef>
+          <a:effectRef idx="0">
+            <a:schemeClr val="accent1"/>
+          </a:effectRef>
+          <a:fontRef idx="minor">
+            <a:schemeClr val="lt1"/>
+          </a:fontRef>
+        </p:style>
+        <p:txBody>
+          <a:bodyPr rtlCol="0" anchor="ctr"/>
+          <a:lstStyle/>
+          <a:p>
+            <a:pPr algn="ctr"/>
+            <a:r>
+              <a:rPr lang="ko-KR" altLang="en-US" sz="1000" smtClean="0"/>
+              <a:t>펫</a:t>
+            </a:r>
+            <a:endParaRPr lang="ko-KR" altLang="en-US" sz="1000"/>
+          </a:p>
+        </p:txBody>
+      </p:sp>
+      <p:sp>
+        <p:nvSpPr>
+          <p:cNvPr id="47" name="직사각형 46"/>
+          <p:cNvSpPr/>
+          <p:nvPr/>
+        </p:nvSpPr>
+        <p:spPr>
+          <a:xfrm>
+            <a:off x="5498981" y="238898"/>
+            <a:ext cx="4514316" cy="6384326"/>
+          </a:xfrm>
+          <a:prstGeom prst="rect">
+            <a:avLst/>
+          </a:prstGeom>
+          <a:solidFill>
+            <a:schemeClr val="accent6">
+              <a:alpha val="19000"/>
+            </a:schemeClr>
+          </a:solidFill>
+          <a:ln>
+            <a:solidFill>
+              <a:schemeClr val="accent6">
+                <a:shade val="50000"/>
+                <a:alpha val="33000"/>
+              </a:schemeClr>
+            </a:solidFill>
+          </a:ln>
+        </p:spPr>
+        <p:style>
+          <a:lnRef idx="2">
+            <a:schemeClr val="accent6">
+              <a:shade val="50000"/>
+            </a:schemeClr>
+          </a:lnRef>
+          <a:fillRef idx="1">
+            <a:schemeClr val="accent6"/>
+          </a:fillRef>
+          <a:effectRef idx="0">
+            <a:schemeClr val="accent6"/>
+          </a:effectRef>
+          <a:fontRef idx="minor">
+            <a:schemeClr val="lt1"/>
+          </a:fontRef>
+        </p:style>
+        <p:txBody>
+          <a:bodyPr rtlCol="0" anchor="ctr"/>
+          <a:lstStyle/>
+          <a:p>
+            <a:pPr algn="ctr"/>
+            <a:endParaRPr lang="ko-KR" altLang="en-US"/>
+          </a:p>
+        </p:txBody>
+      </p:sp>
+      <p:sp>
+        <p:nvSpPr>
+          <p:cNvPr id="83" name="TextBox 82"/>
+          <p:cNvSpPr txBox="1"/>
+          <p:nvPr/>
+        </p:nvSpPr>
+        <p:spPr>
+          <a:xfrm>
+            <a:off x="7048124" y="994217"/>
+            <a:ext cx="2562899" cy="538609"/>
+          </a:xfrm>
+          <a:prstGeom prst="rect">
+            <a:avLst/>
+          </a:prstGeom>
+          <a:noFill/>
+        </p:spPr>
+        <p:txBody>
+          <a:bodyPr wrap="square" rtlCol="0">
+            <a:spAutoFit/>
+          </a:bodyPr>
+          <a:lstStyle/>
+          <a:p>
+            <a:r>
+              <a:rPr lang="ko-KR" altLang="en-US" dirty="0" smtClean="0"/>
+              <a:t>초심자의 검</a:t>
+            </a:r>
+            <a:endParaRPr lang="en-US" altLang="ko-KR" dirty="0" smtClean="0"/>
+          </a:p>
+          <a:p>
+            <a:r>
+              <a:rPr lang="en-US" altLang="ko-KR" sz="1100" dirty="0" err="1" smtClean="0"/>
+              <a:t>Atk</a:t>
+            </a:r>
+            <a:r>
+              <a:rPr lang="en-US" altLang="ko-KR" sz="1100" dirty="0" smtClean="0"/>
+              <a:t> +50</a:t>
+            </a:r>
+          </a:p>
+        </p:txBody>
+      </p:sp>
+      <p:sp>
+        <p:nvSpPr>
+          <p:cNvPr id="84" name="직사각형 83"/>
+          <p:cNvSpPr/>
+          <p:nvPr/>
+        </p:nvSpPr>
+        <p:spPr>
+          <a:xfrm>
+            <a:off x="6390085" y="1060121"/>
+            <a:ext cx="579532" cy="562733"/>
+          </a:xfrm>
+          <a:prstGeom prst="rect">
+            <a:avLst/>
+          </a:prstGeom>
+          <a:solidFill>
+            <a:schemeClr val="accent1">
+              <a:alpha val="53000"/>
+            </a:schemeClr>
+          </a:solidFill>
+          <a:ln>
+            <a:solidFill>
+              <a:schemeClr val="accent1">
+                <a:shade val="50000"/>
+                <a:alpha val="44000"/>
+              </a:schemeClr>
+            </a:solidFill>
+          </a:ln>
+        </p:spPr>
+        <p:style>
+          <a:lnRef idx="2">
+            <a:schemeClr val="accent1">
+              <a:shade val="50000"/>
+            </a:schemeClr>
+          </a:lnRef>
+          <a:fillRef idx="1">
+            <a:schemeClr val="accent1"/>
+          </a:fillRef>
+          <a:effectRef idx="0">
+            <a:schemeClr val="accent1"/>
+          </a:effectRef>
+          <a:fontRef idx="minor">
+            <a:schemeClr val="lt1"/>
+          </a:fontRef>
+        </p:style>
+        <p:txBody>
+          <a:bodyPr rtlCol="0" anchor="ctr"/>
+          <a:lstStyle/>
+          <a:p>
+            <a:pPr algn="ctr"/>
+            <a:r>
+              <a:rPr lang="en-US" altLang="ko-KR" sz="1000" dirty="0" smtClean="0"/>
+              <a:t>Image</a:t>
+            </a:r>
+            <a:endParaRPr lang="ko-KR" altLang="en-US" sz="1000" dirty="0"/>
+          </a:p>
+        </p:txBody>
+      </p:sp>
+      <p:sp>
+        <p:nvSpPr>
+          <p:cNvPr id="85" name="직사각형 84"/>
+          <p:cNvSpPr/>
+          <p:nvPr/>
+        </p:nvSpPr>
+        <p:spPr>
+          <a:xfrm>
+            <a:off x="5634920" y="1367165"/>
+            <a:ext cx="616352" cy="296562"/>
+          </a:xfrm>
+          <a:prstGeom prst="rect">
+            <a:avLst/>
+          </a:prstGeom>
+          <a:solidFill>
+            <a:schemeClr val="accent6">
+              <a:lumMod val="60000"/>
+              <a:lumOff val="40000"/>
+            </a:schemeClr>
+          </a:solidFill>
+          <a:ln>
+            <a:solidFill>
+              <a:schemeClr val="bg1">
+                <a:lumMod val="65000"/>
+              </a:schemeClr>
+            </a:solidFill>
+          </a:ln>
+        </p:spPr>
+        <p:style>
+          <a:lnRef idx="2">
+            <a:schemeClr val="accent4">
+              <a:shade val="50000"/>
+            </a:schemeClr>
+          </a:lnRef>
+          <a:fillRef idx="1">
+            <a:schemeClr val="accent4"/>
+          </a:fillRef>
+          <a:effectRef idx="0">
+            <a:schemeClr val="accent4"/>
+          </a:effectRef>
+          <a:fontRef idx="minor">
+            <a:schemeClr val="lt1"/>
+          </a:fontRef>
+        </p:style>
+        <p:txBody>
+          <a:bodyPr rtlCol="0" anchor="ctr"/>
+          <a:lstStyle/>
+          <a:p>
+            <a:pPr algn="ctr"/>
+            <a:r>
+              <a:rPr lang="ko-KR" altLang="en-US" sz="1000" dirty="0" err="1" smtClean="0">
+                <a:solidFill>
+                  <a:srgbClr val="002060"/>
+                </a:solidFill>
+              </a:rPr>
+              <a:t>장착중</a:t>
+            </a:r>
+            <a:endParaRPr lang="ko-KR" altLang="en-US" sz="1000" dirty="0">
+              <a:solidFill>
+                <a:srgbClr val="002060"/>
+              </a:solidFill>
+            </a:endParaRPr>
+          </a:p>
+        </p:txBody>
+      </p:sp>
+      <p:cxnSp>
+        <p:nvCxnSpPr>
+          <p:cNvPr id="86" name="직선 연결선 85"/>
+          <p:cNvCxnSpPr/>
+          <p:nvPr/>
+        </p:nvCxnSpPr>
+        <p:spPr>
+          <a:xfrm>
+            <a:off x="5599708" y="879384"/>
+            <a:ext cx="4318765" cy="0"/>
+          </a:xfrm>
+          <a:prstGeom prst="line">
+            <a:avLst/>
+          </a:prstGeom>
+        </p:spPr>
+        <p:style>
+          <a:lnRef idx="1">
+            <a:schemeClr val="accent1"/>
+          </a:lnRef>
+          <a:fillRef idx="0">
+            <a:schemeClr val="accent1"/>
+          </a:fillRef>
+          <a:effectRef idx="0">
+            <a:schemeClr val="accent1"/>
+          </a:effectRef>
+          <a:fontRef idx="minor">
+            <a:schemeClr val="tx1"/>
+          </a:fontRef>
+        </p:style>
+      </p:cxnSp>
+      <p:sp>
+        <p:nvSpPr>
+          <p:cNvPr id="87" name="직사각형 86"/>
+          <p:cNvSpPr/>
+          <p:nvPr/>
+        </p:nvSpPr>
+        <p:spPr>
+          <a:xfrm>
+            <a:off x="5794310" y="416211"/>
+            <a:ext cx="646331" cy="369332"/>
+          </a:xfrm>
+          <a:prstGeom prst="rect">
+            <a:avLst/>
+          </a:prstGeom>
+        </p:spPr>
+        <p:txBody>
+          <a:bodyPr wrap="none">
+            <a:spAutoFit/>
+          </a:bodyPr>
+          <a:lstStyle/>
+          <a:p>
+            <a:r>
+              <a:rPr lang="ko-KR" altLang="en-US" dirty="0"/>
+              <a:t>무기</a:t>
+            </a:r>
+          </a:p>
+        </p:txBody>
+      </p:sp>
+      <p:sp>
+        <p:nvSpPr>
+          <p:cNvPr id="100" name="TextBox 99"/>
+          <p:cNvSpPr txBox="1"/>
+          <p:nvPr/>
+        </p:nvSpPr>
+        <p:spPr>
+          <a:xfrm>
+            <a:off x="7048124" y="1913667"/>
+            <a:ext cx="2562899" cy="538609"/>
+          </a:xfrm>
+          <a:prstGeom prst="rect">
+            <a:avLst/>
+          </a:prstGeom>
+          <a:noFill/>
+        </p:spPr>
+        <p:txBody>
+          <a:bodyPr wrap="square" rtlCol="0">
+            <a:spAutoFit/>
+          </a:bodyPr>
+          <a:lstStyle/>
+          <a:p>
+            <a:r>
+              <a:rPr lang="ko-KR" altLang="en-US" dirty="0" err="1" smtClean="0"/>
+              <a:t>엑스칼리버</a:t>
+            </a:r>
+            <a:endParaRPr lang="en-US" altLang="ko-KR" dirty="0" smtClean="0"/>
+          </a:p>
+          <a:p>
+            <a:r>
+              <a:rPr lang="en-US" altLang="ko-KR" sz="1100" dirty="0" err="1" smtClean="0"/>
+              <a:t>Atk</a:t>
+            </a:r>
+            <a:r>
+              <a:rPr lang="en-US" altLang="ko-KR" sz="1100" dirty="0" smtClean="0"/>
+              <a:t> +500</a:t>
+            </a:r>
+          </a:p>
+        </p:txBody>
+      </p:sp>
+      <p:sp>
+        <p:nvSpPr>
+          <p:cNvPr id="101" name="직사각형 100"/>
+          <p:cNvSpPr/>
+          <p:nvPr/>
+        </p:nvSpPr>
+        <p:spPr>
+          <a:xfrm>
+            <a:off x="6390085" y="1979571"/>
+            <a:ext cx="579532" cy="562733"/>
+          </a:xfrm>
+          <a:prstGeom prst="rect">
+            <a:avLst/>
+          </a:prstGeom>
+          <a:solidFill>
+            <a:schemeClr val="accent1">
+              <a:alpha val="53000"/>
+            </a:schemeClr>
+          </a:solidFill>
+          <a:ln>
+            <a:solidFill>
+              <a:schemeClr val="accent1">
+                <a:shade val="50000"/>
+                <a:alpha val="44000"/>
+              </a:schemeClr>
+            </a:solidFill>
+          </a:ln>
+        </p:spPr>
+        <p:style>
+          <a:lnRef idx="2">
+            <a:schemeClr val="accent1">
+              <a:shade val="50000"/>
+            </a:schemeClr>
+          </a:lnRef>
+          <a:fillRef idx="1">
+            <a:schemeClr val="accent1"/>
+          </a:fillRef>
+          <a:effectRef idx="0">
+            <a:schemeClr val="accent1"/>
+          </a:effectRef>
+          <a:fontRef idx="minor">
+            <a:schemeClr val="lt1"/>
+          </a:fontRef>
+        </p:style>
+        <p:txBody>
+          <a:bodyPr rtlCol="0" anchor="ctr"/>
+          <a:lstStyle/>
+          <a:p>
+            <a:pPr algn="ctr"/>
+            <a:r>
+              <a:rPr lang="en-US" altLang="ko-KR" sz="1000" dirty="0" smtClean="0"/>
+              <a:t>Image</a:t>
+            </a:r>
+            <a:endParaRPr lang="ko-KR" altLang="en-US" sz="1000" dirty="0"/>
+          </a:p>
+        </p:txBody>
+      </p:sp>
+      <p:sp>
+        <p:nvSpPr>
+          <p:cNvPr id="102" name="직사각형 101"/>
+          <p:cNvSpPr/>
+          <p:nvPr/>
+        </p:nvSpPr>
+        <p:spPr>
+          <a:xfrm>
+            <a:off x="5634920" y="2286615"/>
+            <a:ext cx="616352" cy="296562"/>
+          </a:xfrm>
+          <a:prstGeom prst="rect">
+            <a:avLst/>
+          </a:prstGeom>
+          <a:solidFill>
+            <a:schemeClr val="accent6">
+              <a:lumMod val="60000"/>
+              <a:lumOff val="40000"/>
+            </a:schemeClr>
+          </a:solidFill>
+          <a:ln>
+            <a:solidFill>
+              <a:schemeClr val="bg1">
+                <a:lumMod val="65000"/>
+              </a:schemeClr>
+            </a:solidFill>
+          </a:ln>
+        </p:spPr>
+        <p:style>
+          <a:lnRef idx="2">
+            <a:schemeClr val="accent4">
+              <a:shade val="50000"/>
+            </a:schemeClr>
+          </a:lnRef>
+          <a:fillRef idx="1">
+            <a:schemeClr val="accent4"/>
+          </a:fillRef>
+          <a:effectRef idx="0">
+            <a:schemeClr val="accent4"/>
+          </a:effectRef>
+          <a:fontRef idx="minor">
+            <a:schemeClr val="lt1"/>
+          </a:fontRef>
+        </p:style>
+        <p:txBody>
+          <a:bodyPr rtlCol="0" anchor="ctr"/>
+          <a:lstStyle/>
+          <a:p>
+            <a:pPr algn="ctr"/>
+            <a:r>
+              <a:rPr lang="ko-KR" altLang="en-US" sz="1000" smtClean="0">
+                <a:solidFill>
+                  <a:srgbClr val="002060"/>
+                </a:solidFill>
+              </a:rPr>
+              <a:t>장착</a:t>
+            </a:r>
+            <a:endParaRPr lang="ko-KR" altLang="en-US" sz="1000" dirty="0">
+              <a:solidFill>
+                <a:srgbClr val="002060"/>
+              </a:solidFill>
+            </a:endParaRPr>
+          </a:p>
+        </p:txBody>
+      </p:sp>
+      <p:cxnSp>
+        <p:nvCxnSpPr>
+          <p:cNvPr id="103" name="직선 연결선 102"/>
+          <p:cNvCxnSpPr/>
+          <p:nvPr/>
+        </p:nvCxnSpPr>
+        <p:spPr>
+          <a:xfrm>
+            <a:off x="5599708" y="1798834"/>
+            <a:ext cx="4318765" cy="0"/>
+          </a:xfrm>
+          <a:prstGeom prst="line">
+            <a:avLst/>
+          </a:prstGeom>
+        </p:spPr>
+        <p:style>
+          <a:lnRef idx="1">
+            <a:schemeClr val="accent1"/>
+          </a:lnRef>
+          <a:fillRef idx="0">
+            <a:schemeClr val="accent1"/>
+          </a:fillRef>
+          <a:effectRef idx="0">
+            <a:schemeClr val="accent1"/>
+          </a:effectRef>
+          <a:fontRef idx="minor">
+            <a:schemeClr val="tx1"/>
+          </a:fontRef>
+        </p:style>
+      </p:cxnSp>
+      <p:cxnSp>
+        <p:nvCxnSpPr>
+          <p:cNvPr id="104" name="직선 연결선 103"/>
+          <p:cNvCxnSpPr/>
+          <p:nvPr/>
+        </p:nvCxnSpPr>
+        <p:spPr>
+          <a:xfrm>
+            <a:off x="5599708" y="2721623"/>
+            <a:ext cx="4318765" cy="0"/>
+          </a:xfrm>
+          <a:prstGeom prst="line">
+            <a:avLst/>
+          </a:prstGeom>
+        </p:spPr>
+        <p:style>
+          <a:lnRef idx="1">
+            <a:schemeClr val="accent1"/>
+          </a:lnRef>
+          <a:fillRef idx="0">
+            <a:schemeClr val="accent1"/>
+          </a:fillRef>
+          <a:effectRef idx="0">
+            <a:schemeClr val="accent1"/>
+          </a:effectRef>
+          <a:fontRef idx="minor">
+            <a:schemeClr val="tx1"/>
+          </a:fontRef>
+        </p:style>
+      </p:cxnSp>
+      <p:cxnSp>
+        <p:nvCxnSpPr>
+          <p:cNvPr id="105" name="직선 연결선 104"/>
+          <p:cNvCxnSpPr/>
+          <p:nvPr/>
+        </p:nvCxnSpPr>
+        <p:spPr>
+          <a:xfrm>
+            <a:off x="7753467" y="357460"/>
+            <a:ext cx="0" cy="521924"/>
+          </a:xfrm>
+          <a:prstGeom prst="line">
+            <a:avLst/>
+          </a:prstGeom>
+        </p:spPr>
+        <p:style>
+          <a:lnRef idx="1">
+            <a:schemeClr val="accent1"/>
+          </a:lnRef>
+          <a:fillRef idx="0">
+            <a:schemeClr val="accent1"/>
+          </a:fillRef>
+          <a:effectRef idx="0">
+            <a:schemeClr val="accent1"/>
+          </a:effectRef>
+          <a:fontRef idx="minor">
+            <a:schemeClr val="tx1"/>
+          </a:fontRef>
+        </p:style>
+      </p:cxnSp>
+      <p:cxnSp>
+        <p:nvCxnSpPr>
+          <p:cNvPr id="107" name="직선 연결선 106"/>
+          <p:cNvCxnSpPr/>
+          <p:nvPr/>
+        </p:nvCxnSpPr>
+        <p:spPr>
+          <a:xfrm>
+            <a:off x="6672028" y="357460"/>
+            <a:ext cx="0" cy="521924"/>
+          </a:xfrm>
+          <a:prstGeom prst="line">
+            <a:avLst/>
+          </a:prstGeom>
+        </p:spPr>
+        <p:style>
+          <a:lnRef idx="1">
+            <a:schemeClr val="accent1"/>
+          </a:lnRef>
+          <a:fillRef idx="0">
+            <a:schemeClr val="accent1"/>
+          </a:fillRef>
+          <a:effectRef idx="0">
+            <a:schemeClr val="accent1"/>
+          </a:effectRef>
+          <a:fontRef idx="minor">
+            <a:schemeClr val="tx1"/>
+          </a:fontRef>
+        </p:style>
+      </p:cxnSp>
+      <p:cxnSp>
+        <p:nvCxnSpPr>
+          <p:cNvPr id="108" name="직선 연결선 107"/>
+          <p:cNvCxnSpPr/>
+          <p:nvPr/>
+        </p:nvCxnSpPr>
+        <p:spPr>
+          <a:xfrm>
+            <a:off x="8869943" y="357460"/>
+            <a:ext cx="0" cy="521924"/>
+          </a:xfrm>
+          <a:prstGeom prst="line">
+            <a:avLst/>
+          </a:prstGeom>
+        </p:spPr>
+        <p:style>
+          <a:lnRef idx="1">
+            <a:schemeClr val="accent1"/>
+          </a:lnRef>
+          <a:fillRef idx="0">
+            <a:schemeClr val="accent1"/>
+          </a:fillRef>
+          <a:effectRef idx="0">
+            <a:schemeClr val="accent1"/>
+          </a:effectRef>
+          <a:fontRef idx="minor">
+            <a:schemeClr val="tx1"/>
+          </a:fontRef>
+        </p:style>
+      </p:cxnSp>
+      <p:sp>
+        <p:nvSpPr>
+          <p:cNvPr id="109" name="직사각형 108"/>
+          <p:cNvSpPr/>
+          <p:nvPr/>
+        </p:nvSpPr>
+        <p:spPr>
+          <a:xfrm>
+            <a:off x="7031346" y="416978"/>
+            <a:ext cx="415498" cy="369332"/>
+          </a:xfrm>
+          <a:prstGeom prst="rect">
+            <a:avLst/>
+          </a:prstGeom>
+        </p:spPr>
+        <p:txBody>
+          <a:bodyPr wrap="none">
+            <a:spAutoFit/>
+          </a:bodyPr>
+          <a:lstStyle/>
+          <a:p>
+            <a:r>
+              <a:rPr lang="ko-KR" altLang="en-US" dirty="0" smtClean="0"/>
+              <a:t>옷</a:t>
+            </a:r>
+            <a:endParaRPr lang="ko-KR" altLang="en-US" dirty="0"/>
+          </a:p>
+        </p:txBody>
+      </p:sp>
+      <p:sp>
+        <p:nvSpPr>
+          <p:cNvPr id="110" name="직사각형 109"/>
+          <p:cNvSpPr/>
+          <p:nvPr/>
+        </p:nvSpPr>
+        <p:spPr>
+          <a:xfrm>
+            <a:off x="7998169" y="425367"/>
+            <a:ext cx="646331" cy="369332"/>
+          </a:xfrm>
+          <a:prstGeom prst="rect">
+            <a:avLst/>
+          </a:prstGeom>
+        </p:spPr>
+        <p:txBody>
+          <a:bodyPr wrap="none">
+            <a:spAutoFit/>
+          </a:bodyPr>
+          <a:lstStyle/>
+          <a:p>
+            <a:r>
+              <a:rPr lang="ko-KR" altLang="en-US" dirty="0" smtClean="0"/>
+              <a:t>신발</a:t>
+            </a:r>
+            <a:endParaRPr lang="ko-KR" altLang="en-US" dirty="0"/>
+          </a:p>
+        </p:txBody>
+      </p:sp>
+      <p:sp>
+        <p:nvSpPr>
+          <p:cNvPr id="111" name="직사각형 110"/>
+          <p:cNvSpPr/>
+          <p:nvPr/>
+        </p:nvSpPr>
+        <p:spPr>
+          <a:xfrm>
+            <a:off x="9180714" y="416771"/>
+            <a:ext cx="415498" cy="369332"/>
+          </a:xfrm>
+          <a:prstGeom prst="rect">
+            <a:avLst/>
+          </a:prstGeom>
+        </p:spPr>
+        <p:txBody>
+          <a:bodyPr wrap="none">
+            <a:spAutoFit/>
+          </a:bodyPr>
+          <a:lstStyle/>
+          <a:p>
+            <a:r>
+              <a:rPr lang="ko-KR" altLang="en-US" dirty="0" err="1" smtClean="0"/>
+              <a:t>펫</a:t>
+            </a:r>
+            <a:endParaRPr lang="ko-KR" altLang="en-US" dirty="0"/>
+          </a:p>
+        </p:txBody>
+      </p:sp>
+      <p:sp>
+        <p:nvSpPr>
+          <p:cNvPr id="112" name="직사각형 111">
+            <a:hlinkClick r:id="rId2" action="ppaction://hlinksldjump"/>
+          </p:cNvPr>
+          <p:cNvSpPr/>
+          <p:nvPr/>
+        </p:nvSpPr>
+        <p:spPr>
+          <a:xfrm>
+            <a:off x="10230736" y="6079526"/>
+            <a:ext cx="1729945" cy="543698"/>
+          </a:xfrm>
+          <a:prstGeom prst="rect">
+            <a:avLst/>
+          </a:prstGeom>
+          <a:ln/>
+        </p:spPr>
+        <p:style>
+          <a:lnRef idx="1">
+            <a:schemeClr val="accent6"/>
+          </a:lnRef>
+          <a:fillRef idx="2">
+            <a:schemeClr val="accent6"/>
+          </a:fillRef>
+          <a:effectRef idx="1">
+            <a:schemeClr val="accent6"/>
+          </a:effectRef>
+          <a:fontRef idx="minor">
+            <a:schemeClr val="dk1"/>
+          </a:fontRef>
+        </p:style>
+        <p:txBody>
+          <a:bodyPr rtlCol="0" anchor="ctr"/>
+          <a:lstStyle/>
+          <a:p>
+            <a:pPr algn="ctr"/>
+            <a:r>
+              <a:rPr lang="ko-KR" altLang="en-US" dirty="0" smtClean="0"/>
+              <a:t>탑</a:t>
+            </a:r>
+            <a:endParaRPr lang="en-US" altLang="ko-KR" dirty="0" smtClean="0"/>
+          </a:p>
+        </p:txBody>
+      </p:sp>
+      <p:sp>
+        <p:nvSpPr>
+          <p:cNvPr id="114" name="직사각형 113">
+            <a:hlinkClick r:id="rId2" action="ppaction://hlinksldjump"/>
+          </p:cNvPr>
+          <p:cNvSpPr/>
+          <p:nvPr/>
+        </p:nvSpPr>
+        <p:spPr>
+          <a:xfrm>
+            <a:off x="10230735" y="5376736"/>
+            <a:ext cx="1729945" cy="543698"/>
+          </a:xfrm>
+          <a:prstGeom prst="rect">
+            <a:avLst/>
+          </a:prstGeom>
+          <a:ln/>
+        </p:spPr>
+        <p:style>
+          <a:lnRef idx="1">
+            <a:schemeClr val="accent6"/>
+          </a:lnRef>
+          <a:fillRef idx="2">
+            <a:schemeClr val="accent6"/>
+          </a:fillRef>
+          <a:effectRef idx="1">
+            <a:schemeClr val="accent6"/>
+          </a:effectRef>
+          <a:fontRef idx="minor">
+            <a:schemeClr val="dk1"/>
+          </a:fontRef>
+        </p:style>
+        <p:txBody>
+          <a:bodyPr rtlCol="0" anchor="ctr"/>
+          <a:lstStyle/>
+          <a:p>
+            <a:pPr algn="ctr"/>
+            <a:r>
+              <a:rPr lang="ko-KR" altLang="en-US" dirty="0" smtClean="0"/>
+              <a:t>장</a:t>
+            </a:r>
+            <a:r>
+              <a:rPr lang="ko-KR" altLang="en-US" dirty="0"/>
+              <a:t>비</a:t>
+            </a:r>
+            <a:endParaRPr lang="en-US" altLang="ko-KR" dirty="0" smtClean="0"/>
+          </a:p>
+        </p:txBody>
+      </p:sp>
+      <p:sp>
+        <p:nvSpPr>
+          <p:cNvPr id="115" name="직사각형 114">
+            <a:hlinkClick r:id="rId2" action="ppaction://hlinksldjump"/>
+          </p:cNvPr>
+          <p:cNvSpPr/>
+          <p:nvPr/>
+        </p:nvSpPr>
+        <p:spPr>
+          <a:xfrm>
+            <a:off x="10230734" y="4663170"/>
+            <a:ext cx="1729945" cy="543698"/>
+          </a:xfrm>
+          <a:prstGeom prst="rect">
+            <a:avLst/>
+          </a:prstGeom>
+          <a:ln/>
+        </p:spPr>
+        <p:style>
+          <a:lnRef idx="1">
+            <a:schemeClr val="accent6"/>
+          </a:lnRef>
+          <a:fillRef idx="2">
+            <a:schemeClr val="accent6"/>
+          </a:fillRef>
+          <a:effectRef idx="1">
+            <a:schemeClr val="accent6"/>
+          </a:effectRef>
+          <a:fontRef idx="minor">
+            <a:schemeClr val="dk1"/>
+          </a:fontRef>
+        </p:style>
+        <p:txBody>
+          <a:bodyPr rtlCol="0" anchor="ctr"/>
+          <a:lstStyle/>
+          <a:p>
+            <a:pPr algn="ctr"/>
+            <a:r>
+              <a:rPr lang="ko-KR" altLang="en-US" dirty="0" smtClean="0"/>
+              <a:t>아이템</a:t>
+            </a:r>
+            <a:endParaRPr lang="en-US" altLang="ko-KR" dirty="0" smtClean="0"/>
+          </a:p>
+        </p:txBody>
+      </p:sp>
+      <p:sp>
+        <p:nvSpPr>
+          <p:cNvPr id="116" name="타원 115"/>
+          <p:cNvSpPr/>
+          <p:nvPr/>
+        </p:nvSpPr>
+        <p:spPr>
+          <a:xfrm>
+            <a:off x="11601754" y="111786"/>
+            <a:ext cx="358925" cy="358925"/>
+          </a:xfrm>
+          <a:prstGeom prst="ellipse">
+            <a:avLst/>
+          </a:prstGeom>
+          <a:solidFill>
+            <a:schemeClr val="accent2"/>
+          </a:solidFill>
+        </p:spPr>
+        <p:style>
+          <a:lnRef idx="2">
+            <a:schemeClr val="accent3">
+              <a:shade val="50000"/>
+            </a:schemeClr>
+          </a:lnRef>
+          <a:fillRef idx="1">
+            <a:schemeClr val="accent3"/>
+          </a:fillRef>
+          <a:effectRef idx="0">
+            <a:schemeClr val="accent3"/>
+          </a:effectRef>
+          <a:fontRef idx="minor">
+            <a:schemeClr val="lt1"/>
+          </a:fontRef>
+        </p:style>
+        <p:txBody>
+          <a:bodyPr rtlCol="0" anchor="ctr"/>
+          <a:lstStyle/>
+          <a:p>
+            <a:pPr algn="ctr"/>
+            <a:endParaRPr lang="ko-KR" altLang="en-US" sz="1100" dirty="0"/>
+          </a:p>
+        </p:txBody>
+      </p:sp>
+      <p:sp>
+        <p:nvSpPr>
+          <p:cNvPr id="117" name="TextBox 116"/>
+          <p:cNvSpPr txBox="1"/>
+          <p:nvPr/>
+        </p:nvSpPr>
+        <p:spPr>
+          <a:xfrm>
+            <a:off x="11534591" y="153492"/>
+            <a:ext cx="518091" cy="292388"/>
+          </a:xfrm>
+          <a:prstGeom prst="rect">
+            <a:avLst/>
+          </a:prstGeom>
+          <a:noFill/>
+        </p:spPr>
+        <p:txBody>
+          <a:bodyPr wrap="none" rtlCol="0">
+            <a:spAutoFit/>
+          </a:bodyPr>
+          <a:lstStyle/>
+          <a:p>
+            <a:r>
+              <a:rPr lang="ko-KR" altLang="en-US" sz="1300" dirty="0" smtClean="0">
+                <a:solidFill>
+                  <a:schemeClr val="bg1"/>
+                </a:solidFill>
+              </a:rPr>
+              <a:t>설</a:t>
+            </a:r>
+            <a:r>
+              <a:rPr lang="ko-KR" altLang="en-US" sz="1300" dirty="0">
+                <a:solidFill>
+                  <a:schemeClr val="bg1"/>
+                </a:solidFill>
+              </a:rPr>
+              <a:t>정</a:t>
+            </a:r>
+            <a:endParaRPr lang="ko-KR" altLang="en-US" sz="1300" dirty="0">
+              <a:solidFill>
+                <a:schemeClr val="bg1"/>
+              </a:solidFill>
+            </a:endParaRPr>
           </a:p>
         </p:txBody>
       </p:sp>
     </p:spTree>
     <p:extLst>
       <p:ext uri="{BB962C8B-B14F-4D97-AF65-F5344CB8AC3E}">
-        <p14:creationId xmlns:p14="http://schemas.microsoft.com/office/powerpoint/2010/main" val="1416807585"/>
+        <p14:creationId xmlns:p14="http://schemas.microsoft.com/office/powerpoint/2010/main" val="965161465"/>
       </p:ext>
     </p:extLst>
   </p:cSld>
   <p:clrMapOvr>
     <a:masterClrMapping/>
   </p:clrMapOvr>
+  <p:transition spd="slow">
+    <p:push dir="r"/>
+  </p:transition>
+  <p:timing>
+    <p:tnLst>
+      <p:par>
+        <p:cTn id="1" dur="indefinite" restart="never" nodeType="tmRoot"/>
+      </p:par>
+    </p:tnLst>
+  </p:timing>
 </p:sld>
 </file>
 

--- a/포트폴리오 기획서 - 지환.pptx
+++ b/포트폴리오 기획서 - 지환.pptx
@@ -13,9 +13,11 @@
     <p:sldId id="266" r:id="rId7"/>
     <p:sldId id="267" r:id="rId8"/>
     <p:sldId id="269" r:id="rId9"/>
-    <p:sldId id="270" r:id="rId10"/>
-    <p:sldId id="268" r:id="rId11"/>
-    <p:sldId id="259" r:id="rId12"/>
+    <p:sldId id="272" r:id="rId10"/>
+    <p:sldId id="273" r:id="rId11"/>
+    <p:sldId id="274" r:id="rId12"/>
+    <p:sldId id="268" r:id="rId13"/>
+    <p:sldId id="259" r:id="rId14"/>
   </p:sldIdLst>
   <p:sldSz cx="12192000" cy="6858000"/>
   <p:notesSz cx="6858000" cy="9144000"/>
@@ -116,7 +118,7 @@
   </p:defaultTextStyle>
   <p:extLst>
     <p:ext uri="{EFAFB233-063F-42B5-8137-9DF3F51BA10A}">
-      <p15:sldGuideLst xmlns="" xmlns:p15="http://schemas.microsoft.com/office/powerpoint/2012/main">
+      <p15:sldGuideLst xmlns:p15="http://schemas.microsoft.com/office/powerpoint/2012/main" xmlns="">
         <p15:guide id="1" orient="horz" pos="2160">
           <p15:clr>
             <a:srgbClr val="A4A3A4"/>
@@ -3381,7 +3383,7 @@
           <p:cNvPr id="2" name="제목 1">
             <a:extLst>
               <a:ext uri="{FF2B5EF4-FFF2-40B4-BE49-F238E27FC236}">
-                <a16:creationId xmlns="" xmlns:a16="http://schemas.microsoft.com/office/drawing/2014/main" id="{67C687C3-A78E-477D-A57F-E7CA8E2CDECB}"/>
+                <a16:creationId xmlns:a16="http://schemas.microsoft.com/office/drawing/2014/main" xmlns="" id="{67C687C3-A78E-477D-A57F-E7CA8E2CDECB}"/>
               </a:ext>
             </a:extLst>
           </p:cNvPr>
@@ -3440,7 +3442,7 @@
           <p:cNvPr id="3" name="부제목 2">
             <a:extLst>
               <a:ext uri="{FF2B5EF4-FFF2-40B4-BE49-F238E27FC236}">
-                <a16:creationId xmlns="" xmlns:a16="http://schemas.microsoft.com/office/drawing/2014/main" id="{AC26165F-FDF1-4D05-A07A-71A6E90F228B}"/>
+                <a16:creationId xmlns:a16="http://schemas.microsoft.com/office/drawing/2014/main" xmlns="" id="{AC26165F-FDF1-4D05-A07A-71A6E90F228B}"/>
               </a:ext>
             </a:extLst>
           </p:cNvPr>
@@ -3539,6 +3541,2259 @@
       </p:grpSpPr>
       <p:sp>
         <p:nvSpPr>
+          <p:cNvPr id="14" name="직사각형 13"/>
+          <p:cNvSpPr/>
+          <p:nvPr/>
+        </p:nvSpPr>
+        <p:spPr>
+          <a:xfrm>
+            <a:off x="891085" y="1595302"/>
+            <a:ext cx="3928050" cy="3841674"/>
+          </a:xfrm>
+          <a:prstGeom prst="rect">
+            <a:avLst/>
+          </a:prstGeom>
+          <a:solidFill>
+            <a:schemeClr val="accent6">
+              <a:alpha val="19000"/>
+            </a:schemeClr>
+          </a:solidFill>
+          <a:ln>
+            <a:solidFill>
+              <a:schemeClr val="accent6">
+                <a:shade val="50000"/>
+                <a:alpha val="33000"/>
+              </a:schemeClr>
+            </a:solidFill>
+          </a:ln>
+        </p:spPr>
+        <p:style>
+          <a:lnRef idx="2">
+            <a:schemeClr val="accent6">
+              <a:shade val="50000"/>
+            </a:schemeClr>
+          </a:lnRef>
+          <a:fillRef idx="1">
+            <a:schemeClr val="accent6"/>
+          </a:fillRef>
+          <a:effectRef idx="0">
+            <a:schemeClr val="accent6"/>
+          </a:effectRef>
+          <a:fontRef idx="minor">
+            <a:schemeClr val="lt1"/>
+          </a:fontRef>
+        </p:style>
+        <p:txBody>
+          <a:bodyPr rtlCol="0" anchor="ctr"/>
+          <a:lstStyle/>
+          <a:p>
+            <a:pPr algn="ctr"/>
+            <a:endParaRPr lang="ko-KR" altLang="en-US"/>
+          </a:p>
+        </p:txBody>
+      </p:sp>
+      <p:sp>
+        <p:nvSpPr>
+          <p:cNvPr id="47" name="직사각형 46"/>
+          <p:cNvSpPr/>
+          <p:nvPr/>
+        </p:nvSpPr>
+        <p:spPr>
+          <a:xfrm>
+            <a:off x="5498981" y="238898"/>
+            <a:ext cx="4514316" cy="6384326"/>
+          </a:xfrm>
+          <a:prstGeom prst="rect">
+            <a:avLst/>
+          </a:prstGeom>
+          <a:solidFill>
+            <a:schemeClr val="accent6">
+              <a:alpha val="19000"/>
+            </a:schemeClr>
+          </a:solidFill>
+          <a:ln>
+            <a:solidFill>
+              <a:schemeClr val="accent6">
+                <a:shade val="50000"/>
+                <a:alpha val="33000"/>
+              </a:schemeClr>
+            </a:solidFill>
+          </a:ln>
+        </p:spPr>
+        <p:style>
+          <a:lnRef idx="2">
+            <a:schemeClr val="accent6">
+              <a:shade val="50000"/>
+            </a:schemeClr>
+          </a:lnRef>
+          <a:fillRef idx="1">
+            <a:schemeClr val="accent6"/>
+          </a:fillRef>
+          <a:effectRef idx="0">
+            <a:schemeClr val="accent6"/>
+          </a:effectRef>
+          <a:fontRef idx="minor">
+            <a:schemeClr val="lt1"/>
+          </a:fontRef>
+        </p:style>
+        <p:txBody>
+          <a:bodyPr rtlCol="0" anchor="ctr"/>
+          <a:lstStyle/>
+          <a:p>
+            <a:pPr algn="ctr"/>
+            <a:endParaRPr lang="ko-KR" altLang="en-US"/>
+          </a:p>
+        </p:txBody>
+      </p:sp>
+      <p:sp>
+        <p:nvSpPr>
+          <p:cNvPr id="83" name="TextBox 82"/>
+          <p:cNvSpPr txBox="1"/>
+          <p:nvPr/>
+        </p:nvSpPr>
+        <p:spPr>
+          <a:xfrm>
+            <a:off x="6679851" y="1008131"/>
+            <a:ext cx="2562899" cy="369332"/>
+          </a:xfrm>
+          <a:prstGeom prst="rect">
+            <a:avLst/>
+          </a:prstGeom>
+          <a:noFill/>
+        </p:spPr>
+        <p:txBody>
+          <a:bodyPr wrap="square" rtlCol="0">
+            <a:spAutoFit/>
+          </a:bodyPr>
+          <a:lstStyle/>
+          <a:p>
+            <a:endParaRPr lang="en-US" altLang="ko-KR" dirty="0" smtClean="0"/>
+          </a:p>
+        </p:txBody>
+      </p:sp>
+      <p:cxnSp>
+        <p:nvCxnSpPr>
+          <p:cNvPr id="86" name="직선 연결선 85"/>
+          <p:cNvCxnSpPr/>
+          <p:nvPr/>
+        </p:nvCxnSpPr>
+        <p:spPr>
+          <a:xfrm>
+            <a:off x="5599708" y="879384"/>
+            <a:ext cx="4318765" cy="0"/>
+          </a:xfrm>
+          <a:prstGeom prst="line">
+            <a:avLst/>
+          </a:prstGeom>
+        </p:spPr>
+        <p:style>
+          <a:lnRef idx="1">
+            <a:schemeClr val="accent1"/>
+          </a:lnRef>
+          <a:fillRef idx="0">
+            <a:schemeClr val="accent1"/>
+          </a:fillRef>
+          <a:effectRef idx="0">
+            <a:schemeClr val="accent1"/>
+          </a:effectRef>
+          <a:fontRef idx="minor">
+            <a:schemeClr val="tx1"/>
+          </a:fontRef>
+        </p:style>
+      </p:cxnSp>
+      <p:sp>
+        <p:nvSpPr>
+          <p:cNvPr id="87" name="직사각형 86"/>
+          <p:cNvSpPr/>
+          <p:nvPr/>
+        </p:nvSpPr>
+        <p:spPr>
+          <a:xfrm>
+            <a:off x="5974658" y="418014"/>
+            <a:ext cx="646331" cy="369332"/>
+          </a:xfrm>
+          <a:prstGeom prst="rect">
+            <a:avLst/>
+          </a:prstGeom>
+        </p:spPr>
+        <p:style>
+          <a:lnRef idx="1">
+            <a:schemeClr val="accent5"/>
+          </a:lnRef>
+          <a:fillRef idx="2">
+            <a:schemeClr val="accent5"/>
+          </a:fillRef>
+          <a:effectRef idx="1">
+            <a:schemeClr val="accent5"/>
+          </a:effectRef>
+          <a:fontRef idx="minor">
+            <a:schemeClr val="dk1"/>
+          </a:fontRef>
+        </p:style>
+        <p:txBody>
+          <a:bodyPr wrap="none">
+            <a:spAutoFit/>
+          </a:bodyPr>
+          <a:lstStyle/>
+          <a:p>
+            <a:r>
+              <a:rPr lang="ko-KR" altLang="en-US" dirty="0" smtClean="0"/>
+              <a:t>공격</a:t>
+            </a:r>
+            <a:endParaRPr lang="ko-KR" altLang="en-US" dirty="0"/>
+          </a:p>
+        </p:txBody>
+      </p:sp>
+      <p:cxnSp>
+        <p:nvCxnSpPr>
+          <p:cNvPr id="103" name="직선 연결선 102"/>
+          <p:cNvCxnSpPr/>
+          <p:nvPr/>
+        </p:nvCxnSpPr>
+        <p:spPr>
+          <a:xfrm>
+            <a:off x="5599708" y="1798834"/>
+            <a:ext cx="4318765" cy="0"/>
+          </a:xfrm>
+          <a:prstGeom prst="line">
+            <a:avLst/>
+          </a:prstGeom>
+        </p:spPr>
+        <p:style>
+          <a:lnRef idx="1">
+            <a:schemeClr val="accent1"/>
+          </a:lnRef>
+          <a:fillRef idx="0">
+            <a:schemeClr val="accent1"/>
+          </a:fillRef>
+          <a:effectRef idx="0">
+            <a:schemeClr val="accent1"/>
+          </a:effectRef>
+          <a:fontRef idx="minor">
+            <a:schemeClr val="tx1"/>
+          </a:fontRef>
+        </p:style>
+      </p:cxnSp>
+      <p:cxnSp>
+        <p:nvCxnSpPr>
+          <p:cNvPr id="104" name="직선 연결선 103"/>
+          <p:cNvCxnSpPr/>
+          <p:nvPr/>
+        </p:nvCxnSpPr>
+        <p:spPr>
+          <a:xfrm>
+            <a:off x="5599708" y="2721623"/>
+            <a:ext cx="4318765" cy="0"/>
+          </a:xfrm>
+          <a:prstGeom prst="line">
+            <a:avLst/>
+          </a:prstGeom>
+        </p:spPr>
+        <p:style>
+          <a:lnRef idx="1">
+            <a:schemeClr val="accent1"/>
+          </a:lnRef>
+          <a:fillRef idx="0">
+            <a:schemeClr val="accent1"/>
+          </a:fillRef>
+          <a:effectRef idx="0">
+            <a:schemeClr val="accent1"/>
+          </a:effectRef>
+          <a:fontRef idx="minor">
+            <a:schemeClr val="tx1"/>
+          </a:fontRef>
+        </p:style>
+      </p:cxnSp>
+      <p:cxnSp>
+        <p:nvCxnSpPr>
+          <p:cNvPr id="105" name="직선 연결선 104"/>
+          <p:cNvCxnSpPr/>
+          <p:nvPr/>
+        </p:nvCxnSpPr>
+        <p:spPr>
+          <a:xfrm>
+            <a:off x="8461935" y="357460"/>
+            <a:ext cx="0" cy="521924"/>
+          </a:xfrm>
+          <a:prstGeom prst="line">
+            <a:avLst/>
+          </a:prstGeom>
+        </p:spPr>
+        <p:style>
+          <a:lnRef idx="1">
+            <a:schemeClr val="accent1"/>
+          </a:lnRef>
+          <a:fillRef idx="0">
+            <a:schemeClr val="accent1"/>
+          </a:fillRef>
+          <a:effectRef idx="0">
+            <a:schemeClr val="accent1"/>
+          </a:effectRef>
+          <a:fontRef idx="minor">
+            <a:schemeClr val="tx1"/>
+          </a:fontRef>
+        </p:style>
+      </p:cxnSp>
+      <p:sp>
+        <p:nvSpPr>
+          <p:cNvPr id="109" name="직사각형 108"/>
+          <p:cNvSpPr/>
+          <p:nvPr/>
+        </p:nvSpPr>
+        <p:spPr>
+          <a:xfrm>
+            <a:off x="7393818" y="416978"/>
+            <a:ext cx="646331" cy="369332"/>
+          </a:xfrm>
+          <a:prstGeom prst="rect">
+            <a:avLst/>
+          </a:prstGeom>
+        </p:spPr>
+        <p:txBody>
+          <a:bodyPr wrap="none">
+            <a:spAutoFit/>
+          </a:bodyPr>
+          <a:lstStyle/>
+          <a:p>
+            <a:r>
+              <a:rPr lang="ko-KR" altLang="en-US" dirty="0" smtClean="0"/>
+              <a:t>필살</a:t>
+            </a:r>
+            <a:endParaRPr lang="ko-KR" altLang="en-US" dirty="0"/>
+          </a:p>
+        </p:txBody>
+      </p:sp>
+      <p:sp>
+        <p:nvSpPr>
+          <p:cNvPr id="110" name="직사각형 109"/>
+          <p:cNvSpPr/>
+          <p:nvPr/>
+        </p:nvSpPr>
+        <p:spPr>
+          <a:xfrm>
+            <a:off x="8887873" y="417129"/>
+            <a:ext cx="646331" cy="369332"/>
+          </a:xfrm>
+          <a:prstGeom prst="rect">
+            <a:avLst/>
+          </a:prstGeom>
+        </p:spPr>
+        <p:txBody>
+          <a:bodyPr wrap="none">
+            <a:spAutoFit/>
+          </a:bodyPr>
+          <a:lstStyle/>
+          <a:p>
+            <a:r>
+              <a:rPr lang="ko-KR" altLang="en-US" dirty="0" err="1" smtClean="0"/>
+              <a:t>버프</a:t>
+            </a:r>
+            <a:endParaRPr lang="ko-KR" altLang="en-US" dirty="0"/>
+          </a:p>
+        </p:txBody>
+      </p:sp>
+      <p:sp>
+        <p:nvSpPr>
+          <p:cNvPr id="112" name="직사각형 111">
+            <a:hlinkClick r:id="rId2" action="ppaction://hlinksldjump"/>
+          </p:cNvPr>
+          <p:cNvSpPr/>
+          <p:nvPr/>
+        </p:nvSpPr>
+        <p:spPr>
+          <a:xfrm>
+            <a:off x="10230736" y="6079526"/>
+            <a:ext cx="1729945" cy="543698"/>
+          </a:xfrm>
+          <a:prstGeom prst="rect">
+            <a:avLst/>
+          </a:prstGeom>
+          <a:ln/>
+        </p:spPr>
+        <p:style>
+          <a:lnRef idx="1">
+            <a:schemeClr val="accent6"/>
+          </a:lnRef>
+          <a:fillRef idx="2">
+            <a:schemeClr val="accent6"/>
+          </a:fillRef>
+          <a:effectRef idx="1">
+            <a:schemeClr val="accent6"/>
+          </a:effectRef>
+          <a:fontRef idx="minor">
+            <a:schemeClr val="dk1"/>
+          </a:fontRef>
+        </p:style>
+        <p:txBody>
+          <a:bodyPr rtlCol="0" anchor="ctr"/>
+          <a:lstStyle/>
+          <a:p>
+            <a:pPr algn="ctr"/>
+            <a:r>
+              <a:rPr lang="ko-KR" altLang="en-US" dirty="0" smtClean="0"/>
+              <a:t>탑</a:t>
+            </a:r>
+            <a:endParaRPr lang="en-US" altLang="ko-KR" dirty="0" smtClean="0"/>
+          </a:p>
+        </p:txBody>
+      </p:sp>
+      <p:sp>
+        <p:nvSpPr>
+          <p:cNvPr id="116" name="타원 115"/>
+          <p:cNvSpPr/>
+          <p:nvPr/>
+        </p:nvSpPr>
+        <p:spPr>
+          <a:xfrm>
+            <a:off x="11601754" y="111786"/>
+            <a:ext cx="358925" cy="358925"/>
+          </a:xfrm>
+          <a:prstGeom prst="ellipse">
+            <a:avLst/>
+          </a:prstGeom>
+          <a:solidFill>
+            <a:schemeClr val="accent2"/>
+          </a:solidFill>
+        </p:spPr>
+        <p:style>
+          <a:lnRef idx="2">
+            <a:schemeClr val="accent3">
+              <a:shade val="50000"/>
+            </a:schemeClr>
+          </a:lnRef>
+          <a:fillRef idx="1">
+            <a:schemeClr val="accent3"/>
+          </a:fillRef>
+          <a:effectRef idx="0">
+            <a:schemeClr val="accent3"/>
+          </a:effectRef>
+          <a:fontRef idx="minor">
+            <a:schemeClr val="lt1"/>
+          </a:fontRef>
+        </p:style>
+        <p:txBody>
+          <a:bodyPr rtlCol="0" anchor="ctr"/>
+          <a:lstStyle/>
+          <a:p>
+            <a:pPr algn="ctr"/>
+            <a:endParaRPr lang="ko-KR" altLang="en-US" sz="1100" dirty="0"/>
+          </a:p>
+        </p:txBody>
+      </p:sp>
+      <p:sp>
+        <p:nvSpPr>
+          <p:cNvPr id="117" name="TextBox 116"/>
+          <p:cNvSpPr txBox="1"/>
+          <p:nvPr/>
+        </p:nvSpPr>
+        <p:spPr>
+          <a:xfrm>
+            <a:off x="11534591" y="153492"/>
+            <a:ext cx="518091" cy="292388"/>
+          </a:xfrm>
+          <a:prstGeom prst="rect">
+            <a:avLst/>
+          </a:prstGeom>
+          <a:noFill/>
+        </p:spPr>
+        <p:txBody>
+          <a:bodyPr wrap="none" rtlCol="0">
+            <a:spAutoFit/>
+          </a:bodyPr>
+          <a:lstStyle/>
+          <a:p>
+            <a:r>
+              <a:rPr lang="ko-KR" altLang="en-US" sz="1300" dirty="0" smtClean="0">
+                <a:solidFill>
+                  <a:schemeClr val="bg1"/>
+                </a:solidFill>
+              </a:rPr>
+              <a:t>설</a:t>
+            </a:r>
+            <a:r>
+              <a:rPr lang="ko-KR" altLang="en-US" sz="1300" dirty="0">
+                <a:solidFill>
+                  <a:schemeClr val="bg1"/>
+                </a:solidFill>
+              </a:rPr>
+              <a:t>정</a:t>
+            </a:r>
+          </a:p>
+        </p:txBody>
+      </p:sp>
+      <p:cxnSp>
+        <p:nvCxnSpPr>
+          <p:cNvPr id="52" name="직선 연결선 51"/>
+          <p:cNvCxnSpPr/>
+          <p:nvPr/>
+        </p:nvCxnSpPr>
+        <p:spPr>
+          <a:xfrm>
+            <a:off x="6981918" y="349071"/>
+            <a:ext cx="0" cy="521924"/>
+          </a:xfrm>
+          <a:prstGeom prst="line">
+            <a:avLst/>
+          </a:prstGeom>
+        </p:spPr>
+        <p:style>
+          <a:lnRef idx="1">
+            <a:schemeClr val="accent1"/>
+          </a:lnRef>
+          <a:fillRef idx="0">
+            <a:schemeClr val="accent1"/>
+          </a:fillRef>
+          <a:effectRef idx="0">
+            <a:schemeClr val="accent1"/>
+          </a:effectRef>
+          <a:fontRef idx="minor">
+            <a:schemeClr val="tx1"/>
+          </a:fontRef>
+        </p:style>
+      </p:cxnSp>
+      <p:sp>
+        <p:nvSpPr>
+          <p:cNvPr id="51" name="직사각형 50">
+            <a:hlinkClick r:id="rId2" action="ppaction://hlinksldjump"/>
+          </p:cNvPr>
+          <p:cNvSpPr/>
+          <p:nvPr/>
+        </p:nvSpPr>
+        <p:spPr>
+          <a:xfrm>
+            <a:off x="10230736" y="4665702"/>
+            <a:ext cx="1729945" cy="543698"/>
+          </a:xfrm>
+          <a:prstGeom prst="rect">
+            <a:avLst/>
+          </a:prstGeom>
+          <a:ln/>
+        </p:spPr>
+        <p:style>
+          <a:lnRef idx="1">
+            <a:schemeClr val="accent5"/>
+          </a:lnRef>
+          <a:fillRef idx="2">
+            <a:schemeClr val="accent5"/>
+          </a:fillRef>
+          <a:effectRef idx="1">
+            <a:schemeClr val="accent5"/>
+          </a:effectRef>
+          <a:fontRef idx="minor">
+            <a:schemeClr val="dk1"/>
+          </a:fontRef>
+        </p:style>
+        <p:txBody>
+          <a:bodyPr rtlCol="0" anchor="ctr"/>
+          <a:lstStyle/>
+          <a:p>
+            <a:pPr algn="ctr"/>
+            <a:r>
+              <a:rPr lang="ko-KR" altLang="en-US" dirty="0" smtClean="0"/>
+              <a:t>스킬</a:t>
+            </a:r>
+            <a:endParaRPr lang="en-US" altLang="ko-KR" dirty="0" smtClean="0"/>
+          </a:p>
+        </p:txBody>
+      </p:sp>
+      <p:sp>
+        <p:nvSpPr>
+          <p:cNvPr id="55" name="직사각형 54">
+            <a:hlinkClick r:id="rId2" action="ppaction://hlinksldjump"/>
+          </p:cNvPr>
+          <p:cNvSpPr/>
+          <p:nvPr/>
+        </p:nvSpPr>
+        <p:spPr>
+          <a:xfrm>
+            <a:off x="10230734" y="3957274"/>
+            <a:ext cx="1729945" cy="543698"/>
+          </a:xfrm>
+          <a:prstGeom prst="rect">
+            <a:avLst/>
+          </a:prstGeom>
+          <a:ln/>
+        </p:spPr>
+        <p:style>
+          <a:lnRef idx="1">
+            <a:schemeClr val="accent6"/>
+          </a:lnRef>
+          <a:fillRef idx="2">
+            <a:schemeClr val="accent6"/>
+          </a:fillRef>
+          <a:effectRef idx="1">
+            <a:schemeClr val="accent6"/>
+          </a:effectRef>
+          <a:fontRef idx="minor">
+            <a:schemeClr val="dk1"/>
+          </a:fontRef>
+        </p:style>
+        <p:txBody>
+          <a:bodyPr rtlCol="0" anchor="ctr"/>
+          <a:lstStyle/>
+          <a:p>
+            <a:pPr algn="ctr"/>
+            <a:r>
+              <a:rPr lang="ko-KR" altLang="en-US" dirty="0" smtClean="0"/>
+              <a:t>장비</a:t>
+            </a:r>
+            <a:endParaRPr lang="en-US" altLang="ko-KR" dirty="0" smtClean="0"/>
+          </a:p>
+        </p:txBody>
+      </p:sp>
+      <p:sp>
+        <p:nvSpPr>
+          <p:cNvPr id="54" name="직사각형 53">
+            <a:hlinkClick r:id="rId2" action="ppaction://hlinksldjump"/>
+          </p:cNvPr>
+          <p:cNvSpPr/>
+          <p:nvPr/>
+        </p:nvSpPr>
+        <p:spPr>
+          <a:xfrm>
+            <a:off x="10230733" y="5371590"/>
+            <a:ext cx="1729945" cy="543698"/>
+          </a:xfrm>
+          <a:prstGeom prst="rect">
+            <a:avLst/>
+          </a:prstGeom>
+          <a:ln/>
+        </p:spPr>
+        <p:style>
+          <a:lnRef idx="1">
+            <a:schemeClr val="accent6"/>
+          </a:lnRef>
+          <a:fillRef idx="2">
+            <a:schemeClr val="accent6"/>
+          </a:fillRef>
+          <a:effectRef idx="1">
+            <a:schemeClr val="accent6"/>
+          </a:effectRef>
+          <a:fontRef idx="minor">
+            <a:schemeClr val="dk1"/>
+          </a:fontRef>
+        </p:style>
+        <p:txBody>
+          <a:bodyPr rtlCol="0" anchor="ctr"/>
+          <a:lstStyle/>
+          <a:p>
+            <a:pPr algn="ctr"/>
+            <a:r>
+              <a:rPr lang="ko-KR" altLang="en-US" dirty="0" smtClean="0"/>
+              <a:t>아이템</a:t>
+            </a:r>
+            <a:endParaRPr lang="en-US" altLang="ko-KR" dirty="0" smtClean="0"/>
+          </a:p>
+        </p:txBody>
+      </p:sp>
+      <p:sp>
+        <p:nvSpPr>
+          <p:cNvPr id="4" name="모서리가 둥근 직사각형 3"/>
+          <p:cNvSpPr/>
+          <p:nvPr/>
+        </p:nvSpPr>
+        <p:spPr>
+          <a:xfrm>
+            <a:off x="1758610" y="2449453"/>
+            <a:ext cx="807956" cy="807956"/>
+          </a:xfrm>
+          <a:prstGeom prst="roundRect">
+            <a:avLst/>
+          </a:prstGeom>
+          <a:ln/>
+        </p:spPr>
+        <p:style>
+          <a:lnRef idx="1">
+            <a:schemeClr val="accent1"/>
+          </a:lnRef>
+          <a:fillRef idx="2">
+            <a:schemeClr val="accent1"/>
+          </a:fillRef>
+          <a:effectRef idx="1">
+            <a:schemeClr val="accent1"/>
+          </a:effectRef>
+          <a:fontRef idx="minor">
+            <a:schemeClr val="dk1"/>
+          </a:fontRef>
+        </p:style>
+        <p:txBody>
+          <a:bodyPr rtlCol="0" anchor="ctr"/>
+          <a:lstStyle/>
+          <a:p>
+            <a:pPr algn="ctr"/>
+            <a:r>
+              <a:rPr lang="en-US" altLang="ko-KR" sz="1500" dirty="0"/>
+              <a:t>Image</a:t>
+            </a:r>
+            <a:endParaRPr lang="ko-KR" altLang="en-US" sz="1500" dirty="0"/>
+          </a:p>
+        </p:txBody>
+      </p:sp>
+      <p:sp>
+        <p:nvSpPr>
+          <p:cNvPr id="56" name="모서리가 둥근 직사각형 55"/>
+          <p:cNvSpPr/>
+          <p:nvPr/>
+        </p:nvSpPr>
+        <p:spPr>
+          <a:xfrm>
+            <a:off x="2442999" y="3647947"/>
+            <a:ext cx="807956" cy="807956"/>
+          </a:xfrm>
+          <a:prstGeom prst="roundRect">
+            <a:avLst/>
+          </a:prstGeom>
+          <a:ln/>
+        </p:spPr>
+        <p:style>
+          <a:lnRef idx="1">
+            <a:schemeClr val="accent5"/>
+          </a:lnRef>
+          <a:fillRef idx="2">
+            <a:schemeClr val="accent5"/>
+          </a:fillRef>
+          <a:effectRef idx="1">
+            <a:schemeClr val="accent5"/>
+          </a:effectRef>
+          <a:fontRef idx="minor">
+            <a:schemeClr val="dk1"/>
+          </a:fontRef>
+        </p:style>
+        <p:txBody>
+          <a:bodyPr rtlCol="0" anchor="ctr"/>
+          <a:lstStyle/>
+          <a:p>
+            <a:pPr algn="ctr"/>
+            <a:r>
+              <a:rPr lang="en-US" altLang="ko-KR" sz="1500" dirty="0"/>
+              <a:t>Image</a:t>
+            </a:r>
+            <a:endParaRPr lang="ko-KR" altLang="en-US" sz="1500" dirty="0"/>
+          </a:p>
+        </p:txBody>
+      </p:sp>
+      <p:sp>
+        <p:nvSpPr>
+          <p:cNvPr id="57" name="모서리가 둥근 직사각형 56"/>
+          <p:cNvSpPr/>
+          <p:nvPr/>
+        </p:nvSpPr>
+        <p:spPr>
+          <a:xfrm>
+            <a:off x="3118726" y="2449453"/>
+            <a:ext cx="807956" cy="807956"/>
+          </a:xfrm>
+          <a:prstGeom prst="roundRect">
+            <a:avLst/>
+          </a:prstGeom>
+          <a:ln/>
+        </p:spPr>
+        <p:style>
+          <a:lnRef idx="1">
+            <a:schemeClr val="accent3"/>
+          </a:lnRef>
+          <a:fillRef idx="2">
+            <a:schemeClr val="accent3"/>
+          </a:fillRef>
+          <a:effectRef idx="1">
+            <a:schemeClr val="accent3"/>
+          </a:effectRef>
+          <a:fontRef idx="minor">
+            <a:schemeClr val="dk1"/>
+          </a:fontRef>
+        </p:style>
+        <p:txBody>
+          <a:bodyPr rtlCol="0" anchor="ctr"/>
+          <a:lstStyle/>
+          <a:p>
+            <a:pPr algn="ctr"/>
+            <a:r>
+              <a:rPr lang="en-US" altLang="ko-KR" sz="1500" dirty="0"/>
+              <a:t>Image</a:t>
+            </a:r>
+            <a:endParaRPr lang="ko-KR" altLang="en-US" sz="1500" dirty="0"/>
+          </a:p>
+        </p:txBody>
+      </p:sp>
+      <p:sp>
+        <p:nvSpPr>
+          <p:cNvPr id="61" name="모서리가 둥근 직사각형 60"/>
+          <p:cNvSpPr/>
+          <p:nvPr/>
+        </p:nvSpPr>
+        <p:spPr>
+          <a:xfrm>
+            <a:off x="5704371" y="928812"/>
+            <a:ext cx="807956" cy="807956"/>
+          </a:xfrm>
+          <a:prstGeom prst="roundRect">
+            <a:avLst/>
+          </a:prstGeom>
+          <a:ln/>
+        </p:spPr>
+        <p:style>
+          <a:lnRef idx="1">
+            <a:schemeClr val="accent1"/>
+          </a:lnRef>
+          <a:fillRef idx="2">
+            <a:schemeClr val="accent1"/>
+          </a:fillRef>
+          <a:effectRef idx="1">
+            <a:schemeClr val="accent1"/>
+          </a:effectRef>
+          <a:fontRef idx="minor">
+            <a:schemeClr val="dk1"/>
+          </a:fontRef>
+        </p:style>
+        <p:txBody>
+          <a:bodyPr rtlCol="0" anchor="ctr"/>
+          <a:lstStyle/>
+          <a:p>
+            <a:pPr algn="ctr"/>
+            <a:r>
+              <a:rPr lang="en-US" altLang="ko-KR" sz="1500" dirty="0" smtClean="0"/>
+              <a:t>Image</a:t>
+            </a:r>
+            <a:endParaRPr lang="ko-KR" altLang="en-US" sz="1500" dirty="0"/>
+          </a:p>
+        </p:txBody>
+      </p:sp>
+      <p:sp>
+        <p:nvSpPr>
+          <p:cNvPr id="62" name="TextBox 61"/>
+          <p:cNvSpPr txBox="1"/>
+          <p:nvPr/>
+        </p:nvSpPr>
+        <p:spPr>
+          <a:xfrm>
+            <a:off x="6644462" y="994217"/>
+            <a:ext cx="2562899" cy="538609"/>
+          </a:xfrm>
+          <a:prstGeom prst="rect">
+            <a:avLst/>
+          </a:prstGeom>
+          <a:noFill/>
+        </p:spPr>
+        <p:txBody>
+          <a:bodyPr wrap="square" rtlCol="0">
+            <a:spAutoFit/>
+          </a:bodyPr>
+          <a:lstStyle/>
+          <a:p>
+            <a:r>
+              <a:rPr lang="ko-KR" altLang="en-US" dirty="0" smtClean="0"/>
+              <a:t>기본 공격</a:t>
+            </a:r>
+            <a:endParaRPr lang="en-US" altLang="ko-KR" dirty="0" smtClean="0"/>
+          </a:p>
+          <a:p>
+            <a:r>
+              <a:rPr lang="en-US" altLang="ko-KR" sz="1100" dirty="0" smtClean="0"/>
+              <a:t>Damage : </a:t>
+            </a:r>
+            <a:r>
+              <a:rPr lang="ko-KR" altLang="en-US" sz="1100" dirty="0" smtClean="0"/>
+              <a:t> </a:t>
+            </a:r>
+            <a:r>
+              <a:rPr lang="en-US" altLang="ko-KR" sz="1100" dirty="0" smtClean="0"/>
+              <a:t>100%</a:t>
+            </a:r>
+            <a:endParaRPr lang="en-US" altLang="ko-KR" sz="1100" dirty="0" smtClean="0"/>
+          </a:p>
+        </p:txBody>
+      </p:sp>
+      <p:sp>
+        <p:nvSpPr>
+          <p:cNvPr id="63" name="모서리가 둥근 직사각형 62"/>
+          <p:cNvSpPr/>
+          <p:nvPr/>
+        </p:nvSpPr>
+        <p:spPr>
+          <a:xfrm>
+            <a:off x="5697701" y="1848262"/>
+            <a:ext cx="807956" cy="807956"/>
+          </a:xfrm>
+          <a:prstGeom prst="roundRect">
+            <a:avLst/>
+          </a:prstGeom>
+          <a:ln/>
+        </p:spPr>
+        <p:style>
+          <a:lnRef idx="1">
+            <a:schemeClr val="accent1"/>
+          </a:lnRef>
+          <a:fillRef idx="2">
+            <a:schemeClr val="accent1"/>
+          </a:fillRef>
+          <a:effectRef idx="1">
+            <a:schemeClr val="accent1"/>
+          </a:effectRef>
+          <a:fontRef idx="minor">
+            <a:schemeClr val="dk1"/>
+          </a:fontRef>
+        </p:style>
+        <p:txBody>
+          <a:bodyPr rtlCol="0" anchor="ctr"/>
+          <a:lstStyle/>
+          <a:p>
+            <a:pPr algn="ctr"/>
+            <a:r>
+              <a:rPr lang="en-US" altLang="ko-KR" sz="1500" dirty="0" smtClean="0"/>
+              <a:t>Image</a:t>
+            </a:r>
+            <a:endParaRPr lang="ko-KR" altLang="en-US" sz="1500" dirty="0"/>
+          </a:p>
+        </p:txBody>
+      </p:sp>
+      <p:sp>
+        <p:nvSpPr>
+          <p:cNvPr id="64" name="TextBox 63"/>
+          <p:cNvSpPr txBox="1"/>
+          <p:nvPr/>
+        </p:nvSpPr>
+        <p:spPr>
+          <a:xfrm>
+            <a:off x="6637792" y="1913667"/>
+            <a:ext cx="2562899" cy="538609"/>
+          </a:xfrm>
+          <a:prstGeom prst="rect">
+            <a:avLst/>
+          </a:prstGeom>
+          <a:noFill/>
+        </p:spPr>
+        <p:txBody>
+          <a:bodyPr wrap="square" rtlCol="0">
+            <a:spAutoFit/>
+          </a:bodyPr>
+          <a:lstStyle/>
+          <a:p>
+            <a:r>
+              <a:rPr lang="ko-KR" altLang="en-US" dirty="0" smtClean="0"/>
+              <a:t>강한 공격</a:t>
+            </a:r>
+            <a:endParaRPr lang="en-US" altLang="ko-KR" dirty="0" smtClean="0"/>
+          </a:p>
+          <a:p>
+            <a:r>
+              <a:rPr lang="en-US" altLang="ko-KR" sz="1100" dirty="0" smtClean="0"/>
+              <a:t>Damage : </a:t>
+            </a:r>
+            <a:r>
+              <a:rPr lang="ko-KR" altLang="en-US" sz="1100" dirty="0" smtClean="0"/>
+              <a:t> </a:t>
+            </a:r>
+            <a:r>
+              <a:rPr lang="en-US" altLang="ko-KR" sz="1100" dirty="0" smtClean="0"/>
+              <a:t>100%</a:t>
+            </a:r>
+            <a:endParaRPr lang="en-US" altLang="ko-KR" sz="1100" dirty="0" smtClean="0"/>
+          </a:p>
+        </p:txBody>
+      </p:sp>
+      <p:sp>
+        <p:nvSpPr>
+          <p:cNvPr id="65" name="타원 64"/>
+          <p:cNvSpPr/>
+          <p:nvPr/>
+        </p:nvSpPr>
+        <p:spPr>
+          <a:xfrm>
+            <a:off x="10216752" y="113242"/>
+            <a:ext cx="358925" cy="358925"/>
+          </a:xfrm>
+          <a:prstGeom prst="ellipse">
+            <a:avLst/>
+          </a:prstGeom>
+        </p:spPr>
+        <p:style>
+          <a:lnRef idx="2">
+            <a:schemeClr val="accent4">
+              <a:shade val="50000"/>
+            </a:schemeClr>
+          </a:lnRef>
+          <a:fillRef idx="1">
+            <a:schemeClr val="accent4"/>
+          </a:fillRef>
+          <a:effectRef idx="0">
+            <a:schemeClr val="accent4"/>
+          </a:effectRef>
+          <a:fontRef idx="minor">
+            <a:schemeClr val="lt1"/>
+          </a:fontRef>
+        </p:style>
+        <p:txBody>
+          <a:bodyPr rtlCol="0" anchor="ctr"/>
+          <a:lstStyle/>
+          <a:p>
+            <a:pPr algn="ctr"/>
+            <a:r>
+              <a:rPr lang="en-US" altLang="ko-KR" dirty="0" smtClean="0"/>
+              <a:t>G</a:t>
+            </a:r>
+            <a:endParaRPr lang="ko-KR" altLang="en-US" dirty="0"/>
+          </a:p>
+        </p:txBody>
+      </p:sp>
+      <p:sp>
+        <p:nvSpPr>
+          <p:cNvPr id="66" name="TextBox 65"/>
+          <p:cNvSpPr txBox="1"/>
+          <p:nvPr/>
+        </p:nvSpPr>
+        <p:spPr>
+          <a:xfrm>
+            <a:off x="10575677" y="119457"/>
+            <a:ext cx="691215" cy="369332"/>
+          </a:xfrm>
+          <a:prstGeom prst="rect">
+            <a:avLst/>
+          </a:prstGeom>
+          <a:noFill/>
+        </p:spPr>
+        <p:txBody>
+          <a:bodyPr wrap="none" rtlCol="0">
+            <a:spAutoFit/>
+          </a:bodyPr>
+          <a:lstStyle/>
+          <a:p>
+            <a:r>
+              <a:rPr lang="en-US" altLang="ko-KR" dirty="0" smtClean="0"/>
+              <a:t>9999</a:t>
+            </a:r>
+            <a:endParaRPr lang="ko-KR" altLang="en-US" dirty="0"/>
+          </a:p>
+        </p:txBody>
+      </p:sp>
+      <p:sp>
+        <p:nvSpPr>
+          <p:cNvPr id="5" name="직사각형 4"/>
+          <p:cNvSpPr/>
+          <p:nvPr/>
+        </p:nvSpPr>
+        <p:spPr>
+          <a:xfrm>
+            <a:off x="1881850" y="2452276"/>
+            <a:ext cx="569387" cy="323165"/>
+          </a:xfrm>
+          <a:prstGeom prst="rect">
+            <a:avLst/>
+          </a:prstGeom>
+        </p:spPr>
+        <p:txBody>
+          <a:bodyPr wrap="none">
+            <a:spAutoFit/>
+          </a:bodyPr>
+          <a:lstStyle/>
+          <a:p>
+            <a:r>
+              <a:rPr lang="ko-KR" altLang="en-US" sz="1500" dirty="0" smtClean="0"/>
+              <a:t>공</a:t>
+            </a:r>
+            <a:r>
+              <a:rPr lang="ko-KR" altLang="en-US" sz="1500" dirty="0"/>
+              <a:t>격</a:t>
+            </a:r>
+          </a:p>
+        </p:txBody>
+      </p:sp>
+      <p:sp>
+        <p:nvSpPr>
+          <p:cNvPr id="67" name="직사각형 66"/>
+          <p:cNvSpPr/>
+          <p:nvPr/>
+        </p:nvSpPr>
+        <p:spPr>
+          <a:xfrm>
+            <a:off x="3250955" y="2470271"/>
+            <a:ext cx="569387" cy="323165"/>
+          </a:xfrm>
+          <a:prstGeom prst="rect">
+            <a:avLst/>
+          </a:prstGeom>
+        </p:spPr>
+        <p:txBody>
+          <a:bodyPr wrap="none">
+            <a:spAutoFit/>
+          </a:bodyPr>
+          <a:lstStyle/>
+          <a:p>
+            <a:r>
+              <a:rPr lang="ko-KR" altLang="en-US" sz="1500" dirty="0" smtClean="0"/>
+              <a:t>필살</a:t>
+            </a:r>
+            <a:endParaRPr lang="ko-KR" altLang="en-US" sz="1500" dirty="0"/>
+          </a:p>
+        </p:txBody>
+      </p:sp>
+      <p:sp>
+        <p:nvSpPr>
+          <p:cNvPr id="68" name="직사각형 67"/>
+          <p:cNvSpPr/>
+          <p:nvPr/>
+        </p:nvSpPr>
+        <p:spPr>
+          <a:xfrm>
+            <a:off x="2578923" y="3652104"/>
+            <a:ext cx="569387" cy="323165"/>
+          </a:xfrm>
+          <a:prstGeom prst="rect">
+            <a:avLst/>
+          </a:prstGeom>
+        </p:spPr>
+        <p:txBody>
+          <a:bodyPr wrap="none">
+            <a:spAutoFit/>
+          </a:bodyPr>
+          <a:lstStyle/>
+          <a:p>
+            <a:r>
+              <a:rPr lang="ko-KR" altLang="en-US" sz="1500" dirty="0" err="1" smtClean="0"/>
+              <a:t>버프</a:t>
+            </a:r>
+            <a:endParaRPr lang="ko-KR" altLang="en-US" sz="1500" dirty="0"/>
+          </a:p>
+        </p:txBody>
+      </p:sp>
+    </p:spTree>
+    <p:extLst>
+      <p:ext uri="{BB962C8B-B14F-4D97-AF65-F5344CB8AC3E}">
+        <p14:creationId xmlns:p14="http://schemas.microsoft.com/office/powerpoint/2010/main" val="3531104969"/>
+      </p:ext>
+    </p:extLst>
+  </p:cSld>
+  <p:clrMapOvr>
+    <a:masterClrMapping/>
+  </p:clrMapOvr>
+  <p:transition spd="slow">
+    <p:push dir="r"/>
+  </p:transition>
+  <p:timing>
+    <p:tnLst>
+      <p:par>
+        <p:cTn id="1" dur="indefinite" restart="never" nodeType="tmRoot"/>
+      </p:par>
+    </p:tnLst>
+  </p:timing>
+</p:sld>
+</file>
+
+<file path=ppt/slides/slide11.xml><?xml version="1.0" encoding="utf-8"?>
+<p:sld xmlns:a="http://schemas.openxmlformats.org/drawingml/2006/main" xmlns:r="http://schemas.openxmlformats.org/officeDocument/2006/relationships" xmlns:p="http://schemas.openxmlformats.org/presentationml/2006/main">
+  <p:cSld>
+    <p:spTree>
+      <p:nvGrpSpPr>
+        <p:cNvPr id="1" name=""/>
+        <p:cNvGrpSpPr/>
+        <p:nvPr/>
+      </p:nvGrpSpPr>
+      <p:grpSpPr>
+        <a:xfrm>
+          <a:off x="0" y="0"/>
+          <a:ext cx="0" cy="0"/>
+          <a:chOff x="0" y="0"/>
+          <a:chExt cx="0" cy="0"/>
+        </a:xfrm>
+      </p:grpSpPr>
+      <p:sp>
+        <p:nvSpPr>
+          <p:cNvPr id="112" name="직사각형 111">
+            <a:hlinkClick r:id="rId2" action="ppaction://hlinksldjump"/>
+          </p:cNvPr>
+          <p:cNvSpPr/>
+          <p:nvPr/>
+        </p:nvSpPr>
+        <p:spPr>
+          <a:xfrm>
+            <a:off x="10230736" y="6079526"/>
+            <a:ext cx="1729945" cy="543698"/>
+          </a:xfrm>
+          <a:prstGeom prst="rect">
+            <a:avLst/>
+          </a:prstGeom>
+          <a:ln/>
+        </p:spPr>
+        <p:style>
+          <a:lnRef idx="1">
+            <a:schemeClr val="accent6"/>
+          </a:lnRef>
+          <a:fillRef idx="2">
+            <a:schemeClr val="accent6"/>
+          </a:fillRef>
+          <a:effectRef idx="1">
+            <a:schemeClr val="accent6"/>
+          </a:effectRef>
+          <a:fontRef idx="minor">
+            <a:schemeClr val="dk1"/>
+          </a:fontRef>
+        </p:style>
+        <p:txBody>
+          <a:bodyPr rtlCol="0" anchor="ctr"/>
+          <a:lstStyle/>
+          <a:p>
+            <a:pPr algn="ctr"/>
+            <a:r>
+              <a:rPr lang="ko-KR" altLang="en-US" dirty="0" smtClean="0"/>
+              <a:t>탑</a:t>
+            </a:r>
+            <a:endParaRPr lang="en-US" altLang="ko-KR" dirty="0" smtClean="0"/>
+          </a:p>
+        </p:txBody>
+      </p:sp>
+      <p:sp>
+        <p:nvSpPr>
+          <p:cNvPr id="116" name="타원 115"/>
+          <p:cNvSpPr/>
+          <p:nvPr/>
+        </p:nvSpPr>
+        <p:spPr>
+          <a:xfrm>
+            <a:off x="11601754" y="111786"/>
+            <a:ext cx="358925" cy="358925"/>
+          </a:xfrm>
+          <a:prstGeom prst="ellipse">
+            <a:avLst/>
+          </a:prstGeom>
+          <a:solidFill>
+            <a:schemeClr val="accent2"/>
+          </a:solidFill>
+        </p:spPr>
+        <p:style>
+          <a:lnRef idx="2">
+            <a:schemeClr val="accent3">
+              <a:shade val="50000"/>
+            </a:schemeClr>
+          </a:lnRef>
+          <a:fillRef idx="1">
+            <a:schemeClr val="accent3"/>
+          </a:fillRef>
+          <a:effectRef idx="0">
+            <a:schemeClr val="accent3"/>
+          </a:effectRef>
+          <a:fontRef idx="minor">
+            <a:schemeClr val="lt1"/>
+          </a:fontRef>
+        </p:style>
+        <p:txBody>
+          <a:bodyPr rtlCol="0" anchor="ctr"/>
+          <a:lstStyle/>
+          <a:p>
+            <a:pPr algn="ctr"/>
+            <a:endParaRPr lang="ko-KR" altLang="en-US" sz="1100" dirty="0"/>
+          </a:p>
+        </p:txBody>
+      </p:sp>
+      <p:sp>
+        <p:nvSpPr>
+          <p:cNvPr id="117" name="TextBox 116"/>
+          <p:cNvSpPr txBox="1"/>
+          <p:nvPr/>
+        </p:nvSpPr>
+        <p:spPr>
+          <a:xfrm>
+            <a:off x="11534591" y="153492"/>
+            <a:ext cx="518091" cy="292388"/>
+          </a:xfrm>
+          <a:prstGeom prst="rect">
+            <a:avLst/>
+          </a:prstGeom>
+          <a:noFill/>
+        </p:spPr>
+        <p:txBody>
+          <a:bodyPr wrap="none" rtlCol="0">
+            <a:spAutoFit/>
+          </a:bodyPr>
+          <a:lstStyle/>
+          <a:p>
+            <a:r>
+              <a:rPr lang="ko-KR" altLang="en-US" sz="1300" dirty="0" smtClean="0">
+                <a:solidFill>
+                  <a:schemeClr val="bg1"/>
+                </a:solidFill>
+              </a:rPr>
+              <a:t>설</a:t>
+            </a:r>
+            <a:r>
+              <a:rPr lang="ko-KR" altLang="en-US" sz="1300" dirty="0">
+                <a:solidFill>
+                  <a:schemeClr val="bg1"/>
+                </a:solidFill>
+              </a:rPr>
+              <a:t>정</a:t>
+            </a:r>
+          </a:p>
+        </p:txBody>
+      </p:sp>
+      <p:sp>
+        <p:nvSpPr>
+          <p:cNvPr id="51" name="직사각형 50">
+            <a:hlinkClick r:id="rId2" action="ppaction://hlinksldjump"/>
+          </p:cNvPr>
+          <p:cNvSpPr/>
+          <p:nvPr/>
+        </p:nvSpPr>
+        <p:spPr>
+          <a:xfrm>
+            <a:off x="10230736" y="4665702"/>
+            <a:ext cx="1729945" cy="543698"/>
+          </a:xfrm>
+          <a:prstGeom prst="rect">
+            <a:avLst/>
+          </a:prstGeom>
+          <a:ln/>
+        </p:spPr>
+        <p:style>
+          <a:lnRef idx="1">
+            <a:schemeClr val="accent6"/>
+          </a:lnRef>
+          <a:fillRef idx="2">
+            <a:schemeClr val="accent6"/>
+          </a:fillRef>
+          <a:effectRef idx="1">
+            <a:schemeClr val="accent6"/>
+          </a:effectRef>
+          <a:fontRef idx="minor">
+            <a:schemeClr val="dk1"/>
+          </a:fontRef>
+        </p:style>
+        <p:txBody>
+          <a:bodyPr rtlCol="0" anchor="ctr"/>
+          <a:lstStyle/>
+          <a:p>
+            <a:pPr algn="ctr"/>
+            <a:r>
+              <a:rPr lang="ko-KR" altLang="en-US" dirty="0" smtClean="0"/>
+              <a:t>스킬</a:t>
+            </a:r>
+            <a:endParaRPr lang="en-US" altLang="ko-KR" dirty="0" smtClean="0"/>
+          </a:p>
+        </p:txBody>
+      </p:sp>
+      <p:sp>
+        <p:nvSpPr>
+          <p:cNvPr id="55" name="직사각형 54">
+            <a:hlinkClick r:id="rId2" action="ppaction://hlinksldjump"/>
+          </p:cNvPr>
+          <p:cNvSpPr/>
+          <p:nvPr/>
+        </p:nvSpPr>
+        <p:spPr>
+          <a:xfrm>
+            <a:off x="10230734" y="3957274"/>
+            <a:ext cx="1729945" cy="543698"/>
+          </a:xfrm>
+          <a:prstGeom prst="rect">
+            <a:avLst/>
+          </a:prstGeom>
+          <a:ln/>
+        </p:spPr>
+        <p:style>
+          <a:lnRef idx="1">
+            <a:schemeClr val="accent6"/>
+          </a:lnRef>
+          <a:fillRef idx="2">
+            <a:schemeClr val="accent6"/>
+          </a:fillRef>
+          <a:effectRef idx="1">
+            <a:schemeClr val="accent6"/>
+          </a:effectRef>
+          <a:fontRef idx="minor">
+            <a:schemeClr val="dk1"/>
+          </a:fontRef>
+        </p:style>
+        <p:txBody>
+          <a:bodyPr rtlCol="0" anchor="ctr"/>
+          <a:lstStyle/>
+          <a:p>
+            <a:pPr algn="ctr"/>
+            <a:r>
+              <a:rPr lang="ko-KR" altLang="en-US" dirty="0" smtClean="0"/>
+              <a:t>장비</a:t>
+            </a:r>
+            <a:endParaRPr lang="en-US" altLang="ko-KR" dirty="0" smtClean="0"/>
+          </a:p>
+        </p:txBody>
+      </p:sp>
+      <p:sp>
+        <p:nvSpPr>
+          <p:cNvPr id="54" name="직사각형 53">
+            <a:hlinkClick r:id="rId2" action="ppaction://hlinksldjump"/>
+          </p:cNvPr>
+          <p:cNvSpPr/>
+          <p:nvPr/>
+        </p:nvSpPr>
+        <p:spPr>
+          <a:xfrm>
+            <a:off x="10230733" y="5371590"/>
+            <a:ext cx="1729945" cy="543698"/>
+          </a:xfrm>
+          <a:prstGeom prst="rect">
+            <a:avLst/>
+          </a:prstGeom>
+          <a:ln/>
+        </p:spPr>
+        <p:style>
+          <a:lnRef idx="1">
+            <a:schemeClr val="accent5"/>
+          </a:lnRef>
+          <a:fillRef idx="2">
+            <a:schemeClr val="accent5"/>
+          </a:fillRef>
+          <a:effectRef idx="1">
+            <a:schemeClr val="accent5"/>
+          </a:effectRef>
+          <a:fontRef idx="minor">
+            <a:schemeClr val="dk1"/>
+          </a:fontRef>
+        </p:style>
+        <p:txBody>
+          <a:bodyPr rtlCol="0" anchor="ctr"/>
+          <a:lstStyle/>
+          <a:p>
+            <a:pPr algn="ctr"/>
+            <a:r>
+              <a:rPr lang="ko-KR" altLang="en-US" dirty="0" smtClean="0"/>
+              <a:t>아이템</a:t>
+            </a:r>
+            <a:endParaRPr lang="en-US" altLang="ko-KR" dirty="0" smtClean="0"/>
+          </a:p>
+        </p:txBody>
+      </p:sp>
+      <p:sp>
+        <p:nvSpPr>
+          <p:cNvPr id="50" name="타원 49"/>
+          <p:cNvSpPr/>
+          <p:nvPr/>
+        </p:nvSpPr>
+        <p:spPr>
+          <a:xfrm>
+            <a:off x="10216752" y="113242"/>
+            <a:ext cx="358925" cy="358925"/>
+          </a:xfrm>
+          <a:prstGeom prst="ellipse">
+            <a:avLst/>
+          </a:prstGeom>
+        </p:spPr>
+        <p:style>
+          <a:lnRef idx="2">
+            <a:schemeClr val="accent4">
+              <a:shade val="50000"/>
+            </a:schemeClr>
+          </a:lnRef>
+          <a:fillRef idx="1">
+            <a:schemeClr val="accent4"/>
+          </a:fillRef>
+          <a:effectRef idx="0">
+            <a:schemeClr val="accent4"/>
+          </a:effectRef>
+          <a:fontRef idx="minor">
+            <a:schemeClr val="lt1"/>
+          </a:fontRef>
+        </p:style>
+        <p:txBody>
+          <a:bodyPr rtlCol="0" anchor="ctr"/>
+          <a:lstStyle/>
+          <a:p>
+            <a:pPr algn="ctr"/>
+            <a:r>
+              <a:rPr lang="en-US" altLang="ko-KR" dirty="0" smtClean="0"/>
+              <a:t>G</a:t>
+            </a:r>
+            <a:endParaRPr lang="ko-KR" altLang="en-US" dirty="0"/>
+          </a:p>
+        </p:txBody>
+      </p:sp>
+      <p:sp>
+        <p:nvSpPr>
+          <p:cNvPr id="53" name="TextBox 52"/>
+          <p:cNvSpPr txBox="1"/>
+          <p:nvPr/>
+        </p:nvSpPr>
+        <p:spPr>
+          <a:xfrm>
+            <a:off x="10575677" y="119457"/>
+            <a:ext cx="691215" cy="369332"/>
+          </a:xfrm>
+          <a:prstGeom prst="rect">
+            <a:avLst/>
+          </a:prstGeom>
+          <a:noFill/>
+        </p:spPr>
+        <p:txBody>
+          <a:bodyPr wrap="none" rtlCol="0">
+            <a:spAutoFit/>
+          </a:bodyPr>
+          <a:lstStyle/>
+          <a:p>
+            <a:r>
+              <a:rPr lang="en-US" altLang="ko-KR" dirty="0" smtClean="0"/>
+              <a:t>9999</a:t>
+            </a:r>
+            <a:endParaRPr lang="ko-KR" altLang="en-US" dirty="0"/>
+          </a:p>
+        </p:txBody>
+      </p:sp>
+      <p:sp>
+        <p:nvSpPr>
+          <p:cNvPr id="77" name="직사각형 76"/>
+          <p:cNvSpPr/>
+          <p:nvPr/>
+        </p:nvSpPr>
+        <p:spPr>
+          <a:xfrm>
+            <a:off x="891085" y="1595302"/>
+            <a:ext cx="3928050" cy="3841674"/>
+          </a:xfrm>
+          <a:prstGeom prst="rect">
+            <a:avLst/>
+          </a:prstGeom>
+          <a:solidFill>
+            <a:schemeClr val="accent6">
+              <a:alpha val="19000"/>
+            </a:schemeClr>
+          </a:solidFill>
+          <a:ln>
+            <a:solidFill>
+              <a:schemeClr val="accent6">
+                <a:shade val="50000"/>
+                <a:alpha val="33000"/>
+              </a:schemeClr>
+            </a:solidFill>
+          </a:ln>
+        </p:spPr>
+        <p:style>
+          <a:lnRef idx="2">
+            <a:schemeClr val="accent6">
+              <a:shade val="50000"/>
+            </a:schemeClr>
+          </a:lnRef>
+          <a:fillRef idx="1">
+            <a:schemeClr val="accent6"/>
+          </a:fillRef>
+          <a:effectRef idx="0">
+            <a:schemeClr val="accent6"/>
+          </a:effectRef>
+          <a:fontRef idx="minor">
+            <a:schemeClr val="lt1"/>
+          </a:fontRef>
+        </p:style>
+        <p:txBody>
+          <a:bodyPr rtlCol="0" anchor="ctr"/>
+          <a:lstStyle/>
+          <a:p>
+            <a:pPr algn="ctr"/>
+            <a:endParaRPr lang="ko-KR" altLang="en-US"/>
+          </a:p>
+        </p:txBody>
+      </p:sp>
+      <p:sp>
+        <p:nvSpPr>
+          <p:cNvPr id="78" name="직사각형 77"/>
+          <p:cNvSpPr/>
+          <p:nvPr/>
+        </p:nvSpPr>
+        <p:spPr>
+          <a:xfrm>
+            <a:off x="5498981" y="238898"/>
+            <a:ext cx="4514316" cy="6384326"/>
+          </a:xfrm>
+          <a:prstGeom prst="rect">
+            <a:avLst/>
+          </a:prstGeom>
+          <a:solidFill>
+            <a:schemeClr val="accent6">
+              <a:alpha val="19000"/>
+            </a:schemeClr>
+          </a:solidFill>
+          <a:ln>
+            <a:solidFill>
+              <a:schemeClr val="accent6">
+                <a:shade val="50000"/>
+                <a:alpha val="33000"/>
+              </a:schemeClr>
+            </a:solidFill>
+          </a:ln>
+        </p:spPr>
+        <p:style>
+          <a:lnRef idx="2">
+            <a:schemeClr val="accent6">
+              <a:shade val="50000"/>
+            </a:schemeClr>
+          </a:lnRef>
+          <a:fillRef idx="1">
+            <a:schemeClr val="accent6"/>
+          </a:fillRef>
+          <a:effectRef idx="0">
+            <a:schemeClr val="accent6"/>
+          </a:effectRef>
+          <a:fontRef idx="minor">
+            <a:schemeClr val="lt1"/>
+          </a:fontRef>
+        </p:style>
+        <p:txBody>
+          <a:bodyPr rtlCol="0" anchor="ctr"/>
+          <a:lstStyle/>
+          <a:p>
+            <a:pPr algn="ctr"/>
+            <a:endParaRPr lang="ko-KR" altLang="en-US"/>
+          </a:p>
+        </p:txBody>
+      </p:sp>
+      <p:sp>
+        <p:nvSpPr>
+          <p:cNvPr id="79" name="TextBox 78"/>
+          <p:cNvSpPr txBox="1"/>
+          <p:nvPr/>
+        </p:nvSpPr>
+        <p:spPr>
+          <a:xfrm>
+            <a:off x="6679851" y="1008131"/>
+            <a:ext cx="2562899" cy="369332"/>
+          </a:xfrm>
+          <a:prstGeom prst="rect">
+            <a:avLst/>
+          </a:prstGeom>
+          <a:noFill/>
+        </p:spPr>
+        <p:txBody>
+          <a:bodyPr wrap="square" rtlCol="0">
+            <a:spAutoFit/>
+          </a:bodyPr>
+          <a:lstStyle/>
+          <a:p>
+            <a:endParaRPr lang="en-US" altLang="ko-KR" dirty="0" smtClean="0"/>
+          </a:p>
+        </p:txBody>
+      </p:sp>
+      <p:cxnSp>
+        <p:nvCxnSpPr>
+          <p:cNvPr id="80" name="직선 연결선 79"/>
+          <p:cNvCxnSpPr/>
+          <p:nvPr/>
+        </p:nvCxnSpPr>
+        <p:spPr>
+          <a:xfrm>
+            <a:off x="5599708" y="879384"/>
+            <a:ext cx="4318765" cy="0"/>
+          </a:xfrm>
+          <a:prstGeom prst="line">
+            <a:avLst/>
+          </a:prstGeom>
+        </p:spPr>
+        <p:style>
+          <a:lnRef idx="1">
+            <a:schemeClr val="accent1"/>
+          </a:lnRef>
+          <a:fillRef idx="0">
+            <a:schemeClr val="accent1"/>
+          </a:fillRef>
+          <a:effectRef idx="0">
+            <a:schemeClr val="accent1"/>
+          </a:effectRef>
+          <a:fontRef idx="minor">
+            <a:schemeClr val="tx1"/>
+          </a:fontRef>
+        </p:style>
+      </p:cxnSp>
+      <p:sp>
+        <p:nvSpPr>
+          <p:cNvPr id="81" name="직사각형 80"/>
+          <p:cNvSpPr/>
+          <p:nvPr/>
+        </p:nvSpPr>
+        <p:spPr>
+          <a:xfrm>
+            <a:off x="6312416" y="418014"/>
+            <a:ext cx="646331" cy="369332"/>
+          </a:xfrm>
+          <a:prstGeom prst="rect">
+            <a:avLst/>
+          </a:prstGeom>
+        </p:spPr>
+        <p:style>
+          <a:lnRef idx="1">
+            <a:schemeClr val="accent5"/>
+          </a:lnRef>
+          <a:fillRef idx="2">
+            <a:schemeClr val="accent5"/>
+          </a:fillRef>
+          <a:effectRef idx="1">
+            <a:schemeClr val="accent5"/>
+          </a:effectRef>
+          <a:fontRef idx="minor">
+            <a:schemeClr val="dk1"/>
+          </a:fontRef>
+        </p:style>
+        <p:txBody>
+          <a:bodyPr wrap="none">
+            <a:spAutoFit/>
+          </a:bodyPr>
+          <a:lstStyle/>
+          <a:p>
+            <a:r>
+              <a:rPr lang="ko-KR" altLang="en-US" dirty="0" smtClean="0"/>
+              <a:t>전투</a:t>
+            </a:r>
+            <a:endParaRPr lang="ko-KR" altLang="en-US" dirty="0"/>
+          </a:p>
+        </p:txBody>
+      </p:sp>
+      <p:cxnSp>
+        <p:nvCxnSpPr>
+          <p:cNvPr id="82" name="직선 연결선 81"/>
+          <p:cNvCxnSpPr/>
+          <p:nvPr/>
+        </p:nvCxnSpPr>
+        <p:spPr>
+          <a:xfrm>
+            <a:off x="5599708" y="1798834"/>
+            <a:ext cx="4318765" cy="0"/>
+          </a:xfrm>
+          <a:prstGeom prst="line">
+            <a:avLst/>
+          </a:prstGeom>
+        </p:spPr>
+        <p:style>
+          <a:lnRef idx="1">
+            <a:schemeClr val="accent1"/>
+          </a:lnRef>
+          <a:fillRef idx="0">
+            <a:schemeClr val="accent1"/>
+          </a:fillRef>
+          <a:effectRef idx="0">
+            <a:schemeClr val="accent1"/>
+          </a:effectRef>
+          <a:fontRef idx="minor">
+            <a:schemeClr val="tx1"/>
+          </a:fontRef>
+        </p:style>
+      </p:cxnSp>
+      <p:cxnSp>
+        <p:nvCxnSpPr>
+          <p:cNvPr id="88" name="직선 연결선 87"/>
+          <p:cNvCxnSpPr/>
+          <p:nvPr/>
+        </p:nvCxnSpPr>
+        <p:spPr>
+          <a:xfrm>
+            <a:off x="5599708" y="2721623"/>
+            <a:ext cx="4318765" cy="0"/>
+          </a:xfrm>
+          <a:prstGeom prst="line">
+            <a:avLst/>
+          </a:prstGeom>
+        </p:spPr>
+        <p:style>
+          <a:lnRef idx="1">
+            <a:schemeClr val="accent1"/>
+          </a:lnRef>
+          <a:fillRef idx="0">
+            <a:schemeClr val="accent1"/>
+          </a:fillRef>
+          <a:effectRef idx="0">
+            <a:schemeClr val="accent1"/>
+          </a:effectRef>
+          <a:fontRef idx="minor">
+            <a:schemeClr val="tx1"/>
+          </a:fontRef>
+        </p:style>
+      </p:cxnSp>
+      <p:sp>
+        <p:nvSpPr>
+          <p:cNvPr id="90" name="직사각형 89"/>
+          <p:cNvSpPr/>
+          <p:nvPr/>
+        </p:nvSpPr>
+        <p:spPr>
+          <a:xfrm>
+            <a:off x="8514186" y="416978"/>
+            <a:ext cx="646331" cy="369332"/>
+          </a:xfrm>
+          <a:prstGeom prst="rect">
+            <a:avLst/>
+          </a:prstGeom>
+        </p:spPr>
+        <p:txBody>
+          <a:bodyPr wrap="none">
+            <a:spAutoFit/>
+          </a:bodyPr>
+          <a:lstStyle/>
+          <a:p>
+            <a:r>
+              <a:rPr lang="ko-KR" altLang="en-US" dirty="0" smtClean="0"/>
+              <a:t>수집</a:t>
+            </a:r>
+            <a:endParaRPr lang="ko-KR" altLang="en-US" dirty="0"/>
+          </a:p>
+        </p:txBody>
+      </p:sp>
+      <p:cxnSp>
+        <p:nvCxnSpPr>
+          <p:cNvPr id="92" name="직선 연결선 91"/>
+          <p:cNvCxnSpPr/>
+          <p:nvPr/>
+        </p:nvCxnSpPr>
+        <p:spPr>
+          <a:xfrm>
+            <a:off x="7764528" y="349071"/>
+            <a:ext cx="0" cy="521924"/>
+          </a:xfrm>
+          <a:prstGeom prst="line">
+            <a:avLst/>
+          </a:prstGeom>
+        </p:spPr>
+        <p:style>
+          <a:lnRef idx="1">
+            <a:schemeClr val="accent1"/>
+          </a:lnRef>
+          <a:fillRef idx="0">
+            <a:schemeClr val="accent1"/>
+          </a:fillRef>
+          <a:effectRef idx="0">
+            <a:schemeClr val="accent1"/>
+          </a:effectRef>
+          <a:fontRef idx="minor">
+            <a:schemeClr val="tx1"/>
+          </a:fontRef>
+        </p:style>
+      </p:cxnSp>
+      <p:sp>
+        <p:nvSpPr>
+          <p:cNvPr id="93" name="모서리가 둥근 직사각형 92"/>
+          <p:cNvSpPr/>
+          <p:nvPr/>
+        </p:nvSpPr>
+        <p:spPr>
+          <a:xfrm>
+            <a:off x="1758610" y="2449453"/>
+            <a:ext cx="807956" cy="807956"/>
+          </a:xfrm>
+          <a:prstGeom prst="roundRect">
+            <a:avLst/>
+          </a:prstGeom>
+          <a:ln/>
+        </p:spPr>
+        <p:style>
+          <a:lnRef idx="1">
+            <a:schemeClr val="accent1"/>
+          </a:lnRef>
+          <a:fillRef idx="2">
+            <a:schemeClr val="accent1"/>
+          </a:fillRef>
+          <a:effectRef idx="1">
+            <a:schemeClr val="accent1"/>
+          </a:effectRef>
+          <a:fontRef idx="minor">
+            <a:schemeClr val="dk1"/>
+          </a:fontRef>
+        </p:style>
+        <p:txBody>
+          <a:bodyPr rtlCol="0" anchor="ctr"/>
+          <a:lstStyle/>
+          <a:p>
+            <a:pPr algn="ctr"/>
+            <a:r>
+              <a:rPr lang="en-US" altLang="ko-KR" sz="1500" dirty="0"/>
+              <a:t>Image</a:t>
+            </a:r>
+            <a:endParaRPr lang="ko-KR" altLang="en-US" sz="1500" dirty="0"/>
+          </a:p>
+        </p:txBody>
+      </p:sp>
+      <p:sp>
+        <p:nvSpPr>
+          <p:cNvPr id="94" name="모서리가 둥근 직사각형 93"/>
+          <p:cNvSpPr/>
+          <p:nvPr/>
+        </p:nvSpPr>
+        <p:spPr>
+          <a:xfrm>
+            <a:off x="2442999" y="3647947"/>
+            <a:ext cx="807956" cy="807956"/>
+          </a:xfrm>
+          <a:prstGeom prst="roundRect">
+            <a:avLst/>
+          </a:prstGeom>
+          <a:ln/>
+        </p:spPr>
+        <p:style>
+          <a:lnRef idx="1">
+            <a:schemeClr val="accent5"/>
+          </a:lnRef>
+          <a:fillRef idx="2">
+            <a:schemeClr val="accent5"/>
+          </a:fillRef>
+          <a:effectRef idx="1">
+            <a:schemeClr val="accent5"/>
+          </a:effectRef>
+          <a:fontRef idx="minor">
+            <a:schemeClr val="dk1"/>
+          </a:fontRef>
+        </p:style>
+        <p:txBody>
+          <a:bodyPr rtlCol="0" anchor="ctr"/>
+          <a:lstStyle/>
+          <a:p>
+            <a:pPr algn="ctr"/>
+            <a:r>
+              <a:rPr lang="en-US" altLang="ko-KR" sz="1500" dirty="0"/>
+              <a:t>Image</a:t>
+            </a:r>
+            <a:endParaRPr lang="ko-KR" altLang="en-US" sz="1500" dirty="0"/>
+          </a:p>
+        </p:txBody>
+      </p:sp>
+      <p:sp>
+        <p:nvSpPr>
+          <p:cNvPr id="95" name="모서리가 둥근 직사각형 94"/>
+          <p:cNvSpPr/>
+          <p:nvPr/>
+        </p:nvSpPr>
+        <p:spPr>
+          <a:xfrm>
+            <a:off x="3118726" y="2449453"/>
+            <a:ext cx="807956" cy="807956"/>
+          </a:xfrm>
+          <a:prstGeom prst="roundRect">
+            <a:avLst/>
+          </a:prstGeom>
+          <a:ln/>
+        </p:spPr>
+        <p:style>
+          <a:lnRef idx="1">
+            <a:schemeClr val="accent3"/>
+          </a:lnRef>
+          <a:fillRef idx="2">
+            <a:schemeClr val="accent3"/>
+          </a:fillRef>
+          <a:effectRef idx="1">
+            <a:schemeClr val="accent3"/>
+          </a:effectRef>
+          <a:fontRef idx="minor">
+            <a:schemeClr val="dk1"/>
+          </a:fontRef>
+        </p:style>
+        <p:txBody>
+          <a:bodyPr rtlCol="0" anchor="ctr"/>
+          <a:lstStyle/>
+          <a:p>
+            <a:pPr algn="ctr"/>
+            <a:r>
+              <a:rPr lang="en-US" altLang="ko-KR" sz="1500" dirty="0"/>
+              <a:t>Image</a:t>
+            </a:r>
+            <a:endParaRPr lang="ko-KR" altLang="en-US" sz="1500" dirty="0"/>
+          </a:p>
+        </p:txBody>
+      </p:sp>
+      <p:sp>
+        <p:nvSpPr>
+          <p:cNvPr id="96" name="모서리가 둥근 직사각형 95"/>
+          <p:cNvSpPr/>
+          <p:nvPr/>
+        </p:nvSpPr>
+        <p:spPr>
+          <a:xfrm>
+            <a:off x="5704371" y="928812"/>
+            <a:ext cx="807956" cy="807956"/>
+          </a:xfrm>
+          <a:prstGeom prst="roundRect">
+            <a:avLst/>
+          </a:prstGeom>
+          <a:ln/>
+        </p:spPr>
+        <p:style>
+          <a:lnRef idx="1">
+            <a:schemeClr val="accent1"/>
+          </a:lnRef>
+          <a:fillRef idx="2">
+            <a:schemeClr val="accent1"/>
+          </a:fillRef>
+          <a:effectRef idx="1">
+            <a:schemeClr val="accent1"/>
+          </a:effectRef>
+          <a:fontRef idx="minor">
+            <a:schemeClr val="dk1"/>
+          </a:fontRef>
+        </p:style>
+        <p:txBody>
+          <a:bodyPr rtlCol="0" anchor="ctr"/>
+          <a:lstStyle/>
+          <a:p>
+            <a:pPr algn="ctr"/>
+            <a:r>
+              <a:rPr lang="en-US" altLang="ko-KR" sz="1500" dirty="0" smtClean="0"/>
+              <a:t>Image</a:t>
+            </a:r>
+            <a:endParaRPr lang="ko-KR" altLang="en-US" sz="1500" dirty="0"/>
+          </a:p>
+        </p:txBody>
+      </p:sp>
+      <p:sp>
+        <p:nvSpPr>
+          <p:cNvPr id="97" name="TextBox 96"/>
+          <p:cNvSpPr txBox="1"/>
+          <p:nvPr/>
+        </p:nvSpPr>
+        <p:spPr>
+          <a:xfrm>
+            <a:off x="6644462" y="994217"/>
+            <a:ext cx="2562899" cy="538609"/>
+          </a:xfrm>
+          <a:prstGeom prst="rect">
+            <a:avLst/>
+          </a:prstGeom>
+          <a:noFill/>
+        </p:spPr>
+        <p:txBody>
+          <a:bodyPr wrap="square" rtlCol="0">
+            <a:spAutoFit/>
+          </a:bodyPr>
+          <a:lstStyle/>
+          <a:p>
+            <a:r>
+              <a:rPr lang="ko-KR" altLang="en-US" dirty="0" smtClean="0"/>
+              <a:t>기본 공격</a:t>
+            </a:r>
+            <a:endParaRPr lang="en-US" altLang="ko-KR" dirty="0" smtClean="0"/>
+          </a:p>
+          <a:p>
+            <a:r>
+              <a:rPr lang="en-US" altLang="ko-KR" sz="1100" dirty="0" smtClean="0"/>
+              <a:t>Damage : </a:t>
+            </a:r>
+            <a:r>
+              <a:rPr lang="ko-KR" altLang="en-US" sz="1100" dirty="0" smtClean="0"/>
+              <a:t> </a:t>
+            </a:r>
+            <a:r>
+              <a:rPr lang="en-US" altLang="ko-KR" sz="1100" dirty="0" smtClean="0"/>
+              <a:t>100%</a:t>
+            </a:r>
+            <a:endParaRPr lang="en-US" altLang="ko-KR" sz="1100" dirty="0" smtClean="0"/>
+          </a:p>
+        </p:txBody>
+      </p:sp>
+      <p:sp>
+        <p:nvSpPr>
+          <p:cNvPr id="98" name="모서리가 둥근 직사각형 97"/>
+          <p:cNvSpPr/>
+          <p:nvPr/>
+        </p:nvSpPr>
+        <p:spPr>
+          <a:xfrm>
+            <a:off x="5697701" y="1848262"/>
+            <a:ext cx="807956" cy="807956"/>
+          </a:xfrm>
+          <a:prstGeom prst="roundRect">
+            <a:avLst/>
+          </a:prstGeom>
+          <a:ln/>
+        </p:spPr>
+        <p:style>
+          <a:lnRef idx="1">
+            <a:schemeClr val="accent1"/>
+          </a:lnRef>
+          <a:fillRef idx="2">
+            <a:schemeClr val="accent1"/>
+          </a:fillRef>
+          <a:effectRef idx="1">
+            <a:schemeClr val="accent1"/>
+          </a:effectRef>
+          <a:fontRef idx="minor">
+            <a:schemeClr val="dk1"/>
+          </a:fontRef>
+        </p:style>
+        <p:txBody>
+          <a:bodyPr rtlCol="0" anchor="ctr"/>
+          <a:lstStyle/>
+          <a:p>
+            <a:pPr algn="ctr"/>
+            <a:r>
+              <a:rPr lang="en-US" altLang="ko-KR" sz="1500" dirty="0" smtClean="0"/>
+              <a:t>Image</a:t>
+            </a:r>
+            <a:endParaRPr lang="ko-KR" altLang="en-US" sz="1500" dirty="0"/>
+          </a:p>
+        </p:txBody>
+      </p:sp>
+      <p:sp>
+        <p:nvSpPr>
+          <p:cNvPr id="99" name="TextBox 98"/>
+          <p:cNvSpPr txBox="1"/>
+          <p:nvPr/>
+        </p:nvSpPr>
+        <p:spPr>
+          <a:xfrm>
+            <a:off x="6637792" y="1913667"/>
+            <a:ext cx="2562899" cy="538609"/>
+          </a:xfrm>
+          <a:prstGeom prst="rect">
+            <a:avLst/>
+          </a:prstGeom>
+          <a:noFill/>
+        </p:spPr>
+        <p:txBody>
+          <a:bodyPr wrap="square" rtlCol="0">
+            <a:spAutoFit/>
+          </a:bodyPr>
+          <a:lstStyle/>
+          <a:p>
+            <a:r>
+              <a:rPr lang="ko-KR" altLang="en-US" dirty="0" smtClean="0"/>
+              <a:t>강한 공격</a:t>
+            </a:r>
+            <a:endParaRPr lang="en-US" altLang="ko-KR" dirty="0" smtClean="0"/>
+          </a:p>
+          <a:p>
+            <a:r>
+              <a:rPr lang="en-US" altLang="ko-KR" sz="1100" dirty="0" smtClean="0"/>
+              <a:t>Damage : </a:t>
+            </a:r>
+            <a:r>
+              <a:rPr lang="ko-KR" altLang="en-US" sz="1100" dirty="0" smtClean="0"/>
+              <a:t> </a:t>
+            </a:r>
+            <a:r>
+              <a:rPr lang="en-US" altLang="ko-KR" sz="1100" dirty="0" smtClean="0"/>
+              <a:t>120%</a:t>
+            </a:r>
+            <a:endParaRPr lang="en-US" altLang="ko-KR" sz="1100" dirty="0" smtClean="0"/>
+          </a:p>
+        </p:txBody>
+      </p:sp>
+      <p:sp>
+        <p:nvSpPr>
+          <p:cNvPr id="106" name="직사각형 105"/>
+          <p:cNvSpPr/>
+          <p:nvPr/>
+        </p:nvSpPr>
+        <p:spPr>
+          <a:xfrm>
+            <a:off x="1881850" y="2452276"/>
+            <a:ext cx="569387" cy="323165"/>
+          </a:xfrm>
+          <a:prstGeom prst="rect">
+            <a:avLst/>
+          </a:prstGeom>
+        </p:spPr>
+        <p:txBody>
+          <a:bodyPr wrap="none">
+            <a:spAutoFit/>
+          </a:bodyPr>
+          <a:lstStyle/>
+          <a:p>
+            <a:r>
+              <a:rPr lang="ko-KR" altLang="en-US" sz="1500" dirty="0" smtClean="0"/>
+              <a:t>공</a:t>
+            </a:r>
+            <a:r>
+              <a:rPr lang="ko-KR" altLang="en-US" sz="1500" dirty="0"/>
+              <a:t>격</a:t>
+            </a:r>
+          </a:p>
+        </p:txBody>
+      </p:sp>
+      <p:sp>
+        <p:nvSpPr>
+          <p:cNvPr id="107" name="직사각형 106"/>
+          <p:cNvSpPr/>
+          <p:nvPr/>
+        </p:nvSpPr>
+        <p:spPr>
+          <a:xfrm>
+            <a:off x="3250955" y="2470271"/>
+            <a:ext cx="569387" cy="323165"/>
+          </a:xfrm>
+          <a:prstGeom prst="rect">
+            <a:avLst/>
+          </a:prstGeom>
+        </p:spPr>
+        <p:txBody>
+          <a:bodyPr wrap="none">
+            <a:spAutoFit/>
+          </a:bodyPr>
+          <a:lstStyle/>
+          <a:p>
+            <a:r>
+              <a:rPr lang="ko-KR" altLang="en-US" sz="1500" dirty="0" smtClean="0"/>
+              <a:t>필살</a:t>
+            </a:r>
+            <a:endParaRPr lang="ko-KR" altLang="en-US" sz="1500" dirty="0"/>
+          </a:p>
+        </p:txBody>
+      </p:sp>
+      <p:sp>
+        <p:nvSpPr>
+          <p:cNvPr id="113" name="직사각형 112"/>
+          <p:cNvSpPr/>
+          <p:nvPr/>
+        </p:nvSpPr>
+        <p:spPr>
+          <a:xfrm>
+            <a:off x="2578923" y="3652104"/>
+            <a:ext cx="569387" cy="323165"/>
+          </a:xfrm>
+          <a:prstGeom prst="rect">
+            <a:avLst/>
+          </a:prstGeom>
+        </p:spPr>
+        <p:txBody>
+          <a:bodyPr wrap="none">
+            <a:spAutoFit/>
+          </a:bodyPr>
+          <a:lstStyle/>
+          <a:p>
+            <a:r>
+              <a:rPr lang="ko-KR" altLang="en-US" sz="1500" dirty="0" err="1" smtClean="0"/>
+              <a:t>버프</a:t>
+            </a:r>
+            <a:endParaRPr lang="ko-KR" altLang="en-US" sz="1500" dirty="0"/>
+          </a:p>
+        </p:txBody>
+      </p:sp>
+    </p:spTree>
+    <p:extLst>
+      <p:ext uri="{BB962C8B-B14F-4D97-AF65-F5344CB8AC3E}">
+        <p14:creationId xmlns:p14="http://schemas.microsoft.com/office/powerpoint/2010/main" val="3531104969"/>
+      </p:ext>
+    </p:extLst>
+  </p:cSld>
+  <p:clrMapOvr>
+    <a:masterClrMapping/>
+  </p:clrMapOvr>
+  <p:transition spd="slow">
+    <p:push dir="r"/>
+  </p:transition>
+  <p:timing>
+    <p:tnLst>
+      <p:par>
+        <p:cTn id="1" dur="indefinite" restart="never" nodeType="tmRoot"/>
+      </p:par>
+    </p:tnLst>
+  </p:timing>
+</p:sld>
+</file>
+
+<file path=ppt/slides/slide12.xml><?xml version="1.0" encoding="utf-8"?>
+<p:sld xmlns:a="http://schemas.openxmlformats.org/drawingml/2006/main" xmlns:r="http://schemas.openxmlformats.org/officeDocument/2006/relationships" xmlns:p="http://schemas.openxmlformats.org/presentationml/2006/main">
+  <p:cSld>
+    <p:spTree>
+      <p:nvGrpSpPr>
+        <p:cNvPr id="1" name=""/>
+        <p:cNvGrpSpPr/>
+        <p:nvPr/>
+      </p:nvGrpSpPr>
+      <p:grpSpPr>
+        <a:xfrm>
+          <a:off x="0" y="0"/>
+          <a:ext cx="0" cy="0"/>
+          <a:chOff x="0" y="0"/>
+          <a:chExt cx="0" cy="0"/>
+        </a:xfrm>
+      </p:grpSpPr>
+      <p:sp>
+        <p:nvSpPr>
           <p:cNvPr id="66" name="직사각형 65"/>
           <p:cNvSpPr/>
           <p:nvPr/>
@@ -6581,7 +8836,7 @@
 </p:sld>
 </file>
 
-<file path=ppt/slides/slide11.xml><?xml version="1.0" encoding="utf-8"?>
+<file path=ppt/slides/slide13.xml><?xml version="1.0" encoding="utf-8"?>
 <p:sld xmlns:a="http://schemas.openxmlformats.org/drawingml/2006/main" xmlns:r="http://schemas.openxmlformats.org/officeDocument/2006/relationships" xmlns:p="http://schemas.openxmlformats.org/presentationml/2006/main">
   <p:cSld>
     <p:spTree>
@@ -10086,7 +12341,7 @@
           <p:cNvPr id="2" name="제목 1">
             <a:extLst>
               <a:ext uri="{FF2B5EF4-FFF2-40B4-BE49-F238E27FC236}">
-                <a16:creationId xmlns="" xmlns:a16="http://schemas.microsoft.com/office/drawing/2014/main" id="{5A6E02E5-C3C5-4A6D-B34A-A8DCDE8E765A}"/>
+                <a16:creationId xmlns:a16="http://schemas.microsoft.com/office/drawing/2014/main" xmlns="" id="{5A6E02E5-C3C5-4A6D-B34A-A8DCDE8E765A}"/>
               </a:ext>
             </a:extLst>
           </p:cNvPr>
@@ -10122,7 +12377,7 @@
           <p:cNvPr id="3" name="내용 개체 틀 2">
             <a:extLst>
               <a:ext uri="{FF2B5EF4-FFF2-40B4-BE49-F238E27FC236}">
-                <a16:creationId xmlns="" xmlns:a16="http://schemas.microsoft.com/office/drawing/2014/main" id="{815BEA2D-0092-43B2-862E-B795ED1B2516}"/>
+                <a16:creationId xmlns:a16="http://schemas.microsoft.com/office/drawing/2014/main" xmlns="" id="{815BEA2D-0092-43B2-862E-B795ED1B2516}"/>
               </a:ext>
             </a:extLst>
           </p:cNvPr>
@@ -10301,7 +12556,7 @@
           <p:cNvPr id="2" name="제목 1">
             <a:extLst>
               <a:ext uri="{FF2B5EF4-FFF2-40B4-BE49-F238E27FC236}">
-                <a16:creationId xmlns="" xmlns:a16="http://schemas.microsoft.com/office/drawing/2014/main" id="{0F81927D-BEC0-4B15-8DFC-F1F5605BDA53}"/>
+                <a16:creationId xmlns:a16="http://schemas.microsoft.com/office/drawing/2014/main" xmlns="" id="{0F81927D-BEC0-4B15-8DFC-F1F5605BDA53}"/>
               </a:ext>
             </a:extLst>
           </p:cNvPr>
@@ -10346,7 +12601,7 @@
           <p:cNvPr id="3" name="내용 개체 틀 2">
             <a:extLst>
               <a:ext uri="{FF2B5EF4-FFF2-40B4-BE49-F238E27FC236}">
-                <a16:creationId xmlns="" xmlns:a16="http://schemas.microsoft.com/office/drawing/2014/main" id="{4BE0DE56-B302-442D-A66A-873AE46868D4}"/>
+                <a16:creationId xmlns:a16="http://schemas.microsoft.com/office/drawing/2014/main" xmlns="" id="{4BE0DE56-B302-442D-A66A-873AE46868D4}"/>
               </a:ext>
             </a:extLst>
           </p:cNvPr>
@@ -10760,7 +13015,7 @@
           <p:cNvPr id="2" name="제목 1">
             <a:extLst>
               <a:ext uri="{FF2B5EF4-FFF2-40B4-BE49-F238E27FC236}">
-                <a16:creationId xmlns="" xmlns:a16="http://schemas.microsoft.com/office/drawing/2014/main" id="{0F81927D-BEC0-4B15-8DFC-F1F5605BDA53}"/>
+                <a16:creationId xmlns:a16="http://schemas.microsoft.com/office/drawing/2014/main" xmlns="" id="{0F81927D-BEC0-4B15-8DFC-F1F5605BDA53}"/>
               </a:ext>
             </a:extLst>
           </p:cNvPr>
@@ -10822,7 +13077,7 @@
           <p:cNvPr id="3" name="내용 개체 틀 2">
             <a:extLst>
               <a:ext uri="{FF2B5EF4-FFF2-40B4-BE49-F238E27FC236}">
-                <a16:creationId xmlns="" xmlns:a16="http://schemas.microsoft.com/office/drawing/2014/main" id="{4BE0DE56-B302-442D-A66A-873AE46868D4}"/>
+                <a16:creationId xmlns:a16="http://schemas.microsoft.com/office/drawing/2014/main" xmlns="" id="{4BE0DE56-B302-442D-A66A-873AE46868D4}"/>
               </a:ext>
             </a:extLst>
           </p:cNvPr>
@@ -11328,7 +13583,7 @@
           <p:cNvPr id="2" name="제목 1">
             <a:extLst>
               <a:ext uri="{FF2B5EF4-FFF2-40B4-BE49-F238E27FC236}">
-                <a16:creationId xmlns="" xmlns:a16="http://schemas.microsoft.com/office/drawing/2014/main" id="{0F81927D-BEC0-4B15-8DFC-F1F5605BDA53}"/>
+                <a16:creationId xmlns:a16="http://schemas.microsoft.com/office/drawing/2014/main" xmlns="" id="{0F81927D-BEC0-4B15-8DFC-F1F5605BDA53}"/>
               </a:ext>
             </a:extLst>
           </p:cNvPr>
@@ -11368,7 +13623,7 @@
           <p:cNvPr id="3" name="내용 개체 틀 2">
             <a:extLst>
               <a:ext uri="{FF2B5EF4-FFF2-40B4-BE49-F238E27FC236}">
-                <a16:creationId xmlns="" xmlns:a16="http://schemas.microsoft.com/office/drawing/2014/main" id="{4BE0DE56-B302-442D-A66A-873AE46868D4}"/>
+                <a16:creationId xmlns:a16="http://schemas.microsoft.com/office/drawing/2014/main" xmlns="" id="{4BE0DE56-B302-442D-A66A-873AE46868D4}"/>
               </a:ext>
             </a:extLst>
           </p:cNvPr>
@@ -12706,7 +14961,7 @@
           <p:cNvPr id="94" name="사각형: 둥근 모서리 20">
             <a:extLst>
               <a:ext uri="{FF2B5EF4-FFF2-40B4-BE49-F238E27FC236}">
-                <a16:creationId xmlns="" xmlns:a16="http://schemas.microsoft.com/office/drawing/2014/main" id="{D470812C-B5EB-4EDC-A24D-C54DAFA8E2FC}"/>
+                <a16:creationId xmlns:a16="http://schemas.microsoft.com/office/drawing/2014/main" xmlns="" id="{D470812C-B5EB-4EDC-A24D-C54DAFA8E2FC}"/>
               </a:ext>
             </a:extLst>
           </p:cNvPr>
@@ -12758,7 +15013,7 @@
           <p:cNvPr id="186" name="사각형: 둥근 모서리 20">
             <a:extLst>
               <a:ext uri="{FF2B5EF4-FFF2-40B4-BE49-F238E27FC236}">
-                <a16:creationId xmlns="" xmlns:a16="http://schemas.microsoft.com/office/drawing/2014/main" id="{D470812C-B5EB-4EDC-A24D-C54DAFA8E2FC}"/>
+                <a16:creationId xmlns:a16="http://schemas.microsoft.com/office/drawing/2014/main" xmlns="" id="{D470812C-B5EB-4EDC-A24D-C54DAFA8E2FC}"/>
               </a:ext>
             </a:extLst>
           </p:cNvPr>
@@ -12810,7 +15065,7 @@
           <p:cNvPr id="182" name="사각형: 둥근 모서리 20">
             <a:extLst>
               <a:ext uri="{FF2B5EF4-FFF2-40B4-BE49-F238E27FC236}">
-                <a16:creationId xmlns="" xmlns:a16="http://schemas.microsoft.com/office/drawing/2014/main" id="{D470812C-B5EB-4EDC-A24D-C54DAFA8E2FC}"/>
+                <a16:creationId xmlns:a16="http://schemas.microsoft.com/office/drawing/2014/main" xmlns="" id="{D470812C-B5EB-4EDC-A24D-C54DAFA8E2FC}"/>
               </a:ext>
             </a:extLst>
           </p:cNvPr>
@@ -12862,7 +15117,7 @@
           <p:cNvPr id="2" name="제목 1">
             <a:extLst>
               <a:ext uri="{FF2B5EF4-FFF2-40B4-BE49-F238E27FC236}">
-                <a16:creationId xmlns="" xmlns:a16="http://schemas.microsoft.com/office/drawing/2014/main" id="{0F81927D-BEC0-4B15-8DFC-F1F5605BDA53}"/>
+                <a16:creationId xmlns:a16="http://schemas.microsoft.com/office/drawing/2014/main" xmlns="" id="{0F81927D-BEC0-4B15-8DFC-F1F5605BDA53}"/>
               </a:ext>
             </a:extLst>
           </p:cNvPr>
@@ -12937,7 +15192,7 @@
           <p:cNvPr id="6" name="직사각형 5">
             <a:extLst>
               <a:ext uri="{FF2B5EF4-FFF2-40B4-BE49-F238E27FC236}">
-                <a16:creationId xmlns="" xmlns:a16="http://schemas.microsoft.com/office/drawing/2014/main" id="{B5499C44-3746-46BB-B6A5-1B5C95B4E0F4}"/>
+                <a16:creationId xmlns:a16="http://schemas.microsoft.com/office/drawing/2014/main" xmlns="" id="{B5499C44-3746-46BB-B6A5-1B5C95B4E0F4}"/>
               </a:ext>
             </a:extLst>
           </p:cNvPr>
@@ -12991,7 +15246,7 @@
           <p:cNvPr id="17" name="직사각형 16">
             <a:extLst>
               <a:ext uri="{FF2B5EF4-FFF2-40B4-BE49-F238E27FC236}">
-                <a16:creationId xmlns="" xmlns:a16="http://schemas.microsoft.com/office/drawing/2014/main" id="{B69C21FE-9E25-495A-8E0A-CB589994EAC8}"/>
+                <a16:creationId xmlns:a16="http://schemas.microsoft.com/office/drawing/2014/main" xmlns="" id="{B69C21FE-9E25-495A-8E0A-CB589994EAC8}"/>
               </a:ext>
             </a:extLst>
           </p:cNvPr>
@@ -13052,7 +15307,7 @@
           <p:cNvPr id="38" name="연결선: 구부러짐 37">
             <a:extLst>
               <a:ext uri="{FF2B5EF4-FFF2-40B4-BE49-F238E27FC236}">
-                <a16:creationId xmlns="" xmlns:a16="http://schemas.microsoft.com/office/drawing/2014/main" id="{9FBAD8DE-1FC0-44E7-B9D1-2A08C0225614}"/>
+                <a16:creationId xmlns:a16="http://schemas.microsoft.com/office/drawing/2014/main" xmlns="" id="{9FBAD8DE-1FC0-44E7-B9D1-2A08C0225614}"/>
               </a:ext>
             </a:extLst>
           </p:cNvPr>
@@ -13097,7 +15352,7 @@
           <p:cNvPr id="54" name="직사각형 53">
             <a:extLst>
               <a:ext uri="{FF2B5EF4-FFF2-40B4-BE49-F238E27FC236}">
-                <a16:creationId xmlns="" xmlns:a16="http://schemas.microsoft.com/office/drawing/2014/main" id="{B5499C44-3746-46BB-B6A5-1B5C95B4E0F4}"/>
+                <a16:creationId xmlns:a16="http://schemas.microsoft.com/office/drawing/2014/main" xmlns="" id="{B5499C44-3746-46BB-B6A5-1B5C95B4E0F4}"/>
               </a:ext>
             </a:extLst>
           </p:cNvPr>
@@ -13151,7 +15406,7 @@
           <p:cNvPr id="55" name="연결선: 구부러짐 37">
             <a:extLst>
               <a:ext uri="{FF2B5EF4-FFF2-40B4-BE49-F238E27FC236}">
-                <a16:creationId xmlns="" xmlns:a16="http://schemas.microsoft.com/office/drawing/2014/main" id="{9FBAD8DE-1FC0-44E7-B9D1-2A08C0225614}"/>
+                <a16:creationId xmlns:a16="http://schemas.microsoft.com/office/drawing/2014/main" xmlns="" id="{9FBAD8DE-1FC0-44E7-B9D1-2A08C0225614}"/>
               </a:ext>
             </a:extLst>
           </p:cNvPr>
@@ -13197,7 +15452,7 @@
           <p:cNvPr id="70" name="직사각형 69">
             <a:extLst>
               <a:ext uri="{FF2B5EF4-FFF2-40B4-BE49-F238E27FC236}">
-                <a16:creationId xmlns="" xmlns:a16="http://schemas.microsoft.com/office/drawing/2014/main" id="{B5499C44-3746-46BB-B6A5-1B5C95B4E0F4}"/>
+                <a16:creationId xmlns:a16="http://schemas.microsoft.com/office/drawing/2014/main" xmlns="" id="{B5499C44-3746-46BB-B6A5-1B5C95B4E0F4}"/>
               </a:ext>
             </a:extLst>
           </p:cNvPr>
@@ -13251,7 +15506,7 @@
           <p:cNvPr id="71" name="연결선: 구부러짐 37">
             <a:extLst>
               <a:ext uri="{FF2B5EF4-FFF2-40B4-BE49-F238E27FC236}">
-                <a16:creationId xmlns="" xmlns:a16="http://schemas.microsoft.com/office/drawing/2014/main" id="{9FBAD8DE-1FC0-44E7-B9D1-2A08C0225614}"/>
+                <a16:creationId xmlns:a16="http://schemas.microsoft.com/office/drawing/2014/main" xmlns="" id="{9FBAD8DE-1FC0-44E7-B9D1-2A08C0225614}"/>
               </a:ext>
             </a:extLst>
           </p:cNvPr>
@@ -13297,7 +15552,7 @@
           <p:cNvPr id="76" name="연결선: 구부러짐 37">
             <a:extLst>
               <a:ext uri="{FF2B5EF4-FFF2-40B4-BE49-F238E27FC236}">
-                <a16:creationId xmlns="" xmlns:a16="http://schemas.microsoft.com/office/drawing/2014/main" id="{9FBAD8DE-1FC0-44E7-B9D1-2A08C0225614}"/>
+                <a16:creationId xmlns:a16="http://schemas.microsoft.com/office/drawing/2014/main" xmlns="" id="{9FBAD8DE-1FC0-44E7-B9D1-2A08C0225614}"/>
               </a:ext>
             </a:extLst>
           </p:cNvPr>
@@ -13343,7 +15598,7 @@
           <p:cNvPr id="101" name="직사각형 100">
             <a:extLst>
               <a:ext uri="{FF2B5EF4-FFF2-40B4-BE49-F238E27FC236}">
-                <a16:creationId xmlns="" xmlns:a16="http://schemas.microsoft.com/office/drawing/2014/main" id="{B5499C44-3746-46BB-B6A5-1B5C95B4E0F4}"/>
+                <a16:creationId xmlns:a16="http://schemas.microsoft.com/office/drawing/2014/main" xmlns="" id="{B5499C44-3746-46BB-B6A5-1B5C95B4E0F4}"/>
               </a:ext>
             </a:extLst>
           </p:cNvPr>
@@ -13397,7 +15652,7 @@
           <p:cNvPr id="102" name="연결선: 구부러짐 37">
             <a:extLst>
               <a:ext uri="{FF2B5EF4-FFF2-40B4-BE49-F238E27FC236}">
-                <a16:creationId xmlns="" xmlns:a16="http://schemas.microsoft.com/office/drawing/2014/main" id="{9FBAD8DE-1FC0-44E7-B9D1-2A08C0225614}"/>
+                <a16:creationId xmlns:a16="http://schemas.microsoft.com/office/drawing/2014/main" xmlns="" id="{9FBAD8DE-1FC0-44E7-B9D1-2A08C0225614}"/>
               </a:ext>
             </a:extLst>
           </p:cNvPr>
@@ -13443,7 +15698,7 @@
           <p:cNvPr id="103" name="연결선: 구부러짐 37">
             <a:extLst>
               <a:ext uri="{FF2B5EF4-FFF2-40B4-BE49-F238E27FC236}">
-                <a16:creationId xmlns="" xmlns:a16="http://schemas.microsoft.com/office/drawing/2014/main" id="{9FBAD8DE-1FC0-44E7-B9D1-2A08C0225614}"/>
+                <a16:creationId xmlns:a16="http://schemas.microsoft.com/office/drawing/2014/main" xmlns="" id="{9FBAD8DE-1FC0-44E7-B9D1-2A08C0225614}"/>
               </a:ext>
             </a:extLst>
           </p:cNvPr>
@@ -13489,7 +15744,7 @@
           <p:cNvPr id="116" name="직사각형 115">
             <a:extLst>
               <a:ext uri="{FF2B5EF4-FFF2-40B4-BE49-F238E27FC236}">
-                <a16:creationId xmlns="" xmlns:a16="http://schemas.microsoft.com/office/drawing/2014/main" id="{B5499C44-3746-46BB-B6A5-1B5C95B4E0F4}"/>
+                <a16:creationId xmlns:a16="http://schemas.microsoft.com/office/drawing/2014/main" xmlns="" id="{B5499C44-3746-46BB-B6A5-1B5C95B4E0F4}"/>
               </a:ext>
             </a:extLst>
           </p:cNvPr>
@@ -13543,7 +15798,7 @@
           <p:cNvPr id="120" name="연결선: 구부러짐 37">
             <a:extLst>
               <a:ext uri="{FF2B5EF4-FFF2-40B4-BE49-F238E27FC236}">
-                <a16:creationId xmlns="" xmlns:a16="http://schemas.microsoft.com/office/drawing/2014/main" id="{9FBAD8DE-1FC0-44E7-B9D1-2A08C0225614}"/>
+                <a16:creationId xmlns:a16="http://schemas.microsoft.com/office/drawing/2014/main" xmlns="" id="{9FBAD8DE-1FC0-44E7-B9D1-2A08C0225614}"/>
               </a:ext>
             </a:extLst>
           </p:cNvPr>
@@ -13588,7 +15843,7 @@
           <p:cNvPr id="132" name="연결선: 구부러짐 37">
             <a:extLst>
               <a:ext uri="{FF2B5EF4-FFF2-40B4-BE49-F238E27FC236}">
-                <a16:creationId xmlns="" xmlns:a16="http://schemas.microsoft.com/office/drawing/2014/main" id="{9FBAD8DE-1FC0-44E7-B9D1-2A08C0225614}"/>
+                <a16:creationId xmlns:a16="http://schemas.microsoft.com/office/drawing/2014/main" xmlns="" id="{9FBAD8DE-1FC0-44E7-B9D1-2A08C0225614}"/>
               </a:ext>
             </a:extLst>
           </p:cNvPr>
@@ -13634,7 +15889,7 @@
           <p:cNvPr id="146" name="직사각형 145">
             <a:extLst>
               <a:ext uri="{FF2B5EF4-FFF2-40B4-BE49-F238E27FC236}">
-                <a16:creationId xmlns="" xmlns:a16="http://schemas.microsoft.com/office/drawing/2014/main" id="{B5499C44-3746-46BB-B6A5-1B5C95B4E0F4}"/>
+                <a16:creationId xmlns:a16="http://schemas.microsoft.com/office/drawing/2014/main" xmlns="" id="{B5499C44-3746-46BB-B6A5-1B5C95B4E0F4}"/>
               </a:ext>
             </a:extLst>
           </p:cNvPr>
@@ -13688,7 +15943,7 @@
           <p:cNvPr id="148" name="직사각형 147">
             <a:extLst>
               <a:ext uri="{FF2B5EF4-FFF2-40B4-BE49-F238E27FC236}">
-                <a16:creationId xmlns="" xmlns:a16="http://schemas.microsoft.com/office/drawing/2014/main" id="{B5499C44-3746-46BB-B6A5-1B5C95B4E0F4}"/>
+                <a16:creationId xmlns:a16="http://schemas.microsoft.com/office/drawing/2014/main" xmlns="" id="{B5499C44-3746-46BB-B6A5-1B5C95B4E0F4}"/>
               </a:ext>
             </a:extLst>
           </p:cNvPr>
@@ -13742,7 +15997,7 @@
           <p:cNvPr id="157" name="직사각형 156">
             <a:extLst>
               <a:ext uri="{FF2B5EF4-FFF2-40B4-BE49-F238E27FC236}">
-                <a16:creationId xmlns="" xmlns:a16="http://schemas.microsoft.com/office/drawing/2014/main" id="{B5499C44-3746-46BB-B6A5-1B5C95B4E0F4}"/>
+                <a16:creationId xmlns:a16="http://schemas.microsoft.com/office/drawing/2014/main" xmlns="" id="{B5499C44-3746-46BB-B6A5-1B5C95B4E0F4}"/>
               </a:ext>
             </a:extLst>
           </p:cNvPr>
@@ -13796,7 +16051,7 @@
           <p:cNvPr id="158" name="연결선: 구부러짐 37">
             <a:extLst>
               <a:ext uri="{FF2B5EF4-FFF2-40B4-BE49-F238E27FC236}">
-                <a16:creationId xmlns="" xmlns:a16="http://schemas.microsoft.com/office/drawing/2014/main" id="{9FBAD8DE-1FC0-44E7-B9D1-2A08C0225614}"/>
+                <a16:creationId xmlns:a16="http://schemas.microsoft.com/office/drawing/2014/main" xmlns="" id="{9FBAD8DE-1FC0-44E7-B9D1-2A08C0225614}"/>
               </a:ext>
             </a:extLst>
           </p:cNvPr>
@@ -13912,7 +16167,7 @@
           <p:cNvPr id="184" name="직사각형 183">
             <a:extLst>
               <a:ext uri="{FF2B5EF4-FFF2-40B4-BE49-F238E27FC236}">
-                <a16:creationId xmlns="" xmlns:a16="http://schemas.microsoft.com/office/drawing/2014/main" id="{B5499C44-3746-46BB-B6A5-1B5C95B4E0F4}"/>
+                <a16:creationId xmlns:a16="http://schemas.microsoft.com/office/drawing/2014/main" xmlns="" id="{B5499C44-3746-46BB-B6A5-1B5C95B4E0F4}"/>
               </a:ext>
             </a:extLst>
           </p:cNvPr>
@@ -13966,7 +16221,7 @@
           <p:cNvPr id="185" name="직사각형 184">
             <a:extLst>
               <a:ext uri="{FF2B5EF4-FFF2-40B4-BE49-F238E27FC236}">
-                <a16:creationId xmlns="" xmlns:a16="http://schemas.microsoft.com/office/drawing/2014/main" id="{B5499C44-3746-46BB-B6A5-1B5C95B4E0F4}"/>
+                <a16:creationId xmlns:a16="http://schemas.microsoft.com/office/drawing/2014/main" xmlns="" id="{B5499C44-3746-46BB-B6A5-1B5C95B4E0F4}"/>
               </a:ext>
             </a:extLst>
           </p:cNvPr>
@@ -14057,7 +16312,7 @@
           <p:cNvPr id="2" name="제목 1">
             <a:extLst>
               <a:ext uri="{FF2B5EF4-FFF2-40B4-BE49-F238E27FC236}">
-                <a16:creationId xmlns="" xmlns:a16="http://schemas.microsoft.com/office/drawing/2014/main" id="{0F81927D-BEC0-4B15-8DFC-F1F5605BDA53}"/>
+                <a16:creationId xmlns:a16="http://schemas.microsoft.com/office/drawing/2014/main" xmlns="" id="{0F81927D-BEC0-4B15-8DFC-F1F5605BDA53}"/>
               </a:ext>
             </a:extLst>
           </p:cNvPr>
@@ -14119,7 +16374,7 @@
           <p:cNvPr id="27" name="표 13">
             <a:extLst>
               <a:ext uri="{FF2B5EF4-FFF2-40B4-BE49-F238E27FC236}">
-                <a16:creationId xmlns="" xmlns:a16="http://schemas.microsoft.com/office/drawing/2014/main" id="{11DA25FE-0D1F-4F3D-88F8-97D34B5D7B86}"/>
+                <a16:creationId xmlns:a16="http://schemas.microsoft.com/office/drawing/2014/main" xmlns="" id="{11DA25FE-0D1F-4F3D-88F8-97D34B5D7B86}"/>
               </a:ext>
             </a:extLst>
           </p:cNvPr>
@@ -14149,42 +16404,42 @@
                 <a:gridCol w="3178019">
                   <a:extLst>
                     <a:ext uri="{9D8B030D-6E8A-4147-A177-3AD203B41FA5}">
-                      <a16:colId xmlns="" xmlns:a16="http://schemas.microsoft.com/office/drawing/2014/main" val="2219697846"/>
+                      <a16:colId xmlns:a16="http://schemas.microsoft.com/office/drawing/2014/main" xmlns="" val="2219697846"/>
                     </a:ext>
                   </a:extLst>
                 </a:gridCol>
                 <a:gridCol w="1213440">
                   <a:extLst>
                     <a:ext uri="{9D8B030D-6E8A-4147-A177-3AD203B41FA5}">
-                      <a16:colId xmlns="" xmlns:a16="http://schemas.microsoft.com/office/drawing/2014/main" val="3097901954"/>
+                      <a16:colId xmlns:a16="http://schemas.microsoft.com/office/drawing/2014/main" xmlns="" val="3097901954"/>
                     </a:ext>
                   </a:extLst>
                 </a:gridCol>
                 <a:gridCol w="1213440">
                   <a:extLst>
                     <a:ext uri="{9D8B030D-6E8A-4147-A177-3AD203B41FA5}">
-                      <a16:colId xmlns="" xmlns:a16="http://schemas.microsoft.com/office/drawing/2014/main" val="2026100435"/>
+                      <a16:colId xmlns:a16="http://schemas.microsoft.com/office/drawing/2014/main" xmlns="" val="2026100435"/>
                     </a:ext>
                   </a:extLst>
                 </a:gridCol>
                 <a:gridCol w="1213440">
                   <a:extLst>
                     <a:ext uri="{9D8B030D-6E8A-4147-A177-3AD203B41FA5}">
-                      <a16:colId xmlns="" xmlns:a16="http://schemas.microsoft.com/office/drawing/2014/main" val="2835344623"/>
+                      <a16:colId xmlns:a16="http://schemas.microsoft.com/office/drawing/2014/main" xmlns="" val="2835344623"/>
                     </a:ext>
                   </a:extLst>
                 </a:gridCol>
                 <a:gridCol w="1213440">
                   <a:extLst>
                     <a:ext uri="{9D8B030D-6E8A-4147-A177-3AD203B41FA5}">
-                      <a16:colId xmlns="" xmlns:a16="http://schemas.microsoft.com/office/drawing/2014/main" val="2793878361"/>
+                      <a16:colId xmlns:a16="http://schemas.microsoft.com/office/drawing/2014/main" xmlns="" val="2793878361"/>
                     </a:ext>
                   </a:extLst>
                 </a:gridCol>
                 <a:gridCol w="1213440">
                   <a:extLst>
                     <a:ext uri="{9D8B030D-6E8A-4147-A177-3AD203B41FA5}">
-                      <a16:colId xmlns="" xmlns:a16="http://schemas.microsoft.com/office/drawing/2014/main" val="2981208658"/>
+                      <a16:colId xmlns:a16="http://schemas.microsoft.com/office/drawing/2014/main" xmlns="" val="2981208658"/>
                     </a:ext>
                   </a:extLst>
                 </a:gridCol>
@@ -14455,7 +16710,7 @@
                 </a:tc>
                 <a:extLst>
                   <a:ext uri="{0D108BD9-81ED-4DB2-BD59-A6C34878D82A}">
-                    <a16:rowId xmlns="" xmlns:a16="http://schemas.microsoft.com/office/drawing/2014/main" val="424042083"/>
+                    <a16:rowId xmlns:a16="http://schemas.microsoft.com/office/drawing/2014/main" xmlns="" val="424042083"/>
                   </a:ext>
                 </a:extLst>
               </a:tr>
@@ -14742,7 +16997,7 @@
                 </a:tc>
                 <a:extLst>
                   <a:ext uri="{0D108BD9-81ED-4DB2-BD59-A6C34878D82A}">
-                    <a16:rowId xmlns="" xmlns:a16="http://schemas.microsoft.com/office/drawing/2014/main" val="2553769619"/>
+                    <a16:rowId xmlns:a16="http://schemas.microsoft.com/office/drawing/2014/main" xmlns="" val="2553769619"/>
                   </a:ext>
                 </a:extLst>
               </a:tr>
@@ -15025,7 +17280,7 @@
                 </a:tc>
                 <a:extLst>
                   <a:ext uri="{0D108BD9-81ED-4DB2-BD59-A6C34878D82A}">
-                    <a16:rowId xmlns="" xmlns:a16="http://schemas.microsoft.com/office/drawing/2014/main" val="1697511207"/>
+                    <a16:rowId xmlns:a16="http://schemas.microsoft.com/office/drawing/2014/main" xmlns="" val="1697511207"/>
                   </a:ext>
                 </a:extLst>
               </a:tr>
@@ -15276,7 +17531,7 @@
                 </a:tc>
                 <a:extLst>
                   <a:ext uri="{0D108BD9-81ED-4DB2-BD59-A6C34878D82A}">
-                    <a16:rowId xmlns="" xmlns:a16="http://schemas.microsoft.com/office/drawing/2014/main" val="1758487240"/>
+                    <a16:rowId xmlns:a16="http://schemas.microsoft.com/office/drawing/2014/main" xmlns="" val="1758487240"/>
                   </a:ext>
                 </a:extLst>
               </a:tr>
@@ -15527,7 +17782,7 @@
                 </a:tc>
                 <a:extLst>
                   <a:ext uri="{0D108BD9-81ED-4DB2-BD59-A6C34878D82A}">
-                    <a16:rowId xmlns="" xmlns:a16="http://schemas.microsoft.com/office/drawing/2014/main" val="3495779394"/>
+                    <a16:rowId xmlns:a16="http://schemas.microsoft.com/office/drawing/2014/main" xmlns="" val="3495779394"/>
                   </a:ext>
                 </a:extLst>
               </a:tr>
@@ -15778,7 +18033,7 @@
                 </a:tc>
                 <a:extLst>
                   <a:ext uri="{0D108BD9-81ED-4DB2-BD59-A6C34878D82A}">
-                    <a16:rowId xmlns="" xmlns:a16="http://schemas.microsoft.com/office/drawing/2014/main" val="2587361067"/>
+                    <a16:rowId xmlns:a16="http://schemas.microsoft.com/office/drawing/2014/main" xmlns="" val="2587361067"/>
                   </a:ext>
                 </a:extLst>
               </a:tr>
@@ -16029,7 +18284,7 @@
                 </a:tc>
                 <a:extLst>
                   <a:ext uri="{0D108BD9-81ED-4DB2-BD59-A6C34878D82A}">
-                    <a16:rowId xmlns="" xmlns:a16="http://schemas.microsoft.com/office/drawing/2014/main" val="3752428578"/>
+                    <a16:rowId xmlns:a16="http://schemas.microsoft.com/office/drawing/2014/main" xmlns="" val="3752428578"/>
                   </a:ext>
                 </a:extLst>
               </a:tr>
@@ -16296,7 +18551,7 @@
                 </a:tc>
                 <a:extLst>
                   <a:ext uri="{0D108BD9-81ED-4DB2-BD59-A6C34878D82A}">
-                    <a16:rowId xmlns="" xmlns:a16="http://schemas.microsoft.com/office/drawing/2014/main" val="2019577717"/>
+                    <a16:rowId xmlns:a16="http://schemas.microsoft.com/office/drawing/2014/main" xmlns="" val="2019577717"/>
                   </a:ext>
                 </a:extLst>
               </a:tr>
@@ -16547,7 +18802,7 @@
                 </a:tc>
                 <a:extLst>
                   <a:ext uri="{0D108BD9-81ED-4DB2-BD59-A6C34878D82A}">
-                    <a16:rowId xmlns="" xmlns:a16="http://schemas.microsoft.com/office/drawing/2014/main" val="3125623415"/>
+                    <a16:rowId xmlns:a16="http://schemas.microsoft.com/office/drawing/2014/main" xmlns="" val="3125623415"/>
                   </a:ext>
                 </a:extLst>
               </a:tr>
@@ -16804,7 +19059,7 @@
                 </a:tc>
                 <a:extLst>
                   <a:ext uri="{0D108BD9-81ED-4DB2-BD59-A6C34878D82A}">
-                    <a16:rowId xmlns="" xmlns:a16="http://schemas.microsoft.com/office/drawing/2014/main" val="10009"/>
+                    <a16:rowId xmlns:a16="http://schemas.microsoft.com/office/drawing/2014/main" xmlns="" val="10009"/>
                   </a:ext>
                 </a:extLst>
               </a:tr>
@@ -17075,7 +19330,7 @@
                 </a:tc>
                 <a:extLst>
                   <a:ext uri="{0D108BD9-81ED-4DB2-BD59-A6C34878D82A}">
-                    <a16:rowId xmlns="" xmlns:a16="http://schemas.microsoft.com/office/drawing/2014/main" val="10010"/>
+                    <a16:rowId xmlns:a16="http://schemas.microsoft.com/office/drawing/2014/main" xmlns="" val="10010"/>
                   </a:ext>
                 </a:extLst>
               </a:tr>
@@ -17088,7 +19343,7 @@
           <p:cNvPr id="28" name="직선 화살표 연결선 27">
             <a:extLst>
               <a:ext uri="{FF2B5EF4-FFF2-40B4-BE49-F238E27FC236}">
-                <a16:creationId xmlns="" xmlns:a16="http://schemas.microsoft.com/office/drawing/2014/main" id="{0552A988-35CC-4A06-B6D5-79492365FF44}"/>
+                <a16:creationId xmlns:a16="http://schemas.microsoft.com/office/drawing/2014/main" xmlns="" id="{0552A988-35CC-4A06-B6D5-79492365FF44}"/>
               </a:ext>
             </a:extLst>
           </p:cNvPr>
@@ -17129,7 +19384,7 @@
           <p:cNvPr id="29" name="직선 화살표 연결선 28">
             <a:extLst>
               <a:ext uri="{FF2B5EF4-FFF2-40B4-BE49-F238E27FC236}">
-                <a16:creationId xmlns="" xmlns:a16="http://schemas.microsoft.com/office/drawing/2014/main" id="{C77E87E9-452D-47F8-AAB9-1109B5A866E7}"/>
+                <a16:creationId xmlns:a16="http://schemas.microsoft.com/office/drawing/2014/main" xmlns="" id="{C77E87E9-452D-47F8-AAB9-1109B5A866E7}"/>
               </a:ext>
             </a:extLst>
           </p:cNvPr>
@@ -17170,7 +19425,7 @@
           <p:cNvPr id="30" name="직선 화살표 연결선 29">
             <a:extLst>
               <a:ext uri="{FF2B5EF4-FFF2-40B4-BE49-F238E27FC236}">
-                <a16:creationId xmlns="" xmlns:a16="http://schemas.microsoft.com/office/drawing/2014/main" id="{C7B27442-36F5-489D-BE45-8031B4CAA73C}"/>
+                <a16:creationId xmlns:a16="http://schemas.microsoft.com/office/drawing/2014/main" xmlns="" id="{C7B27442-36F5-489D-BE45-8031B4CAA73C}"/>
               </a:ext>
             </a:extLst>
           </p:cNvPr>
@@ -17211,7 +19466,7 @@
           <p:cNvPr id="31" name="직선 화살표 연결선 30">
             <a:extLst>
               <a:ext uri="{FF2B5EF4-FFF2-40B4-BE49-F238E27FC236}">
-                <a16:creationId xmlns="" xmlns:a16="http://schemas.microsoft.com/office/drawing/2014/main" id="{F041FD15-1AA9-41A5-A73F-338580CF9E78}"/>
+                <a16:creationId xmlns:a16="http://schemas.microsoft.com/office/drawing/2014/main" xmlns="" id="{F041FD15-1AA9-41A5-A73F-338580CF9E78}"/>
               </a:ext>
             </a:extLst>
           </p:cNvPr>
@@ -17252,7 +19507,7 @@
           <p:cNvPr id="32" name="직선 화살표 연결선 31">
             <a:extLst>
               <a:ext uri="{FF2B5EF4-FFF2-40B4-BE49-F238E27FC236}">
-                <a16:creationId xmlns="" xmlns:a16="http://schemas.microsoft.com/office/drawing/2014/main" id="{5A22DD37-A18A-45C2-BA6F-C9B8E2E1C764}"/>
+                <a16:creationId xmlns:a16="http://schemas.microsoft.com/office/drawing/2014/main" xmlns="" id="{5A22DD37-A18A-45C2-BA6F-C9B8E2E1C764}"/>
               </a:ext>
             </a:extLst>
           </p:cNvPr>
@@ -17293,7 +19548,7 @@
           <p:cNvPr id="33" name="직선 화살표 연결선 32">
             <a:extLst>
               <a:ext uri="{FF2B5EF4-FFF2-40B4-BE49-F238E27FC236}">
-                <a16:creationId xmlns="" xmlns:a16="http://schemas.microsoft.com/office/drawing/2014/main" id="{06B8257D-CA8F-4027-BCA7-8387DB14319B}"/>
+                <a16:creationId xmlns:a16="http://schemas.microsoft.com/office/drawing/2014/main" xmlns="" id="{06B8257D-CA8F-4027-BCA7-8387DB14319B}"/>
               </a:ext>
             </a:extLst>
           </p:cNvPr>
@@ -17334,7 +19589,7 @@
           <p:cNvPr id="52" name="직선 화살표 연결선 51">
             <a:extLst>
               <a:ext uri="{FF2B5EF4-FFF2-40B4-BE49-F238E27FC236}">
-                <a16:creationId xmlns="" xmlns:a16="http://schemas.microsoft.com/office/drawing/2014/main" id="{7DC0757F-028E-49E0-92F1-00526849F99B}"/>
+                <a16:creationId xmlns:a16="http://schemas.microsoft.com/office/drawing/2014/main" xmlns="" id="{7DC0757F-028E-49E0-92F1-00526849F99B}"/>
               </a:ext>
             </a:extLst>
           </p:cNvPr>
@@ -17375,7 +19630,7 @@
           <p:cNvPr id="53" name="직선 화살표 연결선 52">
             <a:extLst>
               <a:ext uri="{FF2B5EF4-FFF2-40B4-BE49-F238E27FC236}">
-                <a16:creationId xmlns="" xmlns:a16="http://schemas.microsoft.com/office/drawing/2014/main" id="{3B58106D-C027-4186-8608-ED57BA07C869}"/>
+                <a16:creationId xmlns:a16="http://schemas.microsoft.com/office/drawing/2014/main" xmlns="" id="{3B58106D-C027-4186-8608-ED57BA07C869}"/>
               </a:ext>
             </a:extLst>
           </p:cNvPr>
@@ -17416,7 +19671,7 @@
           <p:cNvPr id="18" name="직선 화살표 연결선 17">
             <a:extLst>
               <a:ext uri="{FF2B5EF4-FFF2-40B4-BE49-F238E27FC236}">
-                <a16:creationId xmlns="" xmlns:a16="http://schemas.microsoft.com/office/drawing/2014/main" id="{7DC0757F-028E-49E0-92F1-00526849F99B}"/>
+                <a16:creationId xmlns:a16="http://schemas.microsoft.com/office/drawing/2014/main" xmlns="" id="{7DC0757F-028E-49E0-92F1-00526849F99B}"/>
               </a:ext>
             </a:extLst>
           </p:cNvPr>
@@ -17457,7 +19712,7 @@
           <p:cNvPr id="19" name="직선 화살표 연결선 18">
             <a:extLst>
               <a:ext uri="{FF2B5EF4-FFF2-40B4-BE49-F238E27FC236}">
-                <a16:creationId xmlns="" xmlns:a16="http://schemas.microsoft.com/office/drawing/2014/main" id="{3B58106D-C027-4186-8608-ED57BA07C869}"/>
+                <a16:creationId xmlns:a16="http://schemas.microsoft.com/office/drawing/2014/main" xmlns="" id="{3B58106D-C027-4186-8608-ED57BA07C869}"/>
               </a:ext>
             </a:extLst>
           </p:cNvPr>
@@ -17570,11 +19825,7 @@
           <a:p>
             <a:r>
               <a:rPr lang="ko-KR" altLang="en-US" dirty="0" smtClean="0"/>
-              <a:t>탑 탑 </a:t>
-            </a:r>
-            <a:r>
-              <a:rPr lang="ko-KR" altLang="en-US" dirty="0" smtClean="0"/>
-              <a:t>정상에 뭐가 있나</a:t>
+              <a:t>탑 탑 정상에 뭐가 있나</a:t>
             </a:r>
             <a:r>
               <a:rPr lang="en-US" altLang="ko-KR" dirty="0"/>
@@ -17599,7 +19850,6 @@
               <a:rPr lang="en-US" altLang="ko-KR" dirty="0" smtClean="0"/>
               <a:t>?</a:t>
             </a:r>
-            <a:endParaRPr lang="en-US" altLang="ko-KR" dirty="0" smtClean="0"/>
           </a:p>
         </p:txBody>
       </p:sp>
@@ -17806,7 +20056,7 @@
         </p:nvSpPr>
         <p:spPr>
           <a:xfrm>
-            <a:off x="3741665" y="751987"/>
+            <a:off x="3601622" y="783609"/>
             <a:ext cx="1521570" cy="1477328"/>
           </a:xfrm>
           <a:prstGeom prst="rect">
@@ -19096,13 +21346,27 @@
         </p:nvSpPr>
         <p:spPr>
           <a:xfrm>
-            <a:off x="5794310" y="416211"/>
+            <a:off x="5785184" y="418014"/>
             <a:ext cx="646331" cy="369332"/>
           </a:xfrm>
           <a:prstGeom prst="rect">
             <a:avLst/>
           </a:prstGeom>
         </p:spPr>
+        <p:style>
+          <a:lnRef idx="1">
+            <a:schemeClr val="accent5"/>
+          </a:lnRef>
+          <a:fillRef idx="2">
+            <a:schemeClr val="accent5"/>
+          </a:fillRef>
+          <a:effectRef idx="1">
+            <a:schemeClr val="accent5"/>
+          </a:effectRef>
+          <a:fontRef idx="minor">
+            <a:schemeClr val="dk1"/>
+          </a:fontRef>
+        </p:style>
         <p:txBody>
           <a:bodyPr wrap="none">
             <a:spAutoFit/>
@@ -19370,13 +21634,13 @@
       </p:cxnSp>
       <p:cxnSp>
         <p:nvCxnSpPr>
-          <p:cNvPr id="107" name="직선 연결선 106"/>
+          <p:cNvPr id="108" name="직선 연결선 107"/>
           <p:cNvCxnSpPr/>
           <p:nvPr/>
         </p:nvCxnSpPr>
         <p:spPr>
           <a:xfrm>
-            <a:off x="6672028" y="357460"/>
+            <a:off x="8853467" y="357460"/>
             <a:ext cx="0" cy="521924"/>
           </a:xfrm>
           <a:prstGeom prst="line">
@@ -19398,36 +21662,6 @@
           </a:fontRef>
         </p:style>
       </p:cxnSp>
-      <p:cxnSp>
-        <p:nvCxnSpPr>
-          <p:cNvPr id="108" name="직선 연결선 107"/>
-          <p:cNvCxnSpPr/>
-          <p:nvPr/>
-        </p:nvCxnSpPr>
-        <p:spPr>
-          <a:xfrm>
-            <a:off x="8869943" y="357460"/>
-            <a:ext cx="0" cy="521924"/>
-          </a:xfrm>
-          <a:prstGeom prst="line">
-            <a:avLst/>
-          </a:prstGeom>
-        </p:spPr>
-        <p:style>
-          <a:lnRef idx="1">
-            <a:schemeClr val="accent1"/>
-          </a:lnRef>
-          <a:fillRef idx="0">
-            <a:schemeClr val="accent1"/>
-          </a:fillRef>
-          <a:effectRef idx="0">
-            <a:schemeClr val="accent1"/>
-          </a:effectRef>
-          <a:fontRef idx="minor">
-            <a:schemeClr val="tx1"/>
-          </a:fontRef>
-        </p:style>
-      </p:cxnSp>
       <p:sp>
         <p:nvSpPr>
           <p:cNvPr id="109" name="직사각형 108"/>
@@ -19436,7 +21670,7 @@
         </p:nvSpPr>
         <p:spPr>
           <a:xfrm>
-            <a:off x="7031346" y="416978"/>
+            <a:off x="6990156" y="416978"/>
             <a:ext cx="415498" cy="369332"/>
           </a:xfrm>
           <a:prstGeom prst="rect">
@@ -19465,7 +21699,7 @@
         </p:nvSpPr>
         <p:spPr>
           <a:xfrm>
-            <a:off x="7998169" y="425367"/>
+            <a:off x="7998169" y="417129"/>
             <a:ext cx="646331" cy="369332"/>
           </a:xfrm>
           <a:prstGeom prst="rect">
@@ -19494,7 +21728,7 @@
         </p:nvSpPr>
         <p:spPr>
           <a:xfrm>
-            <a:off x="9180714" y="416771"/>
+            <a:off x="9188952" y="416771"/>
             <a:ext cx="415498" cy="369332"/>
           </a:xfrm>
           <a:prstGeom prst="rect">
@@ -19555,100 +21789,6 @@
             <a:r>
               <a:rPr lang="ko-KR" altLang="en-US" dirty="0" smtClean="0"/>
               <a:t>탑</a:t>
-            </a:r>
-            <a:endParaRPr lang="en-US" altLang="ko-KR" dirty="0" smtClean="0"/>
-          </a:p>
-        </p:txBody>
-      </p:sp>
-      <p:sp>
-        <p:nvSpPr>
-          <p:cNvPr id="114" name="직사각형 113">
-            <a:hlinkClick r:id="rId2" action="ppaction://hlinksldjump"/>
-          </p:cNvPr>
-          <p:cNvSpPr/>
-          <p:nvPr/>
-        </p:nvSpPr>
-        <p:spPr>
-          <a:xfrm>
-            <a:off x="10230735" y="5376736"/>
-            <a:ext cx="1729945" cy="543698"/>
-          </a:xfrm>
-          <a:prstGeom prst="rect">
-            <a:avLst/>
-          </a:prstGeom>
-          <a:ln/>
-        </p:spPr>
-        <p:style>
-          <a:lnRef idx="1">
-            <a:schemeClr val="accent6"/>
-          </a:lnRef>
-          <a:fillRef idx="2">
-            <a:schemeClr val="accent6"/>
-          </a:fillRef>
-          <a:effectRef idx="1">
-            <a:schemeClr val="accent6"/>
-          </a:effectRef>
-          <a:fontRef idx="minor">
-            <a:schemeClr val="dk1"/>
-          </a:fontRef>
-        </p:style>
-        <p:txBody>
-          <a:bodyPr rtlCol="0" anchor="ctr"/>
-          <a:lstStyle/>
-          <a:p>
-            <a:pPr algn="ctr"/>
-            <a:r>
-              <a:rPr lang="ko-KR" altLang="en-US" dirty="0" smtClean="0"/>
-              <a:t>장</a:t>
-            </a:r>
-            <a:r>
-              <a:rPr lang="ko-KR" altLang="en-US" dirty="0"/>
-              <a:t>비</a:t>
-            </a:r>
-            <a:endParaRPr lang="en-US" altLang="ko-KR" dirty="0" smtClean="0"/>
-          </a:p>
-        </p:txBody>
-      </p:sp>
-      <p:sp>
-        <p:nvSpPr>
-          <p:cNvPr id="115" name="직사각형 114">
-            <a:hlinkClick r:id="rId2" action="ppaction://hlinksldjump"/>
-          </p:cNvPr>
-          <p:cNvSpPr/>
-          <p:nvPr/>
-        </p:nvSpPr>
-        <p:spPr>
-          <a:xfrm>
-            <a:off x="10230734" y="4663170"/>
-            <a:ext cx="1729945" cy="543698"/>
-          </a:xfrm>
-          <a:prstGeom prst="rect">
-            <a:avLst/>
-          </a:prstGeom>
-          <a:ln/>
-        </p:spPr>
-        <p:style>
-          <a:lnRef idx="1">
-            <a:schemeClr val="accent6"/>
-          </a:lnRef>
-          <a:fillRef idx="2">
-            <a:schemeClr val="accent6"/>
-          </a:fillRef>
-          <a:effectRef idx="1">
-            <a:schemeClr val="accent6"/>
-          </a:effectRef>
-          <a:fontRef idx="minor">
-            <a:schemeClr val="dk1"/>
-          </a:fontRef>
-        </p:style>
-        <p:txBody>
-          <a:bodyPr rtlCol="0" anchor="ctr"/>
-          <a:lstStyle/>
-          <a:p>
-            <a:pPr algn="ctr"/>
-            <a:r>
-              <a:rPr lang="ko-KR" altLang="en-US" dirty="0" smtClean="0"/>
-              <a:t>아이템</a:t>
             </a:r>
             <a:endParaRPr lang="en-US" altLang="ko-KR" dirty="0" smtClean="0"/>
           </a:p>
@@ -19735,18 +21875,250 @@
               </a:rPr>
               <a:t>정</a:t>
             </a:r>
-            <a:endParaRPr lang="ko-KR" altLang="en-US" sz="1300" dirty="0">
-              <a:solidFill>
-                <a:schemeClr val="bg1"/>
-              </a:solidFill>
-            </a:endParaRPr>
+          </a:p>
+        </p:txBody>
+      </p:sp>
+      <p:cxnSp>
+        <p:nvCxnSpPr>
+          <p:cNvPr id="52" name="직선 연결선 51"/>
+          <p:cNvCxnSpPr/>
+          <p:nvPr/>
+        </p:nvCxnSpPr>
+        <p:spPr>
+          <a:xfrm>
+            <a:off x="6635922" y="349071"/>
+            <a:ext cx="0" cy="521924"/>
+          </a:xfrm>
+          <a:prstGeom prst="line">
+            <a:avLst/>
+          </a:prstGeom>
+        </p:spPr>
+        <p:style>
+          <a:lnRef idx="1">
+            <a:schemeClr val="accent1"/>
+          </a:lnRef>
+          <a:fillRef idx="0">
+            <a:schemeClr val="accent1"/>
+          </a:fillRef>
+          <a:effectRef idx="0">
+            <a:schemeClr val="accent1"/>
+          </a:effectRef>
+          <a:fontRef idx="minor">
+            <a:schemeClr val="tx1"/>
+          </a:fontRef>
+        </p:style>
+      </p:cxnSp>
+      <p:sp>
+        <p:nvSpPr>
+          <p:cNvPr id="51" name="직사각형 50">
+            <a:hlinkClick r:id="rId2" action="ppaction://hlinksldjump"/>
+          </p:cNvPr>
+          <p:cNvSpPr/>
+          <p:nvPr/>
+        </p:nvSpPr>
+        <p:spPr>
+          <a:xfrm>
+            <a:off x="10230736" y="4665702"/>
+            <a:ext cx="1729945" cy="543698"/>
+          </a:xfrm>
+          <a:prstGeom prst="rect">
+            <a:avLst/>
+          </a:prstGeom>
+          <a:ln/>
+        </p:spPr>
+        <p:style>
+          <a:lnRef idx="1">
+            <a:schemeClr val="accent6"/>
+          </a:lnRef>
+          <a:fillRef idx="2">
+            <a:schemeClr val="accent6"/>
+          </a:fillRef>
+          <a:effectRef idx="1">
+            <a:schemeClr val="accent6"/>
+          </a:effectRef>
+          <a:fontRef idx="minor">
+            <a:schemeClr val="dk1"/>
+          </a:fontRef>
+        </p:style>
+        <p:txBody>
+          <a:bodyPr rtlCol="0" anchor="ctr"/>
+          <a:lstStyle/>
+          <a:p>
+            <a:pPr algn="ctr"/>
+            <a:r>
+              <a:rPr lang="ko-KR" altLang="en-US" dirty="0" smtClean="0"/>
+              <a:t>스킬</a:t>
+            </a:r>
+            <a:endParaRPr lang="en-US" altLang="ko-KR" dirty="0" smtClean="0"/>
+          </a:p>
+        </p:txBody>
+      </p:sp>
+      <p:sp>
+        <p:nvSpPr>
+          <p:cNvPr id="55" name="직사각형 54"/>
+          <p:cNvSpPr/>
+          <p:nvPr/>
+        </p:nvSpPr>
+        <p:spPr>
+          <a:xfrm>
+            <a:off x="10230734" y="3957274"/>
+            <a:ext cx="1729945" cy="543698"/>
+          </a:xfrm>
+          <a:prstGeom prst="rect">
+            <a:avLst/>
+          </a:prstGeom>
+          <a:ln/>
+        </p:spPr>
+        <p:style>
+          <a:lnRef idx="1">
+            <a:schemeClr val="accent5"/>
+          </a:lnRef>
+          <a:fillRef idx="2">
+            <a:schemeClr val="accent5"/>
+          </a:fillRef>
+          <a:effectRef idx="1">
+            <a:schemeClr val="accent5"/>
+          </a:effectRef>
+          <a:fontRef idx="minor">
+            <a:schemeClr val="dk1"/>
+          </a:fontRef>
+        </p:style>
+        <p:txBody>
+          <a:bodyPr rtlCol="0" anchor="ctr"/>
+          <a:lstStyle/>
+          <a:p>
+            <a:pPr algn="ctr"/>
+            <a:r>
+              <a:rPr lang="ko-KR" altLang="en-US" dirty="0" smtClean="0"/>
+              <a:t>장비</a:t>
+            </a:r>
+            <a:endParaRPr lang="en-US" altLang="ko-KR" dirty="0" smtClean="0"/>
+          </a:p>
+        </p:txBody>
+      </p:sp>
+      <p:sp>
+        <p:nvSpPr>
+          <p:cNvPr id="54" name="직사각형 53">
+            <a:hlinkClick r:id="rId2" action="ppaction://hlinksldjump"/>
+          </p:cNvPr>
+          <p:cNvSpPr/>
+          <p:nvPr/>
+        </p:nvSpPr>
+        <p:spPr>
+          <a:xfrm>
+            <a:off x="10230733" y="5371590"/>
+            <a:ext cx="1729945" cy="543698"/>
+          </a:xfrm>
+          <a:prstGeom prst="rect">
+            <a:avLst/>
+          </a:prstGeom>
+          <a:ln/>
+        </p:spPr>
+        <p:style>
+          <a:lnRef idx="1">
+            <a:schemeClr val="accent6"/>
+          </a:lnRef>
+          <a:fillRef idx="2">
+            <a:schemeClr val="accent6"/>
+          </a:fillRef>
+          <a:effectRef idx="1">
+            <a:schemeClr val="accent6"/>
+          </a:effectRef>
+          <a:fontRef idx="minor">
+            <a:schemeClr val="dk1"/>
+          </a:fontRef>
+        </p:style>
+        <p:txBody>
+          <a:bodyPr rtlCol="0" anchor="ctr"/>
+          <a:lstStyle/>
+          <a:p>
+            <a:pPr algn="ctr"/>
+            <a:r>
+              <a:rPr lang="ko-KR" altLang="en-US" dirty="0" smtClean="0"/>
+              <a:t>아이템</a:t>
+            </a:r>
+            <a:endParaRPr lang="en-US" altLang="ko-KR" dirty="0" smtClean="0"/>
+          </a:p>
+        </p:txBody>
+      </p:sp>
+      <p:sp>
+        <p:nvSpPr>
+          <p:cNvPr id="56" name="타원 55"/>
+          <p:cNvSpPr/>
+          <p:nvPr/>
+        </p:nvSpPr>
+        <p:spPr>
+          <a:xfrm>
+            <a:off x="10216752" y="113242"/>
+            <a:ext cx="358925" cy="358925"/>
+          </a:xfrm>
+          <a:prstGeom prst="ellipse">
+            <a:avLst/>
+          </a:prstGeom>
+        </p:spPr>
+        <p:style>
+          <a:lnRef idx="2">
+            <a:schemeClr val="accent4">
+              <a:shade val="50000"/>
+            </a:schemeClr>
+          </a:lnRef>
+          <a:fillRef idx="1">
+            <a:schemeClr val="accent4"/>
+          </a:fillRef>
+          <a:effectRef idx="0">
+            <a:schemeClr val="accent4"/>
+          </a:effectRef>
+          <a:fontRef idx="minor">
+            <a:schemeClr val="lt1"/>
+          </a:fontRef>
+        </p:style>
+        <p:txBody>
+          <a:bodyPr rtlCol="0" anchor="ctr"/>
+          <a:lstStyle/>
+          <a:p>
+            <a:pPr algn="ctr"/>
+            <a:r>
+              <a:rPr lang="en-US" altLang="ko-KR" dirty="0" smtClean="0"/>
+              <a:t>G</a:t>
+            </a:r>
+            <a:endParaRPr lang="ko-KR" altLang="en-US" dirty="0"/>
+          </a:p>
+        </p:txBody>
+      </p:sp>
+      <p:sp>
+        <p:nvSpPr>
+          <p:cNvPr id="57" name="TextBox 56"/>
+          <p:cNvSpPr txBox="1"/>
+          <p:nvPr/>
+        </p:nvSpPr>
+        <p:spPr>
+          <a:xfrm>
+            <a:off x="10575677" y="119457"/>
+            <a:ext cx="691215" cy="369332"/>
+          </a:xfrm>
+          <a:prstGeom prst="rect">
+            <a:avLst/>
+          </a:prstGeom>
+          <a:noFill/>
+        </p:spPr>
+        <p:txBody>
+          <a:bodyPr wrap="none" rtlCol="0">
+            <a:spAutoFit/>
+          </a:bodyPr>
+          <a:lstStyle/>
+          <a:p>
+            <a:r>
+              <a:rPr lang="en-US" altLang="ko-KR" dirty="0" smtClean="0"/>
+              <a:t>9999</a:t>
+            </a:r>
+            <a:endParaRPr lang="ko-KR" altLang="en-US" dirty="0"/>
           </a:p>
         </p:txBody>
       </p:sp>
     </p:spTree>
     <p:extLst>
       <p:ext uri="{BB962C8B-B14F-4D97-AF65-F5344CB8AC3E}">
-        <p14:creationId xmlns:p14="http://schemas.microsoft.com/office/powerpoint/2010/main" val="965161465"/>
+        <p14:creationId xmlns:p14="http://schemas.microsoft.com/office/powerpoint/2010/main" val="2315319611"/>
       </p:ext>
     </p:extLst>
   </p:cSld>

--- a/포트폴리오 기획서 - 지환.pptx
+++ b/포트폴리오 기획서 - 지환.pptx
@@ -13,11 +13,12 @@
     <p:sldId id="266" r:id="rId7"/>
     <p:sldId id="267" r:id="rId8"/>
     <p:sldId id="269" r:id="rId9"/>
-    <p:sldId id="272" r:id="rId10"/>
-    <p:sldId id="273" r:id="rId11"/>
-    <p:sldId id="274" r:id="rId12"/>
-    <p:sldId id="268" r:id="rId13"/>
-    <p:sldId id="259" r:id="rId14"/>
+    <p:sldId id="275" r:id="rId10"/>
+    <p:sldId id="272" r:id="rId11"/>
+    <p:sldId id="273" r:id="rId12"/>
+    <p:sldId id="274" r:id="rId13"/>
+    <p:sldId id="268" r:id="rId14"/>
+    <p:sldId id="259" r:id="rId15"/>
   </p:sldIdLst>
   <p:sldSz cx="12192000" cy="6858000"/>
   <p:notesSz cx="6858000" cy="9144000"/>
@@ -118,7 +119,7 @@
   </p:defaultTextStyle>
   <p:extLst>
     <p:ext uri="{EFAFB233-063F-42B5-8137-9DF3F51BA10A}">
-      <p15:sldGuideLst xmlns:p15="http://schemas.microsoft.com/office/powerpoint/2012/main" xmlns="">
+      <p15:sldGuideLst xmlns="" xmlns:p15="http://schemas.microsoft.com/office/powerpoint/2012/main">
         <p15:guide id="1" orient="horz" pos="2160">
           <p15:clr>
             <a:srgbClr val="A4A3A4"/>
@@ -335,7 +336,7 @@
           <a:p>
             <a:fld id="{EA1920B3-93D4-4ABB-A3FD-B5FA8E9A2E93}" type="datetimeFigureOut">
               <a:rPr lang="ko-KR" altLang="en-US" smtClean="0"/>
-              <a:t>2020-02-14</a:t>
+              <a:t>2020-02-15</a:t>
             </a:fld>
             <a:endParaRPr lang="ko-KR" altLang="en-US"/>
           </a:p>
@@ -500,7 +501,7 @@
           <a:p>
             <a:fld id="{EA1920B3-93D4-4ABB-A3FD-B5FA8E9A2E93}" type="datetimeFigureOut">
               <a:rPr lang="ko-KR" altLang="en-US" smtClean="0"/>
-              <a:t>2020-02-14</a:t>
+              <a:t>2020-02-15</a:t>
             </a:fld>
             <a:endParaRPr lang="ko-KR" altLang="en-US"/>
           </a:p>
@@ -675,7 +676,7 @@
           <a:p>
             <a:fld id="{EA1920B3-93D4-4ABB-A3FD-B5FA8E9A2E93}" type="datetimeFigureOut">
               <a:rPr lang="ko-KR" altLang="en-US" smtClean="0"/>
-              <a:t>2020-02-14</a:t>
+              <a:t>2020-02-15</a:t>
             </a:fld>
             <a:endParaRPr lang="ko-KR" altLang="en-US"/>
           </a:p>
@@ -858,7 +859,7 @@
           <a:p>
             <a:fld id="{EA1920B3-93D4-4ABB-A3FD-B5FA8E9A2E93}" type="datetimeFigureOut">
               <a:rPr lang="ko-KR" altLang="en-US" smtClean="0"/>
-              <a:t>2020-02-14</a:t>
+              <a:t>2020-02-15</a:t>
             </a:fld>
             <a:endParaRPr lang="ko-KR" altLang="en-US"/>
           </a:p>
@@ -1120,7 +1121,7 @@
           <a:p>
             <a:fld id="{EA1920B3-93D4-4ABB-A3FD-B5FA8E9A2E93}" type="datetimeFigureOut">
               <a:rPr lang="ko-KR" altLang="en-US" smtClean="0"/>
-              <a:t>2020-02-14</a:t>
+              <a:t>2020-02-15</a:t>
             </a:fld>
             <a:endParaRPr lang="ko-KR" altLang="en-US"/>
           </a:p>
@@ -1468,7 +1469,7 @@
           <a:p>
             <a:fld id="{EA1920B3-93D4-4ABB-A3FD-B5FA8E9A2E93}" type="datetimeFigureOut">
               <a:rPr lang="ko-KR" altLang="en-US" smtClean="0"/>
-              <a:t>2020-02-14</a:t>
+              <a:t>2020-02-15</a:t>
             </a:fld>
             <a:endParaRPr lang="ko-KR" altLang="en-US"/>
           </a:p>
@@ -1776,7 +1777,7 @@
           <a:p>
             <a:fld id="{EA1920B3-93D4-4ABB-A3FD-B5FA8E9A2E93}" type="datetimeFigureOut">
               <a:rPr lang="ko-KR" altLang="en-US" smtClean="0"/>
-              <a:t>2020-02-14</a:t>
+              <a:t>2020-02-15</a:t>
             </a:fld>
             <a:endParaRPr lang="ko-KR" altLang="en-US"/>
           </a:p>
@@ -2003,7 +2004,7 @@
           <a:p>
             <a:fld id="{EA1920B3-93D4-4ABB-A3FD-B5FA8E9A2E93}" type="datetimeFigureOut">
               <a:rPr lang="ko-KR" altLang="en-US" smtClean="0"/>
-              <a:t>2020-02-14</a:t>
+              <a:t>2020-02-15</a:t>
             </a:fld>
             <a:endParaRPr lang="ko-KR" altLang="en-US"/>
           </a:p>
@@ -2093,7 +2094,7 @@
           <a:p>
             <a:fld id="{EA1920B3-93D4-4ABB-A3FD-B5FA8E9A2E93}" type="datetimeFigureOut">
               <a:rPr lang="ko-KR" altLang="en-US" smtClean="0"/>
-              <a:t>2020-02-14</a:t>
+              <a:t>2020-02-15</a:t>
             </a:fld>
             <a:endParaRPr lang="ko-KR" altLang="en-US"/>
           </a:p>
@@ -2381,7 +2382,7 @@
           <a:p>
             <a:fld id="{EA1920B3-93D4-4ABB-A3FD-B5FA8E9A2E93}" type="datetimeFigureOut">
               <a:rPr lang="ko-KR" altLang="en-US" smtClean="0"/>
-              <a:t>2020-02-14</a:t>
+              <a:t>2020-02-15</a:t>
             </a:fld>
             <a:endParaRPr lang="ko-KR" altLang="en-US"/>
           </a:p>
@@ -2650,7 +2651,7 @@
           <a:p>
             <a:fld id="{EA1920B3-93D4-4ABB-A3FD-B5FA8E9A2E93}" type="datetimeFigureOut">
               <a:rPr lang="ko-KR" altLang="en-US" smtClean="0"/>
-              <a:t>2020-02-14</a:t>
+              <a:t>2020-02-15</a:t>
             </a:fld>
             <a:endParaRPr lang="ko-KR" altLang="en-US"/>
           </a:p>
@@ -2860,7 +2861,7 @@
           <a:p>
             <a:fld id="{EA1920B3-93D4-4ABB-A3FD-B5FA8E9A2E93}" type="datetimeFigureOut">
               <a:rPr lang="ko-KR" altLang="en-US" smtClean="0"/>
-              <a:t>2020-02-14</a:t>
+              <a:t>2020-02-15</a:t>
             </a:fld>
             <a:endParaRPr lang="ko-KR" altLang="en-US"/>
           </a:p>
@@ -3383,7 +3384,7 @@
           <p:cNvPr id="2" name="제목 1">
             <a:extLst>
               <a:ext uri="{FF2B5EF4-FFF2-40B4-BE49-F238E27FC236}">
-                <a16:creationId xmlns:a16="http://schemas.microsoft.com/office/drawing/2014/main" xmlns="" id="{67C687C3-A78E-477D-A57F-E7CA8E2CDECB}"/>
+                <a16:creationId xmlns="" xmlns:a16="http://schemas.microsoft.com/office/drawing/2014/main" id="{67C687C3-A78E-477D-A57F-E7CA8E2CDECB}"/>
               </a:ext>
             </a:extLst>
           </p:cNvPr>
@@ -3442,7 +3443,7 @@
           <p:cNvPr id="3" name="부제목 2">
             <a:extLst>
               <a:ext uri="{FF2B5EF4-FFF2-40B4-BE49-F238E27FC236}">
-                <a16:creationId xmlns:a16="http://schemas.microsoft.com/office/drawing/2014/main" xmlns="" id="{AC26165F-FDF1-4D05-A07A-71A6E90F228B}"/>
+                <a16:creationId xmlns="" xmlns:a16="http://schemas.microsoft.com/office/drawing/2014/main" id="{AC26165F-FDF1-4D05-A07A-71A6E90F228B}"/>
               </a:ext>
             </a:extLst>
           </p:cNvPr>
@@ -3547,8 +3548,8 @@
         </p:nvSpPr>
         <p:spPr>
           <a:xfrm>
-            <a:off x="891085" y="1595302"/>
-            <a:ext cx="3928050" cy="3841674"/>
+            <a:off x="281522" y="238898"/>
+            <a:ext cx="5056560" cy="6384326"/>
           </a:xfrm>
           <a:prstGeom prst="rect">
             <a:avLst/>
@@ -3594,14 +3595,14 @@
       </p:sp>
       <p:sp>
         <p:nvSpPr>
-          <p:cNvPr id="47" name="직사각형 46"/>
+          <p:cNvPr id="7" name="직사각형 6"/>
           <p:cNvSpPr/>
           <p:nvPr/>
         </p:nvSpPr>
         <p:spPr>
           <a:xfrm>
-            <a:off x="5498981" y="238898"/>
-            <a:ext cx="4514316" cy="6384326"/>
+            <a:off x="462752" y="387180"/>
+            <a:ext cx="3021813" cy="2471348"/>
           </a:xfrm>
           <a:prstGeom prst="rect">
             <a:avLst/>
@@ -3647,14 +3648,161 @@
       </p:sp>
       <p:sp>
         <p:nvSpPr>
-          <p:cNvPr id="83" name="TextBox 82"/>
+          <p:cNvPr id="6" name="타원 5"/>
+          <p:cNvSpPr/>
+          <p:nvPr/>
+        </p:nvSpPr>
+        <p:spPr>
+          <a:xfrm>
+            <a:off x="1973658" y="1490651"/>
+            <a:ext cx="982765" cy="846033"/>
+          </a:xfrm>
+          <a:prstGeom prst="ellipse">
+            <a:avLst/>
+          </a:prstGeom>
+          <a:solidFill>
+            <a:srgbClr val="FF0000"/>
+          </a:solidFill>
+          <a:ln>
+            <a:solidFill>
+              <a:srgbClr val="FF0000"/>
+            </a:solidFill>
+          </a:ln>
+        </p:spPr>
+        <p:style>
+          <a:lnRef idx="2">
+            <a:schemeClr val="accent1">
+              <a:shade val="50000"/>
+            </a:schemeClr>
+          </a:lnRef>
+          <a:fillRef idx="1">
+            <a:schemeClr val="accent1"/>
+          </a:fillRef>
+          <a:effectRef idx="0">
+            <a:schemeClr val="accent1"/>
+          </a:effectRef>
+          <a:fontRef idx="minor">
+            <a:schemeClr val="lt1"/>
+          </a:fontRef>
+        </p:style>
+        <p:txBody>
+          <a:bodyPr rtlCol="0" anchor="ctr"/>
+          <a:lstStyle/>
+          <a:p>
+            <a:pPr algn="ctr"/>
+            <a:r>
+              <a:rPr lang="ko-KR" altLang="en-US" sz="1000" dirty="0" smtClean="0"/>
+              <a:t>플레이어</a:t>
+            </a:r>
+            <a:endParaRPr lang="ko-KR" altLang="en-US" sz="1000" dirty="0"/>
+          </a:p>
+        </p:txBody>
+      </p:sp>
+      <p:sp>
+        <p:nvSpPr>
+          <p:cNvPr id="8" name="TextBox 7"/>
           <p:cNvSpPr txBox="1"/>
           <p:nvPr/>
         </p:nvSpPr>
         <p:spPr>
           <a:xfrm>
-            <a:off x="6679851" y="1008131"/>
-            <a:ext cx="2562899" cy="369332"/>
+            <a:off x="3601622" y="783609"/>
+            <a:ext cx="1521570" cy="1477328"/>
+          </a:xfrm>
+          <a:prstGeom prst="rect">
+            <a:avLst/>
+          </a:prstGeom>
+          <a:noFill/>
+        </p:spPr>
+        <p:txBody>
+          <a:bodyPr wrap="none" rtlCol="0">
+            <a:spAutoFit/>
+          </a:bodyPr>
+          <a:lstStyle/>
+          <a:p>
+            <a:r>
+              <a:rPr lang="en-US" altLang="ko-KR" dirty="0" smtClean="0"/>
+              <a:t>Name : </a:t>
+            </a:r>
+            <a:r>
+              <a:rPr lang="en-US" altLang="ko-KR" dirty="0" err="1" smtClean="0"/>
+              <a:t>Cuey</a:t>
+            </a:r>
+            <a:endParaRPr lang="en-US" altLang="ko-KR" dirty="0" smtClean="0"/>
+          </a:p>
+          <a:p>
+            <a:r>
+              <a:rPr lang="en-US" altLang="ko-KR" dirty="0" err="1" smtClean="0"/>
+              <a:t>Lv</a:t>
+            </a:r>
+            <a:r>
+              <a:rPr lang="en-US" altLang="ko-KR" dirty="0" smtClean="0"/>
+              <a:t> : 99</a:t>
+            </a:r>
+          </a:p>
+          <a:p>
+            <a:r>
+              <a:rPr lang="en-US" altLang="ko-KR" dirty="0" err="1" smtClean="0"/>
+              <a:t>Atk</a:t>
+            </a:r>
+            <a:r>
+              <a:rPr lang="en-US" altLang="ko-KR" dirty="0" smtClean="0"/>
+              <a:t> : 30 </a:t>
+            </a:r>
+            <a:r>
+              <a:rPr lang="en-US" altLang="ko-KR" sz="1500" dirty="0" smtClean="0">
+                <a:solidFill>
+                  <a:srgbClr val="FF0000"/>
+                </a:solidFill>
+              </a:rPr>
+              <a:t>+ 50</a:t>
+            </a:r>
+          </a:p>
+          <a:p>
+            <a:r>
+              <a:rPr lang="en-US" altLang="ko-KR" dirty="0" smtClean="0"/>
+              <a:t>Life : 4 </a:t>
+            </a:r>
+            <a:r>
+              <a:rPr lang="en-US" altLang="ko-KR" sz="1500" dirty="0" smtClean="0">
+                <a:solidFill>
+                  <a:srgbClr val="FF0000"/>
+                </a:solidFill>
+              </a:rPr>
+              <a:t>+ 3</a:t>
+            </a:r>
+          </a:p>
+          <a:p>
+            <a:r>
+              <a:rPr lang="en-US" altLang="ko-KR" dirty="0" smtClean="0"/>
+              <a:t>Speed: 5 </a:t>
+            </a:r>
+            <a:r>
+              <a:rPr lang="en-US" altLang="ko-KR" sz="1500" dirty="0" smtClean="0">
+                <a:solidFill>
+                  <a:srgbClr val="FF0000"/>
+                </a:solidFill>
+              </a:rPr>
+              <a:t>+ 4</a:t>
+            </a:r>
+            <a:endParaRPr lang="ko-KR" altLang="en-US" sz="1500" dirty="0">
+              <a:solidFill>
+                <a:srgbClr val="FF0000"/>
+              </a:solidFill>
+            </a:endParaRPr>
+          </a:p>
+        </p:txBody>
+      </p:sp>
+      <p:sp>
+        <p:nvSpPr>
+          <p:cNvPr id="15" name="TextBox 14"/>
+          <p:cNvSpPr txBox="1"/>
+          <p:nvPr/>
+        </p:nvSpPr>
+        <p:spPr>
+          <a:xfrm>
+            <a:off x="2050252" y="3105168"/>
+            <a:ext cx="2562899" cy="538609"/>
           </a:xfrm>
           <a:prstGeom prst="rect">
             <a:avLst/>
@@ -3667,20 +3815,476 @@
           </a:bodyPr>
           <a:lstStyle/>
           <a:p>
+            <a:r>
+              <a:rPr lang="ko-KR" altLang="en-US" dirty="0" smtClean="0"/>
+              <a:t>초심자의 검</a:t>
+            </a:r>
             <a:endParaRPr lang="en-US" altLang="ko-KR" dirty="0" smtClean="0"/>
+          </a:p>
+          <a:p>
+            <a:r>
+              <a:rPr lang="en-US" altLang="ko-KR" sz="1100" dirty="0" err="1" smtClean="0"/>
+              <a:t>Atk</a:t>
+            </a:r>
+            <a:r>
+              <a:rPr lang="en-US" altLang="ko-KR" sz="1100" dirty="0" smtClean="0"/>
+              <a:t> +50</a:t>
+            </a:r>
+          </a:p>
+        </p:txBody>
+      </p:sp>
+      <p:sp>
+        <p:nvSpPr>
+          <p:cNvPr id="16" name="직사각형 15"/>
+          <p:cNvSpPr/>
+          <p:nvPr/>
+        </p:nvSpPr>
+        <p:spPr>
+          <a:xfrm>
+            <a:off x="1392213" y="3171072"/>
+            <a:ext cx="579532" cy="562733"/>
+          </a:xfrm>
+          <a:prstGeom prst="rect">
+            <a:avLst/>
+          </a:prstGeom>
+          <a:solidFill>
+            <a:schemeClr val="accent1">
+              <a:alpha val="53000"/>
+            </a:schemeClr>
+          </a:solidFill>
+          <a:ln>
+            <a:solidFill>
+              <a:schemeClr val="accent1">
+                <a:shade val="50000"/>
+                <a:alpha val="44000"/>
+              </a:schemeClr>
+            </a:solidFill>
+          </a:ln>
+        </p:spPr>
+        <p:style>
+          <a:lnRef idx="2">
+            <a:schemeClr val="accent1">
+              <a:shade val="50000"/>
+            </a:schemeClr>
+          </a:lnRef>
+          <a:fillRef idx="1">
+            <a:schemeClr val="accent1"/>
+          </a:fillRef>
+          <a:effectRef idx="0">
+            <a:schemeClr val="accent1"/>
+          </a:effectRef>
+          <a:fontRef idx="minor">
+            <a:schemeClr val="lt1"/>
+          </a:fontRef>
+        </p:style>
+        <p:txBody>
+          <a:bodyPr rtlCol="0" anchor="ctr"/>
+          <a:lstStyle/>
+          <a:p>
+            <a:pPr algn="ctr"/>
+            <a:r>
+              <a:rPr lang="en-US" altLang="ko-KR" sz="1000" dirty="0" smtClean="0"/>
+              <a:t>Image</a:t>
+            </a:r>
+            <a:endParaRPr lang="ko-KR" altLang="en-US" sz="1000" dirty="0"/>
+          </a:p>
+        </p:txBody>
+      </p:sp>
+      <p:sp>
+        <p:nvSpPr>
+          <p:cNvPr id="17" name="직사각형 16"/>
+          <p:cNvSpPr/>
+          <p:nvPr/>
+        </p:nvSpPr>
+        <p:spPr>
+          <a:xfrm>
+            <a:off x="1392213" y="4075159"/>
+            <a:ext cx="579532" cy="562733"/>
+          </a:xfrm>
+          <a:prstGeom prst="rect">
+            <a:avLst/>
+          </a:prstGeom>
+          <a:solidFill>
+            <a:schemeClr val="accent1">
+              <a:alpha val="53000"/>
+            </a:schemeClr>
+          </a:solidFill>
+          <a:ln>
+            <a:solidFill>
+              <a:schemeClr val="accent1">
+                <a:shade val="50000"/>
+                <a:alpha val="44000"/>
+              </a:schemeClr>
+            </a:solidFill>
+          </a:ln>
+        </p:spPr>
+        <p:style>
+          <a:lnRef idx="2">
+            <a:schemeClr val="accent1">
+              <a:shade val="50000"/>
+            </a:schemeClr>
+          </a:lnRef>
+          <a:fillRef idx="1">
+            <a:schemeClr val="accent1"/>
+          </a:fillRef>
+          <a:effectRef idx="0">
+            <a:schemeClr val="accent1"/>
+          </a:effectRef>
+          <a:fontRef idx="minor">
+            <a:schemeClr val="lt1"/>
+          </a:fontRef>
+        </p:style>
+        <p:txBody>
+          <a:bodyPr rtlCol="0" anchor="ctr"/>
+          <a:lstStyle/>
+          <a:p>
+            <a:pPr algn="ctr"/>
+            <a:r>
+              <a:rPr lang="en-US" altLang="ko-KR" sz="1000" dirty="0" smtClean="0"/>
+              <a:t>Image</a:t>
+            </a:r>
+            <a:endParaRPr lang="ko-KR" altLang="en-US" sz="1000" dirty="0"/>
+          </a:p>
+        </p:txBody>
+      </p:sp>
+      <p:sp>
+        <p:nvSpPr>
+          <p:cNvPr id="18" name="직사각형 17"/>
+          <p:cNvSpPr/>
+          <p:nvPr/>
+        </p:nvSpPr>
+        <p:spPr>
+          <a:xfrm>
+            <a:off x="1392213" y="4989564"/>
+            <a:ext cx="579532" cy="562733"/>
+          </a:xfrm>
+          <a:prstGeom prst="rect">
+            <a:avLst/>
+          </a:prstGeom>
+          <a:solidFill>
+            <a:schemeClr val="accent1">
+              <a:alpha val="53000"/>
+            </a:schemeClr>
+          </a:solidFill>
+          <a:ln>
+            <a:solidFill>
+              <a:schemeClr val="accent1">
+                <a:shade val="50000"/>
+                <a:alpha val="44000"/>
+              </a:schemeClr>
+            </a:solidFill>
+          </a:ln>
+        </p:spPr>
+        <p:style>
+          <a:lnRef idx="2">
+            <a:schemeClr val="accent1">
+              <a:shade val="50000"/>
+            </a:schemeClr>
+          </a:lnRef>
+          <a:fillRef idx="1">
+            <a:schemeClr val="accent1"/>
+          </a:fillRef>
+          <a:effectRef idx="0">
+            <a:schemeClr val="accent1"/>
+          </a:effectRef>
+          <a:fontRef idx="minor">
+            <a:schemeClr val="lt1"/>
+          </a:fontRef>
+        </p:style>
+        <p:txBody>
+          <a:bodyPr rtlCol="0" anchor="ctr"/>
+          <a:lstStyle/>
+          <a:p>
+            <a:pPr algn="ctr"/>
+            <a:r>
+              <a:rPr lang="en-US" altLang="ko-KR" sz="1000" dirty="0" smtClean="0"/>
+              <a:t>Image</a:t>
+            </a:r>
+            <a:endParaRPr lang="ko-KR" altLang="en-US" sz="1000" dirty="0"/>
+          </a:p>
+        </p:txBody>
+      </p:sp>
+      <p:sp>
+        <p:nvSpPr>
+          <p:cNvPr id="20" name="직사각형 19"/>
+          <p:cNvSpPr/>
+          <p:nvPr/>
+        </p:nvSpPr>
+        <p:spPr>
+          <a:xfrm>
+            <a:off x="418934" y="3478116"/>
+            <a:ext cx="832036" cy="296562"/>
+          </a:xfrm>
+          <a:prstGeom prst="rect">
+            <a:avLst/>
+          </a:prstGeom>
+          <a:solidFill>
+            <a:schemeClr val="accent6">
+              <a:lumMod val="60000"/>
+              <a:lumOff val="40000"/>
+            </a:schemeClr>
+          </a:solidFill>
+          <a:ln>
+            <a:solidFill>
+              <a:schemeClr val="bg1">
+                <a:lumMod val="65000"/>
+              </a:schemeClr>
+            </a:solidFill>
+          </a:ln>
+        </p:spPr>
+        <p:style>
+          <a:lnRef idx="2">
+            <a:schemeClr val="accent4">
+              <a:shade val="50000"/>
+            </a:schemeClr>
+          </a:lnRef>
+          <a:fillRef idx="1">
+            <a:schemeClr val="accent4"/>
+          </a:fillRef>
+          <a:effectRef idx="0">
+            <a:schemeClr val="accent4"/>
+          </a:effectRef>
+          <a:fontRef idx="minor">
+            <a:schemeClr val="lt1"/>
+          </a:fontRef>
+        </p:style>
+        <p:txBody>
+          <a:bodyPr rtlCol="0" anchor="ctr"/>
+          <a:lstStyle/>
+          <a:p>
+            <a:pPr algn="ctr"/>
+            <a:r>
+              <a:rPr lang="ko-KR" altLang="en-US" sz="1000" dirty="0" smtClean="0">
+                <a:solidFill>
+                  <a:srgbClr val="002060"/>
+                </a:solidFill>
+              </a:rPr>
+              <a:t>장착해제</a:t>
+            </a:r>
+            <a:endParaRPr lang="ko-KR" altLang="en-US" sz="1000" dirty="0">
+              <a:solidFill>
+                <a:srgbClr val="002060"/>
+              </a:solidFill>
+            </a:endParaRPr>
+          </a:p>
+        </p:txBody>
+      </p:sp>
+      <p:sp>
+        <p:nvSpPr>
+          <p:cNvPr id="21" name="직사각형 20"/>
+          <p:cNvSpPr/>
+          <p:nvPr/>
+        </p:nvSpPr>
+        <p:spPr>
+          <a:xfrm>
+            <a:off x="2050253" y="4009255"/>
+            <a:ext cx="3448728" cy="538609"/>
+          </a:xfrm>
+          <a:prstGeom prst="rect">
+            <a:avLst/>
+          </a:prstGeom>
+        </p:spPr>
+        <p:txBody>
+          <a:bodyPr wrap="square">
+            <a:spAutoFit/>
+          </a:bodyPr>
+          <a:lstStyle/>
+          <a:p>
+            <a:r>
+              <a:rPr lang="ko-KR" altLang="en-US" dirty="0" smtClean="0"/>
+              <a:t>튼튼한 갑옷</a:t>
+            </a:r>
+            <a:endParaRPr lang="en-US" altLang="ko-KR" dirty="0"/>
+          </a:p>
+          <a:p>
+            <a:r>
+              <a:rPr lang="en-US" altLang="ko-KR" sz="1100" dirty="0" smtClean="0"/>
+              <a:t>Life +3</a:t>
+            </a:r>
+            <a:endParaRPr lang="en-US" altLang="ko-KR" sz="1100" dirty="0"/>
+          </a:p>
+        </p:txBody>
+      </p:sp>
+      <p:sp>
+        <p:nvSpPr>
+          <p:cNvPr id="22" name="직사각형 21"/>
+          <p:cNvSpPr/>
+          <p:nvPr/>
+        </p:nvSpPr>
+        <p:spPr>
+          <a:xfrm>
+            <a:off x="2050253" y="4923660"/>
+            <a:ext cx="3448728" cy="538609"/>
+          </a:xfrm>
+          <a:prstGeom prst="rect">
+            <a:avLst/>
+          </a:prstGeom>
+        </p:spPr>
+        <p:txBody>
+          <a:bodyPr wrap="square">
+            <a:spAutoFit/>
+          </a:bodyPr>
+          <a:lstStyle/>
+          <a:p>
+            <a:r>
+              <a:rPr lang="ko-KR" altLang="en-US" dirty="0" err="1" smtClean="0"/>
+              <a:t>헤르메스의</a:t>
+            </a:r>
+            <a:r>
+              <a:rPr lang="ko-KR" altLang="en-US" dirty="0" smtClean="0"/>
+              <a:t> 신발</a:t>
+            </a:r>
+            <a:endParaRPr lang="en-US" altLang="ko-KR" dirty="0"/>
+          </a:p>
+          <a:p>
+            <a:r>
+              <a:rPr lang="en-US" altLang="ko-KR" sz="1100" dirty="0" smtClean="0"/>
+              <a:t>Speed +4</a:t>
+            </a:r>
+            <a:endParaRPr lang="en-US" altLang="ko-KR" sz="1100" dirty="0"/>
+          </a:p>
+        </p:txBody>
+      </p:sp>
+      <p:sp>
+        <p:nvSpPr>
+          <p:cNvPr id="23" name="직사각형 22"/>
+          <p:cNvSpPr/>
+          <p:nvPr/>
+        </p:nvSpPr>
+        <p:spPr>
+          <a:xfrm>
+            <a:off x="418934" y="4392513"/>
+            <a:ext cx="832036" cy="296562"/>
+          </a:xfrm>
+          <a:prstGeom prst="rect">
+            <a:avLst/>
+          </a:prstGeom>
+          <a:solidFill>
+            <a:schemeClr val="accent6">
+              <a:lumMod val="60000"/>
+              <a:lumOff val="40000"/>
+            </a:schemeClr>
+          </a:solidFill>
+          <a:ln>
+            <a:solidFill>
+              <a:schemeClr val="bg1">
+                <a:lumMod val="65000"/>
+              </a:schemeClr>
+            </a:solidFill>
+          </a:ln>
+        </p:spPr>
+        <p:style>
+          <a:lnRef idx="2">
+            <a:schemeClr val="accent4">
+              <a:shade val="50000"/>
+            </a:schemeClr>
+          </a:lnRef>
+          <a:fillRef idx="1">
+            <a:schemeClr val="accent4"/>
+          </a:fillRef>
+          <a:effectRef idx="0">
+            <a:schemeClr val="accent4"/>
+          </a:effectRef>
+          <a:fontRef idx="minor">
+            <a:schemeClr val="lt1"/>
+          </a:fontRef>
+        </p:style>
+        <p:txBody>
+          <a:bodyPr rtlCol="0" anchor="ctr"/>
+          <a:lstStyle/>
+          <a:p>
+            <a:pPr algn="ctr"/>
+            <a:r>
+              <a:rPr lang="ko-KR" altLang="en-US" sz="1000" dirty="0" smtClean="0">
+                <a:solidFill>
+                  <a:srgbClr val="002060"/>
+                </a:solidFill>
+              </a:rPr>
+              <a:t>장착해제</a:t>
+            </a:r>
+            <a:endParaRPr lang="ko-KR" altLang="en-US" sz="1000" dirty="0">
+              <a:solidFill>
+                <a:srgbClr val="002060"/>
+              </a:solidFill>
+            </a:endParaRPr>
+          </a:p>
+        </p:txBody>
+      </p:sp>
+      <p:sp>
+        <p:nvSpPr>
+          <p:cNvPr id="24" name="직사각형 23"/>
+          <p:cNvSpPr/>
+          <p:nvPr/>
+        </p:nvSpPr>
+        <p:spPr>
+          <a:xfrm>
+            <a:off x="417432" y="5313394"/>
+            <a:ext cx="832036" cy="296562"/>
+          </a:xfrm>
+          <a:prstGeom prst="rect">
+            <a:avLst/>
+          </a:prstGeom>
+          <a:solidFill>
+            <a:schemeClr val="accent6">
+              <a:lumMod val="60000"/>
+              <a:lumOff val="40000"/>
+            </a:schemeClr>
+          </a:solidFill>
+          <a:ln>
+            <a:solidFill>
+              <a:schemeClr val="bg1">
+                <a:lumMod val="65000"/>
+              </a:schemeClr>
+            </a:solidFill>
+          </a:ln>
+        </p:spPr>
+        <p:style>
+          <a:lnRef idx="2">
+            <a:schemeClr val="accent4">
+              <a:shade val="50000"/>
+            </a:schemeClr>
+          </a:lnRef>
+          <a:fillRef idx="1">
+            <a:schemeClr val="accent4"/>
+          </a:fillRef>
+          <a:effectRef idx="0">
+            <a:schemeClr val="accent4"/>
+          </a:effectRef>
+          <a:fontRef idx="minor">
+            <a:schemeClr val="lt1"/>
+          </a:fontRef>
+        </p:style>
+        <p:txBody>
+          <a:bodyPr rtlCol="0" anchor="ctr"/>
+          <a:lstStyle/>
+          <a:p>
+            <a:pPr algn="ctr"/>
+            <a:r>
+              <a:rPr lang="ko-KR" altLang="en-US" sz="1000" dirty="0" smtClean="0">
+                <a:solidFill>
+                  <a:srgbClr val="002060"/>
+                </a:solidFill>
+              </a:rPr>
+              <a:t>장착해제</a:t>
+            </a:r>
+            <a:endParaRPr lang="ko-KR" altLang="en-US" sz="1000" dirty="0">
+              <a:solidFill>
+                <a:srgbClr val="002060"/>
+              </a:solidFill>
+            </a:endParaRPr>
           </a:p>
         </p:txBody>
       </p:sp>
       <p:cxnSp>
         <p:nvCxnSpPr>
-          <p:cNvPr id="86" name="직선 연결선 85"/>
+          <p:cNvPr id="26" name="직선 연결선 25"/>
           <p:cNvCxnSpPr/>
           <p:nvPr/>
         </p:nvCxnSpPr>
         <p:spPr>
           <a:xfrm>
-            <a:off x="5599708" y="879384"/>
-            <a:ext cx="4318765" cy="0"/>
+            <a:off x="358555" y="2990335"/>
+            <a:ext cx="4904680" cy="0"/>
           </a:xfrm>
           <a:prstGeom prst="line">
             <a:avLst/>
@@ -3703,13 +4307,696 @@
       </p:cxnSp>
       <p:sp>
         <p:nvSpPr>
+          <p:cNvPr id="27" name="직사각형 26"/>
+          <p:cNvSpPr/>
+          <p:nvPr/>
+        </p:nvSpPr>
+        <p:spPr>
+          <a:xfrm>
+            <a:off x="506839" y="3075832"/>
+            <a:ext cx="646331" cy="369332"/>
+          </a:xfrm>
+          <a:prstGeom prst="rect">
+            <a:avLst/>
+          </a:prstGeom>
+        </p:spPr>
+        <p:txBody>
+          <a:bodyPr wrap="none">
+            <a:spAutoFit/>
+          </a:bodyPr>
+          <a:lstStyle/>
+          <a:p>
+            <a:r>
+              <a:rPr lang="ko-KR" altLang="en-US" dirty="0"/>
+              <a:t>무기</a:t>
+            </a:r>
+          </a:p>
+        </p:txBody>
+      </p:sp>
+      <p:sp>
+        <p:nvSpPr>
+          <p:cNvPr id="28" name="직사각형 27"/>
+          <p:cNvSpPr/>
+          <p:nvPr/>
+        </p:nvSpPr>
+        <p:spPr>
+          <a:xfrm>
+            <a:off x="623382" y="3990229"/>
+            <a:ext cx="415498" cy="369332"/>
+          </a:xfrm>
+          <a:prstGeom prst="rect">
+            <a:avLst/>
+          </a:prstGeom>
+        </p:spPr>
+        <p:txBody>
+          <a:bodyPr wrap="none">
+            <a:spAutoFit/>
+          </a:bodyPr>
+          <a:lstStyle/>
+          <a:p>
+            <a:r>
+              <a:rPr lang="ko-KR" altLang="en-US" dirty="0" smtClean="0"/>
+              <a:t>옷</a:t>
+            </a:r>
+            <a:endParaRPr lang="ko-KR" altLang="en-US" dirty="0"/>
+          </a:p>
+        </p:txBody>
+      </p:sp>
+      <p:sp>
+        <p:nvSpPr>
+          <p:cNvPr id="29" name="직사각형 28"/>
+          <p:cNvSpPr/>
+          <p:nvPr/>
+        </p:nvSpPr>
+        <p:spPr>
+          <a:xfrm>
+            <a:off x="490363" y="4906893"/>
+            <a:ext cx="646331" cy="369332"/>
+          </a:xfrm>
+          <a:prstGeom prst="rect">
+            <a:avLst/>
+          </a:prstGeom>
+        </p:spPr>
+        <p:txBody>
+          <a:bodyPr wrap="none">
+            <a:spAutoFit/>
+          </a:bodyPr>
+          <a:lstStyle/>
+          <a:p>
+            <a:r>
+              <a:rPr lang="ko-KR" altLang="en-US" dirty="0" smtClean="0"/>
+              <a:t>신발</a:t>
+            </a:r>
+            <a:endParaRPr lang="ko-KR" altLang="en-US" dirty="0"/>
+          </a:p>
+        </p:txBody>
+      </p:sp>
+      <p:cxnSp>
+        <p:nvCxnSpPr>
+          <p:cNvPr id="30" name="직선 연결선 29"/>
+          <p:cNvCxnSpPr/>
+          <p:nvPr/>
+        </p:nvCxnSpPr>
+        <p:spPr>
+          <a:xfrm>
+            <a:off x="358555" y="3904728"/>
+            <a:ext cx="4904680" cy="0"/>
+          </a:xfrm>
+          <a:prstGeom prst="line">
+            <a:avLst/>
+          </a:prstGeom>
+        </p:spPr>
+        <p:style>
+          <a:lnRef idx="1">
+            <a:schemeClr val="accent1"/>
+          </a:lnRef>
+          <a:fillRef idx="0">
+            <a:schemeClr val="accent1"/>
+          </a:fillRef>
+          <a:effectRef idx="0">
+            <a:schemeClr val="accent1"/>
+          </a:effectRef>
+          <a:fontRef idx="minor">
+            <a:schemeClr val="tx1"/>
+          </a:fontRef>
+        </p:style>
+      </p:cxnSp>
+      <p:cxnSp>
+        <p:nvCxnSpPr>
+          <p:cNvPr id="32" name="직선 연결선 31"/>
+          <p:cNvCxnSpPr/>
+          <p:nvPr/>
+        </p:nvCxnSpPr>
+        <p:spPr>
+          <a:xfrm>
+            <a:off x="342079" y="4808805"/>
+            <a:ext cx="4921156" cy="0"/>
+          </a:xfrm>
+          <a:prstGeom prst="line">
+            <a:avLst/>
+          </a:prstGeom>
+        </p:spPr>
+        <p:style>
+          <a:lnRef idx="1">
+            <a:schemeClr val="accent1"/>
+          </a:lnRef>
+          <a:fillRef idx="0">
+            <a:schemeClr val="accent1"/>
+          </a:fillRef>
+          <a:effectRef idx="0">
+            <a:schemeClr val="accent1"/>
+          </a:effectRef>
+          <a:fontRef idx="minor">
+            <a:schemeClr val="tx1"/>
+          </a:fontRef>
+        </p:style>
+      </p:cxnSp>
+      <p:sp>
+        <p:nvSpPr>
+          <p:cNvPr id="41" name="직사각형 40"/>
+          <p:cNvSpPr/>
+          <p:nvPr/>
+        </p:nvSpPr>
+        <p:spPr>
+          <a:xfrm>
+            <a:off x="1391002" y="5903964"/>
+            <a:ext cx="579532" cy="562733"/>
+          </a:xfrm>
+          <a:prstGeom prst="rect">
+            <a:avLst/>
+          </a:prstGeom>
+          <a:solidFill>
+            <a:schemeClr val="accent1">
+              <a:alpha val="53000"/>
+            </a:schemeClr>
+          </a:solidFill>
+          <a:ln>
+            <a:solidFill>
+              <a:schemeClr val="accent1">
+                <a:shade val="50000"/>
+                <a:alpha val="44000"/>
+              </a:schemeClr>
+            </a:solidFill>
+          </a:ln>
+        </p:spPr>
+        <p:style>
+          <a:lnRef idx="2">
+            <a:schemeClr val="accent1">
+              <a:shade val="50000"/>
+            </a:schemeClr>
+          </a:lnRef>
+          <a:fillRef idx="1">
+            <a:schemeClr val="accent1"/>
+          </a:fillRef>
+          <a:effectRef idx="0">
+            <a:schemeClr val="accent1"/>
+          </a:effectRef>
+          <a:fontRef idx="minor">
+            <a:schemeClr val="lt1"/>
+          </a:fontRef>
+        </p:style>
+        <p:txBody>
+          <a:bodyPr rtlCol="0" anchor="ctr"/>
+          <a:lstStyle/>
+          <a:p>
+            <a:pPr algn="ctr"/>
+            <a:r>
+              <a:rPr lang="en-US" altLang="ko-KR" sz="1000" dirty="0" smtClean="0"/>
+              <a:t>Image</a:t>
+            </a:r>
+            <a:endParaRPr lang="ko-KR" altLang="en-US" sz="1000" dirty="0"/>
+          </a:p>
+        </p:txBody>
+      </p:sp>
+      <p:sp>
+        <p:nvSpPr>
+          <p:cNvPr id="42" name="직사각형 41"/>
+          <p:cNvSpPr/>
+          <p:nvPr/>
+        </p:nvSpPr>
+        <p:spPr>
+          <a:xfrm>
+            <a:off x="2049042" y="5838060"/>
+            <a:ext cx="3448728" cy="538609"/>
+          </a:xfrm>
+          <a:prstGeom prst="rect">
+            <a:avLst/>
+          </a:prstGeom>
+        </p:spPr>
+        <p:txBody>
+          <a:bodyPr wrap="square">
+            <a:spAutoFit/>
+          </a:bodyPr>
+          <a:lstStyle/>
+          <a:p>
+            <a:r>
+              <a:rPr lang="ko-KR" altLang="en-US" dirty="0" smtClean="0"/>
+              <a:t>골</a:t>
+            </a:r>
+            <a:r>
+              <a:rPr lang="ko-KR" altLang="en-US" dirty="0"/>
+              <a:t>드</a:t>
+            </a:r>
+            <a:r>
+              <a:rPr lang="ko-KR" altLang="en-US" dirty="0" smtClean="0"/>
+              <a:t> </a:t>
+            </a:r>
+            <a:r>
+              <a:rPr lang="ko-KR" altLang="en-US" dirty="0" err="1" smtClean="0"/>
+              <a:t>슬라임</a:t>
+            </a:r>
+            <a:endParaRPr lang="en-US" altLang="ko-KR" dirty="0" smtClean="0"/>
+          </a:p>
+          <a:p>
+            <a:r>
+              <a:rPr lang="en-US" altLang="ko-KR" sz="1100" dirty="0" smtClean="0"/>
+              <a:t>60</a:t>
+            </a:r>
+            <a:r>
+              <a:rPr lang="ko-KR" altLang="en-US" sz="1100" dirty="0" smtClean="0"/>
+              <a:t>초마다 </a:t>
+            </a:r>
+            <a:r>
+              <a:rPr lang="en-US" altLang="ko-KR" sz="1100" dirty="0"/>
+              <a:t>5</a:t>
+            </a:r>
+            <a:r>
+              <a:rPr lang="en-US" altLang="ko-KR" sz="1100" dirty="0" smtClean="0"/>
+              <a:t>G </a:t>
+            </a:r>
+            <a:r>
+              <a:rPr lang="ko-KR" altLang="en-US" sz="1100" dirty="0" smtClean="0"/>
+              <a:t>획득</a:t>
+            </a:r>
+            <a:endParaRPr lang="en-US" altLang="ko-KR" sz="1100" dirty="0"/>
+          </a:p>
+        </p:txBody>
+      </p:sp>
+      <p:sp>
+        <p:nvSpPr>
+          <p:cNvPr id="43" name="직사각형 42"/>
+          <p:cNvSpPr/>
+          <p:nvPr/>
+        </p:nvSpPr>
+        <p:spPr>
+          <a:xfrm>
+            <a:off x="416221" y="6227794"/>
+            <a:ext cx="832036" cy="296562"/>
+          </a:xfrm>
+          <a:prstGeom prst="rect">
+            <a:avLst/>
+          </a:prstGeom>
+          <a:solidFill>
+            <a:schemeClr val="accent6">
+              <a:lumMod val="60000"/>
+              <a:lumOff val="40000"/>
+            </a:schemeClr>
+          </a:solidFill>
+          <a:ln>
+            <a:solidFill>
+              <a:schemeClr val="bg1">
+                <a:lumMod val="65000"/>
+              </a:schemeClr>
+            </a:solidFill>
+          </a:ln>
+        </p:spPr>
+        <p:style>
+          <a:lnRef idx="2">
+            <a:schemeClr val="accent4">
+              <a:shade val="50000"/>
+            </a:schemeClr>
+          </a:lnRef>
+          <a:fillRef idx="1">
+            <a:schemeClr val="accent4"/>
+          </a:fillRef>
+          <a:effectRef idx="0">
+            <a:schemeClr val="accent4"/>
+          </a:effectRef>
+          <a:fontRef idx="minor">
+            <a:schemeClr val="lt1"/>
+          </a:fontRef>
+        </p:style>
+        <p:txBody>
+          <a:bodyPr rtlCol="0" anchor="ctr"/>
+          <a:lstStyle/>
+          <a:p>
+            <a:pPr algn="ctr"/>
+            <a:r>
+              <a:rPr lang="ko-KR" altLang="en-US" sz="1000" dirty="0" smtClean="0">
+                <a:solidFill>
+                  <a:srgbClr val="002060"/>
+                </a:solidFill>
+              </a:rPr>
+              <a:t>장착해제</a:t>
+            </a:r>
+            <a:endParaRPr lang="ko-KR" altLang="en-US" sz="1000" dirty="0">
+              <a:solidFill>
+                <a:srgbClr val="002060"/>
+              </a:solidFill>
+            </a:endParaRPr>
+          </a:p>
+        </p:txBody>
+      </p:sp>
+      <p:sp>
+        <p:nvSpPr>
+          <p:cNvPr id="44" name="직사각형 43"/>
+          <p:cNvSpPr/>
+          <p:nvPr/>
+        </p:nvSpPr>
+        <p:spPr>
+          <a:xfrm>
+            <a:off x="620960" y="5821293"/>
+            <a:ext cx="415498" cy="369332"/>
+          </a:xfrm>
+          <a:prstGeom prst="rect">
+            <a:avLst/>
+          </a:prstGeom>
+        </p:spPr>
+        <p:txBody>
+          <a:bodyPr wrap="none">
+            <a:spAutoFit/>
+          </a:bodyPr>
+          <a:lstStyle/>
+          <a:p>
+            <a:r>
+              <a:rPr lang="ko-KR" altLang="en-US" dirty="0" err="1"/>
+              <a:t>펫</a:t>
+            </a:r>
+            <a:endParaRPr lang="ko-KR" altLang="en-US" dirty="0"/>
+          </a:p>
+        </p:txBody>
+      </p:sp>
+      <p:cxnSp>
+        <p:nvCxnSpPr>
+          <p:cNvPr id="45" name="직선 연결선 44"/>
+          <p:cNvCxnSpPr/>
+          <p:nvPr/>
+        </p:nvCxnSpPr>
+        <p:spPr>
+          <a:xfrm>
+            <a:off x="349106" y="5723205"/>
+            <a:ext cx="4914129" cy="0"/>
+          </a:xfrm>
+          <a:prstGeom prst="line">
+            <a:avLst/>
+          </a:prstGeom>
+        </p:spPr>
+        <p:style>
+          <a:lnRef idx="1">
+            <a:schemeClr val="accent1"/>
+          </a:lnRef>
+          <a:fillRef idx="0">
+            <a:schemeClr val="accent1"/>
+          </a:fillRef>
+          <a:effectRef idx="0">
+            <a:schemeClr val="accent1"/>
+          </a:effectRef>
+          <a:fontRef idx="minor">
+            <a:schemeClr val="tx1"/>
+          </a:fontRef>
+        </p:style>
+      </p:cxnSp>
+      <p:sp>
+        <p:nvSpPr>
+          <p:cNvPr id="46" name="타원 45"/>
+          <p:cNvSpPr/>
+          <p:nvPr/>
+        </p:nvSpPr>
+        <p:spPr>
+          <a:xfrm>
+            <a:off x="942046" y="1929657"/>
+            <a:ext cx="461473" cy="435835"/>
+          </a:xfrm>
+          <a:prstGeom prst="ellipse">
+            <a:avLst/>
+          </a:prstGeom>
+          <a:solidFill>
+            <a:srgbClr val="00B050"/>
+          </a:solidFill>
+        </p:spPr>
+        <p:style>
+          <a:lnRef idx="2">
+            <a:schemeClr val="accent1">
+              <a:shade val="50000"/>
+            </a:schemeClr>
+          </a:lnRef>
+          <a:fillRef idx="1">
+            <a:schemeClr val="accent1"/>
+          </a:fillRef>
+          <a:effectRef idx="0">
+            <a:schemeClr val="accent1"/>
+          </a:effectRef>
+          <a:fontRef idx="minor">
+            <a:schemeClr val="lt1"/>
+          </a:fontRef>
+        </p:style>
+        <p:txBody>
+          <a:bodyPr rtlCol="0" anchor="ctr"/>
+          <a:lstStyle/>
+          <a:p>
+            <a:pPr algn="ctr"/>
+            <a:r>
+              <a:rPr lang="ko-KR" altLang="en-US" sz="1000" smtClean="0"/>
+              <a:t>펫</a:t>
+            </a:r>
+            <a:endParaRPr lang="ko-KR" altLang="en-US" sz="1000"/>
+          </a:p>
+        </p:txBody>
+      </p:sp>
+      <p:sp>
+        <p:nvSpPr>
+          <p:cNvPr id="47" name="직사각형 46"/>
+          <p:cNvSpPr/>
+          <p:nvPr/>
+        </p:nvSpPr>
+        <p:spPr>
+          <a:xfrm>
+            <a:off x="5498981" y="238898"/>
+            <a:ext cx="4514316" cy="6384326"/>
+          </a:xfrm>
+          <a:prstGeom prst="rect">
+            <a:avLst/>
+          </a:prstGeom>
+          <a:solidFill>
+            <a:schemeClr val="accent6">
+              <a:alpha val="19000"/>
+            </a:schemeClr>
+          </a:solidFill>
+          <a:ln>
+            <a:solidFill>
+              <a:schemeClr val="accent6">
+                <a:shade val="50000"/>
+                <a:alpha val="33000"/>
+              </a:schemeClr>
+            </a:solidFill>
+          </a:ln>
+        </p:spPr>
+        <p:style>
+          <a:lnRef idx="2">
+            <a:schemeClr val="accent6">
+              <a:shade val="50000"/>
+            </a:schemeClr>
+          </a:lnRef>
+          <a:fillRef idx="1">
+            <a:schemeClr val="accent6"/>
+          </a:fillRef>
+          <a:effectRef idx="0">
+            <a:schemeClr val="accent6"/>
+          </a:effectRef>
+          <a:fontRef idx="minor">
+            <a:schemeClr val="lt1"/>
+          </a:fontRef>
+        </p:style>
+        <p:txBody>
+          <a:bodyPr rtlCol="0" anchor="ctr"/>
+          <a:lstStyle/>
+          <a:p>
+            <a:pPr algn="ctr"/>
+            <a:endParaRPr lang="ko-KR" altLang="en-US"/>
+          </a:p>
+        </p:txBody>
+      </p:sp>
+      <p:sp>
+        <p:nvSpPr>
+          <p:cNvPr id="83" name="TextBox 82"/>
+          <p:cNvSpPr txBox="1"/>
+          <p:nvPr/>
+        </p:nvSpPr>
+        <p:spPr>
+          <a:xfrm>
+            <a:off x="7048124" y="994217"/>
+            <a:ext cx="2562899" cy="538609"/>
+          </a:xfrm>
+          <a:prstGeom prst="rect">
+            <a:avLst/>
+          </a:prstGeom>
+          <a:noFill/>
+        </p:spPr>
+        <p:txBody>
+          <a:bodyPr wrap="square" rtlCol="0">
+            <a:spAutoFit/>
+          </a:bodyPr>
+          <a:lstStyle/>
+          <a:p>
+            <a:r>
+              <a:rPr lang="ko-KR" altLang="en-US" dirty="0" smtClean="0"/>
+              <a:t>초심자의 검</a:t>
+            </a:r>
+            <a:endParaRPr lang="en-US" altLang="ko-KR" dirty="0" smtClean="0"/>
+          </a:p>
+          <a:p>
+            <a:r>
+              <a:rPr lang="en-US" altLang="ko-KR" sz="1100" dirty="0" err="1" smtClean="0"/>
+              <a:t>Atk</a:t>
+            </a:r>
+            <a:r>
+              <a:rPr lang="en-US" altLang="ko-KR" sz="1100" dirty="0" smtClean="0"/>
+              <a:t> +50</a:t>
+            </a:r>
+          </a:p>
+        </p:txBody>
+      </p:sp>
+      <p:sp>
+        <p:nvSpPr>
+          <p:cNvPr id="84" name="직사각형 83"/>
+          <p:cNvSpPr/>
+          <p:nvPr/>
+        </p:nvSpPr>
+        <p:spPr>
+          <a:xfrm>
+            <a:off x="6390085" y="1060121"/>
+            <a:ext cx="579532" cy="562733"/>
+          </a:xfrm>
+          <a:prstGeom prst="rect">
+            <a:avLst/>
+          </a:prstGeom>
+          <a:solidFill>
+            <a:schemeClr val="accent1">
+              <a:alpha val="53000"/>
+            </a:schemeClr>
+          </a:solidFill>
+          <a:ln>
+            <a:solidFill>
+              <a:schemeClr val="accent1">
+                <a:shade val="50000"/>
+                <a:alpha val="44000"/>
+              </a:schemeClr>
+            </a:solidFill>
+          </a:ln>
+        </p:spPr>
+        <p:style>
+          <a:lnRef idx="2">
+            <a:schemeClr val="accent1">
+              <a:shade val="50000"/>
+            </a:schemeClr>
+          </a:lnRef>
+          <a:fillRef idx="1">
+            <a:schemeClr val="accent1"/>
+          </a:fillRef>
+          <a:effectRef idx="0">
+            <a:schemeClr val="accent1"/>
+          </a:effectRef>
+          <a:fontRef idx="minor">
+            <a:schemeClr val="lt1"/>
+          </a:fontRef>
+        </p:style>
+        <p:txBody>
+          <a:bodyPr rtlCol="0" anchor="ctr"/>
+          <a:lstStyle/>
+          <a:p>
+            <a:pPr algn="ctr"/>
+            <a:r>
+              <a:rPr lang="en-US" altLang="ko-KR" sz="1000" dirty="0" smtClean="0"/>
+              <a:t>Image</a:t>
+            </a:r>
+            <a:endParaRPr lang="ko-KR" altLang="en-US" sz="1000" dirty="0"/>
+          </a:p>
+        </p:txBody>
+      </p:sp>
+      <p:sp>
+        <p:nvSpPr>
+          <p:cNvPr id="85" name="직사각형 84"/>
+          <p:cNvSpPr/>
+          <p:nvPr/>
+        </p:nvSpPr>
+        <p:spPr>
+          <a:xfrm>
+            <a:off x="5634920" y="1367165"/>
+            <a:ext cx="616352" cy="296562"/>
+          </a:xfrm>
+          <a:prstGeom prst="rect">
+            <a:avLst/>
+          </a:prstGeom>
+          <a:solidFill>
+            <a:schemeClr val="accent6">
+              <a:lumMod val="60000"/>
+              <a:lumOff val="40000"/>
+            </a:schemeClr>
+          </a:solidFill>
+          <a:ln>
+            <a:solidFill>
+              <a:schemeClr val="bg1">
+                <a:lumMod val="65000"/>
+              </a:schemeClr>
+            </a:solidFill>
+          </a:ln>
+        </p:spPr>
+        <p:style>
+          <a:lnRef idx="2">
+            <a:schemeClr val="accent4">
+              <a:shade val="50000"/>
+            </a:schemeClr>
+          </a:lnRef>
+          <a:fillRef idx="1">
+            <a:schemeClr val="accent4"/>
+          </a:fillRef>
+          <a:effectRef idx="0">
+            <a:schemeClr val="accent4"/>
+          </a:effectRef>
+          <a:fontRef idx="minor">
+            <a:schemeClr val="lt1"/>
+          </a:fontRef>
+        </p:style>
+        <p:txBody>
+          <a:bodyPr rtlCol="0" anchor="ctr"/>
+          <a:lstStyle/>
+          <a:p>
+            <a:pPr algn="ctr"/>
+            <a:r>
+              <a:rPr lang="ko-KR" altLang="en-US" sz="1000" dirty="0" err="1" smtClean="0">
+                <a:solidFill>
+                  <a:srgbClr val="002060"/>
+                </a:solidFill>
+              </a:rPr>
+              <a:t>장착중</a:t>
+            </a:r>
+            <a:endParaRPr lang="ko-KR" altLang="en-US" sz="1000" dirty="0">
+              <a:solidFill>
+                <a:srgbClr val="002060"/>
+              </a:solidFill>
+            </a:endParaRPr>
+          </a:p>
+        </p:txBody>
+      </p:sp>
+      <p:cxnSp>
+        <p:nvCxnSpPr>
+          <p:cNvPr id="86" name="직선 연결선 85"/>
+          <p:cNvCxnSpPr/>
+          <p:nvPr/>
+        </p:nvCxnSpPr>
+        <p:spPr>
+          <a:xfrm>
+            <a:off x="5599708" y="879384"/>
+            <a:ext cx="4318765" cy="0"/>
+          </a:xfrm>
+          <a:prstGeom prst="line">
+            <a:avLst/>
+          </a:prstGeom>
+        </p:spPr>
+        <p:style>
+          <a:lnRef idx="1">
+            <a:schemeClr val="accent1"/>
+          </a:lnRef>
+          <a:fillRef idx="0">
+            <a:schemeClr val="accent1"/>
+          </a:fillRef>
+          <a:effectRef idx="0">
+            <a:schemeClr val="accent1"/>
+          </a:effectRef>
+          <a:fontRef idx="minor">
+            <a:schemeClr val="tx1"/>
+          </a:fontRef>
+        </p:style>
+      </p:cxnSp>
+      <p:sp>
+        <p:nvSpPr>
           <p:cNvPr id="87" name="직사각형 86"/>
           <p:cNvSpPr/>
           <p:nvPr/>
         </p:nvSpPr>
         <p:spPr>
           <a:xfrm>
-            <a:off x="5974658" y="418014"/>
+            <a:off x="5785184" y="418014"/>
             <a:ext cx="646331" cy="369332"/>
           </a:xfrm>
           <a:prstGeom prst="rect">
@@ -3737,10 +5024,171 @@
           <a:lstStyle/>
           <a:p>
             <a:r>
-              <a:rPr lang="ko-KR" altLang="en-US" dirty="0" smtClean="0"/>
-              <a:t>공격</a:t>
-            </a:r>
-            <a:endParaRPr lang="ko-KR" altLang="en-US" dirty="0"/>
+              <a:rPr lang="ko-KR" altLang="en-US" dirty="0"/>
+              <a:t>무기</a:t>
+            </a:r>
+          </a:p>
+        </p:txBody>
+      </p:sp>
+      <p:sp>
+        <p:nvSpPr>
+          <p:cNvPr id="100" name="TextBox 99"/>
+          <p:cNvSpPr txBox="1"/>
+          <p:nvPr/>
+        </p:nvSpPr>
+        <p:spPr>
+          <a:xfrm>
+            <a:off x="7048124" y="1913667"/>
+            <a:ext cx="2562899" cy="538609"/>
+          </a:xfrm>
+          <a:prstGeom prst="rect">
+            <a:avLst/>
+          </a:prstGeom>
+          <a:noFill/>
+        </p:spPr>
+        <p:txBody>
+          <a:bodyPr wrap="square" rtlCol="0">
+            <a:spAutoFit/>
+          </a:bodyPr>
+          <a:lstStyle/>
+          <a:p>
+            <a:r>
+              <a:rPr lang="ko-KR" altLang="en-US" dirty="0" err="1" smtClean="0"/>
+              <a:t>엑스칼리버</a:t>
+            </a:r>
+            <a:endParaRPr lang="en-US" altLang="ko-KR" dirty="0" smtClean="0"/>
+          </a:p>
+          <a:p>
+            <a:r>
+              <a:rPr lang="en-US" altLang="ko-KR" sz="1100" dirty="0" err="1" smtClean="0"/>
+              <a:t>Atk</a:t>
+            </a:r>
+            <a:r>
+              <a:rPr lang="en-US" altLang="ko-KR" sz="1100" dirty="0" smtClean="0"/>
+              <a:t> +500</a:t>
+            </a:r>
+          </a:p>
+        </p:txBody>
+      </p:sp>
+      <p:sp>
+        <p:nvSpPr>
+          <p:cNvPr id="101" name="직사각형 100"/>
+          <p:cNvSpPr/>
+          <p:nvPr/>
+        </p:nvSpPr>
+        <p:spPr>
+          <a:xfrm>
+            <a:off x="6390085" y="1979571"/>
+            <a:ext cx="579532" cy="562733"/>
+          </a:xfrm>
+          <a:prstGeom prst="rect">
+            <a:avLst/>
+          </a:prstGeom>
+          <a:solidFill>
+            <a:schemeClr val="accent1">
+              <a:alpha val="53000"/>
+            </a:schemeClr>
+          </a:solidFill>
+          <a:ln>
+            <a:solidFill>
+              <a:schemeClr val="accent1">
+                <a:shade val="50000"/>
+                <a:alpha val="44000"/>
+              </a:schemeClr>
+            </a:solidFill>
+          </a:ln>
+        </p:spPr>
+        <p:style>
+          <a:lnRef idx="2">
+            <a:schemeClr val="accent1">
+              <a:shade val="50000"/>
+            </a:schemeClr>
+          </a:lnRef>
+          <a:fillRef idx="1">
+            <a:schemeClr val="accent1"/>
+          </a:fillRef>
+          <a:effectRef idx="0">
+            <a:schemeClr val="accent1"/>
+          </a:effectRef>
+          <a:fontRef idx="minor">
+            <a:schemeClr val="lt1"/>
+          </a:fontRef>
+        </p:style>
+        <p:txBody>
+          <a:bodyPr rtlCol="0" anchor="ctr"/>
+          <a:lstStyle/>
+          <a:p>
+            <a:pPr algn="ctr"/>
+            <a:r>
+              <a:rPr lang="en-US" altLang="ko-KR" sz="1000" dirty="0" smtClean="0"/>
+              <a:t>Image</a:t>
+            </a:r>
+            <a:endParaRPr lang="ko-KR" altLang="en-US" sz="1000" dirty="0"/>
+          </a:p>
+        </p:txBody>
+      </p:sp>
+      <p:sp>
+        <p:nvSpPr>
+          <p:cNvPr id="102" name="직사각형 101"/>
+          <p:cNvSpPr/>
+          <p:nvPr/>
+        </p:nvSpPr>
+        <p:spPr>
+          <a:xfrm>
+            <a:off x="5634920" y="2286615"/>
+            <a:ext cx="616352" cy="296562"/>
+          </a:xfrm>
+          <a:prstGeom prst="rect">
+            <a:avLst/>
+          </a:prstGeom>
+          <a:solidFill>
+            <a:schemeClr val="accent6">
+              <a:lumMod val="60000"/>
+              <a:lumOff val="40000"/>
+            </a:schemeClr>
+          </a:solidFill>
+          <a:ln>
+            <a:solidFill>
+              <a:schemeClr val="bg1">
+                <a:lumMod val="65000"/>
+              </a:schemeClr>
+            </a:solidFill>
+          </a:ln>
+        </p:spPr>
+        <p:style>
+          <a:lnRef idx="2">
+            <a:schemeClr val="accent4">
+              <a:shade val="50000"/>
+            </a:schemeClr>
+          </a:lnRef>
+          <a:fillRef idx="1">
+            <a:schemeClr val="accent4"/>
+          </a:fillRef>
+          <a:effectRef idx="0">
+            <a:schemeClr val="accent4"/>
+          </a:effectRef>
+          <a:fontRef idx="minor">
+            <a:schemeClr val="lt1"/>
+          </a:fontRef>
+        </p:style>
+        <p:txBody>
+          <a:bodyPr rtlCol="0" anchor="ctr"/>
+          <a:lstStyle/>
+          <a:p>
+            <a:pPr algn="ctr"/>
+            <a:r>
+              <a:rPr lang="ko-KR" altLang="en-US" sz="1000" smtClean="0">
+                <a:solidFill>
+                  <a:srgbClr val="002060"/>
+                </a:solidFill>
+              </a:rPr>
+              <a:t>장착</a:t>
+            </a:r>
+            <a:endParaRPr lang="ko-KR" altLang="en-US" sz="1000" dirty="0">
+              <a:solidFill>
+                <a:srgbClr val="002060"/>
+              </a:solidFill>
+            </a:endParaRPr>
           </a:p>
         </p:txBody>
       </p:sp>
@@ -3812,7 +5260,7 @@
         </p:nvCxnSpPr>
         <p:spPr>
           <a:xfrm>
-            <a:off x="8461935" y="357460"/>
+            <a:off x="7753467" y="357460"/>
             <a:ext cx="0" cy="521924"/>
           </a:xfrm>
           <a:prstGeom prst="line">
@@ -3834,6 +5282,36 @@
           </a:fontRef>
         </p:style>
       </p:cxnSp>
+      <p:cxnSp>
+        <p:nvCxnSpPr>
+          <p:cNvPr id="108" name="직선 연결선 107"/>
+          <p:cNvCxnSpPr/>
+          <p:nvPr/>
+        </p:nvCxnSpPr>
+        <p:spPr>
+          <a:xfrm>
+            <a:off x="8853467" y="357460"/>
+            <a:ext cx="0" cy="521924"/>
+          </a:xfrm>
+          <a:prstGeom prst="line">
+            <a:avLst/>
+          </a:prstGeom>
+        </p:spPr>
+        <p:style>
+          <a:lnRef idx="1">
+            <a:schemeClr val="accent1"/>
+          </a:lnRef>
+          <a:fillRef idx="0">
+            <a:schemeClr val="accent1"/>
+          </a:fillRef>
+          <a:effectRef idx="0">
+            <a:schemeClr val="accent1"/>
+          </a:effectRef>
+          <a:fontRef idx="minor">
+            <a:schemeClr val="tx1"/>
+          </a:fontRef>
+        </p:style>
+      </p:cxnSp>
       <p:sp>
         <p:nvSpPr>
           <p:cNvPr id="109" name="직사각형 108"/>
@@ -3842,8 +5320,8 @@
         </p:nvSpPr>
         <p:spPr>
           <a:xfrm>
-            <a:off x="7393818" y="416978"/>
-            <a:ext cx="646331" cy="369332"/>
+            <a:off x="6990156" y="416978"/>
+            <a:ext cx="415498" cy="369332"/>
           </a:xfrm>
           <a:prstGeom prst="rect">
             <a:avLst/>
@@ -3857,7 +5335,7 @@
           <a:p>
             <a:r>
               <a:rPr lang="ko-KR" altLang="en-US" dirty="0" smtClean="0"/>
-              <a:t>필살</a:t>
+              <a:t>옷</a:t>
             </a:r>
             <a:endParaRPr lang="ko-KR" altLang="en-US" dirty="0"/>
           </a:p>
@@ -3871,7 +5349,7 @@
         </p:nvSpPr>
         <p:spPr>
           <a:xfrm>
-            <a:off x="8887873" y="417129"/>
+            <a:off x="7998169" y="417129"/>
             <a:ext cx="646331" cy="369332"/>
           </a:xfrm>
           <a:prstGeom prst="rect">
@@ -3885,8 +5363,37 @@
           <a:lstStyle/>
           <a:p>
             <a:r>
+              <a:rPr lang="ko-KR" altLang="en-US" dirty="0" smtClean="0"/>
+              <a:t>신발</a:t>
+            </a:r>
+            <a:endParaRPr lang="ko-KR" altLang="en-US" dirty="0"/>
+          </a:p>
+        </p:txBody>
+      </p:sp>
+      <p:sp>
+        <p:nvSpPr>
+          <p:cNvPr id="111" name="직사각형 110"/>
+          <p:cNvSpPr/>
+          <p:nvPr/>
+        </p:nvSpPr>
+        <p:spPr>
+          <a:xfrm>
+            <a:off x="9188952" y="416771"/>
+            <a:ext cx="415498" cy="369332"/>
+          </a:xfrm>
+          <a:prstGeom prst="rect">
+            <a:avLst/>
+          </a:prstGeom>
+        </p:spPr>
+        <p:txBody>
+          <a:bodyPr wrap="none">
+            <a:spAutoFit/>
+          </a:bodyPr>
+          <a:lstStyle/>
+          <a:p>
+            <a:r>
               <a:rPr lang="ko-KR" altLang="en-US" dirty="0" err="1" smtClean="0"/>
-              <a:t>버프</a:t>
+              <a:t>펫</a:t>
             </a:r>
             <a:endParaRPr lang="ko-KR" altLang="en-US" dirty="0"/>
           </a:p>
@@ -4029,7 +5536,7 @@
         </p:nvCxnSpPr>
         <p:spPr>
           <a:xfrm>
-            <a:off x="6981918" y="349071"/>
+            <a:off x="6635922" y="349071"/>
             <a:ext cx="0" cy="521924"/>
           </a:xfrm>
           <a:prstGeom prst="line">
@@ -4062,6 +5569,49 @@
         <p:spPr>
           <a:xfrm>
             <a:off x="10230736" y="4665702"/>
+            <a:ext cx="1729945" cy="543698"/>
+          </a:xfrm>
+          <a:prstGeom prst="rect">
+            <a:avLst/>
+          </a:prstGeom>
+          <a:ln/>
+        </p:spPr>
+        <p:style>
+          <a:lnRef idx="1">
+            <a:schemeClr val="accent6"/>
+          </a:lnRef>
+          <a:fillRef idx="2">
+            <a:schemeClr val="accent6"/>
+          </a:fillRef>
+          <a:effectRef idx="1">
+            <a:schemeClr val="accent6"/>
+          </a:effectRef>
+          <a:fontRef idx="minor">
+            <a:schemeClr val="dk1"/>
+          </a:fontRef>
+        </p:style>
+        <p:txBody>
+          <a:bodyPr rtlCol="0" anchor="ctr"/>
+          <a:lstStyle/>
+          <a:p>
+            <a:pPr algn="ctr"/>
+            <a:r>
+              <a:rPr lang="ko-KR" altLang="en-US" dirty="0" smtClean="0"/>
+              <a:t>스킬</a:t>
+            </a:r>
+            <a:endParaRPr lang="en-US" altLang="ko-KR" dirty="0" smtClean="0"/>
+          </a:p>
+        </p:txBody>
+      </p:sp>
+      <p:sp>
+        <p:nvSpPr>
+          <p:cNvPr id="55" name="직사각형 54"/>
+          <p:cNvSpPr/>
+          <p:nvPr/>
+        </p:nvSpPr>
+        <p:spPr>
+          <a:xfrm>
+            <a:off x="10230734" y="3957274"/>
             <a:ext cx="1729945" cy="543698"/>
           </a:xfrm>
           <a:prstGeom prst="rect">
@@ -4090,7 +5640,7 @@
             <a:pPr algn="ctr"/>
             <a:r>
               <a:rPr lang="ko-KR" altLang="en-US" dirty="0" smtClean="0"/>
-              <a:t>스킬</a:t>
+              <a:t>장비</a:t>
             </a:r>
             <a:endParaRPr lang="en-US" altLang="ko-KR" dirty="0" smtClean="0"/>
           </a:p>
@@ -4098,7 +5648,7 @@
       </p:sp>
       <p:sp>
         <p:nvSpPr>
-          <p:cNvPr id="55" name="직사각형 54">
+          <p:cNvPr id="54" name="직사각형 53">
             <a:hlinkClick r:id="rId2" action="ppaction://hlinksldjump"/>
           </p:cNvPr>
           <p:cNvSpPr/>
@@ -4106,7 +5656,7 @@
         </p:nvSpPr>
         <p:spPr>
           <a:xfrm>
-            <a:off x="10230734" y="3957274"/>
+            <a:off x="10230733" y="5371590"/>
             <a:ext cx="1729945" cy="543698"/>
           </a:xfrm>
           <a:prstGeom prst="rect">
@@ -4135,7 +5685,7 @@
             <a:pPr algn="ctr"/>
             <a:r>
               <a:rPr lang="ko-KR" altLang="en-US" dirty="0" smtClean="0"/>
-              <a:t>장비</a:t>
+              <a:t>아이템</a:t>
             </a:r>
             <a:endParaRPr lang="en-US" altLang="ko-KR" dirty="0" smtClean="0"/>
           </a:p>
@@ -4143,357 +5693,7 @@
       </p:sp>
       <p:sp>
         <p:nvSpPr>
-          <p:cNvPr id="54" name="직사각형 53">
-            <a:hlinkClick r:id="rId2" action="ppaction://hlinksldjump"/>
-          </p:cNvPr>
-          <p:cNvSpPr/>
-          <p:nvPr/>
-        </p:nvSpPr>
-        <p:spPr>
-          <a:xfrm>
-            <a:off x="10230733" y="5371590"/>
-            <a:ext cx="1729945" cy="543698"/>
-          </a:xfrm>
-          <a:prstGeom prst="rect">
-            <a:avLst/>
-          </a:prstGeom>
-          <a:ln/>
-        </p:spPr>
-        <p:style>
-          <a:lnRef idx="1">
-            <a:schemeClr val="accent6"/>
-          </a:lnRef>
-          <a:fillRef idx="2">
-            <a:schemeClr val="accent6"/>
-          </a:fillRef>
-          <a:effectRef idx="1">
-            <a:schemeClr val="accent6"/>
-          </a:effectRef>
-          <a:fontRef idx="minor">
-            <a:schemeClr val="dk1"/>
-          </a:fontRef>
-        </p:style>
-        <p:txBody>
-          <a:bodyPr rtlCol="0" anchor="ctr"/>
-          <a:lstStyle/>
-          <a:p>
-            <a:pPr algn="ctr"/>
-            <a:r>
-              <a:rPr lang="ko-KR" altLang="en-US" dirty="0" smtClean="0"/>
-              <a:t>아이템</a:t>
-            </a:r>
-            <a:endParaRPr lang="en-US" altLang="ko-KR" dirty="0" smtClean="0"/>
-          </a:p>
-        </p:txBody>
-      </p:sp>
-      <p:sp>
-        <p:nvSpPr>
-          <p:cNvPr id="4" name="모서리가 둥근 직사각형 3"/>
-          <p:cNvSpPr/>
-          <p:nvPr/>
-        </p:nvSpPr>
-        <p:spPr>
-          <a:xfrm>
-            <a:off x="1758610" y="2449453"/>
-            <a:ext cx="807956" cy="807956"/>
-          </a:xfrm>
-          <a:prstGeom prst="roundRect">
-            <a:avLst/>
-          </a:prstGeom>
-          <a:ln/>
-        </p:spPr>
-        <p:style>
-          <a:lnRef idx="1">
-            <a:schemeClr val="accent1"/>
-          </a:lnRef>
-          <a:fillRef idx="2">
-            <a:schemeClr val="accent1"/>
-          </a:fillRef>
-          <a:effectRef idx="1">
-            <a:schemeClr val="accent1"/>
-          </a:effectRef>
-          <a:fontRef idx="minor">
-            <a:schemeClr val="dk1"/>
-          </a:fontRef>
-        </p:style>
-        <p:txBody>
-          <a:bodyPr rtlCol="0" anchor="ctr"/>
-          <a:lstStyle/>
-          <a:p>
-            <a:pPr algn="ctr"/>
-            <a:r>
-              <a:rPr lang="en-US" altLang="ko-KR" sz="1500" dirty="0"/>
-              <a:t>Image</a:t>
-            </a:r>
-            <a:endParaRPr lang="ko-KR" altLang="en-US" sz="1500" dirty="0"/>
-          </a:p>
-        </p:txBody>
-      </p:sp>
-      <p:sp>
-        <p:nvSpPr>
-          <p:cNvPr id="56" name="모서리가 둥근 직사각형 55"/>
-          <p:cNvSpPr/>
-          <p:nvPr/>
-        </p:nvSpPr>
-        <p:spPr>
-          <a:xfrm>
-            <a:off x="2442999" y="3647947"/>
-            <a:ext cx="807956" cy="807956"/>
-          </a:xfrm>
-          <a:prstGeom prst="roundRect">
-            <a:avLst/>
-          </a:prstGeom>
-          <a:ln/>
-        </p:spPr>
-        <p:style>
-          <a:lnRef idx="1">
-            <a:schemeClr val="accent5"/>
-          </a:lnRef>
-          <a:fillRef idx="2">
-            <a:schemeClr val="accent5"/>
-          </a:fillRef>
-          <a:effectRef idx="1">
-            <a:schemeClr val="accent5"/>
-          </a:effectRef>
-          <a:fontRef idx="minor">
-            <a:schemeClr val="dk1"/>
-          </a:fontRef>
-        </p:style>
-        <p:txBody>
-          <a:bodyPr rtlCol="0" anchor="ctr"/>
-          <a:lstStyle/>
-          <a:p>
-            <a:pPr algn="ctr"/>
-            <a:r>
-              <a:rPr lang="en-US" altLang="ko-KR" sz="1500" dirty="0"/>
-              <a:t>Image</a:t>
-            </a:r>
-            <a:endParaRPr lang="ko-KR" altLang="en-US" sz="1500" dirty="0"/>
-          </a:p>
-        </p:txBody>
-      </p:sp>
-      <p:sp>
-        <p:nvSpPr>
-          <p:cNvPr id="57" name="모서리가 둥근 직사각형 56"/>
-          <p:cNvSpPr/>
-          <p:nvPr/>
-        </p:nvSpPr>
-        <p:spPr>
-          <a:xfrm>
-            <a:off x="3118726" y="2449453"/>
-            <a:ext cx="807956" cy="807956"/>
-          </a:xfrm>
-          <a:prstGeom prst="roundRect">
-            <a:avLst/>
-          </a:prstGeom>
-          <a:ln/>
-        </p:spPr>
-        <p:style>
-          <a:lnRef idx="1">
-            <a:schemeClr val="accent3"/>
-          </a:lnRef>
-          <a:fillRef idx="2">
-            <a:schemeClr val="accent3"/>
-          </a:fillRef>
-          <a:effectRef idx="1">
-            <a:schemeClr val="accent3"/>
-          </a:effectRef>
-          <a:fontRef idx="minor">
-            <a:schemeClr val="dk1"/>
-          </a:fontRef>
-        </p:style>
-        <p:txBody>
-          <a:bodyPr rtlCol="0" anchor="ctr"/>
-          <a:lstStyle/>
-          <a:p>
-            <a:pPr algn="ctr"/>
-            <a:r>
-              <a:rPr lang="en-US" altLang="ko-KR" sz="1500" dirty="0"/>
-              <a:t>Image</a:t>
-            </a:r>
-            <a:endParaRPr lang="ko-KR" altLang="en-US" sz="1500" dirty="0"/>
-          </a:p>
-        </p:txBody>
-      </p:sp>
-      <p:sp>
-        <p:nvSpPr>
-          <p:cNvPr id="61" name="모서리가 둥근 직사각형 60"/>
-          <p:cNvSpPr/>
-          <p:nvPr/>
-        </p:nvSpPr>
-        <p:spPr>
-          <a:xfrm>
-            <a:off x="5704371" y="928812"/>
-            <a:ext cx="807956" cy="807956"/>
-          </a:xfrm>
-          <a:prstGeom prst="roundRect">
-            <a:avLst/>
-          </a:prstGeom>
-          <a:ln/>
-        </p:spPr>
-        <p:style>
-          <a:lnRef idx="1">
-            <a:schemeClr val="accent1"/>
-          </a:lnRef>
-          <a:fillRef idx="2">
-            <a:schemeClr val="accent1"/>
-          </a:fillRef>
-          <a:effectRef idx="1">
-            <a:schemeClr val="accent1"/>
-          </a:effectRef>
-          <a:fontRef idx="minor">
-            <a:schemeClr val="dk1"/>
-          </a:fontRef>
-        </p:style>
-        <p:txBody>
-          <a:bodyPr rtlCol="0" anchor="ctr"/>
-          <a:lstStyle/>
-          <a:p>
-            <a:pPr algn="ctr"/>
-            <a:r>
-              <a:rPr lang="en-US" altLang="ko-KR" sz="1500" dirty="0" smtClean="0"/>
-              <a:t>Image</a:t>
-            </a:r>
-            <a:endParaRPr lang="ko-KR" altLang="en-US" sz="1500" dirty="0"/>
-          </a:p>
-        </p:txBody>
-      </p:sp>
-      <p:sp>
-        <p:nvSpPr>
-          <p:cNvPr id="62" name="TextBox 61"/>
-          <p:cNvSpPr txBox="1"/>
-          <p:nvPr/>
-        </p:nvSpPr>
-        <p:spPr>
-          <a:xfrm>
-            <a:off x="6644462" y="994217"/>
-            <a:ext cx="2562899" cy="538609"/>
-          </a:xfrm>
-          <a:prstGeom prst="rect">
-            <a:avLst/>
-          </a:prstGeom>
-          <a:noFill/>
-        </p:spPr>
-        <p:txBody>
-          <a:bodyPr wrap="square" rtlCol="0">
-            <a:spAutoFit/>
-          </a:bodyPr>
-          <a:lstStyle/>
-          <a:p>
-            <a:r>
-              <a:rPr lang="ko-KR" altLang="en-US" dirty="0" smtClean="0"/>
-              <a:t>기본 공격</a:t>
-            </a:r>
-            <a:endParaRPr lang="en-US" altLang="ko-KR" dirty="0" smtClean="0"/>
-          </a:p>
-          <a:p>
-            <a:r>
-              <a:rPr lang="en-US" altLang="ko-KR" sz="1100" dirty="0" smtClean="0"/>
-              <a:t>Damage : </a:t>
-            </a:r>
-            <a:r>
-              <a:rPr lang="ko-KR" altLang="en-US" sz="1100" dirty="0" smtClean="0"/>
-              <a:t> </a:t>
-            </a:r>
-            <a:r>
-              <a:rPr lang="en-US" altLang="ko-KR" sz="1100" dirty="0" smtClean="0"/>
-              <a:t>100%</a:t>
-            </a:r>
-            <a:endParaRPr lang="en-US" altLang="ko-KR" sz="1100" dirty="0" smtClean="0"/>
-          </a:p>
-        </p:txBody>
-      </p:sp>
-      <p:sp>
-        <p:nvSpPr>
-          <p:cNvPr id="63" name="모서리가 둥근 직사각형 62"/>
-          <p:cNvSpPr/>
-          <p:nvPr/>
-        </p:nvSpPr>
-        <p:spPr>
-          <a:xfrm>
-            <a:off x="5697701" y="1848262"/>
-            <a:ext cx="807956" cy="807956"/>
-          </a:xfrm>
-          <a:prstGeom prst="roundRect">
-            <a:avLst/>
-          </a:prstGeom>
-          <a:ln/>
-        </p:spPr>
-        <p:style>
-          <a:lnRef idx="1">
-            <a:schemeClr val="accent1"/>
-          </a:lnRef>
-          <a:fillRef idx="2">
-            <a:schemeClr val="accent1"/>
-          </a:fillRef>
-          <a:effectRef idx="1">
-            <a:schemeClr val="accent1"/>
-          </a:effectRef>
-          <a:fontRef idx="minor">
-            <a:schemeClr val="dk1"/>
-          </a:fontRef>
-        </p:style>
-        <p:txBody>
-          <a:bodyPr rtlCol="0" anchor="ctr"/>
-          <a:lstStyle/>
-          <a:p>
-            <a:pPr algn="ctr"/>
-            <a:r>
-              <a:rPr lang="en-US" altLang="ko-KR" sz="1500" dirty="0" smtClean="0"/>
-              <a:t>Image</a:t>
-            </a:r>
-            <a:endParaRPr lang="ko-KR" altLang="en-US" sz="1500" dirty="0"/>
-          </a:p>
-        </p:txBody>
-      </p:sp>
-      <p:sp>
-        <p:nvSpPr>
-          <p:cNvPr id="64" name="TextBox 63"/>
-          <p:cNvSpPr txBox="1"/>
-          <p:nvPr/>
-        </p:nvSpPr>
-        <p:spPr>
-          <a:xfrm>
-            <a:off x="6637792" y="1913667"/>
-            <a:ext cx="2562899" cy="538609"/>
-          </a:xfrm>
-          <a:prstGeom prst="rect">
-            <a:avLst/>
-          </a:prstGeom>
-          <a:noFill/>
-        </p:spPr>
-        <p:txBody>
-          <a:bodyPr wrap="square" rtlCol="0">
-            <a:spAutoFit/>
-          </a:bodyPr>
-          <a:lstStyle/>
-          <a:p>
-            <a:r>
-              <a:rPr lang="ko-KR" altLang="en-US" dirty="0" smtClean="0"/>
-              <a:t>강한 공격</a:t>
-            </a:r>
-            <a:endParaRPr lang="en-US" altLang="ko-KR" dirty="0" smtClean="0"/>
-          </a:p>
-          <a:p>
-            <a:r>
-              <a:rPr lang="en-US" altLang="ko-KR" sz="1100" dirty="0" smtClean="0"/>
-              <a:t>Damage : </a:t>
-            </a:r>
-            <a:r>
-              <a:rPr lang="ko-KR" altLang="en-US" sz="1100" dirty="0" smtClean="0"/>
-              <a:t> </a:t>
-            </a:r>
-            <a:r>
-              <a:rPr lang="en-US" altLang="ko-KR" sz="1100" dirty="0" smtClean="0"/>
-              <a:t>100%</a:t>
-            </a:r>
-            <a:endParaRPr lang="en-US" altLang="ko-KR" sz="1100" dirty="0" smtClean="0"/>
-          </a:p>
-        </p:txBody>
-      </p:sp>
-      <p:sp>
-        <p:nvSpPr>
-          <p:cNvPr id="65" name="타원 64"/>
+          <p:cNvPr id="56" name="타원 55"/>
           <p:cNvSpPr/>
           <p:nvPr/>
         </p:nvSpPr>
@@ -4537,7 +5737,7 @@
       </p:sp>
       <p:sp>
         <p:nvSpPr>
-          <p:cNvPr id="66" name="TextBox 65"/>
+          <p:cNvPr id="57" name="TextBox 56"/>
           <p:cNvSpPr txBox="1"/>
           <p:nvPr/>
         </p:nvSpPr>
@@ -4565,100 +5765,10 @@
           </a:p>
         </p:txBody>
       </p:sp>
-      <p:sp>
-        <p:nvSpPr>
-          <p:cNvPr id="5" name="직사각형 4"/>
-          <p:cNvSpPr/>
-          <p:nvPr/>
-        </p:nvSpPr>
-        <p:spPr>
-          <a:xfrm>
-            <a:off x="1881850" y="2452276"/>
-            <a:ext cx="569387" cy="323165"/>
-          </a:xfrm>
-          <a:prstGeom prst="rect">
-            <a:avLst/>
-          </a:prstGeom>
-        </p:spPr>
-        <p:txBody>
-          <a:bodyPr wrap="none">
-            <a:spAutoFit/>
-          </a:bodyPr>
-          <a:lstStyle/>
-          <a:p>
-            <a:r>
-              <a:rPr lang="ko-KR" altLang="en-US" sz="1500" dirty="0" smtClean="0"/>
-              <a:t>공</a:t>
-            </a:r>
-            <a:r>
-              <a:rPr lang="ko-KR" altLang="en-US" sz="1500" dirty="0"/>
-              <a:t>격</a:t>
-            </a:r>
-          </a:p>
-        </p:txBody>
-      </p:sp>
-      <p:sp>
-        <p:nvSpPr>
-          <p:cNvPr id="67" name="직사각형 66"/>
-          <p:cNvSpPr/>
-          <p:nvPr/>
-        </p:nvSpPr>
-        <p:spPr>
-          <a:xfrm>
-            <a:off x="3250955" y="2470271"/>
-            <a:ext cx="569387" cy="323165"/>
-          </a:xfrm>
-          <a:prstGeom prst="rect">
-            <a:avLst/>
-          </a:prstGeom>
-        </p:spPr>
-        <p:txBody>
-          <a:bodyPr wrap="none">
-            <a:spAutoFit/>
-          </a:bodyPr>
-          <a:lstStyle/>
-          <a:p>
-            <a:r>
-              <a:rPr lang="ko-KR" altLang="en-US" sz="1500" dirty="0" smtClean="0"/>
-              <a:t>필살</a:t>
-            </a:r>
-            <a:endParaRPr lang="ko-KR" altLang="en-US" sz="1500" dirty="0"/>
-          </a:p>
-        </p:txBody>
-      </p:sp>
-      <p:sp>
-        <p:nvSpPr>
-          <p:cNvPr id="68" name="직사각형 67"/>
-          <p:cNvSpPr/>
-          <p:nvPr/>
-        </p:nvSpPr>
-        <p:spPr>
-          <a:xfrm>
-            <a:off x="2578923" y="3652104"/>
-            <a:ext cx="569387" cy="323165"/>
-          </a:xfrm>
-          <a:prstGeom prst="rect">
-            <a:avLst/>
-          </a:prstGeom>
-        </p:spPr>
-        <p:txBody>
-          <a:bodyPr wrap="none">
-            <a:spAutoFit/>
-          </a:bodyPr>
-          <a:lstStyle/>
-          <a:p>
-            <a:r>
-              <a:rPr lang="ko-KR" altLang="en-US" sz="1500" dirty="0" err="1" smtClean="0"/>
-              <a:t>버프</a:t>
-            </a:r>
-            <a:endParaRPr lang="ko-KR" altLang="en-US" sz="1500" dirty="0"/>
-          </a:p>
-        </p:txBody>
-      </p:sp>
     </p:spTree>
     <p:extLst>
       <p:ext uri="{BB962C8B-B14F-4D97-AF65-F5344CB8AC3E}">
-        <p14:creationId xmlns:p14="http://schemas.microsoft.com/office/powerpoint/2010/main" val="3531104969"/>
+        <p14:creationId xmlns:p14="http://schemas.microsoft.com/office/powerpoint/2010/main" val="2315319611"/>
       </p:ext>
     </p:extLst>
   </p:cSld>
@@ -4697,6 +5807,359 @@
       </p:grpSpPr>
       <p:sp>
         <p:nvSpPr>
+          <p:cNvPr id="14" name="직사각형 13"/>
+          <p:cNvSpPr/>
+          <p:nvPr/>
+        </p:nvSpPr>
+        <p:spPr>
+          <a:xfrm>
+            <a:off x="891085" y="1595302"/>
+            <a:ext cx="3928050" cy="3841674"/>
+          </a:xfrm>
+          <a:prstGeom prst="rect">
+            <a:avLst/>
+          </a:prstGeom>
+          <a:solidFill>
+            <a:schemeClr val="accent6">
+              <a:alpha val="19000"/>
+            </a:schemeClr>
+          </a:solidFill>
+          <a:ln>
+            <a:solidFill>
+              <a:schemeClr val="accent6">
+                <a:shade val="50000"/>
+                <a:alpha val="33000"/>
+              </a:schemeClr>
+            </a:solidFill>
+          </a:ln>
+        </p:spPr>
+        <p:style>
+          <a:lnRef idx="2">
+            <a:schemeClr val="accent6">
+              <a:shade val="50000"/>
+            </a:schemeClr>
+          </a:lnRef>
+          <a:fillRef idx="1">
+            <a:schemeClr val="accent6"/>
+          </a:fillRef>
+          <a:effectRef idx="0">
+            <a:schemeClr val="accent6"/>
+          </a:effectRef>
+          <a:fontRef idx="minor">
+            <a:schemeClr val="lt1"/>
+          </a:fontRef>
+        </p:style>
+        <p:txBody>
+          <a:bodyPr rtlCol="0" anchor="ctr"/>
+          <a:lstStyle/>
+          <a:p>
+            <a:pPr algn="ctr"/>
+            <a:endParaRPr lang="ko-KR" altLang="en-US"/>
+          </a:p>
+        </p:txBody>
+      </p:sp>
+      <p:sp>
+        <p:nvSpPr>
+          <p:cNvPr id="47" name="직사각형 46"/>
+          <p:cNvSpPr/>
+          <p:nvPr/>
+        </p:nvSpPr>
+        <p:spPr>
+          <a:xfrm>
+            <a:off x="5498981" y="238898"/>
+            <a:ext cx="4514316" cy="6384326"/>
+          </a:xfrm>
+          <a:prstGeom prst="rect">
+            <a:avLst/>
+          </a:prstGeom>
+          <a:solidFill>
+            <a:schemeClr val="accent6">
+              <a:alpha val="19000"/>
+            </a:schemeClr>
+          </a:solidFill>
+          <a:ln>
+            <a:solidFill>
+              <a:schemeClr val="accent6">
+                <a:shade val="50000"/>
+                <a:alpha val="33000"/>
+              </a:schemeClr>
+            </a:solidFill>
+          </a:ln>
+        </p:spPr>
+        <p:style>
+          <a:lnRef idx="2">
+            <a:schemeClr val="accent6">
+              <a:shade val="50000"/>
+            </a:schemeClr>
+          </a:lnRef>
+          <a:fillRef idx="1">
+            <a:schemeClr val="accent6"/>
+          </a:fillRef>
+          <a:effectRef idx="0">
+            <a:schemeClr val="accent6"/>
+          </a:effectRef>
+          <a:fontRef idx="minor">
+            <a:schemeClr val="lt1"/>
+          </a:fontRef>
+        </p:style>
+        <p:txBody>
+          <a:bodyPr rtlCol="0" anchor="ctr"/>
+          <a:lstStyle/>
+          <a:p>
+            <a:pPr algn="ctr"/>
+            <a:endParaRPr lang="ko-KR" altLang="en-US"/>
+          </a:p>
+        </p:txBody>
+      </p:sp>
+      <p:sp>
+        <p:nvSpPr>
+          <p:cNvPr id="83" name="TextBox 82"/>
+          <p:cNvSpPr txBox="1"/>
+          <p:nvPr/>
+        </p:nvSpPr>
+        <p:spPr>
+          <a:xfrm>
+            <a:off x="6679851" y="1008131"/>
+            <a:ext cx="2562899" cy="369332"/>
+          </a:xfrm>
+          <a:prstGeom prst="rect">
+            <a:avLst/>
+          </a:prstGeom>
+          <a:noFill/>
+        </p:spPr>
+        <p:txBody>
+          <a:bodyPr wrap="square" rtlCol="0">
+            <a:spAutoFit/>
+          </a:bodyPr>
+          <a:lstStyle/>
+          <a:p>
+            <a:endParaRPr lang="en-US" altLang="ko-KR" dirty="0" smtClean="0"/>
+          </a:p>
+        </p:txBody>
+      </p:sp>
+      <p:cxnSp>
+        <p:nvCxnSpPr>
+          <p:cNvPr id="86" name="직선 연결선 85"/>
+          <p:cNvCxnSpPr/>
+          <p:nvPr/>
+        </p:nvCxnSpPr>
+        <p:spPr>
+          <a:xfrm>
+            <a:off x="5599708" y="879384"/>
+            <a:ext cx="4318765" cy="0"/>
+          </a:xfrm>
+          <a:prstGeom prst="line">
+            <a:avLst/>
+          </a:prstGeom>
+        </p:spPr>
+        <p:style>
+          <a:lnRef idx="1">
+            <a:schemeClr val="accent1"/>
+          </a:lnRef>
+          <a:fillRef idx="0">
+            <a:schemeClr val="accent1"/>
+          </a:fillRef>
+          <a:effectRef idx="0">
+            <a:schemeClr val="accent1"/>
+          </a:effectRef>
+          <a:fontRef idx="minor">
+            <a:schemeClr val="tx1"/>
+          </a:fontRef>
+        </p:style>
+      </p:cxnSp>
+      <p:sp>
+        <p:nvSpPr>
+          <p:cNvPr id="87" name="직사각형 86"/>
+          <p:cNvSpPr/>
+          <p:nvPr/>
+        </p:nvSpPr>
+        <p:spPr>
+          <a:xfrm>
+            <a:off x="5974658" y="418014"/>
+            <a:ext cx="646331" cy="369332"/>
+          </a:xfrm>
+          <a:prstGeom prst="rect">
+            <a:avLst/>
+          </a:prstGeom>
+        </p:spPr>
+        <p:style>
+          <a:lnRef idx="1">
+            <a:schemeClr val="accent5"/>
+          </a:lnRef>
+          <a:fillRef idx="2">
+            <a:schemeClr val="accent5"/>
+          </a:fillRef>
+          <a:effectRef idx="1">
+            <a:schemeClr val="accent5"/>
+          </a:effectRef>
+          <a:fontRef idx="minor">
+            <a:schemeClr val="dk1"/>
+          </a:fontRef>
+        </p:style>
+        <p:txBody>
+          <a:bodyPr wrap="none">
+            <a:spAutoFit/>
+          </a:bodyPr>
+          <a:lstStyle/>
+          <a:p>
+            <a:r>
+              <a:rPr lang="ko-KR" altLang="en-US" dirty="0" smtClean="0"/>
+              <a:t>공격</a:t>
+            </a:r>
+            <a:endParaRPr lang="ko-KR" altLang="en-US" dirty="0"/>
+          </a:p>
+        </p:txBody>
+      </p:sp>
+      <p:cxnSp>
+        <p:nvCxnSpPr>
+          <p:cNvPr id="103" name="직선 연결선 102"/>
+          <p:cNvCxnSpPr/>
+          <p:nvPr/>
+        </p:nvCxnSpPr>
+        <p:spPr>
+          <a:xfrm>
+            <a:off x="5599708" y="1798834"/>
+            <a:ext cx="4318765" cy="0"/>
+          </a:xfrm>
+          <a:prstGeom prst="line">
+            <a:avLst/>
+          </a:prstGeom>
+        </p:spPr>
+        <p:style>
+          <a:lnRef idx="1">
+            <a:schemeClr val="accent1"/>
+          </a:lnRef>
+          <a:fillRef idx="0">
+            <a:schemeClr val="accent1"/>
+          </a:fillRef>
+          <a:effectRef idx="0">
+            <a:schemeClr val="accent1"/>
+          </a:effectRef>
+          <a:fontRef idx="minor">
+            <a:schemeClr val="tx1"/>
+          </a:fontRef>
+        </p:style>
+      </p:cxnSp>
+      <p:cxnSp>
+        <p:nvCxnSpPr>
+          <p:cNvPr id="104" name="직선 연결선 103"/>
+          <p:cNvCxnSpPr/>
+          <p:nvPr/>
+        </p:nvCxnSpPr>
+        <p:spPr>
+          <a:xfrm>
+            <a:off x="5599708" y="2721623"/>
+            <a:ext cx="4318765" cy="0"/>
+          </a:xfrm>
+          <a:prstGeom prst="line">
+            <a:avLst/>
+          </a:prstGeom>
+        </p:spPr>
+        <p:style>
+          <a:lnRef idx="1">
+            <a:schemeClr val="accent1"/>
+          </a:lnRef>
+          <a:fillRef idx="0">
+            <a:schemeClr val="accent1"/>
+          </a:fillRef>
+          <a:effectRef idx="0">
+            <a:schemeClr val="accent1"/>
+          </a:effectRef>
+          <a:fontRef idx="minor">
+            <a:schemeClr val="tx1"/>
+          </a:fontRef>
+        </p:style>
+      </p:cxnSp>
+      <p:cxnSp>
+        <p:nvCxnSpPr>
+          <p:cNvPr id="105" name="직선 연결선 104"/>
+          <p:cNvCxnSpPr/>
+          <p:nvPr/>
+        </p:nvCxnSpPr>
+        <p:spPr>
+          <a:xfrm>
+            <a:off x="8461935" y="357460"/>
+            <a:ext cx="0" cy="521924"/>
+          </a:xfrm>
+          <a:prstGeom prst="line">
+            <a:avLst/>
+          </a:prstGeom>
+        </p:spPr>
+        <p:style>
+          <a:lnRef idx="1">
+            <a:schemeClr val="accent1"/>
+          </a:lnRef>
+          <a:fillRef idx="0">
+            <a:schemeClr val="accent1"/>
+          </a:fillRef>
+          <a:effectRef idx="0">
+            <a:schemeClr val="accent1"/>
+          </a:effectRef>
+          <a:fontRef idx="minor">
+            <a:schemeClr val="tx1"/>
+          </a:fontRef>
+        </p:style>
+      </p:cxnSp>
+      <p:sp>
+        <p:nvSpPr>
+          <p:cNvPr id="109" name="직사각형 108"/>
+          <p:cNvSpPr/>
+          <p:nvPr/>
+        </p:nvSpPr>
+        <p:spPr>
+          <a:xfrm>
+            <a:off x="7393818" y="416978"/>
+            <a:ext cx="646331" cy="369332"/>
+          </a:xfrm>
+          <a:prstGeom prst="rect">
+            <a:avLst/>
+          </a:prstGeom>
+        </p:spPr>
+        <p:txBody>
+          <a:bodyPr wrap="none">
+            <a:spAutoFit/>
+          </a:bodyPr>
+          <a:lstStyle/>
+          <a:p>
+            <a:r>
+              <a:rPr lang="ko-KR" altLang="en-US" dirty="0" smtClean="0"/>
+              <a:t>필살</a:t>
+            </a:r>
+            <a:endParaRPr lang="ko-KR" altLang="en-US" dirty="0"/>
+          </a:p>
+        </p:txBody>
+      </p:sp>
+      <p:sp>
+        <p:nvSpPr>
+          <p:cNvPr id="110" name="직사각형 109"/>
+          <p:cNvSpPr/>
+          <p:nvPr/>
+        </p:nvSpPr>
+        <p:spPr>
+          <a:xfrm>
+            <a:off x="8887873" y="417129"/>
+            <a:ext cx="646331" cy="369332"/>
+          </a:xfrm>
+          <a:prstGeom prst="rect">
+            <a:avLst/>
+          </a:prstGeom>
+        </p:spPr>
+        <p:txBody>
+          <a:bodyPr wrap="none">
+            <a:spAutoFit/>
+          </a:bodyPr>
+          <a:lstStyle/>
+          <a:p>
+            <a:r>
+              <a:rPr lang="ko-KR" altLang="en-US" dirty="0" err="1" smtClean="0"/>
+              <a:t>버프</a:t>
+            </a:r>
+            <a:endParaRPr lang="ko-KR" altLang="en-US" dirty="0"/>
+          </a:p>
+        </p:txBody>
+      </p:sp>
+      <p:sp>
+        <p:nvSpPr>
           <p:cNvPr id="112" name="직사각형 111">
             <a:hlinkClick r:id="rId2" action="ppaction://hlinksldjump"/>
           </p:cNvPr>
@@ -4824,6 +6287,36 @@
           </a:p>
         </p:txBody>
       </p:sp>
+      <p:cxnSp>
+        <p:nvCxnSpPr>
+          <p:cNvPr id="52" name="직선 연결선 51"/>
+          <p:cNvCxnSpPr/>
+          <p:nvPr/>
+        </p:nvCxnSpPr>
+        <p:spPr>
+          <a:xfrm>
+            <a:off x="6981918" y="349071"/>
+            <a:ext cx="0" cy="521924"/>
+          </a:xfrm>
+          <a:prstGeom prst="line">
+            <a:avLst/>
+          </a:prstGeom>
+        </p:spPr>
+        <p:style>
+          <a:lnRef idx="1">
+            <a:schemeClr val="accent1"/>
+          </a:lnRef>
+          <a:fillRef idx="0">
+            <a:schemeClr val="accent1"/>
+          </a:fillRef>
+          <a:effectRef idx="0">
+            <a:schemeClr val="accent1"/>
+          </a:effectRef>
+          <a:fontRef idx="minor">
+            <a:schemeClr val="tx1"/>
+          </a:fontRef>
+        </p:style>
+      </p:cxnSp>
       <p:sp>
         <p:nvSpPr>
           <p:cNvPr id="51" name="직사각형 50">
@@ -4835,6 +6328,51 @@
         <p:spPr>
           <a:xfrm>
             <a:off x="10230736" y="4665702"/>
+            <a:ext cx="1729945" cy="543698"/>
+          </a:xfrm>
+          <a:prstGeom prst="rect">
+            <a:avLst/>
+          </a:prstGeom>
+          <a:ln/>
+        </p:spPr>
+        <p:style>
+          <a:lnRef idx="1">
+            <a:schemeClr val="accent5"/>
+          </a:lnRef>
+          <a:fillRef idx="2">
+            <a:schemeClr val="accent5"/>
+          </a:fillRef>
+          <a:effectRef idx="1">
+            <a:schemeClr val="accent5"/>
+          </a:effectRef>
+          <a:fontRef idx="minor">
+            <a:schemeClr val="dk1"/>
+          </a:fontRef>
+        </p:style>
+        <p:txBody>
+          <a:bodyPr rtlCol="0" anchor="ctr"/>
+          <a:lstStyle/>
+          <a:p>
+            <a:pPr algn="ctr"/>
+            <a:r>
+              <a:rPr lang="ko-KR" altLang="en-US" dirty="0" smtClean="0"/>
+              <a:t>스킬</a:t>
+            </a:r>
+            <a:endParaRPr lang="en-US" altLang="ko-KR" dirty="0" smtClean="0"/>
+          </a:p>
+        </p:txBody>
+      </p:sp>
+      <p:sp>
+        <p:nvSpPr>
+          <p:cNvPr id="55" name="직사각형 54">
+            <a:hlinkClick r:id="rId2" action="ppaction://hlinksldjump"/>
+          </p:cNvPr>
+          <p:cNvSpPr/>
+          <p:nvPr/>
+        </p:nvSpPr>
+        <p:spPr>
+          <a:xfrm>
+            <a:off x="10230734" y="3957274"/>
             <a:ext cx="1729945" cy="543698"/>
           </a:xfrm>
           <a:prstGeom prst="rect">
@@ -4863,7 +6401,7 @@
             <a:pPr algn="ctr"/>
             <a:r>
               <a:rPr lang="ko-KR" altLang="en-US" dirty="0" smtClean="0"/>
-              <a:t>스킬</a:t>
+              <a:t>장비</a:t>
             </a:r>
             <a:endParaRPr lang="en-US" altLang="ko-KR" dirty="0" smtClean="0"/>
           </a:p>
@@ -4871,7 +6409,7 @@
       </p:sp>
       <p:sp>
         <p:nvSpPr>
-          <p:cNvPr id="55" name="직사각형 54">
+          <p:cNvPr id="54" name="직사각형 53">
             <a:hlinkClick r:id="rId2" action="ppaction://hlinksldjump"/>
           </p:cNvPr>
           <p:cNvSpPr/>
@@ -4879,7 +6417,7 @@
         </p:nvSpPr>
         <p:spPr>
           <a:xfrm>
-            <a:off x="10230734" y="3957274"/>
+            <a:off x="10230733" y="5371590"/>
             <a:ext cx="1729945" cy="543698"/>
           </a:xfrm>
           <a:prstGeom prst="rect">
@@ -4908,7 +6446,7 @@
             <a:pPr algn="ctr"/>
             <a:r>
               <a:rPr lang="ko-KR" altLang="en-US" dirty="0" smtClean="0"/>
-              <a:t>장비</a:t>
+              <a:t>아이템</a:t>
             </a:r>
             <a:endParaRPr lang="en-US" altLang="ko-KR" dirty="0" smtClean="0"/>
           </a:p>
@@ -4916,18 +6454,59 @@
       </p:sp>
       <p:sp>
         <p:nvSpPr>
-          <p:cNvPr id="54" name="직사각형 53">
-            <a:hlinkClick r:id="rId2" action="ppaction://hlinksldjump"/>
-          </p:cNvPr>
+          <p:cNvPr id="4" name="모서리가 둥근 직사각형 3"/>
           <p:cNvSpPr/>
           <p:nvPr/>
         </p:nvSpPr>
         <p:spPr>
           <a:xfrm>
-            <a:off x="10230733" y="5371590"/>
-            <a:ext cx="1729945" cy="543698"/>
-          </a:xfrm>
-          <a:prstGeom prst="rect">
+            <a:off x="1758610" y="2449453"/>
+            <a:ext cx="807956" cy="807956"/>
+          </a:xfrm>
+          <a:prstGeom prst="roundRect">
+            <a:avLst/>
+          </a:prstGeom>
+          <a:ln/>
+        </p:spPr>
+        <p:style>
+          <a:lnRef idx="1">
+            <a:schemeClr val="accent1"/>
+          </a:lnRef>
+          <a:fillRef idx="2">
+            <a:schemeClr val="accent1"/>
+          </a:fillRef>
+          <a:effectRef idx="1">
+            <a:schemeClr val="accent1"/>
+          </a:effectRef>
+          <a:fontRef idx="minor">
+            <a:schemeClr val="dk1"/>
+          </a:fontRef>
+        </p:style>
+        <p:txBody>
+          <a:bodyPr rtlCol="0" anchor="ctr"/>
+          <a:lstStyle/>
+          <a:p>
+            <a:pPr algn="ctr"/>
+            <a:r>
+              <a:rPr lang="en-US" altLang="ko-KR" sz="1500" dirty="0"/>
+              <a:t>Image</a:t>
+            </a:r>
+            <a:endParaRPr lang="ko-KR" altLang="en-US" sz="1500" dirty="0"/>
+          </a:p>
+        </p:txBody>
+      </p:sp>
+      <p:sp>
+        <p:nvSpPr>
+          <p:cNvPr id="56" name="모서리가 둥근 직사각형 55"/>
+          <p:cNvSpPr/>
+          <p:nvPr/>
+        </p:nvSpPr>
+        <p:spPr>
+          <a:xfrm>
+            <a:off x="2442999" y="3647947"/>
+            <a:ext cx="807956" cy="807956"/>
+          </a:xfrm>
+          <a:prstGeom prst="roundRect">
             <a:avLst/>
           </a:prstGeom>
           <a:ln/>
@@ -4952,16 +6531,233 @@
           <a:p>
             <a:pPr algn="ctr"/>
             <a:r>
+              <a:rPr lang="en-US" altLang="ko-KR" sz="1500" dirty="0"/>
+              <a:t>Image</a:t>
+            </a:r>
+            <a:endParaRPr lang="ko-KR" altLang="en-US" sz="1500" dirty="0"/>
+          </a:p>
+        </p:txBody>
+      </p:sp>
+      <p:sp>
+        <p:nvSpPr>
+          <p:cNvPr id="57" name="모서리가 둥근 직사각형 56"/>
+          <p:cNvSpPr/>
+          <p:nvPr/>
+        </p:nvSpPr>
+        <p:spPr>
+          <a:xfrm>
+            <a:off x="3118726" y="2449453"/>
+            <a:ext cx="807956" cy="807956"/>
+          </a:xfrm>
+          <a:prstGeom prst="roundRect">
+            <a:avLst/>
+          </a:prstGeom>
+          <a:ln/>
+        </p:spPr>
+        <p:style>
+          <a:lnRef idx="1">
+            <a:schemeClr val="accent3"/>
+          </a:lnRef>
+          <a:fillRef idx="2">
+            <a:schemeClr val="accent3"/>
+          </a:fillRef>
+          <a:effectRef idx="1">
+            <a:schemeClr val="accent3"/>
+          </a:effectRef>
+          <a:fontRef idx="minor">
+            <a:schemeClr val="dk1"/>
+          </a:fontRef>
+        </p:style>
+        <p:txBody>
+          <a:bodyPr rtlCol="0" anchor="ctr"/>
+          <a:lstStyle/>
+          <a:p>
+            <a:pPr algn="ctr"/>
+            <a:r>
+              <a:rPr lang="en-US" altLang="ko-KR" sz="1500" dirty="0"/>
+              <a:t>Image</a:t>
+            </a:r>
+            <a:endParaRPr lang="ko-KR" altLang="en-US" sz="1500" dirty="0"/>
+          </a:p>
+        </p:txBody>
+      </p:sp>
+      <p:sp>
+        <p:nvSpPr>
+          <p:cNvPr id="61" name="모서리가 둥근 직사각형 60"/>
+          <p:cNvSpPr/>
+          <p:nvPr/>
+        </p:nvSpPr>
+        <p:spPr>
+          <a:xfrm>
+            <a:off x="5704371" y="928812"/>
+            <a:ext cx="807956" cy="807956"/>
+          </a:xfrm>
+          <a:prstGeom prst="roundRect">
+            <a:avLst/>
+          </a:prstGeom>
+          <a:ln/>
+        </p:spPr>
+        <p:style>
+          <a:lnRef idx="1">
+            <a:schemeClr val="accent1"/>
+          </a:lnRef>
+          <a:fillRef idx="2">
+            <a:schemeClr val="accent1"/>
+          </a:fillRef>
+          <a:effectRef idx="1">
+            <a:schemeClr val="accent1"/>
+          </a:effectRef>
+          <a:fontRef idx="minor">
+            <a:schemeClr val="dk1"/>
+          </a:fontRef>
+        </p:style>
+        <p:txBody>
+          <a:bodyPr rtlCol="0" anchor="ctr"/>
+          <a:lstStyle/>
+          <a:p>
+            <a:pPr algn="ctr"/>
+            <a:r>
+              <a:rPr lang="en-US" altLang="ko-KR" sz="1500" dirty="0" smtClean="0"/>
+              <a:t>Image</a:t>
+            </a:r>
+            <a:endParaRPr lang="ko-KR" altLang="en-US" sz="1500" dirty="0"/>
+          </a:p>
+        </p:txBody>
+      </p:sp>
+      <p:sp>
+        <p:nvSpPr>
+          <p:cNvPr id="62" name="TextBox 61"/>
+          <p:cNvSpPr txBox="1"/>
+          <p:nvPr/>
+        </p:nvSpPr>
+        <p:spPr>
+          <a:xfrm>
+            <a:off x="6644462" y="994217"/>
+            <a:ext cx="2562899" cy="538609"/>
+          </a:xfrm>
+          <a:prstGeom prst="rect">
+            <a:avLst/>
+          </a:prstGeom>
+          <a:noFill/>
+        </p:spPr>
+        <p:txBody>
+          <a:bodyPr wrap="square" rtlCol="0">
+            <a:spAutoFit/>
+          </a:bodyPr>
+          <a:lstStyle/>
+          <a:p>
+            <a:r>
               <a:rPr lang="ko-KR" altLang="en-US" dirty="0" smtClean="0"/>
-              <a:t>아이템</a:t>
+              <a:t>기본 공격</a:t>
             </a:r>
             <a:endParaRPr lang="en-US" altLang="ko-KR" dirty="0" smtClean="0"/>
           </a:p>
-        </p:txBody>
-      </p:sp>
-      <p:sp>
-        <p:nvSpPr>
-          <p:cNvPr id="50" name="타원 49"/>
+          <a:p>
+            <a:r>
+              <a:rPr lang="en-US" altLang="ko-KR" sz="1100" dirty="0" smtClean="0"/>
+              <a:t>Damage : </a:t>
+            </a:r>
+            <a:r>
+              <a:rPr lang="ko-KR" altLang="en-US" sz="1100" dirty="0" smtClean="0"/>
+              <a:t> </a:t>
+            </a:r>
+            <a:r>
+              <a:rPr lang="en-US" altLang="ko-KR" sz="1100" dirty="0" smtClean="0"/>
+              <a:t>100%</a:t>
+            </a:r>
+          </a:p>
+        </p:txBody>
+      </p:sp>
+      <p:sp>
+        <p:nvSpPr>
+          <p:cNvPr id="63" name="모서리가 둥근 직사각형 62"/>
+          <p:cNvSpPr/>
+          <p:nvPr/>
+        </p:nvSpPr>
+        <p:spPr>
+          <a:xfrm>
+            <a:off x="5697701" y="1848262"/>
+            <a:ext cx="807956" cy="807956"/>
+          </a:xfrm>
+          <a:prstGeom prst="roundRect">
+            <a:avLst/>
+          </a:prstGeom>
+          <a:ln/>
+        </p:spPr>
+        <p:style>
+          <a:lnRef idx="1">
+            <a:schemeClr val="accent1"/>
+          </a:lnRef>
+          <a:fillRef idx="2">
+            <a:schemeClr val="accent1"/>
+          </a:fillRef>
+          <a:effectRef idx="1">
+            <a:schemeClr val="accent1"/>
+          </a:effectRef>
+          <a:fontRef idx="minor">
+            <a:schemeClr val="dk1"/>
+          </a:fontRef>
+        </p:style>
+        <p:txBody>
+          <a:bodyPr rtlCol="0" anchor="ctr"/>
+          <a:lstStyle/>
+          <a:p>
+            <a:pPr algn="ctr"/>
+            <a:r>
+              <a:rPr lang="en-US" altLang="ko-KR" sz="1500" dirty="0" smtClean="0"/>
+              <a:t>Image</a:t>
+            </a:r>
+            <a:endParaRPr lang="ko-KR" altLang="en-US" sz="1500" dirty="0"/>
+          </a:p>
+        </p:txBody>
+      </p:sp>
+      <p:sp>
+        <p:nvSpPr>
+          <p:cNvPr id="64" name="TextBox 63"/>
+          <p:cNvSpPr txBox="1"/>
+          <p:nvPr/>
+        </p:nvSpPr>
+        <p:spPr>
+          <a:xfrm>
+            <a:off x="6637792" y="1913667"/>
+            <a:ext cx="2562899" cy="538609"/>
+          </a:xfrm>
+          <a:prstGeom prst="rect">
+            <a:avLst/>
+          </a:prstGeom>
+          <a:noFill/>
+        </p:spPr>
+        <p:txBody>
+          <a:bodyPr wrap="square" rtlCol="0">
+            <a:spAutoFit/>
+          </a:bodyPr>
+          <a:lstStyle/>
+          <a:p>
+            <a:r>
+              <a:rPr lang="ko-KR" altLang="en-US" dirty="0" smtClean="0"/>
+              <a:t>강한 공격</a:t>
+            </a:r>
+            <a:endParaRPr lang="en-US" altLang="ko-KR" dirty="0" smtClean="0"/>
+          </a:p>
+          <a:p>
+            <a:r>
+              <a:rPr lang="en-US" altLang="ko-KR" sz="1100" dirty="0" smtClean="0"/>
+              <a:t>Damage : </a:t>
+            </a:r>
+            <a:r>
+              <a:rPr lang="ko-KR" altLang="en-US" sz="1100" dirty="0" smtClean="0"/>
+              <a:t> </a:t>
+            </a:r>
+            <a:r>
+              <a:rPr lang="en-US" altLang="ko-KR" sz="1100" dirty="0" smtClean="0"/>
+              <a:t>100%</a:t>
+            </a:r>
+          </a:p>
+        </p:txBody>
+      </p:sp>
+      <p:sp>
+        <p:nvSpPr>
+          <p:cNvPr id="65" name="타원 64"/>
           <p:cNvSpPr/>
           <p:nvPr/>
         </p:nvSpPr>
@@ -5005,7 +6801,7 @@
       </p:sp>
       <p:sp>
         <p:nvSpPr>
-          <p:cNvPr id="53" name="TextBox 52"/>
+          <p:cNvPr id="66" name="TextBox 65"/>
           <p:cNvSpPr txBox="1"/>
           <p:nvPr/>
         </p:nvSpPr>
@@ -5035,195 +6831,19 @@
       </p:sp>
       <p:sp>
         <p:nvSpPr>
-          <p:cNvPr id="77" name="직사각형 76"/>
+          <p:cNvPr id="5" name="직사각형 4"/>
           <p:cNvSpPr/>
           <p:nvPr/>
         </p:nvSpPr>
         <p:spPr>
           <a:xfrm>
-            <a:off x="891085" y="1595302"/>
-            <a:ext cx="3928050" cy="3841674"/>
+            <a:off x="1881850" y="2452276"/>
+            <a:ext cx="569387" cy="323165"/>
           </a:xfrm>
           <a:prstGeom prst="rect">
             <a:avLst/>
           </a:prstGeom>
-          <a:solidFill>
-            <a:schemeClr val="accent6">
-              <a:alpha val="19000"/>
-            </a:schemeClr>
-          </a:solidFill>
-          <a:ln>
-            <a:solidFill>
-              <a:schemeClr val="accent6">
-                <a:shade val="50000"/>
-                <a:alpha val="33000"/>
-              </a:schemeClr>
-            </a:solidFill>
-          </a:ln>
-        </p:spPr>
-        <p:style>
-          <a:lnRef idx="2">
-            <a:schemeClr val="accent6">
-              <a:shade val="50000"/>
-            </a:schemeClr>
-          </a:lnRef>
-          <a:fillRef idx="1">
-            <a:schemeClr val="accent6"/>
-          </a:fillRef>
-          <a:effectRef idx="0">
-            <a:schemeClr val="accent6"/>
-          </a:effectRef>
-          <a:fontRef idx="minor">
-            <a:schemeClr val="lt1"/>
-          </a:fontRef>
-        </p:style>
-        <p:txBody>
-          <a:bodyPr rtlCol="0" anchor="ctr"/>
-          <a:lstStyle/>
-          <a:p>
-            <a:pPr algn="ctr"/>
-            <a:endParaRPr lang="ko-KR" altLang="en-US"/>
-          </a:p>
-        </p:txBody>
-      </p:sp>
-      <p:sp>
-        <p:nvSpPr>
-          <p:cNvPr id="78" name="직사각형 77"/>
-          <p:cNvSpPr/>
-          <p:nvPr/>
-        </p:nvSpPr>
-        <p:spPr>
-          <a:xfrm>
-            <a:off x="5498981" y="238898"/>
-            <a:ext cx="4514316" cy="6384326"/>
-          </a:xfrm>
-          <a:prstGeom prst="rect">
-            <a:avLst/>
-          </a:prstGeom>
-          <a:solidFill>
-            <a:schemeClr val="accent6">
-              <a:alpha val="19000"/>
-            </a:schemeClr>
-          </a:solidFill>
-          <a:ln>
-            <a:solidFill>
-              <a:schemeClr val="accent6">
-                <a:shade val="50000"/>
-                <a:alpha val="33000"/>
-              </a:schemeClr>
-            </a:solidFill>
-          </a:ln>
-        </p:spPr>
-        <p:style>
-          <a:lnRef idx="2">
-            <a:schemeClr val="accent6">
-              <a:shade val="50000"/>
-            </a:schemeClr>
-          </a:lnRef>
-          <a:fillRef idx="1">
-            <a:schemeClr val="accent6"/>
-          </a:fillRef>
-          <a:effectRef idx="0">
-            <a:schemeClr val="accent6"/>
-          </a:effectRef>
-          <a:fontRef idx="minor">
-            <a:schemeClr val="lt1"/>
-          </a:fontRef>
-        </p:style>
-        <p:txBody>
-          <a:bodyPr rtlCol="0" anchor="ctr"/>
-          <a:lstStyle/>
-          <a:p>
-            <a:pPr algn="ctr"/>
-            <a:endParaRPr lang="ko-KR" altLang="en-US"/>
-          </a:p>
-        </p:txBody>
-      </p:sp>
-      <p:sp>
-        <p:nvSpPr>
-          <p:cNvPr id="79" name="TextBox 78"/>
-          <p:cNvSpPr txBox="1"/>
-          <p:nvPr/>
-        </p:nvSpPr>
-        <p:spPr>
-          <a:xfrm>
-            <a:off x="6679851" y="1008131"/>
-            <a:ext cx="2562899" cy="369332"/>
-          </a:xfrm>
-          <a:prstGeom prst="rect">
-            <a:avLst/>
-          </a:prstGeom>
-          <a:noFill/>
-        </p:spPr>
-        <p:txBody>
-          <a:bodyPr wrap="square" rtlCol="0">
-            <a:spAutoFit/>
-          </a:bodyPr>
-          <a:lstStyle/>
-          <a:p>
-            <a:endParaRPr lang="en-US" altLang="ko-KR" dirty="0" smtClean="0"/>
-          </a:p>
-        </p:txBody>
-      </p:sp>
-      <p:cxnSp>
-        <p:nvCxnSpPr>
-          <p:cNvPr id="80" name="직선 연결선 79"/>
-          <p:cNvCxnSpPr/>
-          <p:nvPr/>
-        </p:nvCxnSpPr>
-        <p:spPr>
-          <a:xfrm>
-            <a:off x="5599708" y="879384"/>
-            <a:ext cx="4318765" cy="0"/>
-          </a:xfrm>
-          <a:prstGeom prst="line">
-            <a:avLst/>
-          </a:prstGeom>
-        </p:spPr>
-        <p:style>
-          <a:lnRef idx="1">
-            <a:schemeClr val="accent1"/>
-          </a:lnRef>
-          <a:fillRef idx="0">
-            <a:schemeClr val="accent1"/>
-          </a:fillRef>
-          <a:effectRef idx="0">
-            <a:schemeClr val="accent1"/>
-          </a:effectRef>
-          <a:fontRef idx="minor">
-            <a:schemeClr val="tx1"/>
-          </a:fontRef>
-        </p:style>
-      </p:cxnSp>
-      <p:sp>
-        <p:nvSpPr>
-          <p:cNvPr id="81" name="직사각형 80"/>
-          <p:cNvSpPr/>
-          <p:nvPr/>
-        </p:nvSpPr>
-        <p:spPr>
-          <a:xfrm>
-            <a:off x="6312416" y="418014"/>
-            <a:ext cx="646331" cy="369332"/>
-          </a:xfrm>
-          <a:prstGeom prst="rect">
-            <a:avLst/>
-          </a:prstGeom>
-        </p:spPr>
-        <p:style>
-          <a:lnRef idx="1">
-            <a:schemeClr val="accent5"/>
-          </a:lnRef>
-          <a:fillRef idx="2">
-            <a:schemeClr val="accent5"/>
-          </a:fillRef>
-          <a:effectRef idx="1">
-            <a:schemeClr val="accent5"/>
-          </a:effectRef>
-          <a:fontRef idx="minor">
-            <a:schemeClr val="dk1"/>
-          </a:fontRef>
-        </p:style>
+        </p:spPr>
         <p:txBody>
           <a:bodyPr wrap="none">
             <a:spAutoFit/>
@@ -5231,83 +6851,26 @@
           <a:lstStyle/>
           <a:p>
             <a:r>
-              <a:rPr lang="ko-KR" altLang="en-US" dirty="0" smtClean="0"/>
-              <a:t>전투</a:t>
-            </a:r>
-            <a:endParaRPr lang="ko-KR" altLang="en-US" dirty="0"/>
-          </a:p>
-        </p:txBody>
-      </p:sp>
-      <p:cxnSp>
-        <p:nvCxnSpPr>
-          <p:cNvPr id="82" name="직선 연결선 81"/>
-          <p:cNvCxnSpPr/>
-          <p:nvPr/>
-        </p:nvCxnSpPr>
-        <p:spPr>
-          <a:xfrm>
-            <a:off x="5599708" y="1798834"/>
-            <a:ext cx="4318765" cy="0"/>
-          </a:xfrm>
-          <a:prstGeom prst="line">
-            <a:avLst/>
-          </a:prstGeom>
-        </p:spPr>
-        <p:style>
-          <a:lnRef idx="1">
-            <a:schemeClr val="accent1"/>
-          </a:lnRef>
-          <a:fillRef idx="0">
-            <a:schemeClr val="accent1"/>
-          </a:fillRef>
-          <a:effectRef idx="0">
-            <a:schemeClr val="accent1"/>
-          </a:effectRef>
-          <a:fontRef idx="minor">
-            <a:schemeClr val="tx1"/>
-          </a:fontRef>
-        </p:style>
-      </p:cxnSp>
-      <p:cxnSp>
-        <p:nvCxnSpPr>
-          <p:cNvPr id="88" name="직선 연결선 87"/>
-          <p:cNvCxnSpPr/>
-          <p:nvPr/>
-        </p:nvCxnSpPr>
-        <p:spPr>
-          <a:xfrm>
-            <a:off x="5599708" y="2721623"/>
-            <a:ext cx="4318765" cy="0"/>
-          </a:xfrm>
-          <a:prstGeom prst="line">
-            <a:avLst/>
-          </a:prstGeom>
-        </p:spPr>
-        <p:style>
-          <a:lnRef idx="1">
-            <a:schemeClr val="accent1"/>
-          </a:lnRef>
-          <a:fillRef idx="0">
-            <a:schemeClr val="accent1"/>
-          </a:fillRef>
-          <a:effectRef idx="0">
-            <a:schemeClr val="accent1"/>
-          </a:effectRef>
-          <a:fontRef idx="minor">
-            <a:schemeClr val="tx1"/>
-          </a:fontRef>
-        </p:style>
-      </p:cxnSp>
-      <p:sp>
-        <p:nvSpPr>
-          <p:cNvPr id="90" name="직사각형 89"/>
+              <a:rPr lang="ko-KR" altLang="en-US" sz="1500" dirty="0" smtClean="0"/>
+              <a:t>공</a:t>
+            </a:r>
+            <a:r>
+              <a:rPr lang="ko-KR" altLang="en-US" sz="1500" dirty="0"/>
+              <a:t>격</a:t>
+            </a:r>
+          </a:p>
+        </p:txBody>
+      </p:sp>
+      <p:sp>
+        <p:nvSpPr>
+          <p:cNvPr id="67" name="직사각형 66"/>
           <p:cNvSpPr/>
           <p:nvPr/>
         </p:nvSpPr>
         <p:spPr>
           <a:xfrm>
-            <a:off x="8514186" y="416978"/>
-            <a:ext cx="646331" cy="369332"/>
+            <a:off x="3250955" y="2470271"/>
+            <a:ext cx="569387" cy="323165"/>
           </a:xfrm>
           <a:prstGeom prst="rect">
             <a:avLst/>
@@ -5320,402 +6883,6 @@
           <a:lstStyle/>
           <a:p>
             <a:r>
-              <a:rPr lang="ko-KR" altLang="en-US" dirty="0" smtClean="0"/>
-              <a:t>수집</a:t>
-            </a:r>
-            <a:endParaRPr lang="ko-KR" altLang="en-US" dirty="0"/>
-          </a:p>
-        </p:txBody>
-      </p:sp>
-      <p:cxnSp>
-        <p:nvCxnSpPr>
-          <p:cNvPr id="92" name="직선 연결선 91"/>
-          <p:cNvCxnSpPr/>
-          <p:nvPr/>
-        </p:nvCxnSpPr>
-        <p:spPr>
-          <a:xfrm>
-            <a:off x="7764528" y="349071"/>
-            <a:ext cx="0" cy="521924"/>
-          </a:xfrm>
-          <a:prstGeom prst="line">
-            <a:avLst/>
-          </a:prstGeom>
-        </p:spPr>
-        <p:style>
-          <a:lnRef idx="1">
-            <a:schemeClr val="accent1"/>
-          </a:lnRef>
-          <a:fillRef idx="0">
-            <a:schemeClr val="accent1"/>
-          </a:fillRef>
-          <a:effectRef idx="0">
-            <a:schemeClr val="accent1"/>
-          </a:effectRef>
-          <a:fontRef idx="minor">
-            <a:schemeClr val="tx1"/>
-          </a:fontRef>
-        </p:style>
-      </p:cxnSp>
-      <p:sp>
-        <p:nvSpPr>
-          <p:cNvPr id="93" name="모서리가 둥근 직사각형 92"/>
-          <p:cNvSpPr/>
-          <p:nvPr/>
-        </p:nvSpPr>
-        <p:spPr>
-          <a:xfrm>
-            <a:off x="1758610" y="2449453"/>
-            <a:ext cx="807956" cy="807956"/>
-          </a:xfrm>
-          <a:prstGeom prst="roundRect">
-            <a:avLst/>
-          </a:prstGeom>
-          <a:ln/>
-        </p:spPr>
-        <p:style>
-          <a:lnRef idx="1">
-            <a:schemeClr val="accent1"/>
-          </a:lnRef>
-          <a:fillRef idx="2">
-            <a:schemeClr val="accent1"/>
-          </a:fillRef>
-          <a:effectRef idx="1">
-            <a:schemeClr val="accent1"/>
-          </a:effectRef>
-          <a:fontRef idx="minor">
-            <a:schemeClr val="dk1"/>
-          </a:fontRef>
-        </p:style>
-        <p:txBody>
-          <a:bodyPr rtlCol="0" anchor="ctr"/>
-          <a:lstStyle/>
-          <a:p>
-            <a:pPr algn="ctr"/>
-            <a:r>
-              <a:rPr lang="en-US" altLang="ko-KR" sz="1500" dirty="0"/>
-              <a:t>Image</a:t>
-            </a:r>
-            <a:endParaRPr lang="ko-KR" altLang="en-US" sz="1500" dirty="0"/>
-          </a:p>
-        </p:txBody>
-      </p:sp>
-      <p:sp>
-        <p:nvSpPr>
-          <p:cNvPr id="94" name="모서리가 둥근 직사각형 93"/>
-          <p:cNvSpPr/>
-          <p:nvPr/>
-        </p:nvSpPr>
-        <p:spPr>
-          <a:xfrm>
-            <a:off x="2442999" y="3647947"/>
-            <a:ext cx="807956" cy="807956"/>
-          </a:xfrm>
-          <a:prstGeom prst="roundRect">
-            <a:avLst/>
-          </a:prstGeom>
-          <a:ln/>
-        </p:spPr>
-        <p:style>
-          <a:lnRef idx="1">
-            <a:schemeClr val="accent5"/>
-          </a:lnRef>
-          <a:fillRef idx="2">
-            <a:schemeClr val="accent5"/>
-          </a:fillRef>
-          <a:effectRef idx="1">
-            <a:schemeClr val="accent5"/>
-          </a:effectRef>
-          <a:fontRef idx="minor">
-            <a:schemeClr val="dk1"/>
-          </a:fontRef>
-        </p:style>
-        <p:txBody>
-          <a:bodyPr rtlCol="0" anchor="ctr"/>
-          <a:lstStyle/>
-          <a:p>
-            <a:pPr algn="ctr"/>
-            <a:r>
-              <a:rPr lang="en-US" altLang="ko-KR" sz="1500" dirty="0"/>
-              <a:t>Image</a:t>
-            </a:r>
-            <a:endParaRPr lang="ko-KR" altLang="en-US" sz="1500" dirty="0"/>
-          </a:p>
-        </p:txBody>
-      </p:sp>
-      <p:sp>
-        <p:nvSpPr>
-          <p:cNvPr id="95" name="모서리가 둥근 직사각형 94"/>
-          <p:cNvSpPr/>
-          <p:nvPr/>
-        </p:nvSpPr>
-        <p:spPr>
-          <a:xfrm>
-            <a:off x="3118726" y="2449453"/>
-            <a:ext cx="807956" cy="807956"/>
-          </a:xfrm>
-          <a:prstGeom prst="roundRect">
-            <a:avLst/>
-          </a:prstGeom>
-          <a:ln/>
-        </p:spPr>
-        <p:style>
-          <a:lnRef idx="1">
-            <a:schemeClr val="accent3"/>
-          </a:lnRef>
-          <a:fillRef idx="2">
-            <a:schemeClr val="accent3"/>
-          </a:fillRef>
-          <a:effectRef idx="1">
-            <a:schemeClr val="accent3"/>
-          </a:effectRef>
-          <a:fontRef idx="minor">
-            <a:schemeClr val="dk1"/>
-          </a:fontRef>
-        </p:style>
-        <p:txBody>
-          <a:bodyPr rtlCol="0" anchor="ctr"/>
-          <a:lstStyle/>
-          <a:p>
-            <a:pPr algn="ctr"/>
-            <a:r>
-              <a:rPr lang="en-US" altLang="ko-KR" sz="1500" dirty="0"/>
-              <a:t>Image</a:t>
-            </a:r>
-            <a:endParaRPr lang="ko-KR" altLang="en-US" sz="1500" dirty="0"/>
-          </a:p>
-        </p:txBody>
-      </p:sp>
-      <p:sp>
-        <p:nvSpPr>
-          <p:cNvPr id="96" name="모서리가 둥근 직사각형 95"/>
-          <p:cNvSpPr/>
-          <p:nvPr/>
-        </p:nvSpPr>
-        <p:spPr>
-          <a:xfrm>
-            <a:off x="5704371" y="928812"/>
-            <a:ext cx="807956" cy="807956"/>
-          </a:xfrm>
-          <a:prstGeom prst="roundRect">
-            <a:avLst/>
-          </a:prstGeom>
-          <a:ln/>
-        </p:spPr>
-        <p:style>
-          <a:lnRef idx="1">
-            <a:schemeClr val="accent1"/>
-          </a:lnRef>
-          <a:fillRef idx="2">
-            <a:schemeClr val="accent1"/>
-          </a:fillRef>
-          <a:effectRef idx="1">
-            <a:schemeClr val="accent1"/>
-          </a:effectRef>
-          <a:fontRef idx="minor">
-            <a:schemeClr val="dk1"/>
-          </a:fontRef>
-        </p:style>
-        <p:txBody>
-          <a:bodyPr rtlCol="0" anchor="ctr"/>
-          <a:lstStyle/>
-          <a:p>
-            <a:pPr algn="ctr"/>
-            <a:r>
-              <a:rPr lang="en-US" altLang="ko-KR" sz="1500" dirty="0" smtClean="0"/>
-              <a:t>Image</a:t>
-            </a:r>
-            <a:endParaRPr lang="ko-KR" altLang="en-US" sz="1500" dirty="0"/>
-          </a:p>
-        </p:txBody>
-      </p:sp>
-      <p:sp>
-        <p:nvSpPr>
-          <p:cNvPr id="97" name="TextBox 96"/>
-          <p:cNvSpPr txBox="1"/>
-          <p:nvPr/>
-        </p:nvSpPr>
-        <p:spPr>
-          <a:xfrm>
-            <a:off x="6644462" y="994217"/>
-            <a:ext cx="2562899" cy="538609"/>
-          </a:xfrm>
-          <a:prstGeom prst="rect">
-            <a:avLst/>
-          </a:prstGeom>
-          <a:noFill/>
-        </p:spPr>
-        <p:txBody>
-          <a:bodyPr wrap="square" rtlCol="0">
-            <a:spAutoFit/>
-          </a:bodyPr>
-          <a:lstStyle/>
-          <a:p>
-            <a:r>
-              <a:rPr lang="ko-KR" altLang="en-US" dirty="0" smtClean="0"/>
-              <a:t>기본 공격</a:t>
-            </a:r>
-            <a:endParaRPr lang="en-US" altLang="ko-KR" dirty="0" smtClean="0"/>
-          </a:p>
-          <a:p>
-            <a:r>
-              <a:rPr lang="en-US" altLang="ko-KR" sz="1100" dirty="0" smtClean="0"/>
-              <a:t>Damage : </a:t>
-            </a:r>
-            <a:r>
-              <a:rPr lang="ko-KR" altLang="en-US" sz="1100" dirty="0" smtClean="0"/>
-              <a:t> </a:t>
-            </a:r>
-            <a:r>
-              <a:rPr lang="en-US" altLang="ko-KR" sz="1100" dirty="0" smtClean="0"/>
-              <a:t>100%</a:t>
-            </a:r>
-            <a:endParaRPr lang="en-US" altLang="ko-KR" sz="1100" dirty="0" smtClean="0"/>
-          </a:p>
-        </p:txBody>
-      </p:sp>
-      <p:sp>
-        <p:nvSpPr>
-          <p:cNvPr id="98" name="모서리가 둥근 직사각형 97"/>
-          <p:cNvSpPr/>
-          <p:nvPr/>
-        </p:nvSpPr>
-        <p:spPr>
-          <a:xfrm>
-            <a:off x="5697701" y="1848262"/>
-            <a:ext cx="807956" cy="807956"/>
-          </a:xfrm>
-          <a:prstGeom prst="roundRect">
-            <a:avLst/>
-          </a:prstGeom>
-          <a:ln/>
-        </p:spPr>
-        <p:style>
-          <a:lnRef idx="1">
-            <a:schemeClr val="accent1"/>
-          </a:lnRef>
-          <a:fillRef idx="2">
-            <a:schemeClr val="accent1"/>
-          </a:fillRef>
-          <a:effectRef idx="1">
-            <a:schemeClr val="accent1"/>
-          </a:effectRef>
-          <a:fontRef idx="minor">
-            <a:schemeClr val="dk1"/>
-          </a:fontRef>
-        </p:style>
-        <p:txBody>
-          <a:bodyPr rtlCol="0" anchor="ctr"/>
-          <a:lstStyle/>
-          <a:p>
-            <a:pPr algn="ctr"/>
-            <a:r>
-              <a:rPr lang="en-US" altLang="ko-KR" sz="1500" dirty="0" smtClean="0"/>
-              <a:t>Image</a:t>
-            </a:r>
-            <a:endParaRPr lang="ko-KR" altLang="en-US" sz="1500" dirty="0"/>
-          </a:p>
-        </p:txBody>
-      </p:sp>
-      <p:sp>
-        <p:nvSpPr>
-          <p:cNvPr id="99" name="TextBox 98"/>
-          <p:cNvSpPr txBox="1"/>
-          <p:nvPr/>
-        </p:nvSpPr>
-        <p:spPr>
-          <a:xfrm>
-            <a:off x="6637792" y="1913667"/>
-            <a:ext cx="2562899" cy="538609"/>
-          </a:xfrm>
-          <a:prstGeom prst="rect">
-            <a:avLst/>
-          </a:prstGeom>
-          <a:noFill/>
-        </p:spPr>
-        <p:txBody>
-          <a:bodyPr wrap="square" rtlCol="0">
-            <a:spAutoFit/>
-          </a:bodyPr>
-          <a:lstStyle/>
-          <a:p>
-            <a:r>
-              <a:rPr lang="ko-KR" altLang="en-US" dirty="0" smtClean="0"/>
-              <a:t>강한 공격</a:t>
-            </a:r>
-            <a:endParaRPr lang="en-US" altLang="ko-KR" dirty="0" smtClean="0"/>
-          </a:p>
-          <a:p>
-            <a:r>
-              <a:rPr lang="en-US" altLang="ko-KR" sz="1100" dirty="0" smtClean="0"/>
-              <a:t>Damage : </a:t>
-            </a:r>
-            <a:r>
-              <a:rPr lang="ko-KR" altLang="en-US" sz="1100" dirty="0" smtClean="0"/>
-              <a:t> </a:t>
-            </a:r>
-            <a:r>
-              <a:rPr lang="en-US" altLang="ko-KR" sz="1100" dirty="0" smtClean="0"/>
-              <a:t>120%</a:t>
-            </a:r>
-            <a:endParaRPr lang="en-US" altLang="ko-KR" sz="1100" dirty="0" smtClean="0"/>
-          </a:p>
-        </p:txBody>
-      </p:sp>
-      <p:sp>
-        <p:nvSpPr>
-          <p:cNvPr id="106" name="직사각형 105"/>
-          <p:cNvSpPr/>
-          <p:nvPr/>
-        </p:nvSpPr>
-        <p:spPr>
-          <a:xfrm>
-            <a:off x="1881850" y="2452276"/>
-            <a:ext cx="569387" cy="323165"/>
-          </a:xfrm>
-          <a:prstGeom prst="rect">
-            <a:avLst/>
-          </a:prstGeom>
-        </p:spPr>
-        <p:txBody>
-          <a:bodyPr wrap="none">
-            <a:spAutoFit/>
-          </a:bodyPr>
-          <a:lstStyle/>
-          <a:p>
-            <a:r>
-              <a:rPr lang="ko-KR" altLang="en-US" sz="1500" dirty="0" smtClean="0"/>
-              <a:t>공</a:t>
-            </a:r>
-            <a:r>
-              <a:rPr lang="ko-KR" altLang="en-US" sz="1500" dirty="0"/>
-              <a:t>격</a:t>
-            </a:r>
-          </a:p>
-        </p:txBody>
-      </p:sp>
-      <p:sp>
-        <p:nvSpPr>
-          <p:cNvPr id="107" name="직사각형 106"/>
-          <p:cNvSpPr/>
-          <p:nvPr/>
-        </p:nvSpPr>
-        <p:spPr>
-          <a:xfrm>
-            <a:off x="3250955" y="2470271"/>
-            <a:ext cx="569387" cy="323165"/>
-          </a:xfrm>
-          <a:prstGeom prst="rect">
-            <a:avLst/>
-          </a:prstGeom>
-        </p:spPr>
-        <p:txBody>
-          <a:bodyPr wrap="none">
-            <a:spAutoFit/>
-          </a:bodyPr>
-          <a:lstStyle/>
-          <a:p>
-            <a:r>
               <a:rPr lang="ko-KR" altLang="en-US" sz="1500" dirty="0" smtClean="0"/>
               <a:t>필살</a:t>
             </a:r>
@@ -5725,7 +6892,7 @@
       </p:sp>
       <p:sp>
         <p:nvSpPr>
-          <p:cNvPr id="113" name="직사각형 112"/>
+          <p:cNvPr id="68" name="직사각형 67"/>
           <p:cNvSpPr/>
           <p:nvPr/>
         </p:nvSpPr>
@@ -5794,6 +6961,1077 @@
       </p:grpSpPr>
       <p:sp>
         <p:nvSpPr>
+          <p:cNvPr id="112" name="직사각형 111">
+            <a:hlinkClick r:id="rId2" action="ppaction://hlinksldjump"/>
+          </p:cNvPr>
+          <p:cNvSpPr/>
+          <p:nvPr/>
+        </p:nvSpPr>
+        <p:spPr>
+          <a:xfrm>
+            <a:off x="10230736" y="6079526"/>
+            <a:ext cx="1729945" cy="543698"/>
+          </a:xfrm>
+          <a:prstGeom prst="rect">
+            <a:avLst/>
+          </a:prstGeom>
+          <a:ln/>
+        </p:spPr>
+        <p:style>
+          <a:lnRef idx="1">
+            <a:schemeClr val="accent6"/>
+          </a:lnRef>
+          <a:fillRef idx="2">
+            <a:schemeClr val="accent6"/>
+          </a:fillRef>
+          <a:effectRef idx="1">
+            <a:schemeClr val="accent6"/>
+          </a:effectRef>
+          <a:fontRef idx="minor">
+            <a:schemeClr val="dk1"/>
+          </a:fontRef>
+        </p:style>
+        <p:txBody>
+          <a:bodyPr rtlCol="0" anchor="ctr"/>
+          <a:lstStyle/>
+          <a:p>
+            <a:pPr algn="ctr"/>
+            <a:r>
+              <a:rPr lang="ko-KR" altLang="en-US" dirty="0" smtClean="0"/>
+              <a:t>탑</a:t>
+            </a:r>
+            <a:endParaRPr lang="en-US" altLang="ko-KR" dirty="0" smtClean="0"/>
+          </a:p>
+        </p:txBody>
+      </p:sp>
+      <p:sp>
+        <p:nvSpPr>
+          <p:cNvPr id="116" name="타원 115"/>
+          <p:cNvSpPr/>
+          <p:nvPr/>
+        </p:nvSpPr>
+        <p:spPr>
+          <a:xfrm>
+            <a:off x="11601754" y="111786"/>
+            <a:ext cx="358925" cy="358925"/>
+          </a:xfrm>
+          <a:prstGeom prst="ellipse">
+            <a:avLst/>
+          </a:prstGeom>
+          <a:solidFill>
+            <a:schemeClr val="accent2"/>
+          </a:solidFill>
+        </p:spPr>
+        <p:style>
+          <a:lnRef idx="2">
+            <a:schemeClr val="accent3">
+              <a:shade val="50000"/>
+            </a:schemeClr>
+          </a:lnRef>
+          <a:fillRef idx="1">
+            <a:schemeClr val="accent3"/>
+          </a:fillRef>
+          <a:effectRef idx="0">
+            <a:schemeClr val="accent3"/>
+          </a:effectRef>
+          <a:fontRef idx="minor">
+            <a:schemeClr val="lt1"/>
+          </a:fontRef>
+        </p:style>
+        <p:txBody>
+          <a:bodyPr rtlCol="0" anchor="ctr"/>
+          <a:lstStyle/>
+          <a:p>
+            <a:pPr algn="ctr"/>
+            <a:endParaRPr lang="ko-KR" altLang="en-US" sz="1100" dirty="0"/>
+          </a:p>
+        </p:txBody>
+      </p:sp>
+      <p:sp>
+        <p:nvSpPr>
+          <p:cNvPr id="117" name="TextBox 116"/>
+          <p:cNvSpPr txBox="1"/>
+          <p:nvPr/>
+        </p:nvSpPr>
+        <p:spPr>
+          <a:xfrm>
+            <a:off x="11534591" y="153492"/>
+            <a:ext cx="518091" cy="292388"/>
+          </a:xfrm>
+          <a:prstGeom prst="rect">
+            <a:avLst/>
+          </a:prstGeom>
+          <a:noFill/>
+        </p:spPr>
+        <p:txBody>
+          <a:bodyPr wrap="none" rtlCol="0">
+            <a:spAutoFit/>
+          </a:bodyPr>
+          <a:lstStyle/>
+          <a:p>
+            <a:r>
+              <a:rPr lang="ko-KR" altLang="en-US" sz="1300" dirty="0" smtClean="0">
+                <a:solidFill>
+                  <a:schemeClr val="bg1"/>
+                </a:solidFill>
+              </a:rPr>
+              <a:t>설</a:t>
+            </a:r>
+            <a:r>
+              <a:rPr lang="ko-KR" altLang="en-US" sz="1300" dirty="0">
+                <a:solidFill>
+                  <a:schemeClr val="bg1"/>
+                </a:solidFill>
+              </a:rPr>
+              <a:t>정</a:t>
+            </a:r>
+          </a:p>
+        </p:txBody>
+      </p:sp>
+      <p:sp>
+        <p:nvSpPr>
+          <p:cNvPr id="51" name="직사각형 50">
+            <a:hlinkClick r:id="rId2" action="ppaction://hlinksldjump"/>
+          </p:cNvPr>
+          <p:cNvSpPr/>
+          <p:nvPr/>
+        </p:nvSpPr>
+        <p:spPr>
+          <a:xfrm>
+            <a:off x="10230736" y="4665702"/>
+            <a:ext cx="1729945" cy="543698"/>
+          </a:xfrm>
+          <a:prstGeom prst="rect">
+            <a:avLst/>
+          </a:prstGeom>
+          <a:ln/>
+        </p:spPr>
+        <p:style>
+          <a:lnRef idx="1">
+            <a:schemeClr val="accent6"/>
+          </a:lnRef>
+          <a:fillRef idx="2">
+            <a:schemeClr val="accent6"/>
+          </a:fillRef>
+          <a:effectRef idx="1">
+            <a:schemeClr val="accent6"/>
+          </a:effectRef>
+          <a:fontRef idx="minor">
+            <a:schemeClr val="dk1"/>
+          </a:fontRef>
+        </p:style>
+        <p:txBody>
+          <a:bodyPr rtlCol="0" anchor="ctr"/>
+          <a:lstStyle/>
+          <a:p>
+            <a:pPr algn="ctr"/>
+            <a:r>
+              <a:rPr lang="ko-KR" altLang="en-US" dirty="0" smtClean="0"/>
+              <a:t>스킬</a:t>
+            </a:r>
+            <a:endParaRPr lang="en-US" altLang="ko-KR" dirty="0" smtClean="0"/>
+          </a:p>
+        </p:txBody>
+      </p:sp>
+      <p:sp>
+        <p:nvSpPr>
+          <p:cNvPr id="55" name="직사각형 54">
+            <a:hlinkClick r:id="rId2" action="ppaction://hlinksldjump"/>
+          </p:cNvPr>
+          <p:cNvSpPr/>
+          <p:nvPr/>
+        </p:nvSpPr>
+        <p:spPr>
+          <a:xfrm>
+            <a:off x="10230734" y="3957274"/>
+            <a:ext cx="1729945" cy="543698"/>
+          </a:xfrm>
+          <a:prstGeom prst="rect">
+            <a:avLst/>
+          </a:prstGeom>
+          <a:ln/>
+        </p:spPr>
+        <p:style>
+          <a:lnRef idx="1">
+            <a:schemeClr val="accent6"/>
+          </a:lnRef>
+          <a:fillRef idx="2">
+            <a:schemeClr val="accent6"/>
+          </a:fillRef>
+          <a:effectRef idx="1">
+            <a:schemeClr val="accent6"/>
+          </a:effectRef>
+          <a:fontRef idx="minor">
+            <a:schemeClr val="dk1"/>
+          </a:fontRef>
+        </p:style>
+        <p:txBody>
+          <a:bodyPr rtlCol="0" anchor="ctr"/>
+          <a:lstStyle/>
+          <a:p>
+            <a:pPr algn="ctr"/>
+            <a:r>
+              <a:rPr lang="ko-KR" altLang="en-US" dirty="0" smtClean="0"/>
+              <a:t>장비</a:t>
+            </a:r>
+            <a:endParaRPr lang="en-US" altLang="ko-KR" dirty="0" smtClean="0"/>
+          </a:p>
+        </p:txBody>
+      </p:sp>
+      <p:sp>
+        <p:nvSpPr>
+          <p:cNvPr id="54" name="직사각형 53">
+            <a:hlinkClick r:id="rId2" action="ppaction://hlinksldjump"/>
+          </p:cNvPr>
+          <p:cNvSpPr/>
+          <p:nvPr/>
+        </p:nvSpPr>
+        <p:spPr>
+          <a:xfrm>
+            <a:off x="10230733" y="5371590"/>
+            <a:ext cx="1729945" cy="543698"/>
+          </a:xfrm>
+          <a:prstGeom prst="rect">
+            <a:avLst/>
+          </a:prstGeom>
+          <a:ln/>
+        </p:spPr>
+        <p:style>
+          <a:lnRef idx="1">
+            <a:schemeClr val="accent5"/>
+          </a:lnRef>
+          <a:fillRef idx="2">
+            <a:schemeClr val="accent5"/>
+          </a:fillRef>
+          <a:effectRef idx="1">
+            <a:schemeClr val="accent5"/>
+          </a:effectRef>
+          <a:fontRef idx="minor">
+            <a:schemeClr val="dk1"/>
+          </a:fontRef>
+        </p:style>
+        <p:txBody>
+          <a:bodyPr rtlCol="0" anchor="ctr"/>
+          <a:lstStyle/>
+          <a:p>
+            <a:pPr algn="ctr"/>
+            <a:r>
+              <a:rPr lang="ko-KR" altLang="en-US" dirty="0" smtClean="0"/>
+              <a:t>아이템</a:t>
+            </a:r>
+            <a:endParaRPr lang="en-US" altLang="ko-KR" dirty="0" smtClean="0"/>
+          </a:p>
+        </p:txBody>
+      </p:sp>
+      <p:sp>
+        <p:nvSpPr>
+          <p:cNvPr id="50" name="타원 49"/>
+          <p:cNvSpPr/>
+          <p:nvPr/>
+        </p:nvSpPr>
+        <p:spPr>
+          <a:xfrm>
+            <a:off x="10216752" y="113242"/>
+            <a:ext cx="358925" cy="358925"/>
+          </a:xfrm>
+          <a:prstGeom prst="ellipse">
+            <a:avLst/>
+          </a:prstGeom>
+        </p:spPr>
+        <p:style>
+          <a:lnRef idx="2">
+            <a:schemeClr val="accent4">
+              <a:shade val="50000"/>
+            </a:schemeClr>
+          </a:lnRef>
+          <a:fillRef idx="1">
+            <a:schemeClr val="accent4"/>
+          </a:fillRef>
+          <a:effectRef idx="0">
+            <a:schemeClr val="accent4"/>
+          </a:effectRef>
+          <a:fontRef idx="minor">
+            <a:schemeClr val="lt1"/>
+          </a:fontRef>
+        </p:style>
+        <p:txBody>
+          <a:bodyPr rtlCol="0" anchor="ctr"/>
+          <a:lstStyle/>
+          <a:p>
+            <a:pPr algn="ctr"/>
+            <a:r>
+              <a:rPr lang="en-US" altLang="ko-KR" dirty="0" smtClean="0"/>
+              <a:t>G</a:t>
+            </a:r>
+            <a:endParaRPr lang="ko-KR" altLang="en-US" dirty="0"/>
+          </a:p>
+        </p:txBody>
+      </p:sp>
+      <p:sp>
+        <p:nvSpPr>
+          <p:cNvPr id="53" name="TextBox 52"/>
+          <p:cNvSpPr txBox="1"/>
+          <p:nvPr/>
+        </p:nvSpPr>
+        <p:spPr>
+          <a:xfrm>
+            <a:off x="10575677" y="119457"/>
+            <a:ext cx="691215" cy="369332"/>
+          </a:xfrm>
+          <a:prstGeom prst="rect">
+            <a:avLst/>
+          </a:prstGeom>
+          <a:noFill/>
+        </p:spPr>
+        <p:txBody>
+          <a:bodyPr wrap="none" rtlCol="0">
+            <a:spAutoFit/>
+          </a:bodyPr>
+          <a:lstStyle/>
+          <a:p>
+            <a:r>
+              <a:rPr lang="en-US" altLang="ko-KR" dirty="0" smtClean="0"/>
+              <a:t>9999</a:t>
+            </a:r>
+            <a:endParaRPr lang="ko-KR" altLang="en-US" dirty="0"/>
+          </a:p>
+        </p:txBody>
+      </p:sp>
+      <p:sp>
+        <p:nvSpPr>
+          <p:cNvPr id="78" name="직사각형 77"/>
+          <p:cNvSpPr/>
+          <p:nvPr/>
+        </p:nvSpPr>
+        <p:spPr>
+          <a:xfrm>
+            <a:off x="5498981" y="238898"/>
+            <a:ext cx="4514316" cy="6384326"/>
+          </a:xfrm>
+          <a:prstGeom prst="rect">
+            <a:avLst/>
+          </a:prstGeom>
+          <a:solidFill>
+            <a:schemeClr val="accent6">
+              <a:alpha val="19000"/>
+            </a:schemeClr>
+          </a:solidFill>
+          <a:ln>
+            <a:solidFill>
+              <a:schemeClr val="accent6">
+                <a:shade val="50000"/>
+                <a:alpha val="33000"/>
+              </a:schemeClr>
+            </a:solidFill>
+          </a:ln>
+        </p:spPr>
+        <p:style>
+          <a:lnRef idx="2">
+            <a:schemeClr val="accent6">
+              <a:shade val="50000"/>
+            </a:schemeClr>
+          </a:lnRef>
+          <a:fillRef idx="1">
+            <a:schemeClr val="accent6"/>
+          </a:fillRef>
+          <a:effectRef idx="0">
+            <a:schemeClr val="accent6"/>
+          </a:effectRef>
+          <a:fontRef idx="minor">
+            <a:schemeClr val="lt1"/>
+          </a:fontRef>
+        </p:style>
+        <p:txBody>
+          <a:bodyPr rtlCol="0" anchor="ctr"/>
+          <a:lstStyle/>
+          <a:p>
+            <a:pPr algn="ctr"/>
+            <a:endParaRPr lang="ko-KR" altLang="en-US"/>
+          </a:p>
+        </p:txBody>
+      </p:sp>
+      <p:sp>
+        <p:nvSpPr>
+          <p:cNvPr id="79" name="TextBox 78"/>
+          <p:cNvSpPr txBox="1"/>
+          <p:nvPr/>
+        </p:nvSpPr>
+        <p:spPr>
+          <a:xfrm>
+            <a:off x="6679851" y="1008131"/>
+            <a:ext cx="2562899" cy="369332"/>
+          </a:xfrm>
+          <a:prstGeom prst="rect">
+            <a:avLst/>
+          </a:prstGeom>
+          <a:noFill/>
+        </p:spPr>
+        <p:txBody>
+          <a:bodyPr wrap="square" rtlCol="0">
+            <a:spAutoFit/>
+          </a:bodyPr>
+          <a:lstStyle/>
+          <a:p>
+            <a:endParaRPr lang="en-US" altLang="ko-KR" dirty="0" smtClean="0"/>
+          </a:p>
+        </p:txBody>
+      </p:sp>
+      <p:cxnSp>
+        <p:nvCxnSpPr>
+          <p:cNvPr id="80" name="직선 연결선 79"/>
+          <p:cNvCxnSpPr/>
+          <p:nvPr/>
+        </p:nvCxnSpPr>
+        <p:spPr>
+          <a:xfrm>
+            <a:off x="5599708" y="879384"/>
+            <a:ext cx="4318765" cy="0"/>
+          </a:xfrm>
+          <a:prstGeom prst="line">
+            <a:avLst/>
+          </a:prstGeom>
+        </p:spPr>
+        <p:style>
+          <a:lnRef idx="1">
+            <a:schemeClr val="accent1"/>
+          </a:lnRef>
+          <a:fillRef idx="0">
+            <a:schemeClr val="accent1"/>
+          </a:fillRef>
+          <a:effectRef idx="0">
+            <a:schemeClr val="accent1"/>
+          </a:effectRef>
+          <a:fontRef idx="minor">
+            <a:schemeClr val="tx1"/>
+          </a:fontRef>
+        </p:style>
+      </p:cxnSp>
+      <p:sp>
+        <p:nvSpPr>
+          <p:cNvPr id="81" name="직사각형 80"/>
+          <p:cNvSpPr/>
+          <p:nvPr/>
+        </p:nvSpPr>
+        <p:spPr>
+          <a:xfrm>
+            <a:off x="6312416" y="418014"/>
+            <a:ext cx="646331" cy="369332"/>
+          </a:xfrm>
+          <a:prstGeom prst="rect">
+            <a:avLst/>
+          </a:prstGeom>
+        </p:spPr>
+        <p:style>
+          <a:lnRef idx="1">
+            <a:schemeClr val="accent5"/>
+          </a:lnRef>
+          <a:fillRef idx="2">
+            <a:schemeClr val="accent5"/>
+          </a:fillRef>
+          <a:effectRef idx="1">
+            <a:schemeClr val="accent5"/>
+          </a:effectRef>
+          <a:fontRef idx="minor">
+            <a:schemeClr val="dk1"/>
+          </a:fontRef>
+        </p:style>
+        <p:txBody>
+          <a:bodyPr wrap="none">
+            <a:spAutoFit/>
+          </a:bodyPr>
+          <a:lstStyle/>
+          <a:p>
+            <a:r>
+              <a:rPr lang="ko-KR" altLang="en-US" dirty="0" smtClean="0"/>
+              <a:t>재료</a:t>
+            </a:r>
+            <a:endParaRPr lang="ko-KR" altLang="en-US" dirty="0"/>
+          </a:p>
+        </p:txBody>
+      </p:sp>
+      <p:cxnSp>
+        <p:nvCxnSpPr>
+          <p:cNvPr id="82" name="직선 연결선 81"/>
+          <p:cNvCxnSpPr/>
+          <p:nvPr/>
+        </p:nvCxnSpPr>
+        <p:spPr>
+          <a:xfrm>
+            <a:off x="5599708" y="1798834"/>
+            <a:ext cx="4318765" cy="0"/>
+          </a:xfrm>
+          <a:prstGeom prst="line">
+            <a:avLst/>
+          </a:prstGeom>
+        </p:spPr>
+        <p:style>
+          <a:lnRef idx="1">
+            <a:schemeClr val="accent1"/>
+          </a:lnRef>
+          <a:fillRef idx="0">
+            <a:schemeClr val="accent1"/>
+          </a:fillRef>
+          <a:effectRef idx="0">
+            <a:schemeClr val="accent1"/>
+          </a:effectRef>
+          <a:fontRef idx="minor">
+            <a:schemeClr val="tx1"/>
+          </a:fontRef>
+        </p:style>
+      </p:cxnSp>
+      <p:cxnSp>
+        <p:nvCxnSpPr>
+          <p:cNvPr id="88" name="직선 연결선 87"/>
+          <p:cNvCxnSpPr/>
+          <p:nvPr/>
+        </p:nvCxnSpPr>
+        <p:spPr>
+          <a:xfrm>
+            <a:off x="5599708" y="2721623"/>
+            <a:ext cx="4318765" cy="0"/>
+          </a:xfrm>
+          <a:prstGeom prst="line">
+            <a:avLst/>
+          </a:prstGeom>
+        </p:spPr>
+        <p:style>
+          <a:lnRef idx="1">
+            <a:schemeClr val="accent1"/>
+          </a:lnRef>
+          <a:fillRef idx="0">
+            <a:schemeClr val="accent1"/>
+          </a:fillRef>
+          <a:effectRef idx="0">
+            <a:schemeClr val="accent1"/>
+          </a:effectRef>
+          <a:fontRef idx="minor">
+            <a:schemeClr val="tx1"/>
+          </a:fontRef>
+        </p:style>
+      </p:cxnSp>
+      <p:sp>
+        <p:nvSpPr>
+          <p:cNvPr id="90" name="직사각형 89"/>
+          <p:cNvSpPr/>
+          <p:nvPr/>
+        </p:nvSpPr>
+        <p:spPr>
+          <a:xfrm>
+            <a:off x="8514186" y="416978"/>
+            <a:ext cx="646331" cy="369332"/>
+          </a:xfrm>
+          <a:prstGeom prst="rect">
+            <a:avLst/>
+          </a:prstGeom>
+        </p:spPr>
+        <p:txBody>
+          <a:bodyPr wrap="none">
+            <a:spAutoFit/>
+          </a:bodyPr>
+          <a:lstStyle/>
+          <a:p>
+            <a:r>
+              <a:rPr lang="ko-KR" altLang="en-US" dirty="0" smtClean="0"/>
+              <a:t>수집</a:t>
+            </a:r>
+            <a:endParaRPr lang="ko-KR" altLang="en-US" dirty="0"/>
+          </a:p>
+        </p:txBody>
+      </p:sp>
+      <p:cxnSp>
+        <p:nvCxnSpPr>
+          <p:cNvPr id="92" name="직선 연결선 91"/>
+          <p:cNvCxnSpPr/>
+          <p:nvPr/>
+        </p:nvCxnSpPr>
+        <p:spPr>
+          <a:xfrm>
+            <a:off x="7764528" y="349071"/>
+            <a:ext cx="0" cy="521924"/>
+          </a:xfrm>
+          <a:prstGeom prst="line">
+            <a:avLst/>
+          </a:prstGeom>
+        </p:spPr>
+        <p:style>
+          <a:lnRef idx="1">
+            <a:schemeClr val="accent1"/>
+          </a:lnRef>
+          <a:fillRef idx="0">
+            <a:schemeClr val="accent1"/>
+          </a:fillRef>
+          <a:effectRef idx="0">
+            <a:schemeClr val="accent1"/>
+          </a:effectRef>
+          <a:fontRef idx="minor">
+            <a:schemeClr val="tx1"/>
+          </a:fontRef>
+        </p:style>
+      </p:cxnSp>
+      <p:sp>
+        <p:nvSpPr>
+          <p:cNvPr id="96" name="모서리가 둥근 직사각형 95"/>
+          <p:cNvSpPr/>
+          <p:nvPr/>
+        </p:nvSpPr>
+        <p:spPr>
+          <a:xfrm>
+            <a:off x="5704371" y="928812"/>
+            <a:ext cx="807956" cy="807956"/>
+          </a:xfrm>
+          <a:prstGeom prst="roundRect">
+            <a:avLst/>
+          </a:prstGeom>
+          <a:ln/>
+        </p:spPr>
+        <p:style>
+          <a:lnRef idx="1">
+            <a:schemeClr val="accent1"/>
+          </a:lnRef>
+          <a:fillRef idx="2">
+            <a:schemeClr val="accent1"/>
+          </a:fillRef>
+          <a:effectRef idx="1">
+            <a:schemeClr val="accent1"/>
+          </a:effectRef>
+          <a:fontRef idx="minor">
+            <a:schemeClr val="dk1"/>
+          </a:fontRef>
+        </p:style>
+        <p:txBody>
+          <a:bodyPr rtlCol="0" anchor="ctr"/>
+          <a:lstStyle/>
+          <a:p>
+            <a:pPr algn="ctr"/>
+            <a:r>
+              <a:rPr lang="en-US" altLang="ko-KR" sz="1500" dirty="0" smtClean="0"/>
+              <a:t>Image</a:t>
+            </a:r>
+            <a:endParaRPr lang="ko-KR" altLang="en-US" sz="1500" dirty="0"/>
+          </a:p>
+        </p:txBody>
+      </p:sp>
+      <p:sp>
+        <p:nvSpPr>
+          <p:cNvPr id="97" name="TextBox 96"/>
+          <p:cNvSpPr txBox="1"/>
+          <p:nvPr/>
+        </p:nvSpPr>
+        <p:spPr>
+          <a:xfrm>
+            <a:off x="6644462" y="994217"/>
+            <a:ext cx="2562899" cy="538609"/>
+          </a:xfrm>
+          <a:prstGeom prst="rect">
+            <a:avLst/>
+          </a:prstGeom>
+          <a:noFill/>
+        </p:spPr>
+        <p:txBody>
+          <a:bodyPr wrap="square" rtlCol="0">
+            <a:spAutoFit/>
+          </a:bodyPr>
+          <a:lstStyle/>
+          <a:p>
+            <a:r>
+              <a:rPr lang="ko-KR" altLang="en-US" dirty="0" smtClean="0"/>
+              <a:t>달팽이의 껍질</a:t>
+            </a:r>
+            <a:endParaRPr lang="en-US" altLang="ko-KR" dirty="0" smtClean="0"/>
+          </a:p>
+          <a:p>
+            <a:r>
+              <a:rPr lang="ko-KR" altLang="en-US" sz="1100" dirty="0" err="1" smtClean="0"/>
+              <a:t>퀘스트</a:t>
+            </a:r>
+            <a:r>
+              <a:rPr lang="ko-KR" altLang="en-US" sz="1100" dirty="0" smtClean="0"/>
+              <a:t> 아이템</a:t>
+            </a:r>
+            <a:endParaRPr lang="en-US" altLang="ko-KR" sz="1100" dirty="0" smtClean="0"/>
+          </a:p>
+        </p:txBody>
+      </p:sp>
+      <p:sp>
+        <p:nvSpPr>
+          <p:cNvPr id="98" name="모서리가 둥근 직사각형 97"/>
+          <p:cNvSpPr/>
+          <p:nvPr/>
+        </p:nvSpPr>
+        <p:spPr>
+          <a:xfrm>
+            <a:off x="5697701" y="1848262"/>
+            <a:ext cx="807956" cy="807956"/>
+          </a:xfrm>
+          <a:prstGeom prst="roundRect">
+            <a:avLst/>
+          </a:prstGeom>
+          <a:ln/>
+        </p:spPr>
+        <p:style>
+          <a:lnRef idx="1">
+            <a:schemeClr val="accent1"/>
+          </a:lnRef>
+          <a:fillRef idx="2">
+            <a:schemeClr val="accent1"/>
+          </a:fillRef>
+          <a:effectRef idx="1">
+            <a:schemeClr val="accent1"/>
+          </a:effectRef>
+          <a:fontRef idx="minor">
+            <a:schemeClr val="dk1"/>
+          </a:fontRef>
+        </p:style>
+        <p:txBody>
+          <a:bodyPr rtlCol="0" anchor="ctr"/>
+          <a:lstStyle/>
+          <a:p>
+            <a:pPr algn="ctr"/>
+            <a:r>
+              <a:rPr lang="en-US" altLang="ko-KR" sz="1500" dirty="0" smtClean="0"/>
+              <a:t>Image</a:t>
+            </a:r>
+            <a:endParaRPr lang="ko-KR" altLang="en-US" sz="1500" dirty="0"/>
+          </a:p>
+        </p:txBody>
+      </p:sp>
+      <p:sp>
+        <p:nvSpPr>
+          <p:cNvPr id="99" name="TextBox 98"/>
+          <p:cNvSpPr txBox="1"/>
+          <p:nvPr/>
+        </p:nvSpPr>
+        <p:spPr>
+          <a:xfrm>
+            <a:off x="6637792" y="1913667"/>
+            <a:ext cx="2562899" cy="538609"/>
+          </a:xfrm>
+          <a:prstGeom prst="rect">
+            <a:avLst/>
+          </a:prstGeom>
+          <a:noFill/>
+        </p:spPr>
+        <p:txBody>
+          <a:bodyPr wrap="square" rtlCol="0">
+            <a:spAutoFit/>
+          </a:bodyPr>
+          <a:lstStyle/>
+          <a:p>
+            <a:r>
+              <a:rPr lang="ko-KR" altLang="en-US" dirty="0"/>
+              <a:t>달팽이의 껍질</a:t>
+            </a:r>
+            <a:endParaRPr lang="en-US" altLang="ko-KR" dirty="0"/>
+          </a:p>
+          <a:p>
+            <a:r>
+              <a:rPr lang="ko-KR" altLang="en-US" sz="1100" dirty="0" err="1"/>
+              <a:t>퀘스트</a:t>
+            </a:r>
+            <a:r>
+              <a:rPr lang="ko-KR" altLang="en-US" sz="1100" dirty="0"/>
+              <a:t> 아이템</a:t>
+            </a:r>
+            <a:endParaRPr lang="en-US" altLang="ko-KR" sz="1100" dirty="0"/>
+          </a:p>
+        </p:txBody>
+      </p:sp>
+      <p:sp>
+        <p:nvSpPr>
+          <p:cNvPr id="29" name="TextBox 28"/>
+          <p:cNvSpPr txBox="1"/>
+          <p:nvPr/>
+        </p:nvSpPr>
+        <p:spPr>
+          <a:xfrm>
+            <a:off x="6679851" y="2848678"/>
+            <a:ext cx="2562899" cy="369332"/>
+          </a:xfrm>
+          <a:prstGeom prst="rect">
+            <a:avLst/>
+          </a:prstGeom>
+          <a:noFill/>
+        </p:spPr>
+        <p:txBody>
+          <a:bodyPr wrap="square" rtlCol="0">
+            <a:spAutoFit/>
+          </a:bodyPr>
+          <a:lstStyle/>
+          <a:p>
+            <a:endParaRPr lang="en-US" altLang="ko-KR" dirty="0" smtClean="0"/>
+          </a:p>
+        </p:txBody>
+      </p:sp>
+      <p:cxnSp>
+        <p:nvCxnSpPr>
+          <p:cNvPr id="30" name="직선 연결선 29"/>
+          <p:cNvCxnSpPr/>
+          <p:nvPr/>
+        </p:nvCxnSpPr>
+        <p:spPr>
+          <a:xfrm>
+            <a:off x="5599708" y="3639381"/>
+            <a:ext cx="4318765" cy="0"/>
+          </a:xfrm>
+          <a:prstGeom prst="line">
+            <a:avLst/>
+          </a:prstGeom>
+        </p:spPr>
+        <p:style>
+          <a:lnRef idx="1">
+            <a:schemeClr val="accent1"/>
+          </a:lnRef>
+          <a:fillRef idx="0">
+            <a:schemeClr val="accent1"/>
+          </a:fillRef>
+          <a:effectRef idx="0">
+            <a:schemeClr val="accent1"/>
+          </a:effectRef>
+          <a:fontRef idx="minor">
+            <a:schemeClr val="tx1"/>
+          </a:fontRef>
+        </p:style>
+      </p:cxnSp>
+      <p:cxnSp>
+        <p:nvCxnSpPr>
+          <p:cNvPr id="31" name="직선 연결선 30"/>
+          <p:cNvCxnSpPr/>
+          <p:nvPr/>
+        </p:nvCxnSpPr>
+        <p:spPr>
+          <a:xfrm>
+            <a:off x="5599708" y="4562170"/>
+            <a:ext cx="4318765" cy="0"/>
+          </a:xfrm>
+          <a:prstGeom prst="line">
+            <a:avLst/>
+          </a:prstGeom>
+        </p:spPr>
+        <p:style>
+          <a:lnRef idx="1">
+            <a:schemeClr val="accent1"/>
+          </a:lnRef>
+          <a:fillRef idx="0">
+            <a:schemeClr val="accent1"/>
+          </a:fillRef>
+          <a:effectRef idx="0">
+            <a:schemeClr val="accent1"/>
+          </a:effectRef>
+          <a:fontRef idx="minor">
+            <a:schemeClr val="tx1"/>
+          </a:fontRef>
+        </p:style>
+      </p:cxnSp>
+      <p:sp>
+        <p:nvSpPr>
+          <p:cNvPr id="32" name="모서리가 둥근 직사각형 31"/>
+          <p:cNvSpPr/>
+          <p:nvPr/>
+        </p:nvSpPr>
+        <p:spPr>
+          <a:xfrm>
+            <a:off x="5704371" y="2769359"/>
+            <a:ext cx="807956" cy="807956"/>
+          </a:xfrm>
+          <a:prstGeom prst="roundRect">
+            <a:avLst/>
+          </a:prstGeom>
+          <a:ln/>
+        </p:spPr>
+        <p:style>
+          <a:lnRef idx="1">
+            <a:schemeClr val="accent1"/>
+          </a:lnRef>
+          <a:fillRef idx="2">
+            <a:schemeClr val="accent1"/>
+          </a:fillRef>
+          <a:effectRef idx="1">
+            <a:schemeClr val="accent1"/>
+          </a:effectRef>
+          <a:fontRef idx="minor">
+            <a:schemeClr val="dk1"/>
+          </a:fontRef>
+        </p:style>
+        <p:txBody>
+          <a:bodyPr rtlCol="0" anchor="ctr"/>
+          <a:lstStyle/>
+          <a:p>
+            <a:pPr algn="ctr"/>
+            <a:r>
+              <a:rPr lang="en-US" altLang="ko-KR" sz="1500" dirty="0" smtClean="0"/>
+              <a:t>Image</a:t>
+            </a:r>
+            <a:endParaRPr lang="ko-KR" altLang="en-US" sz="1500" dirty="0"/>
+          </a:p>
+        </p:txBody>
+      </p:sp>
+      <p:sp>
+        <p:nvSpPr>
+          <p:cNvPr id="33" name="TextBox 32"/>
+          <p:cNvSpPr txBox="1"/>
+          <p:nvPr/>
+        </p:nvSpPr>
+        <p:spPr>
+          <a:xfrm>
+            <a:off x="6644462" y="2834764"/>
+            <a:ext cx="2562899" cy="538609"/>
+          </a:xfrm>
+          <a:prstGeom prst="rect">
+            <a:avLst/>
+          </a:prstGeom>
+          <a:noFill/>
+        </p:spPr>
+        <p:txBody>
+          <a:bodyPr wrap="square" rtlCol="0">
+            <a:spAutoFit/>
+          </a:bodyPr>
+          <a:lstStyle/>
+          <a:p>
+            <a:r>
+              <a:rPr lang="ko-KR" altLang="en-US" dirty="0"/>
+              <a:t>달팽이의 껍질</a:t>
+            </a:r>
+            <a:endParaRPr lang="en-US" altLang="ko-KR" dirty="0"/>
+          </a:p>
+          <a:p>
+            <a:r>
+              <a:rPr lang="ko-KR" altLang="en-US" sz="1100" dirty="0" err="1"/>
+              <a:t>퀘스트</a:t>
+            </a:r>
+            <a:r>
+              <a:rPr lang="ko-KR" altLang="en-US" sz="1100" dirty="0"/>
+              <a:t> 아이템</a:t>
+            </a:r>
+            <a:endParaRPr lang="en-US" altLang="ko-KR" sz="1100" dirty="0"/>
+          </a:p>
+        </p:txBody>
+      </p:sp>
+      <p:sp>
+        <p:nvSpPr>
+          <p:cNvPr id="34" name="모서리가 둥근 직사각형 33"/>
+          <p:cNvSpPr/>
+          <p:nvPr/>
+        </p:nvSpPr>
+        <p:spPr>
+          <a:xfrm>
+            <a:off x="5697701" y="3688809"/>
+            <a:ext cx="807956" cy="807956"/>
+          </a:xfrm>
+          <a:prstGeom prst="roundRect">
+            <a:avLst/>
+          </a:prstGeom>
+          <a:ln/>
+        </p:spPr>
+        <p:style>
+          <a:lnRef idx="1">
+            <a:schemeClr val="accent1"/>
+          </a:lnRef>
+          <a:fillRef idx="2">
+            <a:schemeClr val="accent1"/>
+          </a:fillRef>
+          <a:effectRef idx="1">
+            <a:schemeClr val="accent1"/>
+          </a:effectRef>
+          <a:fontRef idx="minor">
+            <a:schemeClr val="dk1"/>
+          </a:fontRef>
+        </p:style>
+        <p:txBody>
+          <a:bodyPr rtlCol="0" anchor="ctr"/>
+          <a:lstStyle/>
+          <a:p>
+            <a:pPr algn="ctr"/>
+            <a:r>
+              <a:rPr lang="en-US" altLang="ko-KR" sz="1500" dirty="0" smtClean="0"/>
+              <a:t>Image</a:t>
+            </a:r>
+            <a:endParaRPr lang="ko-KR" altLang="en-US" sz="1500" dirty="0"/>
+          </a:p>
+        </p:txBody>
+      </p:sp>
+      <p:sp>
+        <p:nvSpPr>
+          <p:cNvPr id="35" name="TextBox 34"/>
+          <p:cNvSpPr txBox="1"/>
+          <p:nvPr/>
+        </p:nvSpPr>
+        <p:spPr>
+          <a:xfrm>
+            <a:off x="6637792" y="3754214"/>
+            <a:ext cx="2562899" cy="538609"/>
+          </a:xfrm>
+          <a:prstGeom prst="rect">
+            <a:avLst/>
+          </a:prstGeom>
+          <a:noFill/>
+        </p:spPr>
+        <p:txBody>
+          <a:bodyPr wrap="square" rtlCol="0">
+            <a:spAutoFit/>
+          </a:bodyPr>
+          <a:lstStyle/>
+          <a:p>
+            <a:r>
+              <a:rPr lang="ko-KR" altLang="en-US" dirty="0"/>
+              <a:t>달팽이의 껍질</a:t>
+            </a:r>
+            <a:endParaRPr lang="en-US" altLang="ko-KR" dirty="0"/>
+          </a:p>
+          <a:p>
+            <a:r>
+              <a:rPr lang="ko-KR" altLang="en-US" sz="1100" dirty="0" err="1"/>
+              <a:t>퀘스트</a:t>
+            </a:r>
+            <a:r>
+              <a:rPr lang="ko-KR" altLang="en-US" sz="1100" dirty="0"/>
+              <a:t> 아이템</a:t>
+            </a:r>
+            <a:endParaRPr lang="en-US" altLang="ko-KR" sz="1100" dirty="0"/>
+          </a:p>
+        </p:txBody>
+      </p:sp>
+    </p:spTree>
+    <p:extLst>
+      <p:ext uri="{BB962C8B-B14F-4D97-AF65-F5344CB8AC3E}">
+        <p14:creationId xmlns:p14="http://schemas.microsoft.com/office/powerpoint/2010/main" val="3531104969"/>
+      </p:ext>
+    </p:extLst>
+  </p:cSld>
+  <p:clrMapOvr>
+    <a:masterClrMapping/>
+  </p:clrMapOvr>
+  <p:transition spd="slow">
+    <p:push dir="r"/>
+  </p:transition>
+  <p:timing>
+    <p:tnLst>
+      <p:par>
+        <p:cTn id="1" dur="indefinite" restart="never" nodeType="tmRoot"/>
+      </p:par>
+    </p:tnLst>
+  </p:timing>
+</p:sld>
+</file>
+
+<file path=ppt/slides/slide13.xml><?xml version="1.0" encoding="utf-8"?>
+<p:sld xmlns:a="http://schemas.openxmlformats.org/drawingml/2006/main" xmlns:r="http://schemas.openxmlformats.org/officeDocument/2006/relationships" xmlns:p="http://schemas.openxmlformats.org/presentationml/2006/main">
+  <p:cSld>
+    <p:spTree>
+      <p:nvGrpSpPr>
+        <p:cNvPr id="1" name=""/>
+        <p:cNvGrpSpPr/>
+        <p:nvPr/>
+      </p:nvGrpSpPr>
+      <p:grpSpPr>
+        <a:xfrm>
+          <a:off x="0" y="0"/>
+          <a:ext cx="0" cy="0"/>
+          <a:chOff x="0" y="0"/>
+          <a:chExt cx="0" cy="0"/>
+        </a:xfrm>
+      </p:grpSpPr>
+      <p:sp>
+        <p:nvSpPr>
           <p:cNvPr id="66" name="직사각형 65"/>
           <p:cNvSpPr/>
           <p:nvPr/>
@@ -8836,7 +11074,7 @@
 </p:sld>
 </file>
 
-<file path=ppt/slides/slide13.xml><?xml version="1.0" encoding="utf-8"?>
+<file path=ppt/slides/slide14.xml><?xml version="1.0" encoding="utf-8"?>
 <p:sld xmlns:a="http://schemas.openxmlformats.org/drawingml/2006/main" xmlns:r="http://schemas.openxmlformats.org/officeDocument/2006/relationships" xmlns:p="http://schemas.openxmlformats.org/presentationml/2006/main">
   <p:cSld>
     <p:spTree>
@@ -12341,7 +14579,7 @@
           <p:cNvPr id="2" name="제목 1">
             <a:extLst>
               <a:ext uri="{FF2B5EF4-FFF2-40B4-BE49-F238E27FC236}">
-                <a16:creationId xmlns:a16="http://schemas.microsoft.com/office/drawing/2014/main" xmlns="" id="{5A6E02E5-C3C5-4A6D-B34A-A8DCDE8E765A}"/>
+                <a16:creationId xmlns="" xmlns:a16="http://schemas.microsoft.com/office/drawing/2014/main" id="{5A6E02E5-C3C5-4A6D-B34A-A8DCDE8E765A}"/>
               </a:ext>
             </a:extLst>
           </p:cNvPr>
@@ -12377,7 +14615,7 @@
           <p:cNvPr id="3" name="내용 개체 틀 2">
             <a:extLst>
               <a:ext uri="{FF2B5EF4-FFF2-40B4-BE49-F238E27FC236}">
-                <a16:creationId xmlns:a16="http://schemas.microsoft.com/office/drawing/2014/main" xmlns="" id="{815BEA2D-0092-43B2-862E-B795ED1B2516}"/>
+                <a16:creationId xmlns="" xmlns:a16="http://schemas.microsoft.com/office/drawing/2014/main" id="{815BEA2D-0092-43B2-862E-B795ED1B2516}"/>
               </a:ext>
             </a:extLst>
           </p:cNvPr>
@@ -12556,7 +14794,7 @@
           <p:cNvPr id="2" name="제목 1">
             <a:extLst>
               <a:ext uri="{FF2B5EF4-FFF2-40B4-BE49-F238E27FC236}">
-                <a16:creationId xmlns:a16="http://schemas.microsoft.com/office/drawing/2014/main" xmlns="" id="{0F81927D-BEC0-4B15-8DFC-F1F5605BDA53}"/>
+                <a16:creationId xmlns="" xmlns:a16="http://schemas.microsoft.com/office/drawing/2014/main" id="{0F81927D-BEC0-4B15-8DFC-F1F5605BDA53}"/>
               </a:ext>
             </a:extLst>
           </p:cNvPr>
@@ -12601,7 +14839,7 @@
           <p:cNvPr id="3" name="내용 개체 틀 2">
             <a:extLst>
               <a:ext uri="{FF2B5EF4-FFF2-40B4-BE49-F238E27FC236}">
-                <a16:creationId xmlns:a16="http://schemas.microsoft.com/office/drawing/2014/main" xmlns="" id="{4BE0DE56-B302-442D-A66A-873AE46868D4}"/>
+                <a16:creationId xmlns="" xmlns:a16="http://schemas.microsoft.com/office/drawing/2014/main" id="{4BE0DE56-B302-442D-A66A-873AE46868D4}"/>
               </a:ext>
             </a:extLst>
           </p:cNvPr>
@@ -13015,7 +15253,7 @@
           <p:cNvPr id="2" name="제목 1">
             <a:extLst>
               <a:ext uri="{FF2B5EF4-FFF2-40B4-BE49-F238E27FC236}">
-                <a16:creationId xmlns:a16="http://schemas.microsoft.com/office/drawing/2014/main" xmlns="" id="{0F81927D-BEC0-4B15-8DFC-F1F5605BDA53}"/>
+                <a16:creationId xmlns="" xmlns:a16="http://schemas.microsoft.com/office/drawing/2014/main" id="{0F81927D-BEC0-4B15-8DFC-F1F5605BDA53}"/>
               </a:ext>
             </a:extLst>
           </p:cNvPr>
@@ -13077,7 +15315,7 @@
           <p:cNvPr id="3" name="내용 개체 틀 2">
             <a:extLst>
               <a:ext uri="{FF2B5EF4-FFF2-40B4-BE49-F238E27FC236}">
-                <a16:creationId xmlns:a16="http://schemas.microsoft.com/office/drawing/2014/main" xmlns="" id="{4BE0DE56-B302-442D-A66A-873AE46868D4}"/>
+                <a16:creationId xmlns="" xmlns:a16="http://schemas.microsoft.com/office/drawing/2014/main" id="{4BE0DE56-B302-442D-A66A-873AE46868D4}"/>
               </a:ext>
             </a:extLst>
           </p:cNvPr>
@@ -13583,7 +15821,7 @@
           <p:cNvPr id="2" name="제목 1">
             <a:extLst>
               <a:ext uri="{FF2B5EF4-FFF2-40B4-BE49-F238E27FC236}">
-                <a16:creationId xmlns:a16="http://schemas.microsoft.com/office/drawing/2014/main" xmlns="" id="{0F81927D-BEC0-4B15-8DFC-F1F5605BDA53}"/>
+                <a16:creationId xmlns="" xmlns:a16="http://schemas.microsoft.com/office/drawing/2014/main" id="{0F81927D-BEC0-4B15-8DFC-F1F5605BDA53}"/>
               </a:ext>
             </a:extLst>
           </p:cNvPr>
@@ -13623,7 +15861,7 @@
           <p:cNvPr id="3" name="내용 개체 틀 2">
             <a:extLst>
               <a:ext uri="{FF2B5EF4-FFF2-40B4-BE49-F238E27FC236}">
-                <a16:creationId xmlns:a16="http://schemas.microsoft.com/office/drawing/2014/main" xmlns="" id="{4BE0DE56-B302-442D-A66A-873AE46868D4}"/>
+                <a16:creationId xmlns="" xmlns:a16="http://schemas.microsoft.com/office/drawing/2014/main" id="{4BE0DE56-B302-442D-A66A-873AE46868D4}"/>
               </a:ext>
             </a:extLst>
           </p:cNvPr>
@@ -14961,7 +17199,7 @@
           <p:cNvPr id="94" name="사각형: 둥근 모서리 20">
             <a:extLst>
               <a:ext uri="{FF2B5EF4-FFF2-40B4-BE49-F238E27FC236}">
-                <a16:creationId xmlns:a16="http://schemas.microsoft.com/office/drawing/2014/main" xmlns="" id="{D470812C-B5EB-4EDC-A24D-C54DAFA8E2FC}"/>
+                <a16:creationId xmlns="" xmlns:a16="http://schemas.microsoft.com/office/drawing/2014/main" id="{D470812C-B5EB-4EDC-A24D-C54DAFA8E2FC}"/>
               </a:ext>
             </a:extLst>
           </p:cNvPr>
@@ -15013,7 +17251,7 @@
           <p:cNvPr id="186" name="사각형: 둥근 모서리 20">
             <a:extLst>
               <a:ext uri="{FF2B5EF4-FFF2-40B4-BE49-F238E27FC236}">
-                <a16:creationId xmlns:a16="http://schemas.microsoft.com/office/drawing/2014/main" xmlns="" id="{D470812C-B5EB-4EDC-A24D-C54DAFA8E2FC}"/>
+                <a16:creationId xmlns="" xmlns:a16="http://schemas.microsoft.com/office/drawing/2014/main" id="{D470812C-B5EB-4EDC-A24D-C54DAFA8E2FC}"/>
               </a:ext>
             </a:extLst>
           </p:cNvPr>
@@ -15065,7 +17303,7 @@
           <p:cNvPr id="182" name="사각형: 둥근 모서리 20">
             <a:extLst>
               <a:ext uri="{FF2B5EF4-FFF2-40B4-BE49-F238E27FC236}">
-                <a16:creationId xmlns:a16="http://schemas.microsoft.com/office/drawing/2014/main" xmlns="" id="{D470812C-B5EB-4EDC-A24D-C54DAFA8E2FC}"/>
+                <a16:creationId xmlns="" xmlns:a16="http://schemas.microsoft.com/office/drawing/2014/main" id="{D470812C-B5EB-4EDC-A24D-C54DAFA8E2FC}"/>
               </a:ext>
             </a:extLst>
           </p:cNvPr>
@@ -15117,7 +17355,7 @@
           <p:cNvPr id="2" name="제목 1">
             <a:extLst>
               <a:ext uri="{FF2B5EF4-FFF2-40B4-BE49-F238E27FC236}">
-                <a16:creationId xmlns:a16="http://schemas.microsoft.com/office/drawing/2014/main" xmlns="" id="{0F81927D-BEC0-4B15-8DFC-F1F5605BDA53}"/>
+                <a16:creationId xmlns="" xmlns:a16="http://schemas.microsoft.com/office/drawing/2014/main" id="{0F81927D-BEC0-4B15-8DFC-F1F5605BDA53}"/>
               </a:ext>
             </a:extLst>
           </p:cNvPr>
@@ -15192,7 +17430,7 @@
           <p:cNvPr id="6" name="직사각형 5">
             <a:extLst>
               <a:ext uri="{FF2B5EF4-FFF2-40B4-BE49-F238E27FC236}">
-                <a16:creationId xmlns:a16="http://schemas.microsoft.com/office/drawing/2014/main" xmlns="" id="{B5499C44-3746-46BB-B6A5-1B5C95B4E0F4}"/>
+                <a16:creationId xmlns="" xmlns:a16="http://schemas.microsoft.com/office/drawing/2014/main" id="{B5499C44-3746-46BB-B6A5-1B5C95B4E0F4}"/>
               </a:ext>
             </a:extLst>
           </p:cNvPr>
@@ -15246,7 +17484,7 @@
           <p:cNvPr id="17" name="직사각형 16">
             <a:extLst>
               <a:ext uri="{FF2B5EF4-FFF2-40B4-BE49-F238E27FC236}">
-                <a16:creationId xmlns:a16="http://schemas.microsoft.com/office/drawing/2014/main" xmlns="" id="{B69C21FE-9E25-495A-8E0A-CB589994EAC8}"/>
+                <a16:creationId xmlns="" xmlns:a16="http://schemas.microsoft.com/office/drawing/2014/main" id="{B69C21FE-9E25-495A-8E0A-CB589994EAC8}"/>
               </a:ext>
             </a:extLst>
           </p:cNvPr>
@@ -15307,7 +17545,7 @@
           <p:cNvPr id="38" name="연결선: 구부러짐 37">
             <a:extLst>
               <a:ext uri="{FF2B5EF4-FFF2-40B4-BE49-F238E27FC236}">
-                <a16:creationId xmlns:a16="http://schemas.microsoft.com/office/drawing/2014/main" xmlns="" id="{9FBAD8DE-1FC0-44E7-B9D1-2A08C0225614}"/>
+                <a16:creationId xmlns="" xmlns:a16="http://schemas.microsoft.com/office/drawing/2014/main" id="{9FBAD8DE-1FC0-44E7-B9D1-2A08C0225614}"/>
               </a:ext>
             </a:extLst>
           </p:cNvPr>
@@ -15352,7 +17590,7 @@
           <p:cNvPr id="54" name="직사각형 53">
             <a:extLst>
               <a:ext uri="{FF2B5EF4-FFF2-40B4-BE49-F238E27FC236}">
-                <a16:creationId xmlns:a16="http://schemas.microsoft.com/office/drawing/2014/main" xmlns="" id="{B5499C44-3746-46BB-B6A5-1B5C95B4E0F4}"/>
+                <a16:creationId xmlns="" xmlns:a16="http://schemas.microsoft.com/office/drawing/2014/main" id="{B5499C44-3746-46BB-B6A5-1B5C95B4E0F4}"/>
               </a:ext>
             </a:extLst>
           </p:cNvPr>
@@ -15406,7 +17644,7 @@
           <p:cNvPr id="55" name="연결선: 구부러짐 37">
             <a:extLst>
               <a:ext uri="{FF2B5EF4-FFF2-40B4-BE49-F238E27FC236}">
-                <a16:creationId xmlns:a16="http://schemas.microsoft.com/office/drawing/2014/main" xmlns="" id="{9FBAD8DE-1FC0-44E7-B9D1-2A08C0225614}"/>
+                <a16:creationId xmlns="" xmlns:a16="http://schemas.microsoft.com/office/drawing/2014/main" id="{9FBAD8DE-1FC0-44E7-B9D1-2A08C0225614}"/>
               </a:ext>
             </a:extLst>
           </p:cNvPr>
@@ -15452,7 +17690,7 @@
           <p:cNvPr id="70" name="직사각형 69">
             <a:extLst>
               <a:ext uri="{FF2B5EF4-FFF2-40B4-BE49-F238E27FC236}">
-                <a16:creationId xmlns:a16="http://schemas.microsoft.com/office/drawing/2014/main" xmlns="" id="{B5499C44-3746-46BB-B6A5-1B5C95B4E0F4}"/>
+                <a16:creationId xmlns="" xmlns:a16="http://schemas.microsoft.com/office/drawing/2014/main" id="{B5499C44-3746-46BB-B6A5-1B5C95B4E0F4}"/>
               </a:ext>
             </a:extLst>
           </p:cNvPr>
@@ -15506,7 +17744,7 @@
           <p:cNvPr id="71" name="연결선: 구부러짐 37">
             <a:extLst>
               <a:ext uri="{FF2B5EF4-FFF2-40B4-BE49-F238E27FC236}">
-                <a16:creationId xmlns:a16="http://schemas.microsoft.com/office/drawing/2014/main" xmlns="" id="{9FBAD8DE-1FC0-44E7-B9D1-2A08C0225614}"/>
+                <a16:creationId xmlns="" xmlns:a16="http://schemas.microsoft.com/office/drawing/2014/main" id="{9FBAD8DE-1FC0-44E7-B9D1-2A08C0225614}"/>
               </a:ext>
             </a:extLst>
           </p:cNvPr>
@@ -15552,7 +17790,7 @@
           <p:cNvPr id="76" name="연결선: 구부러짐 37">
             <a:extLst>
               <a:ext uri="{FF2B5EF4-FFF2-40B4-BE49-F238E27FC236}">
-                <a16:creationId xmlns:a16="http://schemas.microsoft.com/office/drawing/2014/main" xmlns="" id="{9FBAD8DE-1FC0-44E7-B9D1-2A08C0225614}"/>
+                <a16:creationId xmlns="" xmlns:a16="http://schemas.microsoft.com/office/drawing/2014/main" id="{9FBAD8DE-1FC0-44E7-B9D1-2A08C0225614}"/>
               </a:ext>
             </a:extLst>
           </p:cNvPr>
@@ -15598,7 +17836,7 @@
           <p:cNvPr id="101" name="직사각형 100">
             <a:extLst>
               <a:ext uri="{FF2B5EF4-FFF2-40B4-BE49-F238E27FC236}">
-                <a16:creationId xmlns:a16="http://schemas.microsoft.com/office/drawing/2014/main" xmlns="" id="{B5499C44-3746-46BB-B6A5-1B5C95B4E0F4}"/>
+                <a16:creationId xmlns="" xmlns:a16="http://schemas.microsoft.com/office/drawing/2014/main" id="{B5499C44-3746-46BB-B6A5-1B5C95B4E0F4}"/>
               </a:ext>
             </a:extLst>
           </p:cNvPr>
@@ -15652,7 +17890,7 @@
           <p:cNvPr id="102" name="연결선: 구부러짐 37">
             <a:extLst>
               <a:ext uri="{FF2B5EF4-FFF2-40B4-BE49-F238E27FC236}">
-                <a16:creationId xmlns:a16="http://schemas.microsoft.com/office/drawing/2014/main" xmlns="" id="{9FBAD8DE-1FC0-44E7-B9D1-2A08C0225614}"/>
+                <a16:creationId xmlns="" xmlns:a16="http://schemas.microsoft.com/office/drawing/2014/main" id="{9FBAD8DE-1FC0-44E7-B9D1-2A08C0225614}"/>
               </a:ext>
             </a:extLst>
           </p:cNvPr>
@@ -15698,7 +17936,7 @@
           <p:cNvPr id="103" name="연결선: 구부러짐 37">
             <a:extLst>
               <a:ext uri="{FF2B5EF4-FFF2-40B4-BE49-F238E27FC236}">
-                <a16:creationId xmlns:a16="http://schemas.microsoft.com/office/drawing/2014/main" xmlns="" id="{9FBAD8DE-1FC0-44E7-B9D1-2A08C0225614}"/>
+                <a16:creationId xmlns="" xmlns:a16="http://schemas.microsoft.com/office/drawing/2014/main" id="{9FBAD8DE-1FC0-44E7-B9D1-2A08C0225614}"/>
               </a:ext>
             </a:extLst>
           </p:cNvPr>
@@ -15744,7 +17982,7 @@
           <p:cNvPr id="116" name="직사각형 115">
             <a:extLst>
               <a:ext uri="{FF2B5EF4-FFF2-40B4-BE49-F238E27FC236}">
-                <a16:creationId xmlns:a16="http://schemas.microsoft.com/office/drawing/2014/main" xmlns="" id="{B5499C44-3746-46BB-B6A5-1B5C95B4E0F4}"/>
+                <a16:creationId xmlns="" xmlns:a16="http://schemas.microsoft.com/office/drawing/2014/main" id="{B5499C44-3746-46BB-B6A5-1B5C95B4E0F4}"/>
               </a:ext>
             </a:extLst>
           </p:cNvPr>
@@ -15798,7 +18036,7 @@
           <p:cNvPr id="120" name="연결선: 구부러짐 37">
             <a:extLst>
               <a:ext uri="{FF2B5EF4-FFF2-40B4-BE49-F238E27FC236}">
-                <a16:creationId xmlns:a16="http://schemas.microsoft.com/office/drawing/2014/main" xmlns="" id="{9FBAD8DE-1FC0-44E7-B9D1-2A08C0225614}"/>
+                <a16:creationId xmlns="" xmlns:a16="http://schemas.microsoft.com/office/drawing/2014/main" id="{9FBAD8DE-1FC0-44E7-B9D1-2A08C0225614}"/>
               </a:ext>
             </a:extLst>
           </p:cNvPr>
@@ -15843,7 +18081,7 @@
           <p:cNvPr id="132" name="연결선: 구부러짐 37">
             <a:extLst>
               <a:ext uri="{FF2B5EF4-FFF2-40B4-BE49-F238E27FC236}">
-                <a16:creationId xmlns:a16="http://schemas.microsoft.com/office/drawing/2014/main" xmlns="" id="{9FBAD8DE-1FC0-44E7-B9D1-2A08C0225614}"/>
+                <a16:creationId xmlns="" xmlns:a16="http://schemas.microsoft.com/office/drawing/2014/main" id="{9FBAD8DE-1FC0-44E7-B9D1-2A08C0225614}"/>
               </a:ext>
             </a:extLst>
           </p:cNvPr>
@@ -15889,7 +18127,7 @@
           <p:cNvPr id="146" name="직사각형 145">
             <a:extLst>
               <a:ext uri="{FF2B5EF4-FFF2-40B4-BE49-F238E27FC236}">
-                <a16:creationId xmlns:a16="http://schemas.microsoft.com/office/drawing/2014/main" xmlns="" id="{B5499C44-3746-46BB-B6A5-1B5C95B4E0F4}"/>
+                <a16:creationId xmlns="" xmlns:a16="http://schemas.microsoft.com/office/drawing/2014/main" id="{B5499C44-3746-46BB-B6A5-1B5C95B4E0F4}"/>
               </a:ext>
             </a:extLst>
           </p:cNvPr>
@@ -15943,7 +18181,7 @@
           <p:cNvPr id="148" name="직사각형 147">
             <a:extLst>
               <a:ext uri="{FF2B5EF4-FFF2-40B4-BE49-F238E27FC236}">
-                <a16:creationId xmlns:a16="http://schemas.microsoft.com/office/drawing/2014/main" xmlns="" id="{B5499C44-3746-46BB-B6A5-1B5C95B4E0F4}"/>
+                <a16:creationId xmlns="" xmlns:a16="http://schemas.microsoft.com/office/drawing/2014/main" id="{B5499C44-3746-46BB-B6A5-1B5C95B4E0F4}"/>
               </a:ext>
             </a:extLst>
           </p:cNvPr>
@@ -15997,7 +18235,7 @@
           <p:cNvPr id="157" name="직사각형 156">
             <a:extLst>
               <a:ext uri="{FF2B5EF4-FFF2-40B4-BE49-F238E27FC236}">
-                <a16:creationId xmlns:a16="http://schemas.microsoft.com/office/drawing/2014/main" xmlns="" id="{B5499C44-3746-46BB-B6A5-1B5C95B4E0F4}"/>
+                <a16:creationId xmlns="" xmlns:a16="http://schemas.microsoft.com/office/drawing/2014/main" id="{B5499C44-3746-46BB-B6A5-1B5C95B4E0F4}"/>
               </a:ext>
             </a:extLst>
           </p:cNvPr>
@@ -16051,7 +18289,7 @@
           <p:cNvPr id="158" name="연결선: 구부러짐 37">
             <a:extLst>
               <a:ext uri="{FF2B5EF4-FFF2-40B4-BE49-F238E27FC236}">
-                <a16:creationId xmlns:a16="http://schemas.microsoft.com/office/drawing/2014/main" xmlns="" id="{9FBAD8DE-1FC0-44E7-B9D1-2A08C0225614}"/>
+                <a16:creationId xmlns="" xmlns:a16="http://schemas.microsoft.com/office/drawing/2014/main" id="{9FBAD8DE-1FC0-44E7-B9D1-2A08C0225614}"/>
               </a:ext>
             </a:extLst>
           </p:cNvPr>
@@ -16167,7 +18405,7 @@
           <p:cNvPr id="184" name="직사각형 183">
             <a:extLst>
               <a:ext uri="{FF2B5EF4-FFF2-40B4-BE49-F238E27FC236}">
-                <a16:creationId xmlns:a16="http://schemas.microsoft.com/office/drawing/2014/main" xmlns="" id="{B5499C44-3746-46BB-B6A5-1B5C95B4E0F4}"/>
+                <a16:creationId xmlns="" xmlns:a16="http://schemas.microsoft.com/office/drawing/2014/main" id="{B5499C44-3746-46BB-B6A5-1B5C95B4E0F4}"/>
               </a:ext>
             </a:extLst>
           </p:cNvPr>
@@ -16221,7 +18459,7 @@
           <p:cNvPr id="185" name="직사각형 184">
             <a:extLst>
               <a:ext uri="{FF2B5EF4-FFF2-40B4-BE49-F238E27FC236}">
-                <a16:creationId xmlns:a16="http://schemas.microsoft.com/office/drawing/2014/main" xmlns="" id="{B5499C44-3746-46BB-B6A5-1B5C95B4E0F4}"/>
+                <a16:creationId xmlns="" xmlns:a16="http://schemas.microsoft.com/office/drawing/2014/main" id="{B5499C44-3746-46BB-B6A5-1B5C95B4E0F4}"/>
               </a:ext>
             </a:extLst>
           </p:cNvPr>
@@ -16312,7 +18550,7 @@
           <p:cNvPr id="2" name="제목 1">
             <a:extLst>
               <a:ext uri="{FF2B5EF4-FFF2-40B4-BE49-F238E27FC236}">
-                <a16:creationId xmlns:a16="http://schemas.microsoft.com/office/drawing/2014/main" xmlns="" id="{0F81927D-BEC0-4B15-8DFC-F1F5605BDA53}"/>
+                <a16:creationId xmlns="" xmlns:a16="http://schemas.microsoft.com/office/drawing/2014/main" id="{0F81927D-BEC0-4B15-8DFC-F1F5605BDA53}"/>
               </a:ext>
             </a:extLst>
           </p:cNvPr>
@@ -16374,7 +18612,7 @@
           <p:cNvPr id="27" name="표 13">
             <a:extLst>
               <a:ext uri="{FF2B5EF4-FFF2-40B4-BE49-F238E27FC236}">
-                <a16:creationId xmlns:a16="http://schemas.microsoft.com/office/drawing/2014/main" xmlns="" id="{11DA25FE-0D1F-4F3D-88F8-97D34B5D7B86}"/>
+                <a16:creationId xmlns="" xmlns:a16="http://schemas.microsoft.com/office/drawing/2014/main" id="{11DA25FE-0D1F-4F3D-88F8-97D34B5D7B86}"/>
               </a:ext>
             </a:extLst>
           </p:cNvPr>
@@ -16404,42 +18642,42 @@
                 <a:gridCol w="3178019">
                   <a:extLst>
                     <a:ext uri="{9D8B030D-6E8A-4147-A177-3AD203B41FA5}">
-                      <a16:colId xmlns:a16="http://schemas.microsoft.com/office/drawing/2014/main" xmlns="" val="2219697846"/>
+                      <a16:colId xmlns="" xmlns:a16="http://schemas.microsoft.com/office/drawing/2014/main" val="2219697846"/>
                     </a:ext>
                   </a:extLst>
                 </a:gridCol>
                 <a:gridCol w="1213440">
                   <a:extLst>
                     <a:ext uri="{9D8B030D-6E8A-4147-A177-3AD203B41FA5}">
-                      <a16:colId xmlns:a16="http://schemas.microsoft.com/office/drawing/2014/main" xmlns="" val="3097901954"/>
+                      <a16:colId xmlns="" xmlns:a16="http://schemas.microsoft.com/office/drawing/2014/main" val="3097901954"/>
                     </a:ext>
                   </a:extLst>
                 </a:gridCol>
                 <a:gridCol w="1213440">
                   <a:extLst>
                     <a:ext uri="{9D8B030D-6E8A-4147-A177-3AD203B41FA5}">
-                      <a16:colId xmlns:a16="http://schemas.microsoft.com/office/drawing/2014/main" xmlns="" val="2026100435"/>
+                      <a16:colId xmlns="" xmlns:a16="http://schemas.microsoft.com/office/drawing/2014/main" val="2026100435"/>
                     </a:ext>
                   </a:extLst>
                 </a:gridCol>
                 <a:gridCol w="1213440">
                   <a:extLst>
                     <a:ext uri="{9D8B030D-6E8A-4147-A177-3AD203B41FA5}">
-                      <a16:colId xmlns:a16="http://schemas.microsoft.com/office/drawing/2014/main" xmlns="" val="2835344623"/>
+                      <a16:colId xmlns="" xmlns:a16="http://schemas.microsoft.com/office/drawing/2014/main" val="2835344623"/>
                     </a:ext>
                   </a:extLst>
                 </a:gridCol>
                 <a:gridCol w="1213440">
                   <a:extLst>
                     <a:ext uri="{9D8B030D-6E8A-4147-A177-3AD203B41FA5}">
-                      <a16:colId xmlns:a16="http://schemas.microsoft.com/office/drawing/2014/main" xmlns="" val="2793878361"/>
+                      <a16:colId xmlns="" xmlns:a16="http://schemas.microsoft.com/office/drawing/2014/main" val="2793878361"/>
                     </a:ext>
                   </a:extLst>
                 </a:gridCol>
                 <a:gridCol w="1213440">
                   <a:extLst>
                     <a:ext uri="{9D8B030D-6E8A-4147-A177-3AD203B41FA5}">
-                      <a16:colId xmlns:a16="http://schemas.microsoft.com/office/drawing/2014/main" xmlns="" val="2981208658"/>
+                      <a16:colId xmlns="" xmlns:a16="http://schemas.microsoft.com/office/drawing/2014/main" val="2981208658"/>
                     </a:ext>
                   </a:extLst>
                 </a:gridCol>
@@ -16710,7 +18948,7 @@
                 </a:tc>
                 <a:extLst>
                   <a:ext uri="{0D108BD9-81ED-4DB2-BD59-A6C34878D82A}">
-                    <a16:rowId xmlns:a16="http://schemas.microsoft.com/office/drawing/2014/main" xmlns="" val="424042083"/>
+                    <a16:rowId xmlns="" xmlns:a16="http://schemas.microsoft.com/office/drawing/2014/main" val="424042083"/>
                   </a:ext>
                 </a:extLst>
               </a:tr>
@@ -16997,7 +19235,7 @@
                 </a:tc>
                 <a:extLst>
                   <a:ext uri="{0D108BD9-81ED-4DB2-BD59-A6C34878D82A}">
-                    <a16:rowId xmlns:a16="http://schemas.microsoft.com/office/drawing/2014/main" xmlns="" val="2553769619"/>
+                    <a16:rowId xmlns="" xmlns:a16="http://schemas.microsoft.com/office/drawing/2014/main" val="2553769619"/>
                   </a:ext>
                 </a:extLst>
               </a:tr>
@@ -17280,7 +19518,7 @@
                 </a:tc>
                 <a:extLst>
                   <a:ext uri="{0D108BD9-81ED-4DB2-BD59-A6C34878D82A}">
-                    <a16:rowId xmlns:a16="http://schemas.microsoft.com/office/drawing/2014/main" xmlns="" val="1697511207"/>
+                    <a16:rowId xmlns="" xmlns:a16="http://schemas.microsoft.com/office/drawing/2014/main" val="1697511207"/>
                   </a:ext>
                 </a:extLst>
               </a:tr>
@@ -17531,7 +19769,7 @@
                 </a:tc>
                 <a:extLst>
                   <a:ext uri="{0D108BD9-81ED-4DB2-BD59-A6C34878D82A}">
-                    <a16:rowId xmlns:a16="http://schemas.microsoft.com/office/drawing/2014/main" xmlns="" val="1758487240"/>
+                    <a16:rowId xmlns="" xmlns:a16="http://schemas.microsoft.com/office/drawing/2014/main" val="1758487240"/>
                   </a:ext>
                 </a:extLst>
               </a:tr>
@@ -17782,7 +20020,7 @@
                 </a:tc>
                 <a:extLst>
                   <a:ext uri="{0D108BD9-81ED-4DB2-BD59-A6C34878D82A}">
-                    <a16:rowId xmlns:a16="http://schemas.microsoft.com/office/drawing/2014/main" xmlns="" val="3495779394"/>
+                    <a16:rowId xmlns="" xmlns:a16="http://schemas.microsoft.com/office/drawing/2014/main" val="3495779394"/>
                   </a:ext>
                 </a:extLst>
               </a:tr>
@@ -18033,7 +20271,7 @@
                 </a:tc>
                 <a:extLst>
                   <a:ext uri="{0D108BD9-81ED-4DB2-BD59-A6C34878D82A}">
-                    <a16:rowId xmlns:a16="http://schemas.microsoft.com/office/drawing/2014/main" xmlns="" val="2587361067"/>
+                    <a16:rowId xmlns="" xmlns:a16="http://schemas.microsoft.com/office/drawing/2014/main" val="2587361067"/>
                   </a:ext>
                 </a:extLst>
               </a:tr>
@@ -18284,7 +20522,7 @@
                 </a:tc>
                 <a:extLst>
                   <a:ext uri="{0D108BD9-81ED-4DB2-BD59-A6C34878D82A}">
-                    <a16:rowId xmlns:a16="http://schemas.microsoft.com/office/drawing/2014/main" xmlns="" val="3752428578"/>
+                    <a16:rowId xmlns="" xmlns:a16="http://schemas.microsoft.com/office/drawing/2014/main" val="3752428578"/>
                   </a:ext>
                 </a:extLst>
               </a:tr>
@@ -18551,7 +20789,7 @@
                 </a:tc>
                 <a:extLst>
                   <a:ext uri="{0D108BD9-81ED-4DB2-BD59-A6C34878D82A}">
-                    <a16:rowId xmlns:a16="http://schemas.microsoft.com/office/drawing/2014/main" xmlns="" val="2019577717"/>
+                    <a16:rowId xmlns="" xmlns:a16="http://schemas.microsoft.com/office/drawing/2014/main" val="2019577717"/>
                   </a:ext>
                 </a:extLst>
               </a:tr>
@@ -18802,7 +21040,7 @@
                 </a:tc>
                 <a:extLst>
                   <a:ext uri="{0D108BD9-81ED-4DB2-BD59-A6C34878D82A}">
-                    <a16:rowId xmlns:a16="http://schemas.microsoft.com/office/drawing/2014/main" xmlns="" val="3125623415"/>
+                    <a16:rowId xmlns="" xmlns:a16="http://schemas.microsoft.com/office/drawing/2014/main" val="3125623415"/>
                   </a:ext>
                 </a:extLst>
               </a:tr>
@@ -19059,7 +21297,7 @@
                 </a:tc>
                 <a:extLst>
                   <a:ext uri="{0D108BD9-81ED-4DB2-BD59-A6C34878D82A}">
-                    <a16:rowId xmlns:a16="http://schemas.microsoft.com/office/drawing/2014/main" xmlns="" val="10009"/>
+                    <a16:rowId xmlns="" xmlns:a16="http://schemas.microsoft.com/office/drawing/2014/main" val="10009"/>
                   </a:ext>
                 </a:extLst>
               </a:tr>
@@ -19330,7 +21568,7 @@
                 </a:tc>
                 <a:extLst>
                   <a:ext uri="{0D108BD9-81ED-4DB2-BD59-A6C34878D82A}">
-                    <a16:rowId xmlns:a16="http://schemas.microsoft.com/office/drawing/2014/main" xmlns="" val="10010"/>
+                    <a16:rowId xmlns="" xmlns:a16="http://schemas.microsoft.com/office/drawing/2014/main" val="10010"/>
                   </a:ext>
                 </a:extLst>
               </a:tr>
@@ -19343,7 +21581,7 @@
           <p:cNvPr id="28" name="직선 화살표 연결선 27">
             <a:extLst>
               <a:ext uri="{FF2B5EF4-FFF2-40B4-BE49-F238E27FC236}">
-                <a16:creationId xmlns:a16="http://schemas.microsoft.com/office/drawing/2014/main" xmlns="" id="{0552A988-35CC-4A06-B6D5-79492365FF44}"/>
+                <a16:creationId xmlns="" xmlns:a16="http://schemas.microsoft.com/office/drawing/2014/main" id="{0552A988-35CC-4A06-B6D5-79492365FF44}"/>
               </a:ext>
             </a:extLst>
           </p:cNvPr>
@@ -19384,7 +21622,7 @@
           <p:cNvPr id="29" name="직선 화살표 연결선 28">
             <a:extLst>
               <a:ext uri="{FF2B5EF4-FFF2-40B4-BE49-F238E27FC236}">
-                <a16:creationId xmlns:a16="http://schemas.microsoft.com/office/drawing/2014/main" xmlns="" id="{C77E87E9-452D-47F8-AAB9-1109B5A866E7}"/>
+                <a16:creationId xmlns="" xmlns:a16="http://schemas.microsoft.com/office/drawing/2014/main" id="{C77E87E9-452D-47F8-AAB9-1109B5A866E7}"/>
               </a:ext>
             </a:extLst>
           </p:cNvPr>
@@ -19425,7 +21663,7 @@
           <p:cNvPr id="30" name="직선 화살표 연결선 29">
             <a:extLst>
               <a:ext uri="{FF2B5EF4-FFF2-40B4-BE49-F238E27FC236}">
-                <a16:creationId xmlns:a16="http://schemas.microsoft.com/office/drawing/2014/main" xmlns="" id="{C7B27442-36F5-489D-BE45-8031B4CAA73C}"/>
+                <a16:creationId xmlns="" xmlns:a16="http://schemas.microsoft.com/office/drawing/2014/main" id="{C7B27442-36F5-489D-BE45-8031B4CAA73C}"/>
               </a:ext>
             </a:extLst>
           </p:cNvPr>
@@ -19466,7 +21704,7 @@
           <p:cNvPr id="31" name="직선 화살표 연결선 30">
             <a:extLst>
               <a:ext uri="{FF2B5EF4-FFF2-40B4-BE49-F238E27FC236}">
-                <a16:creationId xmlns:a16="http://schemas.microsoft.com/office/drawing/2014/main" xmlns="" id="{F041FD15-1AA9-41A5-A73F-338580CF9E78}"/>
+                <a16:creationId xmlns="" xmlns:a16="http://schemas.microsoft.com/office/drawing/2014/main" id="{F041FD15-1AA9-41A5-A73F-338580CF9E78}"/>
               </a:ext>
             </a:extLst>
           </p:cNvPr>
@@ -19507,7 +21745,7 @@
           <p:cNvPr id="32" name="직선 화살표 연결선 31">
             <a:extLst>
               <a:ext uri="{FF2B5EF4-FFF2-40B4-BE49-F238E27FC236}">
-                <a16:creationId xmlns:a16="http://schemas.microsoft.com/office/drawing/2014/main" xmlns="" id="{5A22DD37-A18A-45C2-BA6F-C9B8E2E1C764}"/>
+                <a16:creationId xmlns="" xmlns:a16="http://schemas.microsoft.com/office/drawing/2014/main" id="{5A22DD37-A18A-45C2-BA6F-C9B8E2E1C764}"/>
               </a:ext>
             </a:extLst>
           </p:cNvPr>
@@ -19548,7 +21786,7 @@
           <p:cNvPr id="33" name="직선 화살표 연결선 32">
             <a:extLst>
               <a:ext uri="{FF2B5EF4-FFF2-40B4-BE49-F238E27FC236}">
-                <a16:creationId xmlns:a16="http://schemas.microsoft.com/office/drawing/2014/main" xmlns="" id="{06B8257D-CA8F-4027-BCA7-8387DB14319B}"/>
+                <a16:creationId xmlns="" xmlns:a16="http://schemas.microsoft.com/office/drawing/2014/main" id="{06B8257D-CA8F-4027-BCA7-8387DB14319B}"/>
               </a:ext>
             </a:extLst>
           </p:cNvPr>
@@ -19589,7 +21827,7 @@
           <p:cNvPr id="52" name="직선 화살표 연결선 51">
             <a:extLst>
               <a:ext uri="{FF2B5EF4-FFF2-40B4-BE49-F238E27FC236}">
-                <a16:creationId xmlns:a16="http://schemas.microsoft.com/office/drawing/2014/main" xmlns="" id="{7DC0757F-028E-49E0-92F1-00526849F99B}"/>
+                <a16:creationId xmlns="" xmlns:a16="http://schemas.microsoft.com/office/drawing/2014/main" id="{7DC0757F-028E-49E0-92F1-00526849F99B}"/>
               </a:ext>
             </a:extLst>
           </p:cNvPr>
@@ -19630,7 +21868,7 @@
           <p:cNvPr id="53" name="직선 화살표 연결선 52">
             <a:extLst>
               <a:ext uri="{FF2B5EF4-FFF2-40B4-BE49-F238E27FC236}">
-                <a16:creationId xmlns:a16="http://schemas.microsoft.com/office/drawing/2014/main" xmlns="" id="{3B58106D-C027-4186-8608-ED57BA07C869}"/>
+                <a16:creationId xmlns="" xmlns:a16="http://schemas.microsoft.com/office/drawing/2014/main" id="{3B58106D-C027-4186-8608-ED57BA07C869}"/>
               </a:ext>
             </a:extLst>
           </p:cNvPr>
@@ -19671,7 +21909,7 @@
           <p:cNvPr id="18" name="직선 화살표 연결선 17">
             <a:extLst>
               <a:ext uri="{FF2B5EF4-FFF2-40B4-BE49-F238E27FC236}">
-                <a16:creationId xmlns:a16="http://schemas.microsoft.com/office/drawing/2014/main" xmlns="" id="{7DC0757F-028E-49E0-92F1-00526849F99B}"/>
+                <a16:creationId xmlns="" xmlns:a16="http://schemas.microsoft.com/office/drawing/2014/main" id="{7DC0757F-028E-49E0-92F1-00526849F99B}"/>
               </a:ext>
             </a:extLst>
           </p:cNvPr>
@@ -19712,7 +21950,7 @@
           <p:cNvPr id="19" name="직선 화살표 연결선 18">
             <a:extLst>
               <a:ext uri="{FF2B5EF4-FFF2-40B4-BE49-F238E27FC236}">
-                <a16:creationId xmlns:a16="http://schemas.microsoft.com/office/drawing/2014/main" xmlns="" id="{3B58106D-C027-4186-8608-ED57BA07C869}"/>
+                <a16:creationId xmlns="" xmlns:a16="http://schemas.microsoft.com/office/drawing/2014/main" id="{3B58106D-C027-4186-8608-ED57BA07C869}"/>
               </a:ext>
             </a:extLst>
           </p:cNvPr>
@@ -19898,8 +22136,8 @@
         </p:nvSpPr>
         <p:spPr>
           <a:xfrm>
-            <a:off x="281522" y="238898"/>
-            <a:ext cx="5056560" cy="6384326"/>
+            <a:off x="746393" y="989178"/>
+            <a:ext cx="3380250" cy="4873295"/>
           </a:xfrm>
           <a:prstGeom prst="rect">
             <a:avLst/>
@@ -19945,13 +22183,13 @@
       </p:sp>
       <p:sp>
         <p:nvSpPr>
-          <p:cNvPr id="7" name="직사각형 6"/>
+          <p:cNvPr id="4" name="직사각형 3"/>
           <p:cNvSpPr/>
           <p:nvPr/>
         </p:nvSpPr>
         <p:spPr>
           <a:xfrm>
-            <a:off x="462752" y="387180"/>
+            <a:off x="931537" y="1340540"/>
             <a:ext cx="3021813" cy="2471348"/>
           </a:xfrm>
           <a:prstGeom prst="rect">
@@ -19998,13 +22236,13 @@
       </p:sp>
       <p:sp>
         <p:nvSpPr>
-          <p:cNvPr id="6" name="타원 5"/>
+          <p:cNvPr id="5" name="타원 4"/>
           <p:cNvSpPr/>
           <p:nvPr/>
         </p:nvSpPr>
         <p:spPr>
           <a:xfrm>
-            <a:off x="1973658" y="1490651"/>
+            <a:off x="2442443" y="2444011"/>
             <a:ext cx="982765" cy="846033"/>
           </a:xfrm>
           <a:prstGeom prst="ellipse">
@@ -20050,166 +22288,21 @@
       </p:sp>
       <p:sp>
         <p:nvSpPr>
-          <p:cNvPr id="8" name="TextBox 7"/>
-          <p:cNvSpPr txBox="1"/>
-          <p:nvPr/>
-        </p:nvSpPr>
-        <p:spPr>
-          <a:xfrm>
-            <a:off x="3601622" y="783609"/>
-            <a:ext cx="1521570" cy="1477328"/>
-          </a:xfrm>
-          <a:prstGeom prst="rect">
-            <a:avLst/>
-          </a:prstGeom>
-          <a:noFill/>
-        </p:spPr>
-        <p:txBody>
-          <a:bodyPr wrap="none" rtlCol="0">
-            <a:spAutoFit/>
-          </a:bodyPr>
-          <a:lstStyle/>
-          <a:p>
-            <a:r>
-              <a:rPr lang="en-US" altLang="ko-KR" dirty="0" smtClean="0"/>
-              <a:t>Name : </a:t>
-            </a:r>
-            <a:r>
-              <a:rPr lang="en-US" altLang="ko-KR" dirty="0" err="1" smtClean="0"/>
-              <a:t>Cuey</a:t>
-            </a:r>
-            <a:endParaRPr lang="en-US" altLang="ko-KR" dirty="0" smtClean="0"/>
-          </a:p>
-          <a:p>
-            <a:r>
-              <a:rPr lang="en-US" altLang="ko-KR" dirty="0" err="1" smtClean="0"/>
-              <a:t>Lv</a:t>
-            </a:r>
-            <a:r>
-              <a:rPr lang="en-US" altLang="ko-KR" dirty="0" smtClean="0"/>
-              <a:t> : 99</a:t>
-            </a:r>
-          </a:p>
-          <a:p>
-            <a:r>
-              <a:rPr lang="en-US" altLang="ko-KR" dirty="0" err="1" smtClean="0"/>
-              <a:t>Atk</a:t>
-            </a:r>
-            <a:r>
-              <a:rPr lang="en-US" altLang="ko-KR" dirty="0" smtClean="0"/>
-              <a:t> : 30 </a:t>
-            </a:r>
-            <a:r>
-              <a:rPr lang="en-US" altLang="ko-KR" sz="1500" dirty="0" smtClean="0">
-                <a:solidFill>
-                  <a:srgbClr val="FF0000"/>
-                </a:solidFill>
-              </a:rPr>
-              <a:t>+ 50</a:t>
-            </a:r>
-          </a:p>
-          <a:p>
-            <a:r>
-              <a:rPr lang="en-US" altLang="ko-KR" dirty="0" smtClean="0"/>
-              <a:t>Life : 4 </a:t>
-            </a:r>
-            <a:r>
-              <a:rPr lang="en-US" altLang="ko-KR" sz="1500" dirty="0" smtClean="0">
-                <a:solidFill>
-                  <a:srgbClr val="FF0000"/>
-                </a:solidFill>
-              </a:rPr>
-              <a:t>+ 3</a:t>
-            </a:r>
-          </a:p>
-          <a:p>
-            <a:r>
-              <a:rPr lang="en-US" altLang="ko-KR" dirty="0" smtClean="0"/>
-              <a:t>Speed: 5 </a:t>
-            </a:r>
-            <a:r>
-              <a:rPr lang="en-US" altLang="ko-KR" sz="1500" dirty="0" smtClean="0">
-                <a:solidFill>
-                  <a:srgbClr val="FF0000"/>
-                </a:solidFill>
-              </a:rPr>
-              <a:t>+ 4</a:t>
-            </a:r>
-            <a:endParaRPr lang="ko-KR" altLang="en-US" sz="1500" dirty="0">
-              <a:solidFill>
-                <a:srgbClr val="FF0000"/>
-              </a:solidFill>
-            </a:endParaRPr>
-          </a:p>
-        </p:txBody>
-      </p:sp>
-      <p:sp>
-        <p:nvSpPr>
-          <p:cNvPr id="15" name="TextBox 14"/>
-          <p:cNvSpPr txBox="1"/>
-          <p:nvPr/>
-        </p:nvSpPr>
-        <p:spPr>
-          <a:xfrm>
-            <a:off x="2050252" y="3105168"/>
-            <a:ext cx="2562899" cy="538609"/>
-          </a:xfrm>
-          <a:prstGeom prst="rect">
-            <a:avLst/>
-          </a:prstGeom>
-          <a:noFill/>
-        </p:spPr>
-        <p:txBody>
-          <a:bodyPr wrap="square" rtlCol="0">
-            <a:spAutoFit/>
-          </a:bodyPr>
-          <a:lstStyle/>
-          <a:p>
-            <a:r>
-              <a:rPr lang="ko-KR" altLang="en-US" dirty="0" smtClean="0"/>
-              <a:t>초심자의 검</a:t>
-            </a:r>
-            <a:endParaRPr lang="en-US" altLang="ko-KR" dirty="0" smtClean="0"/>
-          </a:p>
-          <a:p>
-            <a:r>
-              <a:rPr lang="en-US" altLang="ko-KR" sz="1100" dirty="0" err="1" smtClean="0"/>
-              <a:t>Atk</a:t>
-            </a:r>
-            <a:r>
-              <a:rPr lang="en-US" altLang="ko-KR" sz="1100" dirty="0" smtClean="0"/>
-              <a:t> +50</a:t>
-            </a:r>
-          </a:p>
-        </p:txBody>
-      </p:sp>
-      <p:sp>
-        <p:nvSpPr>
-          <p:cNvPr id="16" name="직사각형 15"/>
+          <p:cNvPr id="6" name="타원 5"/>
           <p:cNvSpPr/>
           <p:nvPr/>
         </p:nvSpPr>
         <p:spPr>
           <a:xfrm>
-            <a:off x="1392213" y="3171072"/>
-            <a:ext cx="579532" cy="562733"/>
-          </a:xfrm>
-          <a:prstGeom prst="rect">
+            <a:off x="1410831" y="2883017"/>
+            <a:ext cx="461473" cy="435835"/>
+          </a:xfrm>
+          <a:prstGeom prst="ellipse">
             <a:avLst/>
           </a:prstGeom>
           <a:solidFill>
-            <a:schemeClr val="accent1">
-              <a:alpha val="53000"/>
-            </a:schemeClr>
+            <a:srgbClr val="00B050"/>
           </a:solidFill>
-          <a:ln>
-            <a:solidFill>
-              <a:schemeClr val="accent1">
-                <a:shade val="50000"/>
-                <a:alpha val="44000"/>
-              </a:schemeClr>
-            </a:solidFill>
-          </a:ln>
         </p:spPr>
         <p:style>
           <a:lnRef idx="2">
@@ -20233,154 +22326,27 @@
           <a:p>
             <a:pPr algn="ctr"/>
             <a:r>
-              <a:rPr lang="en-US" altLang="ko-KR" sz="1000" dirty="0" smtClean="0"/>
-              <a:t>Image</a:t>
-            </a:r>
-            <a:endParaRPr lang="ko-KR" altLang="en-US" sz="1000" dirty="0"/>
-          </a:p>
-        </p:txBody>
-      </p:sp>
-      <p:sp>
-        <p:nvSpPr>
-          <p:cNvPr id="17" name="직사각형 16"/>
+              <a:rPr lang="ko-KR" altLang="en-US" sz="1000" smtClean="0"/>
+              <a:t>펫</a:t>
+            </a:r>
+            <a:endParaRPr lang="ko-KR" altLang="en-US" sz="1000"/>
+          </a:p>
+        </p:txBody>
+      </p:sp>
+      <p:sp>
+        <p:nvSpPr>
+          <p:cNvPr id="13" name="타원 12"/>
           <p:cNvSpPr/>
           <p:nvPr/>
         </p:nvSpPr>
         <p:spPr>
           <a:xfrm>
-            <a:off x="1392213" y="4075159"/>
-            <a:ext cx="579532" cy="562733"/>
-          </a:xfrm>
-          <a:prstGeom prst="rect">
-            <a:avLst/>
-          </a:prstGeom>
-          <a:solidFill>
-            <a:schemeClr val="accent1">
-              <a:alpha val="53000"/>
-            </a:schemeClr>
-          </a:solidFill>
-          <a:ln>
-            <a:solidFill>
-              <a:schemeClr val="accent1">
-                <a:shade val="50000"/>
-                <a:alpha val="44000"/>
-              </a:schemeClr>
-            </a:solidFill>
-          </a:ln>
-        </p:spPr>
-        <p:style>
-          <a:lnRef idx="2">
-            <a:schemeClr val="accent1">
-              <a:shade val="50000"/>
-            </a:schemeClr>
-          </a:lnRef>
-          <a:fillRef idx="1">
-            <a:schemeClr val="accent1"/>
-          </a:fillRef>
-          <a:effectRef idx="0">
-            <a:schemeClr val="accent1"/>
-          </a:effectRef>
-          <a:fontRef idx="minor">
-            <a:schemeClr val="lt1"/>
-          </a:fontRef>
-        </p:style>
-        <p:txBody>
-          <a:bodyPr rtlCol="0" anchor="ctr"/>
-          <a:lstStyle/>
-          <a:p>
-            <a:pPr algn="ctr"/>
-            <a:r>
-              <a:rPr lang="en-US" altLang="ko-KR" sz="1000" dirty="0" smtClean="0"/>
-              <a:t>Image</a:t>
-            </a:r>
-            <a:endParaRPr lang="ko-KR" altLang="en-US" sz="1000" dirty="0"/>
-          </a:p>
-        </p:txBody>
-      </p:sp>
-      <p:sp>
-        <p:nvSpPr>
-          <p:cNvPr id="18" name="직사각형 17"/>
-          <p:cNvSpPr/>
-          <p:nvPr/>
-        </p:nvSpPr>
-        <p:spPr>
-          <a:xfrm>
-            <a:off x="1392213" y="4989564"/>
-            <a:ext cx="579532" cy="562733"/>
-          </a:xfrm>
-          <a:prstGeom prst="rect">
-            <a:avLst/>
-          </a:prstGeom>
-          <a:solidFill>
-            <a:schemeClr val="accent1">
-              <a:alpha val="53000"/>
-            </a:schemeClr>
-          </a:solidFill>
-          <a:ln>
-            <a:solidFill>
-              <a:schemeClr val="accent1">
-                <a:shade val="50000"/>
-                <a:alpha val="44000"/>
-              </a:schemeClr>
-            </a:solidFill>
-          </a:ln>
-        </p:spPr>
-        <p:style>
-          <a:lnRef idx="2">
-            <a:schemeClr val="accent1">
-              <a:shade val="50000"/>
-            </a:schemeClr>
-          </a:lnRef>
-          <a:fillRef idx="1">
-            <a:schemeClr val="accent1"/>
-          </a:fillRef>
-          <a:effectRef idx="0">
-            <a:schemeClr val="accent1"/>
-          </a:effectRef>
-          <a:fontRef idx="minor">
-            <a:schemeClr val="lt1"/>
-          </a:fontRef>
-        </p:style>
-        <p:txBody>
-          <a:bodyPr rtlCol="0" anchor="ctr"/>
-          <a:lstStyle/>
-          <a:p>
-            <a:pPr algn="ctr"/>
-            <a:r>
-              <a:rPr lang="en-US" altLang="ko-KR" sz="1000" dirty="0" smtClean="0"/>
-              <a:t>Image</a:t>
-            </a:r>
-            <a:endParaRPr lang="ko-KR" altLang="en-US" sz="1000" dirty="0"/>
-          </a:p>
-        </p:txBody>
-      </p:sp>
-      <p:sp>
-        <p:nvSpPr>
-          <p:cNvPr id="20" name="직사각형 19"/>
-          <p:cNvSpPr/>
-          <p:nvPr/>
-        </p:nvSpPr>
-        <p:spPr>
-          <a:xfrm>
-            <a:off x="418934" y="3478116"/>
-            <a:ext cx="832036" cy="296562"/>
-          </a:xfrm>
-          <a:prstGeom prst="rect">
-            <a:avLst/>
-          </a:prstGeom>
-          <a:solidFill>
-            <a:schemeClr val="accent6">
-              <a:lumMod val="60000"/>
-              <a:lumOff val="40000"/>
-            </a:schemeClr>
-          </a:solidFill>
-          <a:ln>
-            <a:solidFill>
-              <a:schemeClr val="bg1">
-                <a:lumMod val="65000"/>
-              </a:schemeClr>
-            </a:solidFill>
-          </a:ln>
+            <a:off x="3378929" y="1476492"/>
+            <a:ext cx="358925" cy="358925"/>
+          </a:xfrm>
+          <a:prstGeom prst="ellipse">
+            <a:avLst/>
+          </a:prstGeom>
         </p:spPr>
         <p:style>
           <a:lnRef idx="2">
@@ -20404,124 +22370,332 @@
           <a:p>
             <a:pPr algn="ctr"/>
             <a:r>
-              <a:rPr lang="ko-KR" altLang="en-US" sz="1000" dirty="0" smtClean="0">
-                <a:solidFill>
-                  <a:srgbClr val="002060"/>
-                </a:solidFill>
-              </a:rPr>
-              <a:t>장착해제</a:t>
-            </a:r>
-            <a:endParaRPr lang="ko-KR" altLang="en-US" sz="1000" dirty="0">
+              <a:rPr lang="en-US" altLang="ko-KR" dirty="0" smtClean="0"/>
+              <a:t>X</a:t>
+            </a:r>
+            <a:endParaRPr lang="ko-KR" altLang="en-US" dirty="0"/>
+          </a:p>
+        </p:txBody>
+      </p:sp>
+      <p:sp>
+        <p:nvSpPr>
+          <p:cNvPr id="15" name="TextBox 14"/>
+          <p:cNvSpPr txBox="1"/>
+          <p:nvPr/>
+        </p:nvSpPr>
+        <p:spPr>
+          <a:xfrm>
+            <a:off x="1123876" y="3937370"/>
+            <a:ext cx="1521570" cy="1754326"/>
+          </a:xfrm>
+          <a:prstGeom prst="rect">
+            <a:avLst/>
+          </a:prstGeom>
+          <a:noFill/>
+        </p:spPr>
+        <p:txBody>
+          <a:bodyPr wrap="none" rtlCol="0">
+            <a:spAutoFit/>
+          </a:bodyPr>
+          <a:lstStyle/>
+          <a:p>
+            <a:r>
+              <a:rPr lang="en-US" altLang="ko-KR" dirty="0"/>
+              <a:t>Name : </a:t>
+            </a:r>
+            <a:r>
+              <a:rPr lang="en-US" altLang="ko-KR" dirty="0" err="1"/>
+              <a:t>Cuey</a:t>
+            </a:r>
+            <a:endParaRPr lang="en-US" altLang="ko-KR" dirty="0"/>
+          </a:p>
+          <a:p>
+            <a:r>
+              <a:rPr lang="en-US" altLang="ko-KR" dirty="0" err="1"/>
+              <a:t>Lv</a:t>
+            </a:r>
+            <a:r>
+              <a:rPr lang="en-US" altLang="ko-KR" dirty="0"/>
+              <a:t> : 99</a:t>
+            </a:r>
+          </a:p>
+          <a:p>
+            <a:r>
+              <a:rPr lang="en-US" altLang="ko-KR" dirty="0" err="1"/>
+              <a:t>Atk</a:t>
+            </a:r>
+            <a:r>
+              <a:rPr lang="en-US" altLang="ko-KR" dirty="0"/>
+              <a:t> : </a:t>
+            </a:r>
+            <a:r>
+              <a:rPr lang="en-US" altLang="ko-KR" dirty="0" smtClean="0"/>
+              <a:t>80</a:t>
+            </a:r>
+            <a:endParaRPr lang="en-US" altLang="ko-KR" sz="1500" dirty="0">
               <a:solidFill>
-                <a:srgbClr val="002060"/>
+                <a:srgbClr val="FF0000"/>
               </a:solidFill>
             </a:endParaRPr>
           </a:p>
-        </p:txBody>
-      </p:sp>
-      <p:sp>
-        <p:nvSpPr>
-          <p:cNvPr id="21" name="직사각형 20"/>
+          <a:p>
+            <a:r>
+              <a:rPr lang="en-US" altLang="ko-KR" dirty="0"/>
+              <a:t>Life : </a:t>
+            </a:r>
+            <a:r>
+              <a:rPr lang="en-US" altLang="ko-KR" dirty="0" smtClean="0"/>
+              <a:t>7</a:t>
+            </a:r>
+            <a:endParaRPr lang="en-US" altLang="ko-KR" sz="1500" dirty="0">
+              <a:solidFill>
+                <a:srgbClr val="FF0000"/>
+              </a:solidFill>
+            </a:endParaRPr>
+          </a:p>
+          <a:p>
+            <a:r>
+              <a:rPr lang="en-US" altLang="ko-KR" dirty="0"/>
+              <a:t>Speed: </a:t>
+            </a:r>
+            <a:r>
+              <a:rPr lang="en-US" altLang="ko-KR" dirty="0" smtClean="0"/>
+              <a:t>9</a:t>
+            </a:r>
+            <a:endParaRPr lang="ko-KR" altLang="en-US" sz="1500" dirty="0">
+              <a:solidFill>
+                <a:srgbClr val="FF0000"/>
+              </a:solidFill>
+            </a:endParaRPr>
+          </a:p>
+          <a:p>
+            <a:r>
+              <a:rPr lang="en-US" altLang="ko-KR" dirty="0" smtClean="0"/>
+              <a:t>Gold : 9999</a:t>
+            </a:r>
+            <a:endParaRPr lang="ko-KR" altLang="en-US" dirty="0"/>
+          </a:p>
+        </p:txBody>
+      </p:sp>
+      <p:sp>
+        <p:nvSpPr>
+          <p:cNvPr id="16" name="직사각형 15"/>
           <p:cNvSpPr/>
           <p:nvPr/>
         </p:nvSpPr>
         <p:spPr>
           <a:xfrm>
-            <a:off x="2050253" y="4009255"/>
-            <a:ext cx="3448728" cy="538609"/>
-          </a:xfrm>
-          <a:prstGeom prst="rect">
-            <a:avLst/>
-          </a:prstGeom>
-        </p:spPr>
-        <p:txBody>
-          <a:bodyPr wrap="square">
-            <a:spAutoFit/>
-          </a:bodyPr>
-          <a:lstStyle/>
-          <a:p>
-            <a:r>
-              <a:rPr lang="ko-KR" altLang="en-US" dirty="0" smtClean="0"/>
-              <a:t>튼튼한 갑옷</a:t>
-            </a:r>
-            <a:endParaRPr lang="en-US" altLang="ko-KR" dirty="0"/>
-          </a:p>
-          <a:p>
-            <a:r>
-              <a:rPr lang="en-US" altLang="ko-KR" sz="1100" dirty="0" smtClean="0"/>
-              <a:t>Life +3</a:t>
-            </a:r>
-            <a:endParaRPr lang="en-US" altLang="ko-KR" sz="1100" dirty="0"/>
-          </a:p>
-        </p:txBody>
-      </p:sp>
-      <p:sp>
-        <p:nvSpPr>
-          <p:cNvPr id="22" name="직사각형 21"/>
-          <p:cNvSpPr/>
-          <p:nvPr/>
-        </p:nvSpPr>
-        <p:spPr>
-          <a:xfrm>
-            <a:off x="2050253" y="4923660"/>
-            <a:ext cx="3448728" cy="538609"/>
-          </a:xfrm>
-          <a:prstGeom prst="rect">
-            <a:avLst/>
-          </a:prstGeom>
-        </p:spPr>
-        <p:txBody>
-          <a:bodyPr wrap="square">
-            <a:spAutoFit/>
-          </a:bodyPr>
-          <a:lstStyle/>
-          <a:p>
-            <a:r>
-              <a:rPr lang="ko-KR" altLang="en-US" dirty="0" err="1" smtClean="0"/>
-              <a:t>헤르메스의</a:t>
-            </a:r>
-            <a:r>
-              <a:rPr lang="ko-KR" altLang="en-US" dirty="0" smtClean="0"/>
-              <a:t> 신발</a:t>
-            </a:r>
-            <a:endParaRPr lang="en-US" altLang="ko-KR" dirty="0"/>
-          </a:p>
-          <a:p>
-            <a:r>
-              <a:rPr lang="en-US" altLang="ko-KR" sz="1100" dirty="0" smtClean="0"/>
-              <a:t>Speed +4</a:t>
-            </a:r>
-            <a:endParaRPr lang="en-US" altLang="ko-KR" sz="1100" dirty="0"/>
-          </a:p>
-        </p:txBody>
-      </p:sp>
-      <p:sp>
-        <p:nvSpPr>
-          <p:cNvPr id="23" name="직사각형 22"/>
-          <p:cNvSpPr/>
-          <p:nvPr/>
-        </p:nvSpPr>
-        <p:spPr>
-          <a:xfrm>
-            <a:off x="418934" y="4392513"/>
-            <a:ext cx="832036" cy="296562"/>
+            <a:off x="4416349" y="989178"/>
+            <a:ext cx="3380250" cy="4873295"/>
           </a:xfrm>
           <a:prstGeom prst="rect">
             <a:avLst/>
           </a:prstGeom>
           <a:solidFill>
             <a:schemeClr val="accent6">
-              <a:lumMod val="60000"/>
-              <a:lumOff val="40000"/>
+              <a:alpha val="19000"/>
             </a:schemeClr>
           </a:solidFill>
           <a:ln>
             <a:solidFill>
-              <a:schemeClr val="bg1">
-                <a:lumMod val="65000"/>
+              <a:schemeClr val="accent6">
+                <a:shade val="50000"/>
+                <a:alpha val="33000"/>
               </a:schemeClr>
             </a:solidFill>
           </a:ln>
+        </p:spPr>
+        <p:style>
+          <a:lnRef idx="2">
+            <a:schemeClr val="accent6">
+              <a:shade val="50000"/>
+            </a:schemeClr>
+          </a:lnRef>
+          <a:fillRef idx="1">
+            <a:schemeClr val="accent6"/>
+          </a:fillRef>
+          <a:effectRef idx="0">
+            <a:schemeClr val="accent6"/>
+          </a:effectRef>
+          <a:fontRef idx="minor">
+            <a:schemeClr val="lt1"/>
+          </a:fontRef>
+        </p:style>
+        <p:txBody>
+          <a:bodyPr rtlCol="0" anchor="ctr"/>
+          <a:lstStyle/>
+          <a:p>
+            <a:pPr algn="ctr"/>
+            <a:endParaRPr lang="ko-KR" altLang="en-US"/>
+          </a:p>
+        </p:txBody>
+      </p:sp>
+      <p:sp>
+        <p:nvSpPr>
+          <p:cNvPr id="17" name="직사각형 16"/>
+          <p:cNvSpPr/>
+          <p:nvPr/>
+        </p:nvSpPr>
+        <p:spPr>
+          <a:xfrm>
+            <a:off x="4601493" y="1340540"/>
+            <a:ext cx="3021813" cy="2471348"/>
+          </a:xfrm>
+          <a:prstGeom prst="rect">
+            <a:avLst/>
+          </a:prstGeom>
+          <a:solidFill>
+            <a:schemeClr val="accent6">
+              <a:alpha val="19000"/>
+            </a:schemeClr>
+          </a:solidFill>
+          <a:ln>
+            <a:solidFill>
+              <a:schemeClr val="accent6">
+                <a:shade val="50000"/>
+                <a:alpha val="33000"/>
+              </a:schemeClr>
+            </a:solidFill>
+          </a:ln>
+        </p:spPr>
+        <p:style>
+          <a:lnRef idx="2">
+            <a:schemeClr val="accent6">
+              <a:shade val="50000"/>
+            </a:schemeClr>
+          </a:lnRef>
+          <a:fillRef idx="1">
+            <a:schemeClr val="accent6"/>
+          </a:fillRef>
+          <a:effectRef idx="0">
+            <a:schemeClr val="accent6"/>
+          </a:effectRef>
+          <a:fontRef idx="minor">
+            <a:schemeClr val="lt1"/>
+          </a:fontRef>
+        </p:style>
+        <p:txBody>
+          <a:bodyPr rtlCol="0" anchor="ctr"/>
+          <a:lstStyle/>
+          <a:p>
+            <a:pPr algn="ctr"/>
+            <a:endParaRPr lang="ko-KR" altLang="en-US"/>
+          </a:p>
+        </p:txBody>
+      </p:sp>
+      <p:sp>
+        <p:nvSpPr>
+          <p:cNvPr id="18" name="타원 17"/>
+          <p:cNvSpPr/>
+          <p:nvPr/>
+        </p:nvSpPr>
+        <p:spPr>
+          <a:xfrm>
+            <a:off x="6112399" y="2444011"/>
+            <a:ext cx="982765" cy="846033"/>
+          </a:xfrm>
+          <a:prstGeom prst="ellipse">
+            <a:avLst/>
+          </a:prstGeom>
+          <a:solidFill>
+            <a:srgbClr val="FF0000"/>
+          </a:solidFill>
+          <a:ln>
+            <a:solidFill>
+              <a:srgbClr val="FF0000"/>
+            </a:solidFill>
+          </a:ln>
+        </p:spPr>
+        <p:style>
+          <a:lnRef idx="2">
+            <a:schemeClr val="accent1">
+              <a:shade val="50000"/>
+            </a:schemeClr>
+          </a:lnRef>
+          <a:fillRef idx="1">
+            <a:schemeClr val="accent1"/>
+          </a:fillRef>
+          <a:effectRef idx="0">
+            <a:schemeClr val="accent1"/>
+          </a:effectRef>
+          <a:fontRef idx="minor">
+            <a:schemeClr val="lt1"/>
+          </a:fontRef>
+        </p:style>
+        <p:txBody>
+          <a:bodyPr rtlCol="0" anchor="ctr"/>
+          <a:lstStyle/>
+          <a:p>
+            <a:pPr algn="ctr"/>
+            <a:r>
+              <a:rPr lang="ko-KR" altLang="en-US" sz="1000" dirty="0" smtClean="0"/>
+              <a:t>플레이어</a:t>
+            </a:r>
+            <a:endParaRPr lang="ko-KR" altLang="en-US" sz="1000" dirty="0"/>
+          </a:p>
+        </p:txBody>
+      </p:sp>
+      <p:sp>
+        <p:nvSpPr>
+          <p:cNvPr id="19" name="타원 18"/>
+          <p:cNvSpPr/>
+          <p:nvPr/>
+        </p:nvSpPr>
+        <p:spPr>
+          <a:xfrm>
+            <a:off x="5080787" y="2883017"/>
+            <a:ext cx="461473" cy="435835"/>
+          </a:xfrm>
+          <a:prstGeom prst="ellipse">
+            <a:avLst/>
+          </a:prstGeom>
+          <a:solidFill>
+            <a:srgbClr val="00B050"/>
+          </a:solidFill>
+        </p:spPr>
+        <p:style>
+          <a:lnRef idx="2">
+            <a:schemeClr val="accent1">
+              <a:shade val="50000"/>
+            </a:schemeClr>
+          </a:lnRef>
+          <a:fillRef idx="1">
+            <a:schemeClr val="accent1"/>
+          </a:fillRef>
+          <a:effectRef idx="0">
+            <a:schemeClr val="accent1"/>
+          </a:effectRef>
+          <a:fontRef idx="minor">
+            <a:schemeClr val="lt1"/>
+          </a:fontRef>
+        </p:style>
+        <p:txBody>
+          <a:bodyPr rtlCol="0" anchor="ctr"/>
+          <a:lstStyle/>
+          <a:p>
+            <a:pPr algn="ctr"/>
+            <a:r>
+              <a:rPr lang="ko-KR" altLang="en-US" sz="1000" smtClean="0"/>
+              <a:t>펫</a:t>
+            </a:r>
+            <a:endParaRPr lang="ko-KR" altLang="en-US" sz="1000"/>
+          </a:p>
+        </p:txBody>
+      </p:sp>
+      <p:sp>
+        <p:nvSpPr>
+          <p:cNvPr id="20" name="타원 19"/>
+          <p:cNvSpPr/>
+          <p:nvPr/>
+        </p:nvSpPr>
+        <p:spPr>
+          <a:xfrm>
+            <a:off x="7048885" y="1476492"/>
+            <a:ext cx="358925" cy="358925"/>
+          </a:xfrm>
+          <a:prstGeom prst="ellipse">
+            <a:avLst/>
+          </a:prstGeom>
         </p:spPr>
         <p:style>
           <a:lnRef idx="2">
@@ -20545,48 +22719,332 @@
           <a:p>
             <a:pPr algn="ctr"/>
             <a:r>
-              <a:rPr lang="ko-KR" altLang="en-US" sz="1000" dirty="0" smtClean="0">
-                <a:solidFill>
-                  <a:srgbClr val="002060"/>
-                </a:solidFill>
-              </a:rPr>
-              <a:t>장착해제</a:t>
-            </a:r>
-            <a:endParaRPr lang="ko-KR" altLang="en-US" sz="1000" dirty="0">
+              <a:rPr lang="en-US" altLang="ko-KR" dirty="0" smtClean="0"/>
+              <a:t>X</a:t>
+            </a:r>
+            <a:endParaRPr lang="ko-KR" altLang="en-US" dirty="0"/>
+          </a:p>
+        </p:txBody>
+      </p:sp>
+      <p:sp>
+        <p:nvSpPr>
+          <p:cNvPr id="21" name="TextBox 20"/>
+          <p:cNvSpPr txBox="1"/>
+          <p:nvPr/>
+        </p:nvSpPr>
+        <p:spPr>
+          <a:xfrm>
+            <a:off x="4793832" y="3937370"/>
+            <a:ext cx="1521570" cy="1754326"/>
+          </a:xfrm>
+          <a:prstGeom prst="rect">
+            <a:avLst/>
+          </a:prstGeom>
+          <a:noFill/>
+        </p:spPr>
+        <p:txBody>
+          <a:bodyPr wrap="none" rtlCol="0">
+            <a:spAutoFit/>
+          </a:bodyPr>
+          <a:lstStyle/>
+          <a:p>
+            <a:r>
+              <a:rPr lang="en-US" altLang="ko-KR" dirty="0"/>
+              <a:t>Name : </a:t>
+            </a:r>
+            <a:r>
+              <a:rPr lang="en-US" altLang="ko-KR" dirty="0" err="1"/>
+              <a:t>Cuey</a:t>
+            </a:r>
+            <a:endParaRPr lang="en-US" altLang="ko-KR" dirty="0"/>
+          </a:p>
+          <a:p>
+            <a:r>
+              <a:rPr lang="en-US" altLang="ko-KR" dirty="0" err="1"/>
+              <a:t>Lv</a:t>
+            </a:r>
+            <a:r>
+              <a:rPr lang="en-US" altLang="ko-KR" dirty="0"/>
+              <a:t> : 99</a:t>
+            </a:r>
+          </a:p>
+          <a:p>
+            <a:r>
+              <a:rPr lang="en-US" altLang="ko-KR" dirty="0" err="1"/>
+              <a:t>Atk</a:t>
+            </a:r>
+            <a:r>
+              <a:rPr lang="en-US" altLang="ko-KR" dirty="0"/>
+              <a:t> : </a:t>
+            </a:r>
+            <a:r>
+              <a:rPr lang="en-US" altLang="ko-KR" dirty="0" smtClean="0"/>
+              <a:t>80</a:t>
+            </a:r>
+            <a:endParaRPr lang="en-US" altLang="ko-KR" sz="1500" dirty="0">
               <a:solidFill>
-                <a:srgbClr val="002060"/>
+                <a:srgbClr val="FF0000"/>
               </a:solidFill>
             </a:endParaRPr>
           </a:p>
-        </p:txBody>
-      </p:sp>
-      <p:sp>
-        <p:nvSpPr>
-          <p:cNvPr id="24" name="직사각형 23"/>
+          <a:p>
+            <a:r>
+              <a:rPr lang="en-US" altLang="ko-KR" dirty="0"/>
+              <a:t>Life : </a:t>
+            </a:r>
+            <a:r>
+              <a:rPr lang="en-US" altLang="ko-KR" dirty="0" smtClean="0"/>
+              <a:t>7</a:t>
+            </a:r>
+            <a:endParaRPr lang="en-US" altLang="ko-KR" sz="1500" dirty="0">
+              <a:solidFill>
+                <a:srgbClr val="FF0000"/>
+              </a:solidFill>
+            </a:endParaRPr>
+          </a:p>
+          <a:p>
+            <a:r>
+              <a:rPr lang="en-US" altLang="ko-KR" dirty="0"/>
+              <a:t>Speed: </a:t>
+            </a:r>
+            <a:r>
+              <a:rPr lang="en-US" altLang="ko-KR" dirty="0" smtClean="0"/>
+              <a:t>9</a:t>
+            </a:r>
+            <a:endParaRPr lang="ko-KR" altLang="en-US" sz="1500" dirty="0">
+              <a:solidFill>
+                <a:srgbClr val="FF0000"/>
+              </a:solidFill>
+            </a:endParaRPr>
+          </a:p>
+          <a:p>
+            <a:r>
+              <a:rPr lang="en-US" altLang="ko-KR" dirty="0" smtClean="0"/>
+              <a:t>Gold : 9999</a:t>
+            </a:r>
+            <a:endParaRPr lang="ko-KR" altLang="en-US" dirty="0"/>
+          </a:p>
+        </p:txBody>
+      </p:sp>
+      <p:sp>
+        <p:nvSpPr>
+          <p:cNvPr id="22" name="직사각형 21"/>
           <p:cNvSpPr/>
           <p:nvPr/>
         </p:nvSpPr>
         <p:spPr>
           <a:xfrm>
-            <a:off x="417432" y="5313394"/>
-            <a:ext cx="832036" cy="296562"/>
+            <a:off x="8061591" y="989178"/>
+            <a:ext cx="3380250" cy="4873295"/>
           </a:xfrm>
           <a:prstGeom prst="rect">
             <a:avLst/>
           </a:prstGeom>
           <a:solidFill>
             <a:schemeClr val="accent6">
-              <a:lumMod val="60000"/>
-              <a:lumOff val="40000"/>
+              <a:alpha val="19000"/>
             </a:schemeClr>
           </a:solidFill>
           <a:ln>
             <a:solidFill>
-              <a:schemeClr val="bg1">
-                <a:lumMod val="65000"/>
+              <a:schemeClr val="accent6">
+                <a:shade val="50000"/>
+                <a:alpha val="33000"/>
               </a:schemeClr>
             </a:solidFill>
           </a:ln>
+        </p:spPr>
+        <p:style>
+          <a:lnRef idx="2">
+            <a:schemeClr val="accent6">
+              <a:shade val="50000"/>
+            </a:schemeClr>
+          </a:lnRef>
+          <a:fillRef idx="1">
+            <a:schemeClr val="accent6"/>
+          </a:fillRef>
+          <a:effectRef idx="0">
+            <a:schemeClr val="accent6"/>
+          </a:effectRef>
+          <a:fontRef idx="minor">
+            <a:schemeClr val="lt1"/>
+          </a:fontRef>
+        </p:style>
+        <p:txBody>
+          <a:bodyPr rtlCol="0" anchor="ctr"/>
+          <a:lstStyle/>
+          <a:p>
+            <a:pPr algn="ctr"/>
+            <a:endParaRPr lang="ko-KR" altLang="en-US"/>
+          </a:p>
+        </p:txBody>
+      </p:sp>
+      <p:sp>
+        <p:nvSpPr>
+          <p:cNvPr id="23" name="직사각형 22"/>
+          <p:cNvSpPr/>
+          <p:nvPr/>
+        </p:nvSpPr>
+        <p:spPr>
+          <a:xfrm>
+            <a:off x="8246735" y="1340540"/>
+            <a:ext cx="3021813" cy="2471348"/>
+          </a:xfrm>
+          <a:prstGeom prst="rect">
+            <a:avLst/>
+          </a:prstGeom>
+          <a:solidFill>
+            <a:schemeClr val="accent6">
+              <a:alpha val="19000"/>
+            </a:schemeClr>
+          </a:solidFill>
+          <a:ln>
+            <a:solidFill>
+              <a:schemeClr val="accent6">
+                <a:shade val="50000"/>
+                <a:alpha val="33000"/>
+              </a:schemeClr>
+            </a:solidFill>
+          </a:ln>
+        </p:spPr>
+        <p:style>
+          <a:lnRef idx="2">
+            <a:schemeClr val="accent6">
+              <a:shade val="50000"/>
+            </a:schemeClr>
+          </a:lnRef>
+          <a:fillRef idx="1">
+            <a:schemeClr val="accent6"/>
+          </a:fillRef>
+          <a:effectRef idx="0">
+            <a:schemeClr val="accent6"/>
+          </a:effectRef>
+          <a:fontRef idx="minor">
+            <a:schemeClr val="lt1"/>
+          </a:fontRef>
+        </p:style>
+        <p:txBody>
+          <a:bodyPr rtlCol="0" anchor="ctr"/>
+          <a:lstStyle/>
+          <a:p>
+            <a:pPr algn="ctr"/>
+            <a:endParaRPr lang="ko-KR" altLang="en-US"/>
+          </a:p>
+        </p:txBody>
+      </p:sp>
+      <p:sp>
+        <p:nvSpPr>
+          <p:cNvPr id="24" name="타원 23"/>
+          <p:cNvSpPr/>
+          <p:nvPr/>
+        </p:nvSpPr>
+        <p:spPr>
+          <a:xfrm>
+            <a:off x="9757641" y="2444011"/>
+            <a:ext cx="982765" cy="846033"/>
+          </a:xfrm>
+          <a:prstGeom prst="ellipse">
+            <a:avLst/>
+          </a:prstGeom>
+          <a:solidFill>
+            <a:srgbClr val="FF0000"/>
+          </a:solidFill>
+          <a:ln>
+            <a:solidFill>
+              <a:srgbClr val="FF0000"/>
+            </a:solidFill>
+          </a:ln>
+        </p:spPr>
+        <p:style>
+          <a:lnRef idx="2">
+            <a:schemeClr val="accent1">
+              <a:shade val="50000"/>
+            </a:schemeClr>
+          </a:lnRef>
+          <a:fillRef idx="1">
+            <a:schemeClr val="accent1"/>
+          </a:fillRef>
+          <a:effectRef idx="0">
+            <a:schemeClr val="accent1"/>
+          </a:effectRef>
+          <a:fontRef idx="minor">
+            <a:schemeClr val="lt1"/>
+          </a:fontRef>
+        </p:style>
+        <p:txBody>
+          <a:bodyPr rtlCol="0" anchor="ctr"/>
+          <a:lstStyle/>
+          <a:p>
+            <a:pPr algn="ctr"/>
+            <a:r>
+              <a:rPr lang="ko-KR" altLang="en-US" sz="1000" dirty="0" smtClean="0"/>
+              <a:t>플레이어</a:t>
+            </a:r>
+            <a:endParaRPr lang="ko-KR" altLang="en-US" sz="1000" dirty="0"/>
+          </a:p>
+        </p:txBody>
+      </p:sp>
+      <p:sp>
+        <p:nvSpPr>
+          <p:cNvPr id="25" name="타원 24"/>
+          <p:cNvSpPr/>
+          <p:nvPr/>
+        </p:nvSpPr>
+        <p:spPr>
+          <a:xfrm>
+            <a:off x="8726029" y="2883017"/>
+            <a:ext cx="461473" cy="435835"/>
+          </a:xfrm>
+          <a:prstGeom prst="ellipse">
+            <a:avLst/>
+          </a:prstGeom>
+          <a:solidFill>
+            <a:srgbClr val="00B050"/>
+          </a:solidFill>
+        </p:spPr>
+        <p:style>
+          <a:lnRef idx="2">
+            <a:schemeClr val="accent1">
+              <a:shade val="50000"/>
+            </a:schemeClr>
+          </a:lnRef>
+          <a:fillRef idx="1">
+            <a:schemeClr val="accent1"/>
+          </a:fillRef>
+          <a:effectRef idx="0">
+            <a:schemeClr val="accent1"/>
+          </a:effectRef>
+          <a:fontRef idx="minor">
+            <a:schemeClr val="lt1"/>
+          </a:fontRef>
+        </p:style>
+        <p:txBody>
+          <a:bodyPr rtlCol="0" anchor="ctr"/>
+          <a:lstStyle/>
+          <a:p>
+            <a:pPr algn="ctr"/>
+            <a:r>
+              <a:rPr lang="ko-KR" altLang="en-US" sz="1000" smtClean="0"/>
+              <a:t>펫</a:t>
+            </a:r>
+            <a:endParaRPr lang="ko-KR" altLang="en-US" sz="1000"/>
+          </a:p>
+        </p:txBody>
+      </p:sp>
+      <p:sp>
+        <p:nvSpPr>
+          <p:cNvPr id="26" name="타원 25"/>
+          <p:cNvSpPr/>
+          <p:nvPr/>
+        </p:nvSpPr>
+        <p:spPr>
+          <a:xfrm>
+            <a:off x="10694127" y="1476492"/>
+            <a:ext cx="358925" cy="358925"/>
+          </a:xfrm>
+          <a:prstGeom prst="ellipse">
+            <a:avLst/>
+          </a:prstGeom>
         </p:spPr>
         <p:style>
           <a:lnRef idx="2">
@@ -20610,103 +23068,8 @@
           <a:p>
             <a:pPr algn="ctr"/>
             <a:r>
-              <a:rPr lang="ko-KR" altLang="en-US" sz="1000" dirty="0" smtClean="0">
-                <a:solidFill>
-                  <a:srgbClr val="002060"/>
-                </a:solidFill>
-              </a:rPr>
-              <a:t>장착해제</a:t>
-            </a:r>
-            <a:endParaRPr lang="ko-KR" altLang="en-US" sz="1000" dirty="0">
-              <a:solidFill>
-                <a:srgbClr val="002060"/>
-              </a:solidFill>
-            </a:endParaRPr>
-          </a:p>
-        </p:txBody>
-      </p:sp>
-      <p:cxnSp>
-        <p:nvCxnSpPr>
-          <p:cNvPr id="26" name="직선 연결선 25"/>
-          <p:cNvCxnSpPr/>
-          <p:nvPr/>
-        </p:nvCxnSpPr>
-        <p:spPr>
-          <a:xfrm>
-            <a:off x="358555" y="2990335"/>
-            <a:ext cx="4904680" cy="0"/>
-          </a:xfrm>
-          <a:prstGeom prst="line">
-            <a:avLst/>
-          </a:prstGeom>
-        </p:spPr>
-        <p:style>
-          <a:lnRef idx="1">
-            <a:schemeClr val="accent1"/>
-          </a:lnRef>
-          <a:fillRef idx="0">
-            <a:schemeClr val="accent1"/>
-          </a:fillRef>
-          <a:effectRef idx="0">
-            <a:schemeClr val="accent1"/>
-          </a:effectRef>
-          <a:fontRef idx="minor">
-            <a:schemeClr val="tx1"/>
-          </a:fontRef>
-        </p:style>
-      </p:cxnSp>
-      <p:sp>
-        <p:nvSpPr>
-          <p:cNvPr id="27" name="직사각형 26"/>
-          <p:cNvSpPr/>
-          <p:nvPr/>
-        </p:nvSpPr>
-        <p:spPr>
-          <a:xfrm>
-            <a:off x="506839" y="3075832"/>
-            <a:ext cx="646331" cy="369332"/>
-          </a:xfrm>
-          <a:prstGeom prst="rect">
-            <a:avLst/>
-          </a:prstGeom>
-        </p:spPr>
-        <p:txBody>
-          <a:bodyPr wrap="none">
-            <a:spAutoFit/>
-          </a:bodyPr>
-          <a:lstStyle/>
-          <a:p>
-            <a:r>
-              <a:rPr lang="ko-KR" altLang="en-US" dirty="0"/>
-              <a:t>무기</a:t>
-            </a:r>
-          </a:p>
-        </p:txBody>
-      </p:sp>
-      <p:sp>
-        <p:nvSpPr>
-          <p:cNvPr id="28" name="직사각형 27"/>
-          <p:cNvSpPr/>
-          <p:nvPr/>
-        </p:nvSpPr>
-        <p:spPr>
-          <a:xfrm>
-            <a:off x="623382" y="3990229"/>
-            <a:ext cx="415498" cy="369332"/>
-          </a:xfrm>
-          <a:prstGeom prst="rect">
-            <a:avLst/>
-          </a:prstGeom>
-        </p:spPr>
-        <p:txBody>
-          <a:bodyPr wrap="none">
-            <a:spAutoFit/>
-          </a:bodyPr>
-          <a:lstStyle/>
-          <a:p>
-            <a:r>
-              <a:rPr lang="ko-KR" altLang="en-US" dirty="0" smtClean="0"/>
-              <a:t>옷</a:t>
+              <a:rPr lang="en-US" altLang="ko-KR" dirty="0" smtClean="0"/>
+              <a:t>X</a:t>
             </a:r>
             <a:endParaRPr lang="ko-KR" altLang="en-US" dirty="0"/>
           </a:p>
@@ -20714,1139 +23077,14 @@
       </p:sp>
       <p:sp>
         <p:nvSpPr>
-          <p:cNvPr id="29" name="직사각형 28"/>
-          <p:cNvSpPr/>
-          <p:nvPr/>
-        </p:nvSpPr>
-        <p:spPr>
-          <a:xfrm>
-            <a:off x="490363" y="4906893"/>
-            <a:ext cx="646331" cy="369332"/>
-          </a:xfrm>
-          <a:prstGeom prst="rect">
-            <a:avLst/>
-          </a:prstGeom>
-        </p:spPr>
-        <p:txBody>
-          <a:bodyPr wrap="none">
-            <a:spAutoFit/>
-          </a:bodyPr>
-          <a:lstStyle/>
-          <a:p>
-            <a:r>
-              <a:rPr lang="ko-KR" altLang="en-US" dirty="0" smtClean="0"/>
-              <a:t>신발</a:t>
-            </a:r>
-            <a:endParaRPr lang="ko-KR" altLang="en-US" dirty="0"/>
-          </a:p>
-        </p:txBody>
-      </p:sp>
-      <p:cxnSp>
-        <p:nvCxnSpPr>
-          <p:cNvPr id="30" name="직선 연결선 29"/>
-          <p:cNvCxnSpPr/>
-          <p:nvPr/>
-        </p:nvCxnSpPr>
-        <p:spPr>
-          <a:xfrm>
-            <a:off x="358555" y="3904728"/>
-            <a:ext cx="4904680" cy="0"/>
-          </a:xfrm>
-          <a:prstGeom prst="line">
-            <a:avLst/>
-          </a:prstGeom>
-        </p:spPr>
-        <p:style>
-          <a:lnRef idx="1">
-            <a:schemeClr val="accent1"/>
-          </a:lnRef>
-          <a:fillRef idx="0">
-            <a:schemeClr val="accent1"/>
-          </a:fillRef>
-          <a:effectRef idx="0">
-            <a:schemeClr val="accent1"/>
-          </a:effectRef>
-          <a:fontRef idx="minor">
-            <a:schemeClr val="tx1"/>
-          </a:fontRef>
-        </p:style>
-      </p:cxnSp>
-      <p:cxnSp>
-        <p:nvCxnSpPr>
-          <p:cNvPr id="32" name="직선 연결선 31"/>
-          <p:cNvCxnSpPr/>
-          <p:nvPr/>
-        </p:nvCxnSpPr>
-        <p:spPr>
-          <a:xfrm>
-            <a:off x="342079" y="4808805"/>
-            <a:ext cx="4921156" cy="0"/>
-          </a:xfrm>
-          <a:prstGeom prst="line">
-            <a:avLst/>
-          </a:prstGeom>
-        </p:spPr>
-        <p:style>
-          <a:lnRef idx="1">
-            <a:schemeClr val="accent1"/>
-          </a:lnRef>
-          <a:fillRef idx="0">
-            <a:schemeClr val="accent1"/>
-          </a:fillRef>
-          <a:effectRef idx="0">
-            <a:schemeClr val="accent1"/>
-          </a:effectRef>
-          <a:fontRef idx="minor">
-            <a:schemeClr val="tx1"/>
-          </a:fontRef>
-        </p:style>
-      </p:cxnSp>
-      <p:sp>
-        <p:nvSpPr>
-          <p:cNvPr id="41" name="직사각형 40"/>
-          <p:cNvSpPr/>
-          <p:nvPr/>
-        </p:nvSpPr>
-        <p:spPr>
-          <a:xfrm>
-            <a:off x="1391002" y="5903964"/>
-            <a:ext cx="579532" cy="562733"/>
-          </a:xfrm>
-          <a:prstGeom prst="rect">
-            <a:avLst/>
-          </a:prstGeom>
-          <a:solidFill>
-            <a:schemeClr val="accent1">
-              <a:alpha val="53000"/>
-            </a:schemeClr>
-          </a:solidFill>
-          <a:ln>
-            <a:solidFill>
-              <a:schemeClr val="accent1">
-                <a:shade val="50000"/>
-                <a:alpha val="44000"/>
-              </a:schemeClr>
-            </a:solidFill>
-          </a:ln>
-        </p:spPr>
-        <p:style>
-          <a:lnRef idx="2">
-            <a:schemeClr val="accent1">
-              <a:shade val="50000"/>
-            </a:schemeClr>
-          </a:lnRef>
-          <a:fillRef idx="1">
-            <a:schemeClr val="accent1"/>
-          </a:fillRef>
-          <a:effectRef idx="0">
-            <a:schemeClr val="accent1"/>
-          </a:effectRef>
-          <a:fontRef idx="minor">
-            <a:schemeClr val="lt1"/>
-          </a:fontRef>
-        </p:style>
-        <p:txBody>
-          <a:bodyPr rtlCol="0" anchor="ctr"/>
-          <a:lstStyle/>
-          <a:p>
-            <a:pPr algn="ctr"/>
-            <a:r>
-              <a:rPr lang="en-US" altLang="ko-KR" sz="1000" dirty="0" smtClean="0"/>
-              <a:t>Image</a:t>
-            </a:r>
-            <a:endParaRPr lang="ko-KR" altLang="en-US" sz="1000" dirty="0"/>
-          </a:p>
-        </p:txBody>
-      </p:sp>
-      <p:sp>
-        <p:nvSpPr>
-          <p:cNvPr id="42" name="직사각형 41"/>
-          <p:cNvSpPr/>
-          <p:nvPr/>
-        </p:nvSpPr>
-        <p:spPr>
-          <a:xfrm>
-            <a:off x="2049042" y="5838060"/>
-            <a:ext cx="3448728" cy="538609"/>
-          </a:xfrm>
-          <a:prstGeom prst="rect">
-            <a:avLst/>
-          </a:prstGeom>
-        </p:spPr>
-        <p:txBody>
-          <a:bodyPr wrap="square">
-            <a:spAutoFit/>
-          </a:bodyPr>
-          <a:lstStyle/>
-          <a:p>
-            <a:r>
-              <a:rPr lang="ko-KR" altLang="en-US" dirty="0" smtClean="0"/>
-              <a:t>골</a:t>
-            </a:r>
-            <a:r>
-              <a:rPr lang="ko-KR" altLang="en-US" dirty="0"/>
-              <a:t>드</a:t>
-            </a:r>
-            <a:r>
-              <a:rPr lang="ko-KR" altLang="en-US" dirty="0" smtClean="0"/>
-              <a:t> </a:t>
-            </a:r>
-            <a:r>
-              <a:rPr lang="ko-KR" altLang="en-US" dirty="0" err="1" smtClean="0"/>
-              <a:t>슬라임</a:t>
-            </a:r>
-            <a:endParaRPr lang="en-US" altLang="ko-KR" dirty="0" smtClean="0"/>
-          </a:p>
-          <a:p>
-            <a:r>
-              <a:rPr lang="en-US" altLang="ko-KR" sz="1100" dirty="0" smtClean="0"/>
-              <a:t>60</a:t>
-            </a:r>
-            <a:r>
-              <a:rPr lang="ko-KR" altLang="en-US" sz="1100" dirty="0" smtClean="0"/>
-              <a:t>초마다 </a:t>
-            </a:r>
-            <a:r>
-              <a:rPr lang="en-US" altLang="ko-KR" sz="1100" dirty="0"/>
-              <a:t>5</a:t>
-            </a:r>
-            <a:r>
-              <a:rPr lang="en-US" altLang="ko-KR" sz="1100" dirty="0" smtClean="0"/>
-              <a:t>G </a:t>
-            </a:r>
-            <a:r>
-              <a:rPr lang="ko-KR" altLang="en-US" sz="1100" dirty="0" smtClean="0"/>
-              <a:t>획득</a:t>
-            </a:r>
-            <a:endParaRPr lang="en-US" altLang="ko-KR" sz="1100" dirty="0"/>
-          </a:p>
-        </p:txBody>
-      </p:sp>
-      <p:sp>
-        <p:nvSpPr>
-          <p:cNvPr id="43" name="직사각형 42"/>
-          <p:cNvSpPr/>
-          <p:nvPr/>
-        </p:nvSpPr>
-        <p:spPr>
-          <a:xfrm>
-            <a:off x="416221" y="6227794"/>
-            <a:ext cx="832036" cy="296562"/>
-          </a:xfrm>
-          <a:prstGeom prst="rect">
-            <a:avLst/>
-          </a:prstGeom>
-          <a:solidFill>
-            <a:schemeClr val="accent6">
-              <a:lumMod val="60000"/>
-              <a:lumOff val="40000"/>
-            </a:schemeClr>
-          </a:solidFill>
-          <a:ln>
-            <a:solidFill>
-              <a:schemeClr val="bg1">
-                <a:lumMod val="65000"/>
-              </a:schemeClr>
-            </a:solidFill>
-          </a:ln>
-        </p:spPr>
-        <p:style>
-          <a:lnRef idx="2">
-            <a:schemeClr val="accent4">
-              <a:shade val="50000"/>
-            </a:schemeClr>
-          </a:lnRef>
-          <a:fillRef idx="1">
-            <a:schemeClr val="accent4"/>
-          </a:fillRef>
-          <a:effectRef idx="0">
-            <a:schemeClr val="accent4"/>
-          </a:effectRef>
-          <a:fontRef idx="minor">
-            <a:schemeClr val="lt1"/>
-          </a:fontRef>
-        </p:style>
-        <p:txBody>
-          <a:bodyPr rtlCol="0" anchor="ctr"/>
-          <a:lstStyle/>
-          <a:p>
-            <a:pPr algn="ctr"/>
-            <a:r>
-              <a:rPr lang="ko-KR" altLang="en-US" sz="1000" dirty="0" smtClean="0">
-                <a:solidFill>
-                  <a:srgbClr val="002060"/>
-                </a:solidFill>
-              </a:rPr>
-              <a:t>장착해제</a:t>
-            </a:r>
-            <a:endParaRPr lang="ko-KR" altLang="en-US" sz="1000" dirty="0">
-              <a:solidFill>
-                <a:srgbClr val="002060"/>
-              </a:solidFill>
-            </a:endParaRPr>
-          </a:p>
-        </p:txBody>
-      </p:sp>
-      <p:sp>
-        <p:nvSpPr>
-          <p:cNvPr id="44" name="직사각형 43"/>
-          <p:cNvSpPr/>
-          <p:nvPr/>
-        </p:nvSpPr>
-        <p:spPr>
-          <a:xfrm>
-            <a:off x="620960" y="5821293"/>
-            <a:ext cx="415498" cy="369332"/>
-          </a:xfrm>
-          <a:prstGeom prst="rect">
-            <a:avLst/>
-          </a:prstGeom>
-        </p:spPr>
-        <p:txBody>
-          <a:bodyPr wrap="none">
-            <a:spAutoFit/>
-          </a:bodyPr>
-          <a:lstStyle/>
-          <a:p>
-            <a:r>
-              <a:rPr lang="ko-KR" altLang="en-US" dirty="0" err="1"/>
-              <a:t>펫</a:t>
-            </a:r>
-            <a:endParaRPr lang="ko-KR" altLang="en-US" dirty="0"/>
-          </a:p>
-        </p:txBody>
-      </p:sp>
-      <p:cxnSp>
-        <p:nvCxnSpPr>
-          <p:cNvPr id="45" name="직선 연결선 44"/>
-          <p:cNvCxnSpPr/>
-          <p:nvPr/>
-        </p:nvCxnSpPr>
-        <p:spPr>
-          <a:xfrm>
-            <a:off x="349106" y="5723205"/>
-            <a:ext cx="4914129" cy="0"/>
-          </a:xfrm>
-          <a:prstGeom prst="line">
-            <a:avLst/>
-          </a:prstGeom>
-        </p:spPr>
-        <p:style>
-          <a:lnRef idx="1">
-            <a:schemeClr val="accent1"/>
-          </a:lnRef>
-          <a:fillRef idx="0">
-            <a:schemeClr val="accent1"/>
-          </a:fillRef>
-          <a:effectRef idx="0">
-            <a:schemeClr val="accent1"/>
-          </a:effectRef>
-          <a:fontRef idx="minor">
-            <a:schemeClr val="tx1"/>
-          </a:fontRef>
-        </p:style>
-      </p:cxnSp>
-      <p:sp>
-        <p:nvSpPr>
-          <p:cNvPr id="46" name="타원 45"/>
-          <p:cNvSpPr/>
-          <p:nvPr/>
-        </p:nvSpPr>
-        <p:spPr>
-          <a:xfrm>
-            <a:off x="942046" y="1929657"/>
-            <a:ext cx="461473" cy="435835"/>
-          </a:xfrm>
-          <a:prstGeom prst="ellipse">
-            <a:avLst/>
-          </a:prstGeom>
-          <a:solidFill>
-            <a:srgbClr val="00B050"/>
-          </a:solidFill>
-        </p:spPr>
-        <p:style>
-          <a:lnRef idx="2">
-            <a:schemeClr val="accent1">
-              <a:shade val="50000"/>
-            </a:schemeClr>
-          </a:lnRef>
-          <a:fillRef idx="1">
-            <a:schemeClr val="accent1"/>
-          </a:fillRef>
-          <a:effectRef idx="0">
-            <a:schemeClr val="accent1"/>
-          </a:effectRef>
-          <a:fontRef idx="minor">
-            <a:schemeClr val="lt1"/>
-          </a:fontRef>
-        </p:style>
-        <p:txBody>
-          <a:bodyPr rtlCol="0" anchor="ctr"/>
-          <a:lstStyle/>
-          <a:p>
-            <a:pPr algn="ctr"/>
-            <a:r>
-              <a:rPr lang="ko-KR" altLang="en-US" sz="1000" smtClean="0"/>
-              <a:t>펫</a:t>
-            </a:r>
-            <a:endParaRPr lang="ko-KR" altLang="en-US" sz="1000"/>
-          </a:p>
-        </p:txBody>
-      </p:sp>
-      <p:sp>
-        <p:nvSpPr>
-          <p:cNvPr id="47" name="직사각형 46"/>
-          <p:cNvSpPr/>
-          <p:nvPr/>
-        </p:nvSpPr>
-        <p:spPr>
-          <a:xfrm>
-            <a:off x="5498981" y="238898"/>
-            <a:ext cx="4514316" cy="6384326"/>
-          </a:xfrm>
-          <a:prstGeom prst="rect">
-            <a:avLst/>
-          </a:prstGeom>
-          <a:solidFill>
-            <a:schemeClr val="accent6">
-              <a:alpha val="19000"/>
-            </a:schemeClr>
-          </a:solidFill>
-          <a:ln>
-            <a:solidFill>
-              <a:schemeClr val="accent6">
-                <a:shade val="50000"/>
-                <a:alpha val="33000"/>
-              </a:schemeClr>
-            </a:solidFill>
-          </a:ln>
-        </p:spPr>
-        <p:style>
-          <a:lnRef idx="2">
-            <a:schemeClr val="accent6">
-              <a:shade val="50000"/>
-            </a:schemeClr>
-          </a:lnRef>
-          <a:fillRef idx="1">
-            <a:schemeClr val="accent6"/>
-          </a:fillRef>
-          <a:effectRef idx="0">
-            <a:schemeClr val="accent6"/>
-          </a:effectRef>
-          <a:fontRef idx="minor">
-            <a:schemeClr val="lt1"/>
-          </a:fontRef>
-        </p:style>
-        <p:txBody>
-          <a:bodyPr rtlCol="0" anchor="ctr"/>
-          <a:lstStyle/>
-          <a:p>
-            <a:pPr algn="ctr"/>
-            <a:endParaRPr lang="ko-KR" altLang="en-US"/>
-          </a:p>
-        </p:txBody>
-      </p:sp>
-      <p:sp>
-        <p:nvSpPr>
-          <p:cNvPr id="83" name="TextBox 82"/>
+          <p:cNvPr id="27" name="TextBox 26"/>
           <p:cNvSpPr txBox="1"/>
           <p:nvPr/>
         </p:nvSpPr>
         <p:spPr>
           <a:xfrm>
-            <a:off x="7048124" y="994217"/>
-            <a:ext cx="2562899" cy="538609"/>
-          </a:xfrm>
-          <a:prstGeom prst="rect">
-            <a:avLst/>
-          </a:prstGeom>
-          <a:noFill/>
-        </p:spPr>
-        <p:txBody>
-          <a:bodyPr wrap="square" rtlCol="0">
-            <a:spAutoFit/>
-          </a:bodyPr>
-          <a:lstStyle/>
-          <a:p>
-            <a:r>
-              <a:rPr lang="ko-KR" altLang="en-US" dirty="0" smtClean="0"/>
-              <a:t>초심자의 검</a:t>
-            </a:r>
-            <a:endParaRPr lang="en-US" altLang="ko-KR" dirty="0" smtClean="0"/>
-          </a:p>
-          <a:p>
-            <a:r>
-              <a:rPr lang="en-US" altLang="ko-KR" sz="1100" dirty="0" err="1" smtClean="0"/>
-              <a:t>Atk</a:t>
-            </a:r>
-            <a:r>
-              <a:rPr lang="en-US" altLang="ko-KR" sz="1100" dirty="0" smtClean="0"/>
-              <a:t> +50</a:t>
-            </a:r>
-          </a:p>
-        </p:txBody>
-      </p:sp>
-      <p:sp>
-        <p:nvSpPr>
-          <p:cNvPr id="84" name="직사각형 83"/>
-          <p:cNvSpPr/>
-          <p:nvPr/>
-        </p:nvSpPr>
-        <p:spPr>
-          <a:xfrm>
-            <a:off x="6390085" y="1060121"/>
-            <a:ext cx="579532" cy="562733"/>
-          </a:xfrm>
-          <a:prstGeom prst="rect">
-            <a:avLst/>
-          </a:prstGeom>
-          <a:solidFill>
-            <a:schemeClr val="accent1">
-              <a:alpha val="53000"/>
-            </a:schemeClr>
-          </a:solidFill>
-          <a:ln>
-            <a:solidFill>
-              <a:schemeClr val="accent1">
-                <a:shade val="50000"/>
-                <a:alpha val="44000"/>
-              </a:schemeClr>
-            </a:solidFill>
-          </a:ln>
-        </p:spPr>
-        <p:style>
-          <a:lnRef idx="2">
-            <a:schemeClr val="accent1">
-              <a:shade val="50000"/>
-            </a:schemeClr>
-          </a:lnRef>
-          <a:fillRef idx="1">
-            <a:schemeClr val="accent1"/>
-          </a:fillRef>
-          <a:effectRef idx="0">
-            <a:schemeClr val="accent1"/>
-          </a:effectRef>
-          <a:fontRef idx="minor">
-            <a:schemeClr val="lt1"/>
-          </a:fontRef>
-        </p:style>
-        <p:txBody>
-          <a:bodyPr rtlCol="0" anchor="ctr"/>
-          <a:lstStyle/>
-          <a:p>
-            <a:pPr algn="ctr"/>
-            <a:r>
-              <a:rPr lang="en-US" altLang="ko-KR" sz="1000" dirty="0" smtClean="0"/>
-              <a:t>Image</a:t>
-            </a:r>
-            <a:endParaRPr lang="ko-KR" altLang="en-US" sz="1000" dirty="0"/>
-          </a:p>
-        </p:txBody>
-      </p:sp>
-      <p:sp>
-        <p:nvSpPr>
-          <p:cNvPr id="85" name="직사각형 84"/>
-          <p:cNvSpPr/>
-          <p:nvPr/>
-        </p:nvSpPr>
-        <p:spPr>
-          <a:xfrm>
-            <a:off x="5634920" y="1367165"/>
-            <a:ext cx="616352" cy="296562"/>
-          </a:xfrm>
-          <a:prstGeom prst="rect">
-            <a:avLst/>
-          </a:prstGeom>
-          <a:solidFill>
-            <a:schemeClr val="accent6">
-              <a:lumMod val="60000"/>
-              <a:lumOff val="40000"/>
-            </a:schemeClr>
-          </a:solidFill>
-          <a:ln>
-            <a:solidFill>
-              <a:schemeClr val="bg1">
-                <a:lumMod val="65000"/>
-              </a:schemeClr>
-            </a:solidFill>
-          </a:ln>
-        </p:spPr>
-        <p:style>
-          <a:lnRef idx="2">
-            <a:schemeClr val="accent4">
-              <a:shade val="50000"/>
-            </a:schemeClr>
-          </a:lnRef>
-          <a:fillRef idx="1">
-            <a:schemeClr val="accent4"/>
-          </a:fillRef>
-          <a:effectRef idx="0">
-            <a:schemeClr val="accent4"/>
-          </a:effectRef>
-          <a:fontRef idx="minor">
-            <a:schemeClr val="lt1"/>
-          </a:fontRef>
-        </p:style>
-        <p:txBody>
-          <a:bodyPr rtlCol="0" anchor="ctr"/>
-          <a:lstStyle/>
-          <a:p>
-            <a:pPr algn="ctr"/>
-            <a:r>
-              <a:rPr lang="ko-KR" altLang="en-US" sz="1000" dirty="0" err="1" smtClean="0">
-                <a:solidFill>
-                  <a:srgbClr val="002060"/>
-                </a:solidFill>
-              </a:rPr>
-              <a:t>장착중</a:t>
-            </a:r>
-            <a:endParaRPr lang="ko-KR" altLang="en-US" sz="1000" dirty="0">
-              <a:solidFill>
-                <a:srgbClr val="002060"/>
-              </a:solidFill>
-            </a:endParaRPr>
-          </a:p>
-        </p:txBody>
-      </p:sp>
-      <p:cxnSp>
-        <p:nvCxnSpPr>
-          <p:cNvPr id="86" name="직선 연결선 85"/>
-          <p:cNvCxnSpPr/>
-          <p:nvPr/>
-        </p:nvCxnSpPr>
-        <p:spPr>
-          <a:xfrm>
-            <a:off x="5599708" y="879384"/>
-            <a:ext cx="4318765" cy="0"/>
-          </a:xfrm>
-          <a:prstGeom prst="line">
-            <a:avLst/>
-          </a:prstGeom>
-        </p:spPr>
-        <p:style>
-          <a:lnRef idx="1">
-            <a:schemeClr val="accent1"/>
-          </a:lnRef>
-          <a:fillRef idx="0">
-            <a:schemeClr val="accent1"/>
-          </a:fillRef>
-          <a:effectRef idx="0">
-            <a:schemeClr val="accent1"/>
-          </a:effectRef>
-          <a:fontRef idx="minor">
-            <a:schemeClr val="tx1"/>
-          </a:fontRef>
-        </p:style>
-      </p:cxnSp>
-      <p:sp>
-        <p:nvSpPr>
-          <p:cNvPr id="87" name="직사각형 86"/>
-          <p:cNvSpPr/>
-          <p:nvPr/>
-        </p:nvSpPr>
-        <p:spPr>
-          <a:xfrm>
-            <a:off x="5785184" y="418014"/>
-            <a:ext cx="646331" cy="369332"/>
-          </a:xfrm>
-          <a:prstGeom prst="rect">
-            <a:avLst/>
-          </a:prstGeom>
-        </p:spPr>
-        <p:style>
-          <a:lnRef idx="1">
-            <a:schemeClr val="accent5"/>
-          </a:lnRef>
-          <a:fillRef idx="2">
-            <a:schemeClr val="accent5"/>
-          </a:fillRef>
-          <a:effectRef idx="1">
-            <a:schemeClr val="accent5"/>
-          </a:effectRef>
-          <a:fontRef idx="minor">
-            <a:schemeClr val="dk1"/>
-          </a:fontRef>
-        </p:style>
-        <p:txBody>
-          <a:bodyPr wrap="none">
-            <a:spAutoFit/>
-          </a:bodyPr>
-          <a:lstStyle/>
-          <a:p>
-            <a:r>
-              <a:rPr lang="ko-KR" altLang="en-US" dirty="0"/>
-              <a:t>무기</a:t>
-            </a:r>
-          </a:p>
-        </p:txBody>
-      </p:sp>
-      <p:sp>
-        <p:nvSpPr>
-          <p:cNvPr id="100" name="TextBox 99"/>
-          <p:cNvSpPr txBox="1"/>
-          <p:nvPr/>
-        </p:nvSpPr>
-        <p:spPr>
-          <a:xfrm>
-            <a:off x="7048124" y="1913667"/>
-            <a:ext cx="2562899" cy="538609"/>
-          </a:xfrm>
-          <a:prstGeom prst="rect">
-            <a:avLst/>
-          </a:prstGeom>
-          <a:noFill/>
-        </p:spPr>
-        <p:txBody>
-          <a:bodyPr wrap="square" rtlCol="0">
-            <a:spAutoFit/>
-          </a:bodyPr>
-          <a:lstStyle/>
-          <a:p>
-            <a:r>
-              <a:rPr lang="ko-KR" altLang="en-US" dirty="0" err="1" smtClean="0"/>
-              <a:t>엑스칼리버</a:t>
-            </a:r>
-            <a:endParaRPr lang="en-US" altLang="ko-KR" dirty="0" smtClean="0"/>
-          </a:p>
-          <a:p>
-            <a:r>
-              <a:rPr lang="en-US" altLang="ko-KR" sz="1100" dirty="0" err="1" smtClean="0"/>
-              <a:t>Atk</a:t>
-            </a:r>
-            <a:r>
-              <a:rPr lang="en-US" altLang="ko-KR" sz="1100" dirty="0" smtClean="0"/>
-              <a:t> +500</a:t>
-            </a:r>
-          </a:p>
-        </p:txBody>
-      </p:sp>
-      <p:sp>
-        <p:nvSpPr>
-          <p:cNvPr id="101" name="직사각형 100"/>
-          <p:cNvSpPr/>
-          <p:nvPr/>
-        </p:nvSpPr>
-        <p:spPr>
-          <a:xfrm>
-            <a:off x="6390085" y="1979571"/>
-            <a:ext cx="579532" cy="562733"/>
-          </a:xfrm>
-          <a:prstGeom prst="rect">
-            <a:avLst/>
-          </a:prstGeom>
-          <a:solidFill>
-            <a:schemeClr val="accent1">
-              <a:alpha val="53000"/>
-            </a:schemeClr>
-          </a:solidFill>
-          <a:ln>
-            <a:solidFill>
-              <a:schemeClr val="accent1">
-                <a:shade val="50000"/>
-                <a:alpha val="44000"/>
-              </a:schemeClr>
-            </a:solidFill>
-          </a:ln>
-        </p:spPr>
-        <p:style>
-          <a:lnRef idx="2">
-            <a:schemeClr val="accent1">
-              <a:shade val="50000"/>
-            </a:schemeClr>
-          </a:lnRef>
-          <a:fillRef idx="1">
-            <a:schemeClr val="accent1"/>
-          </a:fillRef>
-          <a:effectRef idx="0">
-            <a:schemeClr val="accent1"/>
-          </a:effectRef>
-          <a:fontRef idx="minor">
-            <a:schemeClr val="lt1"/>
-          </a:fontRef>
-        </p:style>
-        <p:txBody>
-          <a:bodyPr rtlCol="0" anchor="ctr"/>
-          <a:lstStyle/>
-          <a:p>
-            <a:pPr algn="ctr"/>
-            <a:r>
-              <a:rPr lang="en-US" altLang="ko-KR" sz="1000" dirty="0" smtClean="0"/>
-              <a:t>Image</a:t>
-            </a:r>
-            <a:endParaRPr lang="ko-KR" altLang="en-US" sz="1000" dirty="0"/>
-          </a:p>
-        </p:txBody>
-      </p:sp>
-      <p:sp>
-        <p:nvSpPr>
-          <p:cNvPr id="102" name="직사각형 101"/>
-          <p:cNvSpPr/>
-          <p:nvPr/>
-        </p:nvSpPr>
-        <p:spPr>
-          <a:xfrm>
-            <a:off x="5634920" y="2286615"/>
-            <a:ext cx="616352" cy="296562"/>
-          </a:xfrm>
-          <a:prstGeom prst="rect">
-            <a:avLst/>
-          </a:prstGeom>
-          <a:solidFill>
-            <a:schemeClr val="accent6">
-              <a:lumMod val="60000"/>
-              <a:lumOff val="40000"/>
-            </a:schemeClr>
-          </a:solidFill>
-          <a:ln>
-            <a:solidFill>
-              <a:schemeClr val="bg1">
-                <a:lumMod val="65000"/>
-              </a:schemeClr>
-            </a:solidFill>
-          </a:ln>
-        </p:spPr>
-        <p:style>
-          <a:lnRef idx="2">
-            <a:schemeClr val="accent4">
-              <a:shade val="50000"/>
-            </a:schemeClr>
-          </a:lnRef>
-          <a:fillRef idx="1">
-            <a:schemeClr val="accent4"/>
-          </a:fillRef>
-          <a:effectRef idx="0">
-            <a:schemeClr val="accent4"/>
-          </a:effectRef>
-          <a:fontRef idx="minor">
-            <a:schemeClr val="lt1"/>
-          </a:fontRef>
-        </p:style>
-        <p:txBody>
-          <a:bodyPr rtlCol="0" anchor="ctr"/>
-          <a:lstStyle/>
-          <a:p>
-            <a:pPr algn="ctr"/>
-            <a:r>
-              <a:rPr lang="ko-KR" altLang="en-US" sz="1000" smtClean="0">
-                <a:solidFill>
-                  <a:srgbClr val="002060"/>
-                </a:solidFill>
-              </a:rPr>
-              <a:t>장착</a:t>
-            </a:r>
-            <a:endParaRPr lang="ko-KR" altLang="en-US" sz="1000" dirty="0">
-              <a:solidFill>
-                <a:srgbClr val="002060"/>
-              </a:solidFill>
-            </a:endParaRPr>
-          </a:p>
-        </p:txBody>
-      </p:sp>
-      <p:cxnSp>
-        <p:nvCxnSpPr>
-          <p:cNvPr id="103" name="직선 연결선 102"/>
-          <p:cNvCxnSpPr/>
-          <p:nvPr/>
-        </p:nvCxnSpPr>
-        <p:spPr>
-          <a:xfrm>
-            <a:off x="5599708" y="1798834"/>
-            <a:ext cx="4318765" cy="0"/>
-          </a:xfrm>
-          <a:prstGeom prst="line">
-            <a:avLst/>
-          </a:prstGeom>
-        </p:spPr>
-        <p:style>
-          <a:lnRef idx="1">
-            <a:schemeClr val="accent1"/>
-          </a:lnRef>
-          <a:fillRef idx="0">
-            <a:schemeClr val="accent1"/>
-          </a:fillRef>
-          <a:effectRef idx="0">
-            <a:schemeClr val="accent1"/>
-          </a:effectRef>
-          <a:fontRef idx="minor">
-            <a:schemeClr val="tx1"/>
-          </a:fontRef>
-        </p:style>
-      </p:cxnSp>
-      <p:cxnSp>
-        <p:nvCxnSpPr>
-          <p:cNvPr id="104" name="직선 연결선 103"/>
-          <p:cNvCxnSpPr/>
-          <p:nvPr/>
-        </p:nvCxnSpPr>
-        <p:spPr>
-          <a:xfrm>
-            <a:off x="5599708" y="2721623"/>
-            <a:ext cx="4318765" cy="0"/>
-          </a:xfrm>
-          <a:prstGeom prst="line">
-            <a:avLst/>
-          </a:prstGeom>
-        </p:spPr>
-        <p:style>
-          <a:lnRef idx="1">
-            <a:schemeClr val="accent1"/>
-          </a:lnRef>
-          <a:fillRef idx="0">
-            <a:schemeClr val="accent1"/>
-          </a:fillRef>
-          <a:effectRef idx="0">
-            <a:schemeClr val="accent1"/>
-          </a:effectRef>
-          <a:fontRef idx="minor">
-            <a:schemeClr val="tx1"/>
-          </a:fontRef>
-        </p:style>
-      </p:cxnSp>
-      <p:cxnSp>
-        <p:nvCxnSpPr>
-          <p:cNvPr id="105" name="직선 연결선 104"/>
-          <p:cNvCxnSpPr/>
-          <p:nvPr/>
-        </p:nvCxnSpPr>
-        <p:spPr>
-          <a:xfrm>
-            <a:off x="7753467" y="357460"/>
-            <a:ext cx="0" cy="521924"/>
-          </a:xfrm>
-          <a:prstGeom prst="line">
-            <a:avLst/>
-          </a:prstGeom>
-        </p:spPr>
-        <p:style>
-          <a:lnRef idx="1">
-            <a:schemeClr val="accent1"/>
-          </a:lnRef>
-          <a:fillRef idx="0">
-            <a:schemeClr val="accent1"/>
-          </a:fillRef>
-          <a:effectRef idx="0">
-            <a:schemeClr val="accent1"/>
-          </a:effectRef>
-          <a:fontRef idx="minor">
-            <a:schemeClr val="tx1"/>
-          </a:fontRef>
-        </p:style>
-      </p:cxnSp>
-      <p:cxnSp>
-        <p:nvCxnSpPr>
-          <p:cNvPr id="108" name="직선 연결선 107"/>
-          <p:cNvCxnSpPr/>
-          <p:nvPr/>
-        </p:nvCxnSpPr>
-        <p:spPr>
-          <a:xfrm>
-            <a:off x="8853467" y="357460"/>
-            <a:ext cx="0" cy="521924"/>
-          </a:xfrm>
-          <a:prstGeom prst="line">
-            <a:avLst/>
-          </a:prstGeom>
-        </p:spPr>
-        <p:style>
-          <a:lnRef idx="1">
-            <a:schemeClr val="accent1"/>
-          </a:lnRef>
-          <a:fillRef idx="0">
-            <a:schemeClr val="accent1"/>
-          </a:fillRef>
-          <a:effectRef idx="0">
-            <a:schemeClr val="accent1"/>
-          </a:effectRef>
-          <a:fontRef idx="minor">
-            <a:schemeClr val="tx1"/>
-          </a:fontRef>
-        </p:style>
-      </p:cxnSp>
-      <p:sp>
-        <p:nvSpPr>
-          <p:cNvPr id="109" name="직사각형 108"/>
-          <p:cNvSpPr/>
-          <p:nvPr/>
-        </p:nvSpPr>
-        <p:spPr>
-          <a:xfrm>
-            <a:off x="6990156" y="416978"/>
-            <a:ext cx="415498" cy="369332"/>
-          </a:xfrm>
-          <a:prstGeom prst="rect">
-            <a:avLst/>
-          </a:prstGeom>
-        </p:spPr>
-        <p:txBody>
-          <a:bodyPr wrap="none">
-            <a:spAutoFit/>
-          </a:bodyPr>
-          <a:lstStyle/>
-          <a:p>
-            <a:r>
-              <a:rPr lang="ko-KR" altLang="en-US" dirty="0" smtClean="0"/>
-              <a:t>옷</a:t>
-            </a:r>
-            <a:endParaRPr lang="ko-KR" altLang="en-US" dirty="0"/>
-          </a:p>
-        </p:txBody>
-      </p:sp>
-      <p:sp>
-        <p:nvSpPr>
-          <p:cNvPr id="110" name="직사각형 109"/>
-          <p:cNvSpPr/>
-          <p:nvPr/>
-        </p:nvSpPr>
-        <p:spPr>
-          <a:xfrm>
-            <a:off x="7998169" y="417129"/>
-            <a:ext cx="646331" cy="369332"/>
-          </a:xfrm>
-          <a:prstGeom prst="rect">
-            <a:avLst/>
-          </a:prstGeom>
-        </p:spPr>
-        <p:txBody>
-          <a:bodyPr wrap="none">
-            <a:spAutoFit/>
-          </a:bodyPr>
-          <a:lstStyle/>
-          <a:p>
-            <a:r>
-              <a:rPr lang="ko-KR" altLang="en-US" dirty="0" smtClean="0"/>
-              <a:t>신발</a:t>
-            </a:r>
-            <a:endParaRPr lang="ko-KR" altLang="en-US" dirty="0"/>
-          </a:p>
-        </p:txBody>
-      </p:sp>
-      <p:sp>
-        <p:nvSpPr>
-          <p:cNvPr id="111" name="직사각형 110"/>
-          <p:cNvSpPr/>
-          <p:nvPr/>
-        </p:nvSpPr>
-        <p:spPr>
-          <a:xfrm>
-            <a:off x="9188952" y="416771"/>
-            <a:ext cx="415498" cy="369332"/>
-          </a:xfrm>
-          <a:prstGeom prst="rect">
-            <a:avLst/>
-          </a:prstGeom>
-        </p:spPr>
-        <p:txBody>
-          <a:bodyPr wrap="none">
-            <a:spAutoFit/>
-          </a:bodyPr>
-          <a:lstStyle/>
-          <a:p>
-            <a:r>
-              <a:rPr lang="ko-KR" altLang="en-US" dirty="0" err="1" smtClean="0"/>
-              <a:t>펫</a:t>
-            </a:r>
-            <a:endParaRPr lang="ko-KR" altLang="en-US" dirty="0"/>
-          </a:p>
-        </p:txBody>
-      </p:sp>
-      <p:sp>
-        <p:nvSpPr>
-          <p:cNvPr id="112" name="직사각형 111">
-            <a:hlinkClick r:id="rId2" action="ppaction://hlinksldjump"/>
-          </p:cNvPr>
-          <p:cNvSpPr/>
-          <p:nvPr/>
-        </p:nvSpPr>
-        <p:spPr>
-          <a:xfrm>
-            <a:off x="10230736" y="6079526"/>
-            <a:ext cx="1729945" cy="543698"/>
-          </a:xfrm>
-          <a:prstGeom prst="rect">
-            <a:avLst/>
-          </a:prstGeom>
-          <a:ln/>
-        </p:spPr>
-        <p:style>
-          <a:lnRef idx="1">
-            <a:schemeClr val="accent6"/>
-          </a:lnRef>
-          <a:fillRef idx="2">
-            <a:schemeClr val="accent6"/>
-          </a:fillRef>
-          <a:effectRef idx="1">
-            <a:schemeClr val="accent6"/>
-          </a:effectRef>
-          <a:fontRef idx="minor">
-            <a:schemeClr val="dk1"/>
-          </a:fontRef>
-        </p:style>
-        <p:txBody>
-          <a:bodyPr rtlCol="0" anchor="ctr"/>
-          <a:lstStyle/>
-          <a:p>
-            <a:pPr algn="ctr"/>
-            <a:r>
-              <a:rPr lang="ko-KR" altLang="en-US" dirty="0" smtClean="0"/>
-              <a:t>탑</a:t>
-            </a:r>
-            <a:endParaRPr lang="en-US" altLang="ko-KR" dirty="0" smtClean="0"/>
-          </a:p>
-        </p:txBody>
-      </p:sp>
-      <p:sp>
-        <p:nvSpPr>
-          <p:cNvPr id="116" name="타원 115"/>
-          <p:cNvSpPr/>
-          <p:nvPr/>
-        </p:nvSpPr>
-        <p:spPr>
-          <a:xfrm>
-            <a:off x="11601754" y="111786"/>
-            <a:ext cx="358925" cy="358925"/>
-          </a:xfrm>
-          <a:prstGeom prst="ellipse">
-            <a:avLst/>
-          </a:prstGeom>
-          <a:solidFill>
-            <a:schemeClr val="accent2"/>
-          </a:solidFill>
-        </p:spPr>
-        <p:style>
-          <a:lnRef idx="2">
-            <a:schemeClr val="accent3">
-              <a:shade val="50000"/>
-            </a:schemeClr>
-          </a:lnRef>
-          <a:fillRef idx="1">
-            <a:schemeClr val="accent3"/>
-          </a:fillRef>
-          <a:effectRef idx="0">
-            <a:schemeClr val="accent3"/>
-          </a:effectRef>
-          <a:fontRef idx="minor">
-            <a:schemeClr val="lt1"/>
-          </a:fontRef>
-        </p:style>
-        <p:txBody>
-          <a:bodyPr rtlCol="0" anchor="ctr"/>
-          <a:lstStyle/>
-          <a:p>
-            <a:pPr algn="ctr"/>
-            <a:endParaRPr lang="ko-KR" altLang="en-US" sz="1100" dirty="0"/>
-          </a:p>
-        </p:txBody>
-      </p:sp>
-      <p:sp>
-        <p:nvSpPr>
-          <p:cNvPr id="117" name="TextBox 116"/>
-          <p:cNvSpPr txBox="1"/>
-          <p:nvPr/>
-        </p:nvSpPr>
-        <p:spPr>
-          <a:xfrm>
-            <a:off x="11534591" y="153492"/>
-            <a:ext cx="518091" cy="292388"/>
+            <a:off x="8439074" y="3937370"/>
+            <a:ext cx="1521570" cy="1754326"/>
           </a:xfrm>
           <a:prstGeom prst="rect">
             <a:avLst/>
@@ -21860,256 +23098,78 @@
           <a:lstStyle/>
           <a:p>
             <a:r>
-              <a:rPr lang="ko-KR" altLang="en-US" sz="1300" dirty="0" smtClean="0">
-                <a:solidFill>
-                  <a:schemeClr val="bg1"/>
-                </a:solidFill>
-              </a:rPr>
-              <a:t>설</a:t>
-            </a:r>
-            <a:r>
-              <a:rPr lang="ko-KR" altLang="en-US" sz="1300" dirty="0">
-                <a:solidFill>
-                  <a:schemeClr val="bg1"/>
-                </a:solidFill>
-              </a:rPr>
-              <a:t>정</a:t>
-            </a:r>
-          </a:p>
-        </p:txBody>
-      </p:sp>
-      <p:cxnSp>
-        <p:nvCxnSpPr>
-          <p:cNvPr id="52" name="직선 연결선 51"/>
-          <p:cNvCxnSpPr/>
-          <p:nvPr/>
-        </p:nvCxnSpPr>
-        <p:spPr>
-          <a:xfrm>
-            <a:off x="6635922" y="349071"/>
-            <a:ext cx="0" cy="521924"/>
-          </a:xfrm>
-          <a:prstGeom prst="line">
-            <a:avLst/>
-          </a:prstGeom>
-        </p:spPr>
-        <p:style>
-          <a:lnRef idx="1">
-            <a:schemeClr val="accent1"/>
-          </a:lnRef>
-          <a:fillRef idx="0">
-            <a:schemeClr val="accent1"/>
-          </a:fillRef>
-          <a:effectRef idx="0">
-            <a:schemeClr val="accent1"/>
-          </a:effectRef>
-          <a:fontRef idx="minor">
-            <a:schemeClr val="tx1"/>
-          </a:fontRef>
-        </p:style>
-      </p:cxnSp>
-      <p:sp>
-        <p:nvSpPr>
-          <p:cNvPr id="51" name="직사각형 50">
-            <a:hlinkClick r:id="rId2" action="ppaction://hlinksldjump"/>
-          </p:cNvPr>
-          <p:cNvSpPr/>
-          <p:nvPr/>
-        </p:nvSpPr>
-        <p:spPr>
-          <a:xfrm>
-            <a:off x="10230736" y="4665702"/>
-            <a:ext cx="1729945" cy="543698"/>
-          </a:xfrm>
-          <a:prstGeom prst="rect">
-            <a:avLst/>
-          </a:prstGeom>
-          <a:ln/>
-        </p:spPr>
-        <p:style>
-          <a:lnRef idx="1">
-            <a:schemeClr val="accent6"/>
-          </a:lnRef>
-          <a:fillRef idx="2">
-            <a:schemeClr val="accent6"/>
-          </a:fillRef>
-          <a:effectRef idx="1">
-            <a:schemeClr val="accent6"/>
-          </a:effectRef>
-          <a:fontRef idx="minor">
-            <a:schemeClr val="dk1"/>
-          </a:fontRef>
-        </p:style>
-        <p:txBody>
-          <a:bodyPr rtlCol="0" anchor="ctr"/>
-          <a:lstStyle/>
-          <a:p>
-            <a:pPr algn="ctr"/>
-            <a:r>
-              <a:rPr lang="ko-KR" altLang="en-US" dirty="0" smtClean="0"/>
-              <a:t>스킬</a:t>
-            </a:r>
-            <a:endParaRPr lang="en-US" altLang="ko-KR" dirty="0" smtClean="0"/>
-          </a:p>
-        </p:txBody>
-      </p:sp>
-      <p:sp>
-        <p:nvSpPr>
-          <p:cNvPr id="55" name="직사각형 54"/>
-          <p:cNvSpPr/>
-          <p:nvPr/>
-        </p:nvSpPr>
-        <p:spPr>
-          <a:xfrm>
-            <a:off x="10230734" y="3957274"/>
-            <a:ext cx="1729945" cy="543698"/>
-          </a:xfrm>
-          <a:prstGeom prst="rect">
-            <a:avLst/>
-          </a:prstGeom>
-          <a:ln/>
-        </p:spPr>
-        <p:style>
-          <a:lnRef idx="1">
-            <a:schemeClr val="accent5"/>
-          </a:lnRef>
-          <a:fillRef idx="2">
-            <a:schemeClr val="accent5"/>
-          </a:fillRef>
-          <a:effectRef idx="1">
-            <a:schemeClr val="accent5"/>
-          </a:effectRef>
-          <a:fontRef idx="minor">
-            <a:schemeClr val="dk1"/>
-          </a:fontRef>
-        </p:style>
-        <p:txBody>
-          <a:bodyPr rtlCol="0" anchor="ctr"/>
-          <a:lstStyle/>
-          <a:p>
-            <a:pPr algn="ctr"/>
-            <a:r>
-              <a:rPr lang="ko-KR" altLang="en-US" dirty="0" smtClean="0"/>
-              <a:t>장비</a:t>
-            </a:r>
-            <a:endParaRPr lang="en-US" altLang="ko-KR" dirty="0" smtClean="0"/>
-          </a:p>
-        </p:txBody>
-      </p:sp>
-      <p:sp>
-        <p:nvSpPr>
-          <p:cNvPr id="54" name="직사각형 53">
-            <a:hlinkClick r:id="rId2" action="ppaction://hlinksldjump"/>
-          </p:cNvPr>
-          <p:cNvSpPr/>
-          <p:nvPr/>
-        </p:nvSpPr>
-        <p:spPr>
-          <a:xfrm>
-            <a:off x="10230733" y="5371590"/>
-            <a:ext cx="1729945" cy="543698"/>
-          </a:xfrm>
-          <a:prstGeom prst="rect">
-            <a:avLst/>
-          </a:prstGeom>
-          <a:ln/>
-        </p:spPr>
-        <p:style>
-          <a:lnRef idx="1">
-            <a:schemeClr val="accent6"/>
-          </a:lnRef>
-          <a:fillRef idx="2">
-            <a:schemeClr val="accent6"/>
-          </a:fillRef>
-          <a:effectRef idx="1">
-            <a:schemeClr val="accent6"/>
-          </a:effectRef>
-          <a:fontRef idx="minor">
-            <a:schemeClr val="dk1"/>
-          </a:fontRef>
-        </p:style>
-        <p:txBody>
-          <a:bodyPr rtlCol="0" anchor="ctr"/>
-          <a:lstStyle/>
-          <a:p>
-            <a:pPr algn="ctr"/>
-            <a:r>
-              <a:rPr lang="ko-KR" altLang="en-US" dirty="0" smtClean="0"/>
-              <a:t>아이템</a:t>
-            </a:r>
-            <a:endParaRPr lang="en-US" altLang="ko-KR" dirty="0" smtClean="0"/>
-          </a:p>
-        </p:txBody>
-      </p:sp>
-      <p:sp>
-        <p:nvSpPr>
-          <p:cNvPr id="56" name="타원 55"/>
-          <p:cNvSpPr/>
-          <p:nvPr/>
-        </p:nvSpPr>
-        <p:spPr>
-          <a:xfrm>
-            <a:off x="10216752" y="113242"/>
-            <a:ext cx="358925" cy="358925"/>
-          </a:xfrm>
-          <a:prstGeom prst="ellipse">
-            <a:avLst/>
-          </a:prstGeom>
-        </p:spPr>
-        <p:style>
-          <a:lnRef idx="2">
-            <a:schemeClr val="accent4">
-              <a:shade val="50000"/>
-            </a:schemeClr>
-          </a:lnRef>
-          <a:fillRef idx="1">
-            <a:schemeClr val="accent4"/>
-          </a:fillRef>
-          <a:effectRef idx="0">
-            <a:schemeClr val="accent4"/>
-          </a:effectRef>
-          <a:fontRef idx="minor">
-            <a:schemeClr val="lt1"/>
-          </a:fontRef>
-        </p:style>
-        <p:txBody>
-          <a:bodyPr rtlCol="0" anchor="ctr"/>
-          <a:lstStyle/>
-          <a:p>
-            <a:pPr algn="ctr"/>
+              <a:rPr lang="en-US" altLang="ko-KR" dirty="0"/>
+              <a:t>Name : </a:t>
+            </a:r>
+            <a:r>
+              <a:rPr lang="en-US" altLang="ko-KR" dirty="0" err="1"/>
+              <a:t>Cuey</a:t>
+            </a:r>
+            <a:endParaRPr lang="en-US" altLang="ko-KR" dirty="0"/>
+          </a:p>
+          <a:p>
+            <a:r>
+              <a:rPr lang="en-US" altLang="ko-KR" dirty="0" err="1"/>
+              <a:t>Lv</a:t>
+            </a:r>
+            <a:r>
+              <a:rPr lang="en-US" altLang="ko-KR" dirty="0"/>
+              <a:t> : 99</a:t>
+            </a:r>
+          </a:p>
+          <a:p>
+            <a:r>
+              <a:rPr lang="en-US" altLang="ko-KR" dirty="0" err="1"/>
+              <a:t>Atk</a:t>
+            </a:r>
+            <a:r>
+              <a:rPr lang="en-US" altLang="ko-KR" dirty="0"/>
+              <a:t> : </a:t>
+            </a:r>
             <a:r>
               <a:rPr lang="en-US" altLang="ko-KR" dirty="0" smtClean="0"/>
-              <a:t>G</a:t>
-            </a:r>
-            <a:endParaRPr lang="ko-KR" altLang="en-US" dirty="0"/>
-          </a:p>
-        </p:txBody>
-      </p:sp>
-      <p:sp>
-        <p:nvSpPr>
-          <p:cNvPr id="57" name="TextBox 56"/>
-          <p:cNvSpPr txBox="1"/>
-          <p:nvPr/>
-        </p:nvSpPr>
-        <p:spPr>
-          <a:xfrm>
-            <a:off x="10575677" y="119457"/>
-            <a:ext cx="691215" cy="369332"/>
-          </a:xfrm>
-          <a:prstGeom prst="rect">
-            <a:avLst/>
-          </a:prstGeom>
-          <a:noFill/>
-        </p:spPr>
-        <p:txBody>
-          <a:bodyPr wrap="none" rtlCol="0">
-            <a:spAutoFit/>
-          </a:bodyPr>
-          <a:lstStyle/>
-          <a:p>
+              <a:t>80</a:t>
+            </a:r>
+            <a:endParaRPr lang="en-US" altLang="ko-KR" sz="1500" dirty="0">
+              <a:solidFill>
+                <a:srgbClr val="FF0000"/>
+              </a:solidFill>
+            </a:endParaRPr>
+          </a:p>
+          <a:p>
+            <a:r>
+              <a:rPr lang="en-US" altLang="ko-KR" dirty="0"/>
+              <a:t>Life : </a:t>
+            </a:r>
             <a:r>
               <a:rPr lang="en-US" altLang="ko-KR" dirty="0" smtClean="0"/>
-              <a:t>9999</a:t>
+              <a:t>7</a:t>
+            </a:r>
+            <a:endParaRPr lang="en-US" altLang="ko-KR" sz="1500" dirty="0">
+              <a:solidFill>
+                <a:srgbClr val="FF0000"/>
+              </a:solidFill>
+            </a:endParaRPr>
+          </a:p>
+          <a:p>
+            <a:r>
+              <a:rPr lang="en-US" altLang="ko-KR" dirty="0"/>
+              <a:t>Speed: </a:t>
+            </a:r>
+            <a:r>
+              <a:rPr lang="en-US" altLang="ko-KR" dirty="0" smtClean="0"/>
+              <a:t>9</a:t>
+            </a:r>
+            <a:endParaRPr lang="ko-KR" altLang="en-US" sz="1500" dirty="0">
+              <a:solidFill>
+                <a:srgbClr val="FF0000"/>
+              </a:solidFill>
+            </a:endParaRPr>
+          </a:p>
+          <a:p>
+            <a:r>
+              <a:rPr lang="en-US" altLang="ko-KR" dirty="0" smtClean="0"/>
+              <a:t>Gold : 9999</a:t>
             </a:r>
             <a:endParaRPr lang="ko-KR" altLang="en-US" dirty="0"/>
           </a:p>
@@ -22118,23 +23178,13 @@
     </p:spTree>
     <p:extLst>
       <p:ext uri="{BB962C8B-B14F-4D97-AF65-F5344CB8AC3E}">
-        <p14:creationId xmlns:p14="http://schemas.microsoft.com/office/powerpoint/2010/main" val="2315319611"/>
+        <p14:creationId xmlns:p14="http://schemas.microsoft.com/office/powerpoint/2010/main" val="3376240059"/>
       </p:ext>
     </p:extLst>
   </p:cSld>
   <p:clrMapOvr>
     <a:masterClrMapping/>
   </p:clrMapOvr>
-  <p:transition spd="slow">
-    <p:push dir="r"/>
-  </p:transition>
-  <p:timing>
-    <p:tnLst>
-      <p:par>
-        <p:cTn id="1" dur="indefinite" restart="never" nodeType="tmRoot"/>
-      </p:par>
-    </p:tnLst>
-  </p:timing>
 </p:sld>
 </file>
 

--- a/포트폴리오 기획서 - 지환.pptx
+++ b/포트폴리오 기획서 - 지환.pptx
@@ -19,6 +19,7 @@
     <p:sldId id="274" r:id="rId13"/>
     <p:sldId id="268" r:id="rId14"/>
     <p:sldId id="259" r:id="rId15"/>
+    <p:sldId id="276" r:id="rId16"/>
   </p:sldIdLst>
   <p:sldSz cx="12192000" cy="6858000"/>
   <p:notesSz cx="6858000" cy="9144000"/>
@@ -119,7 +120,7 @@
   </p:defaultTextStyle>
   <p:extLst>
     <p:ext uri="{EFAFB233-063F-42B5-8137-9DF3F51BA10A}">
-      <p15:sldGuideLst xmlns="" xmlns:p15="http://schemas.microsoft.com/office/powerpoint/2012/main">
+      <p15:sldGuideLst xmlns:p15="http://schemas.microsoft.com/office/powerpoint/2012/main" xmlns="">
         <p15:guide id="1" orient="horz" pos="2160">
           <p15:clr>
             <a:srgbClr val="A4A3A4"/>
@@ -336,7 +337,7 @@
           <a:p>
             <a:fld id="{EA1920B3-93D4-4ABB-A3FD-B5FA8E9A2E93}" type="datetimeFigureOut">
               <a:rPr lang="ko-KR" altLang="en-US" smtClean="0"/>
-              <a:t>2020-02-15</a:t>
+              <a:t>2020-02-19</a:t>
             </a:fld>
             <a:endParaRPr lang="ko-KR" altLang="en-US"/>
           </a:p>
@@ -501,7 +502,7 @@
           <a:p>
             <a:fld id="{EA1920B3-93D4-4ABB-A3FD-B5FA8E9A2E93}" type="datetimeFigureOut">
               <a:rPr lang="ko-KR" altLang="en-US" smtClean="0"/>
-              <a:t>2020-02-15</a:t>
+              <a:t>2020-02-19</a:t>
             </a:fld>
             <a:endParaRPr lang="ko-KR" altLang="en-US"/>
           </a:p>
@@ -676,7 +677,7 @@
           <a:p>
             <a:fld id="{EA1920B3-93D4-4ABB-A3FD-B5FA8E9A2E93}" type="datetimeFigureOut">
               <a:rPr lang="ko-KR" altLang="en-US" smtClean="0"/>
-              <a:t>2020-02-15</a:t>
+              <a:t>2020-02-19</a:t>
             </a:fld>
             <a:endParaRPr lang="ko-KR" altLang="en-US"/>
           </a:p>
@@ -859,7 +860,7 @@
           <a:p>
             <a:fld id="{EA1920B3-93D4-4ABB-A3FD-B5FA8E9A2E93}" type="datetimeFigureOut">
               <a:rPr lang="ko-KR" altLang="en-US" smtClean="0"/>
-              <a:t>2020-02-15</a:t>
+              <a:t>2020-02-19</a:t>
             </a:fld>
             <a:endParaRPr lang="ko-KR" altLang="en-US"/>
           </a:p>
@@ -1121,7 +1122,7 @@
           <a:p>
             <a:fld id="{EA1920B3-93D4-4ABB-A3FD-B5FA8E9A2E93}" type="datetimeFigureOut">
               <a:rPr lang="ko-KR" altLang="en-US" smtClean="0"/>
-              <a:t>2020-02-15</a:t>
+              <a:t>2020-02-19</a:t>
             </a:fld>
             <a:endParaRPr lang="ko-KR" altLang="en-US"/>
           </a:p>
@@ -1469,7 +1470,7 @@
           <a:p>
             <a:fld id="{EA1920B3-93D4-4ABB-A3FD-B5FA8E9A2E93}" type="datetimeFigureOut">
               <a:rPr lang="ko-KR" altLang="en-US" smtClean="0"/>
-              <a:t>2020-02-15</a:t>
+              <a:t>2020-02-19</a:t>
             </a:fld>
             <a:endParaRPr lang="ko-KR" altLang="en-US"/>
           </a:p>
@@ -1777,7 +1778,7 @@
           <a:p>
             <a:fld id="{EA1920B3-93D4-4ABB-A3FD-B5FA8E9A2E93}" type="datetimeFigureOut">
               <a:rPr lang="ko-KR" altLang="en-US" smtClean="0"/>
-              <a:t>2020-02-15</a:t>
+              <a:t>2020-02-19</a:t>
             </a:fld>
             <a:endParaRPr lang="ko-KR" altLang="en-US"/>
           </a:p>
@@ -2004,7 +2005,7 @@
           <a:p>
             <a:fld id="{EA1920B3-93D4-4ABB-A3FD-B5FA8E9A2E93}" type="datetimeFigureOut">
               <a:rPr lang="ko-KR" altLang="en-US" smtClean="0"/>
-              <a:t>2020-02-15</a:t>
+              <a:t>2020-02-19</a:t>
             </a:fld>
             <a:endParaRPr lang="ko-KR" altLang="en-US"/>
           </a:p>
@@ -2094,7 +2095,7 @@
           <a:p>
             <a:fld id="{EA1920B3-93D4-4ABB-A3FD-B5FA8E9A2E93}" type="datetimeFigureOut">
               <a:rPr lang="ko-KR" altLang="en-US" smtClean="0"/>
-              <a:t>2020-02-15</a:t>
+              <a:t>2020-02-19</a:t>
             </a:fld>
             <a:endParaRPr lang="ko-KR" altLang="en-US"/>
           </a:p>
@@ -2382,7 +2383,7 @@
           <a:p>
             <a:fld id="{EA1920B3-93D4-4ABB-A3FD-B5FA8E9A2E93}" type="datetimeFigureOut">
               <a:rPr lang="ko-KR" altLang="en-US" smtClean="0"/>
-              <a:t>2020-02-15</a:t>
+              <a:t>2020-02-19</a:t>
             </a:fld>
             <a:endParaRPr lang="ko-KR" altLang="en-US"/>
           </a:p>
@@ -2651,7 +2652,7 @@
           <a:p>
             <a:fld id="{EA1920B3-93D4-4ABB-A3FD-B5FA8E9A2E93}" type="datetimeFigureOut">
               <a:rPr lang="ko-KR" altLang="en-US" smtClean="0"/>
-              <a:t>2020-02-15</a:t>
+              <a:t>2020-02-19</a:t>
             </a:fld>
             <a:endParaRPr lang="ko-KR" altLang="en-US"/>
           </a:p>
@@ -2861,7 +2862,7 @@
           <a:p>
             <a:fld id="{EA1920B3-93D4-4ABB-A3FD-B5FA8E9A2E93}" type="datetimeFigureOut">
               <a:rPr lang="ko-KR" altLang="en-US" smtClean="0"/>
-              <a:t>2020-02-15</a:t>
+              <a:t>2020-02-19</a:t>
             </a:fld>
             <a:endParaRPr lang="ko-KR" altLang="en-US"/>
           </a:p>
@@ -3384,7 +3385,7 @@
           <p:cNvPr id="2" name="제목 1">
             <a:extLst>
               <a:ext uri="{FF2B5EF4-FFF2-40B4-BE49-F238E27FC236}">
-                <a16:creationId xmlns="" xmlns:a16="http://schemas.microsoft.com/office/drawing/2014/main" id="{67C687C3-A78E-477D-A57F-E7CA8E2CDECB}"/>
+                <a16:creationId xmlns:a16="http://schemas.microsoft.com/office/drawing/2014/main" xmlns="" id="{67C687C3-A78E-477D-A57F-E7CA8E2CDECB}"/>
               </a:ext>
             </a:extLst>
           </p:cNvPr>
@@ -3443,7 +3444,7 @@
           <p:cNvPr id="3" name="부제목 2">
             <a:extLst>
               <a:ext uri="{FF2B5EF4-FFF2-40B4-BE49-F238E27FC236}">
-                <a16:creationId xmlns="" xmlns:a16="http://schemas.microsoft.com/office/drawing/2014/main" id="{AC26165F-FDF1-4D05-A07A-71A6E90F228B}"/>
+                <a16:creationId xmlns:a16="http://schemas.microsoft.com/office/drawing/2014/main" xmlns="" id="{AC26165F-FDF1-4D05-A07A-71A6E90F228B}"/>
               </a:ext>
             </a:extLst>
           </p:cNvPr>
@@ -14557,6 +14558,2533 @@
 </p:sld>
 </file>
 
+<file path=ppt/slides/slide15.xml><?xml version="1.0" encoding="utf-8"?>
+<p:sld xmlns:a="http://schemas.openxmlformats.org/drawingml/2006/main" xmlns:r="http://schemas.openxmlformats.org/officeDocument/2006/relationships" xmlns:p="http://schemas.openxmlformats.org/presentationml/2006/main">
+  <p:cSld>
+    <p:spTree>
+      <p:nvGrpSpPr>
+        <p:cNvPr id="1" name=""/>
+        <p:cNvGrpSpPr/>
+        <p:nvPr/>
+      </p:nvGrpSpPr>
+      <p:grpSpPr>
+        <a:xfrm>
+          <a:off x="0" y="0"/>
+          <a:ext cx="0" cy="0"/>
+          <a:chOff x="0" y="0"/>
+          <a:chExt cx="0" cy="0"/>
+        </a:xfrm>
+      </p:grpSpPr>
+      <p:sp>
+        <p:nvSpPr>
+          <p:cNvPr id="8" name="직사각형 7"/>
+          <p:cNvSpPr/>
+          <p:nvPr/>
+        </p:nvSpPr>
+        <p:spPr>
+          <a:xfrm>
+            <a:off x="0" y="5520582"/>
+            <a:ext cx="12251821" cy="1337418"/>
+          </a:xfrm>
+          <a:prstGeom prst="rect">
+            <a:avLst/>
+          </a:prstGeom>
+          <a:solidFill>
+            <a:schemeClr val="accent2">
+              <a:lumMod val="50000"/>
+            </a:schemeClr>
+          </a:solidFill>
+        </p:spPr>
+        <p:style>
+          <a:lnRef idx="2">
+            <a:schemeClr val="accent1">
+              <a:shade val="50000"/>
+            </a:schemeClr>
+          </a:lnRef>
+          <a:fillRef idx="1">
+            <a:schemeClr val="accent1"/>
+          </a:fillRef>
+          <a:effectRef idx="0">
+            <a:schemeClr val="accent1"/>
+          </a:effectRef>
+          <a:fontRef idx="minor">
+            <a:schemeClr val="lt1"/>
+          </a:fontRef>
+        </p:style>
+        <p:txBody>
+          <a:bodyPr rtlCol="0" anchor="ctr"/>
+          <a:lstStyle/>
+          <a:p>
+            <a:pPr algn="ctr"/>
+            <a:endParaRPr lang="ko-KR" altLang="en-US"/>
+          </a:p>
+        </p:txBody>
+      </p:sp>
+      <p:sp>
+        <p:nvSpPr>
+          <p:cNvPr id="24" name="모서리가 둥근 직사각형 23"/>
+          <p:cNvSpPr/>
+          <p:nvPr/>
+        </p:nvSpPr>
+        <p:spPr>
+          <a:xfrm>
+            <a:off x="10423390" y="6331109"/>
+            <a:ext cx="354227" cy="354227"/>
+          </a:xfrm>
+          <a:prstGeom prst="roundRect">
+            <a:avLst>
+              <a:gd name="adj" fmla="val 0"/>
+            </a:avLst>
+          </a:prstGeom>
+          <a:solidFill>
+            <a:schemeClr val="accent2">
+              <a:lumMod val="60000"/>
+              <a:lumOff val="40000"/>
+            </a:schemeClr>
+          </a:solidFill>
+        </p:spPr>
+        <p:style>
+          <a:lnRef idx="1">
+            <a:schemeClr val="accent4"/>
+          </a:lnRef>
+          <a:fillRef idx="2">
+            <a:schemeClr val="accent4"/>
+          </a:fillRef>
+          <a:effectRef idx="1">
+            <a:schemeClr val="accent4"/>
+          </a:effectRef>
+          <a:fontRef idx="minor">
+            <a:schemeClr val="dk1"/>
+          </a:fontRef>
+        </p:style>
+        <p:txBody>
+          <a:bodyPr rtlCol="0" anchor="ctr"/>
+          <a:lstStyle/>
+          <a:p>
+            <a:pPr algn="ctr"/>
+            <a:endParaRPr lang="ko-KR" altLang="en-US"/>
+          </a:p>
+        </p:txBody>
+      </p:sp>
+      <p:sp>
+        <p:nvSpPr>
+          <p:cNvPr id="101" name="모서리가 둥근 직사각형 100"/>
+          <p:cNvSpPr/>
+          <p:nvPr/>
+        </p:nvSpPr>
+        <p:spPr>
+          <a:xfrm>
+            <a:off x="10008058" y="6331109"/>
+            <a:ext cx="354227" cy="354227"/>
+          </a:xfrm>
+          <a:prstGeom prst="roundRect">
+            <a:avLst>
+              <a:gd name="adj" fmla="val 0"/>
+            </a:avLst>
+          </a:prstGeom>
+          <a:solidFill>
+            <a:schemeClr val="accent2">
+              <a:lumMod val="60000"/>
+              <a:lumOff val="40000"/>
+            </a:schemeClr>
+          </a:solidFill>
+        </p:spPr>
+        <p:style>
+          <a:lnRef idx="1">
+            <a:schemeClr val="accent4"/>
+          </a:lnRef>
+          <a:fillRef idx="2">
+            <a:schemeClr val="accent4"/>
+          </a:fillRef>
+          <a:effectRef idx="1">
+            <a:schemeClr val="accent4"/>
+          </a:effectRef>
+          <a:fontRef idx="minor">
+            <a:schemeClr val="dk1"/>
+          </a:fontRef>
+        </p:style>
+        <p:txBody>
+          <a:bodyPr rtlCol="0" anchor="ctr"/>
+          <a:lstStyle/>
+          <a:p>
+            <a:pPr algn="ctr"/>
+            <a:endParaRPr lang="ko-KR" altLang="en-US"/>
+          </a:p>
+        </p:txBody>
+      </p:sp>
+      <p:sp>
+        <p:nvSpPr>
+          <p:cNvPr id="102" name="모서리가 둥근 직사각형 101"/>
+          <p:cNvSpPr/>
+          <p:nvPr/>
+        </p:nvSpPr>
+        <p:spPr>
+          <a:xfrm>
+            <a:off x="9580384" y="6331109"/>
+            <a:ext cx="354227" cy="354227"/>
+          </a:xfrm>
+          <a:prstGeom prst="roundRect">
+            <a:avLst>
+              <a:gd name="adj" fmla="val 0"/>
+            </a:avLst>
+          </a:prstGeom>
+          <a:solidFill>
+            <a:schemeClr val="accent2">
+              <a:lumMod val="60000"/>
+              <a:lumOff val="40000"/>
+            </a:schemeClr>
+          </a:solidFill>
+        </p:spPr>
+        <p:style>
+          <a:lnRef idx="1">
+            <a:schemeClr val="accent4"/>
+          </a:lnRef>
+          <a:fillRef idx="2">
+            <a:schemeClr val="accent4"/>
+          </a:fillRef>
+          <a:effectRef idx="1">
+            <a:schemeClr val="accent4"/>
+          </a:effectRef>
+          <a:fontRef idx="minor">
+            <a:schemeClr val="dk1"/>
+          </a:fontRef>
+        </p:style>
+        <p:txBody>
+          <a:bodyPr rtlCol="0" anchor="ctr"/>
+          <a:lstStyle/>
+          <a:p>
+            <a:pPr algn="ctr"/>
+            <a:endParaRPr lang="ko-KR" altLang="en-US"/>
+          </a:p>
+        </p:txBody>
+      </p:sp>
+      <p:sp>
+        <p:nvSpPr>
+          <p:cNvPr id="103" name="모서리가 둥근 직사각형 102"/>
+          <p:cNvSpPr/>
+          <p:nvPr/>
+        </p:nvSpPr>
+        <p:spPr>
+          <a:xfrm>
+            <a:off x="9148576" y="6331109"/>
+            <a:ext cx="354227" cy="354227"/>
+          </a:xfrm>
+          <a:prstGeom prst="roundRect">
+            <a:avLst>
+              <a:gd name="adj" fmla="val 0"/>
+            </a:avLst>
+          </a:prstGeom>
+          <a:solidFill>
+            <a:schemeClr val="accent2">
+              <a:lumMod val="60000"/>
+              <a:lumOff val="40000"/>
+            </a:schemeClr>
+          </a:solidFill>
+        </p:spPr>
+        <p:style>
+          <a:lnRef idx="1">
+            <a:schemeClr val="accent4"/>
+          </a:lnRef>
+          <a:fillRef idx="2">
+            <a:schemeClr val="accent4"/>
+          </a:fillRef>
+          <a:effectRef idx="1">
+            <a:schemeClr val="accent4"/>
+          </a:effectRef>
+          <a:fontRef idx="minor">
+            <a:schemeClr val="dk1"/>
+          </a:fontRef>
+        </p:style>
+        <p:txBody>
+          <a:bodyPr rtlCol="0" anchor="ctr"/>
+          <a:lstStyle/>
+          <a:p>
+            <a:pPr algn="ctr"/>
+            <a:endParaRPr lang="ko-KR" altLang="en-US"/>
+          </a:p>
+        </p:txBody>
+      </p:sp>
+      <p:sp>
+        <p:nvSpPr>
+          <p:cNvPr id="26" name="TextBox 25"/>
+          <p:cNvSpPr txBox="1"/>
+          <p:nvPr/>
+        </p:nvSpPr>
+        <p:spPr>
+          <a:xfrm>
+            <a:off x="9142544" y="5944045"/>
+            <a:ext cx="1691489" cy="246221"/>
+          </a:xfrm>
+          <a:prstGeom prst="rect">
+            <a:avLst/>
+          </a:prstGeom>
+          <a:noFill/>
+        </p:spPr>
+        <p:txBody>
+          <a:bodyPr wrap="none" rtlCol="0">
+            <a:spAutoFit/>
+          </a:bodyPr>
+          <a:lstStyle/>
+          <a:p>
+            <a:r>
+              <a:rPr lang="ko-KR" altLang="en-US" sz="1000" dirty="0" smtClean="0">
+                <a:solidFill>
+                  <a:schemeClr val="bg1"/>
+                </a:solidFill>
+              </a:rPr>
+              <a:t>플레이어에게 적용 된 효과</a:t>
+            </a:r>
+            <a:endParaRPr lang="ko-KR" altLang="en-US" sz="1000" dirty="0">
+              <a:solidFill>
+                <a:schemeClr val="bg1"/>
+              </a:solidFill>
+            </a:endParaRPr>
+          </a:p>
+        </p:txBody>
+      </p:sp>
+      <p:sp>
+        <p:nvSpPr>
+          <p:cNvPr id="114" name="TextBox 113"/>
+          <p:cNvSpPr txBox="1"/>
+          <p:nvPr/>
+        </p:nvSpPr>
+        <p:spPr>
+          <a:xfrm>
+            <a:off x="9079191" y="6395893"/>
+            <a:ext cx="470000" cy="215444"/>
+          </a:xfrm>
+          <a:prstGeom prst="rect">
+            <a:avLst/>
+          </a:prstGeom>
+          <a:noFill/>
+        </p:spPr>
+        <p:txBody>
+          <a:bodyPr wrap="none" rtlCol="0">
+            <a:spAutoFit/>
+          </a:bodyPr>
+          <a:lstStyle/>
+          <a:p>
+            <a:r>
+              <a:rPr lang="en-US" altLang="ko-KR" sz="800" dirty="0" smtClean="0"/>
+              <a:t>Image</a:t>
+            </a:r>
+            <a:endParaRPr lang="ko-KR" altLang="en-US" sz="800" dirty="0"/>
+          </a:p>
+        </p:txBody>
+      </p:sp>
+      <p:sp>
+        <p:nvSpPr>
+          <p:cNvPr id="115" name="TextBox 114"/>
+          <p:cNvSpPr txBox="1"/>
+          <p:nvPr/>
+        </p:nvSpPr>
+        <p:spPr>
+          <a:xfrm>
+            <a:off x="9514802" y="6395893"/>
+            <a:ext cx="470000" cy="215444"/>
+          </a:xfrm>
+          <a:prstGeom prst="rect">
+            <a:avLst/>
+          </a:prstGeom>
+          <a:noFill/>
+        </p:spPr>
+        <p:txBody>
+          <a:bodyPr wrap="none" rtlCol="0">
+            <a:spAutoFit/>
+          </a:bodyPr>
+          <a:lstStyle/>
+          <a:p>
+            <a:r>
+              <a:rPr lang="en-US" altLang="ko-KR" sz="800" dirty="0" smtClean="0"/>
+              <a:t>Image</a:t>
+            </a:r>
+            <a:endParaRPr lang="ko-KR" altLang="en-US" sz="800" dirty="0"/>
+          </a:p>
+        </p:txBody>
+      </p:sp>
+      <p:sp>
+        <p:nvSpPr>
+          <p:cNvPr id="116" name="TextBox 115"/>
+          <p:cNvSpPr txBox="1"/>
+          <p:nvPr/>
+        </p:nvSpPr>
+        <p:spPr>
+          <a:xfrm>
+            <a:off x="9944898" y="6400500"/>
+            <a:ext cx="470000" cy="215444"/>
+          </a:xfrm>
+          <a:prstGeom prst="rect">
+            <a:avLst/>
+          </a:prstGeom>
+          <a:noFill/>
+        </p:spPr>
+        <p:txBody>
+          <a:bodyPr wrap="none" rtlCol="0">
+            <a:spAutoFit/>
+          </a:bodyPr>
+          <a:lstStyle/>
+          <a:p>
+            <a:r>
+              <a:rPr lang="en-US" altLang="ko-KR" sz="800" dirty="0" smtClean="0"/>
+              <a:t>Image</a:t>
+            </a:r>
+            <a:endParaRPr lang="ko-KR" altLang="en-US" sz="800" dirty="0"/>
+          </a:p>
+        </p:txBody>
+      </p:sp>
+      <p:sp>
+        <p:nvSpPr>
+          <p:cNvPr id="117" name="TextBox 116"/>
+          <p:cNvSpPr txBox="1"/>
+          <p:nvPr/>
+        </p:nvSpPr>
+        <p:spPr>
+          <a:xfrm>
+            <a:off x="10364033" y="6400500"/>
+            <a:ext cx="470000" cy="215444"/>
+          </a:xfrm>
+          <a:prstGeom prst="rect">
+            <a:avLst/>
+          </a:prstGeom>
+          <a:noFill/>
+        </p:spPr>
+        <p:txBody>
+          <a:bodyPr wrap="none" rtlCol="0">
+            <a:spAutoFit/>
+          </a:bodyPr>
+          <a:lstStyle/>
+          <a:p>
+            <a:r>
+              <a:rPr lang="en-US" altLang="ko-KR" sz="800" dirty="0" smtClean="0"/>
+              <a:t>Image</a:t>
+            </a:r>
+            <a:endParaRPr lang="ko-KR" altLang="en-US" sz="800" dirty="0"/>
+          </a:p>
+        </p:txBody>
+      </p:sp>
+      <p:sp>
+        <p:nvSpPr>
+          <p:cNvPr id="108" name="모서리가 둥근 직사각형 107"/>
+          <p:cNvSpPr/>
+          <p:nvPr/>
+        </p:nvSpPr>
+        <p:spPr>
+          <a:xfrm>
+            <a:off x="8185645" y="119457"/>
+            <a:ext cx="1753466" cy="313681"/>
+          </a:xfrm>
+          <a:prstGeom prst="roundRect">
+            <a:avLst/>
+          </a:prstGeom>
+          <a:solidFill>
+            <a:schemeClr val="accent1">
+              <a:alpha val="30000"/>
+            </a:schemeClr>
+          </a:solidFill>
+          <a:ln>
+            <a:solidFill>
+              <a:schemeClr val="accent1">
+                <a:shade val="50000"/>
+                <a:alpha val="20000"/>
+              </a:schemeClr>
+            </a:solidFill>
+          </a:ln>
+        </p:spPr>
+        <p:style>
+          <a:lnRef idx="2">
+            <a:schemeClr val="accent1">
+              <a:shade val="50000"/>
+            </a:schemeClr>
+          </a:lnRef>
+          <a:fillRef idx="1">
+            <a:schemeClr val="accent1"/>
+          </a:fillRef>
+          <a:effectRef idx="0">
+            <a:schemeClr val="accent1"/>
+          </a:effectRef>
+          <a:fontRef idx="minor">
+            <a:schemeClr val="lt1"/>
+          </a:fontRef>
+        </p:style>
+        <p:txBody>
+          <a:bodyPr rtlCol="0" anchor="ctr"/>
+          <a:lstStyle/>
+          <a:p>
+            <a:r>
+              <a:rPr lang="en-US" altLang="ko-KR" dirty="0">
+                <a:solidFill>
+                  <a:schemeClr val="tx1">
+                    <a:lumMod val="75000"/>
+                    <a:lumOff val="25000"/>
+                  </a:schemeClr>
+                </a:solidFill>
+              </a:rPr>
+              <a:t>Time	2 : 03</a:t>
+            </a:r>
+            <a:endParaRPr lang="ko-KR" altLang="en-US" dirty="0">
+              <a:solidFill>
+                <a:schemeClr val="tx1">
+                  <a:lumMod val="75000"/>
+                  <a:lumOff val="25000"/>
+                </a:schemeClr>
+              </a:solidFill>
+            </a:endParaRPr>
+          </a:p>
+        </p:txBody>
+      </p:sp>
+      <p:sp>
+        <p:nvSpPr>
+          <p:cNvPr id="27" name="직사각형 26"/>
+          <p:cNvSpPr/>
+          <p:nvPr/>
+        </p:nvSpPr>
+        <p:spPr>
+          <a:xfrm rot="19342407" flipH="1">
+            <a:off x="4165071" y="151724"/>
+            <a:ext cx="251811" cy="6106373"/>
+          </a:xfrm>
+          <a:prstGeom prst="rect">
+            <a:avLst/>
+          </a:prstGeom>
+          <a:solidFill>
+            <a:srgbClr val="FF0000">
+              <a:alpha val="21000"/>
+            </a:srgbClr>
+          </a:solidFill>
+          <a:ln>
+            <a:solidFill>
+              <a:schemeClr val="accent1">
+                <a:shade val="50000"/>
+                <a:alpha val="6000"/>
+              </a:schemeClr>
+            </a:solidFill>
+          </a:ln>
+        </p:spPr>
+        <p:style>
+          <a:lnRef idx="2">
+            <a:schemeClr val="accent1">
+              <a:shade val="50000"/>
+            </a:schemeClr>
+          </a:lnRef>
+          <a:fillRef idx="1">
+            <a:schemeClr val="accent1"/>
+          </a:fillRef>
+          <a:effectRef idx="0">
+            <a:schemeClr val="accent1"/>
+          </a:effectRef>
+          <a:fontRef idx="minor">
+            <a:schemeClr val="lt1"/>
+          </a:fontRef>
+        </p:style>
+        <p:txBody>
+          <a:bodyPr rtlCol="0" anchor="ctr"/>
+          <a:lstStyle/>
+          <a:p>
+            <a:pPr algn="ctr"/>
+            <a:endParaRPr lang="ko-KR" altLang="en-US"/>
+          </a:p>
+        </p:txBody>
+      </p:sp>
+      <p:sp>
+        <p:nvSpPr>
+          <p:cNvPr id="5" name="타원 4"/>
+          <p:cNvSpPr/>
+          <p:nvPr/>
+        </p:nvSpPr>
+        <p:spPr>
+          <a:xfrm>
+            <a:off x="5221482" y="4674549"/>
+            <a:ext cx="982765" cy="846033"/>
+          </a:xfrm>
+          <a:prstGeom prst="ellipse">
+            <a:avLst/>
+          </a:prstGeom>
+          <a:solidFill>
+            <a:srgbClr val="FF0000"/>
+          </a:solidFill>
+          <a:ln>
+            <a:solidFill>
+              <a:srgbClr val="FF0000"/>
+            </a:solidFill>
+          </a:ln>
+        </p:spPr>
+        <p:style>
+          <a:lnRef idx="2">
+            <a:schemeClr val="accent1">
+              <a:shade val="50000"/>
+            </a:schemeClr>
+          </a:lnRef>
+          <a:fillRef idx="1">
+            <a:schemeClr val="accent1"/>
+          </a:fillRef>
+          <a:effectRef idx="0">
+            <a:schemeClr val="accent1"/>
+          </a:effectRef>
+          <a:fontRef idx="minor">
+            <a:schemeClr val="lt1"/>
+          </a:fontRef>
+        </p:style>
+        <p:txBody>
+          <a:bodyPr rtlCol="0" anchor="ctr"/>
+          <a:lstStyle/>
+          <a:p>
+            <a:pPr algn="ctr"/>
+            <a:r>
+              <a:rPr lang="ko-KR" altLang="en-US" sz="1000" dirty="0" smtClean="0"/>
+              <a:t>플레이어</a:t>
+            </a:r>
+            <a:endParaRPr lang="ko-KR" altLang="en-US" sz="1000" dirty="0"/>
+          </a:p>
+        </p:txBody>
+      </p:sp>
+      <p:sp>
+        <p:nvSpPr>
+          <p:cNvPr id="7" name="아래쪽 화살표 6"/>
+          <p:cNvSpPr/>
+          <p:nvPr/>
+        </p:nvSpPr>
+        <p:spPr>
+          <a:xfrm>
+            <a:off x="7284565" y="1455931"/>
+            <a:ext cx="205099" cy="1008404"/>
+          </a:xfrm>
+          <a:prstGeom prst="downArrow">
+            <a:avLst/>
+          </a:prstGeom>
+        </p:spPr>
+        <p:style>
+          <a:lnRef idx="2">
+            <a:schemeClr val="accent1">
+              <a:shade val="50000"/>
+            </a:schemeClr>
+          </a:lnRef>
+          <a:fillRef idx="1">
+            <a:schemeClr val="accent1"/>
+          </a:fillRef>
+          <a:effectRef idx="0">
+            <a:schemeClr val="accent1"/>
+          </a:effectRef>
+          <a:fontRef idx="minor">
+            <a:schemeClr val="lt1"/>
+          </a:fontRef>
+        </p:style>
+        <p:txBody>
+          <a:bodyPr rtlCol="0" anchor="ctr"/>
+          <a:lstStyle/>
+          <a:p>
+            <a:pPr algn="ctr"/>
+            <a:endParaRPr lang="ko-KR" altLang="en-US"/>
+          </a:p>
+        </p:txBody>
+      </p:sp>
+      <p:sp>
+        <p:nvSpPr>
+          <p:cNvPr id="4" name="타원 3"/>
+          <p:cNvSpPr/>
+          <p:nvPr/>
+        </p:nvSpPr>
+        <p:spPr>
+          <a:xfrm>
+            <a:off x="6985461" y="777308"/>
+            <a:ext cx="820397" cy="707763"/>
+          </a:xfrm>
+          <a:prstGeom prst="ellipse">
+            <a:avLst/>
+          </a:prstGeom>
+        </p:spPr>
+        <p:style>
+          <a:lnRef idx="2">
+            <a:schemeClr val="accent1">
+              <a:shade val="50000"/>
+            </a:schemeClr>
+          </a:lnRef>
+          <a:fillRef idx="1">
+            <a:schemeClr val="accent1"/>
+          </a:fillRef>
+          <a:effectRef idx="0">
+            <a:schemeClr val="accent1"/>
+          </a:effectRef>
+          <a:fontRef idx="minor">
+            <a:schemeClr val="lt1"/>
+          </a:fontRef>
+        </p:style>
+        <p:txBody>
+          <a:bodyPr rtlCol="0" anchor="ctr"/>
+          <a:lstStyle/>
+          <a:p>
+            <a:pPr algn="ctr"/>
+            <a:r>
+              <a:rPr lang="ko-KR" altLang="en-US" sz="1000" smtClean="0"/>
+              <a:t>몬스터</a:t>
+            </a:r>
+            <a:endParaRPr lang="ko-KR" altLang="en-US" sz="1000"/>
+          </a:p>
+        </p:txBody>
+      </p:sp>
+      <p:sp>
+        <p:nvSpPr>
+          <p:cNvPr id="10" name="타원 9"/>
+          <p:cNvSpPr/>
+          <p:nvPr/>
+        </p:nvSpPr>
+        <p:spPr>
+          <a:xfrm>
+            <a:off x="6580261" y="5084747"/>
+            <a:ext cx="461473" cy="435835"/>
+          </a:xfrm>
+          <a:prstGeom prst="ellipse">
+            <a:avLst/>
+          </a:prstGeom>
+          <a:solidFill>
+            <a:srgbClr val="00B050"/>
+          </a:solidFill>
+        </p:spPr>
+        <p:style>
+          <a:lnRef idx="2">
+            <a:schemeClr val="accent1">
+              <a:shade val="50000"/>
+            </a:schemeClr>
+          </a:lnRef>
+          <a:fillRef idx="1">
+            <a:schemeClr val="accent1"/>
+          </a:fillRef>
+          <a:effectRef idx="0">
+            <a:schemeClr val="accent1"/>
+          </a:effectRef>
+          <a:fontRef idx="minor">
+            <a:schemeClr val="lt1"/>
+          </a:fontRef>
+        </p:style>
+        <p:txBody>
+          <a:bodyPr rtlCol="0" anchor="ctr"/>
+          <a:lstStyle/>
+          <a:p>
+            <a:pPr algn="ctr"/>
+            <a:r>
+              <a:rPr lang="ko-KR" altLang="en-US" sz="1000" smtClean="0"/>
+              <a:t>펫</a:t>
+            </a:r>
+            <a:endParaRPr lang="ko-KR" altLang="en-US" sz="1000"/>
+          </a:p>
+        </p:txBody>
+      </p:sp>
+      <p:sp>
+        <p:nvSpPr>
+          <p:cNvPr id="11" name="타원 10"/>
+          <p:cNvSpPr/>
+          <p:nvPr/>
+        </p:nvSpPr>
+        <p:spPr>
+          <a:xfrm>
+            <a:off x="9665291" y="4812819"/>
+            <a:ext cx="820397" cy="707763"/>
+          </a:xfrm>
+          <a:prstGeom prst="ellipse">
+            <a:avLst/>
+          </a:prstGeom>
+        </p:spPr>
+        <p:style>
+          <a:lnRef idx="2">
+            <a:schemeClr val="accent1">
+              <a:shade val="50000"/>
+            </a:schemeClr>
+          </a:lnRef>
+          <a:fillRef idx="1">
+            <a:schemeClr val="accent1"/>
+          </a:fillRef>
+          <a:effectRef idx="0">
+            <a:schemeClr val="accent1"/>
+          </a:effectRef>
+          <a:fontRef idx="minor">
+            <a:schemeClr val="lt1"/>
+          </a:fontRef>
+        </p:style>
+        <p:txBody>
+          <a:bodyPr rtlCol="0" anchor="ctr"/>
+          <a:lstStyle/>
+          <a:p>
+            <a:pPr algn="ctr"/>
+            <a:r>
+              <a:rPr lang="ko-KR" altLang="en-US" sz="1000" smtClean="0"/>
+              <a:t>착지한몬스터</a:t>
+            </a:r>
+            <a:endParaRPr lang="ko-KR" altLang="en-US" sz="1000"/>
+          </a:p>
+        </p:txBody>
+      </p:sp>
+      <p:sp>
+        <p:nvSpPr>
+          <p:cNvPr id="12" name="오른쪽 화살표 11"/>
+          <p:cNvSpPr/>
+          <p:nvPr/>
+        </p:nvSpPr>
+        <p:spPr>
+          <a:xfrm rot="10800000">
+            <a:off x="8520156" y="5084746"/>
+            <a:ext cx="1153682" cy="217917"/>
+          </a:xfrm>
+          <a:prstGeom prst="rightArrow">
+            <a:avLst/>
+          </a:prstGeom>
+        </p:spPr>
+        <p:style>
+          <a:lnRef idx="2">
+            <a:schemeClr val="accent1">
+              <a:shade val="50000"/>
+            </a:schemeClr>
+          </a:lnRef>
+          <a:fillRef idx="1">
+            <a:schemeClr val="accent1"/>
+          </a:fillRef>
+          <a:effectRef idx="0">
+            <a:schemeClr val="accent1"/>
+          </a:effectRef>
+          <a:fontRef idx="minor">
+            <a:schemeClr val="lt1"/>
+          </a:fontRef>
+        </p:style>
+        <p:txBody>
+          <a:bodyPr rtlCol="0" anchor="ctr"/>
+          <a:lstStyle/>
+          <a:p>
+            <a:pPr algn="ctr"/>
+            <a:endParaRPr lang="ko-KR" altLang="en-US"/>
+          </a:p>
+        </p:txBody>
+      </p:sp>
+      <p:sp>
+        <p:nvSpPr>
+          <p:cNvPr id="13" name="TextBox 12"/>
+          <p:cNvSpPr txBox="1"/>
+          <p:nvPr/>
+        </p:nvSpPr>
+        <p:spPr>
+          <a:xfrm>
+            <a:off x="7422915" y="1797795"/>
+            <a:ext cx="441146" cy="246221"/>
+          </a:xfrm>
+          <a:prstGeom prst="rect">
+            <a:avLst/>
+          </a:prstGeom>
+          <a:noFill/>
+        </p:spPr>
+        <p:txBody>
+          <a:bodyPr wrap="none" rtlCol="0">
+            <a:spAutoFit/>
+          </a:bodyPr>
+          <a:lstStyle/>
+          <a:p>
+            <a:r>
+              <a:rPr lang="ko-KR" altLang="en-US" sz="1000" smtClean="0"/>
+              <a:t>낙하</a:t>
+            </a:r>
+            <a:endParaRPr lang="ko-KR" altLang="en-US" sz="1000"/>
+          </a:p>
+        </p:txBody>
+      </p:sp>
+      <p:sp>
+        <p:nvSpPr>
+          <p:cNvPr id="15" name="TextBox 14"/>
+          <p:cNvSpPr txBox="1"/>
+          <p:nvPr/>
+        </p:nvSpPr>
+        <p:spPr>
+          <a:xfrm>
+            <a:off x="8489069" y="4752899"/>
+            <a:ext cx="1370888" cy="400110"/>
+          </a:xfrm>
+          <a:prstGeom prst="rect">
+            <a:avLst/>
+          </a:prstGeom>
+          <a:noFill/>
+        </p:spPr>
+        <p:txBody>
+          <a:bodyPr wrap="none" rtlCol="0">
+            <a:spAutoFit/>
+          </a:bodyPr>
+          <a:lstStyle/>
+          <a:p>
+            <a:pPr algn="ctr"/>
+            <a:r>
+              <a:rPr lang="ko-KR" altLang="en-US" sz="1000" dirty="0" smtClean="0"/>
+              <a:t>착지하면 플레이어를</a:t>
+            </a:r>
+            <a:endParaRPr lang="en-US" altLang="ko-KR" sz="1000" dirty="0" smtClean="0"/>
+          </a:p>
+          <a:p>
+            <a:pPr algn="ctr"/>
+            <a:r>
+              <a:rPr lang="ko-KR" altLang="en-US" sz="1000" dirty="0"/>
+              <a:t>쫓</a:t>
+            </a:r>
+            <a:r>
+              <a:rPr lang="ko-KR" altLang="en-US" sz="1000" dirty="0" smtClean="0"/>
+              <a:t>아가서 공격함</a:t>
+            </a:r>
+            <a:endParaRPr lang="ko-KR" altLang="en-US" sz="1000" dirty="0"/>
+          </a:p>
+        </p:txBody>
+      </p:sp>
+      <p:sp>
+        <p:nvSpPr>
+          <p:cNvPr id="23" name="TextBox 22"/>
+          <p:cNvSpPr txBox="1"/>
+          <p:nvPr/>
+        </p:nvSpPr>
+        <p:spPr>
+          <a:xfrm>
+            <a:off x="7091560" y="4244531"/>
+            <a:ext cx="1428596" cy="400110"/>
+          </a:xfrm>
+          <a:prstGeom prst="rect">
+            <a:avLst/>
+          </a:prstGeom>
+          <a:noFill/>
+        </p:spPr>
+        <p:txBody>
+          <a:bodyPr wrap="none" rtlCol="0">
+            <a:spAutoFit/>
+          </a:bodyPr>
+          <a:lstStyle/>
+          <a:p>
+            <a:pPr algn="ctr"/>
+            <a:r>
+              <a:rPr lang="ko-KR" altLang="en-US" sz="1000" dirty="0" smtClean="0"/>
+              <a:t>플레이어 영역 내에서</a:t>
+            </a:r>
+            <a:endParaRPr lang="en-US" altLang="ko-KR" sz="1000" dirty="0" smtClean="0"/>
+          </a:p>
+          <a:p>
+            <a:pPr algn="ctr"/>
+            <a:r>
+              <a:rPr lang="ko-KR" altLang="en-US" sz="1000" dirty="0" smtClean="0"/>
+              <a:t>아이템 </a:t>
+            </a:r>
+            <a:r>
+              <a:rPr lang="ko-KR" altLang="en-US" sz="1000" dirty="0" err="1" smtClean="0"/>
+              <a:t>줍음</a:t>
+            </a:r>
+            <a:endParaRPr lang="ko-KR" altLang="en-US" sz="1000" dirty="0"/>
+          </a:p>
+        </p:txBody>
+      </p:sp>
+      <p:cxnSp>
+        <p:nvCxnSpPr>
+          <p:cNvPr id="25" name="직선 화살표 연결선 24"/>
+          <p:cNvCxnSpPr>
+            <a:stCxn id="23" idx="1"/>
+            <a:endCxn id="10" idx="0"/>
+          </p:cNvCxnSpPr>
+          <p:nvPr/>
+        </p:nvCxnSpPr>
+        <p:spPr>
+          <a:xfrm flipH="1">
+            <a:off x="6810998" y="4444586"/>
+            <a:ext cx="280562" cy="640161"/>
+          </a:xfrm>
+          <a:prstGeom prst="straightConnector1">
+            <a:avLst/>
+          </a:prstGeom>
+          <a:ln>
+            <a:tailEnd type="triangle"/>
+          </a:ln>
+        </p:spPr>
+        <p:style>
+          <a:lnRef idx="1">
+            <a:schemeClr val="accent6"/>
+          </a:lnRef>
+          <a:fillRef idx="0">
+            <a:schemeClr val="accent6"/>
+          </a:fillRef>
+          <a:effectRef idx="0">
+            <a:schemeClr val="accent6"/>
+          </a:effectRef>
+          <a:fontRef idx="minor">
+            <a:schemeClr val="tx1"/>
+          </a:fontRef>
+        </p:style>
+      </p:cxnSp>
+      <p:sp>
+        <p:nvSpPr>
+          <p:cNvPr id="33" name="원호 32"/>
+          <p:cNvSpPr/>
+          <p:nvPr/>
+        </p:nvSpPr>
+        <p:spPr>
+          <a:xfrm flipH="1">
+            <a:off x="3196126" y="4620926"/>
+            <a:ext cx="416916" cy="985113"/>
+          </a:xfrm>
+          <a:prstGeom prst="arc">
+            <a:avLst>
+              <a:gd name="adj1" fmla="val 16501183"/>
+              <a:gd name="adj2" fmla="val 5096621"/>
+            </a:avLst>
+          </a:prstGeom>
+        </p:spPr>
+        <p:style>
+          <a:lnRef idx="1">
+            <a:schemeClr val="accent1"/>
+          </a:lnRef>
+          <a:fillRef idx="0">
+            <a:schemeClr val="accent1"/>
+          </a:fillRef>
+          <a:effectRef idx="0">
+            <a:schemeClr val="accent1"/>
+          </a:effectRef>
+          <a:fontRef idx="minor">
+            <a:schemeClr val="tx1"/>
+          </a:fontRef>
+        </p:style>
+        <p:txBody>
+          <a:bodyPr rtlCol="0" anchor="ctr"/>
+          <a:lstStyle/>
+          <a:p>
+            <a:pPr algn="ctr"/>
+            <a:endParaRPr lang="ko-KR" altLang="en-US"/>
+          </a:p>
+        </p:txBody>
+      </p:sp>
+      <p:sp>
+        <p:nvSpPr>
+          <p:cNvPr id="34" name="원호 33"/>
+          <p:cNvSpPr/>
+          <p:nvPr/>
+        </p:nvSpPr>
+        <p:spPr>
+          <a:xfrm rot="10800000" flipH="1">
+            <a:off x="7946260" y="4638017"/>
+            <a:ext cx="416916" cy="985113"/>
+          </a:xfrm>
+          <a:prstGeom prst="arc">
+            <a:avLst>
+              <a:gd name="adj1" fmla="val 16501183"/>
+              <a:gd name="adj2" fmla="val 5096621"/>
+            </a:avLst>
+          </a:prstGeom>
+        </p:spPr>
+        <p:style>
+          <a:lnRef idx="1">
+            <a:schemeClr val="accent1"/>
+          </a:lnRef>
+          <a:fillRef idx="0">
+            <a:schemeClr val="accent1"/>
+          </a:fillRef>
+          <a:effectRef idx="0">
+            <a:schemeClr val="accent1"/>
+          </a:effectRef>
+          <a:fontRef idx="minor">
+            <a:schemeClr val="tx1"/>
+          </a:fontRef>
+        </p:style>
+        <p:txBody>
+          <a:bodyPr rtlCol="0" anchor="ctr"/>
+          <a:lstStyle/>
+          <a:p>
+            <a:pPr algn="ctr"/>
+            <a:endParaRPr lang="ko-KR" altLang="en-US"/>
+          </a:p>
+        </p:txBody>
+      </p:sp>
+      <p:sp>
+        <p:nvSpPr>
+          <p:cNvPr id="35" name="TextBox 34"/>
+          <p:cNvSpPr txBox="1"/>
+          <p:nvPr/>
+        </p:nvSpPr>
+        <p:spPr>
+          <a:xfrm>
+            <a:off x="3220802" y="4680074"/>
+            <a:ext cx="998991" cy="246221"/>
+          </a:xfrm>
+          <a:prstGeom prst="rect">
+            <a:avLst/>
+          </a:prstGeom>
+          <a:noFill/>
+        </p:spPr>
+        <p:txBody>
+          <a:bodyPr wrap="none" rtlCol="0">
+            <a:spAutoFit/>
+          </a:bodyPr>
+          <a:lstStyle/>
+          <a:p>
+            <a:r>
+              <a:rPr lang="ko-KR" altLang="en-US" sz="1000" dirty="0" smtClean="0"/>
+              <a:t>플레이어 영역</a:t>
+            </a:r>
+            <a:endParaRPr lang="ko-KR" altLang="en-US" dirty="0"/>
+          </a:p>
+        </p:txBody>
+      </p:sp>
+      <p:sp>
+        <p:nvSpPr>
+          <p:cNvPr id="37" name="아래쪽 화살표 36"/>
+          <p:cNvSpPr/>
+          <p:nvPr/>
+        </p:nvSpPr>
+        <p:spPr>
+          <a:xfrm rot="21171044">
+            <a:off x="4874483" y="626988"/>
+            <a:ext cx="205099" cy="1008404"/>
+          </a:xfrm>
+          <a:prstGeom prst="downArrow">
+            <a:avLst/>
+          </a:prstGeom>
+        </p:spPr>
+        <p:style>
+          <a:lnRef idx="2">
+            <a:schemeClr val="accent3">
+              <a:shade val="50000"/>
+            </a:schemeClr>
+          </a:lnRef>
+          <a:fillRef idx="1">
+            <a:schemeClr val="accent3"/>
+          </a:fillRef>
+          <a:effectRef idx="0">
+            <a:schemeClr val="accent3"/>
+          </a:effectRef>
+          <a:fontRef idx="minor">
+            <a:schemeClr val="lt1"/>
+          </a:fontRef>
+        </p:style>
+        <p:txBody>
+          <a:bodyPr rtlCol="0" anchor="ctr"/>
+          <a:lstStyle/>
+          <a:p>
+            <a:pPr algn="ctr"/>
+            <a:endParaRPr lang="ko-KR" altLang="en-US"/>
+          </a:p>
+        </p:txBody>
+      </p:sp>
+      <p:sp>
+        <p:nvSpPr>
+          <p:cNvPr id="38" name="TextBox 37"/>
+          <p:cNvSpPr txBox="1"/>
+          <p:nvPr/>
+        </p:nvSpPr>
+        <p:spPr>
+          <a:xfrm>
+            <a:off x="3054195" y="390733"/>
+            <a:ext cx="1794082" cy="553998"/>
+          </a:xfrm>
+          <a:prstGeom prst="rect">
+            <a:avLst/>
+          </a:prstGeom>
+          <a:noFill/>
+        </p:spPr>
+        <p:txBody>
+          <a:bodyPr wrap="none" rtlCol="0">
+            <a:spAutoFit/>
+          </a:bodyPr>
+          <a:lstStyle/>
+          <a:p>
+            <a:pPr algn="ctr"/>
+            <a:r>
+              <a:rPr lang="ko-KR" altLang="en-US" sz="1000" dirty="0" smtClean="0"/>
+              <a:t>여러 방향에서</a:t>
+            </a:r>
+            <a:r>
+              <a:rPr lang="en-US" altLang="ko-KR" sz="1000" dirty="0" smtClean="0"/>
+              <a:t/>
+            </a:r>
+            <a:br>
+              <a:rPr lang="en-US" altLang="ko-KR" sz="1000" dirty="0" smtClean="0"/>
+            </a:br>
+            <a:r>
+              <a:rPr lang="ko-KR" altLang="en-US" sz="1000" dirty="0" smtClean="0"/>
+              <a:t>플레이어를 향해 공격</a:t>
+            </a:r>
+            <a:endParaRPr lang="en-US" altLang="ko-KR" sz="1000" dirty="0" smtClean="0"/>
+          </a:p>
+          <a:p>
+            <a:pPr algn="ctr"/>
+            <a:r>
+              <a:rPr lang="en-US" altLang="ko-KR" sz="1000" dirty="0" smtClean="0"/>
+              <a:t>(</a:t>
+            </a:r>
+            <a:r>
+              <a:rPr lang="ko-KR" altLang="en-US" sz="1000" dirty="0" smtClean="0"/>
+              <a:t>총</a:t>
+            </a:r>
+            <a:r>
+              <a:rPr lang="en-US" altLang="ko-KR" sz="1000" dirty="0" smtClean="0"/>
+              <a:t>, </a:t>
+            </a:r>
+            <a:r>
+              <a:rPr lang="ko-KR" altLang="en-US" sz="1000" dirty="0" smtClean="0"/>
+              <a:t>레이저</a:t>
+            </a:r>
+            <a:r>
+              <a:rPr lang="en-US" altLang="ko-KR" sz="1000" dirty="0" smtClean="0"/>
+              <a:t>, </a:t>
+            </a:r>
+            <a:r>
+              <a:rPr lang="ko-KR" altLang="en-US" sz="1000" dirty="0" smtClean="0"/>
+              <a:t>유도미사일 등</a:t>
+            </a:r>
+            <a:r>
+              <a:rPr lang="en-US" altLang="ko-KR" sz="1000" dirty="0" smtClean="0"/>
+              <a:t>..)</a:t>
+            </a:r>
+            <a:endParaRPr lang="ko-KR" altLang="en-US" sz="1000" dirty="0"/>
+          </a:p>
+        </p:txBody>
+      </p:sp>
+      <p:sp>
+        <p:nvSpPr>
+          <p:cNvPr id="36" name="타원 35"/>
+          <p:cNvSpPr/>
+          <p:nvPr/>
+        </p:nvSpPr>
+        <p:spPr>
+          <a:xfrm rot="21171044">
+            <a:off x="4442497" y="14972"/>
+            <a:ext cx="820397" cy="666572"/>
+          </a:xfrm>
+          <a:prstGeom prst="ellipse">
+            <a:avLst/>
+          </a:prstGeom>
+        </p:spPr>
+        <p:style>
+          <a:lnRef idx="2">
+            <a:schemeClr val="accent3">
+              <a:shade val="50000"/>
+            </a:schemeClr>
+          </a:lnRef>
+          <a:fillRef idx="1">
+            <a:schemeClr val="accent3"/>
+          </a:fillRef>
+          <a:effectRef idx="0">
+            <a:schemeClr val="accent3"/>
+          </a:effectRef>
+          <a:fontRef idx="minor">
+            <a:schemeClr val="lt1"/>
+          </a:fontRef>
+        </p:style>
+        <p:txBody>
+          <a:bodyPr rtlCol="0" anchor="ctr"/>
+          <a:lstStyle/>
+          <a:p>
+            <a:pPr algn="ctr"/>
+            <a:r>
+              <a:rPr lang="ko-KR" altLang="en-US" sz="1000" smtClean="0"/>
+              <a:t>장애물</a:t>
+            </a:r>
+            <a:endParaRPr lang="ko-KR" altLang="en-US" sz="1000"/>
+          </a:p>
+        </p:txBody>
+      </p:sp>
+      <p:sp>
+        <p:nvSpPr>
+          <p:cNvPr id="39" name="아래쪽 화살표 38"/>
+          <p:cNvSpPr/>
+          <p:nvPr/>
+        </p:nvSpPr>
+        <p:spPr>
+          <a:xfrm>
+            <a:off x="6357848" y="913946"/>
+            <a:ext cx="205099" cy="1008404"/>
+          </a:xfrm>
+          <a:prstGeom prst="downArrow">
+            <a:avLst/>
+          </a:prstGeom>
+          <a:solidFill>
+            <a:schemeClr val="accent6"/>
+          </a:solidFill>
+        </p:spPr>
+        <p:style>
+          <a:lnRef idx="2">
+            <a:schemeClr val="accent3">
+              <a:shade val="50000"/>
+            </a:schemeClr>
+          </a:lnRef>
+          <a:fillRef idx="1">
+            <a:schemeClr val="accent3"/>
+          </a:fillRef>
+          <a:effectRef idx="0">
+            <a:schemeClr val="accent3"/>
+          </a:effectRef>
+          <a:fontRef idx="minor">
+            <a:schemeClr val="lt1"/>
+          </a:fontRef>
+        </p:style>
+        <p:txBody>
+          <a:bodyPr rtlCol="0" anchor="ctr"/>
+          <a:lstStyle/>
+          <a:p>
+            <a:pPr algn="ctr"/>
+            <a:endParaRPr lang="ko-KR" altLang="en-US"/>
+          </a:p>
+        </p:txBody>
+      </p:sp>
+      <p:sp>
+        <p:nvSpPr>
+          <p:cNvPr id="40" name="TextBox 39"/>
+          <p:cNvSpPr txBox="1"/>
+          <p:nvPr/>
+        </p:nvSpPr>
+        <p:spPr>
+          <a:xfrm>
+            <a:off x="6496198" y="1255810"/>
+            <a:ext cx="441146" cy="246221"/>
+          </a:xfrm>
+          <a:prstGeom prst="rect">
+            <a:avLst/>
+          </a:prstGeom>
+          <a:noFill/>
+        </p:spPr>
+        <p:txBody>
+          <a:bodyPr wrap="none" rtlCol="0">
+            <a:spAutoFit/>
+          </a:bodyPr>
+          <a:lstStyle/>
+          <a:p>
+            <a:r>
+              <a:rPr lang="ko-KR" altLang="en-US" sz="1000" smtClean="0"/>
+              <a:t>낙하</a:t>
+            </a:r>
+            <a:endParaRPr lang="ko-KR" altLang="en-US" sz="1000"/>
+          </a:p>
+        </p:txBody>
+      </p:sp>
+      <p:sp>
+        <p:nvSpPr>
+          <p:cNvPr id="41" name="타원 40"/>
+          <p:cNvSpPr/>
+          <p:nvPr/>
+        </p:nvSpPr>
+        <p:spPr>
+          <a:xfrm>
+            <a:off x="6055511" y="264466"/>
+            <a:ext cx="820397" cy="666572"/>
+          </a:xfrm>
+          <a:prstGeom prst="ellipse">
+            <a:avLst/>
+          </a:prstGeom>
+          <a:solidFill>
+            <a:schemeClr val="accent6"/>
+          </a:solidFill>
+        </p:spPr>
+        <p:style>
+          <a:lnRef idx="2">
+            <a:schemeClr val="accent3">
+              <a:shade val="50000"/>
+            </a:schemeClr>
+          </a:lnRef>
+          <a:fillRef idx="1">
+            <a:schemeClr val="accent3"/>
+          </a:fillRef>
+          <a:effectRef idx="0">
+            <a:schemeClr val="accent3"/>
+          </a:effectRef>
+          <a:fontRef idx="minor">
+            <a:schemeClr val="lt1"/>
+          </a:fontRef>
+        </p:style>
+        <p:txBody>
+          <a:bodyPr rtlCol="0" anchor="ctr"/>
+          <a:lstStyle/>
+          <a:p>
+            <a:pPr algn="ctr"/>
+            <a:r>
+              <a:rPr lang="ko-KR" altLang="en-US" sz="1000" smtClean="0"/>
+              <a:t>아이템</a:t>
+            </a:r>
+            <a:endParaRPr lang="en-US" altLang="ko-KR" sz="1000" smtClean="0"/>
+          </a:p>
+        </p:txBody>
+      </p:sp>
+      <p:sp>
+        <p:nvSpPr>
+          <p:cNvPr id="42" name="타원 41"/>
+          <p:cNvSpPr/>
+          <p:nvPr/>
+        </p:nvSpPr>
+        <p:spPr>
+          <a:xfrm>
+            <a:off x="10612176" y="113242"/>
+            <a:ext cx="358925" cy="358925"/>
+          </a:xfrm>
+          <a:prstGeom prst="ellipse">
+            <a:avLst/>
+          </a:prstGeom>
+        </p:spPr>
+        <p:style>
+          <a:lnRef idx="2">
+            <a:schemeClr val="accent4">
+              <a:shade val="50000"/>
+            </a:schemeClr>
+          </a:lnRef>
+          <a:fillRef idx="1">
+            <a:schemeClr val="accent4"/>
+          </a:fillRef>
+          <a:effectRef idx="0">
+            <a:schemeClr val="accent4"/>
+          </a:effectRef>
+          <a:fontRef idx="minor">
+            <a:schemeClr val="lt1"/>
+          </a:fontRef>
+        </p:style>
+        <p:txBody>
+          <a:bodyPr rtlCol="0" anchor="ctr"/>
+          <a:lstStyle/>
+          <a:p>
+            <a:pPr algn="ctr"/>
+            <a:r>
+              <a:rPr lang="en-US" altLang="ko-KR" dirty="0" smtClean="0"/>
+              <a:t>G</a:t>
+            </a:r>
+            <a:endParaRPr lang="ko-KR" altLang="en-US" dirty="0"/>
+          </a:p>
+        </p:txBody>
+      </p:sp>
+      <p:sp>
+        <p:nvSpPr>
+          <p:cNvPr id="43" name="TextBox 42"/>
+          <p:cNvSpPr txBox="1"/>
+          <p:nvPr/>
+        </p:nvSpPr>
+        <p:spPr>
+          <a:xfrm>
+            <a:off x="10971101" y="119457"/>
+            <a:ext cx="691215" cy="369332"/>
+          </a:xfrm>
+          <a:prstGeom prst="rect">
+            <a:avLst/>
+          </a:prstGeom>
+          <a:noFill/>
+        </p:spPr>
+        <p:txBody>
+          <a:bodyPr wrap="none" rtlCol="0">
+            <a:spAutoFit/>
+          </a:bodyPr>
+          <a:lstStyle/>
+          <a:p>
+            <a:r>
+              <a:rPr lang="en-US" altLang="ko-KR" dirty="0" smtClean="0"/>
+              <a:t>9999</a:t>
+            </a:r>
+            <a:endParaRPr lang="ko-KR" altLang="en-US" dirty="0"/>
+          </a:p>
+        </p:txBody>
+      </p:sp>
+      <p:sp>
+        <p:nvSpPr>
+          <p:cNvPr id="57" name="TextBox 56"/>
+          <p:cNvSpPr txBox="1"/>
+          <p:nvPr/>
+        </p:nvSpPr>
+        <p:spPr>
+          <a:xfrm>
+            <a:off x="432477" y="6323556"/>
+            <a:ext cx="895053" cy="369332"/>
+          </a:xfrm>
+          <a:prstGeom prst="rect">
+            <a:avLst/>
+          </a:prstGeom>
+          <a:noFill/>
+        </p:spPr>
+        <p:txBody>
+          <a:bodyPr wrap="none" rtlCol="0">
+            <a:spAutoFit/>
+          </a:bodyPr>
+          <a:lstStyle/>
+          <a:p>
+            <a:r>
+              <a:rPr lang="en-US" altLang="ko-KR" dirty="0" smtClean="0">
+                <a:solidFill>
+                  <a:schemeClr val="bg1"/>
+                </a:solidFill>
+              </a:rPr>
+              <a:t>LV : 99</a:t>
+            </a:r>
+            <a:endParaRPr lang="ko-KR" altLang="en-US" dirty="0">
+              <a:solidFill>
+                <a:schemeClr val="bg1"/>
+              </a:solidFill>
+            </a:endParaRPr>
+          </a:p>
+        </p:txBody>
+      </p:sp>
+      <p:sp>
+        <p:nvSpPr>
+          <p:cNvPr id="2" name="TextBox 1"/>
+          <p:cNvSpPr txBox="1"/>
+          <p:nvPr/>
+        </p:nvSpPr>
+        <p:spPr>
+          <a:xfrm>
+            <a:off x="56815" y="206561"/>
+            <a:ext cx="1455848" cy="369332"/>
+          </a:xfrm>
+          <a:prstGeom prst="rect">
+            <a:avLst/>
+          </a:prstGeom>
+          <a:noFill/>
+        </p:spPr>
+        <p:txBody>
+          <a:bodyPr wrap="none" rtlCol="0">
+            <a:spAutoFit/>
+          </a:bodyPr>
+          <a:lstStyle/>
+          <a:p>
+            <a:r>
+              <a:rPr lang="en-US" altLang="ko-KR" dirty="0" smtClean="0"/>
+              <a:t>Life : </a:t>
+            </a:r>
+            <a:r>
+              <a:rPr lang="ko-KR" altLang="en-US" dirty="0" smtClean="0">
+                <a:solidFill>
+                  <a:srgbClr val="FF0000"/>
+                </a:solidFill>
+              </a:rPr>
+              <a:t>♥♥♥</a:t>
+            </a:r>
+            <a:endParaRPr lang="ko-KR" altLang="en-US" dirty="0">
+              <a:solidFill>
+                <a:srgbClr val="FF0000"/>
+              </a:solidFill>
+            </a:endParaRPr>
+          </a:p>
+        </p:txBody>
+      </p:sp>
+      <p:sp>
+        <p:nvSpPr>
+          <p:cNvPr id="3" name="모서리가 둥근 직사각형 2"/>
+          <p:cNvSpPr/>
+          <p:nvPr/>
+        </p:nvSpPr>
+        <p:spPr>
+          <a:xfrm>
+            <a:off x="11142839" y="5903452"/>
+            <a:ext cx="759461" cy="759461"/>
+          </a:xfrm>
+          <a:prstGeom prst="roundRect">
+            <a:avLst/>
+          </a:prstGeom>
+          <a:solidFill>
+            <a:schemeClr val="accent1">
+              <a:lumMod val="40000"/>
+              <a:lumOff val="60000"/>
+            </a:schemeClr>
+          </a:solidFill>
+          <a:ln>
+            <a:solidFill>
+              <a:schemeClr val="accent1">
+                <a:lumMod val="60000"/>
+                <a:lumOff val="40000"/>
+              </a:schemeClr>
+            </a:solidFill>
+          </a:ln>
+        </p:spPr>
+        <p:style>
+          <a:lnRef idx="2">
+            <a:schemeClr val="accent1">
+              <a:shade val="50000"/>
+            </a:schemeClr>
+          </a:lnRef>
+          <a:fillRef idx="1">
+            <a:schemeClr val="accent1"/>
+          </a:fillRef>
+          <a:effectRef idx="0">
+            <a:schemeClr val="accent1"/>
+          </a:effectRef>
+          <a:fontRef idx="minor">
+            <a:schemeClr val="lt1"/>
+          </a:fontRef>
+        </p:style>
+        <p:txBody>
+          <a:bodyPr rtlCol="0" anchor="ctr"/>
+          <a:lstStyle/>
+          <a:p>
+            <a:pPr algn="ctr"/>
+            <a:endParaRPr lang="ko-KR" altLang="en-US"/>
+          </a:p>
+        </p:txBody>
+      </p:sp>
+      <p:sp>
+        <p:nvSpPr>
+          <p:cNvPr id="63" name="아래쪽 화살표 62"/>
+          <p:cNvSpPr/>
+          <p:nvPr/>
+        </p:nvSpPr>
+        <p:spPr>
+          <a:xfrm rot="3255690">
+            <a:off x="10930451" y="1636832"/>
+            <a:ext cx="205099" cy="1008404"/>
+          </a:xfrm>
+          <a:prstGeom prst="downArrow">
+            <a:avLst/>
+          </a:prstGeom>
+        </p:spPr>
+        <p:style>
+          <a:lnRef idx="2">
+            <a:schemeClr val="accent3">
+              <a:shade val="50000"/>
+            </a:schemeClr>
+          </a:lnRef>
+          <a:fillRef idx="1">
+            <a:schemeClr val="accent3"/>
+          </a:fillRef>
+          <a:effectRef idx="0">
+            <a:schemeClr val="accent3"/>
+          </a:effectRef>
+          <a:fontRef idx="minor">
+            <a:schemeClr val="lt1"/>
+          </a:fontRef>
+        </p:style>
+        <p:txBody>
+          <a:bodyPr rtlCol="0" anchor="ctr"/>
+          <a:lstStyle/>
+          <a:p>
+            <a:pPr algn="ctr"/>
+            <a:endParaRPr lang="ko-KR" altLang="en-US"/>
+          </a:p>
+        </p:txBody>
+      </p:sp>
+      <p:sp>
+        <p:nvSpPr>
+          <p:cNvPr id="65" name="타원 64"/>
+          <p:cNvSpPr/>
+          <p:nvPr/>
+        </p:nvSpPr>
+        <p:spPr>
+          <a:xfrm rot="3255690">
+            <a:off x="11275126" y="1351830"/>
+            <a:ext cx="820397" cy="666572"/>
+          </a:xfrm>
+          <a:prstGeom prst="ellipse">
+            <a:avLst/>
+          </a:prstGeom>
+        </p:spPr>
+        <p:style>
+          <a:lnRef idx="2">
+            <a:schemeClr val="accent3">
+              <a:shade val="50000"/>
+            </a:schemeClr>
+          </a:lnRef>
+          <a:fillRef idx="1">
+            <a:schemeClr val="accent3"/>
+          </a:fillRef>
+          <a:effectRef idx="0">
+            <a:schemeClr val="accent3"/>
+          </a:effectRef>
+          <a:fontRef idx="minor">
+            <a:schemeClr val="lt1"/>
+          </a:fontRef>
+        </p:style>
+        <p:txBody>
+          <a:bodyPr rtlCol="0" anchor="ctr"/>
+          <a:lstStyle/>
+          <a:p>
+            <a:pPr algn="ctr"/>
+            <a:r>
+              <a:rPr lang="ko-KR" altLang="en-US" sz="1000" dirty="0" smtClean="0"/>
+              <a:t>장애물</a:t>
+            </a:r>
+            <a:endParaRPr lang="ko-KR" altLang="en-US" sz="1000" dirty="0"/>
+          </a:p>
+        </p:txBody>
+      </p:sp>
+      <p:sp>
+        <p:nvSpPr>
+          <p:cNvPr id="66" name="아래쪽 화살표 65"/>
+          <p:cNvSpPr/>
+          <p:nvPr/>
+        </p:nvSpPr>
+        <p:spPr>
+          <a:xfrm rot="19398120">
+            <a:off x="2612721" y="657697"/>
+            <a:ext cx="205099" cy="1008404"/>
+          </a:xfrm>
+          <a:prstGeom prst="downArrow">
+            <a:avLst/>
+          </a:prstGeom>
+        </p:spPr>
+        <p:style>
+          <a:lnRef idx="2">
+            <a:schemeClr val="accent3">
+              <a:shade val="50000"/>
+            </a:schemeClr>
+          </a:lnRef>
+          <a:fillRef idx="1">
+            <a:schemeClr val="accent3"/>
+          </a:fillRef>
+          <a:effectRef idx="0">
+            <a:schemeClr val="accent3"/>
+          </a:effectRef>
+          <a:fontRef idx="minor">
+            <a:schemeClr val="lt1"/>
+          </a:fontRef>
+        </p:style>
+        <p:txBody>
+          <a:bodyPr rtlCol="0" anchor="ctr"/>
+          <a:lstStyle/>
+          <a:p>
+            <a:pPr algn="ctr"/>
+            <a:endParaRPr lang="ko-KR" altLang="en-US"/>
+          </a:p>
+        </p:txBody>
+      </p:sp>
+      <p:sp>
+        <p:nvSpPr>
+          <p:cNvPr id="67" name="타원 66"/>
+          <p:cNvSpPr/>
+          <p:nvPr/>
+        </p:nvSpPr>
+        <p:spPr>
+          <a:xfrm rot="19398120">
+            <a:off x="1844007" y="223734"/>
+            <a:ext cx="820397" cy="666572"/>
+          </a:xfrm>
+          <a:prstGeom prst="ellipse">
+            <a:avLst/>
+          </a:prstGeom>
+        </p:spPr>
+        <p:style>
+          <a:lnRef idx="2">
+            <a:schemeClr val="accent3">
+              <a:shade val="50000"/>
+            </a:schemeClr>
+          </a:lnRef>
+          <a:fillRef idx="1">
+            <a:schemeClr val="accent3"/>
+          </a:fillRef>
+          <a:effectRef idx="0">
+            <a:schemeClr val="accent3"/>
+          </a:effectRef>
+          <a:fontRef idx="minor">
+            <a:schemeClr val="lt1"/>
+          </a:fontRef>
+        </p:style>
+        <p:txBody>
+          <a:bodyPr rtlCol="0" anchor="ctr"/>
+          <a:lstStyle/>
+          <a:p>
+            <a:pPr algn="ctr"/>
+            <a:r>
+              <a:rPr lang="ko-KR" altLang="en-US" sz="1000" smtClean="0"/>
+              <a:t>장애물</a:t>
+            </a:r>
+            <a:endParaRPr lang="ko-KR" altLang="en-US" sz="1000"/>
+          </a:p>
+        </p:txBody>
+      </p:sp>
+      <p:sp>
+        <p:nvSpPr>
+          <p:cNvPr id="72" name="아래쪽 화살표 71"/>
+          <p:cNvSpPr/>
+          <p:nvPr/>
+        </p:nvSpPr>
+        <p:spPr>
+          <a:xfrm rot="18589910">
+            <a:off x="943128" y="1511414"/>
+            <a:ext cx="205099" cy="1008404"/>
+          </a:xfrm>
+          <a:prstGeom prst="downArrow">
+            <a:avLst/>
+          </a:prstGeom>
+        </p:spPr>
+        <p:style>
+          <a:lnRef idx="2">
+            <a:schemeClr val="accent3">
+              <a:shade val="50000"/>
+            </a:schemeClr>
+          </a:lnRef>
+          <a:fillRef idx="1">
+            <a:schemeClr val="accent3"/>
+          </a:fillRef>
+          <a:effectRef idx="0">
+            <a:schemeClr val="accent3"/>
+          </a:effectRef>
+          <a:fontRef idx="minor">
+            <a:schemeClr val="lt1"/>
+          </a:fontRef>
+        </p:style>
+        <p:txBody>
+          <a:bodyPr rtlCol="0" anchor="ctr"/>
+          <a:lstStyle/>
+          <a:p>
+            <a:pPr algn="ctr"/>
+            <a:endParaRPr lang="ko-KR" altLang="en-US"/>
+          </a:p>
+        </p:txBody>
+      </p:sp>
+      <p:sp>
+        <p:nvSpPr>
+          <p:cNvPr id="73" name="타원 72"/>
+          <p:cNvSpPr/>
+          <p:nvPr/>
+        </p:nvSpPr>
+        <p:spPr>
+          <a:xfrm rot="18589910">
+            <a:off x="-2782" y="1200346"/>
+            <a:ext cx="820397" cy="666572"/>
+          </a:xfrm>
+          <a:prstGeom prst="ellipse">
+            <a:avLst/>
+          </a:prstGeom>
+        </p:spPr>
+        <p:style>
+          <a:lnRef idx="2">
+            <a:schemeClr val="accent3">
+              <a:shade val="50000"/>
+            </a:schemeClr>
+          </a:lnRef>
+          <a:fillRef idx="1">
+            <a:schemeClr val="accent3"/>
+          </a:fillRef>
+          <a:effectRef idx="0">
+            <a:schemeClr val="accent3"/>
+          </a:effectRef>
+          <a:fontRef idx="minor">
+            <a:schemeClr val="lt1"/>
+          </a:fontRef>
+        </p:style>
+        <p:txBody>
+          <a:bodyPr rtlCol="0" anchor="ctr"/>
+          <a:lstStyle/>
+          <a:p>
+            <a:pPr algn="ctr"/>
+            <a:r>
+              <a:rPr lang="ko-KR" altLang="en-US" sz="1000" dirty="0" smtClean="0"/>
+              <a:t>장애물</a:t>
+            </a:r>
+            <a:endParaRPr lang="ko-KR" altLang="en-US" sz="1000" dirty="0"/>
+          </a:p>
+        </p:txBody>
+      </p:sp>
+      <p:sp>
+        <p:nvSpPr>
+          <p:cNvPr id="17" name="TextBox 16"/>
+          <p:cNvSpPr txBox="1"/>
+          <p:nvPr/>
+        </p:nvSpPr>
+        <p:spPr>
+          <a:xfrm>
+            <a:off x="5097088" y="4279964"/>
+            <a:ext cx="1133644" cy="400110"/>
+          </a:xfrm>
+          <a:prstGeom prst="rect">
+            <a:avLst/>
+          </a:prstGeom>
+          <a:noFill/>
+        </p:spPr>
+        <p:txBody>
+          <a:bodyPr wrap="none" rtlCol="0">
+            <a:spAutoFit/>
+          </a:bodyPr>
+          <a:lstStyle/>
+          <a:p>
+            <a:r>
+              <a:rPr lang="ko-KR" altLang="en-US" sz="1000" dirty="0" smtClean="0"/>
+              <a:t>이동 </a:t>
+            </a:r>
+            <a:r>
+              <a:rPr lang="en-US" altLang="ko-KR" sz="1000" dirty="0" smtClean="0"/>
+              <a:t>: </a:t>
+            </a:r>
+            <a:r>
+              <a:rPr lang="ko-KR" altLang="en-US" sz="1000" dirty="0" smtClean="0"/>
+              <a:t>←</a:t>
+            </a:r>
+            <a:r>
+              <a:rPr lang="en-US" altLang="ko-KR" sz="1000" dirty="0" smtClean="0"/>
+              <a:t>, </a:t>
+            </a:r>
+            <a:r>
+              <a:rPr lang="ko-KR" altLang="en-US" sz="1000" dirty="0" smtClean="0"/>
+              <a:t>→</a:t>
+            </a:r>
+            <a:r>
+              <a:rPr lang="en-US" altLang="ko-KR" sz="1000" dirty="0" smtClean="0"/>
+              <a:t/>
+            </a:r>
+            <a:br>
+              <a:rPr lang="en-US" altLang="ko-KR" sz="1000" dirty="0" smtClean="0"/>
+            </a:br>
+            <a:r>
+              <a:rPr lang="ko-KR" altLang="en-US" sz="1000" dirty="0" smtClean="0"/>
+              <a:t>공</a:t>
+            </a:r>
+            <a:r>
+              <a:rPr lang="ko-KR" altLang="en-US" sz="1000" dirty="0"/>
+              <a:t>격</a:t>
+            </a:r>
+            <a:r>
+              <a:rPr lang="ko-KR" altLang="en-US" sz="1000" dirty="0" smtClean="0"/>
+              <a:t> </a:t>
+            </a:r>
+            <a:r>
+              <a:rPr lang="en-US" altLang="ko-KR" sz="1000" dirty="0" smtClean="0"/>
+              <a:t>: A </a:t>
+            </a:r>
+            <a:r>
+              <a:rPr lang="ko-KR" altLang="en-US" sz="1000" dirty="0" smtClean="0"/>
+              <a:t>점프 </a:t>
+            </a:r>
+            <a:r>
+              <a:rPr lang="en-US" altLang="ko-KR" sz="1000" dirty="0" smtClean="0"/>
+              <a:t>: S</a:t>
+            </a:r>
+            <a:endParaRPr lang="ko-KR" altLang="en-US" sz="1000" dirty="0"/>
+          </a:p>
+        </p:txBody>
+      </p:sp>
+      <p:sp>
+        <p:nvSpPr>
+          <p:cNvPr id="85" name="TextBox 84"/>
+          <p:cNvSpPr txBox="1"/>
+          <p:nvPr/>
+        </p:nvSpPr>
+        <p:spPr>
+          <a:xfrm>
+            <a:off x="11169169" y="6027707"/>
+            <a:ext cx="723275" cy="323165"/>
+          </a:xfrm>
+          <a:prstGeom prst="rect">
+            <a:avLst/>
+          </a:prstGeom>
+          <a:noFill/>
+        </p:spPr>
+        <p:txBody>
+          <a:bodyPr wrap="none" rtlCol="0">
+            <a:spAutoFit/>
+          </a:bodyPr>
+          <a:lstStyle/>
+          <a:p>
+            <a:r>
+              <a:rPr lang="en-US" altLang="ko-KR" sz="1500" dirty="0" smtClean="0"/>
+              <a:t>Image</a:t>
+            </a:r>
+            <a:endParaRPr lang="ko-KR" altLang="en-US" sz="1500" dirty="0"/>
+          </a:p>
+        </p:txBody>
+      </p:sp>
+      <p:sp>
+        <p:nvSpPr>
+          <p:cNvPr id="100" name="타원 99"/>
+          <p:cNvSpPr/>
+          <p:nvPr/>
+        </p:nvSpPr>
+        <p:spPr>
+          <a:xfrm>
+            <a:off x="10128039" y="103349"/>
+            <a:ext cx="358925" cy="358925"/>
+          </a:xfrm>
+          <a:prstGeom prst="ellipse">
+            <a:avLst/>
+          </a:prstGeom>
+          <a:solidFill>
+            <a:schemeClr val="accent2"/>
+          </a:solidFill>
+        </p:spPr>
+        <p:style>
+          <a:lnRef idx="2">
+            <a:schemeClr val="accent3">
+              <a:shade val="50000"/>
+            </a:schemeClr>
+          </a:lnRef>
+          <a:fillRef idx="1">
+            <a:schemeClr val="accent3"/>
+          </a:fillRef>
+          <a:effectRef idx="0">
+            <a:schemeClr val="accent3"/>
+          </a:effectRef>
+          <a:fontRef idx="minor">
+            <a:schemeClr val="lt1"/>
+          </a:fontRef>
+        </p:style>
+        <p:txBody>
+          <a:bodyPr rtlCol="0" anchor="ctr"/>
+          <a:lstStyle/>
+          <a:p>
+            <a:pPr algn="ctr"/>
+            <a:endParaRPr lang="ko-KR" altLang="en-US" sz="1100" dirty="0"/>
+          </a:p>
+        </p:txBody>
+      </p:sp>
+      <p:sp>
+        <p:nvSpPr>
+          <p:cNvPr id="21" name="TextBox 20"/>
+          <p:cNvSpPr txBox="1"/>
+          <p:nvPr/>
+        </p:nvSpPr>
+        <p:spPr>
+          <a:xfrm>
+            <a:off x="10118542" y="145055"/>
+            <a:ext cx="324129" cy="292388"/>
+          </a:xfrm>
+          <a:prstGeom prst="rect">
+            <a:avLst/>
+          </a:prstGeom>
+          <a:noFill/>
+        </p:spPr>
+        <p:txBody>
+          <a:bodyPr wrap="none" rtlCol="0">
+            <a:spAutoFit/>
+          </a:bodyPr>
+          <a:lstStyle/>
+          <a:p>
+            <a:r>
+              <a:rPr lang="en-US" altLang="ko-KR" sz="1300" dirty="0" smtClean="0">
+                <a:solidFill>
+                  <a:schemeClr val="bg1"/>
+                </a:solidFill>
+              </a:rPr>
+              <a:t>| |</a:t>
+            </a:r>
+            <a:endParaRPr lang="ko-KR" altLang="en-US" sz="1300" dirty="0">
+              <a:solidFill>
+                <a:schemeClr val="bg1"/>
+              </a:solidFill>
+            </a:endParaRPr>
+          </a:p>
+        </p:txBody>
+      </p:sp>
+      <p:sp>
+        <p:nvSpPr>
+          <p:cNvPr id="22" name="TextBox 21"/>
+          <p:cNvSpPr txBox="1"/>
+          <p:nvPr/>
+        </p:nvSpPr>
+        <p:spPr>
+          <a:xfrm>
+            <a:off x="5593248" y="5520845"/>
+            <a:ext cx="312906" cy="246221"/>
+          </a:xfrm>
+          <a:prstGeom prst="rect">
+            <a:avLst/>
+          </a:prstGeom>
+          <a:noFill/>
+        </p:spPr>
+        <p:txBody>
+          <a:bodyPr wrap="none" rtlCol="0">
+            <a:spAutoFit/>
+          </a:bodyPr>
+          <a:lstStyle/>
+          <a:p>
+            <a:r>
+              <a:rPr lang="ko-KR" altLang="en-US" sz="1000" dirty="0">
+                <a:solidFill>
+                  <a:schemeClr val="bg1"/>
+                </a:solidFill>
+              </a:rPr>
+              <a:t>땅</a:t>
+            </a:r>
+          </a:p>
+        </p:txBody>
+      </p:sp>
+      <p:sp>
+        <p:nvSpPr>
+          <p:cNvPr id="28" name="TextBox 27"/>
+          <p:cNvSpPr txBox="1"/>
+          <p:nvPr/>
+        </p:nvSpPr>
+        <p:spPr>
+          <a:xfrm>
+            <a:off x="2378262" y="2902307"/>
+            <a:ext cx="1685078" cy="400110"/>
+          </a:xfrm>
+          <a:prstGeom prst="rect">
+            <a:avLst/>
+          </a:prstGeom>
+          <a:noFill/>
+        </p:spPr>
+        <p:txBody>
+          <a:bodyPr wrap="none" rtlCol="0">
+            <a:spAutoFit/>
+          </a:bodyPr>
+          <a:lstStyle/>
+          <a:p>
+            <a:pPr algn="ctr"/>
+            <a:r>
+              <a:rPr lang="ko-KR" altLang="en-US" sz="1000" dirty="0" smtClean="0"/>
+              <a:t>장애물이 공격하기 직전에</a:t>
+            </a:r>
+            <a:endParaRPr lang="en-US" altLang="ko-KR" sz="1000" dirty="0" smtClean="0"/>
+          </a:p>
+          <a:p>
+            <a:pPr algn="ctr"/>
+            <a:r>
+              <a:rPr lang="ko-KR" altLang="en-US" sz="1000" dirty="0" smtClean="0"/>
+              <a:t>나타나는</a:t>
+            </a:r>
+            <a:r>
+              <a:rPr lang="en-US" altLang="ko-KR" sz="1000" dirty="0" smtClean="0"/>
+              <a:t> </a:t>
+            </a:r>
+            <a:r>
+              <a:rPr lang="ko-KR" altLang="en-US" sz="1000" dirty="0" smtClean="0"/>
+              <a:t>공격 포인트</a:t>
+            </a:r>
+            <a:endParaRPr lang="ko-KR" altLang="en-US" sz="1000" dirty="0"/>
+          </a:p>
+        </p:txBody>
+      </p:sp>
+      <p:sp>
+        <p:nvSpPr>
+          <p:cNvPr id="29" name="TextBox 28"/>
+          <p:cNvSpPr txBox="1"/>
+          <p:nvPr/>
+        </p:nvSpPr>
+        <p:spPr>
+          <a:xfrm>
+            <a:off x="9943344" y="516402"/>
+            <a:ext cx="729687" cy="246221"/>
+          </a:xfrm>
+          <a:prstGeom prst="rect">
+            <a:avLst/>
+          </a:prstGeom>
+          <a:noFill/>
+        </p:spPr>
+        <p:txBody>
+          <a:bodyPr wrap="none" rtlCol="0">
+            <a:spAutoFit/>
+          </a:bodyPr>
+          <a:lstStyle/>
+          <a:p>
+            <a:pPr algn="ctr"/>
+            <a:r>
+              <a:rPr lang="ko-KR" altLang="en-US" sz="1000" dirty="0" smtClean="0"/>
+              <a:t>일시 정지</a:t>
+            </a:r>
+            <a:endParaRPr lang="ko-KR" altLang="en-US" sz="1000" dirty="0"/>
+          </a:p>
+        </p:txBody>
+      </p:sp>
+      <p:sp>
+        <p:nvSpPr>
+          <p:cNvPr id="104" name="TextBox 103"/>
+          <p:cNvSpPr txBox="1"/>
+          <p:nvPr/>
+        </p:nvSpPr>
+        <p:spPr>
+          <a:xfrm>
+            <a:off x="10599033" y="516401"/>
+            <a:ext cx="1146468" cy="246221"/>
+          </a:xfrm>
+          <a:prstGeom prst="rect">
+            <a:avLst/>
+          </a:prstGeom>
+          <a:noFill/>
+        </p:spPr>
+        <p:txBody>
+          <a:bodyPr wrap="none" rtlCol="0">
+            <a:spAutoFit/>
+          </a:bodyPr>
+          <a:lstStyle/>
+          <a:p>
+            <a:r>
+              <a:rPr lang="ko-KR" altLang="en-US" sz="1000" dirty="0" smtClean="0"/>
+              <a:t>여기서 획득한 돈</a:t>
+            </a:r>
+            <a:endParaRPr lang="ko-KR" altLang="en-US" sz="1000" dirty="0"/>
+          </a:p>
+        </p:txBody>
+      </p:sp>
+      <p:sp>
+        <p:nvSpPr>
+          <p:cNvPr id="30" name="오른쪽 화살표 29"/>
+          <p:cNvSpPr/>
+          <p:nvPr/>
+        </p:nvSpPr>
+        <p:spPr>
+          <a:xfrm>
+            <a:off x="11611514" y="2461104"/>
+            <a:ext cx="529603" cy="544088"/>
+          </a:xfrm>
+          <a:prstGeom prst="rightArrow">
+            <a:avLst/>
+          </a:prstGeom>
+          <a:solidFill>
+            <a:schemeClr val="tx1">
+              <a:alpha val="0"/>
+            </a:schemeClr>
+          </a:solidFill>
+          <a:ln>
+            <a:solidFill>
+              <a:schemeClr val="tx1">
+                <a:alpha val="52000"/>
+              </a:schemeClr>
+            </a:solidFill>
+          </a:ln>
+        </p:spPr>
+        <p:style>
+          <a:lnRef idx="2">
+            <a:schemeClr val="accent1">
+              <a:shade val="50000"/>
+            </a:schemeClr>
+          </a:lnRef>
+          <a:fillRef idx="1">
+            <a:schemeClr val="accent1"/>
+          </a:fillRef>
+          <a:effectRef idx="0">
+            <a:schemeClr val="accent1"/>
+          </a:effectRef>
+          <a:fontRef idx="minor">
+            <a:schemeClr val="lt1"/>
+          </a:fontRef>
+        </p:style>
+        <p:txBody>
+          <a:bodyPr rtlCol="0" anchor="ctr"/>
+          <a:lstStyle/>
+          <a:p>
+            <a:pPr algn="ctr"/>
+            <a:endParaRPr lang="ko-KR" altLang="en-US"/>
+          </a:p>
+        </p:txBody>
+      </p:sp>
+      <p:sp>
+        <p:nvSpPr>
+          <p:cNvPr id="105" name="오른쪽 화살표 104"/>
+          <p:cNvSpPr/>
+          <p:nvPr/>
+        </p:nvSpPr>
+        <p:spPr>
+          <a:xfrm rot="10800000">
+            <a:off x="56815" y="2417327"/>
+            <a:ext cx="529603" cy="544088"/>
+          </a:xfrm>
+          <a:prstGeom prst="rightArrow">
+            <a:avLst/>
+          </a:prstGeom>
+          <a:solidFill>
+            <a:schemeClr val="tx1">
+              <a:alpha val="0"/>
+            </a:schemeClr>
+          </a:solidFill>
+          <a:ln>
+            <a:solidFill>
+              <a:schemeClr val="tx1">
+                <a:alpha val="52000"/>
+              </a:schemeClr>
+            </a:solidFill>
+          </a:ln>
+        </p:spPr>
+        <p:style>
+          <a:lnRef idx="2">
+            <a:schemeClr val="accent1">
+              <a:shade val="50000"/>
+            </a:schemeClr>
+          </a:lnRef>
+          <a:fillRef idx="1">
+            <a:schemeClr val="accent1"/>
+          </a:fillRef>
+          <a:effectRef idx="0">
+            <a:schemeClr val="accent1"/>
+          </a:effectRef>
+          <a:fontRef idx="minor">
+            <a:schemeClr val="lt1"/>
+          </a:fontRef>
+        </p:style>
+        <p:txBody>
+          <a:bodyPr rtlCol="0" anchor="ctr"/>
+          <a:lstStyle/>
+          <a:p>
+            <a:pPr algn="ctr"/>
+            <a:endParaRPr lang="ko-KR" altLang="en-US"/>
+          </a:p>
+        </p:txBody>
+      </p:sp>
+      <p:sp>
+        <p:nvSpPr>
+          <p:cNvPr id="31" name="TextBox 30"/>
+          <p:cNvSpPr txBox="1"/>
+          <p:nvPr/>
+        </p:nvSpPr>
+        <p:spPr>
+          <a:xfrm>
+            <a:off x="-70035" y="2961415"/>
+            <a:ext cx="1428596" cy="400110"/>
+          </a:xfrm>
+          <a:prstGeom prst="rect">
+            <a:avLst/>
+          </a:prstGeom>
+          <a:noFill/>
+        </p:spPr>
+        <p:txBody>
+          <a:bodyPr wrap="none" rtlCol="0">
+            <a:spAutoFit/>
+          </a:bodyPr>
+          <a:lstStyle/>
+          <a:p>
+            <a:pPr algn="ctr"/>
+            <a:r>
+              <a:rPr lang="ko-KR" altLang="en-US" sz="1000" dirty="0" smtClean="0"/>
+              <a:t>플레이어 위치에 따라</a:t>
+            </a:r>
+            <a:r>
+              <a:rPr lang="en-US" altLang="ko-KR" sz="1000" dirty="0" smtClean="0"/>
+              <a:t/>
+            </a:r>
+            <a:br>
+              <a:rPr lang="en-US" altLang="ko-KR" sz="1000" dirty="0" smtClean="0"/>
+            </a:br>
+            <a:r>
+              <a:rPr lang="ko-KR" altLang="en-US" sz="1000" dirty="0" smtClean="0"/>
+              <a:t>카메라 이동</a:t>
+            </a:r>
+            <a:endParaRPr lang="ko-KR" altLang="en-US" sz="1000" dirty="0"/>
+          </a:p>
+        </p:txBody>
+      </p:sp>
+      <p:sp>
+        <p:nvSpPr>
+          <p:cNvPr id="110" name="TextBox 109"/>
+          <p:cNvSpPr txBox="1"/>
+          <p:nvPr/>
+        </p:nvSpPr>
+        <p:spPr>
+          <a:xfrm>
+            <a:off x="8387134" y="466006"/>
+            <a:ext cx="1402948" cy="400110"/>
+          </a:xfrm>
+          <a:prstGeom prst="rect">
+            <a:avLst/>
+          </a:prstGeom>
+          <a:noFill/>
+        </p:spPr>
+        <p:txBody>
+          <a:bodyPr wrap="none" rtlCol="0">
+            <a:spAutoFit/>
+          </a:bodyPr>
+          <a:lstStyle/>
+          <a:p>
+            <a:pPr algn="ctr"/>
+            <a:r>
+              <a:rPr lang="ko-KR" altLang="en-US" sz="1000" dirty="0" smtClean="0"/>
+              <a:t>시간 지날수록 </a:t>
+            </a:r>
+            <a:r>
+              <a:rPr lang="ko-KR" altLang="en-US" sz="1000" dirty="0" err="1" smtClean="0"/>
+              <a:t>몬스터</a:t>
+            </a:r>
+            <a:endParaRPr lang="en-US" altLang="ko-KR" sz="1000" dirty="0" smtClean="0"/>
+          </a:p>
+          <a:p>
+            <a:pPr algn="ctr"/>
+            <a:r>
+              <a:rPr lang="ko-KR" altLang="en-US" sz="1000" dirty="0" smtClean="0"/>
+              <a:t>및 장애물 수 증가</a:t>
+            </a:r>
+            <a:endParaRPr lang="ko-KR" altLang="en-US" sz="1000" dirty="0"/>
+          </a:p>
+        </p:txBody>
+      </p:sp>
+      <p:sp>
+        <p:nvSpPr>
+          <p:cNvPr id="111" name="직사각형 110"/>
+          <p:cNvSpPr/>
+          <p:nvPr/>
+        </p:nvSpPr>
+        <p:spPr>
+          <a:xfrm>
+            <a:off x="26420" y="6821594"/>
+            <a:ext cx="12195442" cy="45719"/>
+          </a:xfrm>
+          <a:prstGeom prst="rect">
+            <a:avLst/>
+          </a:prstGeom>
+          <a:ln>
+            <a:solidFill>
+              <a:srgbClr val="FFFF00"/>
+            </a:solidFill>
+          </a:ln>
+        </p:spPr>
+        <p:style>
+          <a:lnRef idx="1">
+            <a:schemeClr val="accent5"/>
+          </a:lnRef>
+          <a:fillRef idx="2">
+            <a:schemeClr val="accent5"/>
+          </a:fillRef>
+          <a:effectRef idx="1">
+            <a:schemeClr val="accent5"/>
+          </a:effectRef>
+          <a:fontRef idx="minor">
+            <a:schemeClr val="dk1"/>
+          </a:fontRef>
+        </p:style>
+        <p:txBody>
+          <a:bodyPr rtlCol="0" anchor="ctr"/>
+          <a:lstStyle/>
+          <a:p>
+            <a:pPr algn="ctr"/>
+            <a:endParaRPr lang="ko-KR" altLang="en-US"/>
+          </a:p>
+        </p:txBody>
+      </p:sp>
+      <p:sp>
+        <p:nvSpPr>
+          <p:cNvPr id="112" name="직사각형 111"/>
+          <p:cNvSpPr/>
+          <p:nvPr/>
+        </p:nvSpPr>
+        <p:spPr>
+          <a:xfrm>
+            <a:off x="24410" y="6821594"/>
+            <a:ext cx="10044444" cy="45719"/>
+          </a:xfrm>
+          <a:prstGeom prst="rect">
+            <a:avLst/>
+          </a:prstGeom>
+          <a:solidFill>
+            <a:schemeClr val="accent5">
+              <a:lumMod val="60000"/>
+              <a:lumOff val="40000"/>
+            </a:schemeClr>
+          </a:solidFill>
+          <a:ln>
+            <a:solidFill>
+              <a:schemeClr val="accent5">
+                <a:lumMod val="60000"/>
+                <a:lumOff val="40000"/>
+              </a:schemeClr>
+            </a:solidFill>
+          </a:ln>
+        </p:spPr>
+        <p:style>
+          <a:lnRef idx="1">
+            <a:schemeClr val="accent5"/>
+          </a:lnRef>
+          <a:fillRef idx="2">
+            <a:schemeClr val="accent5"/>
+          </a:fillRef>
+          <a:effectRef idx="1">
+            <a:schemeClr val="accent5"/>
+          </a:effectRef>
+          <a:fontRef idx="minor">
+            <a:schemeClr val="dk1"/>
+          </a:fontRef>
+        </p:style>
+        <p:txBody>
+          <a:bodyPr rtlCol="0" anchor="ctr"/>
+          <a:lstStyle/>
+          <a:p>
+            <a:pPr algn="ctr"/>
+            <a:endParaRPr lang="ko-KR" altLang="en-US"/>
+          </a:p>
+        </p:txBody>
+      </p:sp>
+      <p:sp>
+        <p:nvSpPr>
+          <p:cNvPr id="113" name="TextBox 112"/>
+          <p:cNvSpPr txBox="1"/>
+          <p:nvPr/>
+        </p:nvSpPr>
+        <p:spPr>
+          <a:xfrm>
+            <a:off x="2705381" y="6621181"/>
+            <a:ext cx="729687" cy="246221"/>
+          </a:xfrm>
+          <a:prstGeom prst="rect">
+            <a:avLst/>
+          </a:prstGeom>
+          <a:noFill/>
+        </p:spPr>
+        <p:txBody>
+          <a:bodyPr wrap="none" rtlCol="0">
+            <a:spAutoFit/>
+          </a:bodyPr>
+          <a:lstStyle/>
+          <a:p>
+            <a:r>
+              <a:rPr lang="ko-KR" altLang="en-US" sz="1000" dirty="0" smtClean="0"/>
+              <a:t>경험치 바</a:t>
+            </a:r>
+            <a:endParaRPr lang="ko-KR" altLang="en-US" sz="1000" dirty="0"/>
+          </a:p>
+        </p:txBody>
+      </p:sp>
+      <p:sp>
+        <p:nvSpPr>
+          <p:cNvPr id="123" name="TextBox 122"/>
+          <p:cNvSpPr txBox="1"/>
+          <p:nvPr/>
+        </p:nvSpPr>
+        <p:spPr>
+          <a:xfrm>
+            <a:off x="11588809" y="6358010"/>
+            <a:ext cx="312906" cy="323165"/>
+          </a:xfrm>
+          <a:prstGeom prst="rect">
+            <a:avLst/>
+          </a:prstGeom>
+          <a:noFill/>
+        </p:spPr>
+        <p:txBody>
+          <a:bodyPr wrap="none" rtlCol="0">
+            <a:spAutoFit/>
+          </a:bodyPr>
+          <a:lstStyle/>
+          <a:p>
+            <a:r>
+              <a:rPr lang="en-US" altLang="ko-KR" sz="1500" dirty="0"/>
+              <a:t>X</a:t>
+            </a:r>
+            <a:endParaRPr lang="ko-KR" altLang="en-US" sz="1500" dirty="0"/>
+          </a:p>
+        </p:txBody>
+      </p:sp>
+      <p:sp>
+        <p:nvSpPr>
+          <p:cNvPr id="124" name="TextBox 123"/>
+          <p:cNvSpPr txBox="1"/>
+          <p:nvPr/>
+        </p:nvSpPr>
+        <p:spPr>
+          <a:xfrm>
+            <a:off x="11281582" y="5615586"/>
+            <a:ext cx="441146" cy="246221"/>
+          </a:xfrm>
+          <a:prstGeom prst="rect">
+            <a:avLst/>
+          </a:prstGeom>
+          <a:noFill/>
+        </p:spPr>
+        <p:txBody>
+          <a:bodyPr wrap="none" rtlCol="0">
+            <a:spAutoFit/>
+          </a:bodyPr>
+          <a:lstStyle/>
+          <a:p>
+            <a:r>
+              <a:rPr lang="ko-KR" altLang="en-US" sz="1000" dirty="0" smtClean="0">
+                <a:solidFill>
+                  <a:schemeClr val="bg1"/>
+                </a:solidFill>
+              </a:rPr>
+              <a:t>스킬</a:t>
+            </a:r>
+            <a:endParaRPr lang="en-US" altLang="ko-KR" sz="1000" dirty="0" smtClean="0">
+              <a:solidFill>
+                <a:schemeClr val="bg1"/>
+              </a:solidFill>
+            </a:endParaRPr>
+          </a:p>
+        </p:txBody>
+      </p:sp>
+    </p:spTree>
+    <p:extLst>
+      <p:ext uri="{BB962C8B-B14F-4D97-AF65-F5344CB8AC3E}">
+        <p14:creationId xmlns:p14="http://schemas.microsoft.com/office/powerpoint/2010/main" val="1056439375"/>
+      </p:ext>
+    </p:extLst>
+  </p:cSld>
+  <p:clrMapOvr>
+    <a:masterClrMapping/>
+  </p:clrMapOvr>
+  <p:timing>
+    <p:tnLst>
+      <p:par>
+        <p:cTn id="1" dur="indefinite" restart="never" nodeType="tmRoot"/>
+      </p:par>
+    </p:tnLst>
+  </p:timing>
+</p:sld>
+</file>
+
 <file path=ppt/slides/slide2.xml><?xml version="1.0" encoding="utf-8"?>
 <p:sld xmlns:a="http://schemas.openxmlformats.org/drawingml/2006/main" xmlns:r="http://schemas.openxmlformats.org/officeDocument/2006/relationships" xmlns:p="http://schemas.openxmlformats.org/presentationml/2006/main">
   <p:cSld>
@@ -14579,7 +17107,7 @@
           <p:cNvPr id="2" name="제목 1">
             <a:extLst>
               <a:ext uri="{FF2B5EF4-FFF2-40B4-BE49-F238E27FC236}">
-                <a16:creationId xmlns="" xmlns:a16="http://schemas.microsoft.com/office/drawing/2014/main" id="{5A6E02E5-C3C5-4A6D-B34A-A8DCDE8E765A}"/>
+                <a16:creationId xmlns:a16="http://schemas.microsoft.com/office/drawing/2014/main" xmlns="" id="{5A6E02E5-C3C5-4A6D-B34A-A8DCDE8E765A}"/>
               </a:ext>
             </a:extLst>
           </p:cNvPr>
@@ -14615,7 +17143,7 @@
           <p:cNvPr id="3" name="내용 개체 틀 2">
             <a:extLst>
               <a:ext uri="{FF2B5EF4-FFF2-40B4-BE49-F238E27FC236}">
-                <a16:creationId xmlns="" xmlns:a16="http://schemas.microsoft.com/office/drawing/2014/main" id="{815BEA2D-0092-43B2-862E-B795ED1B2516}"/>
+                <a16:creationId xmlns:a16="http://schemas.microsoft.com/office/drawing/2014/main" xmlns="" id="{815BEA2D-0092-43B2-862E-B795ED1B2516}"/>
               </a:ext>
             </a:extLst>
           </p:cNvPr>
@@ -14794,7 +17322,7 @@
           <p:cNvPr id="2" name="제목 1">
             <a:extLst>
               <a:ext uri="{FF2B5EF4-FFF2-40B4-BE49-F238E27FC236}">
-                <a16:creationId xmlns="" xmlns:a16="http://schemas.microsoft.com/office/drawing/2014/main" id="{0F81927D-BEC0-4B15-8DFC-F1F5605BDA53}"/>
+                <a16:creationId xmlns:a16="http://schemas.microsoft.com/office/drawing/2014/main" xmlns="" id="{0F81927D-BEC0-4B15-8DFC-F1F5605BDA53}"/>
               </a:ext>
             </a:extLst>
           </p:cNvPr>
@@ -14839,7 +17367,7 @@
           <p:cNvPr id="3" name="내용 개체 틀 2">
             <a:extLst>
               <a:ext uri="{FF2B5EF4-FFF2-40B4-BE49-F238E27FC236}">
-                <a16:creationId xmlns="" xmlns:a16="http://schemas.microsoft.com/office/drawing/2014/main" id="{4BE0DE56-B302-442D-A66A-873AE46868D4}"/>
+                <a16:creationId xmlns:a16="http://schemas.microsoft.com/office/drawing/2014/main" xmlns="" id="{4BE0DE56-B302-442D-A66A-873AE46868D4}"/>
               </a:ext>
             </a:extLst>
           </p:cNvPr>
@@ -15253,7 +17781,7 @@
           <p:cNvPr id="2" name="제목 1">
             <a:extLst>
               <a:ext uri="{FF2B5EF4-FFF2-40B4-BE49-F238E27FC236}">
-                <a16:creationId xmlns="" xmlns:a16="http://schemas.microsoft.com/office/drawing/2014/main" id="{0F81927D-BEC0-4B15-8DFC-F1F5605BDA53}"/>
+                <a16:creationId xmlns:a16="http://schemas.microsoft.com/office/drawing/2014/main" xmlns="" id="{0F81927D-BEC0-4B15-8DFC-F1F5605BDA53}"/>
               </a:ext>
             </a:extLst>
           </p:cNvPr>
@@ -15315,7 +17843,7 @@
           <p:cNvPr id="3" name="내용 개체 틀 2">
             <a:extLst>
               <a:ext uri="{FF2B5EF4-FFF2-40B4-BE49-F238E27FC236}">
-                <a16:creationId xmlns="" xmlns:a16="http://schemas.microsoft.com/office/drawing/2014/main" id="{4BE0DE56-B302-442D-A66A-873AE46868D4}"/>
+                <a16:creationId xmlns:a16="http://schemas.microsoft.com/office/drawing/2014/main" xmlns="" id="{4BE0DE56-B302-442D-A66A-873AE46868D4}"/>
               </a:ext>
             </a:extLst>
           </p:cNvPr>
@@ -15821,7 +18349,7 @@
           <p:cNvPr id="2" name="제목 1">
             <a:extLst>
               <a:ext uri="{FF2B5EF4-FFF2-40B4-BE49-F238E27FC236}">
-                <a16:creationId xmlns="" xmlns:a16="http://schemas.microsoft.com/office/drawing/2014/main" id="{0F81927D-BEC0-4B15-8DFC-F1F5605BDA53}"/>
+                <a16:creationId xmlns:a16="http://schemas.microsoft.com/office/drawing/2014/main" xmlns="" id="{0F81927D-BEC0-4B15-8DFC-F1F5605BDA53}"/>
               </a:ext>
             </a:extLst>
           </p:cNvPr>
@@ -15861,7 +18389,7 @@
           <p:cNvPr id="3" name="내용 개체 틀 2">
             <a:extLst>
               <a:ext uri="{FF2B5EF4-FFF2-40B4-BE49-F238E27FC236}">
-                <a16:creationId xmlns="" xmlns:a16="http://schemas.microsoft.com/office/drawing/2014/main" id="{4BE0DE56-B302-442D-A66A-873AE46868D4}"/>
+                <a16:creationId xmlns:a16="http://schemas.microsoft.com/office/drawing/2014/main" xmlns="" id="{4BE0DE56-B302-442D-A66A-873AE46868D4}"/>
               </a:ext>
             </a:extLst>
           </p:cNvPr>
@@ -17199,7 +19727,7 @@
           <p:cNvPr id="94" name="사각형: 둥근 모서리 20">
             <a:extLst>
               <a:ext uri="{FF2B5EF4-FFF2-40B4-BE49-F238E27FC236}">
-                <a16:creationId xmlns="" xmlns:a16="http://schemas.microsoft.com/office/drawing/2014/main" id="{D470812C-B5EB-4EDC-A24D-C54DAFA8E2FC}"/>
+                <a16:creationId xmlns:a16="http://schemas.microsoft.com/office/drawing/2014/main" xmlns="" id="{D470812C-B5EB-4EDC-A24D-C54DAFA8E2FC}"/>
               </a:ext>
             </a:extLst>
           </p:cNvPr>
@@ -17251,7 +19779,7 @@
           <p:cNvPr id="186" name="사각형: 둥근 모서리 20">
             <a:extLst>
               <a:ext uri="{FF2B5EF4-FFF2-40B4-BE49-F238E27FC236}">
-                <a16:creationId xmlns="" xmlns:a16="http://schemas.microsoft.com/office/drawing/2014/main" id="{D470812C-B5EB-4EDC-A24D-C54DAFA8E2FC}"/>
+                <a16:creationId xmlns:a16="http://schemas.microsoft.com/office/drawing/2014/main" xmlns="" id="{D470812C-B5EB-4EDC-A24D-C54DAFA8E2FC}"/>
               </a:ext>
             </a:extLst>
           </p:cNvPr>
@@ -17303,7 +19831,7 @@
           <p:cNvPr id="182" name="사각형: 둥근 모서리 20">
             <a:extLst>
               <a:ext uri="{FF2B5EF4-FFF2-40B4-BE49-F238E27FC236}">
-                <a16:creationId xmlns="" xmlns:a16="http://schemas.microsoft.com/office/drawing/2014/main" id="{D470812C-B5EB-4EDC-A24D-C54DAFA8E2FC}"/>
+                <a16:creationId xmlns:a16="http://schemas.microsoft.com/office/drawing/2014/main" xmlns="" id="{D470812C-B5EB-4EDC-A24D-C54DAFA8E2FC}"/>
               </a:ext>
             </a:extLst>
           </p:cNvPr>
@@ -17355,7 +19883,7 @@
           <p:cNvPr id="2" name="제목 1">
             <a:extLst>
               <a:ext uri="{FF2B5EF4-FFF2-40B4-BE49-F238E27FC236}">
-                <a16:creationId xmlns="" xmlns:a16="http://schemas.microsoft.com/office/drawing/2014/main" id="{0F81927D-BEC0-4B15-8DFC-F1F5605BDA53}"/>
+                <a16:creationId xmlns:a16="http://schemas.microsoft.com/office/drawing/2014/main" xmlns="" id="{0F81927D-BEC0-4B15-8DFC-F1F5605BDA53}"/>
               </a:ext>
             </a:extLst>
           </p:cNvPr>
@@ -17430,7 +19958,7 @@
           <p:cNvPr id="6" name="직사각형 5">
             <a:extLst>
               <a:ext uri="{FF2B5EF4-FFF2-40B4-BE49-F238E27FC236}">
-                <a16:creationId xmlns="" xmlns:a16="http://schemas.microsoft.com/office/drawing/2014/main" id="{B5499C44-3746-46BB-B6A5-1B5C95B4E0F4}"/>
+                <a16:creationId xmlns:a16="http://schemas.microsoft.com/office/drawing/2014/main" xmlns="" id="{B5499C44-3746-46BB-B6A5-1B5C95B4E0F4}"/>
               </a:ext>
             </a:extLst>
           </p:cNvPr>
@@ -17484,7 +20012,7 @@
           <p:cNvPr id="17" name="직사각형 16">
             <a:extLst>
               <a:ext uri="{FF2B5EF4-FFF2-40B4-BE49-F238E27FC236}">
-                <a16:creationId xmlns="" xmlns:a16="http://schemas.microsoft.com/office/drawing/2014/main" id="{B69C21FE-9E25-495A-8E0A-CB589994EAC8}"/>
+                <a16:creationId xmlns:a16="http://schemas.microsoft.com/office/drawing/2014/main" xmlns="" id="{B69C21FE-9E25-495A-8E0A-CB589994EAC8}"/>
               </a:ext>
             </a:extLst>
           </p:cNvPr>
@@ -17545,7 +20073,7 @@
           <p:cNvPr id="38" name="연결선: 구부러짐 37">
             <a:extLst>
               <a:ext uri="{FF2B5EF4-FFF2-40B4-BE49-F238E27FC236}">
-                <a16:creationId xmlns="" xmlns:a16="http://schemas.microsoft.com/office/drawing/2014/main" id="{9FBAD8DE-1FC0-44E7-B9D1-2A08C0225614}"/>
+                <a16:creationId xmlns:a16="http://schemas.microsoft.com/office/drawing/2014/main" xmlns="" id="{9FBAD8DE-1FC0-44E7-B9D1-2A08C0225614}"/>
               </a:ext>
             </a:extLst>
           </p:cNvPr>
@@ -17590,7 +20118,7 @@
           <p:cNvPr id="54" name="직사각형 53">
             <a:extLst>
               <a:ext uri="{FF2B5EF4-FFF2-40B4-BE49-F238E27FC236}">
-                <a16:creationId xmlns="" xmlns:a16="http://schemas.microsoft.com/office/drawing/2014/main" id="{B5499C44-3746-46BB-B6A5-1B5C95B4E0F4}"/>
+                <a16:creationId xmlns:a16="http://schemas.microsoft.com/office/drawing/2014/main" xmlns="" id="{B5499C44-3746-46BB-B6A5-1B5C95B4E0F4}"/>
               </a:ext>
             </a:extLst>
           </p:cNvPr>
@@ -17644,7 +20172,7 @@
           <p:cNvPr id="55" name="연결선: 구부러짐 37">
             <a:extLst>
               <a:ext uri="{FF2B5EF4-FFF2-40B4-BE49-F238E27FC236}">
-                <a16:creationId xmlns="" xmlns:a16="http://schemas.microsoft.com/office/drawing/2014/main" id="{9FBAD8DE-1FC0-44E7-B9D1-2A08C0225614}"/>
+                <a16:creationId xmlns:a16="http://schemas.microsoft.com/office/drawing/2014/main" xmlns="" id="{9FBAD8DE-1FC0-44E7-B9D1-2A08C0225614}"/>
               </a:ext>
             </a:extLst>
           </p:cNvPr>
@@ -17690,7 +20218,7 @@
           <p:cNvPr id="70" name="직사각형 69">
             <a:extLst>
               <a:ext uri="{FF2B5EF4-FFF2-40B4-BE49-F238E27FC236}">
-                <a16:creationId xmlns="" xmlns:a16="http://schemas.microsoft.com/office/drawing/2014/main" id="{B5499C44-3746-46BB-B6A5-1B5C95B4E0F4}"/>
+                <a16:creationId xmlns:a16="http://schemas.microsoft.com/office/drawing/2014/main" xmlns="" id="{B5499C44-3746-46BB-B6A5-1B5C95B4E0F4}"/>
               </a:ext>
             </a:extLst>
           </p:cNvPr>
@@ -17744,7 +20272,7 @@
           <p:cNvPr id="71" name="연결선: 구부러짐 37">
             <a:extLst>
               <a:ext uri="{FF2B5EF4-FFF2-40B4-BE49-F238E27FC236}">
-                <a16:creationId xmlns="" xmlns:a16="http://schemas.microsoft.com/office/drawing/2014/main" id="{9FBAD8DE-1FC0-44E7-B9D1-2A08C0225614}"/>
+                <a16:creationId xmlns:a16="http://schemas.microsoft.com/office/drawing/2014/main" xmlns="" id="{9FBAD8DE-1FC0-44E7-B9D1-2A08C0225614}"/>
               </a:ext>
             </a:extLst>
           </p:cNvPr>
@@ -17790,7 +20318,7 @@
           <p:cNvPr id="76" name="연결선: 구부러짐 37">
             <a:extLst>
               <a:ext uri="{FF2B5EF4-FFF2-40B4-BE49-F238E27FC236}">
-                <a16:creationId xmlns="" xmlns:a16="http://schemas.microsoft.com/office/drawing/2014/main" id="{9FBAD8DE-1FC0-44E7-B9D1-2A08C0225614}"/>
+                <a16:creationId xmlns:a16="http://schemas.microsoft.com/office/drawing/2014/main" xmlns="" id="{9FBAD8DE-1FC0-44E7-B9D1-2A08C0225614}"/>
               </a:ext>
             </a:extLst>
           </p:cNvPr>
@@ -17836,7 +20364,7 @@
           <p:cNvPr id="101" name="직사각형 100">
             <a:extLst>
               <a:ext uri="{FF2B5EF4-FFF2-40B4-BE49-F238E27FC236}">
-                <a16:creationId xmlns="" xmlns:a16="http://schemas.microsoft.com/office/drawing/2014/main" id="{B5499C44-3746-46BB-B6A5-1B5C95B4E0F4}"/>
+                <a16:creationId xmlns:a16="http://schemas.microsoft.com/office/drawing/2014/main" xmlns="" id="{B5499C44-3746-46BB-B6A5-1B5C95B4E0F4}"/>
               </a:ext>
             </a:extLst>
           </p:cNvPr>
@@ -17890,7 +20418,7 @@
           <p:cNvPr id="102" name="연결선: 구부러짐 37">
             <a:extLst>
               <a:ext uri="{FF2B5EF4-FFF2-40B4-BE49-F238E27FC236}">
-                <a16:creationId xmlns="" xmlns:a16="http://schemas.microsoft.com/office/drawing/2014/main" id="{9FBAD8DE-1FC0-44E7-B9D1-2A08C0225614}"/>
+                <a16:creationId xmlns:a16="http://schemas.microsoft.com/office/drawing/2014/main" xmlns="" id="{9FBAD8DE-1FC0-44E7-B9D1-2A08C0225614}"/>
               </a:ext>
             </a:extLst>
           </p:cNvPr>
@@ -17936,7 +20464,7 @@
           <p:cNvPr id="103" name="연결선: 구부러짐 37">
             <a:extLst>
               <a:ext uri="{FF2B5EF4-FFF2-40B4-BE49-F238E27FC236}">
-                <a16:creationId xmlns="" xmlns:a16="http://schemas.microsoft.com/office/drawing/2014/main" id="{9FBAD8DE-1FC0-44E7-B9D1-2A08C0225614}"/>
+                <a16:creationId xmlns:a16="http://schemas.microsoft.com/office/drawing/2014/main" xmlns="" id="{9FBAD8DE-1FC0-44E7-B9D1-2A08C0225614}"/>
               </a:ext>
             </a:extLst>
           </p:cNvPr>
@@ -17982,7 +20510,7 @@
           <p:cNvPr id="116" name="직사각형 115">
             <a:extLst>
               <a:ext uri="{FF2B5EF4-FFF2-40B4-BE49-F238E27FC236}">
-                <a16:creationId xmlns="" xmlns:a16="http://schemas.microsoft.com/office/drawing/2014/main" id="{B5499C44-3746-46BB-B6A5-1B5C95B4E0F4}"/>
+                <a16:creationId xmlns:a16="http://schemas.microsoft.com/office/drawing/2014/main" xmlns="" id="{B5499C44-3746-46BB-B6A5-1B5C95B4E0F4}"/>
               </a:ext>
             </a:extLst>
           </p:cNvPr>
@@ -18036,7 +20564,7 @@
           <p:cNvPr id="120" name="연결선: 구부러짐 37">
             <a:extLst>
               <a:ext uri="{FF2B5EF4-FFF2-40B4-BE49-F238E27FC236}">
-                <a16:creationId xmlns="" xmlns:a16="http://schemas.microsoft.com/office/drawing/2014/main" id="{9FBAD8DE-1FC0-44E7-B9D1-2A08C0225614}"/>
+                <a16:creationId xmlns:a16="http://schemas.microsoft.com/office/drawing/2014/main" xmlns="" id="{9FBAD8DE-1FC0-44E7-B9D1-2A08C0225614}"/>
               </a:ext>
             </a:extLst>
           </p:cNvPr>
@@ -18081,7 +20609,7 @@
           <p:cNvPr id="132" name="연결선: 구부러짐 37">
             <a:extLst>
               <a:ext uri="{FF2B5EF4-FFF2-40B4-BE49-F238E27FC236}">
-                <a16:creationId xmlns="" xmlns:a16="http://schemas.microsoft.com/office/drawing/2014/main" id="{9FBAD8DE-1FC0-44E7-B9D1-2A08C0225614}"/>
+                <a16:creationId xmlns:a16="http://schemas.microsoft.com/office/drawing/2014/main" xmlns="" id="{9FBAD8DE-1FC0-44E7-B9D1-2A08C0225614}"/>
               </a:ext>
             </a:extLst>
           </p:cNvPr>
@@ -18127,7 +20655,7 @@
           <p:cNvPr id="146" name="직사각형 145">
             <a:extLst>
               <a:ext uri="{FF2B5EF4-FFF2-40B4-BE49-F238E27FC236}">
-                <a16:creationId xmlns="" xmlns:a16="http://schemas.microsoft.com/office/drawing/2014/main" id="{B5499C44-3746-46BB-B6A5-1B5C95B4E0F4}"/>
+                <a16:creationId xmlns:a16="http://schemas.microsoft.com/office/drawing/2014/main" xmlns="" id="{B5499C44-3746-46BB-B6A5-1B5C95B4E0F4}"/>
               </a:ext>
             </a:extLst>
           </p:cNvPr>
@@ -18181,7 +20709,7 @@
           <p:cNvPr id="148" name="직사각형 147">
             <a:extLst>
               <a:ext uri="{FF2B5EF4-FFF2-40B4-BE49-F238E27FC236}">
-                <a16:creationId xmlns="" xmlns:a16="http://schemas.microsoft.com/office/drawing/2014/main" id="{B5499C44-3746-46BB-B6A5-1B5C95B4E0F4}"/>
+                <a16:creationId xmlns:a16="http://schemas.microsoft.com/office/drawing/2014/main" xmlns="" id="{B5499C44-3746-46BB-B6A5-1B5C95B4E0F4}"/>
               </a:ext>
             </a:extLst>
           </p:cNvPr>
@@ -18235,7 +20763,7 @@
           <p:cNvPr id="157" name="직사각형 156">
             <a:extLst>
               <a:ext uri="{FF2B5EF4-FFF2-40B4-BE49-F238E27FC236}">
-                <a16:creationId xmlns="" xmlns:a16="http://schemas.microsoft.com/office/drawing/2014/main" id="{B5499C44-3746-46BB-B6A5-1B5C95B4E0F4}"/>
+                <a16:creationId xmlns:a16="http://schemas.microsoft.com/office/drawing/2014/main" xmlns="" id="{B5499C44-3746-46BB-B6A5-1B5C95B4E0F4}"/>
               </a:ext>
             </a:extLst>
           </p:cNvPr>
@@ -18289,7 +20817,7 @@
           <p:cNvPr id="158" name="연결선: 구부러짐 37">
             <a:extLst>
               <a:ext uri="{FF2B5EF4-FFF2-40B4-BE49-F238E27FC236}">
-                <a16:creationId xmlns="" xmlns:a16="http://schemas.microsoft.com/office/drawing/2014/main" id="{9FBAD8DE-1FC0-44E7-B9D1-2A08C0225614}"/>
+                <a16:creationId xmlns:a16="http://schemas.microsoft.com/office/drawing/2014/main" xmlns="" id="{9FBAD8DE-1FC0-44E7-B9D1-2A08C0225614}"/>
               </a:ext>
             </a:extLst>
           </p:cNvPr>
@@ -18405,7 +20933,7 @@
           <p:cNvPr id="184" name="직사각형 183">
             <a:extLst>
               <a:ext uri="{FF2B5EF4-FFF2-40B4-BE49-F238E27FC236}">
-                <a16:creationId xmlns="" xmlns:a16="http://schemas.microsoft.com/office/drawing/2014/main" id="{B5499C44-3746-46BB-B6A5-1B5C95B4E0F4}"/>
+                <a16:creationId xmlns:a16="http://schemas.microsoft.com/office/drawing/2014/main" xmlns="" id="{B5499C44-3746-46BB-B6A5-1B5C95B4E0F4}"/>
               </a:ext>
             </a:extLst>
           </p:cNvPr>
@@ -18459,7 +20987,7 @@
           <p:cNvPr id="185" name="직사각형 184">
             <a:extLst>
               <a:ext uri="{FF2B5EF4-FFF2-40B4-BE49-F238E27FC236}">
-                <a16:creationId xmlns="" xmlns:a16="http://schemas.microsoft.com/office/drawing/2014/main" id="{B5499C44-3746-46BB-B6A5-1B5C95B4E0F4}"/>
+                <a16:creationId xmlns:a16="http://schemas.microsoft.com/office/drawing/2014/main" xmlns="" id="{B5499C44-3746-46BB-B6A5-1B5C95B4E0F4}"/>
               </a:ext>
             </a:extLst>
           </p:cNvPr>
@@ -18550,7 +21078,7 @@
           <p:cNvPr id="2" name="제목 1">
             <a:extLst>
               <a:ext uri="{FF2B5EF4-FFF2-40B4-BE49-F238E27FC236}">
-                <a16:creationId xmlns="" xmlns:a16="http://schemas.microsoft.com/office/drawing/2014/main" id="{0F81927D-BEC0-4B15-8DFC-F1F5605BDA53}"/>
+                <a16:creationId xmlns:a16="http://schemas.microsoft.com/office/drawing/2014/main" xmlns="" id="{0F81927D-BEC0-4B15-8DFC-F1F5605BDA53}"/>
               </a:ext>
             </a:extLst>
           </p:cNvPr>
@@ -18612,7 +21140,7 @@
           <p:cNvPr id="27" name="표 13">
             <a:extLst>
               <a:ext uri="{FF2B5EF4-FFF2-40B4-BE49-F238E27FC236}">
-                <a16:creationId xmlns="" xmlns:a16="http://schemas.microsoft.com/office/drawing/2014/main" id="{11DA25FE-0D1F-4F3D-88F8-97D34B5D7B86}"/>
+                <a16:creationId xmlns:a16="http://schemas.microsoft.com/office/drawing/2014/main" xmlns="" id="{11DA25FE-0D1F-4F3D-88F8-97D34B5D7B86}"/>
               </a:ext>
             </a:extLst>
           </p:cNvPr>
@@ -18642,42 +21170,42 @@
                 <a:gridCol w="3178019">
                   <a:extLst>
                     <a:ext uri="{9D8B030D-6E8A-4147-A177-3AD203B41FA5}">
-                      <a16:colId xmlns="" xmlns:a16="http://schemas.microsoft.com/office/drawing/2014/main" val="2219697846"/>
+                      <a16:colId xmlns:a16="http://schemas.microsoft.com/office/drawing/2014/main" xmlns="" val="2219697846"/>
                     </a:ext>
                   </a:extLst>
                 </a:gridCol>
                 <a:gridCol w="1213440">
                   <a:extLst>
                     <a:ext uri="{9D8B030D-6E8A-4147-A177-3AD203B41FA5}">
-                      <a16:colId xmlns="" xmlns:a16="http://schemas.microsoft.com/office/drawing/2014/main" val="3097901954"/>
+                      <a16:colId xmlns:a16="http://schemas.microsoft.com/office/drawing/2014/main" xmlns="" val="3097901954"/>
                     </a:ext>
                   </a:extLst>
                 </a:gridCol>
                 <a:gridCol w="1213440">
                   <a:extLst>
                     <a:ext uri="{9D8B030D-6E8A-4147-A177-3AD203B41FA5}">
-                      <a16:colId xmlns="" xmlns:a16="http://schemas.microsoft.com/office/drawing/2014/main" val="2026100435"/>
+                      <a16:colId xmlns:a16="http://schemas.microsoft.com/office/drawing/2014/main" xmlns="" val="2026100435"/>
                     </a:ext>
                   </a:extLst>
                 </a:gridCol>
                 <a:gridCol w="1213440">
                   <a:extLst>
                     <a:ext uri="{9D8B030D-6E8A-4147-A177-3AD203B41FA5}">
-                      <a16:colId xmlns="" xmlns:a16="http://schemas.microsoft.com/office/drawing/2014/main" val="2835344623"/>
+                      <a16:colId xmlns:a16="http://schemas.microsoft.com/office/drawing/2014/main" xmlns="" val="2835344623"/>
                     </a:ext>
                   </a:extLst>
                 </a:gridCol>
                 <a:gridCol w="1213440">
                   <a:extLst>
                     <a:ext uri="{9D8B030D-6E8A-4147-A177-3AD203B41FA5}">
-                      <a16:colId xmlns="" xmlns:a16="http://schemas.microsoft.com/office/drawing/2014/main" val="2793878361"/>
+                      <a16:colId xmlns:a16="http://schemas.microsoft.com/office/drawing/2014/main" xmlns="" val="2793878361"/>
                     </a:ext>
                   </a:extLst>
                 </a:gridCol>
                 <a:gridCol w="1213440">
                   <a:extLst>
                     <a:ext uri="{9D8B030D-6E8A-4147-A177-3AD203B41FA5}">
-                      <a16:colId xmlns="" xmlns:a16="http://schemas.microsoft.com/office/drawing/2014/main" val="2981208658"/>
+                      <a16:colId xmlns:a16="http://schemas.microsoft.com/office/drawing/2014/main" xmlns="" val="2981208658"/>
                     </a:ext>
                   </a:extLst>
                 </a:gridCol>
@@ -18948,7 +21476,7 @@
                 </a:tc>
                 <a:extLst>
                   <a:ext uri="{0D108BD9-81ED-4DB2-BD59-A6C34878D82A}">
-                    <a16:rowId xmlns="" xmlns:a16="http://schemas.microsoft.com/office/drawing/2014/main" val="424042083"/>
+                    <a16:rowId xmlns:a16="http://schemas.microsoft.com/office/drawing/2014/main" xmlns="" val="424042083"/>
                   </a:ext>
                 </a:extLst>
               </a:tr>
@@ -19235,7 +21763,7 @@
                 </a:tc>
                 <a:extLst>
                   <a:ext uri="{0D108BD9-81ED-4DB2-BD59-A6C34878D82A}">
-                    <a16:rowId xmlns="" xmlns:a16="http://schemas.microsoft.com/office/drawing/2014/main" val="2553769619"/>
+                    <a16:rowId xmlns:a16="http://schemas.microsoft.com/office/drawing/2014/main" xmlns="" val="2553769619"/>
                   </a:ext>
                 </a:extLst>
               </a:tr>
@@ -19518,7 +22046,7 @@
                 </a:tc>
                 <a:extLst>
                   <a:ext uri="{0D108BD9-81ED-4DB2-BD59-A6C34878D82A}">
-                    <a16:rowId xmlns="" xmlns:a16="http://schemas.microsoft.com/office/drawing/2014/main" val="1697511207"/>
+                    <a16:rowId xmlns:a16="http://schemas.microsoft.com/office/drawing/2014/main" xmlns="" val="1697511207"/>
                   </a:ext>
                 </a:extLst>
               </a:tr>
@@ -19769,7 +22297,7 @@
                 </a:tc>
                 <a:extLst>
                   <a:ext uri="{0D108BD9-81ED-4DB2-BD59-A6C34878D82A}">
-                    <a16:rowId xmlns="" xmlns:a16="http://schemas.microsoft.com/office/drawing/2014/main" val="1758487240"/>
+                    <a16:rowId xmlns:a16="http://schemas.microsoft.com/office/drawing/2014/main" xmlns="" val="1758487240"/>
                   </a:ext>
                 </a:extLst>
               </a:tr>
@@ -20020,7 +22548,7 @@
                 </a:tc>
                 <a:extLst>
                   <a:ext uri="{0D108BD9-81ED-4DB2-BD59-A6C34878D82A}">
-                    <a16:rowId xmlns="" xmlns:a16="http://schemas.microsoft.com/office/drawing/2014/main" val="3495779394"/>
+                    <a16:rowId xmlns:a16="http://schemas.microsoft.com/office/drawing/2014/main" xmlns="" val="3495779394"/>
                   </a:ext>
                 </a:extLst>
               </a:tr>
@@ -20271,7 +22799,7 @@
                 </a:tc>
                 <a:extLst>
                   <a:ext uri="{0D108BD9-81ED-4DB2-BD59-A6C34878D82A}">
-                    <a16:rowId xmlns="" xmlns:a16="http://schemas.microsoft.com/office/drawing/2014/main" val="2587361067"/>
+                    <a16:rowId xmlns:a16="http://schemas.microsoft.com/office/drawing/2014/main" xmlns="" val="2587361067"/>
                   </a:ext>
                 </a:extLst>
               </a:tr>
@@ -20522,7 +23050,7 @@
                 </a:tc>
                 <a:extLst>
                   <a:ext uri="{0D108BD9-81ED-4DB2-BD59-A6C34878D82A}">
-                    <a16:rowId xmlns="" xmlns:a16="http://schemas.microsoft.com/office/drawing/2014/main" val="3752428578"/>
+                    <a16:rowId xmlns:a16="http://schemas.microsoft.com/office/drawing/2014/main" xmlns="" val="3752428578"/>
                   </a:ext>
                 </a:extLst>
               </a:tr>
@@ -20789,7 +23317,7 @@
                 </a:tc>
                 <a:extLst>
                   <a:ext uri="{0D108BD9-81ED-4DB2-BD59-A6C34878D82A}">
-                    <a16:rowId xmlns="" xmlns:a16="http://schemas.microsoft.com/office/drawing/2014/main" val="2019577717"/>
+                    <a16:rowId xmlns:a16="http://schemas.microsoft.com/office/drawing/2014/main" xmlns="" val="2019577717"/>
                   </a:ext>
                 </a:extLst>
               </a:tr>
@@ -21040,7 +23568,7 @@
                 </a:tc>
                 <a:extLst>
                   <a:ext uri="{0D108BD9-81ED-4DB2-BD59-A6C34878D82A}">
-                    <a16:rowId xmlns="" xmlns:a16="http://schemas.microsoft.com/office/drawing/2014/main" val="3125623415"/>
+                    <a16:rowId xmlns:a16="http://schemas.microsoft.com/office/drawing/2014/main" xmlns="" val="3125623415"/>
                   </a:ext>
                 </a:extLst>
               </a:tr>
@@ -21297,7 +23825,7 @@
                 </a:tc>
                 <a:extLst>
                   <a:ext uri="{0D108BD9-81ED-4DB2-BD59-A6C34878D82A}">
-                    <a16:rowId xmlns="" xmlns:a16="http://schemas.microsoft.com/office/drawing/2014/main" val="10009"/>
+                    <a16:rowId xmlns:a16="http://schemas.microsoft.com/office/drawing/2014/main" xmlns="" val="10009"/>
                   </a:ext>
                 </a:extLst>
               </a:tr>
@@ -21568,7 +24096,7 @@
                 </a:tc>
                 <a:extLst>
                   <a:ext uri="{0D108BD9-81ED-4DB2-BD59-A6C34878D82A}">
-                    <a16:rowId xmlns="" xmlns:a16="http://schemas.microsoft.com/office/drawing/2014/main" val="10010"/>
+                    <a16:rowId xmlns:a16="http://schemas.microsoft.com/office/drawing/2014/main" xmlns="" val="10010"/>
                   </a:ext>
                 </a:extLst>
               </a:tr>
@@ -21581,7 +24109,7 @@
           <p:cNvPr id="28" name="직선 화살표 연결선 27">
             <a:extLst>
               <a:ext uri="{FF2B5EF4-FFF2-40B4-BE49-F238E27FC236}">
-                <a16:creationId xmlns="" xmlns:a16="http://schemas.microsoft.com/office/drawing/2014/main" id="{0552A988-35CC-4A06-B6D5-79492365FF44}"/>
+                <a16:creationId xmlns:a16="http://schemas.microsoft.com/office/drawing/2014/main" xmlns="" id="{0552A988-35CC-4A06-B6D5-79492365FF44}"/>
               </a:ext>
             </a:extLst>
           </p:cNvPr>
@@ -21622,7 +24150,7 @@
           <p:cNvPr id="29" name="직선 화살표 연결선 28">
             <a:extLst>
               <a:ext uri="{FF2B5EF4-FFF2-40B4-BE49-F238E27FC236}">
-                <a16:creationId xmlns="" xmlns:a16="http://schemas.microsoft.com/office/drawing/2014/main" id="{C77E87E9-452D-47F8-AAB9-1109B5A866E7}"/>
+                <a16:creationId xmlns:a16="http://schemas.microsoft.com/office/drawing/2014/main" xmlns="" id="{C77E87E9-452D-47F8-AAB9-1109B5A866E7}"/>
               </a:ext>
             </a:extLst>
           </p:cNvPr>
@@ -21663,7 +24191,7 @@
           <p:cNvPr id="30" name="직선 화살표 연결선 29">
             <a:extLst>
               <a:ext uri="{FF2B5EF4-FFF2-40B4-BE49-F238E27FC236}">
-                <a16:creationId xmlns="" xmlns:a16="http://schemas.microsoft.com/office/drawing/2014/main" id="{C7B27442-36F5-489D-BE45-8031B4CAA73C}"/>
+                <a16:creationId xmlns:a16="http://schemas.microsoft.com/office/drawing/2014/main" xmlns="" id="{C7B27442-36F5-489D-BE45-8031B4CAA73C}"/>
               </a:ext>
             </a:extLst>
           </p:cNvPr>
@@ -21704,7 +24232,7 @@
           <p:cNvPr id="31" name="직선 화살표 연결선 30">
             <a:extLst>
               <a:ext uri="{FF2B5EF4-FFF2-40B4-BE49-F238E27FC236}">
-                <a16:creationId xmlns="" xmlns:a16="http://schemas.microsoft.com/office/drawing/2014/main" id="{F041FD15-1AA9-41A5-A73F-338580CF9E78}"/>
+                <a16:creationId xmlns:a16="http://schemas.microsoft.com/office/drawing/2014/main" xmlns="" id="{F041FD15-1AA9-41A5-A73F-338580CF9E78}"/>
               </a:ext>
             </a:extLst>
           </p:cNvPr>
@@ -21745,7 +24273,7 @@
           <p:cNvPr id="32" name="직선 화살표 연결선 31">
             <a:extLst>
               <a:ext uri="{FF2B5EF4-FFF2-40B4-BE49-F238E27FC236}">
-                <a16:creationId xmlns="" xmlns:a16="http://schemas.microsoft.com/office/drawing/2014/main" id="{5A22DD37-A18A-45C2-BA6F-C9B8E2E1C764}"/>
+                <a16:creationId xmlns:a16="http://schemas.microsoft.com/office/drawing/2014/main" xmlns="" id="{5A22DD37-A18A-45C2-BA6F-C9B8E2E1C764}"/>
               </a:ext>
             </a:extLst>
           </p:cNvPr>
@@ -21786,7 +24314,7 @@
           <p:cNvPr id="33" name="직선 화살표 연결선 32">
             <a:extLst>
               <a:ext uri="{FF2B5EF4-FFF2-40B4-BE49-F238E27FC236}">
-                <a16:creationId xmlns="" xmlns:a16="http://schemas.microsoft.com/office/drawing/2014/main" id="{06B8257D-CA8F-4027-BCA7-8387DB14319B}"/>
+                <a16:creationId xmlns:a16="http://schemas.microsoft.com/office/drawing/2014/main" xmlns="" id="{06B8257D-CA8F-4027-BCA7-8387DB14319B}"/>
               </a:ext>
             </a:extLst>
           </p:cNvPr>
@@ -21827,7 +24355,7 @@
           <p:cNvPr id="52" name="직선 화살표 연결선 51">
             <a:extLst>
               <a:ext uri="{FF2B5EF4-FFF2-40B4-BE49-F238E27FC236}">
-                <a16:creationId xmlns="" xmlns:a16="http://schemas.microsoft.com/office/drawing/2014/main" id="{7DC0757F-028E-49E0-92F1-00526849F99B}"/>
+                <a16:creationId xmlns:a16="http://schemas.microsoft.com/office/drawing/2014/main" xmlns="" id="{7DC0757F-028E-49E0-92F1-00526849F99B}"/>
               </a:ext>
             </a:extLst>
           </p:cNvPr>
@@ -21868,7 +24396,7 @@
           <p:cNvPr id="53" name="직선 화살표 연결선 52">
             <a:extLst>
               <a:ext uri="{FF2B5EF4-FFF2-40B4-BE49-F238E27FC236}">
-                <a16:creationId xmlns="" xmlns:a16="http://schemas.microsoft.com/office/drawing/2014/main" id="{3B58106D-C027-4186-8608-ED57BA07C869}"/>
+                <a16:creationId xmlns:a16="http://schemas.microsoft.com/office/drawing/2014/main" xmlns="" id="{3B58106D-C027-4186-8608-ED57BA07C869}"/>
               </a:ext>
             </a:extLst>
           </p:cNvPr>
@@ -21909,7 +24437,7 @@
           <p:cNvPr id="18" name="직선 화살표 연결선 17">
             <a:extLst>
               <a:ext uri="{FF2B5EF4-FFF2-40B4-BE49-F238E27FC236}">
-                <a16:creationId xmlns="" xmlns:a16="http://schemas.microsoft.com/office/drawing/2014/main" id="{7DC0757F-028E-49E0-92F1-00526849F99B}"/>
+                <a16:creationId xmlns:a16="http://schemas.microsoft.com/office/drawing/2014/main" xmlns="" id="{7DC0757F-028E-49E0-92F1-00526849F99B}"/>
               </a:ext>
             </a:extLst>
           </p:cNvPr>
@@ -21950,7 +24478,7 @@
           <p:cNvPr id="19" name="직선 화살표 연결선 18">
             <a:extLst>
               <a:ext uri="{FF2B5EF4-FFF2-40B4-BE49-F238E27FC236}">
-                <a16:creationId xmlns="" xmlns:a16="http://schemas.microsoft.com/office/drawing/2014/main" id="{3B58106D-C027-4186-8608-ED57BA07C869}"/>
+                <a16:creationId xmlns:a16="http://schemas.microsoft.com/office/drawing/2014/main" xmlns="" id="{3B58106D-C027-4186-8608-ED57BA07C869}"/>
               </a:ext>
             </a:extLst>
           </p:cNvPr>
